--- a/106_DesignPattern/Cours/Observateur/Observateur.pptx
+++ b/106_DesignPattern/Cours/Observateur/Observateur.pptx
@@ -7,7 +7,9 @@
   <p:sldIdLst>
     <p:sldId id="256" r:id="rId2"/>
     <p:sldId id="258" r:id="rId3"/>
-    <p:sldId id="259" r:id="rId4"/>
+    <p:sldId id="260" r:id="rId4"/>
+    <p:sldId id="261" r:id="rId5"/>
+    <p:sldId id="259" r:id="rId6"/>
   </p:sldIdLst>
   <p:sldSz cx="12192000" cy="6858000"/>
   <p:notesSz cx="6858000" cy="9144000"/>
@@ -106,7 +108,759 @@
       </a:defRPr>
     </a:lvl9pPr>
   </p:defaultTextStyle>
+  <p:extLst>
+    <p:ext uri="{EFAFB233-063F-42B5-8137-9DF3F51BA10A}">
+      <p15:sldGuideLst xmlns:p15="http://schemas.microsoft.com/office/powerpoint/2012/main"/>
+    </p:ext>
+  </p:extLst>
 </p:presentation>
+</file>
+
+<file path=ppt/revisionInfo.xml><?xml version="1.0" encoding="utf-8"?>
+<p1510:revInfo xmlns:a="http://schemas.openxmlformats.org/drawingml/2006/main" xmlns:r="http://schemas.openxmlformats.org/officeDocument/2006/relationships" xmlns:p1510="http://schemas.microsoft.com/office/powerpoint/2015/10/main">
+  <p1510:revLst>
+    <p1510:client id="{FC976D47-49AC-41B6-B5F5-80E15325E9E0}" v="28" dt="2023-07-20T05:46:06.247"/>
+  </p1510:revLst>
+</p1510:revInfo>
+</file>
+
+<file path=ppt/changesInfos/changesInfo1.xml><?xml version="1.0" encoding="utf-8"?>
+<pc:chgInfo xmlns:a="http://schemas.openxmlformats.org/drawingml/2006/main" xmlns:r="http://schemas.openxmlformats.org/officeDocument/2006/relationships" xmlns:ac="http://schemas.microsoft.com/office/drawing/2013/main/command" xmlns:pc="http://schemas.microsoft.com/office/powerpoint/2013/main/command">
+  <pc:docChgLst>
+    <pc:chgData name="David CRAVO" userId="ba75d8fe6eadcc5e" providerId="LiveId" clId="{FC976D47-49AC-41B6-B5F5-80E15325E9E0}"/>
+    <pc:docChg chg="undo custSel addSld modSld">
+      <pc:chgData name="David CRAVO" userId="ba75d8fe6eadcc5e" providerId="LiveId" clId="{FC976D47-49AC-41B6-B5F5-80E15325E9E0}" dt="2023-07-20T05:47:47.425" v="398" actId="1076"/>
+      <pc:docMkLst>
+        <pc:docMk/>
+      </pc:docMkLst>
+      <pc:sldChg chg="addSp delSp modSp mod">
+        <pc:chgData name="David CRAVO" userId="ba75d8fe6eadcc5e" providerId="LiveId" clId="{FC976D47-49AC-41B6-B5F5-80E15325E9E0}" dt="2023-07-19T20:30:23.310" v="211" actId="1582"/>
+        <pc:sldMkLst>
+          <pc:docMk/>
+          <pc:sldMk cId="991438220" sldId="258"/>
+        </pc:sldMkLst>
+        <pc:spChg chg="mod">
+          <ac:chgData name="David CRAVO" userId="ba75d8fe6eadcc5e" providerId="LiveId" clId="{FC976D47-49AC-41B6-B5F5-80E15325E9E0}" dt="2023-07-19T20:12:56.114" v="136" actId="1076"/>
+          <ac:spMkLst>
+            <pc:docMk/>
+            <pc:sldMk cId="991438220" sldId="258"/>
+            <ac:spMk id="4" creationId="{FF128ED7-1627-A072-0893-6EE9F8332AD7}"/>
+          </ac:spMkLst>
+        </pc:spChg>
+        <pc:spChg chg="mod">
+          <ac:chgData name="David CRAVO" userId="ba75d8fe6eadcc5e" providerId="LiveId" clId="{FC976D47-49AC-41B6-B5F5-80E15325E9E0}" dt="2023-07-19T20:04:00.739" v="57" actId="1076"/>
+          <ac:spMkLst>
+            <pc:docMk/>
+            <pc:sldMk cId="991438220" sldId="258"/>
+            <ac:spMk id="5" creationId="{057CC279-BCE0-5BE1-C62D-C8EE18066C7A}"/>
+          </ac:spMkLst>
+        </pc:spChg>
+        <pc:spChg chg="mod">
+          <ac:chgData name="David CRAVO" userId="ba75d8fe6eadcc5e" providerId="LiveId" clId="{FC976D47-49AC-41B6-B5F5-80E15325E9E0}" dt="2023-07-19T20:13:03.533" v="138" actId="20577"/>
+          <ac:spMkLst>
+            <pc:docMk/>
+            <pc:sldMk cId="991438220" sldId="258"/>
+            <ac:spMk id="6" creationId="{ED4996EA-B60A-E71D-2CA0-559AC16AB894}"/>
+          </ac:spMkLst>
+        </pc:spChg>
+        <pc:spChg chg="mod">
+          <ac:chgData name="David CRAVO" userId="ba75d8fe6eadcc5e" providerId="LiveId" clId="{FC976D47-49AC-41B6-B5F5-80E15325E9E0}" dt="2023-07-19T20:04:57.599" v="67"/>
+          <ac:spMkLst>
+            <pc:docMk/>
+            <pc:sldMk cId="991438220" sldId="258"/>
+            <ac:spMk id="7" creationId="{82564053-97EE-B258-7E98-6803E85AA713}"/>
+          </ac:spMkLst>
+        </pc:spChg>
+        <pc:spChg chg="del mod">
+          <ac:chgData name="David CRAVO" userId="ba75d8fe6eadcc5e" providerId="LiveId" clId="{FC976D47-49AC-41B6-B5F5-80E15325E9E0}" dt="2023-07-19T20:04:23.783" v="62" actId="478"/>
+          <ac:spMkLst>
+            <pc:docMk/>
+            <pc:sldMk cId="991438220" sldId="258"/>
+            <ac:spMk id="8" creationId="{28D33C03-2237-F343-4122-6CF5FA42DBA7}"/>
+          </ac:spMkLst>
+        </pc:spChg>
+        <pc:spChg chg="del">
+          <ac:chgData name="David CRAVO" userId="ba75d8fe6eadcc5e" providerId="LiveId" clId="{FC976D47-49AC-41B6-B5F5-80E15325E9E0}" dt="2023-07-19T20:04:33.019" v="63" actId="478"/>
+          <ac:spMkLst>
+            <pc:docMk/>
+            <pc:sldMk cId="991438220" sldId="258"/>
+            <ac:spMk id="10" creationId="{CBF0FE16-F605-EFD9-9042-3354A2E9FD30}"/>
+          </ac:spMkLst>
+        </pc:spChg>
+        <pc:spChg chg="add mod">
+          <ac:chgData name="David CRAVO" userId="ba75d8fe6eadcc5e" providerId="LiveId" clId="{FC976D47-49AC-41B6-B5F5-80E15325E9E0}" dt="2023-07-19T20:13:10.597" v="140" actId="20577"/>
+          <ac:spMkLst>
+            <pc:docMk/>
+            <pc:sldMk cId="991438220" sldId="258"/>
+            <ac:spMk id="11" creationId="{8D316B63-4121-DBCB-724A-D228723CCEBC}"/>
+          </ac:spMkLst>
+        </pc:spChg>
+        <pc:spChg chg="add mod">
+          <ac:chgData name="David CRAVO" userId="ba75d8fe6eadcc5e" providerId="LiveId" clId="{FC976D47-49AC-41B6-B5F5-80E15325E9E0}" dt="2023-07-19T20:13:16.782" v="142" actId="20577"/>
+          <ac:spMkLst>
+            <pc:docMk/>
+            <pc:sldMk cId="991438220" sldId="258"/>
+            <ac:spMk id="12" creationId="{F88AC6B2-EBA0-0C0C-AC27-2F3A7AF70635}"/>
+          </ac:spMkLst>
+        </pc:spChg>
+        <pc:spChg chg="mod">
+          <ac:chgData name="David CRAVO" userId="ba75d8fe6eadcc5e" providerId="LiveId" clId="{FC976D47-49AC-41B6-B5F5-80E15325E9E0}" dt="2023-07-19T20:07:54.748" v="83" actId="207"/>
+          <ac:spMkLst>
+            <pc:docMk/>
+            <pc:sldMk cId="991438220" sldId="258"/>
+            <ac:spMk id="20" creationId="{4B234187-AA20-D1F0-224E-89D6CF0E80E1}"/>
+          </ac:spMkLst>
+        </pc:spChg>
+        <pc:spChg chg="mod">
+          <ac:chgData name="David CRAVO" userId="ba75d8fe6eadcc5e" providerId="LiveId" clId="{FC976D47-49AC-41B6-B5F5-80E15325E9E0}" dt="2023-07-19T20:11:34.532" v="114" actId="1076"/>
+          <ac:spMkLst>
+            <pc:docMk/>
+            <pc:sldMk cId="991438220" sldId="258"/>
+            <ac:spMk id="23" creationId="{3CC6A6D8-F6C7-D47E-A97B-F20556F96CDA}"/>
+          </ac:spMkLst>
+        </pc:spChg>
+        <pc:spChg chg="mod">
+          <ac:chgData name="David CRAVO" userId="ba75d8fe6eadcc5e" providerId="LiveId" clId="{FC976D47-49AC-41B6-B5F5-80E15325E9E0}" dt="2023-07-19T20:11:57.901" v="115" actId="1076"/>
+          <ac:spMkLst>
+            <pc:docMk/>
+            <pc:sldMk cId="991438220" sldId="258"/>
+            <ac:spMk id="24" creationId="{8A164738-B1CA-07BB-52C5-606C8B66E600}"/>
+          </ac:spMkLst>
+        </pc:spChg>
+        <pc:spChg chg="add mod">
+          <ac:chgData name="David CRAVO" userId="ba75d8fe6eadcc5e" providerId="LiveId" clId="{FC976D47-49AC-41B6-B5F5-80E15325E9E0}" dt="2023-07-19T20:11:09.391" v="109"/>
+          <ac:spMkLst>
+            <pc:docMk/>
+            <pc:sldMk cId="991438220" sldId="258"/>
+            <ac:spMk id="26" creationId="{A1ED68B9-9B02-C6A6-795A-50D117556973}"/>
+          </ac:spMkLst>
+        </pc:spChg>
+        <pc:spChg chg="add mod">
+          <ac:chgData name="David CRAVO" userId="ba75d8fe6eadcc5e" providerId="LiveId" clId="{FC976D47-49AC-41B6-B5F5-80E15325E9E0}" dt="2023-07-19T20:11:28.339" v="113" actId="1076"/>
+          <ac:spMkLst>
+            <pc:docMk/>
+            <pc:sldMk cId="991438220" sldId="258"/>
+            <ac:spMk id="27" creationId="{99555ED7-DC25-75ED-626F-72313E740E87}"/>
+          </ac:spMkLst>
+        </pc:spChg>
+        <pc:spChg chg="add mod">
+          <ac:chgData name="David CRAVO" userId="ba75d8fe6eadcc5e" providerId="LiveId" clId="{FC976D47-49AC-41B6-B5F5-80E15325E9E0}" dt="2023-07-19T20:11:21.909" v="112" actId="1076"/>
+          <ac:spMkLst>
+            <pc:docMk/>
+            <pc:sldMk cId="991438220" sldId="258"/>
+            <ac:spMk id="28" creationId="{5EC815C0-DCE6-5F27-3F0B-30A4DDE28932}"/>
+          </ac:spMkLst>
+        </pc:spChg>
+        <pc:cxnChg chg="mod">
+          <ac:chgData name="David CRAVO" userId="ba75d8fe6eadcc5e" providerId="LiveId" clId="{FC976D47-49AC-41B6-B5F5-80E15325E9E0}" dt="2023-07-19T20:30:23.310" v="211" actId="1582"/>
+          <ac:cxnSpMkLst>
+            <pc:docMk/>
+            <pc:sldMk cId="991438220" sldId="258"/>
+            <ac:cxnSpMk id="14" creationId="{5FB3C4B5-B22F-C581-2ED3-053B65231F62}"/>
+          </ac:cxnSpMkLst>
+        </pc:cxnChg>
+        <pc:cxnChg chg="add mod">
+          <ac:chgData name="David CRAVO" userId="ba75d8fe6eadcc5e" providerId="LiveId" clId="{FC976D47-49AC-41B6-B5F5-80E15325E9E0}" dt="2023-07-19T20:30:23.310" v="211" actId="1582"/>
+          <ac:cxnSpMkLst>
+            <pc:docMk/>
+            <pc:sldMk cId="991438220" sldId="258"/>
+            <ac:cxnSpMk id="15" creationId="{74F64545-63E1-1593-E815-C41C6FE4539C}"/>
+          </ac:cxnSpMkLst>
+        </pc:cxnChg>
+        <pc:cxnChg chg="mod">
+          <ac:chgData name="David CRAVO" userId="ba75d8fe6eadcc5e" providerId="LiveId" clId="{FC976D47-49AC-41B6-B5F5-80E15325E9E0}" dt="2023-07-19T20:30:23.310" v="211" actId="1582"/>
+          <ac:cxnSpMkLst>
+            <pc:docMk/>
+            <pc:sldMk cId="991438220" sldId="258"/>
+            <ac:cxnSpMk id="16" creationId="{6234E92F-A561-4CED-02D9-3DBB05BA7290}"/>
+          </ac:cxnSpMkLst>
+        </pc:cxnChg>
+        <pc:cxnChg chg="mod">
+          <ac:chgData name="David CRAVO" userId="ba75d8fe6eadcc5e" providerId="LiveId" clId="{FC976D47-49AC-41B6-B5F5-80E15325E9E0}" dt="2023-07-19T20:30:23.310" v="211" actId="1582"/>
+          <ac:cxnSpMkLst>
+            <pc:docMk/>
+            <pc:sldMk cId="991438220" sldId="258"/>
+            <ac:cxnSpMk id="18" creationId="{F537C275-EE69-233A-F0B5-290AF637C35A}"/>
+          </ac:cxnSpMkLst>
+        </pc:cxnChg>
+        <pc:cxnChg chg="add mod">
+          <ac:chgData name="David CRAVO" userId="ba75d8fe6eadcc5e" providerId="LiveId" clId="{FC976D47-49AC-41B6-B5F5-80E15325E9E0}" dt="2023-07-19T20:30:23.310" v="211" actId="1582"/>
+          <ac:cxnSpMkLst>
+            <pc:docMk/>
+            <pc:sldMk cId="991438220" sldId="258"/>
+            <ac:cxnSpMk id="19" creationId="{4B78E69C-7175-C43F-98EF-39CC67A8B861}"/>
+          </ac:cxnSpMkLst>
+        </pc:cxnChg>
+        <pc:cxnChg chg="add mod">
+          <ac:chgData name="David CRAVO" userId="ba75d8fe6eadcc5e" providerId="LiveId" clId="{FC976D47-49AC-41B6-B5F5-80E15325E9E0}" dt="2023-07-19T20:30:23.310" v="211" actId="1582"/>
+          <ac:cxnSpMkLst>
+            <pc:docMk/>
+            <pc:sldMk cId="991438220" sldId="258"/>
+            <ac:cxnSpMk id="25" creationId="{DA6A501C-1F70-BC7B-D916-8DBB11FFEB8F}"/>
+          </ac:cxnSpMkLst>
+        </pc:cxnChg>
+      </pc:sldChg>
+      <pc:sldChg chg="addSp modSp new mod">
+        <pc:chgData name="David CRAVO" userId="ba75d8fe6eadcc5e" providerId="LiveId" clId="{FC976D47-49AC-41B6-B5F5-80E15325E9E0}" dt="2023-07-19T20:28:20.856" v="210" actId="208"/>
+        <pc:sldMkLst>
+          <pc:docMk/>
+          <pc:sldMk cId="2829809620" sldId="260"/>
+        </pc:sldMkLst>
+        <pc:spChg chg="add mod">
+          <ac:chgData name="David CRAVO" userId="ba75d8fe6eadcc5e" providerId="LiveId" clId="{FC976D47-49AC-41B6-B5F5-80E15325E9E0}" dt="2023-07-19T20:17:41.901" v="144"/>
+          <ac:spMkLst>
+            <pc:docMk/>
+            <pc:sldMk cId="2829809620" sldId="260"/>
+            <ac:spMk id="2" creationId="{ECA2B811-7811-2F67-357B-673176043A00}"/>
+          </ac:spMkLst>
+        </pc:spChg>
+        <pc:spChg chg="add mod">
+          <ac:chgData name="David CRAVO" userId="ba75d8fe6eadcc5e" providerId="LiveId" clId="{FC976D47-49AC-41B6-B5F5-80E15325E9E0}" dt="2023-07-19T20:17:41.901" v="144"/>
+          <ac:spMkLst>
+            <pc:docMk/>
+            <pc:sldMk cId="2829809620" sldId="260"/>
+            <ac:spMk id="3" creationId="{07FA8C73-8B87-53DE-E9B9-A2872F22116D}"/>
+          </ac:spMkLst>
+        </pc:spChg>
+        <pc:spChg chg="add mod">
+          <ac:chgData name="David CRAVO" userId="ba75d8fe6eadcc5e" providerId="LiveId" clId="{FC976D47-49AC-41B6-B5F5-80E15325E9E0}" dt="2023-07-19T20:17:41.901" v="144"/>
+          <ac:spMkLst>
+            <pc:docMk/>
+            <pc:sldMk cId="2829809620" sldId="260"/>
+            <ac:spMk id="4" creationId="{F9003BE7-EB5B-BFB7-82F9-ECC25EFF90CA}"/>
+          </ac:spMkLst>
+        </pc:spChg>
+        <pc:spChg chg="add mod">
+          <ac:chgData name="David CRAVO" userId="ba75d8fe6eadcc5e" providerId="LiveId" clId="{FC976D47-49AC-41B6-B5F5-80E15325E9E0}" dt="2023-07-19T20:17:41.901" v="144"/>
+          <ac:spMkLst>
+            <pc:docMk/>
+            <pc:sldMk cId="2829809620" sldId="260"/>
+            <ac:spMk id="5" creationId="{9DFBD309-A93C-C0B7-2F87-C332AB5C980E}"/>
+          </ac:spMkLst>
+        </pc:spChg>
+        <pc:spChg chg="add mod">
+          <ac:chgData name="David CRAVO" userId="ba75d8fe6eadcc5e" providerId="LiveId" clId="{FC976D47-49AC-41B6-B5F5-80E15325E9E0}" dt="2023-07-19T20:17:41.901" v="144"/>
+          <ac:spMkLst>
+            <pc:docMk/>
+            <pc:sldMk cId="2829809620" sldId="260"/>
+            <ac:spMk id="6" creationId="{C4B53183-8D78-1C15-7E20-6C92F469EF37}"/>
+          </ac:spMkLst>
+        </pc:spChg>
+        <pc:spChg chg="add mod">
+          <ac:chgData name="David CRAVO" userId="ba75d8fe6eadcc5e" providerId="LiveId" clId="{FC976D47-49AC-41B6-B5F5-80E15325E9E0}" dt="2023-07-19T20:17:41.901" v="144"/>
+          <ac:spMkLst>
+            <pc:docMk/>
+            <pc:sldMk cId="2829809620" sldId="260"/>
+            <ac:spMk id="7" creationId="{7935C112-5988-6357-B5E2-C03FC3B35C04}"/>
+          </ac:spMkLst>
+        </pc:spChg>
+        <pc:spChg chg="add mod">
+          <ac:chgData name="David CRAVO" userId="ba75d8fe6eadcc5e" providerId="LiveId" clId="{FC976D47-49AC-41B6-B5F5-80E15325E9E0}" dt="2023-07-19T20:18:05" v="146" actId="1076"/>
+          <ac:spMkLst>
+            <pc:docMk/>
+            <pc:sldMk cId="2829809620" sldId="260"/>
+            <ac:spMk id="8" creationId="{07653A5A-CB82-77FD-B617-FDCD21625DE1}"/>
+          </ac:spMkLst>
+        </pc:spChg>
+        <pc:spChg chg="add mod">
+          <ac:chgData name="David CRAVO" userId="ba75d8fe6eadcc5e" providerId="LiveId" clId="{FC976D47-49AC-41B6-B5F5-80E15325E9E0}" dt="2023-07-19T20:18:05" v="146" actId="1076"/>
+          <ac:spMkLst>
+            <pc:docMk/>
+            <pc:sldMk cId="2829809620" sldId="260"/>
+            <ac:spMk id="9" creationId="{9D43C214-A3E4-8B64-979A-94D954136777}"/>
+          </ac:spMkLst>
+        </pc:spChg>
+        <pc:spChg chg="add mod">
+          <ac:chgData name="David CRAVO" userId="ba75d8fe6eadcc5e" providerId="LiveId" clId="{FC976D47-49AC-41B6-B5F5-80E15325E9E0}" dt="2023-07-19T20:18:32.333" v="151" actId="1076"/>
+          <ac:spMkLst>
+            <pc:docMk/>
+            <pc:sldMk cId="2829809620" sldId="260"/>
+            <ac:spMk id="10" creationId="{ECDB9E3A-BF0F-DE57-9052-40691C3FC99C}"/>
+          </ac:spMkLst>
+        </pc:spChg>
+        <pc:spChg chg="add mod">
+          <ac:chgData name="David CRAVO" userId="ba75d8fe6eadcc5e" providerId="LiveId" clId="{FC976D47-49AC-41B6-B5F5-80E15325E9E0}" dt="2023-07-19T20:18:45.703" v="152" actId="1076"/>
+          <ac:spMkLst>
+            <pc:docMk/>
+            <pc:sldMk cId="2829809620" sldId="260"/>
+            <ac:spMk id="11" creationId="{74DD0BBA-1A3F-DA96-C0D1-62847BAA6AB0}"/>
+          </ac:spMkLst>
+        </pc:spChg>
+        <pc:spChg chg="add mod">
+          <ac:chgData name="David CRAVO" userId="ba75d8fe6eadcc5e" providerId="LiveId" clId="{FC976D47-49AC-41B6-B5F5-80E15325E9E0}" dt="2023-07-19T20:18:15.354" v="149" actId="1076"/>
+          <ac:spMkLst>
+            <pc:docMk/>
+            <pc:sldMk cId="2829809620" sldId="260"/>
+            <ac:spMk id="12" creationId="{89CE6048-CEF2-104D-DD73-A02AC6CCDEE1}"/>
+          </ac:spMkLst>
+        </pc:spChg>
+        <pc:spChg chg="add mod">
+          <ac:chgData name="David CRAVO" userId="ba75d8fe6eadcc5e" providerId="LiveId" clId="{FC976D47-49AC-41B6-B5F5-80E15325E9E0}" dt="2023-07-19T20:18:15.354" v="149" actId="1076"/>
+          <ac:spMkLst>
+            <pc:docMk/>
+            <pc:sldMk cId="2829809620" sldId="260"/>
+            <ac:spMk id="13" creationId="{59CC8E33-F57A-5746-9EBB-14001950475E}"/>
+          </ac:spMkLst>
+        </pc:spChg>
+        <pc:spChg chg="add mod">
+          <ac:chgData name="David CRAVO" userId="ba75d8fe6eadcc5e" providerId="LiveId" clId="{FC976D47-49AC-41B6-B5F5-80E15325E9E0}" dt="2023-07-19T20:19:21.590" v="156" actId="207"/>
+          <ac:spMkLst>
+            <pc:docMk/>
+            <pc:sldMk cId="2829809620" sldId="260"/>
+            <ac:spMk id="14" creationId="{50CE4EEB-D4C7-A62C-CEF9-D4C52B9C2B85}"/>
+          </ac:spMkLst>
+        </pc:spChg>
+        <pc:spChg chg="add mod">
+          <ac:chgData name="David CRAVO" userId="ba75d8fe6eadcc5e" providerId="LiveId" clId="{FC976D47-49AC-41B6-B5F5-80E15325E9E0}" dt="2023-07-19T20:19:59.078" v="168" actId="1076"/>
+          <ac:spMkLst>
+            <pc:docMk/>
+            <pc:sldMk cId="2829809620" sldId="260"/>
+            <ac:spMk id="15" creationId="{7D2A617B-9997-E2A2-9548-F9792986F843}"/>
+          </ac:spMkLst>
+        </pc:spChg>
+        <pc:cxnChg chg="add mod">
+          <ac:chgData name="David CRAVO" userId="ba75d8fe6eadcc5e" providerId="LiveId" clId="{FC976D47-49AC-41B6-B5F5-80E15325E9E0}" dt="2023-07-19T20:27:12.169" v="204" actId="1076"/>
+          <ac:cxnSpMkLst>
+            <pc:docMk/>
+            <pc:sldMk cId="2829809620" sldId="260"/>
+            <ac:cxnSpMk id="17" creationId="{E7F5791B-D9CA-1C4F-6A67-CFBDDDD5B78B}"/>
+          </ac:cxnSpMkLst>
+        </pc:cxnChg>
+        <pc:cxnChg chg="add mod">
+          <ac:chgData name="David CRAVO" userId="ba75d8fe6eadcc5e" providerId="LiveId" clId="{FC976D47-49AC-41B6-B5F5-80E15325E9E0}" dt="2023-07-19T20:27:37.408" v="207" actId="1076"/>
+          <ac:cxnSpMkLst>
+            <pc:docMk/>
+            <pc:sldMk cId="2829809620" sldId="260"/>
+            <ac:cxnSpMk id="19" creationId="{33E69925-DF4F-1591-F435-BBDDF6DC30FC}"/>
+          </ac:cxnSpMkLst>
+        </pc:cxnChg>
+        <pc:cxnChg chg="add mod">
+          <ac:chgData name="David CRAVO" userId="ba75d8fe6eadcc5e" providerId="LiveId" clId="{FC976D47-49AC-41B6-B5F5-80E15325E9E0}" dt="2023-07-19T20:27:40.863" v="208" actId="1076"/>
+          <ac:cxnSpMkLst>
+            <pc:docMk/>
+            <pc:sldMk cId="2829809620" sldId="260"/>
+            <ac:cxnSpMk id="20" creationId="{EA77C0D7-5D51-ED09-F7EF-C6C39D30844E}"/>
+          </ac:cxnSpMkLst>
+        </pc:cxnChg>
+        <pc:cxnChg chg="add mod">
+          <ac:chgData name="David CRAVO" userId="ba75d8fe6eadcc5e" providerId="LiveId" clId="{FC976D47-49AC-41B6-B5F5-80E15325E9E0}" dt="2023-07-19T20:26:51.545" v="201" actId="1582"/>
+          <ac:cxnSpMkLst>
+            <pc:docMk/>
+            <pc:sldMk cId="2829809620" sldId="260"/>
+            <ac:cxnSpMk id="22" creationId="{10E20EB0-4BDC-B93B-9704-5953B70DB856}"/>
+          </ac:cxnSpMkLst>
+        </pc:cxnChg>
+        <pc:cxnChg chg="add mod">
+          <ac:chgData name="David CRAVO" userId="ba75d8fe6eadcc5e" providerId="LiveId" clId="{FC976D47-49AC-41B6-B5F5-80E15325E9E0}" dt="2023-07-19T20:26:51.545" v="201" actId="1582"/>
+          <ac:cxnSpMkLst>
+            <pc:docMk/>
+            <pc:sldMk cId="2829809620" sldId="260"/>
+            <ac:cxnSpMk id="23" creationId="{FA5D82C4-E330-535A-4489-36C811090EA1}"/>
+          </ac:cxnSpMkLst>
+        </pc:cxnChg>
+        <pc:cxnChg chg="add mod">
+          <ac:chgData name="David CRAVO" userId="ba75d8fe6eadcc5e" providerId="LiveId" clId="{FC976D47-49AC-41B6-B5F5-80E15325E9E0}" dt="2023-07-19T20:26:51.545" v="201" actId="1582"/>
+          <ac:cxnSpMkLst>
+            <pc:docMk/>
+            <pc:sldMk cId="2829809620" sldId="260"/>
+            <ac:cxnSpMk id="24" creationId="{9AE41D17-4A65-772D-0680-0E7190FD3706}"/>
+          </ac:cxnSpMkLst>
+        </pc:cxnChg>
+        <pc:cxnChg chg="add mod">
+          <ac:chgData name="David CRAVO" userId="ba75d8fe6eadcc5e" providerId="LiveId" clId="{FC976D47-49AC-41B6-B5F5-80E15325E9E0}" dt="2023-07-19T20:28:20.856" v="210" actId="208"/>
+          <ac:cxnSpMkLst>
+            <pc:docMk/>
+            <pc:sldMk cId="2829809620" sldId="260"/>
+            <ac:cxnSpMk id="25" creationId="{D40282ED-3483-344E-6879-B8DF1387BFF2}"/>
+          </ac:cxnSpMkLst>
+        </pc:cxnChg>
+        <pc:cxnChg chg="add mod">
+          <ac:chgData name="David CRAVO" userId="ba75d8fe6eadcc5e" providerId="LiveId" clId="{FC976D47-49AC-41B6-B5F5-80E15325E9E0}" dt="2023-07-19T20:28:20.856" v="210" actId="208"/>
+          <ac:cxnSpMkLst>
+            <pc:docMk/>
+            <pc:sldMk cId="2829809620" sldId="260"/>
+            <ac:cxnSpMk id="26" creationId="{57C6046A-E1BB-7C97-ADC3-FB9AE52D4894}"/>
+          </ac:cxnSpMkLst>
+        </pc:cxnChg>
+        <pc:cxnChg chg="add mod">
+          <ac:chgData name="David CRAVO" userId="ba75d8fe6eadcc5e" providerId="LiveId" clId="{FC976D47-49AC-41B6-B5F5-80E15325E9E0}" dt="2023-07-19T20:28:20.856" v="210" actId="208"/>
+          <ac:cxnSpMkLst>
+            <pc:docMk/>
+            <pc:sldMk cId="2829809620" sldId="260"/>
+            <ac:cxnSpMk id="27" creationId="{2853392C-BE49-03BB-8532-DE8952DBACC5}"/>
+          </ac:cxnSpMkLst>
+        </pc:cxnChg>
+        <pc:cxnChg chg="add mod">
+          <ac:chgData name="David CRAVO" userId="ba75d8fe6eadcc5e" providerId="LiveId" clId="{FC976D47-49AC-41B6-B5F5-80E15325E9E0}" dt="2023-07-19T20:28:20.856" v="210" actId="208"/>
+          <ac:cxnSpMkLst>
+            <pc:docMk/>
+            <pc:sldMk cId="2829809620" sldId="260"/>
+            <ac:cxnSpMk id="28" creationId="{0AD262FD-8E6F-9B4B-CF7F-AA9B85456120}"/>
+          </ac:cxnSpMkLst>
+        </pc:cxnChg>
+        <pc:cxnChg chg="add mod">
+          <ac:chgData name="David CRAVO" userId="ba75d8fe6eadcc5e" providerId="LiveId" clId="{FC976D47-49AC-41B6-B5F5-80E15325E9E0}" dt="2023-07-19T20:28:20.856" v="210" actId="208"/>
+          <ac:cxnSpMkLst>
+            <pc:docMk/>
+            <pc:sldMk cId="2829809620" sldId="260"/>
+            <ac:cxnSpMk id="29" creationId="{8374D0E0-9450-3D94-D574-4DBA24A74B0A}"/>
+          </ac:cxnSpMkLst>
+        </pc:cxnChg>
+        <pc:cxnChg chg="add mod">
+          <ac:chgData name="David CRAVO" userId="ba75d8fe6eadcc5e" providerId="LiveId" clId="{FC976D47-49AC-41B6-B5F5-80E15325E9E0}" dt="2023-07-19T20:28:20.856" v="210" actId="208"/>
+          <ac:cxnSpMkLst>
+            <pc:docMk/>
+            <pc:sldMk cId="2829809620" sldId="260"/>
+            <ac:cxnSpMk id="30" creationId="{F5C21D5C-BE2E-7091-76E4-DC4780746CB8}"/>
+          </ac:cxnSpMkLst>
+        </pc:cxnChg>
+      </pc:sldChg>
+      <pc:sldChg chg="addSp delSp modSp new mod">
+        <pc:chgData name="David CRAVO" userId="ba75d8fe6eadcc5e" providerId="LiveId" clId="{FC976D47-49AC-41B6-B5F5-80E15325E9E0}" dt="2023-07-20T05:47:47.425" v="398" actId="1076"/>
+        <pc:sldMkLst>
+          <pc:docMk/>
+          <pc:sldMk cId="791280490" sldId="261"/>
+        </pc:sldMkLst>
+        <pc:spChg chg="add mod">
+          <ac:chgData name="David CRAVO" userId="ba75d8fe6eadcc5e" providerId="LiveId" clId="{FC976D47-49AC-41B6-B5F5-80E15325E9E0}" dt="2023-07-20T04:47:21.263" v="221" actId="1076"/>
+          <ac:spMkLst>
+            <pc:docMk/>
+            <pc:sldMk cId="791280490" sldId="261"/>
+            <ac:spMk id="2" creationId="{A102DA76-BEA8-F808-40C7-8BEEDFE67066}"/>
+          </ac:spMkLst>
+        </pc:spChg>
+        <pc:spChg chg="add mod">
+          <ac:chgData name="David CRAVO" userId="ba75d8fe6eadcc5e" providerId="LiveId" clId="{FC976D47-49AC-41B6-B5F5-80E15325E9E0}" dt="2023-07-20T05:47:47.425" v="398" actId="1076"/>
+          <ac:spMkLst>
+            <pc:docMk/>
+            <pc:sldMk cId="791280490" sldId="261"/>
+            <ac:spMk id="3" creationId="{EB9CC2DE-5AEF-A25E-94BC-674F4ECFB97B}"/>
+          </ac:spMkLst>
+        </pc:spChg>
+        <pc:spChg chg="add del mod">
+          <ac:chgData name="David CRAVO" userId="ba75d8fe6eadcc5e" providerId="LiveId" clId="{FC976D47-49AC-41B6-B5F5-80E15325E9E0}" dt="2023-07-20T04:46:32.472" v="216" actId="478"/>
+          <ac:spMkLst>
+            <pc:docMk/>
+            <pc:sldMk cId="791280490" sldId="261"/>
+            <ac:spMk id="4" creationId="{BE103DCC-59DB-CBEE-010D-856FA683F0C6}"/>
+          </ac:spMkLst>
+        </pc:spChg>
+        <pc:spChg chg="add del mod">
+          <ac:chgData name="David CRAVO" userId="ba75d8fe6eadcc5e" providerId="LiveId" clId="{FC976D47-49AC-41B6-B5F5-80E15325E9E0}" dt="2023-07-20T04:46:32.472" v="216" actId="478"/>
+          <ac:spMkLst>
+            <pc:docMk/>
+            <pc:sldMk cId="791280490" sldId="261"/>
+            <ac:spMk id="5" creationId="{2C7D0B9E-2CF1-EE2B-9FC0-4AE1F152376C}"/>
+          </ac:spMkLst>
+        </pc:spChg>
+        <pc:spChg chg="add del mod">
+          <ac:chgData name="David CRAVO" userId="ba75d8fe6eadcc5e" providerId="LiveId" clId="{FC976D47-49AC-41B6-B5F5-80E15325E9E0}" dt="2023-07-20T04:46:32.472" v="216" actId="478"/>
+          <ac:spMkLst>
+            <pc:docMk/>
+            <pc:sldMk cId="791280490" sldId="261"/>
+            <ac:spMk id="6" creationId="{C7FA8F0A-01B4-9AEB-7ECA-00427AD85B2F}"/>
+          </ac:spMkLst>
+        </pc:spChg>
+        <pc:spChg chg="add del mod">
+          <ac:chgData name="David CRAVO" userId="ba75d8fe6eadcc5e" providerId="LiveId" clId="{FC976D47-49AC-41B6-B5F5-80E15325E9E0}" dt="2023-07-20T04:46:32.472" v="216" actId="478"/>
+          <ac:spMkLst>
+            <pc:docMk/>
+            <pc:sldMk cId="791280490" sldId="261"/>
+            <ac:spMk id="7" creationId="{864DB145-26AA-166A-A644-52806D5A762D}"/>
+          </ac:spMkLst>
+        </pc:spChg>
+        <pc:spChg chg="add mod">
+          <ac:chgData name="David CRAVO" userId="ba75d8fe6eadcc5e" providerId="LiveId" clId="{FC976D47-49AC-41B6-B5F5-80E15325E9E0}" dt="2023-07-20T05:45:01.605" v="382" actId="14100"/>
+          <ac:spMkLst>
+            <pc:docMk/>
+            <pc:sldMk cId="791280490" sldId="261"/>
+            <ac:spMk id="8" creationId="{2C5DC5BA-D83C-41FC-C9BD-012B0AABC0DA}"/>
+          </ac:spMkLst>
+        </pc:spChg>
+        <pc:spChg chg="add mod">
+          <ac:chgData name="David CRAVO" userId="ba75d8fe6eadcc5e" providerId="LiveId" clId="{FC976D47-49AC-41B6-B5F5-80E15325E9E0}" dt="2023-07-20T05:45:10.443" v="383" actId="1076"/>
+          <ac:spMkLst>
+            <pc:docMk/>
+            <pc:sldMk cId="791280490" sldId="261"/>
+            <ac:spMk id="9" creationId="{638AF62A-25FF-5419-754E-C8B4A759C7AB}"/>
+          </ac:spMkLst>
+        </pc:spChg>
+        <pc:spChg chg="add del mod">
+          <ac:chgData name="David CRAVO" userId="ba75d8fe6eadcc5e" providerId="LiveId" clId="{FC976D47-49AC-41B6-B5F5-80E15325E9E0}" dt="2023-07-20T04:50:07.418" v="236" actId="478"/>
+          <ac:spMkLst>
+            <pc:docMk/>
+            <pc:sldMk cId="791280490" sldId="261"/>
+            <ac:spMk id="10" creationId="{40BFCF4A-7E15-3864-2FAD-950C6153A5C6}"/>
+          </ac:spMkLst>
+        </pc:spChg>
+        <pc:spChg chg="add del mod">
+          <ac:chgData name="David CRAVO" userId="ba75d8fe6eadcc5e" providerId="LiveId" clId="{FC976D47-49AC-41B6-B5F5-80E15325E9E0}" dt="2023-07-20T04:50:07.418" v="236" actId="478"/>
+          <ac:spMkLst>
+            <pc:docMk/>
+            <pc:sldMk cId="791280490" sldId="261"/>
+            <ac:spMk id="11" creationId="{9307E71F-5A22-57C2-C8A4-752BDAD5D0C2}"/>
+          </ac:spMkLst>
+        </pc:spChg>
+        <pc:spChg chg="add del mod">
+          <ac:chgData name="David CRAVO" userId="ba75d8fe6eadcc5e" providerId="LiveId" clId="{FC976D47-49AC-41B6-B5F5-80E15325E9E0}" dt="2023-07-20T04:50:07.418" v="236" actId="478"/>
+          <ac:spMkLst>
+            <pc:docMk/>
+            <pc:sldMk cId="791280490" sldId="261"/>
+            <ac:spMk id="12" creationId="{D1FC054B-EB4C-E1B1-4470-CA80A4ECCCDE}"/>
+          </ac:spMkLst>
+        </pc:spChg>
+        <pc:spChg chg="add del mod">
+          <ac:chgData name="David CRAVO" userId="ba75d8fe6eadcc5e" providerId="LiveId" clId="{FC976D47-49AC-41B6-B5F5-80E15325E9E0}" dt="2023-07-20T04:50:07.418" v="236" actId="478"/>
+          <ac:spMkLst>
+            <pc:docMk/>
+            <pc:sldMk cId="791280490" sldId="261"/>
+            <ac:spMk id="13" creationId="{A03B4BA1-92C7-9B17-8A7E-A7C1F1AABC6C}"/>
+          </ac:spMkLst>
+        </pc:spChg>
+        <pc:spChg chg="add del mod">
+          <ac:chgData name="David CRAVO" userId="ba75d8fe6eadcc5e" providerId="LiveId" clId="{FC976D47-49AC-41B6-B5F5-80E15325E9E0}" dt="2023-07-20T05:04:47.828" v="335" actId="1076"/>
+          <ac:spMkLst>
+            <pc:docMk/>
+            <pc:sldMk cId="791280490" sldId="261"/>
+            <ac:spMk id="14" creationId="{361A22E7-0E9B-063D-7415-8C50CA1C8F61}"/>
+          </ac:spMkLst>
+        </pc:spChg>
+        <pc:spChg chg="add mod">
+          <ac:chgData name="David CRAVO" userId="ba75d8fe6eadcc5e" providerId="LiveId" clId="{FC976D47-49AC-41B6-B5F5-80E15325E9E0}" dt="2023-07-20T05:43:44.588" v="378" actId="114"/>
+          <ac:spMkLst>
+            <pc:docMk/>
+            <pc:sldMk cId="791280490" sldId="261"/>
+            <ac:spMk id="15" creationId="{723E404B-8FE0-E116-00F2-F37A2D54E32E}"/>
+          </ac:spMkLst>
+        </pc:spChg>
+        <pc:spChg chg="add mod">
+          <ac:chgData name="David CRAVO" userId="ba75d8fe6eadcc5e" providerId="LiveId" clId="{FC976D47-49AC-41B6-B5F5-80E15325E9E0}" dt="2023-07-20T04:47:13.019" v="220" actId="1076"/>
+          <ac:spMkLst>
+            <pc:docMk/>
+            <pc:sldMk cId="791280490" sldId="261"/>
+            <ac:spMk id="28" creationId="{C496953A-FF81-E902-E3D3-297CC32E4024}"/>
+          </ac:spMkLst>
+        </pc:spChg>
+        <pc:spChg chg="add mod">
+          <ac:chgData name="David CRAVO" userId="ba75d8fe6eadcc5e" providerId="LiveId" clId="{FC976D47-49AC-41B6-B5F5-80E15325E9E0}" dt="2023-07-20T05:47:38.147" v="397" actId="1076"/>
+          <ac:spMkLst>
+            <pc:docMk/>
+            <pc:sldMk cId="791280490" sldId="261"/>
+            <ac:spMk id="29" creationId="{B2D9FA1A-50CA-1DC2-82CE-D0ABB1FE5A62}"/>
+          </ac:spMkLst>
+        </pc:spChg>
+        <pc:spChg chg="add mod">
+          <ac:chgData name="David CRAVO" userId="ba75d8fe6eadcc5e" providerId="LiveId" clId="{FC976D47-49AC-41B6-B5F5-80E15325E9E0}" dt="2023-07-20T05:47:24.775" v="395" actId="1076"/>
+          <ac:spMkLst>
+            <pc:docMk/>
+            <pc:sldMk cId="791280490" sldId="261"/>
+            <ac:spMk id="30" creationId="{093D1E1F-5E09-EBE8-09A6-77C7A9D1F7C3}"/>
+          </ac:spMkLst>
+        </pc:spChg>
+        <pc:spChg chg="add mod">
+          <ac:chgData name="David CRAVO" userId="ba75d8fe6eadcc5e" providerId="LiveId" clId="{FC976D47-49AC-41B6-B5F5-80E15325E9E0}" dt="2023-07-20T05:47:24.775" v="395" actId="1076"/>
+          <ac:spMkLst>
+            <pc:docMk/>
+            <pc:sldMk cId="791280490" sldId="261"/>
+            <ac:spMk id="31" creationId="{1070B2A8-5B19-1D45-6263-0F514CE919D4}"/>
+          </ac:spMkLst>
+        </pc:spChg>
+        <pc:spChg chg="add del mod">
+          <ac:chgData name="David CRAVO" userId="ba75d8fe6eadcc5e" providerId="LiveId" clId="{FC976D47-49AC-41B6-B5F5-80E15325E9E0}" dt="2023-07-20T05:45:28.412" v="385" actId="478"/>
+          <ac:spMkLst>
+            <pc:docMk/>
+            <pc:sldMk cId="791280490" sldId="261"/>
+            <ac:spMk id="33" creationId="{65B6742F-43CC-B336-629B-E1BCE1AD296D}"/>
+          </ac:spMkLst>
+        </pc:spChg>
+        <pc:spChg chg="add del mod">
+          <ac:chgData name="David CRAVO" userId="ba75d8fe6eadcc5e" providerId="LiveId" clId="{FC976D47-49AC-41B6-B5F5-80E15325E9E0}" dt="2023-07-20T05:45:28.412" v="385" actId="478"/>
+          <ac:spMkLst>
+            <pc:docMk/>
+            <pc:sldMk cId="791280490" sldId="261"/>
+            <ac:spMk id="34" creationId="{9D437F9B-E29B-0520-8535-E301EAF10AEE}"/>
+          </ac:spMkLst>
+        </pc:spChg>
+        <pc:spChg chg="add del mod">
+          <ac:chgData name="David CRAVO" userId="ba75d8fe6eadcc5e" providerId="LiveId" clId="{FC976D47-49AC-41B6-B5F5-80E15325E9E0}" dt="2023-07-20T05:45:30.842" v="386" actId="478"/>
+          <ac:spMkLst>
+            <pc:docMk/>
+            <pc:sldMk cId="791280490" sldId="261"/>
+            <ac:spMk id="35" creationId="{F32554E6-4A83-5E96-8D2F-B587805A24D7}"/>
+          </ac:spMkLst>
+        </pc:spChg>
+        <pc:spChg chg="add del mod">
+          <ac:chgData name="David CRAVO" userId="ba75d8fe6eadcc5e" providerId="LiveId" clId="{FC976D47-49AC-41B6-B5F5-80E15325E9E0}" dt="2023-07-20T05:45:30.842" v="386" actId="478"/>
+          <ac:spMkLst>
+            <pc:docMk/>
+            <pc:sldMk cId="791280490" sldId="261"/>
+            <ac:spMk id="36" creationId="{08D17236-A590-5448-7C26-3422943AA8F1}"/>
+          </ac:spMkLst>
+        </pc:spChg>
+        <pc:spChg chg="add mod">
+          <ac:chgData name="David CRAVO" userId="ba75d8fe6eadcc5e" providerId="LiveId" clId="{FC976D47-49AC-41B6-B5F5-80E15325E9E0}" dt="2023-07-20T04:54:58.751" v="315" actId="1076"/>
+          <ac:spMkLst>
+            <pc:docMk/>
+            <pc:sldMk cId="791280490" sldId="261"/>
+            <ac:spMk id="38" creationId="{5FF4698C-2C4E-86FE-A9CC-ABFD232C4932}"/>
+          </ac:spMkLst>
+        </pc:spChg>
+        <pc:spChg chg="add mod">
+          <ac:chgData name="David CRAVO" userId="ba75d8fe6eadcc5e" providerId="LiveId" clId="{FC976D47-49AC-41B6-B5F5-80E15325E9E0}" dt="2023-07-20T05:43:49.471" v="379" actId="114"/>
+          <ac:spMkLst>
+            <pc:docMk/>
+            <pc:sldMk cId="791280490" sldId="261"/>
+            <ac:spMk id="39" creationId="{79CC0248-A3AE-D40D-C7ED-7499004398AC}"/>
+          </ac:spMkLst>
+        </pc:spChg>
+        <pc:spChg chg="add mod">
+          <ac:chgData name="David CRAVO" userId="ba75d8fe6eadcc5e" providerId="LiveId" clId="{FC976D47-49AC-41B6-B5F5-80E15325E9E0}" dt="2023-07-20T05:45:46.665" v="387" actId="1076"/>
+          <ac:spMkLst>
+            <pc:docMk/>
+            <pc:sldMk cId="791280490" sldId="261"/>
+            <ac:spMk id="46" creationId="{1B2057F0-84BC-48BA-C2C2-10E99ADE2159}"/>
+          </ac:spMkLst>
+        </pc:spChg>
+        <pc:spChg chg="add mod">
+          <ac:chgData name="David CRAVO" userId="ba75d8fe6eadcc5e" providerId="LiveId" clId="{FC976D47-49AC-41B6-B5F5-80E15325E9E0}" dt="2023-07-20T05:45:56.068" v="388" actId="1076"/>
+          <ac:spMkLst>
+            <pc:docMk/>
+            <pc:sldMk cId="791280490" sldId="261"/>
+            <ac:spMk id="47" creationId="{6ED59749-63AE-5704-ADA9-5B72886705ED}"/>
+          </ac:spMkLst>
+        </pc:spChg>
+        <pc:spChg chg="add mod">
+          <ac:chgData name="David CRAVO" userId="ba75d8fe6eadcc5e" providerId="LiveId" clId="{FC976D47-49AC-41B6-B5F5-80E15325E9E0}" dt="2023-07-20T05:46:24.419" v="390" actId="1076"/>
+          <ac:spMkLst>
+            <pc:docMk/>
+            <pc:sldMk cId="791280490" sldId="261"/>
+            <ac:spMk id="48" creationId="{219F73A5-A538-407A-8575-DD26FEFFA7DF}"/>
+          </ac:spMkLst>
+        </pc:spChg>
+        <pc:spChg chg="add mod">
+          <ac:chgData name="David CRAVO" userId="ba75d8fe6eadcc5e" providerId="LiveId" clId="{FC976D47-49AC-41B6-B5F5-80E15325E9E0}" dt="2023-07-20T05:46:24.419" v="390" actId="1076"/>
+          <ac:spMkLst>
+            <pc:docMk/>
+            <pc:sldMk cId="791280490" sldId="261"/>
+            <ac:spMk id="49" creationId="{9EB88422-5EF0-0412-2BE9-3D97F9D99F2E}"/>
+          </ac:spMkLst>
+        </pc:spChg>
+        <pc:cxnChg chg="add mod">
+          <ac:chgData name="David CRAVO" userId="ba75d8fe6eadcc5e" providerId="LiveId" clId="{FC976D47-49AC-41B6-B5F5-80E15325E9E0}" dt="2023-07-20T04:48:30.923" v="226" actId="1076"/>
+          <ac:cxnSpMkLst>
+            <pc:docMk/>
+            <pc:sldMk cId="791280490" sldId="261"/>
+            <ac:cxnSpMk id="16" creationId="{ECBF7B11-D9CA-77F0-6419-305FD38FEFD9}"/>
+          </ac:cxnSpMkLst>
+        </pc:cxnChg>
+        <pc:cxnChg chg="add mod">
+          <ac:chgData name="David CRAVO" userId="ba75d8fe6eadcc5e" providerId="LiveId" clId="{FC976D47-49AC-41B6-B5F5-80E15325E9E0}" dt="2023-07-20T04:48:58.094" v="228" actId="1076"/>
+          <ac:cxnSpMkLst>
+            <pc:docMk/>
+            <pc:sldMk cId="791280490" sldId="261"/>
+            <ac:cxnSpMk id="17" creationId="{E42E2DE9-7E6E-2F1C-2C76-D5471729CAA5}"/>
+          </ac:cxnSpMkLst>
+        </pc:cxnChg>
+        <pc:cxnChg chg="add mod">
+          <ac:chgData name="David CRAVO" userId="ba75d8fe6eadcc5e" providerId="LiveId" clId="{FC976D47-49AC-41B6-B5F5-80E15325E9E0}" dt="2023-07-20T04:49:08.057" v="229" actId="1076"/>
+          <ac:cxnSpMkLst>
+            <pc:docMk/>
+            <pc:sldMk cId="791280490" sldId="261"/>
+            <ac:cxnSpMk id="18" creationId="{DD726777-51C8-A72F-D011-A8AB121FB2ED}"/>
+          </ac:cxnSpMkLst>
+        </pc:cxnChg>
+        <pc:cxnChg chg="add mod">
+          <ac:chgData name="David CRAVO" userId="ba75d8fe6eadcc5e" providerId="LiveId" clId="{FC976D47-49AC-41B6-B5F5-80E15325E9E0}" dt="2023-07-20T05:45:01.605" v="382" actId="14100"/>
+          <ac:cxnSpMkLst>
+            <pc:docMk/>
+            <pc:sldMk cId="791280490" sldId="261"/>
+            <ac:cxnSpMk id="19" creationId="{DAA46DFF-E93E-C986-310D-457A36313FA8}"/>
+          </ac:cxnSpMkLst>
+        </pc:cxnChg>
+        <pc:cxnChg chg="add mod">
+          <ac:chgData name="David CRAVO" userId="ba75d8fe6eadcc5e" providerId="LiveId" clId="{FC976D47-49AC-41B6-B5F5-80E15325E9E0}" dt="2023-07-20T04:51:04.115" v="243" actId="1076"/>
+          <ac:cxnSpMkLst>
+            <pc:docMk/>
+            <pc:sldMk cId="791280490" sldId="261"/>
+            <ac:cxnSpMk id="20" creationId="{7A4A5FA6-69DD-7E27-A117-99B9E285A7E9}"/>
+          </ac:cxnSpMkLst>
+        </pc:cxnChg>
+        <pc:cxnChg chg="add mod">
+          <ac:chgData name="David CRAVO" userId="ba75d8fe6eadcc5e" providerId="LiveId" clId="{FC976D47-49AC-41B6-B5F5-80E15325E9E0}" dt="2023-07-20T04:50:57.891" v="242" actId="1076"/>
+          <ac:cxnSpMkLst>
+            <pc:docMk/>
+            <pc:sldMk cId="791280490" sldId="261"/>
+            <ac:cxnSpMk id="21" creationId="{B898A5E8-CD25-8F17-D2C5-A01C612C4F6F}"/>
+          </ac:cxnSpMkLst>
+        </pc:cxnChg>
+        <pc:cxnChg chg="add mod">
+          <ac:chgData name="David CRAVO" userId="ba75d8fe6eadcc5e" providerId="LiveId" clId="{FC976D47-49AC-41B6-B5F5-80E15325E9E0}" dt="2023-07-20T04:56:36.974" v="322" actId="208"/>
+          <ac:cxnSpMkLst>
+            <pc:docMk/>
+            <pc:sldMk cId="791280490" sldId="261"/>
+            <ac:cxnSpMk id="22" creationId="{9723FBA4-FA45-DA24-6CF6-5F08681042FE}"/>
+          </ac:cxnSpMkLst>
+        </pc:cxnChg>
+        <pc:cxnChg chg="add mod">
+          <ac:chgData name="David CRAVO" userId="ba75d8fe6eadcc5e" providerId="LiveId" clId="{FC976D47-49AC-41B6-B5F5-80E15325E9E0}" dt="2023-07-20T04:56:36.974" v="322" actId="208"/>
+          <ac:cxnSpMkLst>
+            <pc:docMk/>
+            <pc:sldMk cId="791280490" sldId="261"/>
+            <ac:cxnSpMk id="23" creationId="{8991BCEA-9E6E-22F0-3A3A-486FB1072C6A}"/>
+          </ac:cxnSpMkLst>
+        </pc:cxnChg>
+        <pc:cxnChg chg="add mod">
+          <ac:chgData name="David CRAVO" userId="ba75d8fe6eadcc5e" providerId="LiveId" clId="{FC976D47-49AC-41B6-B5F5-80E15325E9E0}" dt="2023-07-20T04:56:22.851" v="321" actId="208"/>
+          <ac:cxnSpMkLst>
+            <pc:docMk/>
+            <pc:sldMk cId="791280490" sldId="261"/>
+            <ac:cxnSpMk id="24" creationId="{E58E7343-008E-BA0B-13B7-C2C77E015444}"/>
+          </ac:cxnSpMkLst>
+        </pc:cxnChg>
+        <pc:cxnChg chg="add mod">
+          <ac:chgData name="David CRAVO" userId="ba75d8fe6eadcc5e" providerId="LiveId" clId="{FC976D47-49AC-41B6-B5F5-80E15325E9E0}" dt="2023-07-20T04:57:13.984" v="323" actId="208"/>
+          <ac:cxnSpMkLst>
+            <pc:docMk/>
+            <pc:sldMk cId="791280490" sldId="261"/>
+            <ac:cxnSpMk id="25" creationId="{728F5C3E-8441-7DEB-8E2C-735498385B72}"/>
+          </ac:cxnSpMkLst>
+        </pc:cxnChg>
+        <pc:cxnChg chg="add mod">
+          <ac:chgData name="David CRAVO" userId="ba75d8fe6eadcc5e" providerId="LiveId" clId="{FC976D47-49AC-41B6-B5F5-80E15325E9E0}" dt="2023-07-20T04:57:13.984" v="323" actId="208"/>
+          <ac:cxnSpMkLst>
+            <pc:docMk/>
+            <pc:sldMk cId="791280490" sldId="261"/>
+            <ac:cxnSpMk id="26" creationId="{8DADFB82-F48F-501D-A060-6DB3FEBBC9A7}"/>
+          </ac:cxnSpMkLst>
+        </pc:cxnChg>
+        <pc:cxnChg chg="add mod">
+          <ac:chgData name="David CRAVO" userId="ba75d8fe6eadcc5e" providerId="LiveId" clId="{FC976D47-49AC-41B6-B5F5-80E15325E9E0}" dt="2023-07-20T04:57:13.984" v="323" actId="208"/>
+          <ac:cxnSpMkLst>
+            <pc:docMk/>
+            <pc:sldMk cId="791280490" sldId="261"/>
+            <ac:cxnSpMk id="27" creationId="{3A5015FC-812B-81E3-CA37-CC0CA7908E71}"/>
+          </ac:cxnSpMkLst>
+        </pc:cxnChg>
+        <pc:cxnChg chg="add mod">
+          <ac:chgData name="David CRAVO" userId="ba75d8fe6eadcc5e" providerId="LiveId" clId="{FC976D47-49AC-41B6-B5F5-80E15325E9E0}" dt="2023-07-20T04:58:57.484" v="329" actId="1076"/>
+          <ac:cxnSpMkLst>
+            <pc:docMk/>
+            <pc:sldMk cId="791280490" sldId="261"/>
+            <ac:cxnSpMk id="42" creationId="{E896A090-2C48-7134-EB5C-BD235C4C27D4}"/>
+          </ac:cxnSpMkLst>
+        </pc:cxnChg>
+        <pc:cxnChg chg="add mod">
+          <ac:chgData name="David CRAVO" userId="ba75d8fe6eadcc5e" providerId="LiveId" clId="{FC976D47-49AC-41B6-B5F5-80E15325E9E0}" dt="2023-07-20T04:59:08.332" v="331" actId="208"/>
+          <ac:cxnSpMkLst>
+            <pc:docMk/>
+            <pc:sldMk cId="791280490" sldId="261"/>
+            <ac:cxnSpMk id="44" creationId="{5BB0CDE2-730D-21B1-6196-BE456D5E258F}"/>
+          </ac:cxnSpMkLst>
+        </pc:cxnChg>
+      </pc:sldChg>
+    </pc:docChg>
+  </pc:docChgLst>
+</pc:chgInfo>
 </file>
 
 <file path=ppt/slideLayouts/slideLayout1.xml><?xml version="1.0" encoding="utf-8"?>
@@ -3463,8 +4217,8 @@
         </p:nvSpPr>
         <p:spPr>
           <a:xfrm>
-            <a:off x="8686800" y="2780298"/>
-            <a:ext cx="2410690" cy="923330"/>
+            <a:off x="8732657" y="2952430"/>
+            <a:ext cx="2410690" cy="646331"/>
           </a:xfrm>
           <a:prstGeom prst="rect">
             <a:avLst/>
@@ -3480,21 +4234,14 @@
             <a:pPr lvl="0" algn="ctr"/>
             <a:r>
               <a:rPr lang="fr-FR" dirty="0"/>
-              <a:t>Diffuseur </a:t>
+              <a:t> Objet sujet</a:t>
             </a:r>
           </a:p>
           <a:p>
             <a:pPr lvl="0" algn="ctr"/>
             <a:r>
               <a:rPr lang="fr-FR" dirty="0"/>
-              <a:t>Publisher</a:t>
-            </a:r>
-          </a:p>
-          <a:p>
-            <a:pPr lvl="0" algn="ctr"/>
-            <a:r>
-              <a:rPr lang="fr-FR" dirty="0"/>
-              <a:t>Objet sujet</a:t>
+              <a:t>(Diffuseur)</a:t>
             </a:r>
           </a:p>
         </p:txBody>
@@ -3513,7 +4260,7 @@
         </p:nvSpPr>
         <p:spPr>
           <a:xfrm>
-            <a:off x="955964" y="762000"/>
+            <a:off x="955964" y="699883"/>
             <a:ext cx="2687781" cy="1080655"/>
           </a:xfrm>
           <a:prstGeom prst="rect">
@@ -3562,8 +4309,8 @@
         </p:nvSpPr>
         <p:spPr>
           <a:xfrm>
-            <a:off x="1094509" y="840662"/>
-            <a:ext cx="2410690" cy="923330"/>
+            <a:off x="1094509" y="917045"/>
+            <a:ext cx="2410690" cy="646331"/>
           </a:xfrm>
           <a:prstGeom prst="rect">
             <a:avLst/>
@@ -3581,21 +4328,7 @@
             <a:pPr lvl="0" algn="ctr"/>
             <a:r>
               <a:rPr lang="fr-FR" dirty="0"/>
-              <a:t>Souscripteur</a:t>
-            </a:r>
-          </a:p>
-          <a:p>
-            <a:pPr lvl="0" algn="ctr"/>
-            <a:r>
-              <a:rPr lang="fr-FR" dirty="0"/>
-              <a:t>Subscriber</a:t>
-            </a:r>
-          </a:p>
-          <a:p>
-            <a:pPr lvl="0" algn="ctr"/>
-            <a:r>
-              <a:rPr lang="fr-FR" dirty="0"/>
-              <a:t>Objet observant</a:t>
+              <a:t>Objet Observateur (Souscripteur)</a:t>
             </a:r>
           </a:p>
         </p:txBody>
@@ -3651,58 +4384,6 @@
       </p:sp>
       <p:sp>
         <p:nvSpPr>
-          <p:cNvPr id="8" name="ZoneTexte 7">
-            <a:extLst>
-              <a:ext uri="{FF2B5EF4-FFF2-40B4-BE49-F238E27FC236}">
-                <a16:creationId xmlns:a16="http://schemas.microsoft.com/office/drawing/2014/main" id="{28D33C03-2237-F343-4122-6CF5FA42DBA7}"/>
-              </a:ext>
-            </a:extLst>
-          </p:cNvPr>
-          <p:cNvSpPr txBox="1"/>
-          <p:nvPr/>
-        </p:nvSpPr>
-        <p:spPr>
-          <a:xfrm>
-            <a:off x="1094509" y="2780298"/>
-            <a:ext cx="2410690" cy="923330"/>
-          </a:xfrm>
-          <a:prstGeom prst="rect">
-            <a:avLst/>
-          </a:prstGeom>
-          <a:solidFill>
-            <a:schemeClr val="accent2"/>
-          </a:solidFill>
-        </p:spPr>
-        <p:txBody>
-          <a:bodyPr wrap="square" rtlCol="0">
-            <a:spAutoFit/>
-          </a:bodyPr>
-          <a:lstStyle/>
-          <a:p>
-            <a:pPr lvl="0" algn="ctr"/>
-            <a:r>
-              <a:rPr lang="fr-FR" dirty="0"/>
-              <a:t>Souscripteur</a:t>
-            </a:r>
-          </a:p>
-          <a:p>
-            <a:pPr lvl="0" algn="ctr"/>
-            <a:r>
-              <a:rPr lang="fr-FR" dirty="0"/>
-              <a:t>Subscriber</a:t>
-            </a:r>
-          </a:p>
-          <a:p>
-            <a:pPr lvl="0" algn="ctr"/>
-            <a:r>
-              <a:rPr lang="fr-FR" dirty="0"/>
-              <a:t>Objet observant</a:t>
-            </a:r>
-          </a:p>
-        </p:txBody>
-      </p:sp>
-      <p:sp>
-        <p:nvSpPr>
           <p:cNvPr id="9" name="Rectangle 8">
             <a:extLst>
               <a:ext uri="{FF2B5EF4-FFF2-40B4-BE49-F238E27FC236}">
@@ -3750,58 +4431,6 @@
           </a:p>
         </p:txBody>
       </p:sp>
-      <p:sp>
-        <p:nvSpPr>
-          <p:cNvPr id="10" name="ZoneTexte 9">
-            <a:extLst>
-              <a:ext uri="{FF2B5EF4-FFF2-40B4-BE49-F238E27FC236}">
-                <a16:creationId xmlns:a16="http://schemas.microsoft.com/office/drawing/2014/main" id="{CBF0FE16-F605-EFD9-9042-3354A2E9FD30}"/>
-              </a:ext>
-            </a:extLst>
-          </p:cNvPr>
-          <p:cNvSpPr txBox="1"/>
-          <p:nvPr/>
-        </p:nvSpPr>
-        <p:spPr>
-          <a:xfrm>
-            <a:off x="1094509" y="4641272"/>
-            <a:ext cx="2410690" cy="923330"/>
-          </a:xfrm>
-          <a:prstGeom prst="rect">
-            <a:avLst/>
-          </a:prstGeom>
-          <a:solidFill>
-            <a:schemeClr val="accent2"/>
-          </a:solidFill>
-        </p:spPr>
-        <p:txBody>
-          <a:bodyPr wrap="square" rtlCol="0">
-            <a:spAutoFit/>
-          </a:bodyPr>
-          <a:lstStyle/>
-          <a:p>
-            <a:pPr lvl="0" algn="ctr"/>
-            <a:r>
-              <a:rPr lang="fr-FR" dirty="0"/>
-              <a:t>Souscripteur</a:t>
-            </a:r>
-          </a:p>
-          <a:p>
-            <a:pPr lvl="0" algn="ctr"/>
-            <a:r>
-              <a:rPr lang="fr-FR" dirty="0"/>
-              <a:t>Subscriber</a:t>
-            </a:r>
-          </a:p>
-          <a:p>
-            <a:pPr lvl="0" algn="ctr"/>
-            <a:r>
-              <a:rPr lang="fr-FR" dirty="0"/>
-              <a:t>Objet observant</a:t>
-            </a:r>
-          </a:p>
-        </p:txBody>
-      </p:sp>
       <p:cxnSp>
         <p:nvCxnSpPr>
           <p:cNvPr id="14" name="Connecteur droit avec flèche 13">
@@ -3819,13 +4448,16 @@
         </p:nvCxnSpPr>
         <p:spPr>
           <a:xfrm>
-            <a:off x="3643745" y="1302328"/>
+            <a:off x="3643745" y="1240211"/>
             <a:ext cx="4904509" cy="1759527"/>
           </a:xfrm>
           <a:prstGeom prst="straightConnector1">
             <a:avLst/>
           </a:prstGeom>
-          <a:ln>
+          <a:ln w="57150">
+            <a:solidFill>
+              <a:schemeClr val="accent2"/>
+            </a:solidFill>
             <a:tailEnd type="triangle"/>
           </a:ln>
         </p:spPr>
@@ -3867,7 +4499,10 @@
           <a:prstGeom prst="straightConnector1">
             <a:avLst/>
           </a:prstGeom>
-          <a:ln>
+          <a:ln w="57150">
+            <a:solidFill>
+              <a:schemeClr val="accent2"/>
+            </a:solidFill>
             <a:tailEnd type="triangle"/>
           </a:ln>
         </p:spPr>
@@ -3908,7 +4543,10 @@
           <a:prstGeom prst="straightConnector1">
             <a:avLst/>
           </a:prstGeom>
-          <a:ln>
+          <a:ln w="57150">
+            <a:solidFill>
+              <a:schemeClr val="accent2"/>
+            </a:solidFill>
             <a:tailEnd type="triangle"/>
           </a:ln>
         </p:spPr>
@@ -3941,8 +4579,8 @@
         </p:nvSpPr>
         <p:spPr>
           <a:xfrm>
-            <a:off x="5140035" y="979164"/>
-            <a:ext cx="1911928" cy="646331"/>
+            <a:off x="5140035" y="1378710"/>
+            <a:ext cx="1911928" cy="369332"/>
           </a:xfrm>
           <a:prstGeom prst="rect">
             <a:avLst/>
@@ -3956,13 +4594,11 @@
           <a:lstStyle/>
           <a:p>
             <a:r>
-              <a:rPr lang="fr-FR" dirty="0"/>
-              <a:t>Je m’abonne</a:t>
-            </a:r>
-          </a:p>
-          <a:p>
-            <a:r>
-              <a:rPr lang="fr-FR" dirty="0"/>
+              <a:rPr lang="fr-FR" dirty="0">
+                <a:solidFill>
+                  <a:schemeClr val="accent2"/>
+                </a:solidFill>
+              </a:rPr>
               <a:t>J’observe</a:t>
             </a:r>
           </a:p>
@@ -3982,8 +4618,8 @@
         </p:nvSpPr>
         <p:spPr>
           <a:xfrm>
-            <a:off x="5140035" y="2925724"/>
-            <a:ext cx="1911928" cy="646331"/>
+            <a:off x="5150572" y="2906264"/>
+            <a:ext cx="1911928" cy="369332"/>
           </a:xfrm>
           <a:prstGeom prst="rect">
             <a:avLst/>
@@ -3997,13 +4633,11 @@
           <a:lstStyle/>
           <a:p>
             <a:r>
-              <a:rPr lang="fr-FR" dirty="0"/>
-              <a:t>Je m’abonne</a:t>
-            </a:r>
-          </a:p>
-          <a:p>
-            <a:r>
-              <a:rPr lang="fr-FR" dirty="0"/>
+              <a:rPr lang="fr-FR" dirty="0">
+                <a:solidFill>
+                  <a:schemeClr val="accent2"/>
+                </a:solidFill>
+              </a:rPr>
               <a:t>J’observe</a:t>
             </a:r>
           </a:p>
@@ -4023,8 +4657,8 @@
         </p:nvSpPr>
         <p:spPr>
           <a:xfrm>
-            <a:off x="5216235" y="4779771"/>
-            <a:ext cx="1911928" cy="646331"/>
+            <a:off x="5150572" y="3973294"/>
+            <a:ext cx="1911928" cy="369332"/>
           </a:xfrm>
           <a:prstGeom prst="rect">
             <a:avLst/>
@@ -4038,14 +4672,324 @@
           <a:lstStyle/>
           <a:p>
             <a:r>
+              <a:rPr lang="fr-FR" dirty="0">
+                <a:solidFill>
+                  <a:schemeClr val="accent2"/>
+                </a:solidFill>
+              </a:rPr>
+              <a:t>J’observe</a:t>
+            </a:r>
+          </a:p>
+        </p:txBody>
+      </p:sp>
+      <p:sp>
+        <p:nvSpPr>
+          <p:cNvPr id="11" name="ZoneTexte 10">
+            <a:extLst>
+              <a:ext uri="{FF2B5EF4-FFF2-40B4-BE49-F238E27FC236}">
+                <a16:creationId xmlns:a16="http://schemas.microsoft.com/office/drawing/2014/main" id="{8D316B63-4121-DBCB-724A-D228723CCEBC}"/>
+              </a:ext>
+            </a:extLst>
+          </p:cNvPr>
+          <p:cNvSpPr txBox="1"/>
+          <p:nvPr/>
+        </p:nvSpPr>
+        <p:spPr>
+          <a:xfrm>
+            <a:off x="1094509" y="2925724"/>
+            <a:ext cx="2410690" cy="646331"/>
+          </a:xfrm>
+          <a:prstGeom prst="rect">
+            <a:avLst/>
+          </a:prstGeom>
+          <a:solidFill>
+            <a:schemeClr val="accent2"/>
+          </a:solidFill>
+        </p:spPr>
+        <p:txBody>
+          <a:bodyPr wrap="square" rtlCol="0">
+            <a:spAutoFit/>
+          </a:bodyPr>
+          <a:lstStyle/>
+          <a:p>
+            <a:pPr lvl="0" algn="ctr"/>
+            <a:r>
               <a:rPr lang="fr-FR" dirty="0"/>
-              <a:t>Je m’abonne</a:t>
-            </a:r>
-          </a:p>
-          <a:p>
+              <a:t>Objet Observateur (Souscripteur)</a:t>
+            </a:r>
+          </a:p>
+        </p:txBody>
+      </p:sp>
+      <p:sp>
+        <p:nvSpPr>
+          <p:cNvPr id="12" name="ZoneTexte 11">
+            <a:extLst>
+              <a:ext uri="{FF2B5EF4-FFF2-40B4-BE49-F238E27FC236}">
+                <a16:creationId xmlns:a16="http://schemas.microsoft.com/office/drawing/2014/main" id="{F88AC6B2-EBA0-0C0C-AC27-2F3A7AF70635}"/>
+              </a:ext>
+            </a:extLst>
+          </p:cNvPr>
+          <p:cNvSpPr txBox="1"/>
+          <p:nvPr/>
+        </p:nvSpPr>
+        <p:spPr>
+          <a:xfrm>
+            <a:off x="1094509" y="4779771"/>
+            <a:ext cx="2410690" cy="646331"/>
+          </a:xfrm>
+          <a:prstGeom prst="rect">
+            <a:avLst/>
+          </a:prstGeom>
+          <a:solidFill>
+            <a:schemeClr val="accent2"/>
+          </a:solidFill>
+        </p:spPr>
+        <p:txBody>
+          <a:bodyPr wrap="square" rtlCol="0">
+            <a:spAutoFit/>
+          </a:bodyPr>
+          <a:lstStyle/>
+          <a:p>
+            <a:pPr lvl="0" algn="ctr"/>
             <a:r>
               <a:rPr lang="fr-FR" dirty="0"/>
-              <a:t>J’observe</a:t>
+              <a:t>Objet Observateur (Souscripteur)</a:t>
+            </a:r>
+          </a:p>
+        </p:txBody>
+      </p:sp>
+      <p:cxnSp>
+        <p:nvCxnSpPr>
+          <p:cNvPr id="15" name="Connecteur droit avec flèche 14">
+            <a:extLst>
+              <a:ext uri="{FF2B5EF4-FFF2-40B4-BE49-F238E27FC236}">
+                <a16:creationId xmlns:a16="http://schemas.microsoft.com/office/drawing/2014/main" id="{74F64545-63E1-1593-E815-C41C6FE4539C}"/>
+              </a:ext>
+            </a:extLst>
+          </p:cNvPr>
+          <p:cNvCxnSpPr/>
+          <p:nvPr/>
+        </p:nvCxnSpPr>
+        <p:spPr>
+          <a:xfrm flipH="1" flipV="1">
+            <a:off x="3643745" y="1378710"/>
+            <a:ext cx="4904509" cy="1712220"/>
+          </a:xfrm>
+          <a:prstGeom prst="straightConnector1">
+            <a:avLst/>
+          </a:prstGeom>
+          <a:ln w="57150">
+            <a:tailEnd type="triangle"/>
+          </a:ln>
+        </p:spPr>
+        <p:style>
+          <a:lnRef idx="1">
+            <a:schemeClr val="accent1"/>
+          </a:lnRef>
+          <a:fillRef idx="0">
+            <a:schemeClr val="accent1"/>
+          </a:fillRef>
+          <a:effectRef idx="0">
+            <a:schemeClr val="accent1"/>
+          </a:effectRef>
+          <a:fontRef idx="minor">
+            <a:schemeClr val="tx1"/>
+          </a:fontRef>
+        </p:style>
+      </p:cxnSp>
+      <p:cxnSp>
+        <p:nvCxnSpPr>
+          <p:cNvPr id="19" name="Connecteur droit avec flèche 18">
+            <a:extLst>
+              <a:ext uri="{FF2B5EF4-FFF2-40B4-BE49-F238E27FC236}">
+                <a16:creationId xmlns:a16="http://schemas.microsoft.com/office/drawing/2014/main" id="{4B78E69C-7175-C43F-98EF-39CC67A8B861}"/>
+              </a:ext>
+            </a:extLst>
+          </p:cNvPr>
+          <p:cNvCxnSpPr>
+            <a:cxnSpLocks/>
+          </p:cNvCxnSpPr>
+          <p:nvPr/>
+        </p:nvCxnSpPr>
+        <p:spPr>
+          <a:xfrm flipH="1">
+            <a:off x="3643744" y="3362234"/>
+            <a:ext cx="4904510" cy="64396"/>
+          </a:xfrm>
+          <a:prstGeom prst="straightConnector1">
+            <a:avLst/>
+          </a:prstGeom>
+          <a:ln w="57150">
+            <a:tailEnd type="triangle"/>
+          </a:ln>
+        </p:spPr>
+        <p:style>
+          <a:lnRef idx="1">
+            <a:schemeClr val="accent1"/>
+          </a:lnRef>
+          <a:fillRef idx="0">
+            <a:schemeClr val="accent1"/>
+          </a:fillRef>
+          <a:effectRef idx="0">
+            <a:schemeClr val="accent1"/>
+          </a:effectRef>
+          <a:fontRef idx="minor">
+            <a:schemeClr val="tx1"/>
+          </a:fontRef>
+        </p:style>
+      </p:cxnSp>
+      <p:cxnSp>
+        <p:nvCxnSpPr>
+          <p:cNvPr id="25" name="Connecteur droit avec flèche 24">
+            <a:extLst>
+              <a:ext uri="{FF2B5EF4-FFF2-40B4-BE49-F238E27FC236}">
+                <a16:creationId xmlns:a16="http://schemas.microsoft.com/office/drawing/2014/main" id="{DA6A501C-1F70-BC7B-D916-8DBB11FFEB8F}"/>
+              </a:ext>
+            </a:extLst>
+          </p:cNvPr>
+          <p:cNvCxnSpPr/>
+          <p:nvPr/>
+        </p:nvCxnSpPr>
+        <p:spPr>
+          <a:xfrm flipH="1">
+            <a:off x="3643744" y="3572055"/>
+            <a:ext cx="4904510" cy="1669646"/>
+          </a:xfrm>
+          <a:prstGeom prst="straightConnector1">
+            <a:avLst/>
+          </a:prstGeom>
+          <a:ln w="57150">
+            <a:tailEnd type="triangle"/>
+          </a:ln>
+        </p:spPr>
+        <p:style>
+          <a:lnRef idx="1">
+            <a:schemeClr val="accent1"/>
+          </a:lnRef>
+          <a:fillRef idx="0">
+            <a:schemeClr val="accent1"/>
+          </a:fillRef>
+          <a:effectRef idx="0">
+            <a:schemeClr val="accent1"/>
+          </a:effectRef>
+          <a:fontRef idx="minor">
+            <a:schemeClr val="tx1"/>
+          </a:fontRef>
+        </p:style>
+      </p:cxnSp>
+      <p:sp>
+        <p:nvSpPr>
+          <p:cNvPr id="26" name="ZoneTexte 25">
+            <a:extLst>
+              <a:ext uri="{FF2B5EF4-FFF2-40B4-BE49-F238E27FC236}">
+                <a16:creationId xmlns:a16="http://schemas.microsoft.com/office/drawing/2014/main" id="{A1ED68B9-9B02-C6A6-795A-50D117556973}"/>
+              </a:ext>
+            </a:extLst>
+          </p:cNvPr>
+          <p:cNvSpPr txBox="1"/>
+          <p:nvPr/>
+        </p:nvSpPr>
+        <p:spPr>
+          <a:xfrm>
+            <a:off x="5140035" y="2234820"/>
+            <a:ext cx="1249251" cy="369332"/>
+          </a:xfrm>
+          <a:prstGeom prst="rect">
+            <a:avLst/>
+          </a:prstGeom>
+          <a:noFill/>
+        </p:spPr>
+        <p:txBody>
+          <a:bodyPr wrap="square" rtlCol="0">
+            <a:spAutoFit/>
+          </a:bodyPr>
+          <a:lstStyle/>
+          <a:p>
+            <a:r>
+              <a:rPr lang="fr-FR" dirty="0">
+                <a:solidFill>
+                  <a:schemeClr val="accent1"/>
+                </a:solidFill>
+              </a:rPr>
+              <a:t>J’informe</a:t>
+            </a:r>
+          </a:p>
+        </p:txBody>
+      </p:sp>
+      <p:sp>
+        <p:nvSpPr>
+          <p:cNvPr id="27" name="ZoneTexte 26">
+            <a:extLst>
+              <a:ext uri="{FF2B5EF4-FFF2-40B4-BE49-F238E27FC236}">
+                <a16:creationId xmlns:a16="http://schemas.microsoft.com/office/drawing/2014/main" id="{99555ED7-DC25-75ED-626F-72313E740E87}"/>
+              </a:ext>
+            </a:extLst>
+          </p:cNvPr>
+          <p:cNvSpPr txBox="1"/>
+          <p:nvPr/>
+        </p:nvSpPr>
+        <p:spPr>
+          <a:xfrm>
+            <a:off x="5150572" y="3392999"/>
+            <a:ext cx="1249251" cy="369332"/>
+          </a:xfrm>
+          <a:prstGeom prst="rect">
+            <a:avLst/>
+          </a:prstGeom>
+          <a:noFill/>
+        </p:spPr>
+        <p:txBody>
+          <a:bodyPr wrap="square" rtlCol="0">
+            <a:spAutoFit/>
+          </a:bodyPr>
+          <a:lstStyle/>
+          <a:p>
+            <a:r>
+              <a:rPr lang="fr-FR" dirty="0">
+                <a:solidFill>
+                  <a:schemeClr val="accent1"/>
+                </a:solidFill>
+              </a:rPr>
+              <a:t>J’informe</a:t>
+            </a:r>
+          </a:p>
+        </p:txBody>
+      </p:sp>
+      <p:sp>
+        <p:nvSpPr>
+          <p:cNvPr id="28" name="ZoneTexte 27">
+            <a:extLst>
+              <a:ext uri="{FF2B5EF4-FFF2-40B4-BE49-F238E27FC236}">
+                <a16:creationId xmlns:a16="http://schemas.microsoft.com/office/drawing/2014/main" id="{5EC815C0-DCE6-5F27-3F0B-30A4DDE28932}"/>
+              </a:ext>
+            </a:extLst>
+          </p:cNvPr>
+          <p:cNvSpPr txBox="1"/>
+          <p:nvPr/>
+        </p:nvSpPr>
+        <p:spPr>
+          <a:xfrm>
+            <a:off x="5150572" y="4730789"/>
+            <a:ext cx="1249251" cy="369332"/>
+          </a:xfrm>
+          <a:prstGeom prst="rect">
+            <a:avLst/>
+          </a:prstGeom>
+          <a:noFill/>
+        </p:spPr>
+        <p:txBody>
+          <a:bodyPr wrap="square" rtlCol="0">
+            <a:spAutoFit/>
+          </a:bodyPr>
+          <a:lstStyle/>
+          <a:p>
+            <a:r>
+              <a:rPr lang="fr-FR" dirty="0">
+                <a:solidFill>
+                  <a:schemeClr val="accent1"/>
+                </a:solidFill>
+              </a:rPr>
+              <a:t>J’informe</a:t>
             </a:r>
           </a:p>
         </p:txBody>
@@ -4064,6 +5008,2543 @@
 </file>
 
 <file path=ppt/slides/slide3.xml><?xml version="1.0" encoding="utf-8"?>
+<p:sld xmlns:a="http://schemas.openxmlformats.org/drawingml/2006/main" xmlns:r="http://schemas.openxmlformats.org/officeDocument/2006/relationships" xmlns:p="http://schemas.openxmlformats.org/presentationml/2006/main">
+  <p:cSld>
+    <p:spTree>
+      <p:nvGrpSpPr>
+        <p:cNvPr id="1" name=""/>
+        <p:cNvGrpSpPr/>
+        <p:nvPr/>
+      </p:nvGrpSpPr>
+      <p:grpSpPr>
+        <a:xfrm>
+          <a:off x="0" y="0"/>
+          <a:ext cx="0" cy="0"/>
+          <a:chOff x="0" y="0"/>
+          <a:chExt cx="0" cy="0"/>
+        </a:xfrm>
+      </p:grpSpPr>
+      <p:sp>
+        <p:nvSpPr>
+          <p:cNvPr id="2" name="Rectangle 1">
+            <a:extLst>
+              <a:ext uri="{FF2B5EF4-FFF2-40B4-BE49-F238E27FC236}">
+                <a16:creationId xmlns:a16="http://schemas.microsoft.com/office/drawing/2014/main" id="{ECA2B811-7811-2F67-357B-673176043A00}"/>
+              </a:ext>
+            </a:extLst>
+          </p:cNvPr>
+          <p:cNvSpPr/>
+          <p:nvPr/>
+        </p:nvSpPr>
+        <p:spPr>
+          <a:xfrm>
+            <a:off x="955964" y="699883"/>
+            <a:ext cx="2687781" cy="1080655"/>
+          </a:xfrm>
+          <a:prstGeom prst="rect">
+            <a:avLst/>
+          </a:prstGeom>
+          <a:solidFill>
+            <a:schemeClr val="accent2"/>
+          </a:solidFill>
+        </p:spPr>
+        <p:style>
+          <a:lnRef idx="2">
+            <a:schemeClr val="accent1">
+              <a:shade val="15000"/>
+            </a:schemeClr>
+          </a:lnRef>
+          <a:fillRef idx="1">
+            <a:schemeClr val="accent1"/>
+          </a:fillRef>
+          <a:effectRef idx="0">
+            <a:schemeClr val="accent1"/>
+          </a:effectRef>
+          <a:fontRef idx="minor">
+            <a:schemeClr val="lt1"/>
+          </a:fontRef>
+        </p:style>
+        <p:txBody>
+          <a:bodyPr rtlCol="0" anchor="ctr"/>
+          <a:lstStyle/>
+          <a:p>
+            <a:pPr algn="ctr"/>
+            <a:endParaRPr lang="fr-FR"/>
+          </a:p>
+        </p:txBody>
+      </p:sp>
+      <p:sp>
+        <p:nvSpPr>
+          <p:cNvPr id="3" name="ZoneTexte 2">
+            <a:extLst>
+              <a:ext uri="{FF2B5EF4-FFF2-40B4-BE49-F238E27FC236}">
+                <a16:creationId xmlns:a16="http://schemas.microsoft.com/office/drawing/2014/main" id="{07FA8C73-8B87-53DE-E9B9-A2872F22116D}"/>
+              </a:ext>
+            </a:extLst>
+          </p:cNvPr>
+          <p:cNvSpPr txBox="1"/>
+          <p:nvPr/>
+        </p:nvSpPr>
+        <p:spPr>
+          <a:xfrm>
+            <a:off x="1094509" y="917045"/>
+            <a:ext cx="2410690" cy="646331"/>
+          </a:xfrm>
+          <a:prstGeom prst="rect">
+            <a:avLst/>
+          </a:prstGeom>
+          <a:solidFill>
+            <a:schemeClr val="accent2"/>
+          </a:solidFill>
+        </p:spPr>
+        <p:txBody>
+          <a:bodyPr wrap="square" rtlCol="0">
+            <a:spAutoFit/>
+          </a:bodyPr>
+          <a:lstStyle/>
+          <a:p>
+            <a:pPr lvl="0" algn="ctr"/>
+            <a:r>
+              <a:rPr lang="fr-FR" dirty="0"/>
+              <a:t>Objet Observateur (Souscripteur)</a:t>
+            </a:r>
+          </a:p>
+        </p:txBody>
+      </p:sp>
+      <p:sp>
+        <p:nvSpPr>
+          <p:cNvPr id="4" name="Rectangle 3">
+            <a:extLst>
+              <a:ext uri="{FF2B5EF4-FFF2-40B4-BE49-F238E27FC236}">
+                <a16:creationId xmlns:a16="http://schemas.microsoft.com/office/drawing/2014/main" id="{F9003BE7-EB5B-BFB7-82F9-ECC25EFF90CA}"/>
+              </a:ext>
+            </a:extLst>
+          </p:cNvPr>
+          <p:cNvSpPr/>
+          <p:nvPr/>
+        </p:nvSpPr>
+        <p:spPr>
+          <a:xfrm>
+            <a:off x="955964" y="2701636"/>
+            <a:ext cx="2687781" cy="1080655"/>
+          </a:xfrm>
+          <a:prstGeom prst="rect">
+            <a:avLst/>
+          </a:prstGeom>
+          <a:solidFill>
+            <a:schemeClr val="accent2"/>
+          </a:solidFill>
+        </p:spPr>
+        <p:style>
+          <a:lnRef idx="2">
+            <a:schemeClr val="accent1">
+              <a:shade val="15000"/>
+            </a:schemeClr>
+          </a:lnRef>
+          <a:fillRef idx="1">
+            <a:schemeClr val="accent1"/>
+          </a:fillRef>
+          <a:effectRef idx="0">
+            <a:schemeClr val="accent1"/>
+          </a:effectRef>
+          <a:fontRef idx="minor">
+            <a:schemeClr val="lt1"/>
+          </a:fontRef>
+        </p:style>
+        <p:txBody>
+          <a:bodyPr rtlCol="0" anchor="ctr"/>
+          <a:lstStyle/>
+          <a:p>
+            <a:pPr algn="ctr"/>
+            <a:endParaRPr lang="fr-FR"/>
+          </a:p>
+        </p:txBody>
+      </p:sp>
+      <p:sp>
+        <p:nvSpPr>
+          <p:cNvPr id="5" name="Rectangle 4">
+            <a:extLst>
+              <a:ext uri="{FF2B5EF4-FFF2-40B4-BE49-F238E27FC236}">
+                <a16:creationId xmlns:a16="http://schemas.microsoft.com/office/drawing/2014/main" id="{9DFBD309-A93C-C0B7-2F87-C332AB5C980E}"/>
+              </a:ext>
+            </a:extLst>
+          </p:cNvPr>
+          <p:cNvSpPr/>
+          <p:nvPr/>
+        </p:nvSpPr>
+        <p:spPr>
+          <a:xfrm>
+            <a:off x="955964" y="4562610"/>
+            <a:ext cx="2687781" cy="1080655"/>
+          </a:xfrm>
+          <a:prstGeom prst="rect">
+            <a:avLst/>
+          </a:prstGeom>
+          <a:solidFill>
+            <a:schemeClr val="accent2"/>
+          </a:solidFill>
+        </p:spPr>
+        <p:style>
+          <a:lnRef idx="2">
+            <a:schemeClr val="accent1">
+              <a:shade val="15000"/>
+            </a:schemeClr>
+          </a:lnRef>
+          <a:fillRef idx="1">
+            <a:schemeClr val="accent1"/>
+          </a:fillRef>
+          <a:effectRef idx="0">
+            <a:schemeClr val="accent1"/>
+          </a:effectRef>
+          <a:fontRef idx="minor">
+            <a:schemeClr val="lt1"/>
+          </a:fontRef>
+        </p:style>
+        <p:txBody>
+          <a:bodyPr rtlCol="0" anchor="ctr"/>
+          <a:lstStyle/>
+          <a:p>
+            <a:pPr algn="ctr"/>
+            <a:endParaRPr lang="fr-FR"/>
+          </a:p>
+        </p:txBody>
+      </p:sp>
+      <p:sp>
+        <p:nvSpPr>
+          <p:cNvPr id="6" name="ZoneTexte 5">
+            <a:extLst>
+              <a:ext uri="{FF2B5EF4-FFF2-40B4-BE49-F238E27FC236}">
+                <a16:creationId xmlns:a16="http://schemas.microsoft.com/office/drawing/2014/main" id="{C4B53183-8D78-1C15-7E20-6C92F469EF37}"/>
+              </a:ext>
+            </a:extLst>
+          </p:cNvPr>
+          <p:cNvSpPr txBox="1"/>
+          <p:nvPr/>
+        </p:nvSpPr>
+        <p:spPr>
+          <a:xfrm>
+            <a:off x="1094509" y="2925724"/>
+            <a:ext cx="2410690" cy="646331"/>
+          </a:xfrm>
+          <a:prstGeom prst="rect">
+            <a:avLst/>
+          </a:prstGeom>
+          <a:solidFill>
+            <a:schemeClr val="accent2"/>
+          </a:solidFill>
+        </p:spPr>
+        <p:txBody>
+          <a:bodyPr wrap="square" rtlCol="0">
+            <a:spAutoFit/>
+          </a:bodyPr>
+          <a:lstStyle/>
+          <a:p>
+            <a:pPr lvl="0" algn="ctr"/>
+            <a:r>
+              <a:rPr lang="fr-FR" dirty="0"/>
+              <a:t>Objet Observateur (Souscripteur)</a:t>
+            </a:r>
+          </a:p>
+        </p:txBody>
+      </p:sp>
+      <p:sp>
+        <p:nvSpPr>
+          <p:cNvPr id="7" name="ZoneTexte 6">
+            <a:extLst>
+              <a:ext uri="{FF2B5EF4-FFF2-40B4-BE49-F238E27FC236}">
+                <a16:creationId xmlns:a16="http://schemas.microsoft.com/office/drawing/2014/main" id="{7935C112-5988-6357-B5E2-C03FC3B35C04}"/>
+              </a:ext>
+            </a:extLst>
+          </p:cNvPr>
+          <p:cNvSpPr txBox="1"/>
+          <p:nvPr/>
+        </p:nvSpPr>
+        <p:spPr>
+          <a:xfrm>
+            <a:off x="1094509" y="4779771"/>
+            <a:ext cx="2410690" cy="646331"/>
+          </a:xfrm>
+          <a:prstGeom prst="rect">
+            <a:avLst/>
+          </a:prstGeom>
+          <a:solidFill>
+            <a:schemeClr val="accent2"/>
+          </a:solidFill>
+        </p:spPr>
+        <p:txBody>
+          <a:bodyPr wrap="square" rtlCol="0">
+            <a:spAutoFit/>
+          </a:bodyPr>
+          <a:lstStyle/>
+          <a:p>
+            <a:pPr lvl="0" algn="ctr"/>
+            <a:r>
+              <a:rPr lang="fr-FR" dirty="0"/>
+              <a:t>Objet Observateur (Souscripteur)</a:t>
+            </a:r>
+          </a:p>
+        </p:txBody>
+      </p:sp>
+      <p:sp>
+        <p:nvSpPr>
+          <p:cNvPr id="8" name="Rectangle 7">
+            <a:extLst>
+              <a:ext uri="{FF2B5EF4-FFF2-40B4-BE49-F238E27FC236}">
+                <a16:creationId xmlns:a16="http://schemas.microsoft.com/office/drawing/2014/main" id="{07653A5A-CB82-77FD-B617-FDCD21625DE1}"/>
+              </a:ext>
+            </a:extLst>
+          </p:cNvPr>
+          <p:cNvSpPr/>
+          <p:nvPr/>
+        </p:nvSpPr>
+        <p:spPr>
+          <a:xfrm>
+            <a:off x="8548257" y="699883"/>
+            <a:ext cx="2687781" cy="1080655"/>
+          </a:xfrm>
+          <a:prstGeom prst="rect">
+            <a:avLst/>
+          </a:prstGeom>
+        </p:spPr>
+        <p:style>
+          <a:lnRef idx="2">
+            <a:schemeClr val="accent1">
+              <a:shade val="15000"/>
+            </a:schemeClr>
+          </a:lnRef>
+          <a:fillRef idx="1">
+            <a:schemeClr val="accent1"/>
+          </a:fillRef>
+          <a:effectRef idx="0">
+            <a:schemeClr val="accent1"/>
+          </a:effectRef>
+          <a:fontRef idx="minor">
+            <a:schemeClr val="lt1"/>
+          </a:fontRef>
+        </p:style>
+        <p:txBody>
+          <a:bodyPr rtlCol="0" anchor="ctr"/>
+          <a:lstStyle/>
+          <a:p>
+            <a:pPr algn="ctr"/>
+            <a:endParaRPr lang="fr-FR"/>
+          </a:p>
+        </p:txBody>
+      </p:sp>
+      <p:sp>
+        <p:nvSpPr>
+          <p:cNvPr id="9" name="ZoneTexte 8">
+            <a:extLst>
+              <a:ext uri="{FF2B5EF4-FFF2-40B4-BE49-F238E27FC236}">
+                <a16:creationId xmlns:a16="http://schemas.microsoft.com/office/drawing/2014/main" id="{9D43C214-A3E4-8B64-979A-94D954136777}"/>
+              </a:ext>
+            </a:extLst>
+          </p:cNvPr>
+          <p:cNvSpPr txBox="1"/>
+          <p:nvPr/>
+        </p:nvSpPr>
+        <p:spPr>
+          <a:xfrm>
+            <a:off x="8732659" y="950677"/>
+            <a:ext cx="2410690" cy="646331"/>
+          </a:xfrm>
+          <a:prstGeom prst="rect">
+            <a:avLst/>
+          </a:prstGeom>
+          <a:noFill/>
+        </p:spPr>
+        <p:txBody>
+          <a:bodyPr wrap="square" rtlCol="0">
+            <a:spAutoFit/>
+          </a:bodyPr>
+          <a:lstStyle/>
+          <a:p>
+            <a:pPr lvl="0" algn="ctr"/>
+            <a:r>
+              <a:rPr lang="fr-FR" dirty="0"/>
+              <a:t> Objet sujet</a:t>
+            </a:r>
+          </a:p>
+          <a:p>
+            <a:pPr lvl="0" algn="ctr"/>
+            <a:r>
+              <a:rPr lang="fr-FR" dirty="0"/>
+              <a:t>(Diffuseur)</a:t>
+            </a:r>
+          </a:p>
+        </p:txBody>
+      </p:sp>
+      <p:sp>
+        <p:nvSpPr>
+          <p:cNvPr id="10" name="Rectangle 9">
+            <a:extLst>
+              <a:ext uri="{FF2B5EF4-FFF2-40B4-BE49-F238E27FC236}">
+                <a16:creationId xmlns:a16="http://schemas.microsoft.com/office/drawing/2014/main" id="{ECDB9E3A-BF0F-DE57-9052-40691C3FC99C}"/>
+              </a:ext>
+            </a:extLst>
+          </p:cNvPr>
+          <p:cNvSpPr/>
+          <p:nvPr/>
+        </p:nvSpPr>
+        <p:spPr>
+          <a:xfrm>
+            <a:off x="8548255" y="4562608"/>
+            <a:ext cx="2687781" cy="1080655"/>
+          </a:xfrm>
+          <a:prstGeom prst="rect">
+            <a:avLst/>
+          </a:prstGeom>
+        </p:spPr>
+        <p:style>
+          <a:lnRef idx="2">
+            <a:schemeClr val="accent1">
+              <a:shade val="15000"/>
+            </a:schemeClr>
+          </a:lnRef>
+          <a:fillRef idx="1">
+            <a:schemeClr val="accent1"/>
+          </a:fillRef>
+          <a:effectRef idx="0">
+            <a:schemeClr val="accent1"/>
+          </a:effectRef>
+          <a:fontRef idx="minor">
+            <a:schemeClr val="lt1"/>
+          </a:fontRef>
+        </p:style>
+        <p:txBody>
+          <a:bodyPr rtlCol="0" anchor="ctr"/>
+          <a:lstStyle/>
+          <a:p>
+            <a:pPr algn="ctr"/>
+            <a:endParaRPr lang="fr-FR"/>
+          </a:p>
+        </p:txBody>
+      </p:sp>
+      <p:sp>
+        <p:nvSpPr>
+          <p:cNvPr id="11" name="ZoneTexte 10">
+            <a:extLst>
+              <a:ext uri="{FF2B5EF4-FFF2-40B4-BE49-F238E27FC236}">
+                <a16:creationId xmlns:a16="http://schemas.microsoft.com/office/drawing/2014/main" id="{74DD0BBA-1A3F-DA96-C0D1-62847BAA6AB0}"/>
+              </a:ext>
+            </a:extLst>
+          </p:cNvPr>
+          <p:cNvSpPr txBox="1"/>
+          <p:nvPr/>
+        </p:nvSpPr>
+        <p:spPr>
+          <a:xfrm>
+            <a:off x="8682315" y="4779769"/>
+            <a:ext cx="2410690" cy="646331"/>
+          </a:xfrm>
+          <a:prstGeom prst="rect">
+            <a:avLst/>
+          </a:prstGeom>
+          <a:noFill/>
+        </p:spPr>
+        <p:txBody>
+          <a:bodyPr wrap="square" rtlCol="0">
+            <a:spAutoFit/>
+          </a:bodyPr>
+          <a:lstStyle/>
+          <a:p>
+            <a:pPr lvl="0" algn="ctr"/>
+            <a:r>
+              <a:rPr lang="fr-FR" dirty="0"/>
+              <a:t> Objet sujet</a:t>
+            </a:r>
+          </a:p>
+          <a:p>
+            <a:pPr lvl="0" algn="ctr"/>
+            <a:r>
+              <a:rPr lang="fr-FR" dirty="0"/>
+              <a:t>(Diffuseur)</a:t>
+            </a:r>
+          </a:p>
+        </p:txBody>
+      </p:sp>
+      <p:sp>
+        <p:nvSpPr>
+          <p:cNvPr id="12" name="Rectangle 11">
+            <a:extLst>
+              <a:ext uri="{FF2B5EF4-FFF2-40B4-BE49-F238E27FC236}">
+                <a16:creationId xmlns:a16="http://schemas.microsoft.com/office/drawing/2014/main" id="{89CE6048-CEF2-104D-DD73-A02AC6CCDEE1}"/>
+              </a:ext>
+            </a:extLst>
+          </p:cNvPr>
+          <p:cNvSpPr/>
+          <p:nvPr/>
+        </p:nvSpPr>
+        <p:spPr>
+          <a:xfrm>
+            <a:off x="8548257" y="2701636"/>
+            <a:ext cx="2687781" cy="1080655"/>
+          </a:xfrm>
+          <a:prstGeom prst="rect">
+            <a:avLst/>
+          </a:prstGeom>
+        </p:spPr>
+        <p:style>
+          <a:lnRef idx="2">
+            <a:schemeClr val="accent1">
+              <a:shade val="15000"/>
+            </a:schemeClr>
+          </a:lnRef>
+          <a:fillRef idx="1">
+            <a:schemeClr val="accent1"/>
+          </a:fillRef>
+          <a:effectRef idx="0">
+            <a:schemeClr val="accent1"/>
+          </a:effectRef>
+          <a:fontRef idx="minor">
+            <a:schemeClr val="lt1"/>
+          </a:fontRef>
+        </p:style>
+        <p:txBody>
+          <a:bodyPr rtlCol="0" anchor="ctr"/>
+          <a:lstStyle/>
+          <a:p>
+            <a:pPr algn="ctr"/>
+            <a:endParaRPr lang="fr-FR"/>
+          </a:p>
+        </p:txBody>
+      </p:sp>
+      <p:sp>
+        <p:nvSpPr>
+          <p:cNvPr id="13" name="ZoneTexte 12">
+            <a:extLst>
+              <a:ext uri="{FF2B5EF4-FFF2-40B4-BE49-F238E27FC236}">
+                <a16:creationId xmlns:a16="http://schemas.microsoft.com/office/drawing/2014/main" id="{59CC8E33-F57A-5746-9EBB-14001950475E}"/>
+              </a:ext>
+            </a:extLst>
+          </p:cNvPr>
+          <p:cNvSpPr txBox="1"/>
+          <p:nvPr/>
+        </p:nvSpPr>
+        <p:spPr>
+          <a:xfrm>
+            <a:off x="8732659" y="2952430"/>
+            <a:ext cx="2410690" cy="646331"/>
+          </a:xfrm>
+          <a:prstGeom prst="rect">
+            <a:avLst/>
+          </a:prstGeom>
+          <a:noFill/>
+        </p:spPr>
+        <p:txBody>
+          <a:bodyPr wrap="square" rtlCol="0">
+            <a:spAutoFit/>
+          </a:bodyPr>
+          <a:lstStyle/>
+          <a:p>
+            <a:pPr lvl="0" algn="ctr"/>
+            <a:r>
+              <a:rPr lang="fr-FR" dirty="0"/>
+              <a:t> Objet sujet</a:t>
+            </a:r>
+          </a:p>
+          <a:p>
+            <a:pPr lvl="0" algn="ctr"/>
+            <a:r>
+              <a:rPr lang="fr-FR" dirty="0"/>
+              <a:t>(Diffuseur)</a:t>
+            </a:r>
+          </a:p>
+        </p:txBody>
+      </p:sp>
+      <p:sp>
+        <p:nvSpPr>
+          <p:cNvPr id="14" name="Rectangle 13">
+            <a:extLst>
+              <a:ext uri="{FF2B5EF4-FFF2-40B4-BE49-F238E27FC236}">
+                <a16:creationId xmlns:a16="http://schemas.microsoft.com/office/drawing/2014/main" id="{50CE4EEB-D4C7-A62C-CEF9-D4C52B9C2B85}"/>
+              </a:ext>
+            </a:extLst>
+          </p:cNvPr>
+          <p:cNvSpPr/>
+          <p:nvPr/>
+        </p:nvSpPr>
+        <p:spPr>
+          <a:xfrm>
+            <a:off x="5125792" y="699883"/>
+            <a:ext cx="1970467" cy="4943380"/>
+          </a:xfrm>
+          <a:prstGeom prst="rect">
+            <a:avLst/>
+          </a:prstGeom>
+          <a:solidFill>
+            <a:schemeClr val="accent6"/>
+          </a:solidFill>
+        </p:spPr>
+        <p:style>
+          <a:lnRef idx="2">
+            <a:schemeClr val="accent1">
+              <a:shade val="15000"/>
+            </a:schemeClr>
+          </a:lnRef>
+          <a:fillRef idx="1">
+            <a:schemeClr val="accent1"/>
+          </a:fillRef>
+          <a:effectRef idx="0">
+            <a:schemeClr val="accent1"/>
+          </a:effectRef>
+          <a:fontRef idx="minor">
+            <a:schemeClr val="lt1"/>
+          </a:fontRef>
+        </p:style>
+        <p:txBody>
+          <a:bodyPr rtlCol="0" anchor="ctr"/>
+          <a:lstStyle/>
+          <a:p>
+            <a:pPr algn="ctr"/>
+            <a:endParaRPr lang="fr-FR"/>
+          </a:p>
+        </p:txBody>
+      </p:sp>
+      <p:sp>
+        <p:nvSpPr>
+          <p:cNvPr id="15" name="ZoneTexte 14">
+            <a:extLst>
+              <a:ext uri="{FF2B5EF4-FFF2-40B4-BE49-F238E27FC236}">
+                <a16:creationId xmlns:a16="http://schemas.microsoft.com/office/drawing/2014/main" id="{7D2A617B-9997-E2A2-9548-F9792986F843}"/>
+              </a:ext>
+            </a:extLst>
+          </p:cNvPr>
+          <p:cNvSpPr txBox="1"/>
+          <p:nvPr/>
+        </p:nvSpPr>
+        <p:spPr>
+          <a:xfrm>
+            <a:off x="5434885" y="3090929"/>
+            <a:ext cx="1365160" cy="369332"/>
+          </a:xfrm>
+          <a:prstGeom prst="rect">
+            <a:avLst/>
+          </a:prstGeom>
+          <a:noFill/>
+        </p:spPr>
+        <p:txBody>
+          <a:bodyPr wrap="square" rtlCol="0">
+            <a:spAutoFit/>
+          </a:bodyPr>
+          <a:lstStyle/>
+          <a:p>
+            <a:pPr algn="ctr"/>
+            <a:r>
+              <a:rPr lang="fr-FR" dirty="0"/>
+              <a:t>Interface</a:t>
+            </a:r>
+          </a:p>
+        </p:txBody>
+      </p:sp>
+      <p:cxnSp>
+        <p:nvCxnSpPr>
+          <p:cNvPr id="17" name="Connecteur droit avec flèche 16">
+            <a:extLst>
+              <a:ext uri="{FF2B5EF4-FFF2-40B4-BE49-F238E27FC236}">
+                <a16:creationId xmlns:a16="http://schemas.microsoft.com/office/drawing/2014/main" id="{E7F5791B-D9CA-1C4F-6A67-CFBDDDD5B78B}"/>
+              </a:ext>
+            </a:extLst>
+          </p:cNvPr>
+          <p:cNvCxnSpPr>
+            <a:cxnSpLocks/>
+          </p:cNvCxnSpPr>
+          <p:nvPr/>
+        </p:nvCxnSpPr>
+        <p:spPr>
+          <a:xfrm>
+            <a:off x="3657112" y="1392611"/>
+            <a:ext cx="1482047" cy="0"/>
+          </a:xfrm>
+          <a:prstGeom prst="straightConnector1">
+            <a:avLst/>
+          </a:prstGeom>
+          <a:ln w="57150">
+            <a:solidFill>
+              <a:schemeClr val="accent2"/>
+            </a:solidFill>
+            <a:tailEnd type="triangle"/>
+          </a:ln>
+        </p:spPr>
+        <p:style>
+          <a:lnRef idx="1">
+            <a:schemeClr val="accent1"/>
+          </a:lnRef>
+          <a:fillRef idx="0">
+            <a:schemeClr val="accent1"/>
+          </a:fillRef>
+          <a:effectRef idx="0">
+            <a:schemeClr val="accent1"/>
+          </a:effectRef>
+          <a:fontRef idx="minor">
+            <a:schemeClr val="tx1"/>
+          </a:fontRef>
+        </p:style>
+      </p:cxnSp>
+      <p:cxnSp>
+        <p:nvCxnSpPr>
+          <p:cNvPr id="19" name="Connecteur droit avec flèche 18">
+            <a:extLst>
+              <a:ext uri="{FF2B5EF4-FFF2-40B4-BE49-F238E27FC236}">
+                <a16:creationId xmlns:a16="http://schemas.microsoft.com/office/drawing/2014/main" id="{33E69925-DF4F-1591-F435-BBDDF6DC30FC}"/>
+              </a:ext>
+            </a:extLst>
+          </p:cNvPr>
+          <p:cNvCxnSpPr>
+            <a:cxnSpLocks/>
+          </p:cNvCxnSpPr>
+          <p:nvPr/>
+        </p:nvCxnSpPr>
+        <p:spPr>
+          <a:xfrm>
+            <a:off x="3657112" y="3472686"/>
+            <a:ext cx="1482047" cy="0"/>
+          </a:xfrm>
+          <a:prstGeom prst="straightConnector1">
+            <a:avLst/>
+          </a:prstGeom>
+          <a:ln w="57150">
+            <a:solidFill>
+              <a:schemeClr val="accent2"/>
+            </a:solidFill>
+            <a:tailEnd type="triangle"/>
+          </a:ln>
+        </p:spPr>
+        <p:style>
+          <a:lnRef idx="1">
+            <a:schemeClr val="accent1"/>
+          </a:lnRef>
+          <a:fillRef idx="0">
+            <a:schemeClr val="accent1"/>
+          </a:fillRef>
+          <a:effectRef idx="0">
+            <a:schemeClr val="accent1"/>
+          </a:effectRef>
+          <a:fontRef idx="minor">
+            <a:schemeClr val="tx1"/>
+          </a:fontRef>
+        </p:style>
+      </p:cxnSp>
+      <p:cxnSp>
+        <p:nvCxnSpPr>
+          <p:cNvPr id="20" name="Connecteur droit avec flèche 19">
+            <a:extLst>
+              <a:ext uri="{FF2B5EF4-FFF2-40B4-BE49-F238E27FC236}">
+                <a16:creationId xmlns:a16="http://schemas.microsoft.com/office/drawing/2014/main" id="{EA77C0D7-5D51-ED09-F7EF-C6C39D30844E}"/>
+              </a:ext>
+            </a:extLst>
+          </p:cNvPr>
+          <p:cNvCxnSpPr>
+            <a:cxnSpLocks/>
+          </p:cNvCxnSpPr>
+          <p:nvPr/>
+        </p:nvCxnSpPr>
+        <p:spPr>
+          <a:xfrm>
+            <a:off x="3643745" y="5294455"/>
+            <a:ext cx="1482047" cy="0"/>
+          </a:xfrm>
+          <a:prstGeom prst="straightConnector1">
+            <a:avLst/>
+          </a:prstGeom>
+          <a:ln w="57150">
+            <a:solidFill>
+              <a:schemeClr val="accent2"/>
+            </a:solidFill>
+            <a:tailEnd type="triangle"/>
+          </a:ln>
+        </p:spPr>
+        <p:style>
+          <a:lnRef idx="1">
+            <a:schemeClr val="accent1"/>
+          </a:lnRef>
+          <a:fillRef idx="0">
+            <a:schemeClr val="accent1"/>
+          </a:fillRef>
+          <a:effectRef idx="0">
+            <a:schemeClr val="accent1"/>
+          </a:effectRef>
+          <a:fontRef idx="minor">
+            <a:schemeClr val="tx1"/>
+          </a:fontRef>
+        </p:style>
+      </p:cxnSp>
+      <p:cxnSp>
+        <p:nvCxnSpPr>
+          <p:cNvPr id="22" name="Connecteur droit avec flèche 21">
+            <a:extLst>
+              <a:ext uri="{FF2B5EF4-FFF2-40B4-BE49-F238E27FC236}">
+                <a16:creationId xmlns:a16="http://schemas.microsoft.com/office/drawing/2014/main" id="{10E20EB0-4BDC-B93B-9704-5953B70DB856}"/>
+              </a:ext>
+            </a:extLst>
+          </p:cNvPr>
+          <p:cNvCxnSpPr>
+            <a:stCxn id="8" idx="1"/>
+          </p:cNvCxnSpPr>
+          <p:nvPr/>
+        </p:nvCxnSpPr>
+        <p:spPr>
+          <a:xfrm flipH="1">
+            <a:off x="7096259" y="1240211"/>
+            <a:ext cx="1451998" cy="0"/>
+          </a:xfrm>
+          <a:prstGeom prst="straightConnector1">
+            <a:avLst/>
+          </a:prstGeom>
+          <a:ln w="57150">
+            <a:tailEnd type="triangle"/>
+          </a:ln>
+        </p:spPr>
+        <p:style>
+          <a:lnRef idx="1">
+            <a:schemeClr val="accent1"/>
+          </a:lnRef>
+          <a:fillRef idx="0">
+            <a:schemeClr val="accent1"/>
+          </a:fillRef>
+          <a:effectRef idx="0">
+            <a:schemeClr val="accent1"/>
+          </a:effectRef>
+          <a:fontRef idx="minor">
+            <a:schemeClr val="tx1"/>
+          </a:fontRef>
+        </p:style>
+      </p:cxnSp>
+      <p:cxnSp>
+        <p:nvCxnSpPr>
+          <p:cNvPr id="23" name="Connecteur droit avec flèche 22">
+            <a:extLst>
+              <a:ext uri="{FF2B5EF4-FFF2-40B4-BE49-F238E27FC236}">
+                <a16:creationId xmlns:a16="http://schemas.microsoft.com/office/drawing/2014/main" id="{FA5D82C4-E330-535A-4489-36C811090EA1}"/>
+              </a:ext>
+            </a:extLst>
+          </p:cNvPr>
+          <p:cNvCxnSpPr/>
+          <p:nvPr/>
+        </p:nvCxnSpPr>
+        <p:spPr>
+          <a:xfrm flipH="1">
+            <a:off x="7096259" y="5138216"/>
+            <a:ext cx="1451998" cy="0"/>
+          </a:xfrm>
+          <a:prstGeom prst="straightConnector1">
+            <a:avLst/>
+          </a:prstGeom>
+          <a:ln w="57150">
+            <a:tailEnd type="triangle"/>
+          </a:ln>
+        </p:spPr>
+        <p:style>
+          <a:lnRef idx="1">
+            <a:schemeClr val="accent1"/>
+          </a:lnRef>
+          <a:fillRef idx="0">
+            <a:schemeClr val="accent1"/>
+          </a:fillRef>
+          <a:effectRef idx="0">
+            <a:schemeClr val="accent1"/>
+          </a:effectRef>
+          <a:fontRef idx="minor">
+            <a:schemeClr val="tx1"/>
+          </a:fontRef>
+        </p:style>
+      </p:cxnSp>
+      <p:cxnSp>
+        <p:nvCxnSpPr>
+          <p:cNvPr id="24" name="Connecteur droit avec flèche 23">
+            <a:extLst>
+              <a:ext uri="{FF2B5EF4-FFF2-40B4-BE49-F238E27FC236}">
+                <a16:creationId xmlns:a16="http://schemas.microsoft.com/office/drawing/2014/main" id="{9AE41D17-4A65-772D-0680-0E7190FD3706}"/>
+              </a:ext>
+            </a:extLst>
+          </p:cNvPr>
+          <p:cNvCxnSpPr/>
+          <p:nvPr/>
+        </p:nvCxnSpPr>
+        <p:spPr>
+          <a:xfrm flipH="1">
+            <a:off x="7096259" y="3324442"/>
+            <a:ext cx="1451998" cy="0"/>
+          </a:xfrm>
+          <a:prstGeom prst="straightConnector1">
+            <a:avLst/>
+          </a:prstGeom>
+          <a:ln w="57150">
+            <a:tailEnd type="triangle"/>
+          </a:ln>
+        </p:spPr>
+        <p:style>
+          <a:lnRef idx="1">
+            <a:schemeClr val="accent1"/>
+          </a:lnRef>
+          <a:fillRef idx="0">
+            <a:schemeClr val="accent1"/>
+          </a:fillRef>
+          <a:effectRef idx="0">
+            <a:schemeClr val="accent1"/>
+          </a:effectRef>
+          <a:fontRef idx="minor">
+            <a:schemeClr val="tx1"/>
+          </a:fontRef>
+        </p:style>
+      </p:cxnSp>
+      <p:cxnSp>
+        <p:nvCxnSpPr>
+          <p:cNvPr id="25" name="Connecteur droit avec flèche 24">
+            <a:extLst>
+              <a:ext uri="{FF2B5EF4-FFF2-40B4-BE49-F238E27FC236}">
+                <a16:creationId xmlns:a16="http://schemas.microsoft.com/office/drawing/2014/main" id="{D40282ED-3483-344E-6879-B8DF1387BFF2}"/>
+              </a:ext>
+            </a:extLst>
+          </p:cNvPr>
+          <p:cNvCxnSpPr>
+            <a:cxnSpLocks/>
+          </p:cNvCxnSpPr>
+          <p:nvPr/>
+        </p:nvCxnSpPr>
+        <p:spPr>
+          <a:xfrm flipH="1">
+            <a:off x="3643745" y="5102934"/>
+            <a:ext cx="1482047" cy="0"/>
+          </a:xfrm>
+          <a:prstGeom prst="straightConnector1">
+            <a:avLst/>
+          </a:prstGeom>
+          <a:ln w="57150">
+            <a:solidFill>
+              <a:schemeClr val="accent6"/>
+            </a:solidFill>
+            <a:tailEnd type="triangle"/>
+          </a:ln>
+        </p:spPr>
+        <p:style>
+          <a:lnRef idx="1">
+            <a:schemeClr val="accent1"/>
+          </a:lnRef>
+          <a:fillRef idx="0">
+            <a:schemeClr val="accent1"/>
+          </a:fillRef>
+          <a:effectRef idx="0">
+            <a:schemeClr val="accent1"/>
+          </a:effectRef>
+          <a:fontRef idx="minor">
+            <a:schemeClr val="tx1"/>
+          </a:fontRef>
+        </p:style>
+      </p:cxnSp>
+      <p:cxnSp>
+        <p:nvCxnSpPr>
+          <p:cNvPr id="26" name="Connecteur droit avec flèche 25">
+            <a:extLst>
+              <a:ext uri="{FF2B5EF4-FFF2-40B4-BE49-F238E27FC236}">
+                <a16:creationId xmlns:a16="http://schemas.microsoft.com/office/drawing/2014/main" id="{57C6046A-E1BB-7C97-ADC3-FB9AE52D4894}"/>
+              </a:ext>
+            </a:extLst>
+          </p:cNvPr>
+          <p:cNvCxnSpPr>
+            <a:cxnSpLocks/>
+          </p:cNvCxnSpPr>
+          <p:nvPr/>
+        </p:nvCxnSpPr>
+        <p:spPr>
+          <a:xfrm flipH="1">
+            <a:off x="3657112" y="3324442"/>
+            <a:ext cx="1468680" cy="12425"/>
+          </a:xfrm>
+          <a:prstGeom prst="straightConnector1">
+            <a:avLst/>
+          </a:prstGeom>
+          <a:ln w="57150">
+            <a:solidFill>
+              <a:schemeClr val="accent6"/>
+            </a:solidFill>
+            <a:tailEnd type="triangle"/>
+          </a:ln>
+        </p:spPr>
+        <p:style>
+          <a:lnRef idx="1">
+            <a:schemeClr val="accent1"/>
+          </a:lnRef>
+          <a:fillRef idx="0">
+            <a:schemeClr val="accent1"/>
+          </a:fillRef>
+          <a:effectRef idx="0">
+            <a:schemeClr val="accent1"/>
+          </a:effectRef>
+          <a:fontRef idx="minor">
+            <a:schemeClr val="tx1"/>
+          </a:fontRef>
+        </p:style>
+      </p:cxnSp>
+      <p:cxnSp>
+        <p:nvCxnSpPr>
+          <p:cNvPr id="27" name="Connecteur droit avec flèche 26">
+            <a:extLst>
+              <a:ext uri="{FF2B5EF4-FFF2-40B4-BE49-F238E27FC236}">
+                <a16:creationId xmlns:a16="http://schemas.microsoft.com/office/drawing/2014/main" id="{2853392C-BE49-03BB-8532-DE8952DBACC5}"/>
+              </a:ext>
+            </a:extLst>
+          </p:cNvPr>
+          <p:cNvCxnSpPr>
+            <a:cxnSpLocks/>
+          </p:cNvCxnSpPr>
+          <p:nvPr/>
+        </p:nvCxnSpPr>
+        <p:spPr>
+          <a:xfrm flipH="1">
+            <a:off x="3657112" y="1241904"/>
+            <a:ext cx="1482047" cy="0"/>
+          </a:xfrm>
+          <a:prstGeom prst="straightConnector1">
+            <a:avLst/>
+          </a:prstGeom>
+          <a:ln w="57150">
+            <a:solidFill>
+              <a:schemeClr val="accent6"/>
+            </a:solidFill>
+            <a:tailEnd type="triangle"/>
+          </a:ln>
+        </p:spPr>
+        <p:style>
+          <a:lnRef idx="1">
+            <a:schemeClr val="accent1"/>
+          </a:lnRef>
+          <a:fillRef idx="0">
+            <a:schemeClr val="accent1"/>
+          </a:fillRef>
+          <a:effectRef idx="0">
+            <a:schemeClr val="accent1"/>
+          </a:effectRef>
+          <a:fontRef idx="minor">
+            <a:schemeClr val="tx1"/>
+          </a:fontRef>
+        </p:style>
+      </p:cxnSp>
+      <p:cxnSp>
+        <p:nvCxnSpPr>
+          <p:cNvPr id="28" name="Connecteur droit avec flèche 27">
+            <a:extLst>
+              <a:ext uri="{FF2B5EF4-FFF2-40B4-BE49-F238E27FC236}">
+                <a16:creationId xmlns:a16="http://schemas.microsoft.com/office/drawing/2014/main" id="{0AD262FD-8E6F-9B4B-CF7F-AA9B85456120}"/>
+              </a:ext>
+            </a:extLst>
+          </p:cNvPr>
+          <p:cNvCxnSpPr>
+            <a:cxnSpLocks/>
+          </p:cNvCxnSpPr>
+          <p:nvPr/>
+        </p:nvCxnSpPr>
+        <p:spPr>
+          <a:xfrm>
+            <a:off x="7096259" y="5269152"/>
+            <a:ext cx="1451996" cy="0"/>
+          </a:xfrm>
+          <a:prstGeom prst="straightConnector1">
+            <a:avLst/>
+          </a:prstGeom>
+          <a:ln w="57150">
+            <a:solidFill>
+              <a:schemeClr val="accent6"/>
+            </a:solidFill>
+            <a:tailEnd type="triangle"/>
+          </a:ln>
+        </p:spPr>
+        <p:style>
+          <a:lnRef idx="1">
+            <a:schemeClr val="accent1"/>
+          </a:lnRef>
+          <a:fillRef idx="0">
+            <a:schemeClr val="accent1"/>
+          </a:fillRef>
+          <a:effectRef idx="0">
+            <a:schemeClr val="accent1"/>
+          </a:effectRef>
+          <a:fontRef idx="minor">
+            <a:schemeClr val="tx1"/>
+          </a:fontRef>
+        </p:style>
+      </p:cxnSp>
+      <p:cxnSp>
+        <p:nvCxnSpPr>
+          <p:cNvPr id="29" name="Connecteur droit avec flèche 28">
+            <a:extLst>
+              <a:ext uri="{FF2B5EF4-FFF2-40B4-BE49-F238E27FC236}">
+                <a16:creationId xmlns:a16="http://schemas.microsoft.com/office/drawing/2014/main" id="{8374D0E0-9450-3D94-D574-4DBA24A74B0A}"/>
+              </a:ext>
+            </a:extLst>
+          </p:cNvPr>
+          <p:cNvCxnSpPr>
+            <a:cxnSpLocks/>
+          </p:cNvCxnSpPr>
+          <p:nvPr/>
+        </p:nvCxnSpPr>
+        <p:spPr>
+          <a:xfrm flipV="1">
+            <a:off x="7096259" y="3460261"/>
+            <a:ext cx="1451996" cy="12425"/>
+          </a:xfrm>
+          <a:prstGeom prst="straightConnector1">
+            <a:avLst/>
+          </a:prstGeom>
+          <a:ln w="57150">
+            <a:solidFill>
+              <a:schemeClr val="accent6"/>
+            </a:solidFill>
+            <a:tailEnd type="triangle"/>
+          </a:ln>
+        </p:spPr>
+        <p:style>
+          <a:lnRef idx="1">
+            <a:schemeClr val="accent1"/>
+          </a:lnRef>
+          <a:fillRef idx="0">
+            <a:schemeClr val="accent1"/>
+          </a:fillRef>
+          <a:effectRef idx="0">
+            <a:schemeClr val="accent1"/>
+          </a:effectRef>
+          <a:fontRef idx="minor">
+            <a:schemeClr val="tx1"/>
+          </a:fontRef>
+        </p:style>
+      </p:cxnSp>
+      <p:cxnSp>
+        <p:nvCxnSpPr>
+          <p:cNvPr id="30" name="Connecteur droit avec flèche 29">
+            <a:extLst>
+              <a:ext uri="{FF2B5EF4-FFF2-40B4-BE49-F238E27FC236}">
+                <a16:creationId xmlns:a16="http://schemas.microsoft.com/office/drawing/2014/main" id="{F5C21D5C-BE2E-7091-76E4-DC4780746CB8}"/>
+              </a:ext>
+            </a:extLst>
+          </p:cNvPr>
+          <p:cNvCxnSpPr>
+            <a:cxnSpLocks/>
+          </p:cNvCxnSpPr>
+          <p:nvPr/>
+        </p:nvCxnSpPr>
+        <p:spPr>
+          <a:xfrm>
+            <a:off x="7096259" y="1392611"/>
+            <a:ext cx="1451996" cy="0"/>
+          </a:xfrm>
+          <a:prstGeom prst="straightConnector1">
+            <a:avLst/>
+          </a:prstGeom>
+          <a:ln w="57150">
+            <a:solidFill>
+              <a:schemeClr val="accent6"/>
+            </a:solidFill>
+            <a:tailEnd type="triangle"/>
+          </a:ln>
+        </p:spPr>
+        <p:style>
+          <a:lnRef idx="1">
+            <a:schemeClr val="accent1"/>
+          </a:lnRef>
+          <a:fillRef idx="0">
+            <a:schemeClr val="accent1"/>
+          </a:fillRef>
+          <a:effectRef idx="0">
+            <a:schemeClr val="accent1"/>
+          </a:effectRef>
+          <a:fontRef idx="minor">
+            <a:schemeClr val="tx1"/>
+          </a:fontRef>
+        </p:style>
+      </p:cxnSp>
+    </p:spTree>
+    <p:extLst>
+      <p:ext uri="{BB962C8B-B14F-4D97-AF65-F5344CB8AC3E}">
+        <p14:creationId xmlns:p14="http://schemas.microsoft.com/office/powerpoint/2010/main" val="2829809620"/>
+      </p:ext>
+    </p:extLst>
+  </p:cSld>
+  <p:clrMapOvr>
+    <a:masterClrMapping/>
+  </p:clrMapOvr>
+</p:sld>
+</file>
+
+<file path=ppt/slides/slide4.xml><?xml version="1.0" encoding="utf-8"?>
+<p:sld xmlns:a="http://schemas.openxmlformats.org/drawingml/2006/main" xmlns:r="http://schemas.openxmlformats.org/officeDocument/2006/relationships" xmlns:p="http://schemas.openxmlformats.org/presentationml/2006/main">
+  <p:cSld>
+    <p:spTree>
+      <p:nvGrpSpPr>
+        <p:cNvPr id="1" name=""/>
+        <p:cNvGrpSpPr/>
+        <p:nvPr/>
+      </p:nvGrpSpPr>
+      <p:grpSpPr>
+        <a:xfrm>
+          <a:off x="0" y="0"/>
+          <a:ext cx="0" cy="0"/>
+          <a:chOff x="0" y="0"/>
+          <a:chExt cx="0" cy="0"/>
+        </a:xfrm>
+      </p:grpSpPr>
+      <p:sp>
+        <p:nvSpPr>
+          <p:cNvPr id="2" name="Rectangle 1">
+            <a:extLst>
+              <a:ext uri="{FF2B5EF4-FFF2-40B4-BE49-F238E27FC236}">
+                <a16:creationId xmlns:a16="http://schemas.microsoft.com/office/drawing/2014/main" id="{A102DA76-BEA8-F808-40C7-8BEEDFE67066}"/>
+              </a:ext>
+            </a:extLst>
+          </p:cNvPr>
+          <p:cNvSpPr/>
+          <p:nvPr/>
+        </p:nvSpPr>
+        <p:spPr>
+          <a:xfrm>
+            <a:off x="527350" y="742618"/>
+            <a:ext cx="2199360" cy="1080655"/>
+          </a:xfrm>
+          <a:prstGeom prst="rect">
+            <a:avLst/>
+          </a:prstGeom>
+          <a:solidFill>
+            <a:schemeClr val="accent2"/>
+          </a:solidFill>
+        </p:spPr>
+        <p:style>
+          <a:lnRef idx="2">
+            <a:schemeClr val="accent1">
+              <a:shade val="15000"/>
+            </a:schemeClr>
+          </a:lnRef>
+          <a:fillRef idx="1">
+            <a:schemeClr val="accent1"/>
+          </a:fillRef>
+          <a:effectRef idx="0">
+            <a:schemeClr val="accent1"/>
+          </a:effectRef>
+          <a:fontRef idx="minor">
+            <a:schemeClr val="lt1"/>
+          </a:fontRef>
+        </p:style>
+        <p:txBody>
+          <a:bodyPr rtlCol="0" anchor="ctr"/>
+          <a:lstStyle/>
+          <a:p>
+            <a:pPr algn="ctr"/>
+            <a:endParaRPr lang="fr-FR"/>
+          </a:p>
+        </p:txBody>
+      </p:sp>
+      <p:sp>
+        <p:nvSpPr>
+          <p:cNvPr id="3" name="ZoneTexte 2">
+            <a:extLst>
+              <a:ext uri="{FF2B5EF4-FFF2-40B4-BE49-F238E27FC236}">
+                <a16:creationId xmlns:a16="http://schemas.microsoft.com/office/drawing/2014/main" id="{EB9CC2DE-5AEF-A25E-94BC-674F4ECFB97B}"/>
+              </a:ext>
+            </a:extLst>
+          </p:cNvPr>
+          <p:cNvSpPr txBox="1"/>
+          <p:nvPr/>
+        </p:nvSpPr>
+        <p:spPr>
+          <a:xfrm>
+            <a:off x="640926" y="845793"/>
+            <a:ext cx="1960125" cy="923330"/>
+          </a:xfrm>
+          <a:prstGeom prst="rect">
+            <a:avLst/>
+          </a:prstGeom>
+          <a:solidFill>
+            <a:schemeClr val="accent2"/>
+          </a:solidFill>
+        </p:spPr>
+        <p:txBody>
+          <a:bodyPr wrap="square" rtlCol="0">
+            <a:spAutoFit/>
+          </a:bodyPr>
+          <a:lstStyle/>
+          <a:p>
+            <a:pPr lvl="0" algn="ctr"/>
+            <a:r>
+              <a:rPr lang="fr-FR" dirty="0"/>
+              <a:t>Classe concrète</a:t>
+            </a:r>
+          </a:p>
+          <a:p>
+            <a:pPr lvl="0" algn="ctr"/>
+            <a:r>
+              <a:rPr lang="fr-FR" sz="1200" dirty="0"/>
+              <a:t> </a:t>
+            </a:r>
+            <a:r>
+              <a:rPr lang="fr-FR" dirty="0"/>
+              <a:t>Objet Observateur (Souscripteur)</a:t>
+            </a:r>
+          </a:p>
+        </p:txBody>
+      </p:sp>
+      <p:sp>
+        <p:nvSpPr>
+          <p:cNvPr id="8" name="Rectangle 7">
+            <a:extLst>
+              <a:ext uri="{FF2B5EF4-FFF2-40B4-BE49-F238E27FC236}">
+                <a16:creationId xmlns:a16="http://schemas.microsoft.com/office/drawing/2014/main" id="{2C5DC5BA-D83C-41FC-C9BD-012B0AABC0DA}"/>
+              </a:ext>
+            </a:extLst>
+          </p:cNvPr>
+          <p:cNvSpPr/>
+          <p:nvPr/>
+        </p:nvSpPr>
+        <p:spPr>
+          <a:xfrm>
+            <a:off x="9691351" y="742617"/>
+            <a:ext cx="1885193" cy="1080655"/>
+          </a:xfrm>
+          <a:prstGeom prst="rect">
+            <a:avLst/>
+          </a:prstGeom>
+        </p:spPr>
+        <p:style>
+          <a:lnRef idx="2">
+            <a:schemeClr val="accent1">
+              <a:shade val="15000"/>
+            </a:schemeClr>
+          </a:lnRef>
+          <a:fillRef idx="1">
+            <a:schemeClr val="accent1"/>
+          </a:fillRef>
+          <a:effectRef idx="0">
+            <a:schemeClr val="accent1"/>
+          </a:effectRef>
+          <a:fontRef idx="minor">
+            <a:schemeClr val="lt1"/>
+          </a:fontRef>
+        </p:style>
+        <p:txBody>
+          <a:bodyPr rtlCol="0" anchor="ctr"/>
+          <a:lstStyle/>
+          <a:p>
+            <a:pPr algn="ctr"/>
+            <a:endParaRPr lang="fr-FR"/>
+          </a:p>
+        </p:txBody>
+      </p:sp>
+      <p:sp>
+        <p:nvSpPr>
+          <p:cNvPr id="9" name="ZoneTexte 8">
+            <a:extLst>
+              <a:ext uri="{FF2B5EF4-FFF2-40B4-BE49-F238E27FC236}">
+                <a16:creationId xmlns:a16="http://schemas.microsoft.com/office/drawing/2014/main" id="{638AF62A-25FF-5419-754E-C8B4A759C7AB}"/>
+              </a:ext>
+            </a:extLst>
+          </p:cNvPr>
+          <p:cNvSpPr txBox="1"/>
+          <p:nvPr/>
+        </p:nvSpPr>
+        <p:spPr>
+          <a:xfrm>
+            <a:off x="9742573" y="872722"/>
+            <a:ext cx="1780939" cy="923330"/>
+          </a:xfrm>
+          <a:prstGeom prst="rect">
+            <a:avLst/>
+          </a:prstGeom>
+          <a:noFill/>
+        </p:spPr>
+        <p:txBody>
+          <a:bodyPr wrap="square" rtlCol="0">
+            <a:spAutoFit/>
+          </a:bodyPr>
+          <a:lstStyle/>
+          <a:p>
+            <a:pPr lvl="0" algn="ctr"/>
+            <a:r>
+              <a:rPr lang="fr-FR" dirty="0"/>
+              <a:t> Classe concrète Objet sujet</a:t>
+            </a:r>
+          </a:p>
+          <a:p>
+            <a:pPr lvl="0" algn="ctr"/>
+            <a:r>
+              <a:rPr lang="fr-FR" dirty="0"/>
+              <a:t>(Diffuseur)</a:t>
+            </a:r>
+          </a:p>
+        </p:txBody>
+      </p:sp>
+      <p:sp>
+        <p:nvSpPr>
+          <p:cNvPr id="14" name="Rectangle 13">
+            <a:extLst>
+              <a:ext uri="{FF2B5EF4-FFF2-40B4-BE49-F238E27FC236}">
+                <a16:creationId xmlns:a16="http://schemas.microsoft.com/office/drawing/2014/main" id="{361A22E7-0E9B-063D-7415-8C50CA1C8F61}"/>
+              </a:ext>
+            </a:extLst>
+          </p:cNvPr>
+          <p:cNvSpPr/>
+          <p:nvPr/>
+        </p:nvSpPr>
+        <p:spPr>
+          <a:xfrm>
+            <a:off x="4165095" y="742616"/>
+            <a:ext cx="1451996" cy="4900778"/>
+          </a:xfrm>
+          <a:prstGeom prst="rect">
+            <a:avLst/>
+          </a:prstGeom>
+          <a:solidFill>
+            <a:schemeClr val="accent2"/>
+          </a:solidFill>
+        </p:spPr>
+        <p:style>
+          <a:lnRef idx="2">
+            <a:schemeClr val="accent1">
+              <a:shade val="15000"/>
+            </a:schemeClr>
+          </a:lnRef>
+          <a:fillRef idx="1">
+            <a:schemeClr val="accent1"/>
+          </a:fillRef>
+          <a:effectRef idx="0">
+            <a:schemeClr val="accent1"/>
+          </a:effectRef>
+          <a:fontRef idx="minor">
+            <a:schemeClr val="lt1"/>
+          </a:fontRef>
+        </p:style>
+        <p:txBody>
+          <a:bodyPr rtlCol="0" anchor="ctr"/>
+          <a:lstStyle/>
+          <a:p>
+            <a:pPr algn="ctr"/>
+            <a:endParaRPr lang="fr-FR"/>
+          </a:p>
+        </p:txBody>
+      </p:sp>
+      <p:sp>
+        <p:nvSpPr>
+          <p:cNvPr id="15" name="ZoneTexte 14">
+            <a:extLst>
+              <a:ext uri="{FF2B5EF4-FFF2-40B4-BE49-F238E27FC236}">
+                <a16:creationId xmlns:a16="http://schemas.microsoft.com/office/drawing/2014/main" id="{723E404B-8FE0-E116-00F2-F37A2D54E32E}"/>
+              </a:ext>
+            </a:extLst>
+          </p:cNvPr>
+          <p:cNvSpPr txBox="1"/>
+          <p:nvPr/>
+        </p:nvSpPr>
+        <p:spPr>
+          <a:xfrm>
+            <a:off x="4168119" y="2725127"/>
+            <a:ext cx="1506828" cy="923330"/>
+          </a:xfrm>
+          <a:prstGeom prst="rect">
+            <a:avLst/>
+          </a:prstGeom>
+          <a:noFill/>
+        </p:spPr>
+        <p:txBody>
+          <a:bodyPr wrap="square" rtlCol="0">
+            <a:spAutoFit/>
+          </a:bodyPr>
+          <a:lstStyle/>
+          <a:p>
+            <a:pPr algn="ctr"/>
+            <a:r>
+              <a:rPr lang="fr-FR" i="1" dirty="0"/>
+              <a:t>Interface</a:t>
+            </a:r>
+          </a:p>
+          <a:p>
+            <a:pPr algn="ctr"/>
+            <a:r>
+              <a:rPr lang="fr-FR" dirty="0"/>
+              <a:t>Observateur</a:t>
+            </a:r>
+          </a:p>
+          <a:p>
+            <a:pPr algn="ctr"/>
+            <a:r>
+              <a:rPr lang="fr-FR" dirty="0"/>
+              <a:t>(Souscripteur)</a:t>
+            </a:r>
+          </a:p>
+        </p:txBody>
+      </p:sp>
+      <p:cxnSp>
+        <p:nvCxnSpPr>
+          <p:cNvPr id="16" name="Connecteur droit avec flèche 15">
+            <a:extLst>
+              <a:ext uri="{FF2B5EF4-FFF2-40B4-BE49-F238E27FC236}">
+                <a16:creationId xmlns:a16="http://schemas.microsoft.com/office/drawing/2014/main" id="{ECBF7B11-D9CA-77F0-6419-305FD38FEFD9}"/>
+              </a:ext>
+            </a:extLst>
+          </p:cNvPr>
+          <p:cNvCxnSpPr>
+            <a:cxnSpLocks/>
+          </p:cNvCxnSpPr>
+          <p:nvPr/>
+        </p:nvCxnSpPr>
+        <p:spPr>
+          <a:xfrm>
+            <a:off x="2734712" y="1433652"/>
+            <a:ext cx="1482047" cy="0"/>
+          </a:xfrm>
+          <a:prstGeom prst="straightConnector1">
+            <a:avLst/>
+          </a:prstGeom>
+          <a:ln w="57150">
+            <a:solidFill>
+              <a:schemeClr val="accent2"/>
+            </a:solidFill>
+            <a:tailEnd type="triangle"/>
+          </a:ln>
+        </p:spPr>
+        <p:style>
+          <a:lnRef idx="1">
+            <a:schemeClr val="accent1"/>
+          </a:lnRef>
+          <a:fillRef idx="0">
+            <a:schemeClr val="accent1"/>
+          </a:fillRef>
+          <a:effectRef idx="0">
+            <a:schemeClr val="accent1"/>
+          </a:effectRef>
+          <a:fontRef idx="minor">
+            <a:schemeClr val="tx1"/>
+          </a:fontRef>
+        </p:style>
+      </p:cxnSp>
+      <p:cxnSp>
+        <p:nvCxnSpPr>
+          <p:cNvPr id="17" name="Connecteur droit avec flèche 16">
+            <a:extLst>
+              <a:ext uri="{FF2B5EF4-FFF2-40B4-BE49-F238E27FC236}">
+                <a16:creationId xmlns:a16="http://schemas.microsoft.com/office/drawing/2014/main" id="{E42E2DE9-7E6E-2F1C-2C76-D5471729CAA5}"/>
+              </a:ext>
+            </a:extLst>
+          </p:cNvPr>
+          <p:cNvCxnSpPr>
+            <a:cxnSpLocks/>
+          </p:cNvCxnSpPr>
+          <p:nvPr/>
+        </p:nvCxnSpPr>
+        <p:spPr>
+          <a:xfrm>
+            <a:off x="2718368" y="3397900"/>
+            <a:ext cx="1482047" cy="0"/>
+          </a:xfrm>
+          <a:prstGeom prst="straightConnector1">
+            <a:avLst/>
+          </a:prstGeom>
+          <a:ln w="57150">
+            <a:solidFill>
+              <a:schemeClr val="accent2"/>
+            </a:solidFill>
+            <a:tailEnd type="triangle"/>
+          </a:ln>
+        </p:spPr>
+        <p:style>
+          <a:lnRef idx="1">
+            <a:schemeClr val="accent1"/>
+          </a:lnRef>
+          <a:fillRef idx="0">
+            <a:schemeClr val="accent1"/>
+          </a:fillRef>
+          <a:effectRef idx="0">
+            <a:schemeClr val="accent1"/>
+          </a:effectRef>
+          <a:fontRef idx="minor">
+            <a:schemeClr val="tx1"/>
+          </a:fontRef>
+        </p:style>
+      </p:cxnSp>
+      <p:cxnSp>
+        <p:nvCxnSpPr>
+          <p:cNvPr id="18" name="Connecteur droit avec flèche 17">
+            <a:extLst>
+              <a:ext uri="{FF2B5EF4-FFF2-40B4-BE49-F238E27FC236}">
+                <a16:creationId xmlns:a16="http://schemas.microsoft.com/office/drawing/2014/main" id="{DD726777-51C8-A72F-D011-A8AB121FB2ED}"/>
+              </a:ext>
+            </a:extLst>
+          </p:cNvPr>
+          <p:cNvCxnSpPr>
+            <a:cxnSpLocks/>
+          </p:cNvCxnSpPr>
+          <p:nvPr/>
+        </p:nvCxnSpPr>
+        <p:spPr>
+          <a:xfrm>
+            <a:off x="2705001" y="5217181"/>
+            <a:ext cx="1482047" cy="0"/>
+          </a:xfrm>
+          <a:prstGeom prst="straightConnector1">
+            <a:avLst/>
+          </a:prstGeom>
+          <a:ln w="57150">
+            <a:solidFill>
+              <a:schemeClr val="accent2"/>
+            </a:solidFill>
+            <a:tailEnd type="triangle"/>
+          </a:ln>
+        </p:spPr>
+        <p:style>
+          <a:lnRef idx="1">
+            <a:schemeClr val="accent1"/>
+          </a:lnRef>
+          <a:fillRef idx="0">
+            <a:schemeClr val="accent1"/>
+          </a:fillRef>
+          <a:effectRef idx="0">
+            <a:schemeClr val="accent1"/>
+          </a:effectRef>
+          <a:fontRef idx="minor">
+            <a:schemeClr val="tx1"/>
+          </a:fontRef>
+        </p:style>
+      </p:cxnSp>
+      <p:cxnSp>
+        <p:nvCxnSpPr>
+          <p:cNvPr id="19" name="Connecteur droit avec flèche 18">
+            <a:extLst>
+              <a:ext uri="{FF2B5EF4-FFF2-40B4-BE49-F238E27FC236}">
+                <a16:creationId xmlns:a16="http://schemas.microsoft.com/office/drawing/2014/main" id="{DAA46DFF-E93E-C986-310D-457A36313FA8}"/>
+              </a:ext>
+            </a:extLst>
+          </p:cNvPr>
+          <p:cNvCxnSpPr>
+            <a:cxnSpLocks/>
+            <a:stCxn id="8" idx="1"/>
+          </p:cNvCxnSpPr>
+          <p:nvPr/>
+        </p:nvCxnSpPr>
+        <p:spPr>
+          <a:xfrm flipH="1">
+            <a:off x="8239353" y="1282945"/>
+            <a:ext cx="1451998" cy="0"/>
+          </a:xfrm>
+          <a:prstGeom prst="straightConnector1">
+            <a:avLst/>
+          </a:prstGeom>
+          <a:ln w="57150">
+            <a:tailEnd type="triangle"/>
+          </a:ln>
+        </p:spPr>
+        <p:style>
+          <a:lnRef idx="1">
+            <a:schemeClr val="accent1"/>
+          </a:lnRef>
+          <a:fillRef idx="0">
+            <a:schemeClr val="accent1"/>
+          </a:fillRef>
+          <a:effectRef idx="0">
+            <a:schemeClr val="accent1"/>
+          </a:effectRef>
+          <a:fontRef idx="minor">
+            <a:schemeClr val="tx1"/>
+          </a:fontRef>
+        </p:style>
+      </p:cxnSp>
+      <p:cxnSp>
+        <p:nvCxnSpPr>
+          <p:cNvPr id="20" name="Connecteur droit avec flèche 19">
+            <a:extLst>
+              <a:ext uri="{FF2B5EF4-FFF2-40B4-BE49-F238E27FC236}">
+                <a16:creationId xmlns:a16="http://schemas.microsoft.com/office/drawing/2014/main" id="{7A4A5FA6-69DD-7E27-A117-99B9E285A7E9}"/>
+              </a:ext>
+            </a:extLst>
+          </p:cNvPr>
+          <p:cNvCxnSpPr/>
+          <p:nvPr/>
+        </p:nvCxnSpPr>
+        <p:spPr>
+          <a:xfrm flipH="1">
+            <a:off x="8239353" y="5076721"/>
+            <a:ext cx="1451998" cy="0"/>
+          </a:xfrm>
+          <a:prstGeom prst="straightConnector1">
+            <a:avLst/>
+          </a:prstGeom>
+          <a:ln w="57150">
+            <a:tailEnd type="triangle"/>
+          </a:ln>
+        </p:spPr>
+        <p:style>
+          <a:lnRef idx="1">
+            <a:schemeClr val="accent1"/>
+          </a:lnRef>
+          <a:fillRef idx="0">
+            <a:schemeClr val="accent1"/>
+          </a:fillRef>
+          <a:effectRef idx="0">
+            <a:schemeClr val="accent1"/>
+          </a:effectRef>
+          <a:fontRef idx="minor">
+            <a:schemeClr val="tx1"/>
+          </a:fontRef>
+        </p:style>
+      </p:cxnSp>
+      <p:cxnSp>
+        <p:nvCxnSpPr>
+          <p:cNvPr id="21" name="Connecteur droit avec flèche 20">
+            <a:extLst>
+              <a:ext uri="{FF2B5EF4-FFF2-40B4-BE49-F238E27FC236}">
+                <a16:creationId xmlns:a16="http://schemas.microsoft.com/office/drawing/2014/main" id="{B898A5E8-CD25-8F17-D2C5-A01C612C4F6F}"/>
+              </a:ext>
+            </a:extLst>
+          </p:cNvPr>
+          <p:cNvCxnSpPr/>
+          <p:nvPr/>
+        </p:nvCxnSpPr>
+        <p:spPr>
+          <a:xfrm flipH="1">
+            <a:off x="8224424" y="3312017"/>
+            <a:ext cx="1451998" cy="0"/>
+          </a:xfrm>
+          <a:prstGeom prst="straightConnector1">
+            <a:avLst/>
+          </a:prstGeom>
+          <a:ln w="57150">
+            <a:tailEnd type="triangle"/>
+          </a:ln>
+        </p:spPr>
+        <p:style>
+          <a:lnRef idx="1">
+            <a:schemeClr val="accent1"/>
+          </a:lnRef>
+          <a:fillRef idx="0">
+            <a:schemeClr val="accent1"/>
+          </a:fillRef>
+          <a:effectRef idx="0">
+            <a:schemeClr val="accent1"/>
+          </a:effectRef>
+          <a:fontRef idx="minor">
+            <a:schemeClr val="tx1"/>
+          </a:fontRef>
+        </p:style>
+      </p:cxnSp>
+      <p:cxnSp>
+        <p:nvCxnSpPr>
+          <p:cNvPr id="22" name="Connecteur droit avec flèche 21">
+            <a:extLst>
+              <a:ext uri="{FF2B5EF4-FFF2-40B4-BE49-F238E27FC236}">
+                <a16:creationId xmlns:a16="http://schemas.microsoft.com/office/drawing/2014/main" id="{9723FBA4-FA45-DA24-6CF6-5F08681042FE}"/>
+              </a:ext>
+            </a:extLst>
+          </p:cNvPr>
+          <p:cNvCxnSpPr>
+            <a:cxnSpLocks/>
+          </p:cNvCxnSpPr>
+          <p:nvPr/>
+        </p:nvCxnSpPr>
+        <p:spPr>
+          <a:xfrm flipH="1">
+            <a:off x="2705001" y="5025660"/>
+            <a:ext cx="1482047" cy="0"/>
+          </a:xfrm>
+          <a:prstGeom prst="straightConnector1">
+            <a:avLst/>
+          </a:prstGeom>
+          <a:ln w="57150">
+            <a:solidFill>
+              <a:schemeClr val="accent1"/>
+            </a:solidFill>
+            <a:tailEnd type="triangle"/>
+          </a:ln>
+        </p:spPr>
+        <p:style>
+          <a:lnRef idx="1">
+            <a:schemeClr val="accent1"/>
+          </a:lnRef>
+          <a:fillRef idx="0">
+            <a:schemeClr val="accent1"/>
+          </a:fillRef>
+          <a:effectRef idx="0">
+            <a:schemeClr val="accent1"/>
+          </a:effectRef>
+          <a:fontRef idx="minor">
+            <a:schemeClr val="tx1"/>
+          </a:fontRef>
+        </p:style>
+      </p:cxnSp>
+      <p:cxnSp>
+        <p:nvCxnSpPr>
+          <p:cNvPr id="23" name="Connecteur droit avec flèche 22">
+            <a:extLst>
+              <a:ext uri="{FF2B5EF4-FFF2-40B4-BE49-F238E27FC236}">
+                <a16:creationId xmlns:a16="http://schemas.microsoft.com/office/drawing/2014/main" id="{8991BCEA-9E6E-22F0-3A3A-486FB1072C6A}"/>
+              </a:ext>
+            </a:extLst>
+          </p:cNvPr>
+          <p:cNvCxnSpPr>
+            <a:cxnSpLocks/>
+          </p:cNvCxnSpPr>
+          <p:nvPr/>
+        </p:nvCxnSpPr>
+        <p:spPr>
+          <a:xfrm flipH="1">
+            <a:off x="2718368" y="3249656"/>
+            <a:ext cx="1468680" cy="12425"/>
+          </a:xfrm>
+          <a:prstGeom prst="straightConnector1">
+            <a:avLst/>
+          </a:prstGeom>
+          <a:ln w="57150">
+            <a:solidFill>
+              <a:schemeClr val="accent1"/>
+            </a:solidFill>
+            <a:tailEnd type="triangle"/>
+          </a:ln>
+        </p:spPr>
+        <p:style>
+          <a:lnRef idx="1">
+            <a:schemeClr val="accent1"/>
+          </a:lnRef>
+          <a:fillRef idx="0">
+            <a:schemeClr val="accent1"/>
+          </a:fillRef>
+          <a:effectRef idx="0">
+            <a:schemeClr val="accent1"/>
+          </a:effectRef>
+          <a:fontRef idx="minor">
+            <a:schemeClr val="tx1"/>
+          </a:fontRef>
+        </p:style>
+      </p:cxnSp>
+      <p:cxnSp>
+        <p:nvCxnSpPr>
+          <p:cNvPr id="24" name="Connecteur droit avec flèche 23">
+            <a:extLst>
+              <a:ext uri="{FF2B5EF4-FFF2-40B4-BE49-F238E27FC236}">
+                <a16:creationId xmlns:a16="http://schemas.microsoft.com/office/drawing/2014/main" id="{E58E7343-008E-BA0B-13B7-C2C77E015444}"/>
+              </a:ext>
+            </a:extLst>
+          </p:cNvPr>
+          <p:cNvCxnSpPr>
+            <a:cxnSpLocks/>
+          </p:cNvCxnSpPr>
+          <p:nvPr/>
+        </p:nvCxnSpPr>
+        <p:spPr>
+          <a:xfrm flipH="1">
+            <a:off x="2734712" y="1282945"/>
+            <a:ext cx="1433407" cy="0"/>
+          </a:xfrm>
+          <a:prstGeom prst="straightConnector1">
+            <a:avLst/>
+          </a:prstGeom>
+          <a:ln w="57150">
+            <a:solidFill>
+              <a:schemeClr val="accent1"/>
+            </a:solidFill>
+            <a:tailEnd type="triangle"/>
+          </a:ln>
+        </p:spPr>
+        <p:style>
+          <a:lnRef idx="1">
+            <a:schemeClr val="accent1"/>
+          </a:lnRef>
+          <a:fillRef idx="0">
+            <a:schemeClr val="accent1"/>
+          </a:fillRef>
+          <a:effectRef idx="0">
+            <a:schemeClr val="accent1"/>
+          </a:effectRef>
+          <a:fontRef idx="minor">
+            <a:schemeClr val="tx1"/>
+          </a:fontRef>
+        </p:style>
+      </p:cxnSp>
+      <p:cxnSp>
+        <p:nvCxnSpPr>
+          <p:cNvPr id="25" name="Connecteur droit avec flèche 24">
+            <a:extLst>
+              <a:ext uri="{FF2B5EF4-FFF2-40B4-BE49-F238E27FC236}">
+                <a16:creationId xmlns:a16="http://schemas.microsoft.com/office/drawing/2014/main" id="{728F5C3E-8441-7DEB-8E2C-735498385B72}"/>
+              </a:ext>
+            </a:extLst>
+          </p:cNvPr>
+          <p:cNvCxnSpPr>
+            <a:cxnSpLocks/>
+          </p:cNvCxnSpPr>
+          <p:nvPr/>
+        </p:nvCxnSpPr>
+        <p:spPr>
+          <a:xfrm>
+            <a:off x="8239353" y="5207657"/>
+            <a:ext cx="1451996" cy="0"/>
+          </a:xfrm>
+          <a:prstGeom prst="straightConnector1">
+            <a:avLst/>
+          </a:prstGeom>
+          <a:ln w="57150">
+            <a:solidFill>
+              <a:schemeClr val="accent2"/>
+            </a:solidFill>
+            <a:tailEnd type="triangle"/>
+          </a:ln>
+        </p:spPr>
+        <p:style>
+          <a:lnRef idx="1">
+            <a:schemeClr val="accent1"/>
+          </a:lnRef>
+          <a:fillRef idx="0">
+            <a:schemeClr val="accent1"/>
+          </a:fillRef>
+          <a:effectRef idx="0">
+            <a:schemeClr val="accent1"/>
+          </a:effectRef>
+          <a:fontRef idx="minor">
+            <a:schemeClr val="tx1"/>
+          </a:fontRef>
+        </p:style>
+      </p:cxnSp>
+      <p:cxnSp>
+        <p:nvCxnSpPr>
+          <p:cNvPr id="26" name="Connecteur droit avec flèche 25">
+            <a:extLst>
+              <a:ext uri="{FF2B5EF4-FFF2-40B4-BE49-F238E27FC236}">
+                <a16:creationId xmlns:a16="http://schemas.microsoft.com/office/drawing/2014/main" id="{8DADFB82-F48F-501D-A060-6DB3FEBBC9A7}"/>
+              </a:ext>
+            </a:extLst>
+          </p:cNvPr>
+          <p:cNvCxnSpPr>
+            <a:cxnSpLocks/>
+          </p:cNvCxnSpPr>
+          <p:nvPr/>
+        </p:nvCxnSpPr>
+        <p:spPr>
+          <a:xfrm flipV="1">
+            <a:off x="8224424" y="3447836"/>
+            <a:ext cx="1451996" cy="12425"/>
+          </a:xfrm>
+          <a:prstGeom prst="straightConnector1">
+            <a:avLst/>
+          </a:prstGeom>
+          <a:ln w="57150">
+            <a:solidFill>
+              <a:schemeClr val="accent2"/>
+            </a:solidFill>
+            <a:tailEnd type="triangle"/>
+          </a:ln>
+        </p:spPr>
+        <p:style>
+          <a:lnRef idx="1">
+            <a:schemeClr val="accent1"/>
+          </a:lnRef>
+          <a:fillRef idx="0">
+            <a:schemeClr val="accent1"/>
+          </a:fillRef>
+          <a:effectRef idx="0">
+            <a:schemeClr val="accent1"/>
+          </a:effectRef>
+          <a:fontRef idx="minor">
+            <a:schemeClr val="tx1"/>
+          </a:fontRef>
+        </p:style>
+      </p:cxnSp>
+      <p:cxnSp>
+        <p:nvCxnSpPr>
+          <p:cNvPr id="27" name="Connecteur droit avec flèche 26">
+            <a:extLst>
+              <a:ext uri="{FF2B5EF4-FFF2-40B4-BE49-F238E27FC236}">
+                <a16:creationId xmlns:a16="http://schemas.microsoft.com/office/drawing/2014/main" id="{3A5015FC-812B-81E3-CA37-CC0CA7908E71}"/>
+              </a:ext>
+            </a:extLst>
+          </p:cNvPr>
+          <p:cNvCxnSpPr>
+            <a:cxnSpLocks/>
+          </p:cNvCxnSpPr>
+          <p:nvPr/>
+        </p:nvCxnSpPr>
+        <p:spPr>
+          <a:xfrm>
+            <a:off x="8290577" y="1433652"/>
+            <a:ext cx="1451996" cy="0"/>
+          </a:xfrm>
+          <a:prstGeom prst="straightConnector1">
+            <a:avLst/>
+          </a:prstGeom>
+          <a:ln w="57150">
+            <a:solidFill>
+              <a:schemeClr val="accent2"/>
+            </a:solidFill>
+            <a:tailEnd type="triangle"/>
+          </a:ln>
+        </p:spPr>
+        <p:style>
+          <a:lnRef idx="1">
+            <a:schemeClr val="accent1"/>
+          </a:lnRef>
+          <a:fillRef idx="0">
+            <a:schemeClr val="accent1"/>
+          </a:fillRef>
+          <a:effectRef idx="0">
+            <a:schemeClr val="accent1"/>
+          </a:effectRef>
+          <a:fontRef idx="minor">
+            <a:schemeClr val="tx1"/>
+          </a:fontRef>
+        </p:style>
+      </p:cxnSp>
+      <p:sp>
+        <p:nvSpPr>
+          <p:cNvPr id="28" name="Rectangle 27">
+            <a:extLst>
+              <a:ext uri="{FF2B5EF4-FFF2-40B4-BE49-F238E27FC236}">
+                <a16:creationId xmlns:a16="http://schemas.microsoft.com/office/drawing/2014/main" id="{C496953A-FF81-E902-E3D3-297CC32E4024}"/>
+              </a:ext>
+            </a:extLst>
+          </p:cNvPr>
+          <p:cNvSpPr/>
+          <p:nvPr/>
+        </p:nvSpPr>
+        <p:spPr>
+          <a:xfrm>
+            <a:off x="527350" y="2701636"/>
+            <a:ext cx="2199360" cy="1080655"/>
+          </a:xfrm>
+          <a:prstGeom prst="rect">
+            <a:avLst/>
+          </a:prstGeom>
+          <a:solidFill>
+            <a:schemeClr val="accent2"/>
+          </a:solidFill>
+        </p:spPr>
+        <p:style>
+          <a:lnRef idx="2">
+            <a:schemeClr val="accent1">
+              <a:shade val="15000"/>
+            </a:schemeClr>
+          </a:lnRef>
+          <a:fillRef idx="1">
+            <a:schemeClr val="accent1"/>
+          </a:fillRef>
+          <a:effectRef idx="0">
+            <a:schemeClr val="accent1"/>
+          </a:effectRef>
+          <a:fontRef idx="minor">
+            <a:schemeClr val="lt1"/>
+          </a:fontRef>
+        </p:style>
+        <p:txBody>
+          <a:bodyPr rtlCol="0" anchor="ctr"/>
+          <a:lstStyle/>
+          <a:p>
+            <a:pPr algn="ctr"/>
+            <a:endParaRPr lang="fr-FR"/>
+          </a:p>
+        </p:txBody>
+      </p:sp>
+      <p:sp>
+        <p:nvSpPr>
+          <p:cNvPr id="29" name="ZoneTexte 28">
+            <a:extLst>
+              <a:ext uri="{FF2B5EF4-FFF2-40B4-BE49-F238E27FC236}">
+                <a16:creationId xmlns:a16="http://schemas.microsoft.com/office/drawing/2014/main" id="{B2D9FA1A-50CA-1DC2-82CE-D0ABB1FE5A62}"/>
+              </a:ext>
+            </a:extLst>
+          </p:cNvPr>
+          <p:cNvSpPr txBox="1"/>
+          <p:nvPr/>
+        </p:nvSpPr>
+        <p:spPr>
+          <a:xfrm>
+            <a:off x="703105" y="2780298"/>
+            <a:ext cx="1906268" cy="923330"/>
+          </a:xfrm>
+          <a:prstGeom prst="rect">
+            <a:avLst/>
+          </a:prstGeom>
+          <a:solidFill>
+            <a:schemeClr val="accent2"/>
+          </a:solidFill>
+        </p:spPr>
+        <p:txBody>
+          <a:bodyPr wrap="square" rtlCol="0">
+            <a:spAutoFit/>
+          </a:bodyPr>
+          <a:lstStyle/>
+          <a:p>
+            <a:pPr lvl="0" algn="ctr"/>
+            <a:r>
+              <a:rPr lang="fr-FR" dirty="0"/>
+              <a:t>Classe concrète</a:t>
+            </a:r>
+            <a:r>
+              <a:rPr lang="fr-FR" sz="1200" dirty="0"/>
+              <a:t> </a:t>
+            </a:r>
+          </a:p>
+          <a:p>
+            <a:pPr lvl="0" algn="ctr"/>
+            <a:r>
+              <a:rPr lang="fr-FR" dirty="0"/>
+              <a:t>Objet Observateur (Souscripteur)</a:t>
+            </a:r>
+          </a:p>
+        </p:txBody>
+      </p:sp>
+      <p:sp>
+        <p:nvSpPr>
+          <p:cNvPr id="30" name="Rectangle 29">
+            <a:extLst>
+              <a:ext uri="{FF2B5EF4-FFF2-40B4-BE49-F238E27FC236}">
+                <a16:creationId xmlns:a16="http://schemas.microsoft.com/office/drawing/2014/main" id="{093D1E1F-5E09-EBE8-09A6-77C7A9D1F7C3}"/>
+              </a:ext>
+            </a:extLst>
+          </p:cNvPr>
+          <p:cNvSpPr/>
+          <p:nvPr/>
+        </p:nvSpPr>
+        <p:spPr>
+          <a:xfrm>
+            <a:off x="523720" y="4597321"/>
+            <a:ext cx="2199360" cy="1080655"/>
+          </a:xfrm>
+          <a:prstGeom prst="rect">
+            <a:avLst/>
+          </a:prstGeom>
+          <a:solidFill>
+            <a:schemeClr val="accent2"/>
+          </a:solidFill>
+        </p:spPr>
+        <p:style>
+          <a:lnRef idx="2">
+            <a:schemeClr val="accent1">
+              <a:shade val="15000"/>
+            </a:schemeClr>
+          </a:lnRef>
+          <a:fillRef idx="1">
+            <a:schemeClr val="accent1"/>
+          </a:fillRef>
+          <a:effectRef idx="0">
+            <a:schemeClr val="accent1"/>
+          </a:effectRef>
+          <a:fontRef idx="minor">
+            <a:schemeClr val="lt1"/>
+          </a:fontRef>
+        </p:style>
+        <p:txBody>
+          <a:bodyPr rtlCol="0" anchor="ctr"/>
+          <a:lstStyle/>
+          <a:p>
+            <a:pPr algn="ctr"/>
+            <a:endParaRPr lang="fr-FR"/>
+          </a:p>
+        </p:txBody>
+      </p:sp>
+      <p:sp>
+        <p:nvSpPr>
+          <p:cNvPr id="31" name="ZoneTexte 30">
+            <a:extLst>
+              <a:ext uri="{FF2B5EF4-FFF2-40B4-BE49-F238E27FC236}">
+                <a16:creationId xmlns:a16="http://schemas.microsoft.com/office/drawing/2014/main" id="{1070B2A8-5B19-1D45-6263-0F514CE919D4}"/>
+              </a:ext>
+            </a:extLst>
+          </p:cNvPr>
+          <p:cNvSpPr txBox="1"/>
+          <p:nvPr/>
+        </p:nvSpPr>
+        <p:spPr>
+          <a:xfrm>
+            <a:off x="634041" y="4675983"/>
+            <a:ext cx="1906268" cy="923330"/>
+          </a:xfrm>
+          <a:prstGeom prst="rect">
+            <a:avLst/>
+          </a:prstGeom>
+          <a:solidFill>
+            <a:schemeClr val="accent2"/>
+          </a:solidFill>
+        </p:spPr>
+        <p:txBody>
+          <a:bodyPr wrap="square" rtlCol="0">
+            <a:spAutoFit/>
+          </a:bodyPr>
+          <a:lstStyle/>
+          <a:p>
+            <a:pPr lvl="0" algn="ctr"/>
+            <a:r>
+              <a:rPr lang="fr-FR" dirty="0"/>
+              <a:t>Classe concrète</a:t>
+            </a:r>
+          </a:p>
+          <a:p>
+            <a:pPr lvl="0" algn="ctr"/>
+            <a:r>
+              <a:rPr lang="fr-FR" dirty="0"/>
+              <a:t>Objet Observateur (Souscripteur)</a:t>
+            </a:r>
+          </a:p>
+        </p:txBody>
+      </p:sp>
+      <p:sp>
+        <p:nvSpPr>
+          <p:cNvPr id="38" name="Rectangle 37">
+            <a:extLst>
+              <a:ext uri="{FF2B5EF4-FFF2-40B4-BE49-F238E27FC236}">
+                <a16:creationId xmlns:a16="http://schemas.microsoft.com/office/drawing/2014/main" id="{5FF4698C-2C4E-86FE-A9CC-ABFD232C4932}"/>
+              </a:ext>
+            </a:extLst>
+          </p:cNvPr>
+          <p:cNvSpPr/>
+          <p:nvPr/>
+        </p:nvSpPr>
+        <p:spPr>
+          <a:xfrm>
+            <a:off x="6797945" y="742617"/>
+            <a:ext cx="1439599" cy="4888351"/>
+          </a:xfrm>
+          <a:prstGeom prst="rect">
+            <a:avLst/>
+          </a:prstGeom>
+        </p:spPr>
+        <p:style>
+          <a:lnRef idx="2">
+            <a:schemeClr val="accent1">
+              <a:shade val="15000"/>
+            </a:schemeClr>
+          </a:lnRef>
+          <a:fillRef idx="1">
+            <a:schemeClr val="accent1"/>
+          </a:fillRef>
+          <a:effectRef idx="0">
+            <a:schemeClr val="accent1"/>
+          </a:effectRef>
+          <a:fontRef idx="minor">
+            <a:schemeClr val="lt1"/>
+          </a:fontRef>
+        </p:style>
+        <p:txBody>
+          <a:bodyPr rtlCol="0" anchor="ctr"/>
+          <a:lstStyle/>
+          <a:p>
+            <a:pPr algn="ctr"/>
+            <a:endParaRPr lang="fr-FR"/>
+          </a:p>
+        </p:txBody>
+      </p:sp>
+      <p:sp>
+        <p:nvSpPr>
+          <p:cNvPr id="39" name="ZoneTexte 38">
+            <a:extLst>
+              <a:ext uri="{FF2B5EF4-FFF2-40B4-BE49-F238E27FC236}">
+                <a16:creationId xmlns:a16="http://schemas.microsoft.com/office/drawing/2014/main" id="{79CC0248-A3AE-D40D-C7ED-7499004398AC}"/>
+              </a:ext>
+            </a:extLst>
+          </p:cNvPr>
+          <p:cNvSpPr txBox="1"/>
+          <p:nvPr/>
+        </p:nvSpPr>
+        <p:spPr>
+          <a:xfrm>
+            <a:off x="6824461" y="2787991"/>
+            <a:ext cx="1439599" cy="923330"/>
+          </a:xfrm>
+          <a:prstGeom prst="rect">
+            <a:avLst/>
+          </a:prstGeom>
+          <a:noFill/>
+        </p:spPr>
+        <p:txBody>
+          <a:bodyPr wrap="square" rtlCol="0">
+            <a:spAutoFit/>
+          </a:bodyPr>
+          <a:lstStyle/>
+          <a:p>
+            <a:pPr algn="ctr"/>
+            <a:r>
+              <a:rPr lang="fr-FR" i="1" dirty="0"/>
+              <a:t>Interface</a:t>
+            </a:r>
+          </a:p>
+          <a:p>
+            <a:pPr algn="ctr"/>
+            <a:r>
+              <a:rPr lang="fr-FR" dirty="0"/>
+              <a:t>Sujet</a:t>
+            </a:r>
+          </a:p>
+          <a:p>
+            <a:pPr algn="ctr"/>
+            <a:r>
+              <a:rPr lang="fr-FR" dirty="0"/>
+              <a:t>(Diffuseur)</a:t>
+            </a:r>
+          </a:p>
+        </p:txBody>
+      </p:sp>
+      <p:cxnSp>
+        <p:nvCxnSpPr>
+          <p:cNvPr id="42" name="Connecteur droit avec flèche 41">
+            <a:extLst>
+              <a:ext uri="{FF2B5EF4-FFF2-40B4-BE49-F238E27FC236}">
+                <a16:creationId xmlns:a16="http://schemas.microsoft.com/office/drawing/2014/main" id="{E896A090-2C48-7134-EB5C-BD235C4C27D4}"/>
+              </a:ext>
+            </a:extLst>
+          </p:cNvPr>
+          <p:cNvCxnSpPr/>
+          <p:nvPr/>
+        </p:nvCxnSpPr>
+        <p:spPr>
+          <a:xfrm flipH="1">
+            <a:off x="5628118" y="2925349"/>
+            <a:ext cx="1169827" cy="0"/>
+          </a:xfrm>
+          <a:prstGeom prst="straightConnector1">
+            <a:avLst/>
+          </a:prstGeom>
+          <a:ln w="57150">
+            <a:tailEnd type="triangle"/>
+          </a:ln>
+        </p:spPr>
+        <p:style>
+          <a:lnRef idx="1">
+            <a:schemeClr val="accent1"/>
+          </a:lnRef>
+          <a:fillRef idx="0">
+            <a:schemeClr val="accent1"/>
+          </a:fillRef>
+          <a:effectRef idx="0">
+            <a:schemeClr val="accent1"/>
+          </a:effectRef>
+          <a:fontRef idx="minor">
+            <a:schemeClr val="tx1"/>
+          </a:fontRef>
+        </p:style>
+      </p:cxnSp>
+      <p:cxnSp>
+        <p:nvCxnSpPr>
+          <p:cNvPr id="44" name="Connecteur droit avec flèche 43">
+            <a:extLst>
+              <a:ext uri="{FF2B5EF4-FFF2-40B4-BE49-F238E27FC236}">
+                <a16:creationId xmlns:a16="http://schemas.microsoft.com/office/drawing/2014/main" id="{5BB0CDE2-730D-21B1-6196-BE456D5E258F}"/>
+              </a:ext>
+            </a:extLst>
+          </p:cNvPr>
+          <p:cNvCxnSpPr/>
+          <p:nvPr/>
+        </p:nvCxnSpPr>
+        <p:spPr>
+          <a:xfrm>
+            <a:off x="5628118" y="3804810"/>
+            <a:ext cx="1169827" cy="0"/>
+          </a:xfrm>
+          <a:prstGeom prst="straightConnector1">
+            <a:avLst/>
+          </a:prstGeom>
+          <a:ln w="57150">
+            <a:solidFill>
+              <a:schemeClr val="accent2"/>
+            </a:solidFill>
+            <a:tailEnd type="triangle"/>
+          </a:ln>
+        </p:spPr>
+        <p:style>
+          <a:lnRef idx="1">
+            <a:schemeClr val="accent1"/>
+          </a:lnRef>
+          <a:fillRef idx="0">
+            <a:schemeClr val="accent1"/>
+          </a:fillRef>
+          <a:effectRef idx="0">
+            <a:schemeClr val="accent1"/>
+          </a:effectRef>
+          <a:fontRef idx="minor">
+            <a:schemeClr val="tx1"/>
+          </a:fontRef>
+        </p:style>
+      </p:cxnSp>
+      <p:sp>
+        <p:nvSpPr>
+          <p:cNvPr id="46" name="Rectangle 45">
+            <a:extLst>
+              <a:ext uri="{FF2B5EF4-FFF2-40B4-BE49-F238E27FC236}">
+                <a16:creationId xmlns:a16="http://schemas.microsoft.com/office/drawing/2014/main" id="{1B2057F0-84BC-48BA-C2C2-10E99ADE2159}"/>
+              </a:ext>
+            </a:extLst>
+          </p:cNvPr>
+          <p:cNvSpPr/>
+          <p:nvPr/>
+        </p:nvSpPr>
+        <p:spPr>
+          <a:xfrm>
+            <a:off x="9690445" y="2847198"/>
+            <a:ext cx="1885193" cy="1080655"/>
+          </a:xfrm>
+          <a:prstGeom prst="rect">
+            <a:avLst/>
+          </a:prstGeom>
+        </p:spPr>
+        <p:style>
+          <a:lnRef idx="2">
+            <a:schemeClr val="accent1">
+              <a:shade val="15000"/>
+            </a:schemeClr>
+          </a:lnRef>
+          <a:fillRef idx="1">
+            <a:schemeClr val="accent1"/>
+          </a:fillRef>
+          <a:effectRef idx="0">
+            <a:schemeClr val="accent1"/>
+          </a:effectRef>
+          <a:fontRef idx="minor">
+            <a:schemeClr val="lt1"/>
+          </a:fontRef>
+        </p:style>
+        <p:txBody>
+          <a:bodyPr rtlCol="0" anchor="ctr"/>
+          <a:lstStyle/>
+          <a:p>
+            <a:pPr algn="ctr"/>
+            <a:endParaRPr lang="fr-FR"/>
+          </a:p>
+        </p:txBody>
+      </p:sp>
+      <p:sp>
+        <p:nvSpPr>
+          <p:cNvPr id="47" name="ZoneTexte 46">
+            <a:extLst>
+              <a:ext uri="{FF2B5EF4-FFF2-40B4-BE49-F238E27FC236}">
+                <a16:creationId xmlns:a16="http://schemas.microsoft.com/office/drawing/2014/main" id="{6ED59749-63AE-5704-ADA9-5B72886705ED}"/>
+              </a:ext>
+            </a:extLst>
+          </p:cNvPr>
+          <p:cNvSpPr txBox="1"/>
+          <p:nvPr/>
+        </p:nvSpPr>
+        <p:spPr>
+          <a:xfrm>
+            <a:off x="9736294" y="2925349"/>
+            <a:ext cx="1780939" cy="923330"/>
+          </a:xfrm>
+          <a:prstGeom prst="rect">
+            <a:avLst/>
+          </a:prstGeom>
+          <a:noFill/>
+        </p:spPr>
+        <p:txBody>
+          <a:bodyPr wrap="square" rtlCol="0">
+            <a:spAutoFit/>
+          </a:bodyPr>
+          <a:lstStyle/>
+          <a:p>
+            <a:pPr lvl="0" algn="ctr"/>
+            <a:r>
+              <a:rPr lang="fr-FR" dirty="0"/>
+              <a:t> Classe concrète Objet sujet</a:t>
+            </a:r>
+          </a:p>
+          <a:p>
+            <a:pPr lvl="0" algn="ctr"/>
+            <a:r>
+              <a:rPr lang="fr-FR" dirty="0"/>
+              <a:t>(Diffuseur)</a:t>
+            </a:r>
+          </a:p>
+        </p:txBody>
+      </p:sp>
+      <p:sp>
+        <p:nvSpPr>
+          <p:cNvPr id="48" name="Rectangle 47">
+            <a:extLst>
+              <a:ext uri="{FF2B5EF4-FFF2-40B4-BE49-F238E27FC236}">
+                <a16:creationId xmlns:a16="http://schemas.microsoft.com/office/drawing/2014/main" id="{219F73A5-A538-407A-8575-DD26FEFFA7DF}"/>
+              </a:ext>
+            </a:extLst>
+          </p:cNvPr>
+          <p:cNvSpPr/>
+          <p:nvPr/>
+        </p:nvSpPr>
+        <p:spPr>
+          <a:xfrm>
+            <a:off x="9676420" y="4617589"/>
+            <a:ext cx="1885193" cy="1080655"/>
+          </a:xfrm>
+          <a:prstGeom prst="rect">
+            <a:avLst/>
+          </a:prstGeom>
+        </p:spPr>
+        <p:style>
+          <a:lnRef idx="2">
+            <a:schemeClr val="accent1">
+              <a:shade val="15000"/>
+            </a:schemeClr>
+          </a:lnRef>
+          <a:fillRef idx="1">
+            <a:schemeClr val="accent1"/>
+          </a:fillRef>
+          <a:effectRef idx="0">
+            <a:schemeClr val="accent1"/>
+          </a:effectRef>
+          <a:fontRef idx="minor">
+            <a:schemeClr val="lt1"/>
+          </a:fontRef>
+        </p:style>
+        <p:txBody>
+          <a:bodyPr rtlCol="0" anchor="ctr"/>
+          <a:lstStyle/>
+          <a:p>
+            <a:pPr algn="ctr"/>
+            <a:endParaRPr lang="fr-FR"/>
+          </a:p>
+        </p:txBody>
+      </p:sp>
+      <p:sp>
+        <p:nvSpPr>
+          <p:cNvPr id="49" name="ZoneTexte 48">
+            <a:extLst>
+              <a:ext uri="{FF2B5EF4-FFF2-40B4-BE49-F238E27FC236}">
+                <a16:creationId xmlns:a16="http://schemas.microsoft.com/office/drawing/2014/main" id="{9EB88422-5EF0-0412-2BE9-3D97F9D99F2E}"/>
+              </a:ext>
+            </a:extLst>
+          </p:cNvPr>
+          <p:cNvSpPr txBox="1"/>
+          <p:nvPr/>
+        </p:nvSpPr>
+        <p:spPr>
+          <a:xfrm>
+            <a:off x="9727642" y="4747694"/>
+            <a:ext cx="1780939" cy="923330"/>
+          </a:xfrm>
+          <a:prstGeom prst="rect">
+            <a:avLst/>
+          </a:prstGeom>
+          <a:noFill/>
+        </p:spPr>
+        <p:txBody>
+          <a:bodyPr wrap="square" rtlCol="0">
+            <a:spAutoFit/>
+          </a:bodyPr>
+          <a:lstStyle/>
+          <a:p>
+            <a:pPr lvl="0" algn="ctr"/>
+            <a:r>
+              <a:rPr lang="fr-FR" dirty="0"/>
+              <a:t> Classe concrète Objet sujet</a:t>
+            </a:r>
+          </a:p>
+          <a:p>
+            <a:pPr lvl="0" algn="ctr"/>
+            <a:r>
+              <a:rPr lang="fr-FR" dirty="0"/>
+              <a:t>(Diffuseur)</a:t>
+            </a:r>
+          </a:p>
+        </p:txBody>
+      </p:sp>
+    </p:spTree>
+    <p:extLst>
+      <p:ext uri="{BB962C8B-B14F-4D97-AF65-F5344CB8AC3E}">
+        <p14:creationId xmlns:p14="http://schemas.microsoft.com/office/powerpoint/2010/main" val="791280490"/>
+      </p:ext>
+    </p:extLst>
+  </p:cSld>
+  <p:clrMapOvr>
+    <a:masterClrMapping/>
+  </p:clrMapOvr>
+</p:sld>
+</file>
+
+<file path=ppt/slides/slide5.xml><?xml version="1.0" encoding="utf-8"?>
 <p:sld xmlns:a="http://schemas.openxmlformats.org/drawingml/2006/main" xmlns:r="http://schemas.openxmlformats.org/officeDocument/2006/relationships" xmlns:p="http://schemas.openxmlformats.org/presentationml/2006/main">
   <p:cSld>
     <p:spTree>

--- a/106_DesignPattern/Cours/Observateur/Observateur.pptx
+++ b/106_DesignPattern/Cours/Observateur/Observateur.pptx
@@ -6,8 +6,14 @@
   </p:sldMasterIdLst>
   <p:sldIdLst>
     <p:sldId id="256" r:id="rId2"/>
-    <p:sldId id="258" r:id="rId3"/>
-    <p:sldId id="259" r:id="rId4"/>
+    <p:sldId id="260" r:id="rId3"/>
+    <p:sldId id="261" r:id="rId4"/>
+    <p:sldId id="262" r:id="rId5"/>
+    <p:sldId id="263" r:id="rId6"/>
+    <p:sldId id="264" r:id="rId7"/>
+    <p:sldId id="265" r:id="rId8"/>
+    <p:sldId id="258" r:id="rId9"/>
+    <p:sldId id="259" r:id="rId10"/>
   </p:sldIdLst>
   <p:sldSz cx="12192000" cy="6858000"/>
   <p:notesSz cx="6858000" cy="9144000"/>
@@ -106,6 +112,11 @@
       </a:defRPr>
     </a:lvl9pPr>
   </p:defaultTextStyle>
+  <p:extLst>
+    <p:ext uri="{EFAFB233-063F-42B5-8137-9DF3F51BA10A}">
+      <p15:sldGuideLst xmlns:p15="http://schemas.microsoft.com/office/powerpoint/2012/main"/>
+    </p:ext>
+  </p:extLst>
 </p:presentation>
 </file>
 
@@ -256,7 +267,7 @@
           <a:p>
             <a:fld id="{2B3FF9E3-101C-4204-8B81-4202CCD32645}" type="datetimeFigureOut">
               <a:rPr lang="fr-FR" smtClean="0"/>
-              <a:t>19/07/2023</a:t>
+              <a:t>21/07/2023</a:t>
             </a:fld>
             <a:endParaRPr lang="fr-FR"/>
           </a:p>
@@ -454,7 +465,7 @@
           <a:p>
             <a:fld id="{2B3FF9E3-101C-4204-8B81-4202CCD32645}" type="datetimeFigureOut">
               <a:rPr lang="fr-FR" smtClean="0"/>
-              <a:t>19/07/2023</a:t>
+              <a:t>21/07/2023</a:t>
             </a:fld>
             <a:endParaRPr lang="fr-FR"/>
           </a:p>
@@ -662,7 +673,7 @@
           <a:p>
             <a:fld id="{2B3FF9E3-101C-4204-8B81-4202CCD32645}" type="datetimeFigureOut">
               <a:rPr lang="fr-FR" smtClean="0"/>
-              <a:t>19/07/2023</a:t>
+              <a:t>21/07/2023</a:t>
             </a:fld>
             <a:endParaRPr lang="fr-FR"/>
           </a:p>
@@ -860,7 +871,7 @@
           <a:p>
             <a:fld id="{2B3FF9E3-101C-4204-8B81-4202CCD32645}" type="datetimeFigureOut">
               <a:rPr lang="fr-FR" smtClean="0"/>
-              <a:t>19/07/2023</a:t>
+              <a:t>21/07/2023</a:t>
             </a:fld>
             <a:endParaRPr lang="fr-FR"/>
           </a:p>
@@ -1135,7 +1146,7 @@
           <a:p>
             <a:fld id="{2B3FF9E3-101C-4204-8B81-4202CCD32645}" type="datetimeFigureOut">
               <a:rPr lang="fr-FR" smtClean="0"/>
-              <a:t>19/07/2023</a:t>
+              <a:t>21/07/2023</a:t>
             </a:fld>
             <a:endParaRPr lang="fr-FR"/>
           </a:p>
@@ -1400,7 +1411,7 @@
           <a:p>
             <a:fld id="{2B3FF9E3-101C-4204-8B81-4202CCD32645}" type="datetimeFigureOut">
               <a:rPr lang="fr-FR" smtClean="0"/>
-              <a:t>19/07/2023</a:t>
+              <a:t>21/07/2023</a:t>
             </a:fld>
             <a:endParaRPr lang="fr-FR"/>
           </a:p>
@@ -1812,7 +1823,7 @@
           <a:p>
             <a:fld id="{2B3FF9E3-101C-4204-8B81-4202CCD32645}" type="datetimeFigureOut">
               <a:rPr lang="fr-FR" smtClean="0"/>
-              <a:t>19/07/2023</a:t>
+              <a:t>21/07/2023</a:t>
             </a:fld>
             <a:endParaRPr lang="fr-FR"/>
           </a:p>
@@ -1953,7 +1964,7 @@
           <a:p>
             <a:fld id="{2B3FF9E3-101C-4204-8B81-4202CCD32645}" type="datetimeFigureOut">
               <a:rPr lang="fr-FR" smtClean="0"/>
-              <a:t>19/07/2023</a:t>
+              <a:t>21/07/2023</a:t>
             </a:fld>
             <a:endParaRPr lang="fr-FR"/>
           </a:p>
@@ -2066,7 +2077,7 @@
           <a:p>
             <a:fld id="{2B3FF9E3-101C-4204-8B81-4202CCD32645}" type="datetimeFigureOut">
               <a:rPr lang="fr-FR" smtClean="0"/>
-              <a:t>19/07/2023</a:t>
+              <a:t>21/07/2023</a:t>
             </a:fld>
             <a:endParaRPr lang="fr-FR"/>
           </a:p>
@@ -2377,7 +2388,7 @@
           <a:p>
             <a:fld id="{2B3FF9E3-101C-4204-8B81-4202CCD32645}" type="datetimeFigureOut">
               <a:rPr lang="fr-FR" smtClean="0"/>
-              <a:t>19/07/2023</a:t>
+              <a:t>21/07/2023</a:t>
             </a:fld>
             <a:endParaRPr lang="fr-FR"/>
           </a:p>
@@ -2665,7 +2676,7 @@
           <a:p>
             <a:fld id="{2B3FF9E3-101C-4204-8B81-4202CCD32645}" type="datetimeFigureOut">
               <a:rPr lang="fr-FR" smtClean="0"/>
-              <a:t>19/07/2023</a:t>
+              <a:t>21/07/2023</a:t>
             </a:fld>
             <a:endParaRPr lang="fr-FR"/>
           </a:p>
@@ -2906,7 +2917,7 @@
           <a:p>
             <a:fld id="{2B3FF9E3-101C-4204-8B81-4202CCD32645}" type="datetimeFigureOut">
               <a:rPr lang="fr-FR" smtClean="0"/>
-              <a:t>19/07/2023</a:t>
+              <a:t>21/07/2023</a:t>
             </a:fld>
             <a:endParaRPr lang="fr-FR"/>
           </a:p>
@@ -3344,32 +3355,14 @@
           <a:bodyPr/>
           <a:lstStyle/>
           <a:p>
-            <a:endParaRPr lang="fr-FR"/>
-          </a:p>
-        </p:txBody>
-      </p:sp>
-      <p:sp>
-        <p:nvSpPr>
-          <p:cNvPr id="3" name="Sous-titre 2">
-            <a:extLst>
-              <a:ext uri="{FF2B5EF4-FFF2-40B4-BE49-F238E27FC236}">
-                <a16:creationId xmlns:a16="http://schemas.microsoft.com/office/drawing/2014/main" id="{333A3BC7-19E1-48B7-9886-B215976EDC06}"/>
-              </a:ext>
-            </a:extLst>
-          </p:cNvPr>
-          <p:cNvSpPr>
-            <a:spLocks noGrp="1"/>
-          </p:cNvSpPr>
-          <p:nvPr>
-            <p:ph type="subTitle" idx="1"/>
-          </p:nvPr>
-        </p:nvSpPr>
-        <p:spPr/>
-        <p:txBody>
-          <a:bodyPr/>
-          <a:lstStyle/>
-          <a:p>
-            <a:endParaRPr lang="fr-FR"/>
+            <a:r>
+              <a:rPr lang="fr-FR" dirty="0" err="1"/>
+              <a:t>DesignPattern</a:t>
+            </a:r>
+            <a:r>
+              <a:rPr lang="fr-FR" dirty="0"/>
+              <a:t> Observateur</a:t>
+            </a:r>
           </a:p>
         </p:txBody>
       </p:sp>
@@ -3387,6 +3380,1296 @@
 </file>
 
 <file path=ppt/slides/slide2.xml><?xml version="1.0" encoding="utf-8"?>
+<p:sld xmlns:a="http://schemas.openxmlformats.org/drawingml/2006/main" xmlns:r="http://schemas.openxmlformats.org/officeDocument/2006/relationships" xmlns:p="http://schemas.openxmlformats.org/presentationml/2006/main">
+  <p:cSld>
+    <p:spTree>
+      <p:nvGrpSpPr>
+        <p:cNvPr id="1" name=""/>
+        <p:cNvGrpSpPr/>
+        <p:nvPr/>
+      </p:nvGrpSpPr>
+      <p:grpSpPr>
+        <a:xfrm>
+          <a:off x="0" y="0"/>
+          <a:ext cx="0" cy="0"/>
+          <a:chOff x="0" y="0"/>
+          <a:chExt cx="0" cy="0"/>
+        </a:xfrm>
+      </p:grpSpPr>
+      <p:sp>
+        <p:nvSpPr>
+          <p:cNvPr id="2" name="Titre 1">
+            <a:extLst>
+              <a:ext uri="{FF2B5EF4-FFF2-40B4-BE49-F238E27FC236}">
+                <a16:creationId xmlns:a16="http://schemas.microsoft.com/office/drawing/2014/main" id="{D6DDE4C8-E9A7-0C44-6B5F-18B4AF80950C}"/>
+              </a:ext>
+            </a:extLst>
+          </p:cNvPr>
+          <p:cNvSpPr>
+            <a:spLocks noGrp="1"/>
+          </p:cNvSpPr>
+          <p:nvPr>
+            <p:ph type="title"/>
+          </p:nvPr>
+        </p:nvSpPr>
+        <p:spPr/>
+        <p:txBody>
+          <a:bodyPr/>
+          <a:lstStyle/>
+          <a:p>
+            <a:r>
+              <a:rPr lang="fr-FR" dirty="0"/>
+              <a:t>Sommaire</a:t>
+            </a:r>
+          </a:p>
+        </p:txBody>
+      </p:sp>
+      <p:sp>
+        <p:nvSpPr>
+          <p:cNvPr id="3" name="Espace réservé du contenu 2">
+            <a:extLst>
+              <a:ext uri="{FF2B5EF4-FFF2-40B4-BE49-F238E27FC236}">
+                <a16:creationId xmlns:a16="http://schemas.microsoft.com/office/drawing/2014/main" id="{E85224BB-51EF-F956-051C-FAF9487563FA}"/>
+              </a:ext>
+            </a:extLst>
+          </p:cNvPr>
+          <p:cNvSpPr>
+            <a:spLocks noGrp="1"/>
+          </p:cNvSpPr>
+          <p:nvPr>
+            <p:ph idx="1"/>
+          </p:nvPr>
+        </p:nvSpPr>
+        <p:spPr/>
+        <p:txBody>
+          <a:bodyPr/>
+          <a:lstStyle/>
+          <a:p>
+            <a:pPr marL="514350" indent="-514350">
+              <a:buFont typeface="+mj-lt"/>
+              <a:buAutoNum type="arabicPeriod"/>
+            </a:pPr>
+            <a:r>
+              <a:rPr lang="fr-FR" dirty="0"/>
+              <a:t>Présentation</a:t>
+            </a:r>
+          </a:p>
+          <a:p>
+            <a:pPr marL="514350" indent="-514350">
+              <a:buFont typeface="+mj-lt"/>
+              <a:buAutoNum type="arabicPeriod"/>
+            </a:pPr>
+            <a:r>
+              <a:rPr lang="fr-FR" dirty="0"/>
+              <a:t>Composants, fonctionnement et structure</a:t>
+            </a:r>
+          </a:p>
+          <a:p>
+            <a:pPr marL="514350" indent="-514350">
+              <a:buFont typeface="+mj-lt"/>
+              <a:buAutoNum type="arabicPeriod"/>
+            </a:pPr>
+            <a:r>
+              <a:rPr lang="fr-FR" dirty="0"/>
+              <a:t>Mise en œuvre</a:t>
+            </a:r>
+          </a:p>
+          <a:p>
+            <a:pPr marL="514350" indent="-514350">
+              <a:buFont typeface="+mj-lt"/>
+              <a:buAutoNum type="arabicPeriod"/>
+            </a:pPr>
+            <a:r>
+              <a:rPr lang="fr-FR" dirty="0"/>
+              <a:t>Avantages, inconvénients</a:t>
+            </a:r>
+          </a:p>
+          <a:p>
+            <a:pPr marL="514350" indent="-514350">
+              <a:buFont typeface="+mj-lt"/>
+              <a:buAutoNum type="arabicPeriod"/>
+            </a:pPr>
+            <a:r>
+              <a:rPr lang="fr-FR" dirty="0"/>
+              <a:t>Exemple d’utilisation</a:t>
+            </a:r>
+          </a:p>
+        </p:txBody>
+      </p:sp>
+    </p:spTree>
+    <p:extLst>
+      <p:ext uri="{BB962C8B-B14F-4D97-AF65-F5344CB8AC3E}">
+        <p14:creationId xmlns:p14="http://schemas.microsoft.com/office/powerpoint/2010/main" val="3389184911"/>
+      </p:ext>
+    </p:extLst>
+  </p:cSld>
+  <p:clrMapOvr>
+    <a:masterClrMapping/>
+  </p:clrMapOvr>
+</p:sld>
+</file>
+
+<file path=ppt/slides/slide3.xml><?xml version="1.0" encoding="utf-8"?>
+<p:sld xmlns:a="http://schemas.openxmlformats.org/drawingml/2006/main" xmlns:r="http://schemas.openxmlformats.org/officeDocument/2006/relationships" xmlns:p="http://schemas.openxmlformats.org/presentationml/2006/main">
+  <p:cSld>
+    <p:spTree>
+      <p:nvGrpSpPr>
+        <p:cNvPr id="1" name=""/>
+        <p:cNvGrpSpPr/>
+        <p:nvPr/>
+      </p:nvGrpSpPr>
+      <p:grpSpPr>
+        <a:xfrm>
+          <a:off x="0" y="0"/>
+          <a:ext cx="0" cy="0"/>
+          <a:chOff x="0" y="0"/>
+          <a:chExt cx="0" cy="0"/>
+        </a:xfrm>
+      </p:grpSpPr>
+      <p:sp>
+        <p:nvSpPr>
+          <p:cNvPr id="2" name="Titre 1">
+            <a:extLst>
+              <a:ext uri="{FF2B5EF4-FFF2-40B4-BE49-F238E27FC236}">
+                <a16:creationId xmlns:a16="http://schemas.microsoft.com/office/drawing/2014/main" id="{71707A73-FA52-BA3F-6FCB-0E20863DB1F7}"/>
+              </a:ext>
+            </a:extLst>
+          </p:cNvPr>
+          <p:cNvSpPr>
+            <a:spLocks noGrp="1"/>
+          </p:cNvSpPr>
+          <p:nvPr>
+            <p:ph type="title"/>
+          </p:nvPr>
+        </p:nvSpPr>
+        <p:spPr/>
+        <p:txBody>
+          <a:bodyPr/>
+          <a:lstStyle/>
+          <a:p>
+            <a:r>
+              <a:rPr lang="fr-FR" dirty="0"/>
+              <a:t>1 Présentation</a:t>
+            </a:r>
+          </a:p>
+        </p:txBody>
+      </p:sp>
+      <p:sp>
+        <p:nvSpPr>
+          <p:cNvPr id="3" name="Espace réservé du contenu 2">
+            <a:extLst>
+              <a:ext uri="{FF2B5EF4-FFF2-40B4-BE49-F238E27FC236}">
+                <a16:creationId xmlns:a16="http://schemas.microsoft.com/office/drawing/2014/main" id="{9FC1FFCD-E346-CDFF-6DEA-900C8E4DA4A9}"/>
+              </a:ext>
+            </a:extLst>
+          </p:cNvPr>
+          <p:cNvSpPr>
+            <a:spLocks noGrp="1"/>
+          </p:cNvSpPr>
+          <p:nvPr>
+            <p:ph idx="1"/>
+          </p:nvPr>
+        </p:nvSpPr>
+        <p:spPr/>
+        <p:txBody>
+          <a:bodyPr/>
+          <a:lstStyle/>
+          <a:p>
+            <a:pPr marL="0" indent="0">
+              <a:buNone/>
+            </a:pPr>
+            <a:r>
+              <a:rPr lang="fr-FR" dirty="0"/>
+              <a:t>1.1 Introduction</a:t>
+            </a:r>
+          </a:p>
+          <a:p>
+            <a:pPr marL="0" indent="0">
+              <a:buNone/>
+            </a:pPr>
+            <a:r>
+              <a:rPr lang="fr-FR" dirty="0"/>
+              <a:t>Dans  la POO existe la difficulté de communiquer de manière efficace et flexible, d’où l’intervention du Design Pattern Observateur </a:t>
+            </a:r>
+          </a:p>
+        </p:txBody>
+      </p:sp>
+    </p:spTree>
+    <p:extLst>
+      <p:ext uri="{BB962C8B-B14F-4D97-AF65-F5344CB8AC3E}">
+        <p14:creationId xmlns:p14="http://schemas.microsoft.com/office/powerpoint/2010/main" val="3001935333"/>
+      </p:ext>
+    </p:extLst>
+  </p:cSld>
+  <p:clrMapOvr>
+    <a:masterClrMapping/>
+  </p:clrMapOvr>
+</p:sld>
+</file>
+
+<file path=ppt/slides/slide4.xml><?xml version="1.0" encoding="utf-8"?>
+<p:sld xmlns:a="http://schemas.openxmlformats.org/drawingml/2006/main" xmlns:r="http://schemas.openxmlformats.org/officeDocument/2006/relationships" xmlns:p="http://schemas.openxmlformats.org/presentationml/2006/main">
+  <p:cSld>
+    <p:spTree>
+      <p:nvGrpSpPr>
+        <p:cNvPr id="1" name=""/>
+        <p:cNvGrpSpPr/>
+        <p:nvPr/>
+      </p:nvGrpSpPr>
+      <p:grpSpPr>
+        <a:xfrm>
+          <a:off x="0" y="0"/>
+          <a:ext cx="0" cy="0"/>
+          <a:chOff x="0" y="0"/>
+          <a:chExt cx="0" cy="0"/>
+        </a:xfrm>
+      </p:grpSpPr>
+      <p:sp>
+        <p:nvSpPr>
+          <p:cNvPr id="2" name="Titre 1">
+            <a:extLst>
+              <a:ext uri="{FF2B5EF4-FFF2-40B4-BE49-F238E27FC236}">
+                <a16:creationId xmlns:a16="http://schemas.microsoft.com/office/drawing/2014/main" id="{10AFE74A-A016-6FF2-0ABC-27D13B8E3CFB}"/>
+              </a:ext>
+            </a:extLst>
+          </p:cNvPr>
+          <p:cNvSpPr>
+            <a:spLocks noGrp="1"/>
+          </p:cNvSpPr>
+          <p:nvPr>
+            <p:ph type="title"/>
+          </p:nvPr>
+        </p:nvSpPr>
+        <p:spPr/>
+        <p:txBody>
+          <a:bodyPr/>
+          <a:lstStyle/>
+          <a:p>
+            <a:r>
+              <a:rPr lang="fr-FR" dirty="0"/>
+              <a:t>1 Présentation</a:t>
+            </a:r>
+          </a:p>
+        </p:txBody>
+      </p:sp>
+      <p:sp>
+        <p:nvSpPr>
+          <p:cNvPr id="3" name="Espace réservé du contenu 2">
+            <a:extLst>
+              <a:ext uri="{FF2B5EF4-FFF2-40B4-BE49-F238E27FC236}">
+                <a16:creationId xmlns:a16="http://schemas.microsoft.com/office/drawing/2014/main" id="{C46A41EB-CC40-DF08-E7D0-FDE1CF96B0F8}"/>
+              </a:ext>
+            </a:extLst>
+          </p:cNvPr>
+          <p:cNvSpPr>
+            <a:spLocks noGrp="1"/>
+          </p:cNvSpPr>
+          <p:nvPr>
+            <p:ph idx="1"/>
+          </p:nvPr>
+        </p:nvSpPr>
+        <p:spPr/>
+        <p:txBody>
+          <a:bodyPr/>
+          <a:lstStyle/>
+          <a:p>
+            <a:pPr marL="0" indent="0">
+              <a:buNone/>
+            </a:pPr>
+            <a:r>
+              <a:rPr lang="fr-FR" dirty="0"/>
+              <a:t>1.2 Définition</a:t>
+            </a:r>
+          </a:p>
+          <a:p>
+            <a:pPr marL="0" indent="0">
+              <a:buNone/>
+            </a:pPr>
+            <a:r>
+              <a:rPr lang="fr-FR" dirty="0"/>
+              <a:t>Il permet d’envoyer des notifications à plusieurs objets qui l’observent.</a:t>
+            </a:r>
+          </a:p>
+          <a:p>
+            <a:pPr marL="0" indent="0">
+              <a:buNone/>
+            </a:pPr>
+            <a:r>
+              <a:rPr lang="fr-FR" dirty="0"/>
+              <a:t>Design Pattern comportemental</a:t>
+            </a:r>
+          </a:p>
+          <a:p>
+            <a:pPr marL="0" indent="0">
+              <a:buNone/>
+            </a:pPr>
+            <a:endParaRPr lang="fr-FR" dirty="0"/>
+          </a:p>
+        </p:txBody>
+      </p:sp>
+    </p:spTree>
+    <p:extLst>
+      <p:ext uri="{BB962C8B-B14F-4D97-AF65-F5344CB8AC3E}">
+        <p14:creationId xmlns:p14="http://schemas.microsoft.com/office/powerpoint/2010/main" val="1326518591"/>
+      </p:ext>
+    </p:extLst>
+  </p:cSld>
+  <p:clrMapOvr>
+    <a:masterClrMapping/>
+  </p:clrMapOvr>
+</p:sld>
+</file>
+
+<file path=ppt/slides/slide5.xml><?xml version="1.0" encoding="utf-8"?>
+<p:sld xmlns:a="http://schemas.openxmlformats.org/drawingml/2006/main" xmlns:r="http://schemas.openxmlformats.org/officeDocument/2006/relationships" xmlns:p="http://schemas.openxmlformats.org/presentationml/2006/main">
+  <p:cSld>
+    <p:spTree>
+      <p:nvGrpSpPr>
+        <p:cNvPr id="1" name=""/>
+        <p:cNvGrpSpPr/>
+        <p:nvPr/>
+      </p:nvGrpSpPr>
+      <p:grpSpPr>
+        <a:xfrm>
+          <a:off x="0" y="0"/>
+          <a:ext cx="0" cy="0"/>
+          <a:chOff x="0" y="0"/>
+          <a:chExt cx="0" cy="0"/>
+        </a:xfrm>
+      </p:grpSpPr>
+      <p:sp>
+        <p:nvSpPr>
+          <p:cNvPr id="2" name="Titre 1">
+            <a:extLst>
+              <a:ext uri="{FF2B5EF4-FFF2-40B4-BE49-F238E27FC236}">
+                <a16:creationId xmlns:a16="http://schemas.microsoft.com/office/drawing/2014/main" id="{225750EF-20A1-EDFE-9156-DE5A4170FE85}"/>
+              </a:ext>
+            </a:extLst>
+          </p:cNvPr>
+          <p:cNvSpPr>
+            <a:spLocks noGrp="1"/>
+          </p:cNvSpPr>
+          <p:nvPr>
+            <p:ph type="title"/>
+          </p:nvPr>
+        </p:nvSpPr>
+        <p:spPr/>
+        <p:txBody>
+          <a:bodyPr/>
+          <a:lstStyle/>
+          <a:p>
+            <a:r>
+              <a:rPr lang="fr-FR" dirty="0"/>
+              <a:t>1 Présentation</a:t>
+            </a:r>
+          </a:p>
+        </p:txBody>
+      </p:sp>
+      <p:pic>
+        <p:nvPicPr>
+          <p:cNvPr id="5" name="Image 4" descr="Une image contenant capture d’écran, texte, graphisme, Graphique&#10;&#10;Description générée automatiquement">
+            <a:extLst>
+              <a:ext uri="{FF2B5EF4-FFF2-40B4-BE49-F238E27FC236}">
+                <a16:creationId xmlns:a16="http://schemas.microsoft.com/office/drawing/2014/main" id="{547A34D6-B83E-A9FA-6673-E8829867CAA7}"/>
+              </a:ext>
+            </a:extLst>
+          </p:cNvPr>
+          <p:cNvPicPr>
+            <a:picLocks noChangeAspect="1"/>
+          </p:cNvPicPr>
+          <p:nvPr/>
+        </p:nvPicPr>
+        <p:blipFill>
+          <a:blip r:embed="rId2">
+            <a:extLst>
+              <a:ext uri="{28A0092B-C50C-407E-A947-70E740481C1C}">
+                <a14:useLocalDpi xmlns:a14="http://schemas.microsoft.com/office/drawing/2010/main" val="0"/>
+              </a:ext>
+            </a:extLst>
+          </a:blip>
+          <a:stretch>
+            <a:fillRect/>
+          </a:stretch>
+        </p:blipFill>
+        <p:spPr>
+          <a:xfrm>
+            <a:off x="1393371" y="2155372"/>
+            <a:ext cx="9231086" cy="4615543"/>
+          </a:xfrm>
+          <a:prstGeom prst="rect">
+            <a:avLst/>
+          </a:prstGeom>
+        </p:spPr>
+      </p:pic>
+      <p:sp>
+        <p:nvSpPr>
+          <p:cNvPr id="7" name="Espace réservé du contenu 6">
+            <a:extLst>
+              <a:ext uri="{FF2B5EF4-FFF2-40B4-BE49-F238E27FC236}">
+                <a16:creationId xmlns:a16="http://schemas.microsoft.com/office/drawing/2014/main" id="{943D0F6B-3F95-BA98-C1BF-754E30699647}"/>
+              </a:ext>
+            </a:extLst>
+          </p:cNvPr>
+          <p:cNvSpPr>
+            <a:spLocks noGrp="1"/>
+          </p:cNvSpPr>
+          <p:nvPr>
+            <p:ph idx="1"/>
+          </p:nvPr>
+        </p:nvSpPr>
+        <p:spPr>
+          <a:xfrm>
+            <a:off x="838200" y="1744663"/>
+            <a:ext cx="10515600" cy="541337"/>
+          </a:xfrm>
+        </p:spPr>
+        <p:txBody>
+          <a:bodyPr/>
+          <a:lstStyle/>
+          <a:p>
+            <a:pPr marL="0" indent="0">
+              <a:buNone/>
+            </a:pPr>
+            <a:r>
+              <a:rPr lang="fr-FR" dirty="0"/>
+              <a:t>1.3 Problème</a:t>
+            </a:r>
+          </a:p>
+        </p:txBody>
+      </p:sp>
+    </p:spTree>
+    <p:extLst>
+      <p:ext uri="{BB962C8B-B14F-4D97-AF65-F5344CB8AC3E}">
+        <p14:creationId xmlns:p14="http://schemas.microsoft.com/office/powerpoint/2010/main" val="3239956060"/>
+      </p:ext>
+    </p:extLst>
+  </p:cSld>
+  <p:clrMapOvr>
+    <a:masterClrMapping/>
+  </p:clrMapOvr>
+</p:sld>
+</file>
+
+<file path=ppt/slides/slide6.xml><?xml version="1.0" encoding="utf-8"?>
+<p:sld xmlns:a="http://schemas.openxmlformats.org/drawingml/2006/main" xmlns:r="http://schemas.openxmlformats.org/officeDocument/2006/relationships" xmlns:p="http://schemas.openxmlformats.org/presentationml/2006/main">
+  <p:cSld>
+    <p:spTree>
+      <p:nvGrpSpPr>
+        <p:cNvPr id="1" name=""/>
+        <p:cNvGrpSpPr/>
+        <p:nvPr/>
+      </p:nvGrpSpPr>
+      <p:grpSpPr>
+        <a:xfrm>
+          <a:off x="0" y="0"/>
+          <a:ext cx="0" cy="0"/>
+          <a:chOff x="0" y="0"/>
+          <a:chExt cx="0" cy="0"/>
+        </a:xfrm>
+      </p:grpSpPr>
+      <p:sp>
+        <p:nvSpPr>
+          <p:cNvPr id="2" name="Titre 1">
+            <a:extLst>
+              <a:ext uri="{FF2B5EF4-FFF2-40B4-BE49-F238E27FC236}">
+                <a16:creationId xmlns:a16="http://schemas.microsoft.com/office/drawing/2014/main" id="{E5B2B91B-B3BF-9566-55D8-188D4DEC5F56}"/>
+              </a:ext>
+            </a:extLst>
+          </p:cNvPr>
+          <p:cNvSpPr>
+            <a:spLocks noGrp="1"/>
+          </p:cNvSpPr>
+          <p:nvPr>
+            <p:ph type="title"/>
+          </p:nvPr>
+        </p:nvSpPr>
+        <p:spPr/>
+        <p:txBody>
+          <a:bodyPr/>
+          <a:lstStyle/>
+          <a:p>
+            <a:r>
+              <a:rPr lang="fr-FR" dirty="0"/>
+              <a:t>2 Composants, fonctionnement et structure</a:t>
+            </a:r>
+          </a:p>
+        </p:txBody>
+      </p:sp>
+      <p:sp>
+        <p:nvSpPr>
+          <p:cNvPr id="3" name="Espace réservé du contenu 2">
+            <a:extLst>
+              <a:ext uri="{FF2B5EF4-FFF2-40B4-BE49-F238E27FC236}">
+                <a16:creationId xmlns:a16="http://schemas.microsoft.com/office/drawing/2014/main" id="{8ECC45BD-49D5-BF74-99A4-0595377CA344}"/>
+              </a:ext>
+            </a:extLst>
+          </p:cNvPr>
+          <p:cNvSpPr>
+            <a:spLocks noGrp="1"/>
+          </p:cNvSpPr>
+          <p:nvPr>
+            <p:ph idx="1"/>
+          </p:nvPr>
+        </p:nvSpPr>
+        <p:spPr/>
+        <p:txBody>
+          <a:bodyPr/>
+          <a:lstStyle/>
+          <a:p>
+            <a:pPr marL="0" indent="0">
+              <a:buNone/>
+            </a:pPr>
+            <a:r>
+              <a:rPr lang="fr-FR" dirty="0"/>
+              <a:t>2.1 Composants</a:t>
+            </a:r>
+          </a:p>
+          <a:p>
+            <a:r>
+              <a:rPr lang="fr-FR" dirty="0"/>
+              <a:t>Le sujet (diffuseur)</a:t>
+            </a:r>
+          </a:p>
+          <a:p>
+            <a:r>
+              <a:rPr lang="fr-FR" dirty="0"/>
+              <a:t>L’observateur (souscripteur)</a:t>
+            </a:r>
+          </a:p>
+          <a:p>
+            <a:r>
+              <a:rPr lang="fr-FR" dirty="0"/>
+              <a:t>La souscription</a:t>
+            </a:r>
+          </a:p>
+          <a:p>
+            <a:r>
+              <a:rPr lang="fr-FR" dirty="0"/>
+              <a:t>La notification</a:t>
+            </a:r>
+          </a:p>
+        </p:txBody>
+      </p:sp>
+    </p:spTree>
+    <p:extLst>
+      <p:ext uri="{BB962C8B-B14F-4D97-AF65-F5344CB8AC3E}">
+        <p14:creationId xmlns:p14="http://schemas.microsoft.com/office/powerpoint/2010/main" val="2284254303"/>
+      </p:ext>
+    </p:extLst>
+  </p:cSld>
+  <p:clrMapOvr>
+    <a:masterClrMapping/>
+  </p:clrMapOvr>
+</p:sld>
+</file>
+
+<file path=ppt/slides/slide7.xml><?xml version="1.0" encoding="utf-8"?>
+<p:sld xmlns:a="http://schemas.openxmlformats.org/drawingml/2006/main" xmlns:r="http://schemas.openxmlformats.org/officeDocument/2006/relationships" xmlns:p="http://schemas.openxmlformats.org/presentationml/2006/main">
+  <p:cSld>
+    <p:spTree>
+      <p:nvGrpSpPr>
+        <p:cNvPr id="1" name=""/>
+        <p:cNvGrpSpPr/>
+        <p:nvPr/>
+      </p:nvGrpSpPr>
+      <p:grpSpPr>
+        <a:xfrm>
+          <a:off x="0" y="0"/>
+          <a:ext cx="0" cy="0"/>
+          <a:chOff x="0" y="0"/>
+          <a:chExt cx="0" cy="0"/>
+        </a:xfrm>
+      </p:grpSpPr>
+      <p:sp>
+        <p:nvSpPr>
+          <p:cNvPr id="2" name="Titre 1">
+            <a:extLst>
+              <a:ext uri="{FF2B5EF4-FFF2-40B4-BE49-F238E27FC236}">
+                <a16:creationId xmlns:a16="http://schemas.microsoft.com/office/drawing/2014/main" id="{A324724A-85DD-159C-DFED-1BE9781CA34B}"/>
+              </a:ext>
+            </a:extLst>
+          </p:cNvPr>
+          <p:cNvSpPr>
+            <a:spLocks noGrp="1"/>
+          </p:cNvSpPr>
+          <p:nvPr>
+            <p:ph type="title"/>
+          </p:nvPr>
+        </p:nvSpPr>
+        <p:spPr/>
+        <p:txBody>
+          <a:bodyPr/>
+          <a:lstStyle/>
+          <a:p>
+            <a:r>
+              <a:rPr lang="fr-FR" dirty="0"/>
+              <a:t>2 Composants, fonctionnement et structure</a:t>
+            </a:r>
+          </a:p>
+        </p:txBody>
+      </p:sp>
+      <p:sp>
+        <p:nvSpPr>
+          <p:cNvPr id="4" name="Rectangle 3">
+            <a:extLst>
+              <a:ext uri="{FF2B5EF4-FFF2-40B4-BE49-F238E27FC236}">
+                <a16:creationId xmlns:a16="http://schemas.microsoft.com/office/drawing/2014/main" id="{BA9806FB-5701-1430-C390-DF569A9BA8B2}"/>
+              </a:ext>
+            </a:extLst>
+          </p:cNvPr>
+          <p:cNvSpPr/>
+          <p:nvPr/>
+        </p:nvSpPr>
+        <p:spPr>
+          <a:xfrm>
+            <a:off x="8666017" y="3585631"/>
+            <a:ext cx="2687781" cy="1080655"/>
+          </a:xfrm>
+          <a:prstGeom prst="rect">
+            <a:avLst/>
+          </a:prstGeom>
+        </p:spPr>
+        <p:style>
+          <a:lnRef idx="2">
+            <a:schemeClr val="accent1">
+              <a:shade val="15000"/>
+            </a:schemeClr>
+          </a:lnRef>
+          <a:fillRef idx="1">
+            <a:schemeClr val="accent1"/>
+          </a:fillRef>
+          <a:effectRef idx="0">
+            <a:schemeClr val="accent1"/>
+          </a:effectRef>
+          <a:fontRef idx="minor">
+            <a:schemeClr val="lt1"/>
+          </a:fontRef>
+        </p:style>
+        <p:txBody>
+          <a:bodyPr rtlCol="0" anchor="ctr"/>
+          <a:lstStyle/>
+          <a:p>
+            <a:pPr algn="ctr"/>
+            <a:endParaRPr lang="fr-FR"/>
+          </a:p>
+        </p:txBody>
+      </p:sp>
+      <p:sp>
+        <p:nvSpPr>
+          <p:cNvPr id="5" name="ZoneTexte 4">
+            <a:extLst>
+              <a:ext uri="{FF2B5EF4-FFF2-40B4-BE49-F238E27FC236}">
+                <a16:creationId xmlns:a16="http://schemas.microsoft.com/office/drawing/2014/main" id="{C0F82D48-0B34-73F0-2F80-349E899078BF}"/>
+              </a:ext>
+            </a:extLst>
+          </p:cNvPr>
+          <p:cNvSpPr txBox="1"/>
+          <p:nvPr/>
+        </p:nvSpPr>
+        <p:spPr>
+          <a:xfrm>
+            <a:off x="8804562" y="3664293"/>
+            <a:ext cx="2410690" cy="923330"/>
+          </a:xfrm>
+          <a:prstGeom prst="rect">
+            <a:avLst/>
+          </a:prstGeom>
+          <a:noFill/>
+        </p:spPr>
+        <p:txBody>
+          <a:bodyPr wrap="square" rtlCol="0">
+            <a:spAutoFit/>
+          </a:bodyPr>
+          <a:lstStyle/>
+          <a:p>
+            <a:pPr lvl="0" algn="ctr"/>
+            <a:r>
+              <a:rPr lang="fr-FR" dirty="0"/>
+              <a:t>Diffuseur </a:t>
+            </a:r>
+          </a:p>
+          <a:p>
+            <a:pPr lvl="0" algn="ctr"/>
+            <a:r>
+              <a:rPr lang="fr-FR" dirty="0"/>
+              <a:t>Publisher</a:t>
+            </a:r>
+          </a:p>
+          <a:p>
+            <a:pPr lvl="0" algn="ctr"/>
+            <a:r>
+              <a:rPr lang="fr-FR" dirty="0"/>
+              <a:t>Objet sujet</a:t>
+            </a:r>
+          </a:p>
+        </p:txBody>
+      </p:sp>
+      <p:sp>
+        <p:nvSpPr>
+          <p:cNvPr id="6" name="Rectangle 5">
+            <a:extLst>
+              <a:ext uri="{FF2B5EF4-FFF2-40B4-BE49-F238E27FC236}">
+                <a16:creationId xmlns:a16="http://schemas.microsoft.com/office/drawing/2014/main" id="{F0C393B2-9159-A96E-7521-4B0307273C91}"/>
+              </a:ext>
+            </a:extLst>
+          </p:cNvPr>
+          <p:cNvSpPr/>
+          <p:nvPr/>
+        </p:nvSpPr>
+        <p:spPr>
+          <a:xfrm>
+            <a:off x="1073728" y="2041727"/>
+            <a:ext cx="2687781" cy="1080655"/>
+          </a:xfrm>
+          <a:prstGeom prst="rect">
+            <a:avLst/>
+          </a:prstGeom>
+          <a:solidFill>
+            <a:schemeClr val="accent2"/>
+          </a:solidFill>
+        </p:spPr>
+        <p:style>
+          <a:lnRef idx="2">
+            <a:schemeClr val="accent1">
+              <a:shade val="15000"/>
+            </a:schemeClr>
+          </a:lnRef>
+          <a:fillRef idx="1">
+            <a:schemeClr val="accent1"/>
+          </a:fillRef>
+          <a:effectRef idx="0">
+            <a:schemeClr val="accent1"/>
+          </a:effectRef>
+          <a:fontRef idx="minor">
+            <a:schemeClr val="lt1"/>
+          </a:fontRef>
+        </p:style>
+        <p:txBody>
+          <a:bodyPr rtlCol="0" anchor="ctr"/>
+          <a:lstStyle/>
+          <a:p>
+            <a:pPr algn="ctr"/>
+            <a:endParaRPr lang="fr-FR"/>
+          </a:p>
+        </p:txBody>
+      </p:sp>
+      <p:sp>
+        <p:nvSpPr>
+          <p:cNvPr id="7" name="ZoneTexte 6">
+            <a:extLst>
+              <a:ext uri="{FF2B5EF4-FFF2-40B4-BE49-F238E27FC236}">
+                <a16:creationId xmlns:a16="http://schemas.microsoft.com/office/drawing/2014/main" id="{8347AFAF-7411-F890-1B53-FC824CA2D88D}"/>
+              </a:ext>
+            </a:extLst>
+          </p:cNvPr>
+          <p:cNvSpPr txBox="1"/>
+          <p:nvPr/>
+        </p:nvSpPr>
+        <p:spPr>
+          <a:xfrm>
+            <a:off x="1212273" y="2120389"/>
+            <a:ext cx="2410690" cy="923330"/>
+          </a:xfrm>
+          <a:prstGeom prst="rect">
+            <a:avLst/>
+          </a:prstGeom>
+          <a:solidFill>
+            <a:schemeClr val="accent2"/>
+          </a:solidFill>
+        </p:spPr>
+        <p:txBody>
+          <a:bodyPr wrap="square" rtlCol="0">
+            <a:spAutoFit/>
+          </a:bodyPr>
+          <a:lstStyle/>
+          <a:p>
+            <a:pPr lvl="0" algn="ctr"/>
+            <a:r>
+              <a:rPr lang="fr-FR" dirty="0"/>
+              <a:t>Souscripteur</a:t>
+            </a:r>
+          </a:p>
+          <a:p>
+            <a:pPr lvl="0" algn="ctr"/>
+            <a:r>
+              <a:rPr lang="fr-FR" dirty="0"/>
+              <a:t>Subscriber</a:t>
+            </a:r>
+          </a:p>
+          <a:p>
+            <a:pPr lvl="0" algn="ctr"/>
+            <a:r>
+              <a:rPr lang="fr-FR" dirty="0"/>
+              <a:t>Objet observant</a:t>
+            </a:r>
+          </a:p>
+        </p:txBody>
+      </p:sp>
+      <p:sp>
+        <p:nvSpPr>
+          <p:cNvPr id="8" name="Rectangle 7">
+            <a:extLst>
+              <a:ext uri="{FF2B5EF4-FFF2-40B4-BE49-F238E27FC236}">
+                <a16:creationId xmlns:a16="http://schemas.microsoft.com/office/drawing/2014/main" id="{1D3347D1-66F0-D7DA-01AA-C917FA4F39B3}"/>
+              </a:ext>
+            </a:extLst>
+          </p:cNvPr>
+          <p:cNvSpPr/>
+          <p:nvPr/>
+        </p:nvSpPr>
+        <p:spPr>
+          <a:xfrm>
+            <a:off x="1073728" y="3585631"/>
+            <a:ext cx="2687781" cy="1080655"/>
+          </a:xfrm>
+          <a:prstGeom prst="rect">
+            <a:avLst/>
+          </a:prstGeom>
+          <a:solidFill>
+            <a:schemeClr val="accent2"/>
+          </a:solidFill>
+        </p:spPr>
+        <p:style>
+          <a:lnRef idx="2">
+            <a:schemeClr val="accent1">
+              <a:shade val="15000"/>
+            </a:schemeClr>
+          </a:lnRef>
+          <a:fillRef idx="1">
+            <a:schemeClr val="accent1"/>
+          </a:fillRef>
+          <a:effectRef idx="0">
+            <a:schemeClr val="accent1"/>
+          </a:effectRef>
+          <a:fontRef idx="minor">
+            <a:schemeClr val="lt1"/>
+          </a:fontRef>
+        </p:style>
+        <p:txBody>
+          <a:bodyPr rtlCol="0" anchor="ctr"/>
+          <a:lstStyle/>
+          <a:p>
+            <a:pPr algn="ctr"/>
+            <a:endParaRPr lang="fr-FR"/>
+          </a:p>
+        </p:txBody>
+      </p:sp>
+      <p:sp>
+        <p:nvSpPr>
+          <p:cNvPr id="9" name="ZoneTexte 8">
+            <a:extLst>
+              <a:ext uri="{FF2B5EF4-FFF2-40B4-BE49-F238E27FC236}">
+                <a16:creationId xmlns:a16="http://schemas.microsoft.com/office/drawing/2014/main" id="{FF6E3E5C-CB8D-DA0F-E409-61F2CBD43716}"/>
+              </a:ext>
+            </a:extLst>
+          </p:cNvPr>
+          <p:cNvSpPr txBox="1"/>
+          <p:nvPr/>
+        </p:nvSpPr>
+        <p:spPr>
+          <a:xfrm>
+            <a:off x="1212273" y="3664293"/>
+            <a:ext cx="2410690" cy="923330"/>
+          </a:xfrm>
+          <a:prstGeom prst="rect">
+            <a:avLst/>
+          </a:prstGeom>
+          <a:solidFill>
+            <a:schemeClr val="accent2"/>
+          </a:solidFill>
+        </p:spPr>
+        <p:txBody>
+          <a:bodyPr wrap="square" rtlCol="0">
+            <a:spAutoFit/>
+          </a:bodyPr>
+          <a:lstStyle/>
+          <a:p>
+            <a:pPr lvl="0" algn="ctr"/>
+            <a:r>
+              <a:rPr lang="fr-FR" dirty="0"/>
+              <a:t>Souscripteur</a:t>
+            </a:r>
+          </a:p>
+          <a:p>
+            <a:pPr lvl="0" algn="ctr"/>
+            <a:r>
+              <a:rPr lang="fr-FR" dirty="0"/>
+              <a:t>Subscriber</a:t>
+            </a:r>
+          </a:p>
+          <a:p>
+            <a:pPr lvl="0" algn="ctr"/>
+            <a:r>
+              <a:rPr lang="fr-FR" dirty="0"/>
+              <a:t>Objet observant</a:t>
+            </a:r>
+          </a:p>
+        </p:txBody>
+      </p:sp>
+      <p:sp>
+        <p:nvSpPr>
+          <p:cNvPr id="10" name="Rectangle 9">
+            <a:extLst>
+              <a:ext uri="{FF2B5EF4-FFF2-40B4-BE49-F238E27FC236}">
+                <a16:creationId xmlns:a16="http://schemas.microsoft.com/office/drawing/2014/main" id="{2165F945-AA8C-B7CE-6DE9-0910EB6E3E54}"/>
+              </a:ext>
+            </a:extLst>
+          </p:cNvPr>
+          <p:cNvSpPr/>
+          <p:nvPr/>
+        </p:nvSpPr>
+        <p:spPr>
+          <a:xfrm>
+            <a:off x="1073728" y="5096308"/>
+            <a:ext cx="2687781" cy="1080655"/>
+          </a:xfrm>
+          <a:prstGeom prst="rect">
+            <a:avLst/>
+          </a:prstGeom>
+          <a:solidFill>
+            <a:schemeClr val="accent2"/>
+          </a:solidFill>
+        </p:spPr>
+        <p:style>
+          <a:lnRef idx="2">
+            <a:schemeClr val="accent1">
+              <a:shade val="15000"/>
+            </a:schemeClr>
+          </a:lnRef>
+          <a:fillRef idx="1">
+            <a:schemeClr val="accent1"/>
+          </a:fillRef>
+          <a:effectRef idx="0">
+            <a:schemeClr val="accent1"/>
+          </a:effectRef>
+          <a:fontRef idx="minor">
+            <a:schemeClr val="lt1"/>
+          </a:fontRef>
+        </p:style>
+        <p:txBody>
+          <a:bodyPr rtlCol="0" anchor="ctr"/>
+          <a:lstStyle/>
+          <a:p>
+            <a:pPr algn="ctr"/>
+            <a:endParaRPr lang="fr-FR"/>
+          </a:p>
+        </p:txBody>
+      </p:sp>
+      <p:sp>
+        <p:nvSpPr>
+          <p:cNvPr id="11" name="ZoneTexte 10">
+            <a:extLst>
+              <a:ext uri="{FF2B5EF4-FFF2-40B4-BE49-F238E27FC236}">
+                <a16:creationId xmlns:a16="http://schemas.microsoft.com/office/drawing/2014/main" id="{AB832912-F9F5-730D-07DC-760C74FA607E}"/>
+              </a:ext>
+            </a:extLst>
+          </p:cNvPr>
+          <p:cNvSpPr txBox="1"/>
+          <p:nvPr/>
+        </p:nvSpPr>
+        <p:spPr>
+          <a:xfrm>
+            <a:off x="1212273" y="5174970"/>
+            <a:ext cx="2410690" cy="923330"/>
+          </a:xfrm>
+          <a:prstGeom prst="rect">
+            <a:avLst/>
+          </a:prstGeom>
+          <a:solidFill>
+            <a:schemeClr val="accent2"/>
+          </a:solidFill>
+        </p:spPr>
+        <p:txBody>
+          <a:bodyPr wrap="square" rtlCol="0">
+            <a:spAutoFit/>
+          </a:bodyPr>
+          <a:lstStyle/>
+          <a:p>
+            <a:pPr lvl="0" algn="ctr"/>
+            <a:r>
+              <a:rPr lang="fr-FR" dirty="0"/>
+              <a:t>Souscripteur</a:t>
+            </a:r>
+          </a:p>
+          <a:p>
+            <a:pPr lvl="0" algn="ctr"/>
+            <a:r>
+              <a:rPr lang="fr-FR" dirty="0"/>
+              <a:t>Subscriber</a:t>
+            </a:r>
+          </a:p>
+          <a:p>
+            <a:pPr lvl="0" algn="ctr"/>
+            <a:r>
+              <a:rPr lang="fr-FR" dirty="0"/>
+              <a:t>Objet observant</a:t>
+            </a:r>
+          </a:p>
+        </p:txBody>
+      </p:sp>
+      <p:cxnSp>
+        <p:nvCxnSpPr>
+          <p:cNvPr id="12" name="Connecteur droit avec flèche 11">
+            <a:extLst>
+              <a:ext uri="{FF2B5EF4-FFF2-40B4-BE49-F238E27FC236}">
+                <a16:creationId xmlns:a16="http://schemas.microsoft.com/office/drawing/2014/main" id="{6D29E859-D85F-9170-6E0A-165A5B4638CE}"/>
+              </a:ext>
+            </a:extLst>
+          </p:cNvPr>
+          <p:cNvCxnSpPr>
+            <a:cxnSpLocks/>
+            <a:stCxn id="6" idx="3"/>
+          </p:cNvCxnSpPr>
+          <p:nvPr/>
+        </p:nvCxnSpPr>
+        <p:spPr>
+          <a:xfrm>
+            <a:off x="3761509" y="2582055"/>
+            <a:ext cx="4904507" cy="1312280"/>
+          </a:xfrm>
+          <a:prstGeom prst="straightConnector1">
+            <a:avLst/>
+          </a:prstGeom>
+          <a:ln>
+            <a:tailEnd type="triangle"/>
+          </a:ln>
+        </p:spPr>
+        <p:style>
+          <a:lnRef idx="1">
+            <a:schemeClr val="accent1"/>
+          </a:lnRef>
+          <a:fillRef idx="0">
+            <a:schemeClr val="accent1"/>
+          </a:fillRef>
+          <a:effectRef idx="0">
+            <a:schemeClr val="accent1"/>
+          </a:effectRef>
+          <a:fontRef idx="minor">
+            <a:schemeClr val="tx1"/>
+          </a:fontRef>
+        </p:style>
+      </p:cxnSp>
+      <p:cxnSp>
+        <p:nvCxnSpPr>
+          <p:cNvPr id="13" name="Connecteur droit avec flèche 12">
+            <a:extLst>
+              <a:ext uri="{FF2B5EF4-FFF2-40B4-BE49-F238E27FC236}">
+                <a16:creationId xmlns:a16="http://schemas.microsoft.com/office/drawing/2014/main" id="{3C258238-4645-40D4-C070-6C30F758F83A}"/>
+              </a:ext>
+            </a:extLst>
+          </p:cNvPr>
+          <p:cNvCxnSpPr>
+            <a:stCxn id="8" idx="3"/>
+            <a:endCxn id="4" idx="1"/>
+          </p:cNvCxnSpPr>
+          <p:nvPr/>
+        </p:nvCxnSpPr>
+        <p:spPr>
+          <a:xfrm>
+            <a:off x="3761509" y="4125959"/>
+            <a:ext cx="4904508" cy="0"/>
+          </a:xfrm>
+          <a:prstGeom prst="straightConnector1">
+            <a:avLst/>
+          </a:prstGeom>
+          <a:ln>
+            <a:tailEnd type="triangle"/>
+          </a:ln>
+        </p:spPr>
+        <p:style>
+          <a:lnRef idx="1">
+            <a:schemeClr val="accent1"/>
+          </a:lnRef>
+          <a:fillRef idx="0">
+            <a:schemeClr val="accent1"/>
+          </a:fillRef>
+          <a:effectRef idx="0">
+            <a:schemeClr val="accent1"/>
+          </a:effectRef>
+          <a:fontRef idx="minor">
+            <a:schemeClr val="tx1"/>
+          </a:fontRef>
+        </p:style>
+      </p:cxnSp>
+      <p:cxnSp>
+        <p:nvCxnSpPr>
+          <p:cNvPr id="14" name="Connecteur droit avec flèche 13">
+            <a:extLst>
+              <a:ext uri="{FF2B5EF4-FFF2-40B4-BE49-F238E27FC236}">
+                <a16:creationId xmlns:a16="http://schemas.microsoft.com/office/drawing/2014/main" id="{7272ECE0-9F16-4F3B-B328-05113EB720F8}"/>
+              </a:ext>
+            </a:extLst>
+          </p:cNvPr>
+          <p:cNvCxnSpPr>
+            <a:cxnSpLocks/>
+            <a:stCxn id="10" idx="3"/>
+          </p:cNvCxnSpPr>
+          <p:nvPr/>
+        </p:nvCxnSpPr>
+        <p:spPr>
+          <a:xfrm flipV="1">
+            <a:off x="3761509" y="4309891"/>
+            <a:ext cx="4904507" cy="1326745"/>
+          </a:xfrm>
+          <a:prstGeom prst="straightConnector1">
+            <a:avLst/>
+          </a:prstGeom>
+          <a:ln>
+            <a:tailEnd type="triangle"/>
+          </a:ln>
+        </p:spPr>
+        <p:style>
+          <a:lnRef idx="1">
+            <a:schemeClr val="accent1"/>
+          </a:lnRef>
+          <a:fillRef idx="0">
+            <a:schemeClr val="accent1"/>
+          </a:fillRef>
+          <a:effectRef idx="0">
+            <a:schemeClr val="accent1"/>
+          </a:effectRef>
+          <a:fontRef idx="minor">
+            <a:schemeClr val="tx1"/>
+          </a:fontRef>
+        </p:style>
+      </p:cxnSp>
+      <p:sp>
+        <p:nvSpPr>
+          <p:cNvPr id="15" name="ZoneTexte 14">
+            <a:extLst>
+              <a:ext uri="{FF2B5EF4-FFF2-40B4-BE49-F238E27FC236}">
+                <a16:creationId xmlns:a16="http://schemas.microsoft.com/office/drawing/2014/main" id="{E92B16F0-D815-3862-205B-13E4065CF474}"/>
+              </a:ext>
+            </a:extLst>
+          </p:cNvPr>
+          <p:cNvSpPr txBox="1"/>
+          <p:nvPr/>
+        </p:nvSpPr>
+        <p:spPr>
+          <a:xfrm>
+            <a:off x="5257799" y="2663534"/>
+            <a:ext cx="1911928" cy="646331"/>
+          </a:xfrm>
+          <a:prstGeom prst="rect">
+            <a:avLst/>
+          </a:prstGeom>
+          <a:noFill/>
+        </p:spPr>
+        <p:txBody>
+          <a:bodyPr wrap="square" rtlCol="0">
+            <a:spAutoFit/>
+          </a:bodyPr>
+          <a:lstStyle/>
+          <a:p>
+            <a:r>
+              <a:rPr lang="fr-FR" dirty="0"/>
+              <a:t>Je m’abonne</a:t>
+            </a:r>
+          </a:p>
+          <a:p>
+            <a:r>
+              <a:rPr lang="fr-FR" dirty="0"/>
+              <a:t>J’observe</a:t>
+            </a:r>
+          </a:p>
+        </p:txBody>
+      </p:sp>
+      <p:sp>
+        <p:nvSpPr>
+          <p:cNvPr id="16" name="ZoneTexte 15">
+            <a:extLst>
+              <a:ext uri="{FF2B5EF4-FFF2-40B4-BE49-F238E27FC236}">
+                <a16:creationId xmlns:a16="http://schemas.microsoft.com/office/drawing/2014/main" id="{A3A3771C-BBA9-3E03-3215-5DE8813BB31C}"/>
+              </a:ext>
+            </a:extLst>
+          </p:cNvPr>
+          <p:cNvSpPr txBox="1"/>
+          <p:nvPr/>
+        </p:nvSpPr>
+        <p:spPr>
+          <a:xfrm>
+            <a:off x="5257799" y="3842184"/>
+            <a:ext cx="1911928" cy="646331"/>
+          </a:xfrm>
+          <a:prstGeom prst="rect">
+            <a:avLst/>
+          </a:prstGeom>
+          <a:noFill/>
+        </p:spPr>
+        <p:txBody>
+          <a:bodyPr wrap="square" rtlCol="0">
+            <a:spAutoFit/>
+          </a:bodyPr>
+          <a:lstStyle/>
+          <a:p>
+            <a:r>
+              <a:rPr lang="fr-FR" dirty="0"/>
+              <a:t>Je m’abonne</a:t>
+            </a:r>
+          </a:p>
+          <a:p>
+            <a:r>
+              <a:rPr lang="fr-FR" dirty="0"/>
+              <a:t>J’observe</a:t>
+            </a:r>
+          </a:p>
+        </p:txBody>
+      </p:sp>
+      <p:sp>
+        <p:nvSpPr>
+          <p:cNvPr id="17" name="ZoneTexte 16">
+            <a:extLst>
+              <a:ext uri="{FF2B5EF4-FFF2-40B4-BE49-F238E27FC236}">
+                <a16:creationId xmlns:a16="http://schemas.microsoft.com/office/drawing/2014/main" id="{8D4F79E8-C64E-32AD-86E2-511E354E167B}"/>
+              </a:ext>
+            </a:extLst>
+          </p:cNvPr>
+          <p:cNvSpPr txBox="1"/>
+          <p:nvPr/>
+        </p:nvSpPr>
+        <p:spPr>
+          <a:xfrm>
+            <a:off x="5333999" y="5313469"/>
+            <a:ext cx="1911928" cy="646331"/>
+          </a:xfrm>
+          <a:prstGeom prst="rect">
+            <a:avLst/>
+          </a:prstGeom>
+          <a:noFill/>
+        </p:spPr>
+        <p:txBody>
+          <a:bodyPr wrap="square" rtlCol="0">
+            <a:spAutoFit/>
+          </a:bodyPr>
+          <a:lstStyle/>
+          <a:p>
+            <a:r>
+              <a:rPr lang="fr-FR" dirty="0"/>
+              <a:t>Je m’abonne</a:t>
+            </a:r>
+          </a:p>
+          <a:p>
+            <a:r>
+              <a:rPr lang="fr-FR" dirty="0"/>
+              <a:t>J’observe</a:t>
+            </a:r>
+          </a:p>
+        </p:txBody>
+      </p:sp>
+    </p:spTree>
+    <p:extLst>
+      <p:ext uri="{BB962C8B-B14F-4D97-AF65-F5344CB8AC3E}">
+        <p14:creationId xmlns:p14="http://schemas.microsoft.com/office/powerpoint/2010/main" val="595186413"/>
+      </p:ext>
+    </p:extLst>
+  </p:cSld>
+  <p:clrMapOvr>
+    <a:masterClrMapping/>
+  </p:clrMapOvr>
+</p:sld>
+</file>
+
+<file path=ppt/slides/slide8.xml><?xml version="1.0" encoding="utf-8"?>
 <p:sld xmlns:a="http://schemas.openxmlformats.org/drawingml/2006/main" xmlns:r="http://schemas.openxmlformats.org/officeDocument/2006/relationships" xmlns:p="http://schemas.openxmlformats.org/presentationml/2006/main">
   <p:cSld>
     <p:spTree>
@@ -4063,7 +5346,7 @@
 </p:sld>
 </file>
 
-<file path=ppt/slides/slide3.xml><?xml version="1.0" encoding="utf-8"?>
+<file path=ppt/slides/slide9.xml><?xml version="1.0" encoding="utf-8"?>
 <p:sld xmlns:a="http://schemas.openxmlformats.org/drawingml/2006/main" xmlns:r="http://schemas.openxmlformats.org/officeDocument/2006/relationships" xmlns:p="http://schemas.openxmlformats.org/presentationml/2006/main">
   <p:cSld>
     <p:spTree>

--- a/106_DesignPattern/Cours/Observateur/Observateur.pptx
+++ b/106_DesignPattern/Cours/Observateur/Observateur.pptx
@@ -12,8 +12,23 @@
     <p:sldId id="263" r:id="rId6"/>
     <p:sldId id="264" r:id="rId7"/>
     <p:sldId id="265" r:id="rId8"/>
-    <p:sldId id="258" r:id="rId9"/>
-    <p:sldId id="259" r:id="rId10"/>
+    <p:sldId id="267" r:id="rId9"/>
+    <p:sldId id="268" r:id="rId10"/>
+    <p:sldId id="269" r:id="rId11"/>
+    <p:sldId id="270" r:id="rId12"/>
+    <p:sldId id="271" r:id="rId13"/>
+    <p:sldId id="272" r:id="rId14"/>
+    <p:sldId id="273" r:id="rId15"/>
+    <p:sldId id="274" r:id="rId16"/>
+    <p:sldId id="275" r:id="rId17"/>
+    <p:sldId id="276" r:id="rId18"/>
+    <p:sldId id="277" r:id="rId19"/>
+    <p:sldId id="278" r:id="rId20"/>
+    <p:sldId id="279" r:id="rId21"/>
+    <p:sldId id="280" r:id="rId22"/>
+    <p:sldId id="281" r:id="rId23"/>
+    <p:sldId id="282" r:id="rId24"/>
+    <p:sldId id="283" r:id="rId25"/>
   </p:sldIdLst>
   <p:sldSz cx="12192000" cy="6858000"/>
   <p:notesSz cx="6858000" cy="9144000"/>
@@ -118,6 +133,938 @@
     </p:ext>
   </p:extLst>
 </p:presentation>
+</file>
+
+<file path=ppt/revisionInfo.xml><?xml version="1.0" encoding="utf-8"?>
+<p1510:revInfo xmlns:a="http://schemas.openxmlformats.org/drawingml/2006/main" xmlns:r="http://schemas.openxmlformats.org/officeDocument/2006/relationships" xmlns:p1510="http://schemas.microsoft.com/office/powerpoint/2015/10/main">
+  <p1510:revLst>
+    <p1510:client id="{FC976D47-49AC-41B6-B5F5-80E15325E9E0}" v="35" dt="2023-07-22T15:27:55.944"/>
+  </p1510:revLst>
+</p1510:revInfo>
+</file>
+
+<file path=ppt/changesInfos/changesInfo1.xml><?xml version="1.0" encoding="utf-8"?>
+<pc:chgInfo xmlns:a="http://schemas.openxmlformats.org/drawingml/2006/main" xmlns:r="http://schemas.openxmlformats.org/officeDocument/2006/relationships" xmlns:ac="http://schemas.microsoft.com/office/drawing/2013/main/command" xmlns:pc="http://schemas.microsoft.com/office/powerpoint/2013/main/command">
+  <pc:docChgLst>
+    <pc:chgData name="David CRAVO" userId="ba75d8fe6eadcc5e" providerId="LiveId" clId="{FC976D47-49AC-41B6-B5F5-80E15325E9E0}"/>
+    <pc:docChg chg="undo custSel addSld delSld modSld">
+      <pc:chgData name="David CRAVO" userId="ba75d8fe6eadcc5e" providerId="LiveId" clId="{FC976D47-49AC-41B6-B5F5-80E15325E9E0}" dt="2023-07-22T15:32:08.834" v="1537" actId="20577"/>
+      <pc:docMkLst>
+        <pc:docMk/>
+      </pc:docMkLst>
+      <pc:sldChg chg="modSp mod">
+        <pc:chgData name="David CRAVO" userId="ba75d8fe6eadcc5e" providerId="LiveId" clId="{FC976D47-49AC-41B6-B5F5-80E15325E9E0}" dt="2023-07-22T15:29:21.289" v="1491" actId="20577"/>
+        <pc:sldMkLst>
+          <pc:docMk/>
+          <pc:sldMk cId="142725393" sldId="256"/>
+        </pc:sldMkLst>
+        <pc:spChg chg="mod">
+          <ac:chgData name="David CRAVO" userId="ba75d8fe6eadcc5e" providerId="LiveId" clId="{FC976D47-49AC-41B6-B5F5-80E15325E9E0}" dt="2023-07-22T15:29:21.289" v="1491" actId="20577"/>
+          <ac:spMkLst>
+            <pc:docMk/>
+            <pc:sldMk cId="142725393" sldId="256"/>
+            <ac:spMk id="2" creationId="{2134026D-8149-7322-65C6-E63461EE0705}"/>
+          </ac:spMkLst>
+        </pc:spChg>
+      </pc:sldChg>
+      <pc:sldChg chg="del">
+        <pc:chgData name="David CRAVO" userId="ba75d8fe6eadcc5e" providerId="LiveId" clId="{FC976D47-49AC-41B6-B5F5-80E15325E9E0}" dt="2023-07-21T10:53:12.507" v="45" actId="2696"/>
+        <pc:sldMkLst>
+          <pc:docMk/>
+          <pc:sldMk cId="991438220" sldId="258"/>
+        </pc:sldMkLst>
+      </pc:sldChg>
+      <pc:sldChg chg="del">
+        <pc:chgData name="David CRAVO" userId="ba75d8fe6eadcc5e" providerId="LiveId" clId="{FC976D47-49AC-41B6-B5F5-80E15325E9E0}" dt="2023-07-21T10:53:14.970" v="46" actId="2696"/>
+        <pc:sldMkLst>
+          <pc:docMk/>
+          <pc:sldMk cId="480089301" sldId="259"/>
+        </pc:sldMkLst>
+      </pc:sldChg>
+      <pc:sldChg chg="modSp mod">
+        <pc:chgData name="David CRAVO" userId="ba75d8fe6eadcc5e" providerId="LiveId" clId="{FC976D47-49AC-41B6-B5F5-80E15325E9E0}" dt="2023-07-22T15:32:08.834" v="1537" actId="20577"/>
+        <pc:sldMkLst>
+          <pc:docMk/>
+          <pc:sldMk cId="3389184911" sldId="260"/>
+        </pc:sldMkLst>
+        <pc:spChg chg="mod">
+          <ac:chgData name="David CRAVO" userId="ba75d8fe6eadcc5e" providerId="LiveId" clId="{FC976D47-49AC-41B6-B5F5-80E15325E9E0}" dt="2023-07-22T15:32:08.834" v="1537" actId="20577"/>
+          <ac:spMkLst>
+            <pc:docMk/>
+            <pc:sldMk cId="3389184911" sldId="260"/>
+            <ac:spMk id="3" creationId="{E85224BB-51EF-F956-051C-FAF9487563FA}"/>
+          </ac:spMkLst>
+        </pc:spChg>
+      </pc:sldChg>
+      <pc:sldChg chg="modSp mod">
+        <pc:chgData name="David CRAVO" userId="ba75d8fe6eadcc5e" providerId="LiveId" clId="{FC976D47-49AC-41B6-B5F5-80E15325E9E0}" dt="2023-07-22T15:29:43.543" v="1492" actId="20577"/>
+        <pc:sldMkLst>
+          <pc:docMk/>
+          <pc:sldMk cId="3001935333" sldId="261"/>
+        </pc:sldMkLst>
+        <pc:spChg chg="mod">
+          <ac:chgData name="David CRAVO" userId="ba75d8fe6eadcc5e" providerId="LiveId" clId="{FC976D47-49AC-41B6-B5F5-80E15325E9E0}" dt="2023-07-22T15:29:43.543" v="1492" actId="20577"/>
+          <ac:spMkLst>
+            <pc:docMk/>
+            <pc:sldMk cId="3001935333" sldId="261"/>
+            <ac:spMk id="3" creationId="{9FC1FFCD-E346-CDFF-6DEA-900C8E4DA4A9}"/>
+          </ac:spMkLst>
+        </pc:spChg>
+      </pc:sldChg>
+      <pc:sldChg chg="modSp mod">
+        <pc:chgData name="David CRAVO" userId="ba75d8fe6eadcc5e" providerId="LiveId" clId="{FC976D47-49AC-41B6-B5F5-80E15325E9E0}" dt="2023-07-22T15:30:00.222" v="1515" actId="20577"/>
+        <pc:sldMkLst>
+          <pc:docMk/>
+          <pc:sldMk cId="1326518591" sldId="262"/>
+        </pc:sldMkLst>
+        <pc:spChg chg="mod">
+          <ac:chgData name="David CRAVO" userId="ba75d8fe6eadcc5e" providerId="LiveId" clId="{FC976D47-49AC-41B6-B5F5-80E15325E9E0}" dt="2023-07-22T15:30:00.222" v="1515" actId="20577"/>
+          <ac:spMkLst>
+            <pc:docMk/>
+            <pc:sldMk cId="1326518591" sldId="262"/>
+            <ac:spMk id="3" creationId="{C46A41EB-CC40-DF08-E7D0-FDE1CF96B0F8}"/>
+          </ac:spMkLst>
+        </pc:spChg>
+      </pc:sldChg>
+      <pc:sldChg chg="modSp mod">
+        <pc:chgData name="David CRAVO" userId="ba75d8fe6eadcc5e" providerId="LiveId" clId="{FC976D47-49AC-41B6-B5F5-80E15325E9E0}" dt="2023-07-22T09:33:25.983" v="435"/>
+        <pc:sldMkLst>
+          <pc:docMk/>
+          <pc:sldMk cId="2284254303" sldId="264"/>
+        </pc:sldMkLst>
+        <pc:spChg chg="mod">
+          <ac:chgData name="David CRAVO" userId="ba75d8fe6eadcc5e" providerId="LiveId" clId="{FC976D47-49AC-41B6-B5F5-80E15325E9E0}" dt="2023-07-22T09:33:25.983" v="435"/>
+          <ac:spMkLst>
+            <pc:docMk/>
+            <pc:sldMk cId="2284254303" sldId="264"/>
+            <ac:spMk id="2" creationId="{E5B2B91B-B3BF-9566-55D8-188D4DEC5F56}"/>
+          </ac:spMkLst>
+        </pc:spChg>
+      </pc:sldChg>
+      <pc:sldChg chg="addSp delSp modSp mod">
+        <pc:chgData name="David CRAVO" userId="ba75d8fe6eadcc5e" providerId="LiveId" clId="{FC976D47-49AC-41B6-B5F5-80E15325E9E0}" dt="2023-07-22T09:33:47.024" v="436"/>
+        <pc:sldMkLst>
+          <pc:docMk/>
+          <pc:sldMk cId="595186413" sldId="265"/>
+        </pc:sldMkLst>
+        <pc:spChg chg="mod">
+          <ac:chgData name="David CRAVO" userId="ba75d8fe6eadcc5e" providerId="LiveId" clId="{FC976D47-49AC-41B6-B5F5-80E15325E9E0}" dt="2023-07-22T09:33:47.024" v="436"/>
+          <ac:spMkLst>
+            <pc:docMk/>
+            <pc:sldMk cId="595186413" sldId="265"/>
+            <ac:spMk id="2" creationId="{A324724A-85DD-159C-DFED-1BE9781CA34B}"/>
+          </ac:spMkLst>
+        </pc:spChg>
+        <pc:spChg chg="mod">
+          <ac:chgData name="David CRAVO" userId="ba75d8fe6eadcc5e" providerId="LiveId" clId="{FC976D47-49AC-41B6-B5F5-80E15325E9E0}" dt="2023-07-21T11:01:05.211" v="130" actId="1076"/>
+          <ac:spMkLst>
+            <pc:docMk/>
+            <pc:sldMk cId="595186413" sldId="265"/>
+            <ac:spMk id="5" creationId="{C0F82D48-0B34-73F0-2F80-349E899078BF}"/>
+          </ac:spMkLst>
+        </pc:spChg>
+        <pc:spChg chg="mod">
+          <ac:chgData name="David CRAVO" userId="ba75d8fe6eadcc5e" providerId="LiveId" clId="{FC976D47-49AC-41B6-B5F5-80E15325E9E0}" dt="2023-07-21T10:54:31.479" v="51" actId="1076"/>
+          <ac:spMkLst>
+            <pc:docMk/>
+            <pc:sldMk cId="595186413" sldId="265"/>
+            <ac:spMk id="6" creationId="{F0C393B2-9159-A96E-7521-4B0307273C91}"/>
+          </ac:spMkLst>
+        </pc:spChg>
+        <pc:spChg chg="mod">
+          <ac:chgData name="David CRAVO" userId="ba75d8fe6eadcc5e" providerId="LiveId" clId="{FC976D47-49AC-41B6-B5F5-80E15325E9E0}" dt="2023-07-21T11:31:15.181" v="225" actId="20577"/>
+          <ac:spMkLst>
+            <pc:docMk/>
+            <pc:sldMk cId="595186413" sldId="265"/>
+            <ac:spMk id="7" creationId="{8347AFAF-7411-F890-1B53-FC824CA2D88D}"/>
+          </ac:spMkLst>
+        </pc:spChg>
+        <pc:spChg chg="mod">
+          <ac:chgData name="David CRAVO" userId="ba75d8fe6eadcc5e" providerId="LiveId" clId="{FC976D47-49AC-41B6-B5F5-80E15325E9E0}" dt="2023-07-21T10:54:21.463" v="50" actId="1076"/>
+          <ac:spMkLst>
+            <pc:docMk/>
+            <pc:sldMk cId="595186413" sldId="265"/>
+            <ac:spMk id="8" creationId="{1D3347D1-66F0-D7DA-01AA-C917FA4F39B3}"/>
+          </ac:spMkLst>
+        </pc:spChg>
+        <pc:spChg chg="del mod">
+          <ac:chgData name="David CRAVO" userId="ba75d8fe6eadcc5e" providerId="LiveId" clId="{FC976D47-49AC-41B6-B5F5-80E15325E9E0}" dt="2023-07-21T11:00:12.436" v="111" actId="478"/>
+          <ac:spMkLst>
+            <pc:docMk/>
+            <pc:sldMk cId="595186413" sldId="265"/>
+            <ac:spMk id="9" creationId="{FF6E3E5C-CB8D-DA0F-E409-61F2CBD43716}"/>
+          </ac:spMkLst>
+        </pc:spChg>
+        <pc:spChg chg="del">
+          <ac:chgData name="David CRAVO" userId="ba75d8fe6eadcc5e" providerId="LiveId" clId="{FC976D47-49AC-41B6-B5F5-80E15325E9E0}" dt="2023-07-21T11:00:14.221" v="112" actId="478"/>
+          <ac:spMkLst>
+            <pc:docMk/>
+            <pc:sldMk cId="595186413" sldId="265"/>
+            <ac:spMk id="11" creationId="{AB832912-F9F5-730D-07DC-760C74FA607E}"/>
+          </ac:spMkLst>
+        </pc:spChg>
+        <pc:spChg chg="mod">
+          <ac:chgData name="David CRAVO" userId="ba75d8fe6eadcc5e" providerId="LiveId" clId="{FC976D47-49AC-41B6-B5F5-80E15325E9E0}" dt="2023-07-21T11:27:41.158" v="214" actId="20577"/>
+          <ac:spMkLst>
+            <pc:docMk/>
+            <pc:sldMk cId="595186413" sldId="265"/>
+            <ac:spMk id="15" creationId="{E92B16F0-D815-3862-205B-13E4065CF474}"/>
+          </ac:spMkLst>
+        </pc:spChg>
+        <pc:spChg chg="del">
+          <ac:chgData name="David CRAVO" userId="ba75d8fe6eadcc5e" providerId="LiveId" clId="{FC976D47-49AC-41B6-B5F5-80E15325E9E0}" dt="2023-07-21T10:50:50.924" v="21" actId="478"/>
+          <ac:spMkLst>
+            <pc:docMk/>
+            <pc:sldMk cId="595186413" sldId="265"/>
+            <ac:spMk id="16" creationId="{A3A3771C-BBA9-3E03-3215-5DE8813BB31C}"/>
+          </ac:spMkLst>
+        </pc:spChg>
+        <pc:spChg chg="del">
+          <ac:chgData name="David CRAVO" userId="ba75d8fe6eadcc5e" providerId="LiveId" clId="{FC976D47-49AC-41B6-B5F5-80E15325E9E0}" dt="2023-07-21T10:50:54.047" v="22" actId="478"/>
+          <ac:spMkLst>
+            <pc:docMk/>
+            <pc:sldMk cId="595186413" sldId="265"/>
+            <ac:spMk id="17" creationId="{8D4F79E8-C64E-32AD-86E2-511E354E167B}"/>
+          </ac:spMkLst>
+        </pc:spChg>
+        <pc:spChg chg="add del mod">
+          <ac:chgData name="David CRAVO" userId="ba75d8fe6eadcc5e" providerId="LiveId" clId="{FC976D47-49AC-41B6-B5F5-80E15325E9E0}" dt="2023-07-21T10:58:29.652" v="72" actId="478"/>
+          <ac:spMkLst>
+            <pc:docMk/>
+            <pc:sldMk cId="595186413" sldId="265"/>
+            <ac:spMk id="29" creationId="{96424D47-FA44-A31F-DDFD-115B4E7E1C43}"/>
+          </ac:spMkLst>
+        </pc:spChg>
+        <pc:spChg chg="add del mod">
+          <ac:chgData name="David CRAVO" userId="ba75d8fe6eadcc5e" providerId="LiveId" clId="{FC976D47-49AC-41B6-B5F5-80E15325E9E0}" dt="2023-07-21T10:51:12.227" v="26" actId="478"/>
+          <ac:spMkLst>
+            <pc:docMk/>
+            <pc:sldMk cId="595186413" sldId="265"/>
+            <ac:spMk id="30" creationId="{FAEE713A-5937-D14E-BF1A-F51BF3C58DDA}"/>
+          </ac:spMkLst>
+        </pc:spChg>
+        <pc:spChg chg="add del mod">
+          <ac:chgData name="David CRAVO" userId="ba75d8fe6eadcc5e" providerId="LiveId" clId="{FC976D47-49AC-41B6-B5F5-80E15325E9E0}" dt="2023-07-21T10:51:10.077" v="25" actId="478"/>
+          <ac:spMkLst>
+            <pc:docMk/>
+            <pc:sldMk cId="595186413" sldId="265"/>
+            <ac:spMk id="31" creationId="{78344500-32D6-D704-AC9C-7F5DD40836F6}"/>
+          </ac:spMkLst>
+        </pc:spChg>
+        <pc:spChg chg="add del mod">
+          <ac:chgData name="David CRAVO" userId="ba75d8fe6eadcc5e" providerId="LiveId" clId="{FC976D47-49AC-41B6-B5F5-80E15325E9E0}" dt="2023-07-21T10:51:45.734" v="32"/>
+          <ac:spMkLst>
+            <pc:docMk/>
+            <pc:sldMk cId="595186413" sldId="265"/>
+            <ac:spMk id="32" creationId="{C86FCA21-7E2C-1A69-FE07-4FF54D49A51A}"/>
+          </ac:spMkLst>
+        </pc:spChg>
+        <pc:spChg chg="add del mod">
+          <ac:chgData name="David CRAVO" userId="ba75d8fe6eadcc5e" providerId="LiveId" clId="{FC976D47-49AC-41B6-B5F5-80E15325E9E0}" dt="2023-07-21T10:51:45.311" v="31"/>
+          <ac:spMkLst>
+            <pc:docMk/>
+            <pc:sldMk cId="595186413" sldId="265"/>
+            <ac:spMk id="33" creationId="{698101B3-1613-A4BC-DED8-CB06B693177D}"/>
+          </ac:spMkLst>
+        </pc:spChg>
+        <pc:spChg chg="add del mod">
+          <ac:chgData name="David CRAVO" userId="ba75d8fe6eadcc5e" providerId="LiveId" clId="{FC976D47-49AC-41B6-B5F5-80E15325E9E0}" dt="2023-07-21T10:58:32.966" v="73" actId="478"/>
+          <ac:spMkLst>
+            <pc:docMk/>
+            <pc:sldMk cId="595186413" sldId="265"/>
+            <ac:spMk id="34" creationId="{A93F8032-8F44-BD92-BE96-EDF0E99D790A}"/>
+          </ac:spMkLst>
+        </pc:spChg>
+        <pc:spChg chg="add del mod">
+          <ac:chgData name="David CRAVO" userId="ba75d8fe6eadcc5e" providerId="LiveId" clId="{FC976D47-49AC-41B6-B5F5-80E15325E9E0}" dt="2023-07-21T10:58:37.149" v="75" actId="478"/>
+          <ac:spMkLst>
+            <pc:docMk/>
+            <pc:sldMk cId="595186413" sldId="265"/>
+            <ac:spMk id="35" creationId="{7BB3F0DD-0441-E8C1-5DE9-6E28771451BC}"/>
+          </ac:spMkLst>
+        </pc:spChg>
+        <pc:spChg chg="add del mod">
+          <ac:chgData name="David CRAVO" userId="ba75d8fe6eadcc5e" providerId="LiveId" clId="{FC976D47-49AC-41B6-B5F5-80E15325E9E0}" dt="2023-07-21T10:52:15.823" v="39"/>
+          <ac:spMkLst>
+            <pc:docMk/>
+            <pc:sldMk cId="595186413" sldId="265"/>
+            <ac:spMk id="36" creationId="{47D67C25-02C0-C67E-4DB0-091AE4DF7FE4}"/>
+          </ac:spMkLst>
+        </pc:spChg>
+        <pc:spChg chg="add del mod">
+          <ac:chgData name="David CRAVO" userId="ba75d8fe6eadcc5e" providerId="LiveId" clId="{FC976D47-49AC-41B6-B5F5-80E15325E9E0}" dt="2023-07-21T10:58:35.040" v="74" actId="478"/>
+          <ac:spMkLst>
+            <pc:docMk/>
+            <pc:sldMk cId="595186413" sldId="265"/>
+            <ac:spMk id="37" creationId="{BA1E2DB7-8DFE-FA20-8BAF-0EA1B0FD6E96}"/>
+          </ac:spMkLst>
+        </pc:spChg>
+        <pc:spChg chg="add mod">
+          <ac:chgData name="David CRAVO" userId="ba75d8fe6eadcc5e" providerId="LiveId" clId="{FC976D47-49AC-41B6-B5F5-80E15325E9E0}" dt="2023-07-21T11:27:54.775" v="224" actId="20577"/>
+          <ac:spMkLst>
+            <pc:docMk/>
+            <pc:sldMk cId="595186413" sldId="265"/>
+            <ac:spMk id="38" creationId="{49B0E224-D0CE-1FCA-35FE-DAE51E6F3FF2}"/>
+          </ac:spMkLst>
+        </pc:spChg>
+        <pc:spChg chg="add mod">
+          <ac:chgData name="David CRAVO" userId="ba75d8fe6eadcc5e" providerId="LiveId" clId="{FC976D47-49AC-41B6-B5F5-80E15325E9E0}" dt="2023-07-21T11:31:16.964" v="226" actId="20577"/>
+          <ac:spMkLst>
+            <pc:docMk/>
+            <pc:sldMk cId="595186413" sldId="265"/>
+            <ac:spMk id="51" creationId="{FA0F80AD-AEC6-989D-5210-43CD1846C7B8}"/>
+          </ac:spMkLst>
+        </pc:spChg>
+        <pc:spChg chg="add mod">
+          <ac:chgData name="David CRAVO" userId="ba75d8fe6eadcc5e" providerId="LiveId" clId="{FC976D47-49AC-41B6-B5F5-80E15325E9E0}" dt="2023-07-21T11:31:18.689" v="227" actId="20577"/>
+          <ac:spMkLst>
+            <pc:docMk/>
+            <pc:sldMk cId="595186413" sldId="265"/>
+            <ac:spMk id="52" creationId="{64022467-AA66-FDFD-7421-29A492882F91}"/>
+          </ac:spMkLst>
+        </pc:spChg>
+        <pc:spChg chg="add del mod">
+          <ac:chgData name="David CRAVO" userId="ba75d8fe6eadcc5e" providerId="LiveId" clId="{FC976D47-49AC-41B6-B5F5-80E15325E9E0}" dt="2023-07-21T11:01:48.641" v="135"/>
+          <ac:spMkLst>
+            <pc:docMk/>
+            <pc:sldMk cId="595186413" sldId="265"/>
+            <ac:spMk id="53" creationId="{CF8C13A9-4631-BE0B-8850-5E9E1A8BCE51}"/>
+          </ac:spMkLst>
+        </pc:spChg>
+        <pc:spChg chg="add mod">
+          <ac:chgData name="David CRAVO" userId="ba75d8fe6eadcc5e" providerId="LiveId" clId="{FC976D47-49AC-41B6-B5F5-80E15325E9E0}" dt="2023-07-21T11:07:22.891" v="200" actId="14100"/>
+          <ac:spMkLst>
+            <pc:docMk/>
+            <pc:sldMk cId="595186413" sldId="265"/>
+            <ac:spMk id="65" creationId="{86FA991B-91E2-6306-F286-24D10EA58975}"/>
+          </ac:spMkLst>
+        </pc:spChg>
+        <pc:cxnChg chg="mod">
+          <ac:chgData name="David CRAVO" userId="ba75d8fe6eadcc5e" providerId="LiveId" clId="{FC976D47-49AC-41B6-B5F5-80E15325E9E0}" dt="2023-07-21T11:02:05.837" v="139" actId="14100"/>
+          <ac:cxnSpMkLst>
+            <pc:docMk/>
+            <pc:sldMk cId="595186413" sldId="265"/>
+            <ac:cxnSpMk id="12" creationId="{6D29E859-D85F-9170-6E0A-165A5B4638CE}"/>
+          </ac:cxnSpMkLst>
+        </pc:cxnChg>
+        <pc:cxnChg chg="mod">
+          <ac:chgData name="David CRAVO" userId="ba75d8fe6eadcc5e" providerId="LiveId" clId="{FC976D47-49AC-41B6-B5F5-80E15325E9E0}" dt="2023-07-21T11:04:24.526" v="145" actId="14100"/>
+          <ac:cxnSpMkLst>
+            <pc:docMk/>
+            <pc:sldMk cId="595186413" sldId="265"/>
+            <ac:cxnSpMk id="13" creationId="{3C258238-4645-40D4-C070-6C30F758F83A}"/>
+          </ac:cxnSpMkLst>
+        </pc:cxnChg>
+        <pc:cxnChg chg="mod">
+          <ac:chgData name="David CRAVO" userId="ba75d8fe6eadcc5e" providerId="LiveId" clId="{FC976D47-49AC-41B6-B5F5-80E15325E9E0}" dt="2023-07-21T11:04:45.201" v="148" actId="14100"/>
+          <ac:cxnSpMkLst>
+            <pc:docMk/>
+            <pc:sldMk cId="595186413" sldId="265"/>
+            <ac:cxnSpMk id="14" creationId="{7272ECE0-9F16-4F3B-B328-05113EB720F8}"/>
+          </ac:cxnSpMkLst>
+        </pc:cxnChg>
+        <pc:cxnChg chg="add mod">
+          <ac:chgData name="David CRAVO" userId="ba75d8fe6eadcc5e" providerId="LiveId" clId="{FC976D47-49AC-41B6-B5F5-80E15325E9E0}" dt="2023-07-21T11:01:57.465" v="137" actId="14100"/>
+          <ac:cxnSpMkLst>
+            <pc:docMk/>
+            <pc:sldMk cId="595186413" sldId="265"/>
+            <ac:cxnSpMk id="18" creationId="{4F5F9F65-BA0B-7062-1DDE-DB255029BB81}"/>
+          </ac:cxnSpMkLst>
+        </pc:cxnChg>
+        <pc:cxnChg chg="add mod">
+          <ac:chgData name="David CRAVO" userId="ba75d8fe6eadcc5e" providerId="LiveId" clId="{FC976D47-49AC-41B6-B5F5-80E15325E9E0}" dt="2023-07-21T11:04:28.205" v="146" actId="14100"/>
+          <ac:cxnSpMkLst>
+            <pc:docMk/>
+            <pc:sldMk cId="595186413" sldId="265"/>
+            <ac:cxnSpMk id="21" creationId="{F59BD6D6-130F-B809-8432-CC3C8C7EEF2B}"/>
+          </ac:cxnSpMkLst>
+        </pc:cxnChg>
+        <pc:cxnChg chg="add mod">
+          <ac:chgData name="David CRAVO" userId="ba75d8fe6eadcc5e" providerId="LiveId" clId="{FC976D47-49AC-41B6-B5F5-80E15325E9E0}" dt="2023-07-21T11:04:42.313" v="147" actId="14100"/>
+          <ac:cxnSpMkLst>
+            <pc:docMk/>
+            <pc:sldMk cId="595186413" sldId="265"/>
+            <ac:cxnSpMk id="24" creationId="{057A2BE0-9DEE-FA0E-2890-26ADB8B7C41C}"/>
+          </ac:cxnSpMkLst>
+        </pc:cxnChg>
+        <pc:cxnChg chg="add mod">
+          <ac:chgData name="David CRAVO" userId="ba75d8fe6eadcc5e" providerId="LiveId" clId="{FC976D47-49AC-41B6-B5F5-80E15325E9E0}" dt="2023-07-21T10:57:42.962" v="67" actId="1076"/>
+          <ac:cxnSpMkLst>
+            <pc:docMk/>
+            <pc:sldMk cId="595186413" sldId="265"/>
+            <ac:cxnSpMk id="48" creationId="{44E12332-F260-222B-6519-3BB6C78BC2AA}"/>
+          </ac:cxnSpMkLst>
+        </pc:cxnChg>
+        <pc:cxnChg chg="add mod">
+          <ac:chgData name="David CRAVO" userId="ba75d8fe6eadcc5e" providerId="LiveId" clId="{FC976D47-49AC-41B6-B5F5-80E15325E9E0}" dt="2023-07-21T11:07:56.290" v="201" actId="14100"/>
+          <ac:cxnSpMkLst>
+            <pc:docMk/>
+            <pc:sldMk cId="595186413" sldId="265"/>
+            <ac:cxnSpMk id="50" creationId="{6BC5D496-8BFF-F866-8E00-24631BC9C2B5}"/>
+          </ac:cxnSpMkLst>
+        </pc:cxnChg>
+      </pc:sldChg>
+      <pc:sldChg chg="modSp new del mod">
+        <pc:chgData name="David CRAVO" userId="ba75d8fe6eadcc5e" providerId="LiveId" clId="{FC976D47-49AC-41B6-B5F5-80E15325E9E0}" dt="2023-07-22T09:33:55.234" v="437" actId="2696"/>
+        <pc:sldMkLst>
+          <pc:docMk/>
+          <pc:sldMk cId="458336747" sldId="266"/>
+        </pc:sldMkLst>
+        <pc:spChg chg="mod">
+          <ac:chgData name="David CRAVO" userId="ba75d8fe6eadcc5e" providerId="LiveId" clId="{FC976D47-49AC-41B6-B5F5-80E15325E9E0}" dt="2023-07-22T09:33:17.854" v="434" actId="20577"/>
+          <ac:spMkLst>
+            <pc:docMk/>
+            <pc:sldMk cId="458336747" sldId="266"/>
+            <ac:spMk id="2" creationId="{2BB230F0-3350-4484-1B21-A6158CA55208}"/>
+          </ac:spMkLst>
+        </pc:spChg>
+        <pc:spChg chg="mod">
+          <ac:chgData name="David CRAVO" userId="ba75d8fe6eadcc5e" providerId="LiveId" clId="{FC976D47-49AC-41B6-B5F5-80E15325E9E0}" dt="2023-07-21T11:44:29.802" v="246" actId="14100"/>
+          <ac:spMkLst>
+            <pc:docMk/>
+            <pc:sldMk cId="458336747" sldId="266"/>
+            <ac:spMk id="3" creationId="{8F99ACB7-71BC-F4D3-64F7-B48223F62D91}"/>
+          </ac:spMkLst>
+        </pc:spChg>
+      </pc:sldChg>
+      <pc:sldChg chg="addSp modSp new mod">
+        <pc:chgData name="David CRAVO" userId="ba75d8fe6eadcc5e" providerId="LiveId" clId="{FC976D47-49AC-41B6-B5F5-80E15325E9E0}" dt="2023-07-21T12:09:01.503" v="428" actId="20577"/>
+        <pc:sldMkLst>
+          <pc:docMk/>
+          <pc:sldMk cId="4024730441" sldId="267"/>
+        </pc:sldMkLst>
+        <pc:spChg chg="mod">
+          <ac:chgData name="David CRAVO" userId="ba75d8fe6eadcc5e" providerId="LiveId" clId="{FC976D47-49AC-41B6-B5F5-80E15325E9E0}" dt="2023-07-21T12:04:08.698" v="330" actId="313"/>
+          <ac:spMkLst>
+            <pc:docMk/>
+            <pc:sldMk cId="4024730441" sldId="267"/>
+            <ac:spMk id="2" creationId="{9B643500-2613-0402-DBE1-AACCF78A56B5}"/>
+          </ac:spMkLst>
+        </pc:spChg>
+        <pc:spChg chg="mod">
+          <ac:chgData name="David CRAVO" userId="ba75d8fe6eadcc5e" providerId="LiveId" clId="{FC976D47-49AC-41B6-B5F5-80E15325E9E0}" dt="2023-07-21T12:09:01.503" v="428" actId="20577"/>
+          <ac:spMkLst>
+            <pc:docMk/>
+            <pc:sldMk cId="4024730441" sldId="267"/>
+            <ac:spMk id="3" creationId="{962B65F7-8DF9-1164-7F86-F4AB46680CDD}"/>
+          </ac:spMkLst>
+        </pc:spChg>
+        <pc:picChg chg="add mod">
+          <ac:chgData name="David CRAVO" userId="ba75d8fe6eadcc5e" providerId="LiveId" clId="{FC976D47-49AC-41B6-B5F5-80E15325E9E0}" dt="2023-07-21T12:03:59.810" v="329" actId="14100"/>
+          <ac:picMkLst>
+            <pc:docMk/>
+            <pc:sldMk cId="4024730441" sldId="267"/>
+            <ac:picMk id="5" creationId="{55331BB3-947F-C9C8-B1F1-B897F59AB759}"/>
+          </ac:picMkLst>
+        </pc:picChg>
+      </pc:sldChg>
+      <pc:sldChg chg="addSp modSp new mod">
+        <pc:chgData name="David CRAVO" userId="ba75d8fe6eadcc5e" providerId="LiveId" clId="{FC976D47-49AC-41B6-B5F5-80E15325E9E0}" dt="2023-07-22T09:49:54.808" v="448" actId="313"/>
+        <pc:sldMkLst>
+          <pc:docMk/>
+          <pc:sldMk cId="1552787899" sldId="268"/>
+        </pc:sldMkLst>
+        <pc:spChg chg="mod">
+          <ac:chgData name="David CRAVO" userId="ba75d8fe6eadcc5e" providerId="LiveId" clId="{FC976D47-49AC-41B6-B5F5-80E15325E9E0}" dt="2023-07-22T09:49:54.808" v="448" actId="313"/>
+          <ac:spMkLst>
+            <pc:docMk/>
+            <pc:sldMk cId="1552787899" sldId="268"/>
+            <ac:spMk id="2" creationId="{B456D0E1-0783-DE8B-219F-66D5F0AF3143}"/>
+          </ac:spMkLst>
+        </pc:spChg>
+        <pc:spChg chg="mod">
+          <ac:chgData name="David CRAVO" userId="ba75d8fe6eadcc5e" providerId="LiveId" clId="{FC976D47-49AC-41B6-B5F5-80E15325E9E0}" dt="2023-07-21T12:08:55.968" v="427" actId="20577"/>
+          <ac:spMkLst>
+            <pc:docMk/>
+            <pc:sldMk cId="1552787899" sldId="268"/>
+            <ac:spMk id="3" creationId="{C811768F-2ED3-AFA2-787B-328D8EC880E3}"/>
+          </ac:spMkLst>
+        </pc:spChg>
+        <pc:picChg chg="add mod">
+          <ac:chgData name="David CRAVO" userId="ba75d8fe6eadcc5e" providerId="LiveId" clId="{FC976D47-49AC-41B6-B5F5-80E15325E9E0}" dt="2023-07-21T12:06:59.141" v="402" actId="1076"/>
+          <ac:picMkLst>
+            <pc:docMk/>
+            <pc:sldMk cId="1552787899" sldId="268"/>
+            <ac:picMk id="5" creationId="{3CF6E0FC-0500-5DE8-A169-054D61C885EC}"/>
+          </ac:picMkLst>
+        </pc:picChg>
+      </pc:sldChg>
+      <pc:sldChg chg="addSp modSp new mod">
+        <pc:chgData name="David CRAVO" userId="ba75d8fe6eadcc5e" providerId="LiveId" clId="{FC976D47-49AC-41B6-B5F5-80E15325E9E0}" dt="2023-07-22T09:49:47.088" v="447" actId="313"/>
+        <pc:sldMkLst>
+          <pc:docMk/>
+          <pc:sldMk cId="1335074751" sldId="269"/>
+        </pc:sldMkLst>
+        <pc:spChg chg="mod">
+          <ac:chgData name="David CRAVO" userId="ba75d8fe6eadcc5e" providerId="LiveId" clId="{FC976D47-49AC-41B6-B5F5-80E15325E9E0}" dt="2023-07-22T09:49:47.088" v="447" actId="313"/>
+          <ac:spMkLst>
+            <pc:docMk/>
+            <pc:sldMk cId="1335074751" sldId="269"/>
+            <ac:spMk id="2" creationId="{21958E83-FE1F-F8A9-7F24-F01B07E06C62}"/>
+          </ac:spMkLst>
+        </pc:spChg>
+        <pc:spChg chg="mod">
+          <ac:chgData name="David CRAVO" userId="ba75d8fe6eadcc5e" providerId="LiveId" clId="{FC976D47-49AC-41B6-B5F5-80E15325E9E0}" dt="2023-07-22T09:47:38.126" v="443" actId="14100"/>
+          <ac:spMkLst>
+            <pc:docMk/>
+            <pc:sldMk cId="1335074751" sldId="269"/>
+            <ac:spMk id="3" creationId="{8D29E7F3-39B3-1CB7-6FE6-4DEFAA5C005D}"/>
+          </ac:spMkLst>
+        </pc:spChg>
+        <pc:picChg chg="add mod">
+          <ac:chgData name="David CRAVO" userId="ba75d8fe6eadcc5e" providerId="LiveId" clId="{FC976D47-49AC-41B6-B5F5-80E15325E9E0}" dt="2023-07-22T09:49:19.463" v="446" actId="14100"/>
+          <ac:picMkLst>
+            <pc:docMk/>
+            <pc:sldMk cId="1335074751" sldId="269"/>
+            <ac:picMk id="5" creationId="{DDEA6788-40E3-069A-DBD2-C9F7D372E780}"/>
+          </ac:picMkLst>
+        </pc:picChg>
+      </pc:sldChg>
+      <pc:sldChg chg="modSp new mod">
+        <pc:chgData name="David CRAVO" userId="ba75d8fe6eadcc5e" providerId="LiveId" clId="{FC976D47-49AC-41B6-B5F5-80E15325E9E0}" dt="2023-07-22T10:06:19.638" v="564" actId="20577"/>
+        <pc:sldMkLst>
+          <pc:docMk/>
+          <pc:sldMk cId="1753282832" sldId="270"/>
+        </pc:sldMkLst>
+        <pc:spChg chg="mod">
+          <ac:chgData name="David CRAVO" userId="ba75d8fe6eadcc5e" providerId="LiveId" clId="{FC976D47-49AC-41B6-B5F5-80E15325E9E0}" dt="2023-07-22T10:04:43.704" v="477" actId="20577"/>
+          <ac:spMkLst>
+            <pc:docMk/>
+            <pc:sldMk cId="1753282832" sldId="270"/>
+            <ac:spMk id="2" creationId="{C9F6D7CB-3BAC-6EE1-4E8F-B63DB7CE35C5}"/>
+          </ac:spMkLst>
+        </pc:spChg>
+        <pc:spChg chg="mod">
+          <ac:chgData name="David CRAVO" userId="ba75d8fe6eadcc5e" providerId="LiveId" clId="{FC976D47-49AC-41B6-B5F5-80E15325E9E0}" dt="2023-07-22T10:06:19.638" v="564" actId="20577"/>
+          <ac:spMkLst>
+            <pc:docMk/>
+            <pc:sldMk cId="1753282832" sldId="270"/>
+            <ac:spMk id="3" creationId="{F55A8337-ACA2-8572-0F05-B8713D514FC3}"/>
+          </ac:spMkLst>
+        </pc:spChg>
+      </pc:sldChg>
+      <pc:sldChg chg="modSp new mod">
+        <pc:chgData name="David CRAVO" userId="ba75d8fe6eadcc5e" providerId="LiveId" clId="{FC976D47-49AC-41B6-B5F5-80E15325E9E0}" dt="2023-07-22T10:07:18.379" v="616"/>
+        <pc:sldMkLst>
+          <pc:docMk/>
+          <pc:sldMk cId="3732024924" sldId="271"/>
+        </pc:sldMkLst>
+        <pc:spChg chg="mod">
+          <ac:chgData name="David CRAVO" userId="ba75d8fe6eadcc5e" providerId="LiveId" clId="{FC976D47-49AC-41B6-B5F5-80E15325E9E0}" dt="2023-07-22T10:06:44.951" v="595" actId="20577"/>
+          <ac:spMkLst>
+            <pc:docMk/>
+            <pc:sldMk cId="3732024924" sldId="271"/>
+            <ac:spMk id="2" creationId="{52A8397D-D85C-0650-B503-45576EA12E04}"/>
+          </ac:spMkLst>
+        </pc:spChg>
+        <pc:spChg chg="mod">
+          <ac:chgData name="David CRAVO" userId="ba75d8fe6eadcc5e" providerId="LiveId" clId="{FC976D47-49AC-41B6-B5F5-80E15325E9E0}" dt="2023-07-22T10:07:18.379" v="616"/>
+          <ac:spMkLst>
+            <pc:docMk/>
+            <pc:sldMk cId="3732024924" sldId="271"/>
+            <ac:spMk id="3" creationId="{2C04B56A-0826-0F80-0CF5-F3BDD13A30CE}"/>
+          </ac:spMkLst>
+        </pc:spChg>
+      </pc:sldChg>
+      <pc:sldChg chg="modSp new mod">
+        <pc:chgData name="David CRAVO" userId="ba75d8fe6eadcc5e" providerId="LiveId" clId="{FC976D47-49AC-41B6-B5F5-80E15325E9E0}" dt="2023-07-22T11:54:05.654" v="668" actId="20577"/>
+        <pc:sldMkLst>
+          <pc:docMk/>
+          <pc:sldMk cId="413943743" sldId="272"/>
+        </pc:sldMkLst>
+        <pc:spChg chg="mod">
+          <ac:chgData name="David CRAVO" userId="ba75d8fe6eadcc5e" providerId="LiveId" clId="{FC976D47-49AC-41B6-B5F5-80E15325E9E0}" dt="2023-07-22T10:11:23.388" v="641" actId="20577"/>
+          <ac:spMkLst>
+            <pc:docMk/>
+            <pc:sldMk cId="413943743" sldId="272"/>
+            <ac:spMk id="2" creationId="{2D26FE8B-6444-0394-663B-BDA96175BC6E}"/>
+          </ac:spMkLst>
+        </pc:spChg>
+        <pc:spChg chg="mod">
+          <ac:chgData name="David CRAVO" userId="ba75d8fe6eadcc5e" providerId="LiveId" clId="{FC976D47-49AC-41B6-B5F5-80E15325E9E0}" dt="2023-07-22T11:54:05.654" v="668" actId="20577"/>
+          <ac:spMkLst>
+            <pc:docMk/>
+            <pc:sldMk cId="413943743" sldId="272"/>
+            <ac:spMk id="3" creationId="{4D339D01-8B74-F443-F7B9-557E974CAD6D}"/>
+          </ac:spMkLst>
+        </pc:spChg>
+      </pc:sldChg>
+      <pc:sldChg chg="addSp modSp new mod">
+        <pc:chgData name="David CRAVO" userId="ba75d8fe6eadcc5e" providerId="LiveId" clId="{FC976D47-49AC-41B6-B5F5-80E15325E9E0}" dt="2023-07-22T12:21:58.599" v="695" actId="1076"/>
+        <pc:sldMkLst>
+          <pc:docMk/>
+          <pc:sldMk cId="3292843418" sldId="273"/>
+        </pc:sldMkLst>
+        <pc:spChg chg="mod">
+          <ac:chgData name="David CRAVO" userId="ba75d8fe6eadcc5e" providerId="LiveId" clId="{FC976D47-49AC-41B6-B5F5-80E15325E9E0}" dt="2023-07-22T12:21:00.146" v="670"/>
+          <ac:spMkLst>
+            <pc:docMk/>
+            <pc:sldMk cId="3292843418" sldId="273"/>
+            <ac:spMk id="2" creationId="{014ED3D8-0CB9-7CD2-EEEE-6F3289E7FDE2}"/>
+          </ac:spMkLst>
+        </pc:spChg>
+        <pc:spChg chg="mod">
+          <ac:chgData name="David CRAVO" userId="ba75d8fe6eadcc5e" providerId="LiveId" clId="{FC976D47-49AC-41B6-B5F5-80E15325E9E0}" dt="2023-07-22T12:21:56.162" v="694" actId="1076"/>
+          <ac:spMkLst>
+            <pc:docMk/>
+            <pc:sldMk cId="3292843418" sldId="273"/>
+            <ac:spMk id="3" creationId="{777BB645-1E15-8916-1A69-8C56BFAE2017}"/>
+          </ac:spMkLst>
+        </pc:spChg>
+        <pc:picChg chg="add mod">
+          <ac:chgData name="David CRAVO" userId="ba75d8fe6eadcc5e" providerId="LiveId" clId="{FC976D47-49AC-41B6-B5F5-80E15325E9E0}" dt="2023-07-22T12:21:58.599" v="695" actId="1076"/>
+          <ac:picMkLst>
+            <pc:docMk/>
+            <pc:sldMk cId="3292843418" sldId="273"/>
+            <ac:picMk id="5" creationId="{EF6620BC-D60D-C08D-5187-DECBD9E3EB95}"/>
+          </ac:picMkLst>
+        </pc:picChg>
+      </pc:sldChg>
+      <pc:sldChg chg="modSp new mod">
+        <pc:chgData name="David CRAVO" userId="ba75d8fe6eadcc5e" providerId="LiveId" clId="{FC976D47-49AC-41B6-B5F5-80E15325E9E0}" dt="2023-07-22T14:26:44.209" v="724" actId="20577"/>
+        <pc:sldMkLst>
+          <pc:docMk/>
+          <pc:sldMk cId="1159497511" sldId="274"/>
+        </pc:sldMkLst>
+        <pc:spChg chg="mod">
+          <ac:chgData name="David CRAVO" userId="ba75d8fe6eadcc5e" providerId="LiveId" clId="{FC976D47-49AC-41B6-B5F5-80E15325E9E0}" dt="2023-07-22T14:26:15.485" v="705"/>
+          <ac:spMkLst>
+            <pc:docMk/>
+            <pc:sldMk cId="1159497511" sldId="274"/>
+            <ac:spMk id="2" creationId="{197E074B-C42B-7D8B-6101-E4049D6B410A}"/>
+          </ac:spMkLst>
+        </pc:spChg>
+        <pc:spChg chg="mod">
+          <ac:chgData name="David CRAVO" userId="ba75d8fe6eadcc5e" providerId="LiveId" clId="{FC976D47-49AC-41B6-B5F5-80E15325E9E0}" dt="2023-07-22T14:26:44.209" v="724" actId="20577"/>
+          <ac:spMkLst>
+            <pc:docMk/>
+            <pc:sldMk cId="1159497511" sldId="274"/>
+            <ac:spMk id="3" creationId="{3AF8BBD9-3634-7E99-DF1C-75A3DBC59C3F}"/>
+          </ac:spMkLst>
+        </pc:spChg>
+      </pc:sldChg>
+      <pc:sldChg chg="addSp modSp new mod">
+        <pc:chgData name="David CRAVO" userId="ba75d8fe6eadcc5e" providerId="LiveId" clId="{FC976D47-49AC-41B6-B5F5-80E15325E9E0}" dt="2023-07-22T14:59:11.681" v="870" actId="20577"/>
+        <pc:sldMkLst>
+          <pc:docMk/>
+          <pc:sldMk cId="355940287" sldId="275"/>
+        </pc:sldMkLst>
+        <pc:spChg chg="mod">
+          <ac:chgData name="David CRAVO" userId="ba75d8fe6eadcc5e" providerId="LiveId" clId="{FC976D47-49AC-41B6-B5F5-80E15325E9E0}" dt="2023-07-22T14:26:52.003" v="726"/>
+          <ac:spMkLst>
+            <pc:docMk/>
+            <pc:sldMk cId="355940287" sldId="275"/>
+            <ac:spMk id="2" creationId="{4F2BF798-7B6C-594A-0E65-95B1534F7A3A}"/>
+          </ac:spMkLst>
+        </pc:spChg>
+        <pc:spChg chg="mod">
+          <ac:chgData name="David CRAVO" userId="ba75d8fe6eadcc5e" providerId="LiveId" clId="{FC976D47-49AC-41B6-B5F5-80E15325E9E0}" dt="2023-07-22T14:59:11.681" v="870" actId="20577"/>
+          <ac:spMkLst>
+            <pc:docMk/>
+            <pc:sldMk cId="355940287" sldId="275"/>
+            <ac:spMk id="3" creationId="{B684746D-BE18-BDF4-304B-A5942A015E27}"/>
+          </ac:spMkLst>
+        </pc:spChg>
+        <pc:picChg chg="add mod">
+          <ac:chgData name="David CRAVO" userId="ba75d8fe6eadcc5e" providerId="LiveId" clId="{FC976D47-49AC-41B6-B5F5-80E15325E9E0}" dt="2023-07-22T14:28:45.229" v="799" actId="14100"/>
+          <ac:picMkLst>
+            <pc:docMk/>
+            <pc:sldMk cId="355940287" sldId="275"/>
+            <ac:picMk id="5" creationId="{C06A53A5-638B-9381-761C-DEFFE4A4EBD0}"/>
+          </ac:picMkLst>
+        </pc:picChg>
+      </pc:sldChg>
+      <pc:sldChg chg="addSp modSp new mod">
+        <pc:chgData name="David CRAVO" userId="ba75d8fe6eadcc5e" providerId="LiveId" clId="{FC976D47-49AC-41B6-B5F5-80E15325E9E0}" dt="2023-07-22T15:00:11.238" v="876" actId="962"/>
+        <pc:sldMkLst>
+          <pc:docMk/>
+          <pc:sldMk cId="1614750927" sldId="276"/>
+        </pc:sldMkLst>
+        <pc:spChg chg="mod">
+          <ac:chgData name="David CRAVO" userId="ba75d8fe6eadcc5e" providerId="LiveId" clId="{FC976D47-49AC-41B6-B5F5-80E15325E9E0}" dt="2023-07-22T14:58:06.995" v="801"/>
+          <ac:spMkLst>
+            <pc:docMk/>
+            <pc:sldMk cId="1614750927" sldId="276"/>
+            <ac:spMk id="2" creationId="{CA4C5CEF-9696-CB81-270C-430F3573708F}"/>
+          </ac:spMkLst>
+        </pc:spChg>
+        <pc:spChg chg="mod">
+          <ac:chgData name="David CRAVO" userId="ba75d8fe6eadcc5e" providerId="LiveId" clId="{FC976D47-49AC-41B6-B5F5-80E15325E9E0}" dt="2023-07-22T14:59:53.848" v="871" actId="14100"/>
+          <ac:spMkLst>
+            <pc:docMk/>
+            <pc:sldMk cId="1614750927" sldId="276"/>
+            <ac:spMk id="3" creationId="{9437E2A0-0E6D-524B-87DD-9CD3792DA6E6}"/>
+          </ac:spMkLst>
+        </pc:spChg>
+        <pc:picChg chg="add mod">
+          <ac:chgData name="David CRAVO" userId="ba75d8fe6eadcc5e" providerId="LiveId" clId="{FC976D47-49AC-41B6-B5F5-80E15325E9E0}" dt="2023-07-22T15:00:11.238" v="876" actId="962"/>
+          <ac:picMkLst>
+            <pc:docMk/>
+            <pc:sldMk cId="1614750927" sldId="276"/>
+            <ac:picMk id="5" creationId="{0F0703B5-D216-6F48-68C7-912DE8A233F7}"/>
+          </ac:picMkLst>
+        </pc:picChg>
+      </pc:sldChg>
+      <pc:sldChg chg="addSp modSp new mod">
+        <pc:chgData name="David CRAVO" userId="ba75d8fe6eadcc5e" providerId="LiveId" clId="{FC976D47-49AC-41B6-B5F5-80E15325E9E0}" dt="2023-07-22T15:30:52.221" v="1516" actId="5793"/>
+        <pc:sldMkLst>
+          <pc:docMk/>
+          <pc:sldMk cId="2246804402" sldId="277"/>
+        </pc:sldMkLst>
+        <pc:spChg chg="mod">
+          <ac:chgData name="David CRAVO" userId="ba75d8fe6eadcc5e" providerId="LiveId" clId="{FC976D47-49AC-41B6-B5F5-80E15325E9E0}" dt="2023-07-22T15:00:26.002" v="878"/>
+          <ac:spMkLst>
+            <pc:docMk/>
+            <pc:sldMk cId="2246804402" sldId="277"/>
+            <ac:spMk id="2" creationId="{EAFD7B81-E42E-FDAE-03DA-A2AF4B34D9A8}"/>
+          </ac:spMkLst>
+        </pc:spChg>
+        <pc:spChg chg="mod">
+          <ac:chgData name="David CRAVO" userId="ba75d8fe6eadcc5e" providerId="LiveId" clId="{FC976D47-49AC-41B6-B5F5-80E15325E9E0}" dt="2023-07-22T15:30:52.221" v="1516" actId="5793"/>
+          <ac:spMkLst>
+            <pc:docMk/>
+            <pc:sldMk cId="2246804402" sldId="277"/>
+            <ac:spMk id="3" creationId="{9717B411-9B4D-3D36-8CE0-72C85C0C0987}"/>
+          </ac:spMkLst>
+        </pc:spChg>
+        <pc:picChg chg="add mod">
+          <ac:chgData name="David CRAVO" userId="ba75d8fe6eadcc5e" providerId="LiveId" clId="{FC976D47-49AC-41B6-B5F5-80E15325E9E0}" dt="2023-07-22T15:02:01.502" v="940" actId="14100"/>
+          <ac:picMkLst>
+            <pc:docMk/>
+            <pc:sldMk cId="2246804402" sldId="277"/>
+            <ac:picMk id="5" creationId="{D27B4814-2C54-45A2-66A7-99BFA197EA6D}"/>
+          </ac:picMkLst>
+        </pc:picChg>
+      </pc:sldChg>
+      <pc:sldChg chg="addSp modSp new mod">
+        <pc:chgData name="David CRAVO" userId="ba75d8fe6eadcc5e" providerId="LiveId" clId="{FC976D47-49AC-41B6-B5F5-80E15325E9E0}" dt="2023-07-22T15:30:57.497" v="1517" actId="5793"/>
+        <pc:sldMkLst>
+          <pc:docMk/>
+          <pc:sldMk cId="3148018332" sldId="278"/>
+        </pc:sldMkLst>
+        <pc:spChg chg="mod">
+          <ac:chgData name="David CRAVO" userId="ba75d8fe6eadcc5e" providerId="LiveId" clId="{FC976D47-49AC-41B6-B5F5-80E15325E9E0}" dt="2023-07-22T15:02:28.461" v="942"/>
+          <ac:spMkLst>
+            <pc:docMk/>
+            <pc:sldMk cId="3148018332" sldId="278"/>
+            <ac:spMk id="2" creationId="{A7A7692D-8DD4-2270-D57C-395C9E6E8C13}"/>
+          </ac:spMkLst>
+        </pc:spChg>
+        <pc:spChg chg="mod">
+          <ac:chgData name="David CRAVO" userId="ba75d8fe6eadcc5e" providerId="LiveId" clId="{FC976D47-49AC-41B6-B5F5-80E15325E9E0}" dt="2023-07-22T15:30:57.497" v="1517" actId="5793"/>
+          <ac:spMkLst>
+            <pc:docMk/>
+            <pc:sldMk cId="3148018332" sldId="278"/>
+            <ac:spMk id="3" creationId="{9CB63768-7800-95B9-4695-0A02B92165C3}"/>
+          </ac:spMkLst>
+        </pc:spChg>
+        <pc:picChg chg="add mod">
+          <ac:chgData name="David CRAVO" userId="ba75d8fe6eadcc5e" providerId="LiveId" clId="{FC976D47-49AC-41B6-B5F5-80E15325E9E0}" dt="2023-07-22T15:03:20.193" v="1000" actId="1076"/>
+          <ac:picMkLst>
+            <pc:docMk/>
+            <pc:sldMk cId="3148018332" sldId="278"/>
+            <ac:picMk id="5" creationId="{30514865-1408-D672-BC2B-80C67C9C5CC4}"/>
+          </ac:picMkLst>
+        </pc:picChg>
+        <pc:picChg chg="add mod">
+          <ac:chgData name="David CRAVO" userId="ba75d8fe6eadcc5e" providerId="LiveId" clId="{FC976D47-49AC-41B6-B5F5-80E15325E9E0}" dt="2023-07-22T15:16:57.928" v="1191" actId="1076"/>
+          <ac:picMkLst>
+            <pc:docMk/>
+            <pc:sldMk cId="3148018332" sldId="278"/>
+            <ac:picMk id="7" creationId="{FAD05BC6-B8EC-42E6-E546-AC38798A7777}"/>
+          </ac:picMkLst>
+        </pc:picChg>
+      </pc:sldChg>
+      <pc:sldChg chg="addSp modSp new mod">
+        <pc:chgData name="David CRAVO" userId="ba75d8fe6eadcc5e" providerId="LiveId" clId="{FC976D47-49AC-41B6-B5F5-80E15325E9E0}" dt="2023-07-22T15:13:38.446" v="1179" actId="1076"/>
+        <pc:sldMkLst>
+          <pc:docMk/>
+          <pc:sldMk cId="394326024" sldId="279"/>
+        </pc:sldMkLst>
+        <pc:spChg chg="mod">
+          <ac:chgData name="David CRAVO" userId="ba75d8fe6eadcc5e" providerId="LiveId" clId="{FC976D47-49AC-41B6-B5F5-80E15325E9E0}" dt="2023-07-22T15:03:34.177" v="1002"/>
+          <ac:spMkLst>
+            <pc:docMk/>
+            <pc:sldMk cId="394326024" sldId="279"/>
+            <ac:spMk id="2" creationId="{EDD20F79-E563-EB9F-E369-1CF88F4C49EA}"/>
+          </ac:spMkLst>
+        </pc:spChg>
+        <pc:spChg chg="mod">
+          <ac:chgData name="David CRAVO" userId="ba75d8fe6eadcc5e" providerId="LiveId" clId="{FC976D47-49AC-41B6-B5F5-80E15325E9E0}" dt="2023-07-22T15:04:24.490" v="1059" actId="14100"/>
+          <ac:spMkLst>
+            <pc:docMk/>
+            <pc:sldMk cId="394326024" sldId="279"/>
+            <ac:spMk id="3" creationId="{E53A2475-2970-7C1F-B77F-0A58ACE04A7A}"/>
+          </ac:spMkLst>
+        </pc:spChg>
+        <pc:picChg chg="add mod">
+          <ac:chgData name="David CRAVO" userId="ba75d8fe6eadcc5e" providerId="LiveId" clId="{FC976D47-49AC-41B6-B5F5-80E15325E9E0}" dt="2023-07-22T15:04:33.569" v="1063" actId="962"/>
+          <ac:picMkLst>
+            <pc:docMk/>
+            <pc:sldMk cId="394326024" sldId="279"/>
+            <ac:picMk id="5" creationId="{D1026E9E-85FD-332C-AE8E-F4D2FA1BAFBD}"/>
+          </ac:picMkLst>
+        </pc:picChg>
+        <pc:picChg chg="add mod">
+          <ac:chgData name="David CRAVO" userId="ba75d8fe6eadcc5e" providerId="LiveId" clId="{FC976D47-49AC-41B6-B5F5-80E15325E9E0}" dt="2023-07-22T15:13:38.446" v="1179" actId="1076"/>
+          <ac:picMkLst>
+            <pc:docMk/>
+            <pc:sldMk cId="394326024" sldId="279"/>
+            <ac:picMk id="7" creationId="{B9254C10-395C-F883-26F9-68C4E5449CB5}"/>
+          </ac:picMkLst>
+        </pc:picChg>
+      </pc:sldChg>
+      <pc:sldChg chg="addSp delSp modSp new mod">
+        <pc:chgData name="David CRAVO" userId="ba75d8fe6eadcc5e" providerId="LiveId" clId="{FC976D47-49AC-41B6-B5F5-80E15325E9E0}" dt="2023-07-22T15:19:33.520" v="1211" actId="14100"/>
+        <pc:sldMkLst>
+          <pc:docMk/>
+          <pc:sldMk cId="3550938122" sldId="280"/>
+        </pc:sldMkLst>
+        <pc:spChg chg="mod">
+          <ac:chgData name="David CRAVO" userId="ba75d8fe6eadcc5e" providerId="LiveId" clId="{FC976D47-49AC-41B6-B5F5-80E15325E9E0}" dt="2023-07-22T15:04:46.447" v="1065"/>
+          <ac:spMkLst>
+            <pc:docMk/>
+            <pc:sldMk cId="3550938122" sldId="280"/>
+            <ac:spMk id="2" creationId="{8B33BAA7-C2BF-BD75-358A-31248AA88976}"/>
+          </ac:spMkLst>
+        </pc:spChg>
+        <pc:spChg chg="mod">
+          <ac:chgData name="David CRAVO" userId="ba75d8fe6eadcc5e" providerId="LiveId" clId="{FC976D47-49AC-41B6-B5F5-80E15325E9E0}" dt="2023-07-22T15:05:28.320" v="1110" actId="14100"/>
+          <ac:spMkLst>
+            <pc:docMk/>
+            <pc:sldMk cId="3550938122" sldId="280"/>
+            <ac:spMk id="3" creationId="{6633D9BC-8EC6-9E8A-104E-55E5AA66ADB0}"/>
+          </ac:spMkLst>
+        </pc:spChg>
+        <pc:picChg chg="add mod">
+          <ac:chgData name="David CRAVO" userId="ba75d8fe6eadcc5e" providerId="LiveId" clId="{FC976D47-49AC-41B6-B5F5-80E15325E9E0}" dt="2023-07-22T15:05:45.369" v="1114" actId="1076"/>
+          <ac:picMkLst>
+            <pc:docMk/>
+            <pc:sldMk cId="3550938122" sldId="280"/>
+            <ac:picMk id="5" creationId="{1B7C8E22-C0ED-274F-D8DB-A11E3F9F1687}"/>
+          </ac:picMkLst>
+        </pc:picChg>
+        <pc:picChg chg="add del mod">
+          <ac:chgData name="David CRAVO" userId="ba75d8fe6eadcc5e" providerId="LiveId" clId="{FC976D47-49AC-41B6-B5F5-80E15325E9E0}" dt="2023-07-22T15:19:12.801" v="1206" actId="478"/>
+          <ac:picMkLst>
+            <pc:docMk/>
+            <pc:sldMk cId="3550938122" sldId="280"/>
+            <ac:picMk id="7" creationId="{C7514B89-DB22-CFF8-F69F-9874F476598C}"/>
+          </ac:picMkLst>
+        </pc:picChg>
+        <pc:picChg chg="add mod">
+          <ac:chgData name="David CRAVO" userId="ba75d8fe6eadcc5e" providerId="LiveId" clId="{FC976D47-49AC-41B6-B5F5-80E15325E9E0}" dt="2023-07-22T15:19:33.520" v="1211" actId="14100"/>
+          <ac:picMkLst>
+            <pc:docMk/>
+            <pc:sldMk cId="3550938122" sldId="280"/>
+            <ac:picMk id="9" creationId="{27CA281D-6860-C2A5-6445-9C17DBAE07E8}"/>
+          </ac:picMkLst>
+        </pc:picChg>
+      </pc:sldChg>
+      <pc:sldChg chg="addSp modSp new mod">
+        <pc:chgData name="David CRAVO" userId="ba75d8fe6eadcc5e" providerId="LiveId" clId="{FC976D47-49AC-41B6-B5F5-80E15325E9E0}" dt="2023-07-22T15:16:28.615" v="1189" actId="14100"/>
+        <pc:sldMkLst>
+          <pc:docMk/>
+          <pc:sldMk cId="311578122" sldId="281"/>
+        </pc:sldMkLst>
+        <pc:spChg chg="mod">
+          <ac:chgData name="David CRAVO" userId="ba75d8fe6eadcc5e" providerId="LiveId" clId="{FC976D47-49AC-41B6-B5F5-80E15325E9E0}" dt="2023-07-22T15:05:53.396" v="1116"/>
+          <ac:spMkLst>
+            <pc:docMk/>
+            <pc:sldMk cId="311578122" sldId="281"/>
+            <ac:spMk id="2" creationId="{EDC6005F-0663-CC75-4488-E079C6847B13}"/>
+          </ac:spMkLst>
+        </pc:spChg>
+        <pc:spChg chg="mod">
+          <ac:chgData name="David CRAVO" userId="ba75d8fe6eadcc5e" providerId="LiveId" clId="{FC976D47-49AC-41B6-B5F5-80E15325E9E0}" dt="2023-07-22T15:06:24.817" v="1166" actId="14100"/>
+          <ac:spMkLst>
+            <pc:docMk/>
+            <pc:sldMk cId="311578122" sldId="281"/>
+            <ac:spMk id="3" creationId="{D759DE24-EE4D-099D-C9CF-51C4AD298730}"/>
+          </ac:spMkLst>
+        </pc:spChg>
+        <pc:picChg chg="add mod">
+          <ac:chgData name="David CRAVO" userId="ba75d8fe6eadcc5e" providerId="LiveId" clId="{FC976D47-49AC-41B6-B5F5-80E15325E9E0}" dt="2023-07-22T15:06:34.766" v="1170" actId="1076"/>
+          <ac:picMkLst>
+            <pc:docMk/>
+            <pc:sldMk cId="311578122" sldId="281"/>
+            <ac:picMk id="5" creationId="{8ACB776A-B2A0-0592-D609-B0CD5F13FB3A}"/>
+          </ac:picMkLst>
+        </pc:picChg>
+        <pc:picChg chg="add mod">
+          <ac:chgData name="David CRAVO" userId="ba75d8fe6eadcc5e" providerId="LiveId" clId="{FC976D47-49AC-41B6-B5F5-80E15325E9E0}" dt="2023-07-22T15:16:28.615" v="1189" actId="14100"/>
+          <ac:picMkLst>
+            <pc:docMk/>
+            <pc:sldMk cId="311578122" sldId="281"/>
+            <ac:picMk id="7" creationId="{60346234-A7E7-B5EE-97A1-2DC5A2F3EC55}"/>
+          </ac:picMkLst>
+        </pc:picChg>
+      </pc:sldChg>
+      <pc:sldChg chg="modSp new mod">
+        <pc:chgData name="David CRAVO" userId="ba75d8fe6eadcc5e" providerId="LiveId" clId="{FC976D47-49AC-41B6-B5F5-80E15325E9E0}" dt="2023-07-22T15:25:16.156" v="1402" actId="12"/>
+        <pc:sldMkLst>
+          <pc:docMk/>
+          <pc:sldMk cId="1190090114" sldId="282"/>
+        </pc:sldMkLst>
+        <pc:spChg chg="mod">
+          <ac:chgData name="David CRAVO" userId="ba75d8fe6eadcc5e" providerId="LiveId" clId="{FC976D47-49AC-41B6-B5F5-80E15325E9E0}" dt="2023-07-22T15:20:33.039" v="1235" actId="20577"/>
+          <ac:spMkLst>
+            <pc:docMk/>
+            <pc:sldMk cId="1190090114" sldId="282"/>
+            <ac:spMk id="2" creationId="{25632317-5254-3F1A-3C29-C98EE791C044}"/>
+          </ac:spMkLst>
+        </pc:spChg>
+        <pc:spChg chg="mod">
+          <ac:chgData name="David CRAVO" userId="ba75d8fe6eadcc5e" providerId="LiveId" clId="{FC976D47-49AC-41B6-B5F5-80E15325E9E0}" dt="2023-07-22T15:25:16.156" v="1402" actId="12"/>
+          <ac:spMkLst>
+            <pc:docMk/>
+            <pc:sldMk cId="1190090114" sldId="282"/>
+            <ac:spMk id="3" creationId="{CAE97202-906B-7A0F-DD47-9A2124329C5F}"/>
+          </ac:spMkLst>
+        </pc:spChg>
+      </pc:sldChg>
+      <pc:sldChg chg="addSp delSp modSp new mod">
+        <pc:chgData name="David CRAVO" userId="ba75d8fe6eadcc5e" providerId="LiveId" clId="{FC976D47-49AC-41B6-B5F5-80E15325E9E0}" dt="2023-07-22T15:28:02.224" v="1447" actId="1076"/>
+        <pc:sldMkLst>
+          <pc:docMk/>
+          <pc:sldMk cId="311947478" sldId="283"/>
+        </pc:sldMkLst>
+        <pc:spChg chg="del">
+          <ac:chgData name="David CRAVO" userId="ba75d8fe6eadcc5e" providerId="LiveId" clId="{FC976D47-49AC-41B6-B5F5-80E15325E9E0}" dt="2023-07-22T15:26:53.821" v="1435" actId="478"/>
+          <ac:spMkLst>
+            <pc:docMk/>
+            <pc:sldMk cId="311947478" sldId="283"/>
+            <ac:spMk id="2" creationId="{58D80CD6-263B-FA36-C787-16006A3A0FD7}"/>
+          </ac:spMkLst>
+        </pc:spChg>
+        <pc:spChg chg="mod">
+          <ac:chgData name="David CRAVO" userId="ba75d8fe6eadcc5e" providerId="LiveId" clId="{FC976D47-49AC-41B6-B5F5-80E15325E9E0}" dt="2023-07-22T15:27:09.115" v="1437" actId="14100"/>
+          <ac:spMkLst>
+            <pc:docMk/>
+            <pc:sldMk cId="311947478" sldId="283"/>
+            <ac:spMk id="3" creationId="{6536ACD6-4078-43D7-7433-42C3EC9C8FA7}"/>
+          </ac:spMkLst>
+        </pc:spChg>
+        <pc:picChg chg="add del mod">
+          <ac:chgData name="David CRAVO" userId="ba75d8fe6eadcc5e" providerId="LiveId" clId="{FC976D47-49AC-41B6-B5F5-80E15325E9E0}" dt="2023-07-22T15:27:52.659" v="1442" actId="478"/>
+          <ac:picMkLst>
+            <pc:docMk/>
+            <pc:sldMk cId="311947478" sldId="283"/>
+            <ac:picMk id="5" creationId="{FB4B4D80-01C8-B3C9-1560-4ABA44208EB4}"/>
+          </ac:picMkLst>
+        </pc:picChg>
+        <pc:picChg chg="add mod">
+          <ac:chgData name="David CRAVO" userId="ba75d8fe6eadcc5e" providerId="LiveId" clId="{FC976D47-49AC-41B6-B5F5-80E15325E9E0}" dt="2023-07-22T15:28:02.224" v="1447" actId="1076"/>
+          <ac:picMkLst>
+            <pc:docMk/>
+            <pc:sldMk cId="311947478" sldId="283"/>
+            <ac:picMk id="7" creationId="{309DDAB7-8435-CA54-4D5A-BDAC5A5DFACD}"/>
+          </ac:picMkLst>
+        </pc:picChg>
+      </pc:sldChg>
+    </pc:docChg>
+  </pc:docChgLst>
+</pc:chgInfo>
 </file>
 
 <file path=ppt/slideLayouts/slideLayout1.xml><?xml version="1.0" encoding="utf-8"?>
@@ -3350,18 +4297,35 @@
             <p:ph type="ctrTitle"/>
           </p:nvPr>
         </p:nvSpPr>
-        <p:spPr/>
-        <p:txBody>
-          <a:bodyPr/>
-          <a:lstStyle/>
-          <a:p>
-            <a:r>
-              <a:rPr lang="fr-FR" dirty="0" err="1"/>
-              <a:t>DesignPattern</a:t>
-            </a:r>
+        <p:spPr>
+          <a:xfrm>
+            <a:off x="1524000" y="1122362"/>
+            <a:ext cx="9144000" cy="3654175"/>
+          </a:xfrm>
+        </p:spPr>
+        <p:txBody>
+          <a:bodyPr>
+            <a:normAutofit/>
+          </a:bodyPr>
+          <a:lstStyle/>
+          <a:p>
             <a:r>
               <a:rPr lang="fr-FR" dirty="0"/>
-              <a:t> Observateur</a:t>
+              <a:t>Design Pattern Observer</a:t>
+            </a:r>
+            <a:br>
+              <a:rPr lang="fr-FR" dirty="0"/>
+            </a:br>
+            <a:r>
+              <a:rPr lang="fr-FR" dirty="0"/>
+              <a:t>ou</a:t>
+            </a:r>
+            <a:br>
+              <a:rPr lang="fr-FR" dirty="0"/>
+            </a:br>
+            <a:r>
+              <a:rPr lang="fr-FR" dirty="0"/>
+              <a:t>Patron de conception Observateur</a:t>
             </a:r>
           </a:p>
         </p:txBody>
@@ -3370,6 +4334,1298 @@
     <p:extLst>
       <p:ext uri="{BB962C8B-B14F-4D97-AF65-F5344CB8AC3E}">
         <p14:creationId xmlns:p14="http://schemas.microsoft.com/office/powerpoint/2010/main" val="142725393"/>
+      </p:ext>
+    </p:extLst>
+  </p:cSld>
+  <p:clrMapOvr>
+    <a:masterClrMapping/>
+  </p:clrMapOvr>
+</p:sld>
+</file>
+
+<file path=ppt/slides/slide10.xml><?xml version="1.0" encoding="utf-8"?>
+<p:sld xmlns:a="http://schemas.openxmlformats.org/drawingml/2006/main" xmlns:r="http://schemas.openxmlformats.org/officeDocument/2006/relationships" xmlns:p="http://schemas.openxmlformats.org/presentationml/2006/main">
+  <p:cSld>
+    <p:spTree>
+      <p:nvGrpSpPr>
+        <p:cNvPr id="1" name=""/>
+        <p:cNvGrpSpPr/>
+        <p:nvPr/>
+      </p:nvGrpSpPr>
+      <p:grpSpPr>
+        <a:xfrm>
+          <a:off x="0" y="0"/>
+          <a:ext cx="0" cy="0"/>
+          <a:chOff x="0" y="0"/>
+          <a:chExt cx="0" cy="0"/>
+        </a:xfrm>
+      </p:grpSpPr>
+      <p:sp>
+        <p:nvSpPr>
+          <p:cNvPr id="2" name="Titre 1">
+            <a:extLst>
+              <a:ext uri="{FF2B5EF4-FFF2-40B4-BE49-F238E27FC236}">
+                <a16:creationId xmlns:a16="http://schemas.microsoft.com/office/drawing/2014/main" id="{21958E83-FE1F-F8A9-7F24-F01B07E06C62}"/>
+              </a:ext>
+            </a:extLst>
+          </p:cNvPr>
+          <p:cNvSpPr>
+            <a:spLocks noGrp="1"/>
+          </p:cNvSpPr>
+          <p:nvPr>
+            <p:ph type="title"/>
+          </p:nvPr>
+        </p:nvSpPr>
+        <p:spPr/>
+        <p:txBody>
+          <a:bodyPr/>
+          <a:lstStyle/>
+          <a:p>
+            <a:r>
+              <a:rPr lang="fr-FR" dirty="0"/>
+              <a:t>3 Mise en œuvre</a:t>
+            </a:r>
+          </a:p>
+        </p:txBody>
+      </p:sp>
+      <p:sp>
+        <p:nvSpPr>
+          <p:cNvPr id="3" name="Espace réservé du contenu 2">
+            <a:extLst>
+              <a:ext uri="{FF2B5EF4-FFF2-40B4-BE49-F238E27FC236}">
+                <a16:creationId xmlns:a16="http://schemas.microsoft.com/office/drawing/2014/main" id="{8D29E7F3-39B3-1CB7-6FE6-4DEFAA5C005D}"/>
+              </a:ext>
+            </a:extLst>
+          </p:cNvPr>
+          <p:cNvSpPr>
+            <a:spLocks noGrp="1"/>
+          </p:cNvSpPr>
+          <p:nvPr>
+            <p:ph idx="1"/>
+          </p:nvPr>
+        </p:nvSpPr>
+        <p:spPr>
+          <a:xfrm>
+            <a:off x="838200" y="1825625"/>
+            <a:ext cx="2679916" cy="3588586"/>
+          </a:xfrm>
+        </p:spPr>
+        <p:txBody>
+          <a:bodyPr/>
+          <a:lstStyle/>
+          <a:p>
+            <a:pPr marL="0" indent="0">
+              <a:buNone/>
+            </a:pPr>
+            <a:r>
+              <a:rPr lang="fr-FR" dirty="0"/>
+              <a:t>3.3 </a:t>
+            </a:r>
+          </a:p>
+          <a:p>
+            <a:pPr marL="0" indent="0">
+              <a:buNone/>
+            </a:pPr>
+            <a:r>
+              <a:rPr lang="fr-FR" dirty="0"/>
+              <a:t>Enregistrement des Observateurs auprès des Sujets</a:t>
+            </a:r>
+          </a:p>
+        </p:txBody>
+      </p:sp>
+      <p:pic>
+        <p:nvPicPr>
+          <p:cNvPr id="5" name="Image 4" descr="Une image contenant texte, capture d’écran, Rectangle, ligne&#10;&#10;Description générée automatiquement">
+            <a:extLst>
+              <a:ext uri="{FF2B5EF4-FFF2-40B4-BE49-F238E27FC236}">
+                <a16:creationId xmlns:a16="http://schemas.microsoft.com/office/drawing/2014/main" id="{DDEA6788-40E3-069A-DBD2-C9F7D372E780}"/>
+              </a:ext>
+            </a:extLst>
+          </p:cNvPr>
+          <p:cNvPicPr>
+            <a:picLocks noChangeAspect="1"/>
+          </p:cNvPicPr>
+          <p:nvPr/>
+        </p:nvPicPr>
+        <p:blipFill>
+          <a:blip r:embed="rId2">
+            <a:extLst>
+              <a:ext uri="{28A0092B-C50C-407E-A947-70E740481C1C}">
+                <a14:useLocalDpi xmlns:a14="http://schemas.microsoft.com/office/drawing/2010/main" val="0"/>
+              </a:ext>
+            </a:extLst>
+          </a:blip>
+          <a:stretch>
+            <a:fillRect/>
+          </a:stretch>
+        </p:blipFill>
+        <p:spPr>
+          <a:xfrm>
+            <a:off x="3250737" y="1825621"/>
+            <a:ext cx="8403988" cy="3707274"/>
+          </a:xfrm>
+          <a:prstGeom prst="rect">
+            <a:avLst/>
+          </a:prstGeom>
+        </p:spPr>
+      </p:pic>
+    </p:spTree>
+    <p:extLst>
+      <p:ext uri="{BB962C8B-B14F-4D97-AF65-F5344CB8AC3E}">
+        <p14:creationId xmlns:p14="http://schemas.microsoft.com/office/powerpoint/2010/main" val="1335074751"/>
+      </p:ext>
+    </p:extLst>
+  </p:cSld>
+  <p:clrMapOvr>
+    <a:masterClrMapping/>
+  </p:clrMapOvr>
+</p:sld>
+</file>
+
+<file path=ppt/slides/slide11.xml><?xml version="1.0" encoding="utf-8"?>
+<p:sld xmlns:a="http://schemas.openxmlformats.org/drawingml/2006/main" xmlns:r="http://schemas.openxmlformats.org/officeDocument/2006/relationships" xmlns:p="http://schemas.openxmlformats.org/presentationml/2006/main">
+  <p:cSld>
+    <p:spTree>
+      <p:nvGrpSpPr>
+        <p:cNvPr id="1" name=""/>
+        <p:cNvGrpSpPr/>
+        <p:nvPr/>
+      </p:nvGrpSpPr>
+      <p:grpSpPr>
+        <a:xfrm>
+          <a:off x="0" y="0"/>
+          <a:ext cx="0" cy="0"/>
+          <a:chOff x="0" y="0"/>
+          <a:chExt cx="0" cy="0"/>
+        </a:xfrm>
+      </p:grpSpPr>
+      <p:sp>
+        <p:nvSpPr>
+          <p:cNvPr id="2" name="Titre 1">
+            <a:extLst>
+              <a:ext uri="{FF2B5EF4-FFF2-40B4-BE49-F238E27FC236}">
+                <a16:creationId xmlns:a16="http://schemas.microsoft.com/office/drawing/2014/main" id="{C9F6D7CB-3BAC-6EE1-4E8F-B63DB7CE35C5}"/>
+              </a:ext>
+            </a:extLst>
+          </p:cNvPr>
+          <p:cNvSpPr>
+            <a:spLocks noGrp="1"/>
+          </p:cNvSpPr>
+          <p:nvPr>
+            <p:ph type="title"/>
+          </p:nvPr>
+        </p:nvSpPr>
+        <p:spPr/>
+        <p:txBody>
+          <a:bodyPr/>
+          <a:lstStyle/>
+          <a:p>
+            <a:r>
+              <a:rPr lang="fr-FR" dirty="0"/>
+              <a:t>4 Avantages et inconvénients</a:t>
+            </a:r>
+          </a:p>
+        </p:txBody>
+      </p:sp>
+      <p:sp>
+        <p:nvSpPr>
+          <p:cNvPr id="3" name="Espace réservé du contenu 2">
+            <a:extLst>
+              <a:ext uri="{FF2B5EF4-FFF2-40B4-BE49-F238E27FC236}">
+                <a16:creationId xmlns:a16="http://schemas.microsoft.com/office/drawing/2014/main" id="{F55A8337-ACA2-8572-0F05-B8713D514FC3}"/>
+              </a:ext>
+            </a:extLst>
+          </p:cNvPr>
+          <p:cNvSpPr>
+            <a:spLocks noGrp="1"/>
+          </p:cNvSpPr>
+          <p:nvPr>
+            <p:ph idx="1"/>
+          </p:nvPr>
+        </p:nvSpPr>
+        <p:spPr/>
+        <p:txBody>
+          <a:bodyPr/>
+          <a:lstStyle/>
+          <a:p>
+            <a:pPr marL="0" indent="0">
+              <a:buNone/>
+            </a:pPr>
+            <a:r>
+              <a:rPr lang="fr-FR" dirty="0"/>
+              <a:t>4.1 Avantages</a:t>
+            </a:r>
+          </a:p>
+          <a:p>
+            <a:pPr marL="0" indent="0">
+              <a:buNone/>
+            </a:pPr>
+            <a:endParaRPr lang="fr-FR" dirty="0"/>
+          </a:p>
+          <a:p>
+            <a:r>
+              <a:rPr lang="fr-FR" dirty="0"/>
+              <a:t>Séparation des préoccupations</a:t>
+            </a:r>
+          </a:p>
+          <a:p>
+            <a:r>
+              <a:rPr lang="fr-FR" dirty="0"/>
+              <a:t>Réutilisabilité du code</a:t>
+            </a:r>
+          </a:p>
+          <a:p>
+            <a:endParaRPr lang="fr-FR" dirty="0"/>
+          </a:p>
+          <a:p>
+            <a:pPr marL="0" indent="0">
+              <a:buNone/>
+            </a:pPr>
+            <a:endParaRPr lang="fr-FR" dirty="0"/>
+          </a:p>
+        </p:txBody>
+      </p:sp>
+    </p:spTree>
+    <p:extLst>
+      <p:ext uri="{BB962C8B-B14F-4D97-AF65-F5344CB8AC3E}">
+        <p14:creationId xmlns:p14="http://schemas.microsoft.com/office/powerpoint/2010/main" val="1753282832"/>
+      </p:ext>
+    </p:extLst>
+  </p:cSld>
+  <p:clrMapOvr>
+    <a:masterClrMapping/>
+  </p:clrMapOvr>
+</p:sld>
+</file>
+
+<file path=ppt/slides/slide12.xml><?xml version="1.0" encoding="utf-8"?>
+<p:sld xmlns:a="http://schemas.openxmlformats.org/drawingml/2006/main" xmlns:r="http://schemas.openxmlformats.org/officeDocument/2006/relationships" xmlns:p="http://schemas.openxmlformats.org/presentationml/2006/main">
+  <p:cSld>
+    <p:spTree>
+      <p:nvGrpSpPr>
+        <p:cNvPr id="1" name=""/>
+        <p:cNvGrpSpPr/>
+        <p:nvPr/>
+      </p:nvGrpSpPr>
+      <p:grpSpPr>
+        <a:xfrm>
+          <a:off x="0" y="0"/>
+          <a:ext cx="0" cy="0"/>
+          <a:chOff x="0" y="0"/>
+          <a:chExt cx="0" cy="0"/>
+        </a:xfrm>
+      </p:grpSpPr>
+      <p:sp>
+        <p:nvSpPr>
+          <p:cNvPr id="2" name="Titre 1">
+            <a:extLst>
+              <a:ext uri="{FF2B5EF4-FFF2-40B4-BE49-F238E27FC236}">
+                <a16:creationId xmlns:a16="http://schemas.microsoft.com/office/drawing/2014/main" id="{52A8397D-D85C-0650-B503-45576EA12E04}"/>
+              </a:ext>
+            </a:extLst>
+          </p:cNvPr>
+          <p:cNvSpPr>
+            <a:spLocks noGrp="1"/>
+          </p:cNvSpPr>
+          <p:nvPr>
+            <p:ph type="title"/>
+          </p:nvPr>
+        </p:nvSpPr>
+        <p:spPr/>
+        <p:txBody>
+          <a:bodyPr/>
+          <a:lstStyle/>
+          <a:p>
+            <a:r>
+              <a:rPr lang="fr-FR" dirty="0"/>
+              <a:t>4 Avantages et inconvénients</a:t>
+            </a:r>
+          </a:p>
+        </p:txBody>
+      </p:sp>
+      <p:sp>
+        <p:nvSpPr>
+          <p:cNvPr id="3" name="Espace réservé du contenu 2">
+            <a:extLst>
+              <a:ext uri="{FF2B5EF4-FFF2-40B4-BE49-F238E27FC236}">
+                <a16:creationId xmlns:a16="http://schemas.microsoft.com/office/drawing/2014/main" id="{2C04B56A-0826-0F80-0CF5-F3BDD13A30CE}"/>
+              </a:ext>
+            </a:extLst>
+          </p:cNvPr>
+          <p:cNvSpPr>
+            <a:spLocks noGrp="1"/>
+          </p:cNvSpPr>
+          <p:nvPr>
+            <p:ph idx="1"/>
+          </p:nvPr>
+        </p:nvSpPr>
+        <p:spPr/>
+        <p:txBody>
+          <a:bodyPr/>
+          <a:lstStyle/>
+          <a:p>
+            <a:pPr marL="0" indent="0">
+              <a:buNone/>
+            </a:pPr>
+            <a:r>
+              <a:rPr lang="fr-FR" dirty="0"/>
+              <a:t>4.2 Inconvénients</a:t>
+            </a:r>
+          </a:p>
+          <a:p>
+            <a:pPr marL="0" indent="0">
+              <a:buNone/>
+            </a:pPr>
+            <a:endParaRPr lang="fr-FR" dirty="0"/>
+          </a:p>
+          <a:p>
+            <a:pPr marL="0" indent="0">
+              <a:buNone/>
+            </a:pPr>
+            <a:r>
+              <a:rPr lang="fr-FR" dirty="0"/>
+              <a:t>Les souscripteurs sont avertis dans un ordre aléatoire.</a:t>
+            </a:r>
+          </a:p>
+        </p:txBody>
+      </p:sp>
+    </p:spTree>
+    <p:extLst>
+      <p:ext uri="{BB962C8B-B14F-4D97-AF65-F5344CB8AC3E}">
+        <p14:creationId xmlns:p14="http://schemas.microsoft.com/office/powerpoint/2010/main" val="3732024924"/>
+      </p:ext>
+    </p:extLst>
+  </p:cSld>
+  <p:clrMapOvr>
+    <a:masterClrMapping/>
+  </p:clrMapOvr>
+</p:sld>
+</file>
+
+<file path=ppt/slides/slide13.xml><?xml version="1.0" encoding="utf-8"?>
+<p:sld xmlns:a="http://schemas.openxmlformats.org/drawingml/2006/main" xmlns:r="http://schemas.openxmlformats.org/officeDocument/2006/relationships" xmlns:p="http://schemas.openxmlformats.org/presentationml/2006/main">
+  <p:cSld>
+    <p:spTree>
+      <p:nvGrpSpPr>
+        <p:cNvPr id="1" name=""/>
+        <p:cNvGrpSpPr/>
+        <p:nvPr/>
+      </p:nvGrpSpPr>
+      <p:grpSpPr>
+        <a:xfrm>
+          <a:off x="0" y="0"/>
+          <a:ext cx="0" cy="0"/>
+          <a:chOff x="0" y="0"/>
+          <a:chExt cx="0" cy="0"/>
+        </a:xfrm>
+      </p:grpSpPr>
+      <p:sp>
+        <p:nvSpPr>
+          <p:cNvPr id="2" name="Titre 1">
+            <a:extLst>
+              <a:ext uri="{FF2B5EF4-FFF2-40B4-BE49-F238E27FC236}">
+                <a16:creationId xmlns:a16="http://schemas.microsoft.com/office/drawing/2014/main" id="{2D26FE8B-6444-0394-663B-BDA96175BC6E}"/>
+              </a:ext>
+            </a:extLst>
+          </p:cNvPr>
+          <p:cNvSpPr>
+            <a:spLocks noGrp="1"/>
+          </p:cNvSpPr>
+          <p:nvPr>
+            <p:ph type="title"/>
+          </p:nvPr>
+        </p:nvSpPr>
+        <p:spPr/>
+        <p:txBody>
+          <a:bodyPr/>
+          <a:lstStyle/>
+          <a:p>
+            <a:r>
+              <a:rPr lang="fr-FR" dirty="0"/>
+              <a:t>5 Exemple d’utilisation</a:t>
+            </a:r>
+          </a:p>
+        </p:txBody>
+      </p:sp>
+      <p:sp>
+        <p:nvSpPr>
+          <p:cNvPr id="3" name="Espace réservé du contenu 2">
+            <a:extLst>
+              <a:ext uri="{FF2B5EF4-FFF2-40B4-BE49-F238E27FC236}">
+                <a16:creationId xmlns:a16="http://schemas.microsoft.com/office/drawing/2014/main" id="{4D339D01-8B74-F443-F7B9-557E974CAD6D}"/>
+              </a:ext>
+            </a:extLst>
+          </p:cNvPr>
+          <p:cNvSpPr>
+            <a:spLocks noGrp="1"/>
+          </p:cNvSpPr>
+          <p:nvPr>
+            <p:ph idx="1"/>
+          </p:nvPr>
+        </p:nvSpPr>
+        <p:spPr/>
+        <p:txBody>
+          <a:bodyPr/>
+          <a:lstStyle/>
+          <a:p>
+            <a:pPr marL="0" indent="0">
+              <a:buNone/>
+            </a:pPr>
+            <a:r>
+              <a:rPr lang="fr-FR" dirty="0"/>
+              <a:t>5.1 Contexte</a:t>
+            </a:r>
+          </a:p>
+          <a:p>
+            <a:pPr marL="0" indent="0">
+              <a:buNone/>
+            </a:pPr>
+            <a:endParaRPr lang="fr-FR" dirty="0"/>
+          </a:p>
+          <a:p>
+            <a:pPr marL="0" indent="0">
+              <a:buNone/>
+            </a:pPr>
+            <a:r>
+              <a:rPr lang="fr-FR" kern="100" dirty="0">
+                <a:effectLst/>
+                <a:latin typeface="Calibri" panose="020F0502020204030204" pitchFamily="34" charset="0"/>
+                <a:ea typeface="Calibri" panose="020F0502020204030204" pitchFamily="34" charset="0"/>
+                <a:cs typeface="Times New Roman" panose="02020603050405020304" pitchFamily="18" charset="0"/>
+              </a:rPr>
+              <a:t>Une personne souhaitant connaître sa position utilise un récepteur GPS. Ce récepteur reçoit des informations d’un  satellite et peut alors calculer sa position.</a:t>
+            </a:r>
+          </a:p>
+          <a:p>
+            <a:pPr marL="0" indent="0">
+              <a:buNone/>
+            </a:pPr>
+            <a:endParaRPr lang="fr-FR" kern="100" dirty="0">
+              <a:effectLst/>
+              <a:latin typeface="Calibri" panose="020F0502020204030204" pitchFamily="34" charset="0"/>
+              <a:ea typeface="Calibri" panose="020F0502020204030204" pitchFamily="34" charset="0"/>
+              <a:cs typeface="Times New Roman" panose="02020603050405020304" pitchFamily="18" charset="0"/>
+            </a:endParaRPr>
+          </a:p>
+          <a:p>
+            <a:pPr marL="0" indent="0">
+              <a:buNone/>
+            </a:pPr>
+            <a:r>
+              <a:rPr lang="fr-FR" dirty="0"/>
+              <a:t>Nous pouvons déjà identifier deux acteurs : </a:t>
+            </a:r>
+          </a:p>
+          <a:p>
+            <a:pPr marL="0" indent="0">
+              <a:buNone/>
+            </a:pPr>
+            <a:r>
+              <a:rPr lang="fr-FR" dirty="0"/>
+              <a:t>•	Le satellite qui va être l’objet Sujet (Diffuseur) ;</a:t>
+            </a:r>
+          </a:p>
+          <a:p>
+            <a:pPr marL="0" indent="0">
+              <a:buNone/>
+            </a:pPr>
+            <a:r>
+              <a:rPr lang="fr-FR" dirty="0"/>
+              <a:t>•	Le récepteur GPS qui va être l’objet Observateur (Souscripteur).</a:t>
+            </a:r>
+          </a:p>
+          <a:p>
+            <a:pPr marL="0" indent="0">
+              <a:buNone/>
+            </a:pPr>
+            <a:endParaRPr lang="fr-FR" dirty="0"/>
+          </a:p>
+        </p:txBody>
+      </p:sp>
+    </p:spTree>
+    <p:extLst>
+      <p:ext uri="{BB962C8B-B14F-4D97-AF65-F5344CB8AC3E}">
+        <p14:creationId xmlns:p14="http://schemas.microsoft.com/office/powerpoint/2010/main" val="413943743"/>
+      </p:ext>
+    </p:extLst>
+  </p:cSld>
+  <p:clrMapOvr>
+    <a:masterClrMapping/>
+  </p:clrMapOvr>
+</p:sld>
+</file>
+
+<file path=ppt/slides/slide14.xml><?xml version="1.0" encoding="utf-8"?>
+<p:sld xmlns:a="http://schemas.openxmlformats.org/drawingml/2006/main" xmlns:r="http://schemas.openxmlformats.org/officeDocument/2006/relationships" xmlns:p="http://schemas.openxmlformats.org/presentationml/2006/main">
+  <p:cSld>
+    <p:spTree>
+      <p:nvGrpSpPr>
+        <p:cNvPr id="1" name=""/>
+        <p:cNvGrpSpPr/>
+        <p:nvPr/>
+      </p:nvGrpSpPr>
+      <p:grpSpPr>
+        <a:xfrm>
+          <a:off x="0" y="0"/>
+          <a:ext cx="0" cy="0"/>
+          <a:chOff x="0" y="0"/>
+          <a:chExt cx="0" cy="0"/>
+        </a:xfrm>
+      </p:grpSpPr>
+      <p:sp>
+        <p:nvSpPr>
+          <p:cNvPr id="2" name="Titre 1">
+            <a:extLst>
+              <a:ext uri="{FF2B5EF4-FFF2-40B4-BE49-F238E27FC236}">
+                <a16:creationId xmlns:a16="http://schemas.microsoft.com/office/drawing/2014/main" id="{014ED3D8-0CB9-7CD2-EEEE-6F3289E7FDE2}"/>
+              </a:ext>
+            </a:extLst>
+          </p:cNvPr>
+          <p:cNvSpPr>
+            <a:spLocks noGrp="1"/>
+          </p:cNvSpPr>
+          <p:nvPr>
+            <p:ph type="title"/>
+          </p:nvPr>
+        </p:nvSpPr>
+        <p:spPr/>
+        <p:txBody>
+          <a:bodyPr/>
+          <a:lstStyle/>
+          <a:p>
+            <a:r>
+              <a:rPr lang="fr-FR" dirty="0"/>
+              <a:t>5 Exemple d’utilisation</a:t>
+            </a:r>
+          </a:p>
+        </p:txBody>
+      </p:sp>
+      <p:sp>
+        <p:nvSpPr>
+          <p:cNvPr id="3" name="Espace réservé du contenu 2">
+            <a:extLst>
+              <a:ext uri="{FF2B5EF4-FFF2-40B4-BE49-F238E27FC236}">
+                <a16:creationId xmlns:a16="http://schemas.microsoft.com/office/drawing/2014/main" id="{777BB645-1E15-8916-1A69-8C56BFAE2017}"/>
+              </a:ext>
+            </a:extLst>
+          </p:cNvPr>
+          <p:cNvSpPr>
+            <a:spLocks noGrp="1"/>
+          </p:cNvSpPr>
+          <p:nvPr>
+            <p:ph idx="1"/>
+          </p:nvPr>
+        </p:nvSpPr>
+        <p:spPr>
+          <a:xfrm>
+            <a:off x="838200" y="1418390"/>
+            <a:ext cx="10515600" cy="544596"/>
+          </a:xfrm>
+        </p:spPr>
+        <p:txBody>
+          <a:bodyPr/>
+          <a:lstStyle/>
+          <a:p>
+            <a:pPr marL="0" indent="0">
+              <a:buNone/>
+            </a:pPr>
+            <a:r>
+              <a:rPr lang="fr-FR" dirty="0"/>
+              <a:t>5.2 Diagramme UML</a:t>
+            </a:r>
+          </a:p>
+        </p:txBody>
+      </p:sp>
+      <p:pic>
+        <p:nvPicPr>
+          <p:cNvPr id="5" name="Image 4" descr="Une image contenant texte, capture d’écran, ligne, Police&#10;&#10;Description générée automatiquement">
+            <a:extLst>
+              <a:ext uri="{FF2B5EF4-FFF2-40B4-BE49-F238E27FC236}">
+                <a16:creationId xmlns:a16="http://schemas.microsoft.com/office/drawing/2014/main" id="{EF6620BC-D60D-C08D-5187-DECBD9E3EB95}"/>
+              </a:ext>
+            </a:extLst>
+          </p:cNvPr>
+          <p:cNvPicPr>
+            <a:picLocks noChangeAspect="1"/>
+          </p:cNvPicPr>
+          <p:nvPr/>
+        </p:nvPicPr>
+        <p:blipFill>
+          <a:blip r:embed="rId2">
+            <a:extLst>
+              <a:ext uri="{28A0092B-C50C-407E-A947-70E740481C1C}">
+                <a14:useLocalDpi xmlns:a14="http://schemas.microsoft.com/office/drawing/2010/main" val="0"/>
+              </a:ext>
+            </a:extLst>
+          </a:blip>
+          <a:stretch>
+            <a:fillRect/>
+          </a:stretch>
+        </p:blipFill>
+        <p:spPr>
+          <a:xfrm>
+            <a:off x="1232665" y="1948241"/>
+            <a:ext cx="9478698" cy="4258269"/>
+          </a:xfrm>
+          <a:prstGeom prst="rect">
+            <a:avLst/>
+          </a:prstGeom>
+        </p:spPr>
+      </p:pic>
+    </p:spTree>
+    <p:extLst>
+      <p:ext uri="{BB962C8B-B14F-4D97-AF65-F5344CB8AC3E}">
+        <p14:creationId xmlns:p14="http://schemas.microsoft.com/office/powerpoint/2010/main" val="3292843418"/>
+      </p:ext>
+    </p:extLst>
+  </p:cSld>
+  <p:clrMapOvr>
+    <a:masterClrMapping/>
+  </p:clrMapOvr>
+</p:sld>
+</file>
+
+<file path=ppt/slides/slide15.xml><?xml version="1.0" encoding="utf-8"?>
+<p:sld xmlns:a="http://schemas.openxmlformats.org/drawingml/2006/main" xmlns:r="http://schemas.openxmlformats.org/officeDocument/2006/relationships" xmlns:p="http://schemas.openxmlformats.org/presentationml/2006/main">
+  <p:cSld>
+    <p:spTree>
+      <p:nvGrpSpPr>
+        <p:cNvPr id="1" name=""/>
+        <p:cNvGrpSpPr/>
+        <p:nvPr/>
+      </p:nvGrpSpPr>
+      <p:grpSpPr>
+        <a:xfrm>
+          <a:off x="0" y="0"/>
+          <a:ext cx="0" cy="0"/>
+          <a:chOff x="0" y="0"/>
+          <a:chExt cx="0" cy="0"/>
+        </a:xfrm>
+      </p:grpSpPr>
+      <p:sp>
+        <p:nvSpPr>
+          <p:cNvPr id="2" name="Titre 1">
+            <a:extLst>
+              <a:ext uri="{FF2B5EF4-FFF2-40B4-BE49-F238E27FC236}">
+                <a16:creationId xmlns:a16="http://schemas.microsoft.com/office/drawing/2014/main" id="{197E074B-C42B-7D8B-6101-E4049D6B410A}"/>
+              </a:ext>
+            </a:extLst>
+          </p:cNvPr>
+          <p:cNvSpPr>
+            <a:spLocks noGrp="1"/>
+          </p:cNvSpPr>
+          <p:nvPr>
+            <p:ph type="title"/>
+          </p:nvPr>
+        </p:nvSpPr>
+        <p:spPr/>
+        <p:txBody>
+          <a:bodyPr/>
+          <a:lstStyle/>
+          <a:p>
+            <a:r>
+              <a:rPr lang="fr-FR" dirty="0"/>
+              <a:t>5 Exemple d’utilisation </a:t>
+            </a:r>
+          </a:p>
+        </p:txBody>
+      </p:sp>
+      <p:sp>
+        <p:nvSpPr>
+          <p:cNvPr id="3" name="Espace réservé du contenu 2">
+            <a:extLst>
+              <a:ext uri="{FF2B5EF4-FFF2-40B4-BE49-F238E27FC236}">
+                <a16:creationId xmlns:a16="http://schemas.microsoft.com/office/drawing/2014/main" id="{3AF8BBD9-3634-7E99-DF1C-75A3DBC59C3F}"/>
+              </a:ext>
+            </a:extLst>
+          </p:cNvPr>
+          <p:cNvSpPr>
+            <a:spLocks noGrp="1"/>
+          </p:cNvSpPr>
+          <p:nvPr>
+            <p:ph idx="1"/>
+          </p:nvPr>
+        </p:nvSpPr>
+        <p:spPr/>
+        <p:txBody>
+          <a:bodyPr/>
+          <a:lstStyle/>
+          <a:p>
+            <a:pPr marL="0" indent="0">
+              <a:buNone/>
+            </a:pPr>
+            <a:r>
+              <a:rPr lang="fr-FR" dirty="0"/>
+              <a:t>5.3 Implémentation</a:t>
+            </a:r>
+          </a:p>
+        </p:txBody>
+      </p:sp>
+    </p:spTree>
+    <p:extLst>
+      <p:ext uri="{BB962C8B-B14F-4D97-AF65-F5344CB8AC3E}">
+        <p14:creationId xmlns:p14="http://schemas.microsoft.com/office/powerpoint/2010/main" val="1159497511"/>
+      </p:ext>
+    </p:extLst>
+  </p:cSld>
+  <p:clrMapOvr>
+    <a:masterClrMapping/>
+  </p:clrMapOvr>
+</p:sld>
+</file>
+
+<file path=ppt/slides/slide16.xml><?xml version="1.0" encoding="utf-8"?>
+<p:sld xmlns:a="http://schemas.openxmlformats.org/drawingml/2006/main" xmlns:r="http://schemas.openxmlformats.org/officeDocument/2006/relationships" xmlns:p="http://schemas.openxmlformats.org/presentationml/2006/main">
+  <p:cSld>
+    <p:spTree>
+      <p:nvGrpSpPr>
+        <p:cNvPr id="1" name=""/>
+        <p:cNvGrpSpPr/>
+        <p:nvPr/>
+      </p:nvGrpSpPr>
+      <p:grpSpPr>
+        <a:xfrm>
+          <a:off x="0" y="0"/>
+          <a:ext cx="0" cy="0"/>
+          <a:chOff x="0" y="0"/>
+          <a:chExt cx="0" cy="0"/>
+        </a:xfrm>
+      </p:grpSpPr>
+      <p:sp>
+        <p:nvSpPr>
+          <p:cNvPr id="2" name="Titre 1">
+            <a:extLst>
+              <a:ext uri="{FF2B5EF4-FFF2-40B4-BE49-F238E27FC236}">
+                <a16:creationId xmlns:a16="http://schemas.microsoft.com/office/drawing/2014/main" id="{4F2BF798-7B6C-594A-0E65-95B1534F7A3A}"/>
+              </a:ext>
+            </a:extLst>
+          </p:cNvPr>
+          <p:cNvSpPr>
+            <a:spLocks noGrp="1"/>
+          </p:cNvSpPr>
+          <p:nvPr>
+            <p:ph type="title"/>
+          </p:nvPr>
+        </p:nvSpPr>
+        <p:spPr/>
+        <p:txBody>
+          <a:bodyPr/>
+          <a:lstStyle/>
+          <a:p>
+            <a:r>
+              <a:rPr lang="fr-FR" dirty="0"/>
+              <a:t>5 Exemple d’utilisation</a:t>
+            </a:r>
+          </a:p>
+        </p:txBody>
+      </p:sp>
+      <p:sp>
+        <p:nvSpPr>
+          <p:cNvPr id="3" name="Espace réservé du contenu 2">
+            <a:extLst>
+              <a:ext uri="{FF2B5EF4-FFF2-40B4-BE49-F238E27FC236}">
+                <a16:creationId xmlns:a16="http://schemas.microsoft.com/office/drawing/2014/main" id="{B684746D-BE18-BDF4-304B-A5942A015E27}"/>
+              </a:ext>
+            </a:extLst>
+          </p:cNvPr>
+          <p:cNvSpPr>
+            <a:spLocks noGrp="1"/>
+          </p:cNvSpPr>
+          <p:nvPr>
+            <p:ph idx="1"/>
+          </p:nvPr>
+        </p:nvSpPr>
+        <p:spPr>
+          <a:xfrm>
+            <a:off x="838200" y="1825625"/>
+            <a:ext cx="10515600" cy="713038"/>
+          </a:xfrm>
+        </p:spPr>
+        <p:txBody>
+          <a:bodyPr/>
+          <a:lstStyle/>
+          <a:p>
+            <a:pPr marL="0" indent="0">
+              <a:buNone/>
+            </a:pPr>
+            <a:r>
+              <a:rPr lang="fr-FR" dirty="0"/>
+              <a:t>5.3.1 Diagramme de séquence pour l’ajout d’un Observateur </a:t>
+            </a:r>
+          </a:p>
+        </p:txBody>
+      </p:sp>
+      <p:pic>
+        <p:nvPicPr>
+          <p:cNvPr id="5" name="Image 4" descr="Une image contenant texte, ligne, diagramme, Rectangle&#10;&#10;Description générée automatiquement">
+            <a:extLst>
+              <a:ext uri="{FF2B5EF4-FFF2-40B4-BE49-F238E27FC236}">
+                <a16:creationId xmlns:a16="http://schemas.microsoft.com/office/drawing/2014/main" id="{C06A53A5-638B-9381-761C-DEFFE4A4EBD0}"/>
+              </a:ext>
+            </a:extLst>
+          </p:cNvPr>
+          <p:cNvPicPr>
+            <a:picLocks noChangeAspect="1"/>
+          </p:cNvPicPr>
+          <p:nvPr/>
+        </p:nvPicPr>
+        <p:blipFill>
+          <a:blip r:embed="rId2">
+            <a:extLst>
+              <a:ext uri="{28A0092B-C50C-407E-A947-70E740481C1C}">
+                <a14:useLocalDpi xmlns:a14="http://schemas.microsoft.com/office/drawing/2010/main" val="0"/>
+              </a:ext>
+            </a:extLst>
+          </a:blip>
+          <a:stretch>
+            <a:fillRect/>
+          </a:stretch>
+        </p:blipFill>
+        <p:spPr>
+          <a:xfrm>
+            <a:off x="838200" y="2676189"/>
+            <a:ext cx="10515600" cy="2682992"/>
+          </a:xfrm>
+          <a:prstGeom prst="rect">
+            <a:avLst/>
+          </a:prstGeom>
+        </p:spPr>
+      </p:pic>
+    </p:spTree>
+    <p:extLst>
+      <p:ext uri="{BB962C8B-B14F-4D97-AF65-F5344CB8AC3E}">
+        <p14:creationId xmlns:p14="http://schemas.microsoft.com/office/powerpoint/2010/main" val="355940287"/>
+      </p:ext>
+    </p:extLst>
+  </p:cSld>
+  <p:clrMapOvr>
+    <a:masterClrMapping/>
+  </p:clrMapOvr>
+</p:sld>
+</file>
+
+<file path=ppt/slides/slide17.xml><?xml version="1.0" encoding="utf-8"?>
+<p:sld xmlns:a="http://schemas.openxmlformats.org/drawingml/2006/main" xmlns:r="http://schemas.openxmlformats.org/officeDocument/2006/relationships" xmlns:p="http://schemas.openxmlformats.org/presentationml/2006/main">
+  <p:cSld>
+    <p:spTree>
+      <p:nvGrpSpPr>
+        <p:cNvPr id="1" name=""/>
+        <p:cNvGrpSpPr/>
+        <p:nvPr/>
+      </p:nvGrpSpPr>
+      <p:grpSpPr>
+        <a:xfrm>
+          <a:off x="0" y="0"/>
+          <a:ext cx="0" cy="0"/>
+          <a:chOff x="0" y="0"/>
+          <a:chExt cx="0" cy="0"/>
+        </a:xfrm>
+      </p:grpSpPr>
+      <p:sp>
+        <p:nvSpPr>
+          <p:cNvPr id="2" name="Titre 1">
+            <a:extLst>
+              <a:ext uri="{FF2B5EF4-FFF2-40B4-BE49-F238E27FC236}">
+                <a16:creationId xmlns:a16="http://schemas.microsoft.com/office/drawing/2014/main" id="{CA4C5CEF-9696-CB81-270C-430F3573708F}"/>
+              </a:ext>
+            </a:extLst>
+          </p:cNvPr>
+          <p:cNvSpPr>
+            <a:spLocks noGrp="1"/>
+          </p:cNvSpPr>
+          <p:nvPr>
+            <p:ph type="title"/>
+          </p:nvPr>
+        </p:nvSpPr>
+        <p:spPr/>
+        <p:txBody>
+          <a:bodyPr/>
+          <a:lstStyle/>
+          <a:p>
+            <a:r>
+              <a:rPr lang="fr-FR" dirty="0"/>
+              <a:t>5 Exemple d’utilisation</a:t>
+            </a:r>
+          </a:p>
+        </p:txBody>
+      </p:sp>
+      <p:sp>
+        <p:nvSpPr>
+          <p:cNvPr id="3" name="Espace réservé du contenu 2">
+            <a:extLst>
+              <a:ext uri="{FF2B5EF4-FFF2-40B4-BE49-F238E27FC236}">
+                <a16:creationId xmlns:a16="http://schemas.microsoft.com/office/drawing/2014/main" id="{9437E2A0-0E6D-524B-87DD-9CD3792DA6E6}"/>
+              </a:ext>
+            </a:extLst>
+          </p:cNvPr>
+          <p:cNvSpPr>
+            <a:spLocks noGrp="1"/>
+          </p:cNvSpPr>
+          <p:nvPr>
+            <p:ph idx="1"/>
+          </p:nvPr>
+        </p:nvSpPr>
+        <p:spPr>
+          <a:xfrm>
+            <a:off x="838200" y="1825625"/>
+            <a:ext cx="10515600" cy="725070"/>
+          </a:xfrm>
+        </p:spPr>
+        <p:txBody>
+          <a:bodyPr/>
+          <a:lstStyle/>
+          <a:p>
+            <a:pPr marL="0" indent="0">
+              <a:buNone/>
+            </a:pPr>
+            <a:r>
+              <a:rPr lang="fr-FR" dirty="0"/>
+              <a:t>5.3.2 Diagramme de séquence pour la suppression d’un Observateur</a:t>
+            </a:r>
+          </a:p>
+        </p:txBody>
+      </p:sp>
+      <p:pic>
+        <p:nvPicPr>
+          <p:cNvPr id="5" name="Image 4" descr="Une image contenant texte, capture d’écran, ligne, diagramme&#10;&#10;Description générée automatiquement">
+            <a:extLst>
+              <a:ext uri="{FF2B5EF4-FFF2-40B4-BE49-F238E27FC236}">
+                <a16:creationId xmlns:a16="http://schemas.microsoft.com/office/drawing/2014/main" id="{0F0703B5-D216-6F48-68C7-912DE8A233F7}"/>
+              </a:ext>
+            </a:extLst>
+          </p:cNvPr>
+          <p:cNvPicPr>
+            <a:picLocks noChangeAspect="1"/>
+          </p:cNvPicPr>
+          <p:nvPr/>
+        </p:nvPicPr>
+        <p:blipFill>
+          <a:blip r:embed="rId2">
+            <a:extLst>
+              <a:ext uri="{28A0092B-C50C-407E-A947-70E740481C1C}">
+                <a14:useLocalDpi xmlns:a14="http://schemas.microsoft.com/office/drawing/2010/main" val="0"/>
+              </a:ext>
+            </a:extLst>
+          </a:blip>
+          <a:stretch>
+            <a:fillRect/>
+          </a:stretch>
+        </p:blipFill>
+        <p:spPr>
+          <a:xfrm>
+            <a:off x="671392" y="2481130"/>
+            <a:ext cx="10886751" cy="2728544"/>
+          </a:xfrm>
+          <a:prstGeom prst="rect">
+            <a:avLst/>
+          </a:prstGeom>
+        </p:spPr>
+      </p:pic>
+    </p:spTree>
+    <p:extLst>
+      <p:ext uri="{BB962C8B-B14F-4D97-AF65-F5344CB8AC3E}">
+        <p14:creationId xmlns:p14="http://schemas.microsoft.com/office/powerpoint/2010/main" val="1614750927"/>
+      </p:ext>
+    </p:extLst>
+  </p:cSld>
+  <p:clrMapOvr>
+    <a:masterClrMapping/>
+  </p:clrMapOvr>
+</p:sld>
+</file>
+
+<file path=ppt/slides/slide18.xml><?xml version="1.0" encoding="utf-8"?>
+<p:sld xmlns:a="http://schemas.openxmlformats.org/drawingml/2006/main" xmlns:r="http://schemas.openxmlformats.org/officeDocument/2006/relationships" xmlns:p="http://schemas.openxmlformats.org/presentationml/2006/main">
+  <p:cSld>
+    <p:spTree>
+      <p:nvGrpSpPr>
+        <p:cNvPr id="1" name=""/>
+        <p:cNvGrpSpPr/>
+        <p:nvPr/>
+      </p:nvGrpSpPr>
+      <p:grpSpPr>
+        <a:xfrm>
+          <a:off x="0" y="0"/>
+          <a:ext cx="0" cy="0"/>
+          <a:chOff x="0" y="0"/>
+          <a:chExt cx="0" cy="0"/>
+        </a:xfrm>
+      </p:grpSpPr>
+      <p:sp>
+        <p:nvSpPr>
+          <p:cNvPr id="2" name="Titre 1">
+            <a:extLst>
+              <a:ext uri="{FF2B5EF4-FFF2-40B4-BE49-F238E27FC236}">
+                <a16:creationId xmlns:a16="http://schemas.microsoft.com/office/drawing/2014/main" id="{EAFD7B81-E42E-FDAE-03DA-A2AF4B34D9A8}"/>
+              </a:ext>
+            </a:extLst>
+          </p:cNvPr>
+          <p:cNvSpPr>
+            <a:spLocks noGrp="1"/>
+          </p:cNvSpPr>
+          <p:nvPr>
+            <p:ph type="title"/>
+          </p:nvPr>
+        </p:nvSpPr>
+        <p:spPr/>
+        <p:txBody>
+          <a:bodyPr/>
+          <a:lstStyle/>
+          <a:p>
+            <a:r>
+              <a:rPr lang="fr-FR" dirty="0"/>
+              <a:t>5 Exemple d’utilisation</a:t>
+            </a:r>
+          </a:p>
+        </p:txBody>
+      </p:sp>
+      <p:sp>
+        <p:nvSpPr>
+          <p:cNvPr id="3" name="Espace réservé du contenu 2">
+            <a:extLst>
+              <a:ext uri="{FF2B5EF4-FFF2-40B4-BE49-F238E27FC236}">
+                <a16:creationId xmlns:a16="http://schemas.microsoft.com/office/drawing/2014/main" id="{9717B411-9B4D-3D36-8CE0-72C85C0C0987}"/>
+              </a:ext>
+            </a:extLst>
+          </p:cNvPr>
+          <p:cNvSpPr>
+            <a:spLocks noGrp="1"/>
+          </p:cNvSpPr>
+          <p:nvPr>
+            <p:ph idx="1"/>
+          </p:nvPr>
+        </p:nvSpPr>
+        <p:spPr>
+          <a:xfrm>
+            <a:off x="838200" y="1825625"/>
+            <a:ext cx="10515600" cy="580691"/>
+          </a:xfrm>
+        </p:spPr>
+        <p:txBody>
+          <a:bodyPr/>
+          <a:lstStyle/>
+          <a:p>
+            <a:pPr marL="0" indent="0">
+              <a:buNone/>
+            </a:pPr>
+            <a:r>
+              <a:rPr lang="fr-FR" dirty="0"/>
+              <a:t>5.3.3 Diagramme pour la notification d’un Observateur</a:t>
+            </a:r>
+          </a:p>
+        </p:txBody>
+      </p:sp>
+      <p:pic>
+        <p:nvPicPr>
+          <p:cNvPr id="5" name="Image 4" descr="Une image contenant texte, capture d’écran, diagramme, ligne&#10;&#10;Description générée automatiquement">
+            <a:extLst>
+              <a:ext uri="{FF2B5EF4-FFF2-40B4-BE49-F238E27FC236}">
+                <a16:creationId xmlns:a16="http://schemas.microsoft.com/office/drawing/2014/main" id="{D27B4814-2C54-45A2-66A7-99BFA197EA6D}"/>
+              </a:ext>
+            </a:extLst>
+          </p:cNvPr>
+          <p:cNvPicPr>
+            <a:picLocks noChangeAspect="1"/>
+          </p:cNvPicPr>
+          <p:nvPr/>
+        </p:nvPicPr>
+        <p:blipFill>
+          <a:blip r:embed="rId2">
+            <a:extLst>
+              <a:ext uri="{28A0092B-C50C-407E-A947-70E740481C1C}">
+                <a14:useLocalDpi xmlns:a14="http://schemas.microsoft.com/office/drawing/2010/main" val="0"/>
+              </a:ext>
+            </a:extLst>
+          </a:blip>
+          <a:stretch>
+            <a:fillRect/>
+          </a:stretch>
+        </p:blipFill>
+        <p:spPr>
+          <a:xfrm>
+            <a:off x="838200" y="2541251"/>
+            <a:ext cx="10515600" cy="4013587"/>
+          </a:xfrm>
+          <a:prstGeom prst="rect">
+            <a:avLst/>
+          </a:prstGeom>
+        </p:spPr>
+      </p:pic>
+    </p:spTree>
+    <p:extLst>
+      <p:ext uri="{BB962C8B-B14F-4D97-AF65-F5344CB8AC3E}">
+        <p14:creationId xmlns:p14="http://schemas.microsoft.com/office/powerpoint/2010/main" val="2246804402"/>
+      </p:ext>
+    </p:extLst>
+  </p:cSld>
+  <p:clrMapOvr>
+    <a:masterClrMapping/>
+  </p:clrMapOvr>
+</p:sld>
+</file>
+
+<file path=ppt/slides/slide19.xml><?xml version="1.0" encoding="utf-8"?>
+<p:sld xmlns:a="http://schemas.openxmlformats.org/drawingml/2006/main" xmlns:r="http://schemas.openxmlformats.org/officeDocument/2006/relationships" xmlns:p="http://schemas.openxmlformats.org/presentationml/2006/main">
+  <p:cSld>
+    <p:spTree>
+      <p:nvGrpSpPr>
+        <p:cNvPr id="1" name=""/>
+        <p:cNvGrpSpPr/>
+        <p:nvPr/>
+      </p:nvGrpSpPr>
+      <p:grpSpPr>
+        <a:xfrm>
+          <a:off x="0" y="0"/>
+          <a:ext cx="0" cy="0"/>
+          <a:chOff x="0" y="0"/>
+          <a:chExt cx="0" cy="0"/>
+        </a:xfrm>
+      </p:grpSpPr>
+      <p:sp>
+        <p:nvSpPr>
+          <p:cNvPr id="2" name="Titre 1">
+            <a:extLst>
+              <a:ext uri="{FF2B5EF4-FFF2-40B4-BE49-F238E27FC236}">
+                <a16:creationId xmlns:a16="http://schemas.microsoft.com/office/drawing/2014/main" id="{A7A7692D-8DD4-2270-D57C-395C9E6E8C13}"/>
+              </a:ext>
+            </a:extLst>
+          </p:cNvPr>
+          <p:cNvSpPr>
+            <a:spLocks noGrp="1"/>
+          </p:cNvSpPr>
+          <p:nvPr>
+            <p:ph type="title"/>
+          </p:nvPr>
+        </p:nvSpPr>
+        <p:spPr/>
+        <p:txBody>
+          <a:bodyPr/>
+          <a:lstStyle/>
+          <a:p>
+            <a:r>
+              <a:rPr lang="fr-FR" dirty="0"/>
+              <a:t>5 Exemple d’utilisation</a:t>
+            </a:r>
+          </a:p>
+        </p:txBody>
+      </p:sp>
+      <p:sp>
+        <p:nvSpPr>
+          <p:cNvPr id="3" name="Espace réservé du contenu 2">
+            <a:extLst>
+              <a:ext uri="{FF2B5EF4-FFF2-40B4-BE49-F238E27FC236}">
+                <a16:creationId xmlns:a16="http://schemas.microsoft.com/office/drawing/2014/main" id="{9CB63768-7800-95B9-4695-0A02B92165C3}"/>
+              </a:ext>
+            </a:extLst>
+          </p:cNvPr>
+          <p:cNvSpPr>
+            <a:spLocks noGrp="1"/>
+          </p:cNvSpPr>
+          <p:nvPr>
+            <p:ph idx="1"/>
+          </p:nvPr>
+        </p:nvSpPr>
+        <p:spPr>
+          <a:xfrm>
+            <a:off x="838200" y="1825625"/>
+            <a:ext cx="10515600" cy="628817"/>
+          </a:xfrm>
+        </p:spPr>
+        <p:txBody>
+          <a:bodyPr/>
+          <a:lstStyle/>
+          <a:p>
+            <a:pPr marL="0" indent="0">
+              <a:buNone/>
+            </a:pPr>
+            <a:r>
+              <a:rPr lang="fr-FR" dirty="0"/>
+              <a:t>5.3.4 Implémentation interface </a:t>
+            </a:r>
+            <a:r>
+              <a:rPr lang="fr-FR" dirty="0" err="1"/>
+              <a:t>ISujet</a:t>
+            </a:r>
+            <a:endParaRPr lang="fr-FR" dirty="0"/>
+          </a:p>
+        </p:txBody>
+      </p:sp>
+      <p:pic>
+        <p:nvPicPr>
+          <p:cNvPr id="5" name="Image 4" descr="Une image contenant texte, capture d’écran, Police, ligne&#10;&#10;Description générée automatiquement">
+            <a:extLst>
+              <a:ext uri="{FF2B5EF4-FFF2-40B4-BE49-F238E27FC236}">
+                <a16:creationId xmlns:a16="http://schemas.microsoft.com/office/drawing/2014/main" id="{30514865-1408-D672-BC2B-80C67C9C5CC4}"/>
+              </a:ext>
+            </a:extLst>
+          </p:cNvPr>
+          <p:cNvPicPr>
+            <a:picLocks noChangeAspect="1"/>
+          </p:cNvPicPr>
+          <p:nvPr/>
+        </p:nvPicPr>
+        <p:blipFill>
+          <a:blip r:embed="rId2">
+            <a:extLst>
+              <a:ext uri="{28A0092B-C50C-407E-A947-70E740481C1C}">
+                <a14:useLocalDpi xmlns:a14="http://schemas.microsoft.com/office/drawing/2010/main" val="0"/>
+              </a:ext>
+            </a:extLst>
+          </a:blip>
+          <a:stretch>
+            <a:fillRect/>
+          </a:stretch>
+        </p:blipFill>
+        <p:spPr>
+          <a:xfrm>
+            <a:off x="838200" y="2589379"/>
+            <a:ext cx="2867425" cy="1000265"/>
+          </a:xfrm>
+          <a:prstGeom prst="rect">
+            <a:avLst/>
+          </a:prstGeom>
+        </p:spPr>
+      </p:pic>
+      <p:pic>
+        <p:nvPicPr>
+          <p:cNvPr id="7" name="Image 6" descr="Une image contenant texte, capture d’écran, Police, logiciel&#10;&#10;Description générée automatiquement">
+            <a:extLst>
+              <a:ext uri="{FF2B5EF4-FFF2-40B4-BE49-F238E27FC236}">
+                <a16:creationId xmlns:a16="http://schemas.microsoft.com/office/drawing/2014/main" id="{FAD05BC6-B8EC-42E6-E546-AC38798A7777}"/>
+              </a:ext>
+            </a:extLst>
+          </p:cNvPr>
+          <p:cNvPicPr>
+            <a:picLocks noChangeAspect="1"/>
+          </p:cNvPicPr>
+          <p:nvPr/>
+        </p:nvPicPr>
+        <p:blipFill>
+          <a:blip r:embed="rId3">
+            <a:extLst>
+              <a:ext uri="{28A0092B-C50C-407E-A947-70E740481C1C}">
+                <a14:useLocalDpi xmlns:a14="http://schemas.microsoft.com/office/drawing/2010/main" val="0"/>
+              </a:ext>
+            </a:extLst>
+          </a:blip>
+          <a:stretch>
+            <a:fillRect/>
+          </a:stretch>
+        </p:blipFill>
+        <p:spPr>
+          <a:xfrm>
+            <a:off x="838200" y="3866030"/>
+            <a:ext cx="7819539" cy="2414454"/>
+          </a:xfrm>
+          <a:prstGeom prst="rect">
+            <a:avLst/>
+          </a:prstGeom>
+        </p:spPr>
+      </p:pic>
+    </p:spTree>
+    <p:extLst>
+      <p:ext uri="{BB962C8B-B14F-4D97-AF65-F5344CB8AC3E}">
+        <p14:creationId xmlns:p14="http://schemas.microsoft.com/office/powerpoint/2010/main" val="3148018332"/>
       </p:ext>
     </p:extLst>
   </p:cSld>
@@ -3461,7 +5717,7 @@
             </a:pPr>
             <a:r>
               <a:rPr lang="fr-FR" dirty="0"/>
-              <a:t>Composants, fonctionnement et structure</a:t>
+              <a:t>Composants et fonctionnement</a:t>
             </a:r>
           </a:p>
           <a:p>
@@ -3481,7 +5737,7 @@
             </a:pPr>
             <a:r>
               <a:rPr lang="fr-FR" dirty="0"/>
-              <a:t>Avantages, inconvénients</a:t>
+              <a:t>Avantages et inconvénients</a:t>
             </a:r>
           </a:p>
           <a:p>
@@ -3494,12 +5750,733 @@
               <a:t>Exemple d’utilisation</a:t>
             </a:r>
           </a:p>
+          <a:p>
+            <a:pPr marL="514350" indent="-514350">
+              <a:buFont typeface="+mj-lt"/>
+              <a:buAutoNum type="arabicPeriod"/>
+            </a:pPr>
+            <a:r>
+              <a:rPr lang="fr-FR" dirty="0"/>
+              <a:t>Conclusion</a:t>
+            </a:r>
+          </a:p>
         </p:txBody>
       </p:sp>
     </p:spTree>
     <p:extLst>
       <p:ext uri="{BB962C8B-B14F-4D97-AF65-F5344CB8AC3E}">
         <p14:creationId xmlns:p14="http://schemas.microsoft.com/office/powerpoint/2010/main" val="3389184911"/>
+      </p:ext>
+    </p:extLst>
+  </p:cSld>
+  <p:clrMapOvr>
+    <a:masterClrMapping/>
+  </p:clrMapOvr>
+</p:sld>
+</file>
+
+<file path=ppt/slides/slide20.xml><?xml version="1.0" encoding="utf-8"?>
+<p:sld xmlns:a="http://schemas.openxmlformats.org/drawingml/2006/main" xmlns:r="http://schemas.openxmlformats.org/officeDocument/2006/relationships" xmlns:p="http://schemas.openxmlformats.org/presentationml/2006/main">
+  <p:cSld>
+    <p:spTree>
+      <p:nvGrpSpPr>
+        <p:cNvPr id="1" name=""/>
+        <p:cNvGrpSpPr/>
+        <p:nvPr/>
+      </p:nvGrpSpPr>
+      <p:grpSpPr>
+        <a:xfrm>
+          <a:off x="0" y="0"/>
+          <a:ext cx="0" cy="0"/>
+          <a:chOff x="0" y="0"/>
+          <a:chExt cx="0" cy="0"/>
+        </a:xfrm>
+      </p:grpSpPr>
+      <p:sp>
+        <p:nvSpPr>
+          <p:cNvPr id="2" name="Titre 1">
+            <a:extLst>
+              <a:ext uri="{FF2B5EF4-FFF2-40B4-BE49-F238E27FC236}">
+                <a16:creationId xmlns:a16="http://schemas.microsoft.com/office/drawing/2014/main" id="{EDD20F79-E563-EB9F-E369-1CF88F4C49EA}"/>
+              </a:ext>
+            </a:extLst>
+          </p:cNvPr>
+          <p:cNvSpPr>
+            <a:spLocks noGrp="1"/>
+          </p:cNvSpPr>
+          <p:nvPr>
+            <p:ph type="title"/>
+          </p:nvPr>
+        </p:nvSpPr>
+        <p:spPr/>
+        <p:txBody>
+          <a:bodyPr/>
+          <a:lstStyle/>
+          <a:p>
+            <a:r>
+              <a:rPr lang="fr-FR" dirty="0"/>
+              <a:t>5 Exemple d’utilisation</a:t>
+            </a:r>
+          </a:p>
+        </p:txBody>
+      </p:sp>
+      <p:sp>
+        <p:nvSpPr>
+          <p:cNvPr id="3" name="Espace réservé du contenu 2">
+            <a:extLst>
+              <a:ext uri="{FF2B5EF4-FFF2-40B4-BE49-F238E27FC236}">
+                <a16:creationId xmlns:a16="http://schemas.microsoft.com/office/drawing/2014/main" id="{E53A2475-2970-7C1F-B77F-0A58ACE04A7A}"/>
+              </a:ext>
+            </a:extLst>
+          </p:cNvPr>
+          <p:cNvSpPr>
+            <a:spLocks noGrp="1"/>
+          </p:cNvSpPr>
+          <p:nvPr>
+            <p:ph idx="1"/>
+          </p:nvPr>
+        </p:nvSpPr>
+        <p:spPr>
+          <a:xfrm>
+            <a:off x="838200" y="1825625"/>
+            <a:ext cx="10515600" cy="640849"/>
+          </a:xfrm>
+        </p:spPr>
+        <p:txBody>
+          <a:bodyPr/>
+          <a:lstStyle/>
+          <a:p>
+            <a:pPr marL="0" indent="0">
+              <a:buNone/>
+            </a:pPr>
+            <a:r>
+              <a:rPr lang="fr-FR" dirty="0"/>
+              <a:t>5.3.5 Implémentation classe Satellite</a:t>
+            </a:r>
+          </a:p>
+        </p:txBody>
+      </p:sp>
+      <p:pic>
+        <p:nvPicPr>
+          <p:cNvPr id="5" name="Image 4" descr="Une image contenant texte, capture d’écran, Police&#10;&#10;Description générée automatiquement">
+            <a:extLst>
+              <a:ext uri="{FF2B5EF4-FFF2-40B4-BE49-F238E27FC236}">
+                <a16:creationId xmlns:a16="http://schemas.microsoft.com/office/drawing/2014/main" id="{D1026E9E-85FD-332C-AE8E-F4D2FA1BAFBD}"/>
+              </a:ext>
+            </a:extLst>
+          </p:cNvPr>
+          <p:cNvPicPr>
+            <a:picLocks noChangeAspect="1"/>
+          </p:cNvPicPr>
+          <p:nvPr/>
+        </p:nvPicPr>
+        <p:blipFill>
+          <a:blip r:embed="rId2">
+            <a:extLst>
+              <a:ext uri="{28A0092B-C50C-407E-A947-70E740481C1C}">
+                <a14:useLocalDpi xmlns:a14="http://schemas.microsoft.com/office/drawing/2010/main" val="0"/>
+              </a:ext>
+            </a:extLst>
+          </a:blip>
+          <a:stretch>
+            <a:fillRect/>
+          </a:stretch>
+        </p:blipFill>
+        <p:spPr>
+          <a:xfrm>
+            <a:off x="838200" y="2648209"/>
+            <a:ext cx="2924583" cy="1743318"/>
+          </a:xfrm>
+          <a:prstGeom prst="rect">
+            <a:avLst/>
+          </a:prstGeom>
+        </p:spPr>
+      </p:pic>
+      <p:pic>
+        <p:nvPicPr>
+          <p:cNvPr id="7" name="Image 6" descr="Une image contenant texte, capture d’écran, logiciel&#10;&#10;Description générée automatiquement">
+            <a:extLst>
+              <a:ext uri="{FF2B5EF4-FFF2-40B4-BE49-F238E27FC236}">
+                <a16:creationId xmlns:a16="http://schemas.microsoft.com/office/drawing/2014/main" id="{B9254C10-395C-F883-26F9-68C4E5449CB5}"/>
+              </a:ext>
+            </a:extLst>
+          </p:cNvPr>
+          <p:cNvPicPr>
+            <a:picLocks noChangeAspect="1"/>
+          </p:cNvPicPr>
+          <p:nvPr/>
+        </p:nvPicPr>
+        <p:blipFill>
+          <a:blip r:embed="rId3">
+            <a:extLst>
+              <a:ext uri="{28A0092B-C50C-407E-A947-70E740481C1C}">
+                <a14:useLocalDpi xmlns:a14="http://schemas.microsoft.com/office/drawing/2010/main" val="0"/>
+              </a:ext>
+            </a:extLst>
+          </a:blip>
+          <a:stretch>
+            <a:fillRect/>
+          </a:stretch>
+        </p:blipFill>
+        <p:spPr>
+          <a:xfrm>
+            <a:off x="6715786" y="180521"/>
+            <a:ext cx="4896533" cy="6496957"/>
+          </a:xfrm>
+          <a:prstGeom prst="rect">
+            <a:avLst/>
+          </a:prstGeom>
+        </p:spPr>
+      </p:pic>
+    </p:spTree>
+    <p:extLst>
+      <p:ext uri="{BB962C8B-B14F-4D97-AF65-F5344CB8AC3E}">
+        <p14:creationId xmlns:p14="http://schemas.microsoft.com/office/powerpoint/2010/main" val="394326024"/>
+      </p:ext>
+    </p:extLst>
+  </p:cSld>
+  <p:clrMapOvr>
+    <a:masterClrMapping/>
+  </p:clrMapOvr>
+</p:sld>
+</file>
+
+<file path=ppt/slides/slide21.xml><?xml version="1.0" encoding="utf-8"?>
+<p:sld xmlns:a="http://schemas.openxmlformats.org/drawingml/2006/main" xmlns:r="http://schemas.openxmlformats.org/officeDocument/2006/relationships" xmlns:p="http://schemas.openxmlformats.org/presentationml/2006/main">
+  <p:cSld>
+    <p:spTree>
+      <p:nvGrpSpPr>
+        <p:cNvPr id="1" name=""/>
+        <p:cNvGrpSpPr/>
+        <p:nvPr/>
+      </p:nvGrpSpPr>
+      <p:grpSpPr>
+        <a:xfrm>
+          <a:off x="0" y="0"/>
+          <a:ext cx="0" cy="0"/>
+          <a:chOff x="0" y="0"/>
+          <a:chExt cx="0" cy="0"/>
+        </a:xfrm>
+      </p:grpSpPr>
+      <p:sp>
+        <p:nvSpPr>
+          <p:cNvPr id="2" name="Titre 1">
+            <a:extLst>
+              <a:ext uri="{FF2B5EF4-FFF2-40B4-BE49-F238E27FC236}">
+                <a16:creationId xmlns:a16="http://schemas.microsoft.com/office/drawing/2014/main" id="{8B33BAA7-C2BF-BD75-358A-31248AA88976}"/>
+              </a:ext>
+            </a:extLst>
+          </p:cNvPr>
+          <p:cNvSpPr>
+            <a:spLocks noGrp="1"/>
+          </p:cNvSpPr>
+          <p:nvPr>
+            <p:ph type="title"/>
+          </p:nvPr>
+        </p:nvSpPr>
+        <p:spPr/>
+        <p:txBody>
+          <a:bodyPr/>
+          <a:lstStyle/>
+          <a:p>
+            <a:r>
+              <a:rPr lang="fr-FR" dirty="0"/>
+              <a:t>5 Exemple d’utilisation</a:t>
+            </a:r>
+          </a:p>
+        </p:txBody>
+      </p:sp>
+      <p:sp>
+        <p:nvSpPr>
+          <p:cNvPr id="3" name="Espace réservé du contenu 2">
+            <a:extLst>
+              <a:ext uri="{FF2B5EF4-FFF2-40B4-BE49-F238E27FC236}">
+                <a16:creationId xmlns:a16="http://schemas.microsoft.com/office/drawing/2014/main" id="{6633D9BC-8EC6-9E8A-104E-55E5AA66ADB0}"/>
+              </a:ext>
+            </a:extLst>
+          </p:cNvPr>
+          <p:cNvSpPr>
+            <a:spLocks noGrp="1"/>
+          </p:cNvSpPr>
+          <p:nvPr>
+            <p:ph idx="1"/>
+          </p:nvPr>
+        </p:nvSpPr>
+        <p:spPr>
+          <a:xfrm>
+            <a:off x="838200" y="1825625"/>
+            <a:ext cx="10515600" cy="749133"/>
+          </a:xfrm>
+        </p:spPr>
+        <p:txBody>
+          <a:bodyPr/>
+          <a:lstStyle/>
+          <a:p>
+            <a:pPr marL="0" indent="0">
+              <a:buNone/>
+            </a:pPr>
+            <a:r>
+              <a:rPr lang="fr-FR" dirty="0"/>
+              <a:t>5.3.6 Implémentation interface </a:t>
+            </a:r>
+            <a:r>
+              <a:rPr lang="fr-FR" dirty="0" err="1"/>
+              <a:t>IObservateur</a:t>
+            </a:r>
+            <a:endParaRPr lang="fr-FR" dirty="0"/>
+          </a:p>
+        </p:txBody>
+      </p:sp>
+      <p:pic>
+        <p:nvPicPr>
+          <p:cNvPr id="5" name="Image 4" descr="Une image contenant texte, capture d’écran, Police, ligne&#10;&#10;Description générée automatiquement">
+            <a:extLst>
+              <a:ext uri="{FF2B5EF4-FFF2-40B4-BE49-F238E27FC236}">
+                <a16:creationId xmlns:a16="http://schemas.microsoft.com/office/drawing/2014/main" id="{1B7C8E22-C0ED-274F-D8DB-A11E3F9F1687}"/>
+              </a:ext>
+            </a:extLst>
+          </p:cNvPr>
+          <p:cNvPicPr>
+            <a:picLocks noChangeAspect="1"/>
+          </p:cNvPicPr>
+          <p:nvPr/>
+        </p:nvPicPr>
+        <p:blipFill>
+          <a:blip r:embed="rId2">
+            <a:extLst>
+              <a:ext uri="{28A0092B-C50C-407E-A947-70E740481C1C}">
+                <a14:useLocalDpi xmlns:a14="http://schemas.microsoft.com/office/drawing/2010/main" val="0"/>
+              </a:ext>
+            </a:extLst>
+          </a:blip>
+          <a:stretch>
+            <a:fillRect/>
+          </a:stretch>
+        </p:blipFill>
+        <p:spPr>
+          <a:xfrm>
+            <a:off x="838200" y="2709695"/>
+            <a:ext cx="1905266" cy="685896"/>
+          </a:xfrm>
+          <a:prstGeom prst="rect">
+            <a:avLst/>
+          </a:prstGeom>
+        </p:spPr>
+      </p:pic>
+      <p:pic>
+        <p:nvPicPr>
+          <p:cNvPr id="9" name="Image 8" descr="Une image contenant texte, capture d’écran, Police&#10;&#10;Description générée automatiquement">
+            <a:extLst>
+              <a:ext uri="{FF2B5EF4-FFF2-40B4-BE49-F238E27FC236}">
+                <a16:creationId xmlns:a16="http://schemas.microsoft.com/office/drawing/2014/main" id="{27CA281D-6860-C2A5-6445-9C17DBAE07E8}"/>
+              </a:ext>
+            </a:extLst>
+          </p:cNvPr>
+          <p:cNvPicPr>
+            <a:picLocks noChangeAspect="1"/>
+          </p:cNvPicPr>
+          <p:nvPr/>
+        </p:nvPicPr>
+        <p:blipFill>
+          <a:blip r:embed="rId3">
+            <a:extLst>
+              <a:ext uri="{28A0092B-C50C-407E-A947-70E740481C1C}">
+                <a14:useLocalDpi xmlns:a14="http://schemas.microsoft.com/office/drawing/2010/main" val="0"/>
+              </a:ext>
+            </a:extLst>
+          </a:blip>
+          <a:stretch>
+            <a:fillRect/>
+          </a:stretch>
+        </p:blipFill>
+        <p:spPr>
+          <a:xfrm>
+            <a:off x="838200" y="3703404"/>
+            <a:ext cx="6157437" cy="1313764"/>
+          </a:xfrm>
+          <a:prstGeom prst="rect">
+            <a:avLst/>
+          </a:prstGeom>
+        </p:spPr>
+      </p:pic>
+    </p:spTree>
+    <p:extLst>
+      <p:ext uri="{BB962C8B-B14F-4D97-AF65-F5344CB8AC3E}">
+        <p14:creationId xmlns:p14="http://schemas.microsoft.com/office/powerpoint/2010/main" val="3550938122"/>
+      </p:ext>
+    </p:extLst>
+  </p:cSld>
+  <p:clrMapOvr>
+    <a:masterClrMapping/>
+  </p:clrMapOvr>
+</p:sld>
+</file>
+
+<file path=ppt/slides/slide22.xml><?xml version="1.0" encoding="utf-8"?>
+<p:sld xmlns:a="http://schemas.openxmlformats.org/drawingml/2006/main" xmlns:r="http://schemas.openxmlformats.org/officeDocument/2006/relationships" xmlns:p="http://schemas.openxmlformats.org/presentationml/2006/main">
+  <p:cSld>
+    <p:spTree>
+      <p:nvGrpSpPr>
+        <p:cNvPr id="1" name=""/>
+        <p:cNvGrpSpPr/>
+        <p:nvPr/>
+      </p:nvGrpSpPr>
+      <p:grpSpPr>
+        <a:xfrm>
+          <a:off x="0" y="0"/>
+          <a:ext cx="0" cy="0"/>
+          <a:chOff x="0" y="0"/>
+          <a:chExt cx="0" cy="0"/>
+        </a:xfrm>
+      </p:grpSpPr>
+      <p:sp>
+        <p:nvSpPr>
+          <p:cNvPr id="2" name="Titre 1">
+            <a:extLst>
+              <a:ext uri="{FF2B5EF4-FFF2-40B4-BE49-F238E27FC236}">
+                <a16:creationId xmlns:a16="http://schemas.microsoft.com/office/drawing/2014/main" id="{EDC6005F-0663-CC75-4488-E079C6847B13}"/>
+              </a:ext>
+            </a:extLst>
+          </p:cNvPr>
+          <p:cNvSpPr>
+            <a:spLocks noGrp="1"/>
+          </p:cNvSpPr>
+          <p:nvPr>
+            <p:ph type="title"/>
+          </p:nvPr>
+        </p:nvSpPr>
+        <p:spPr/>
+        <p:txBody>
+          <a:bodyPr/>
+          <a:lstStyle/>
+          <a:p>
+            <a:r>
+              <a:rPr lang="fr-FR" dirty="0"/>
+              <a:t>5 Exemple d’utilisation</a:t>
+            </a:r>
+          </a:p>
+        </p:txBody>
+      </p:sp>
+      <p:sp>
+        <p:nvSpPr>
+          <p:cNvPr id="3" name="Espace réservé du contenu 2">
+            <a:extLst>
+              <a:ext uri="{FF2B5EF4-FFF2-40B4-BE49-F238E27FC236}">
+                <a16:creationId xmlns:a16="http://schemas.microsoft.com/office/drawing/2014/main" id="{D759DE24-EE4D-099D-C9CF-51C4AD298730}"/>
+              </a:ext>
+            </a:extLst>
+          </p:cNvPr>
+          <p:cNvSpPr>
+            <a:spLocks noGrp="1"/>
+          </p:cNvSpPr>
+          <p:nvPr>
+            <p:ph idx="1"/>
+          </p:nvPr>
+        </p:nvSpPr>
+        <p:spPr>
+          <a:xfrm>
+            <a:off x="838200" y="1825625"/>
+            <a:ext cx="10515600" cy="556628"/>
+          </a:xfrm>
+        </p:spPr>
+        <p:txBody>
+          <a:bodyPr/>
+          <a:lstStyle/>
+          <a:p>
+            <a:pPr marL="0" indent="0">
+              <a:buNone/>
+            </a:pPr>
+            <a:r>
+              <a:rPr lang="fr-FR" dirty="0"/>
+              <a:t>5.3.7 Implémentation classe Navigateur</a:t>
+            </a:r>
+          </a:p>
+        </p:txBody>
+      </p:sp>
+      <p:pic>
+        <p:nvPicPr>
+          <p:cNvPr id="5" name="Image 4" descr="Une image contenant texte, capture d’écran, Police, ligne&#10;&#10;Description générée automatiquement">
+            <a:extLst>
+              <a:ext uri="{FF2B5EF4-FFF2-40B4-BE49-F238E27FC236}">
+                <a16:creationId xmlns:a16="http://schemas.microsoft.com/office/drawing/2014/main" id="{8ACB776A-B2A0-0592-D609-B0CD5F13FB3A}"/>
+              </a:ext>
+            </a:extLst>
+          </p:cNvPr>
+          <p:cNvPicPr>
+            <a:picLocks noChangeAspect="1"/>
+          </p:cNvPicPr>
+          <p:nvPr/>
+        </p:nvPicPr>
+        <p:blipFill>
+          <a:blip r:embed="rId2">
+            <a:extLst>
+              <a:ext uri="{28A0092B-C50C-407E-A947-70E740481C1C}">
+                <a14:useLocalDpi xmlns:a14="http://schemas.microsoft.com/office/drawing/2010/main" val="0"/>
+              </a:ext>
+            </a:extLst>
+          </a:blip>
+          <a:stretch>
+            <a:fillRect/>
+          </a:stretch>
+        </p:blipFill>
+        <p:spPr>
+          <a:xfrm>
+            <a:off x="838200" y="2676914"/>
+            <a:ext cx="1895740" cy="800212"/>
+          </a:xfrm>
+          <a:prstGeom prst="rect">
+            <a:avLst/>
+          </a:prstGeom>
+        </p:spPr>
+      </p:pic>
+      <p:pic>
+        <p:nvPicPr>
+          <p:cNvPr id="7" name="Image 6" descr="Une image contenant texte, capture d’écran&#10;&#10;Description générée automatiquement">
+            <a:extLst>
+              <a:ext uri="{FF2B5EF4-FFF2-40B4-BE49-F238E27FC236}">
+                <a16:creationId xmlns:a16="http://schemas.microsoft.com/office/drawing/2014/main" id="{60346234-A7E7-B5EE-97A1-2DC5A2F3EC55}"/>
+              </a:ext>
+            </a:extLst>
+          </p:cNvPr>
+          <p:cNvPicPr>
+            <a:picLocks noChangeAspect="1"/>
+          </p:cNvPicPr>
+          <p:nvPr/>
+        </p:nvPicPr>
+        <p:blipFill>
+          <a:blip r:embed="rId3">
+            <a:extLst>
+              <a:ext uri="{28A0092B-C50C-407E-A947-70E740481C1C}">
+                <a14:useLocalDpi xmlns:a14="http://schemas.microsoft.com/office/drawing/2010/main" val="0"/>
+              </a:ext>
+            </a:extLst>
+          </a:blip>
+          <a:stretch>
+            <a:fillRect/>
+          </a:stretch>
+        </p:blipFill>
+        <p:spPr>
+          <a:xfrm>
+            <a:off x="838200" y="3771786"/>
+            <a:ext cx="10603832" cy="2347045"/>
+          </a:xfrm>
+          <a:prstGeom prst="rect">
+            <a:avLst/>
+          </a:prstGeom>
+        </p:spPr>
+      </p:pic>
+    </p:spTree>
+    <p:extLst>
+      <p:ext uri="{BB962C8B-B14F-4D97-AF65-F5344CB8AC3E}">
+        <p14:creationId xmlns:p14="http://schemas.microsoft.com/office/powerpoint/2010/main" val="311578122"/>
+      </p:ext>
+    </p:extLst>
+  </p:cSld>
+  <p:clrMapOvr>
+    <a:masterClrMapping/>
+  </p:clrMapOvr>
+</p:sld>
+</file>
+
+<file path=ppt/slides/slide23.xml><?xml version="1.0" encoding="utf-8"?>
+<p:sld xmlns:a="http://schemas.openxmlformats.org/drawingml/2006/main" xmlns:r="http://schemas.openxmlformats.org/officeDocument/2006/relationships" xmlns:p="http://schemas.openxmlformats.org/presentationml/2006/main">
+  <p:cSld>
+    <p:spTree>
+      <p:nvGrpSpPr>
+        <p:cNvPr id="1" name=""/>
+        <p:cNvGrpSpPr/>
+        <p:nvPr/>
+      </p:nvGrpSpPr>
+      <p:grpSpPr>
+        <a:xfrm>
+          <a:off x="0" y="0"/>
+          <a:ext cx="0" cy="0"/>
+          <a:chOff x="0" y="0"/>
+          <a:chExt cx="0" cy="0"/>
+        </a:xfrm>
+      </p:grpSpPr>
+      <p:sp>
+        <p:nvSpPr>
+          <p:cNvPr id="2" name="Titre 1">
+            <a:extLst>
+              <a:ext uri="{FF2B5EF4-FFF2-40B4-BE49-F238E27FC236}">
+                <a16:creationId xmlns:a16="http://schemas.microsoft.com/office/drawing/2014/main" id="{25632317-5254-3F1A-3C29-C98EE791C044}"/>
+              </a:ext>
+            </a:extLst>
+          </p:cNvPr>
+          <p:cNvSpPr>
+            <a:spLocks noGrp="1"/>
+          </p:cNvSpPr>
+          <p:nvPr>
+            <p:ph type="title"/>
+          </p:nvPr>
+        </p:nvSpPr>
+        <p:spPr/>
+        <p:txBody>
+          <a:bodyPr/>
+          <a:lstStyle/>
+          <a:p>
+            <a:r>
+              <a:rPr lang="fr-FR" dirty="0"/>
+              <a:t>6 Conclusion</a:t>
+            </a:r>
+          </a:p>
+        </p:txBody>
+      </p:sp>
+      <p:sp>
+        <p:nvSpPr>
+          <p:cNvPr id="3" name="Espace réservé du contenu 2">
+            <a:extLst>
+              <a:ext uri="{FF2B5EF4-FFF2-40B4-BE49-F238E27FC236}">
+                <a16:creationId xmlns:a16="http://schemas.microsoft.com/office/drawing/2014/main" id="{CAE97202-906B-7A0F-DD47-9A2124329C5F}"/>
+              </a:ext>
+            </a:extLst>
+          </p:cNvPr>
+          <p:cNvSpPr>
+            <a:spLocks noGrp="1"/>
+          </p:cNvSpPr>
+          <p:nvPr>
+            <p:ph idx="1"/>
+          </p:nvPr>
+        </p:nvSpPr>
+        <p:spPr/>
+        <p:txBody>
+          <a:bodyPr/>
+          <a:lstStyle/>
+          <a:p>
+            <a:r>
+              <a:rPr lang="fr-FR" dirty="0"/>
+              <a:t>Outil pour faciliter la communication entre objets</a:t>
+            </a:r>
+          </a:p>
+          <a:p>
+            <a:r>
+              <a:rPr lang="fr-FR" dirty="0"/>
+              <a:t>Modularité, extensibilité et réactivité</a:t>
+            </a:r>
+          </a:p>
+          <a:p>
+            <a:r>
+              <a:rPr lang="fr-FR" dirty="0"/>
+              <a:t>Amélioration du code</a:t>
+            </a:r>
+          </a:p>
+          <a:p>
+            <a:r>
+              <a:rPr lang="fr-FR" dirty="0"/>
+              <a:t>Maintenance simplifiée</a:t>
+            </a:r>
+          </a:p>
+        </p:txBody>
+      </p:sp>
+    </p:spTree>
+    <p:extLst>
+      <p:ext uri="{BB962C8B-B14F-4D97-AF65-F5344CB8AC3E}">
+        <p14:creationId xmlns:p14="http://schemas.microsoft.com/office/powerpoint/2010/main" val="1190090114"/>
+      </p:ext>
+    </p:extLst>
+  </p:cSld>
+  <p:clrMapOvr>
+    <a:masterClrMapping/>
+  </p:clrMapOvr>
+</p:sld>
+</file>
+
+<file path=ppt/slides/slide24.xml><?xml version="1.0" encoding="utf-8"?>
+<p:sld xmlns:a="http://schemas.openxmlformats.org/drawingml/2006/main" xmlns:r="http://schemas.openxmlformats.org/officeDocument/2006/relationships" xmlns:p="http://schemas.openxmlformats.org/presentationml/2006/main">
+  <p:cSld>
+    <p:spTree>
+      <p:nvGrpSpPr>
+        <p:cNvPr id="1" name=""/>
+        <p:cNvGrpSpPr/>
+        <p:nvPr/>
+      </p:nvGrpSpPr>
+      <p:grpSpPr>
+        <a:xfrm>
+          <a:off x="0" y="0"/>
+          <a:ext cx="0" cy="0"/>
+          <a:chOff x="0" y="0"/>
+          <a:chExt cx="0" cy="0"/>
+        </a:xfrm>
+      </p:grpSpPr>
+      <p:sp>
+        <p:nvSpPr>
+          <p:cNvPr id="3" name="Espace réservé du contenu 2">
+            <a:extLst>
+              <a:ext uri="{FF2B5EF4-FFF2-40B4-BE49-F238E27FC236}">
+                <a16:creationId xmlns:a16="http://schemas.microsoft.com/office/drawing/2014/main" id="{6536ACD6-4078-43D7-7433-42C3EC9C8FA7}"/>
+              </a:ext>
+            </a:extLst>
+          </p:cNvPr>
+          <p:cNvSpPr>
+            <a:spLocks noGrp="1"/>
+          </p:cNvSpPr>
+          <p:nvPr>
+            <p:ph idx="1"/>
+          </p:nvPr>
+        </p:nvSpPr>
+        <p:spPr>
+          <a:xfrm>
+            <a:off x="838200" y="1825625"/>
+            <a:ext cx="10515600" cy="773196"/>
+          </a:xfrm>
+        </p:spPr>
+        <p:txBody>
+          <a:bodyPr>
+            <a:normAutofit/>
+          </a:bodyPr>
+          <a:lstStyle/>
+          <a:p>
+            <a:pPr marL="0" indent="0">
+              <a:buNone/>
+            </a:pPr>
+            <a:r>
+              <a:rPr lang="fr-FR" sz="4800" dirty="0"/>
+              <a:t>Merci de m’avoir écouté !</a:t>
+            </a:r>
+          </a:p>
+        </p:txBody>
+      </p:sp>
+      <p:pic>
+        <p:nvPicPr>
+          <p:cNvPr id="7" name="Image 6" descr="Une image contenant smiley, émoticône, sourire, clipart&#10;&#10;Description générée automatiquement">
+            <a:extLst>
+              <a:ext uri="{FF2B5EF4-FFF2-40B4-BE49-F238E27FC236}">
+                <a16:creationId xmlns:a16="http://schemas.microsoft.com/office/drawing/2014/main" id="{309DDAB7-8435-CA54-4D5A-BDAC5A5DFACD}"/>
+              </a:ext>
+            </a:extLst>
+          </p:cNvPr>
+          <p:cNvPicPr>
+            <a:picLocks noChangeAspect="1"/>
+          </p:cNvPicPr>
+          <p:nvPr/>
+        </p:nvPicPr>
+        <p:blipFill>
+          <a:blip r:embed="rId2">
+            <a:extLst>
+              <a:ext uri="{28A0092B-C50C-407E-A947-70E740481C1C}">
+                <a14:useLocalDpi xmlns:a14="http://schemas.microsoft.com/office/drawing/2010/main" val="0"/>
+              </a:ext>
+            </a:extLst>
+          </a:blip>
+          <a:stretch>
+            <a:fillRect/>
+          </a:stretch>
+        </p:blipFill>
+        <p:spPr>
+          <a:xfrm>
+            <a:off x="7680659" y="2598821"/>
+            <a:ext cx="3095625" cy="3095625"/>
+          </a:xfrm>
+          <a:prstGeom prst="rect">
+            <a:avLst/>
+          </a:prstGeom>
+        </p:spPr>
+      </p:pic>
+    </p:spTree>
+    <p:extLst>
+      <p:ext uri="{BB962C8B-B14F-4D97-AF65-F5344CB8AC3E}">
+        <p14:creationId xmlns:p14="http://schemas.microsoft.com/office/powerpoint/2010/main" val="311947478"/>
       </p:ext>
     </p:extLst>
   </p:cSld>
@@ -3589,7 +6566,7 @@
             </a:pPr>
             <a:r>
               <a:rPr lang="fr-FR" dirty="0"/>
-              <a:t>Dans  la POO existe la difficulté de communiquer de manière efficace et flexible, d’où l’intervention du Design Pattern Observateur </a:t>
+              <a:t>Dans  la POO, existe la difficulté de communiquer de manière efficace et flexible, d’où l’intervention du Design Pattern Observer </a:t>
             </a:r>
           </a:p>
         </p:txBody>
@@ -3696,7 +6673,7 @@
             </a:pPr>
             <a:r>
               <a:rPr lang="fr-FR" dirty="0"/>
-              <a:t>Design Pattern comportemental</a:t>
+              <a:t>C’est un patron de conception comportemental.</a:t>
             </a:r>
           </a:p>
           <a:p>
@@ -3890,7 +6867,7 @@
           <a:p>
             <a:r>
               <a:rPr lang="fr-FR" dirty="0"/>
-              <a:t>2 Composants, fonctionnement et structure</a:t>
+              <a:t>2 Composants et fonctionnement</a:t>
             </a:r>
           </a:p>
         </p:txBody>
@@ -4003,7 +6980,7 @@
           <a:p>
             <a:r>
               <a:rPr lang="fr-FR" dirty="0"/>
-              <a:t>2 Composants, fonctionnement et structure</a:t>
+              <a:t>2 Composants et fonctionnement</a:t>
             </a:r>
           </a:p>
         </p:txBody>
@@ -4068,8 +7045,8 @@
         </p:nvSpPr>
         <p:spPr>
           <a:xfrm>
-            <a:off x="8804562" y="3664293"/>
-            <a:ext cx="2410690" cy="923330"/>
+            <a:off x="8801304" y="3841248"/>
+            <a:ext cx="2410690" cy="646331"/>
           </a:xfrm>
           <a:prstGeom prst="rect">
             <a:avLst/>
@@ -4085,21 +7062,14 @@
             <a:pPr lvl="0" algn="ctr"/>
             <a:r>
               <a:rPr lang="fr-FR" dirty="0"/>
-              <a:t>Diffuseur </a:t>
+              <a:t>Objet sujet</a:t>
             </a:r>
           </a:p>
           <a:p>
             <a:pPr lvl="0" algn="ctr"/>
             <a:r>
               <a:rPr lang="fr-FR" dirty="0"/>
-              <a:t>Publisher</a:t>
-            </a:r>
-          </a:p>
-          <a:p>
-            <a:pPr lvl="0" algn="ctr"/>
-            <a:r>
-              <a:rPr lang="fr-FR" dirty="0"/>
-              <a:t>Objet sujet</a:t>
+              <a:t>(Diffuseur)</a:t>
             </a:r>
           </a:p>
         </p:txBody>
@@ -4118,7 +7088,7 @@
         </p:nvSpPr>
         <p:spPr>
           <a:xfrm>
-            <a:off x="1073728" y="2041727"/>
+            <a:off x="1073727" y="2708725"/>
             <a:ext cx="2687781" cy="1080655"/>
           </a:xfrm>
           <a:prstGeom prst="rect">
@@ -4167,8 +7137,8 @@
         </p:nvSpPr>
         <p:spPr>
           <a:xfrm>
-            <a:off x="1212273" y="2120389"/>
-            <a:ext cx="2410690" cy="923330"/>
+            <a:off x="1209016" y="2953512"/>
+            <a:ext cx="2410690" cy="646331"/>
           </a:xfrm>
           <a:prstGeom prst="rect">
             <a:avLst/>
@@ -4186,21 +7156,14 @@
             <a:pPr lvl="0" algn="ctr"/>
             <a:r>
               <a:rPr lang="fr-FR" dirty="0"/>
-              <a:t>Souscripteur</a:t>
+              <a:t>Objet Observateur</a:t>
             </a:r>
           </a:p>
           <a:p>
             <a:pPr lvl="0" algn="ctr"/>
             <a:r>
               <a:rPr lang="fr-FR" dirty="0"/>
-              <a:t>Subscriber</a:t>
-            </a:r>
-          </a:p>
-          <a:p>
-            <a:pPr lvl="0" algn="ctr"/>
-            <a:r>
-              <a:rPr lang="fr-FR" dirty="0"/>
-              <a:t>Objet observant</a:t>
+              <a:t>(Souscripteur)</a:t>
             </a:r>
           </a:p>
         </p:txBody>
@@ -4219,7 +7182,7 @@
         </p:nvSpPr>
         <p:spPr>
           <a:xfrm>
-            <a:off x="1073728" y="3585631"/>
+            <a:off x="1080241" y="3880717"/>
             <a:ext cx="2687781" cy="1080655"/>
           </a:xfrm>
           <a:prstGeom prst="rect">
@@ -4251,58 +7214,6 @@
           <a:p>
             <a:pPr algn="ctr"/>
             <a:endParaRPr lang="fr-FR"/>
-          </a:p>
-        </p:txBody>
-      </p:sp>
-      <p:sp>
-        <p:nvSpPr>
-          <p:cNvPr id="9" name="ZoneTexte 8">
-            <a:extLst>
-              <a:ext uri="{FF2B5EF4-FFF2-40B4-BE49-F238E27FC236}">
-                <a16:creationId xmlns:a16="http://schemas.microsoft.com/office/drawing/2014/main" id="{FF6E3E5C-CB8D-DA0F-E409-61F2CBD43716}"/>
-              </a:ext>
-            </a:extLst>
-          </p:cNvPr>
-          <p:cNvSpPr txBox="1"/>
-          <p:nvPr/>
-        </p:nvSpPr>
-        <p:spPr>
-          <a:xfrm>
-            <a:off x="1212273" y="3664293"/>
-            <a:ext cx="2410690" cy="923330"/>
-          </a:xfrm>
-          <a:prstGeom prst="rect">
-            <a:avLst/>
-          </a:prstGeom>
-          <a:solidFill>
-            <a:schemeClr val="accent2"/>
-          </a:solidFill>
-        </p:spPr>
-        <p:txBody>
-          <a:bodyPr wrap="square" rtlCol="0">
-            <a:spAutoFit/>
-          </a:bodyPr>
-          <a:lstStyle/>
-          <a:p>
-            <a:pPr lvl="0" algn="ctr"/>
-            <a:r>
-              <a:rPr lang="fr-FR" dirty="0"/>
-              <a:t>Souscripteur</a:t>
-            </a:r>
-          </a:p>
-          <a:p>
-            <a:pPr lvl="0" algn="ctr"/>
-            <a:r>
-              <a:rPr lang="fr-FR" dirty="0"/>
-              <a:t>Subscriber</a:t>
-            </a:r>
-          </a:p>
-          <a:p>
-            <a:pPr lvl="0" algn="ctr"/>
-            <a:r>
-              <a:rPr lang="fr-FR" dirty="0"/>
-              <a:t>Objet observant</a:t>
-            </a:r>
           </a:p>
         </p:txBody>
       </p:sp>
@@ -4355,58 +7266,6 @@
           </a:p>
         </p:txBody>
       </p:sp>
-      <p:sp>
-        <p:nvSpPr>
-          <p:cNvPr id="11" name="ZoneTexte 10">
-            <a:extLst>
-              <a:ext uri="{FF2B5EF4-FFF2-40B4-BE49-F238E27FC236}">
-                <a16:creationId xmlns:a16="http://schemas.microsoft.com/office/drawing/2014/main" id="{AB832912-F9F5-730D-07DC-760C74FA607E}"/>
-              </a:ext>
-            </a:extLst>
-          </p:cNvPr>
-          <p:cNvSpPr txBox="1"/>
-          <p:nvPr/>
-        </p:nvSpPr>
-        <p:spPr>
-          <a:xfrm>
-            <a:off x="1212273" y="5174970"/>
-            <a:ext cx="2410690" cy="923330"/>
-          </a:xfrm>
-          <a:prstGeom prst="rect">
-            <a:avLst/>
-          </a:prstGeom>
-          <a:solidFill>
-            <a:schemeClr val="accent2"/>
-          </a:solidFill>
-        </p:spPr>
-        <p:txBody>
-          <a:bodyPr wrap="square" rtlCol="0">
-            <a:spAutoFit/>
-          </a:bodyPr>
-          <a:lstStyle/>
-          <a:p>
-            <a:pPr lvl="0" algn="ctr"/>
-            <a:r>
-              <a:rPr lang="fr-FR" dirty="0"/>
-              <a:t>Souscripteur</a:t>
-            </a:r>
-          </a:p>
-          <a:p>
-            <a:pPr lvl="0" algn="ctr"/>
-            <a:r>
-              <a:rPr lang="fr-FR" dirty="0"/>
-              <a:t>Subscriber</a:t>
-            </a:r>
-          </a:p>
-          <a:p>
-            <a:pPr lvl="0" algn="ctr"/>
-            <a:r>
-              <a:rPr lang="fr-FR" dirty="0"/>
-              <a:t>Objet observant</a:t>
-            </a:r>
-          </a:p>
-        </p:txBody>
-      </p:sp>
       <p:cxnSp>
         <p:nvCxnSpPr>
           <p:cNvPr id="12" name="Connecteur droit avec flèche 11">
@@ -4424,13 +7283,16 @@
         </p:nvCxnSpPr>
         <p:spPr>
           <a:xfrm>
-            <a:off x="3761509" y="2582055"/>
-            <a:ext cx="4904507" cy="1312280"/>
+            <a:off x="3761508" y="3249053"/>
+            <a:ext cx="4897992" cy="481823"/>
           </a:xfrm>
           <a:prstGeom prst="straightConnector1">
             <a:avLst/>
           </a:prstGeom>
-          <a:ln>
+          <a:ln w="38100">
+            <a:solidFill>
+              <a:schemeClr val="accent2"/>
+            </a:solidFill>
             <a:tailEnd type="triangle"/>
           </a:ln>
         </p:spPr>
@@ -4459,20 +7321,23 @@
             </a:extLst>
           </p:cNvPr>
           <p:cNvCxnSpPr>
+            <a:cxnSpLocks/>
             <a:stCxn id="8" idx="3"/>
-            <a:endCxn id="4" idx="1"/>
           </p:cNvCxnSpPr>
           <p:nvPr/>
         </p:nvCxnSpPr>
         <p:spPr>
-          <a:xfrm>
-            <a:off x="3761509" y="4125959"/>
-            <a:ext cx="4904508" cy="0"/>
+          <a:xfrm flipV="1">
+            <a:off x="3768022" y="4196147"/>
+            <a:ext cx="4878453" cy="224898"/>
           </a:xfrm>
           <a:prstGeom prst="straightConnector1">
             <a:avLst/>
           </a:prstGeom>
-          <a:ln>
+          <a:ln w="38100">
+            <a:solidFill>
+              <a:schemeClr val="accent2"/>
+            </a:solidFill>
             <a:tailEnd type="triangle"/>
           </a:ln>
         </p:spPr>
@@ -4508,13 +7373,16 @@
         </p:nvCxnSpPr>
         <p:spPr>
           <a:xfrm flipV="1">
-            <a:off x="3761509" y="4309891"/>
-            <a:ext cx="4904507" cy="1326745"/>
+            <a:off x="3761509" y="4664986"/>
+            <a:ext cx="4904507" cy="971650"/>
           </a:xfrm>
           <a:prstGeom prst="straightConnector1">
             <a:avLst/>
           </a:prstGeom>
-          <a:ln>
+          <a:ln w="38100">
+            <a:solidFill>
+              <a:schemeClr val="accent2"/>
+            </a:solidFill>
             <a:tailEnd type="triangle"/>
           </a:ln>
         </p:spPr>
@@ -4547,8 +7415,8 @@
         </p:nvSpPr>
         <p:spPr>
           <a:xfrm>
-            <a:off x="5257799" y="2663534"/>
-            <a:ext cx="1911928" cy="646331"/>
+            <a:off x="4906723" y="2548761"/>
+            <a:ext cx="1911928" cy="369332"/>
           </a:xfrm>
           <a:prstGeom prst="rect">
             <a:avLst/>
@@ -4562,24 +7430,145 @@
           <a:lstStyle/>
           <a:p>
             <a:r>
-              <a:rPr lang="fr-FR" dirty="0"/>
-              <a:t>Je m’abonne</a:t>
-            </a:r>
-          </a:p>
-          <a:p>
-            <a:r>
-              <a:rPr lang="fr-FR" dirty="0"/>
-              <a:t>J’observe</a:t>
-            </a:r>
-          </a:p>
-        </p:txBody>
-      </p:sp>
-      <p:sp>
-        <p:nvSpPr>
-          <p:cNvPr id="16" name="ZoneTexte 15">
-            <a:extLst>
-              <a:ext uri="{FF2B5EF4-FFF2-40B4-BE49-F238E27FC236}">
-                <a16:creationId xmlns:a16="http://schemas.microsoft.com/office/drawing/2014/main" id="{A3A3771C-BBA9-3E03-3215-5DE8813BB31C}"/>
+              <a:rPr lang="fr-FR" dirty="0">
+                <a:solidFill>
+                  <a:schemeClr val="accent2"/>
+                </a:solidFill>
+              </a:rPr>
+              <a:t>Je souscris</a:t>
+            </a:r>
+          </a:p>
+        </p:txBody>
+      </p:sp>
+      <p:cxnSp>
+        <p:nvCxnSpPr>
+          <p:cNvPr id="18" name="Connecteur droit avec flèche 17">
+            <a:extLst>
+              <a:ext uri="{FF2B5EF4-FFF2-40B4-BE49-F238E27FC236}">
+                <a16:creationId xmlns:a16="http://schemas.microsoft.com/office/drawing/2014/main" id="{4F5F9F65-BA0B-7062-1DDE-DB255029BB81}"/>
+              </a:ext>
+            </a:extLst>
+          </p:cNvPr>
+          <p:cNvCxnSpPr>
+            <a:cxnSpLocks/>
+          </p:cNvCxnSpPr>
+          <p:nvPr/>
+        </p:nvCxnSpPr>
+        <p:spPr>
+          <a:xfrm flipH="1" flipV="1">
+            <a:off x="3754995" y="3053029"/>
+            <a:ext cx="4917535" cy="546814"/>
+          </a:xfrm>
+          <a:prstGeom prst="straightConnector1">
+            <a:avLst/>
+          </a:prstGeom>
+          <a:ln w="38100">
+            <a:tailEnd type="triangle"/>
+          </a:ln>
+        </p:spPr>
+        <p:style>
+          <a:lnRef idx="1">
+            <a:schemeClr val="accent1"/>
+          </a:lnRef>
+          <a:fillRef idx="0">
+            <a:schemeClr val="accent1"/>
+          </a:fillRef>
+          <a:effectRef idx="0">
+            <a:schemeClr val="accent1"/>
+          </a:effectRef>
+          <a:fontRef idx="minor">
+            <a:schemeClr val="tx1"/>
+          </a:fontRef>
+        </p:style>
+      </p:cxnSp>
+      <p:cxnSp>
+        <p:nvCxnSpPr>
+          <p:cNvPr id="21" name="Connecteur droit avec flèche 20">
+            <a:extLst>
+              <a:ext uri="{FF2B5EF4-FFF2-40B4-BE49-F238E27FC236}">
+                <a16:creationId xmlns:a16="http://schemas.microsoft.com/office/drawing/2014/main" id="{F59BD6D6-130F-B809-8432-CC3C8C7EEF2B}"/>
+              </a:ext>
+            </a:extLst>
+          </p:cNvPr>
+          <p:cNvCxnSpPr>
+            <a:cxnSpLocks/>
+          </p:cNvCxnSpPr>
+          <p:nvPr/>
+        </p:nvCxnSpPr>
+        <p:spPr>
+          <a:xfrm flipH="1">
+            <a:off x="3754995" y="4097878"/>
+            <a:ext cx="4904505" cy="210718"/>
+          </a:xfrm>
+          <a:prstGeom prst="straightConnector1">
+            <a:avLst/>
+          </a:prstGeom>
+          <a:ln w="38100">
+            <a:tailEnd type="triangle"/>
+          </a:ln>
+        </p:spPr>
+        <p:style>
+          <a:lnRef idx="1">
+            <a:schemeClr val="accent1"/>
+          </a:lnRef>
+          <a:fillRef idx="0">
+            <a:schemeClr val="accent1"/>
+          </a:fillRef>
+          <a:effectRef idx="0">
+            <a:schemeClr val="accent1"/>
+          </a:effectRef>
+          <a:fontRef idx="minor">
+            <a:schemeClr val="tx1"/>
+          </a:fontRef>
+        </p:style>
+      </p:cxnSp>
+      <p:cxnSp>
+        <p:nvCxnSpPr>
+          <p:cNvPr id="24" name="Connecteur droit avec flèche 23">
+            <a:extLst>
+              <a:ext uri="{FF2B5EF4-FFF2-40B4-BE49-F238E27FC236}">
+                <a16:creationId xmlns:a16="http://schemas.microsoft.com/office/drawing/2014/main" id="{057A2BE0-9DEE-FA0E-2890-26ADB8B7C41C}"/>
+              </a:ext>
+            </a:extLst>
+          </p:cNvPr>
+          <p:cNvCxnSpPr>
+            <a:cxnSpLocks/>
+          </p:cNvCxnSpPr>
+          <p:nvPr/>
+        </p:nvCxnSpPr>
+        <p:spPr>
+          <a:xfrm flipH="1">
+            <a:off x="3754995" y="4533953"/>
+            <a:ext cx="4911021" cy="952235"/>
+          </a:xfrm>
+          <a:prstGeom prst="straightConnector1">
+            <a:avLst/>
+          </a:prstGeom>
+          <a:ln w="38100">
+            <a:tailEnd type="triangle"/>
+          </a:ln>
+        </p:spPr>
+        <p:style>
+          <a:lnRef idx="1">
+            <a:schemeClr val="accent1"/>
+          </a:lnRef>
+          <a:fillRef idx="0">
+            <a:schemeClr val="accent1"/>
+          </a:fillRef>
+          <a:effectRef idx="0">
+            <a:schemeClr val="accent1"/>
+          </a:effectRef>
+          <a:fontRef idx="minor">
+            <a:schemeClr val="tx1"/>
+          </a:fontRef>
+        </p:style>
+      </p:cxnSp>
+      <p:sp>
+        <p:nvSpPr>
+          <p:cNvPr id="38" name="ZoneTexte 37">
+            <a:extLst>
+              <a:ext uri="{FF2B5EF4-FFF2-40B4-BE49-F238E27FC236}">
+                <a16:creationId xmlns:a16="http://schemas.microsoft.com/office/drawing/2014/main" id="{49B0E224-D0CE-1FCA-35FE-DAE51E6F3FF2}"/>
               </a:ext>
             </a:extLst>
           </p:cNvPr>
@@ -4588,8 +7577,8 @@
         </p:nvSpPr>
         <p:spPr>
           <a:xfrm>
-            <a:off x="5257799" y="3842184"/>
-            <a:ext cx="1911928" cy="646331"/>
+            <a:off x="7229025" y="5617797"/>
+            <a:ext cx="1201468" cy="369332"/>
           </a:xfrm>
           <a:prstGeom prst="rect">
             <a:avLst/>
@@ -4603,24 +7592,105 @@
           <a:lstStyle/>
           <a:p>
             <a:r>
-              <a:rPr lang="fr-FR" dirty="0"/>
-              <a:t>Je m’abonne</a:t>
-            </a:r>
-          </a:p>
-          <a:p>
-            <a:r>
-              <a:rPr lang="fr-FR" dirty="0"/>
-              <a:t>J’observe</a:t>
-            </a:r>
-          </a:p>
-        </p:txBody>
-      </p:sp>
-      <p:sp>
-        <p:nvSpPr>
-          <p:cNvPr id="17" name="ZoneTexte 16">
-            <a:extLst>
-              <a:ext uri="{FF2B5EF4-FFF2-40B4-BE49-F238E27FC236}">
-                <a16:creationId xmlns:a16="http://schemas.microsoft.com/office/drawing/2014/main" id="{8D4F79E8-C64E-32AD-86E2-511E354E167B}"/>
+              <a:rPr lang="fr-FR" dirty="0">
+                <a:solidFill>
+                  <a:schemeClr val="accent1"/>
+                </a:solidFill>
+              </a:rPr>
+              <a:t>Je notifie</a:t>
+            </a:r>
+          </a:p>
+        </p:txBody>
+      </p:sp>
+      <p:cxnSp>
+        <p:nvCxnSpPr>
+          <p:cNvPr id="48" name="Connecteur droit avec flèche 47">
+            <a:extLst>
+              <a:ext uri="{FF2B5EF4-FFF2-40B4-BE49-F238E27FC236}">
+                <a16:creationId xmlns:a16="http://schemas.microsoft.com/office/drawing/2014/main" id="{44E12332-F260-222B-6519-3BB6C78BC2AA}"/>
+              </a:ext>
+            </a:extLst>
+          </p:cNvPr>
+          <p:cNvCxnSpPr/>
+          <p:nvPr/>
+        </p:nvCxnSpPr>
+        <p:spPr>
+          <a:xfrm>
+            <a:off x="4906723" y="2953512"/>
+            <a:ext cx="3227832" cy="0"/>
+          </a:xfrm>
+          <a:prstGeom prst="straightConnector1">
+            <a:avLst/>
+          </a:prstGeom>
+          <a:ln w="38100">
+            <a:solidFill>
+              <a:schemeClr val="accent2"/>
+            </a:solidFill>
+            <a:tailEnd type="triangle"/>
+          </a:ln>
+        </p:spPr>
+        <p:style>
+          <a:lnRef idx="1">
+            <a:schemeClr val="accent1"/>
+          </a:lnRef>
+          <a:fillRef idx="0">
+            <a:schemeClr val="accent1"/>
+          </a:fillRef>
+          <a:effectRef idx="0">
+            <a:schemeClr val="accent1"/>
+          </a:effectRef>
+          <a:fontRef idx="minor">
+            <a:schemeClr val="tx1"/>
+          </a:fontRef>
+        </p:style>
+      </p:cxnSp>
+      <p:cxnSp>
+        <p:nvCxnSpPr>
+          <p:cNvPr id="50" name="Connecteur droit avec flèche 49">
+            <a:extLst>
+              <a:ext uri="{FF2B5EF4-FFF2-40B4-BE49-F238E27FC236}">
+                <a16:creationId xmlns:a16="http://schemas.microsoft.com/office/drawing/2014/main" id="{6BC5D496-8BFF-F866-8E00-24631BC9C2B5}"/>
+              </a:ext>
+            </a:extLst>
+          </p:cNvPr>
+          <p:cNvCxnSpPr>
+            <a:cxnSpLocks/>
+          </p:cNvCxnSpPr>
+          <p:nvPr/>
+        </p:nvCxnSpPr>
+        <p:spPr>
+          <a:xfrm flipH="1">
+            <a:off x="4906723" y="5993251"/>
+            <a:ext cx="3310960" cy="0"/>
+          </a:xfrm>
+          <a:prstGeom prst="straightConnector1">
+            <a:avLst/>
+          </a:prstGeom>
+          <a:ln w="38100">
+            <a:tailEnd type="triangle"/>
+          </a:ln>
+        </p:spPr>
+        <p:style>
+          <a:lnRef idx="1">
+            <a:schemeClr val="accent1"/>
+          </a:lnRef>
+          <a:fillRef idx="0">
+            <a:schemeClr val="accent1"/>
+          </a:fillRef>
+          <a:effectRef idx="0">
+            <a:schemeClr val="accent1"/>
+          </a:effectRef>
+          <a:fontRef idx="minor">
+            <a:schemeClr val="tx1"/>
+          </a:fontRef>
+        </p:style>
+      </p:cxnSp>
+      <p:sp>
+        <p:nvSpPr>
+          <p:cNvPr id="51" name="ZoneTexte 50">
+            <a:extLst>
+              <a:ext uri="{FF2B5EF4-FFF2-40B4-BE49-F238E27FC236}">
+                <a16:creationId xmlns:a16="http://schemas.microsoft.com/office/drawing/2014/main" id="{FA0F80AD-AEC6-989D-5210-43CD1846C7B8}"/>
               </a:ext>
             </a:extLst>
           </p:cNvPr>
@@ -4629,8 +7699,98 @@
         </p:nvSpPr>
         <p:spPr>
           <a:xfrm>
-            <a:off x="5333999" y="5313469"/>
-            <a:ext cx="1911928" cy="646331"/>
+            <a:off x="1209016" y="4097878"/>
+            <a:ext cx="2410690" cy="646331"/>
+          </a:xfrm>
+          <a:prstGeom prst="rect">
+            <a:avLst/>
+          </a:prstGeom>
+          <a:solidFill>
+            <a:schemeClr val="accent2"/>
+          </a:solidFill>
+        </p:spPr>
+        <p:txBody>
+          <a:bodyPr wrap="square" rtlCol="0">
+            <a:spAutoFit/>
+          </a:bodyPr>
+          <a:lstStyle/>
+          <a:p>
+            <a:pPr lvl="0" algn="ctr"/>
+            <a:r>
+              <a:rPr lang="fr-FR" dirty="0"/>
+              <a:t>Objet Observateur</a:t>
+            </a:r>
+          </a:p>
+          <a:p>
+            <a:pPr lvl="0" algn="ctr"/>
+            <a:r>
+              <a:rPr lang="fr-FR" dirty="0"/>
+              <a:t>(Souscripteur)</a:t>
+            </a:r>
+          </a:p>
+        </p:txBody>
+      </p:sp>
+      <p:sp>
+        <p:nvSpPr>
+          <p:cNvPr id="52" name="ZoneTexte 51">
+            <a:extLst>
+              <a:ext uri="{FF2B5EF4-FFF2-40B4-BE49-F238E27FC236}">
+                <a16:creationId xmlns:a16="http://schemas.microsoft.com/office/drawing/2014/main" id="{64022467-AA66-FDFD-7421-29A492882F91}"/>
+              </a:ext>
+            </a:extLst>
+          </p:cNvPr>
+          <p:cNvSpPr txBox="1"/>
+          <p:nvPr/>
+        </p:nvSpPr>
+        <p:spPr>
+          <a:xfrm>
+            <a:off x="1168288" y="5313469"/>
+            <a:ext cx="2410690" cy="646331"/>
+          </a:xfrm>
+          <a:prstGeom prst="rect">
+            <a:avLst/>
+          </a:prstGeom>
+          <a:solidFill>
+            <a:schemeClr val="accent2"/>
+          </a:solidFill>
+        </p:spPr>
+        <p:txBody>
+          <a:bodyPr wrap="square" rtlCol="0">
+            <a:spAutoFit/>
+          </a:bodyPr>
+          <a:lstStyle/>
+          <a:p>
+            <a:pPr lvl="0" algn="ctr"/>
+            <a:r>
+              <a:rPr lang="fr-FR" dirty="0"/>
+              <a:t>Objet Observateur</a:t>
+            </a:r>
+          </a:p>
+          <a:p>
+            <a:pPr lvl="0" algn="ctr"/>
+            <a:r>
+              <a:rPr lang="fr-FR" dirty="0"/>
+              <a:t>(Souscripteur)</a:t>
+            </a:r>
+          </a:p>
+        </p:txBody>
+      </p:sp>
+      <p:sp>
+        <p:nvSpPr>
+          <p:cNvPr id="65" name="ZoneTexte 64">
+            <a:extLst>
+              <a:ext uri="{FF2B5EF4-FFF2-40B4-BE49-F238E27FC236}">
+                <a16:creationId xmlns:a16="http://schemas.microsoft.com/office/drawing/2014/main" id="{86FA991B-91E2-6306-F286-24D10EA58975}"/>
+              </a:ext>
+            </a:extLst>
+          </p:cNvPr>
+          <p:cNvSpPr txBox="1"/>
+          <p:nvPr/>
+        </p:nvSpPr>
+        <p:spPr>
+          <a:xfrm>
+            <a:off x="838200" y="1745137"/>
+            <a:ext cx="8177784" cy="523220"/>
           </a:xfrm>
           <a:prstGeom prst="rect">
             <a:avLst/>
@@ -4644,14 +7804,8 @@
           <a:lstStyle/>
           <a:p>
             <a:r>
-              <a:rPr lang="fr-FR" dirty="0"/>
-              <a:t>Je m’abonne</a:t>
-            </a:r>
-          </a:p>
-          <a:p>
-            <a:r>
-              <a:rPr lang="fr-FR" dirty="0"/>
-              <a:t>J’observe</a:t>
+              <a:rPr lang="fr-FR" sz="2800" dirty="0"/>
+              <a:t>2.2 Principe de fonctionnement</a:t>
             </a:r>
           </a:p>
         </p:txBody>
@@ -4688,655 +7842,117 @@
       </p:grpSpPr>
       <p:sp>
         <p:nvSpPr>
-          <p:cNvPr id="3" name="Rectangle 2">
-            <a:extLst>
-              <a:ext uri="{FF2B5EF4-FFF2-40B4-BE49-F238E27FC236}">
-                <a16:creationId xmlns:a16="http://schemas.microsoft.com/office/drawing/2014/main" id="{DC2F49D5-A974-970C-814B-83B1E22A7804}"/>
-              </a:ext>
-            </a:extLst>
-          </p:cNvPr>
-          <p:cNvSpPr/>
-          <p:nvPr/>
+          <p:cNvPr id="2" name="Titre 1">
+            <a:extLst>
+              <a:ext uri="{FF2B5EF4-FFF2-40B4-BE49-F238E27FC236}">
+                <a16:creationId xmlns:a16="http://schemas.microsoft.com/office/drawing/2014/main" id="{9B643500-2613-0402-DBE1-AACCF78A56B5}"/>
+              </a:ext>
+            </a:extLst>
+          </p:cNvPr>
+          <p:cNvSpPr>
+            <a:spLocks noGrp="1"/>
+          </p:cNvSpPr>
+          <p:nvPr>
+            <p:ph type="title"/>
+          </p:nvPr>
+        </p:nvSpPr>
+        <p:spPr/>
+        <p:txBody>
+          <a:bodyPr/>
+          <a:lstStyle/>
+          <a:p>
+            <a:r>
+              <a:rPr lang="fr-FR" dirty="0"/>
+              <a:t>3 Mise en œuvre</a:t>
+            </a:r>
+          </a:p>
+        </p:txBody>
+      </p:sp>
+      <p:sp>
+        <p:nvSpPr>
+          <p:cNvPr id="3" name="Espace réservé du contenu 2">
+            <a:extLst>
+              <a:ext uri="{FF2B5EF4-FFF2-40B4-BE49-F238E27FC236}">
+                <a16:creationId xmlns:a16="http://schemas.microsoft.com/office/drawing/2014/main" id="{962B65F7-8DF9-1164-7F86-F4AB46680CDD}"/>
+              </a:ext>
+            </a:extLst>
+          </p:cNvPr>
+          <p:cNvSpPr>
+            <a:spLocks noGrp="1"/>
+          </p:cNvSpPr>
+          <p:nvPr>
+            <p:ph idx="1"/>
+          </p:nvPr>
         </p:nvSpPr>
         <p:spPr>
           <a:xfrm>
-            <a:off x="8548255" y="2701636"/>
-            <a:ext cx="2687781" cy="1080655"/>
+            <a:off x="838200" y="1825625"/>
+            <a:ext cx="2265947" cy="2144796"/>
+          </a:xfrm>
+        </p:spPr>
+        <p:txBody>
+          <a:bodyPr/>
+          <a:lstStyle/>
+          <a:p>
+            <a:pPr marL="0" indent="0">
+              <a:buNone/>
+            </a:pPr>
+            <a:r>
+              <a:rPr lang="fr-FR" dirty="0"/>
+              <a:t>3.1 </a:t>
+            </a:r>
+          </a:p>
+          <a:p>
+            <a:pPr marL="0" indent="0">
+              <a:buNone/>
+            </a:pPr>
+            <a:r>
+              <a:rPr lang="fr-FR" dirty="0"/>
+              <a:t>Les Sujets Concrets et leur interface</a:t>
+            </a:r>
+          </a:p>
+        </p:txBody>
+      </p:sp>
+      <p:pic>
+        <p:nvPicPr>
+          <p:cNvPr id="5" name="Image 4">
+            <a:extLst>
+              <a:ext uri="{FF2B5EF4-FFF2-40B4-BE49-F238E27FC236}">
+                <a16:creationId xmlns:a16="http://schemas.microsoft.com/office/drawing/2014/main" id="{55331BB3-947F-C9C8-B1F1-B897F59AB759}"/>
+              </a:ext>
+            </a:extLst>
+          </p:cNvPr>
+          <p:cNvPicPr>
+            <a:picLocks noChangeAspect="1"/>
+          </p:cNvPicPr>
+          <p:nvPr/>
+        </p:nvPicPr>
+        <p:blipFill>
+          <a:blip r:embed="rId2">
+            <a:extLst>
+              <a:ext uri="{28A0092B-C50C-407E-A947-70E740481C1C}">
+                <a14:useLocalDpi xmlns:a14="http://schemas.microsoft.com/office/drawing/2010/main" val="0"/>
+              </a:ext>
+            </a:extLst>
+          </a:blip>
+          <a:stretch>
+            <a:fillRect/>
+          </a:stretch>
+        </p:blipFill>
+        <p:spPr>
+          <a:xfrm>
+            <a:off x="4537208" y="1690688"/>
+            <a:ext cx="4799297" cy="4545030"/>
           </a:xfrm>
           <a:prstGeom prst="rect">
             <a:avLst/>
           </a:prstGeom>
         </p:spPr>
-        <p:style>
-          <a:lnRef idx="2">
-            <a:schemeClr val="accent1">
-              <a:shade val="15000"/>
-            </a:schemeClr>
-          </a:lnRef>
-          <a:fillRef idx="1">
-            <a:schemeClr val="accent1"/>
-          </a:fillRef>
-          <a:effectRef idx="0">
-            <a:schemeClr val="accent1"/>
-          </a:effectRef>
-          <a:fontRef idx="minor">
-            <a:schemeClr val="lt1"/>
-          </a:fontRef>
-        </p:style>
-        <p:txBody>
-          <a:bodyPr rtlCol="0" anchor="ctr"/>
-          <a:lstStyle/>
-          <a:p>
-            <a:pPr algn="ctr"/>
-            <a:endParaRPr lang="fr-FR"/>
-          </a:p>
-        </p:txBody>
-      </p:sp>
-      <p:sp>
-        <p:nvSpPr>
-          <p:cNvPr id="4" name="ZoneTexte 3">
-            <a:extLst>
-              <a:ext uri="{FF2B5EF4-FFF2-40B4-BE49-F238E27FC236}">
-                <a16:creationId xmlns:a16="http://schemas.microsoft.com/office/drawing/2014/main" id="{FF128ED7-1627-A072-0893-6EE9F8332AD7}"/>
-              </a:ext>
-            </a:extLst>
-          </p:cNvPr>
-          <p:cNvSpPr txBox="1"/>
-          <p:nvPr/>
-        </p:nvSpPr>
-        <p:spPr>
-          <a:xfrm>
-            <a:off x="8686800" y="2780298"/>
-            <a:ext cx="2410690" cy="923330"/>
-          </a:xfrm>
-          <a:prstGeom prst="rect">
-            <a:avLst/>
-          </a:prstGeom>
-          <a:noFill/>
-        </p:spPr>
-        <p:txBody>
-          <a:bodyPr wrap="square" rtlCol="0">
-            <a:spAutoFit/>
-          </a:bodyPr>
-          <a:lstStyle/>
-          <a:p>
-            <a:pPr lvl="0" algn="ctr"/>
-            <a:r>
-              <a:rPr lang="fr-FR" dirty="0"/>
-              <a:t>Diffuseur </a:t>
-            </a:r>
-          </a:p>
-          <a:p>
-            <a:pPr lvl="0" algn="ctr"/>
-            <a:r>
-              <a:rPr lang="fr-FR" dirty="0"/>
-              <a:t>Publisher</a:t>
-            </a:r>
-          </a:p>
-          <a:p>
-            <a:pPr lvl="0" algn="ctr"/>
-            <a:r>
-              <a:rPr lang="fr-FR" dirty="0"/>
-              <a:t>Objet sujet</a:t>
-            </a:r>
-          </a:p>
-        </p:txBody>
-      </p:sp>
-      <p:sp>
-        <p:nvSpPr>
-          <p:cNvPr id="5" name="Rectangle 4">
-            <a:extLst>
-              <a:ext uri="{FF2B5EF4-FFF2-40B4-BE49-F238E27FC236}">
-                <a16:creationId xmlns:a16="http://schemas.microsoft.com/office/drawing/2014/main" id="{057CC279-BCE0-5BE1-C62D-C8EE18066C7A}"/>
-              </a:ext>
-            </a:extLst>
-          </p:cNvPr>
-          <p:cNvSpPr/>
-          <p:nvPr/>
-        </p:nvSpPr>
-        <p:spPr>
-          <a:xfrm>
-            <a:off x="955964" y="762000"/>
-            <a:ext cx="2687781" cy="1080655"/>
-          </a:xfrm>
-          <a:prstGeom prst="rect">
-            <a:avLst/>
-          </a:prstGeom>
-          <a:solidFill>
-            <a:schemeClr val="accent2"/>
-          </a:solidFill>
-        </p:spPr>
-        <p:style>
-          <a:lnRef idx="2">
-            <a:schemeClr val="accent1">
-              <a:shade val="15000"/>
-            </a:schemeClr>
-          </a:lnRef>
-          <a:fillRef idx="1">
-            <a:schemeClr val="accent1"/>
-          </a:fillRef>
-          <a:effectRef idx="0">
-            <a:schemeClr val="accent1"/>
-          </a:effectRef>
-          <a:fontRef idx="minor">
-            <a:schemeClr val="lt1"/>
-          </a:fontRef>
-        </p:style>
-        <p:txBody>
-          <a:bodyPr rtlCol="0" anchor="ctr"/>
-          <a:lstStyle/>
-          <a:p>
-            <a:pPr algn="ctr"/>
-            <a:endParaRPr lang="fr-FR"/>
-          </a:p>
-        </p:txBody>
-      </p:sp>
-      <p:sp>
-        <p:nvSpPr>
-          <p:cNvPr id="6" name="ZoneTexte 5">
-            <a:extLst>
-              <a:ext uri="{FF2B5EF4-FFF2-40B4-BE49-F238E27FC236}">
-                <a16:creationId xmlns:a16="http://schemas.microsoft.com/office/drawing/2014/main" id="{ED4996EA-B60A-E71D-2CA0-559AC16AB894}"/>
-              </a:ext>
-            </a:extLst>
-          </p:cNvPr>
-          <p:cNvSpPr txBox="1"/>
-          <p:nvPr/>
-        </p:nvSpPr>
-        <p:spPr>
-          <a:xfrm>
-            <a:off x="1094509" y="840662"/>
-            <a:ext cx="2410690" cy="923330"/>
-          </a:xfrm>
-          <a:prstGeom prst="rect">
-            <a:avLst/>
-          </a:prstGeom>
-          <a:solidFill>
-            <a:schemeClr val="accent2"/>
-          </a:solidFill>
-        </p:spPr>
-        <p:txBody>
-          <a:bodyPr wrap="square" rtlCol="0">
-            <a:spAutoFit/>
-          </a:bodyPr>
-          <a:lstStyle/>
-          <a:p>
-            <a:pPr lvl="0" algn="ctr"/>
-            <a:r>
-              <a:rPr lang="fr-FR" dirty="0"/>
-              <a:t>Souscripteur</a:t>
-            </a:r>
-          </a:p>
-          <a:p>
-            <a:pPr lvl="0" algn="ctr"/>
-            <a:r>
-              <a:rPr lang="fr-FR" dirty="0"/>
-              <a:t>Subscriber</a:t>
-            </a:r>
-          </a:p>
-          <a:p>
-            <a:pPr lvl="0" algn="ctr"/>
-            <a:r>
-              <a:rPr lang="fr-FR" dirty="0"/>
-              <a:t>Objet observant</a:t>
-            </a:r>
-          </a:p>
-        </p:txBody>
-      </p:sp>
-      <p:sp>
-        <p:nvSpPr>
-          <p:cNvPr id="7" name="Rectangle 6">
-            <a:extLst>
-              <a:ext uri="{FF2B5EF4-FFF2-40B4-BE49-F238E27FC236}">
-                <a16:creationId xmlns:a16="http://schemas.microsoft.com/office/drawing/2014/main" id="{82564053-97EE-B258-7E98-6803E85AA713}"/>
-              </a:ext>
-            </a:extLst>
-          </p:cNvPr>
-          <p:cNvSpPr/>
-          <p:nvPr/>
-        </p:nvSpPr>
-        <p:spPr>
-          <a:xfrm>
-            <a:off x="955964" y="2701636"/>
-            <a:ext cx="2687781" cy="1080655"/>
-          </a:xfrm>
-          <a:prstGeom prst="rect">
-            <a:avLst/>
-          </a:prstGeom>
-          <a:solidFill>
-            <a:schemeClr val="accent2"/>
-          </a:solidFill>
-        </p:spPr>
-        <p:style>
-          <a:lnRef idx="2">
-            <a:schemeClr val="accent1">
-              <a:shade val="15000"/>
-            </a:schemeClr>
-          </a:lnRef>
-          <a:fillRef idx="1">
-            <a:schemeClr val="accent1"/>
-          </a:fillRef>
-          <a:effectRef idx="0">
-            <a:schemeClr val="accent1"/>
-          </a:effectRef>
-          <a:fontRef idx="minor">
-            <a:schemeClr val="lt1"/>
-          </a:fontRef>
-        </p:style>
-        <p:txBody>
-          <a:bodyPr rtlCol="0" anchor="ctr"/>
-          <a:lstStyle/>
-          <a:p>
-            <a:pPr algn="ctr"/>
-            <a:endParaRPr lang="fr-FR"/>
-          </a:p>
-        </p:txBody>
-      </p:sp>
-      <p:sp>
-        <p:nvSpPr>
-          <p:cNvPr id="8" name="ZoneTexte 7">
-            <a:extLst>
-              <a:ext uri="{FF2B5EF4-FFF2-40B4-BE49-F238E27FC236}">
-                <a16:creationId xmlns:a16="http://schemas.microsoft.com/office/drawing/2014/main" id="{28D33C03-2237-F343-4122-6CF5FA42DBA7}"/>
-              </a:ext>
-            </a:extLst>
-          </p:cNvPr>
-          <p:cNvSpPr txBox="1"/>
-          <p:nvPr/>
-        </p:nvSpPr>
-        <p:spPr>
-          <a:xfrm>
-            <a:off x="1094509" y="2780298"/>
-            <a:ext cx="2410690" cy="923330"/>
-          </a:xfrm>
-          <a:prstGeom prst="rect">
-            <a:avLst/>
-          </a:prstGeom>
-          <a:solidFill>
-            <a:schemeClr val="accent2"/>
-          </a:solidFill>
-        </p:spPr>
-        <p:txBody>
-          <a:bodyPr wrap="square" rtlCol="0">
-            <a:spAutoFit/>
-          </a:bodyPr>
-          <a:lstStyle/>
-          <a:p>
-            <a:pPr lvl="0" algn="ctr"/>
-            <a:r>
-              <a:rPr lang="fr-FR" dirty="0"/>
-              <a:t>Souscripteur</a:t>
-            </a:r>
-          </a:p>
-          <a:p>
-            <a:pPr lvl="0" algn="ctr"/>
-            <a:r>
-              <a:rPr lang="fr-FR" dirty="0"/>
-              <a:t>Subscriber</a:t>
-            </a:r>
-          </a:p>
-          <a:p>
-            <a:pPr lvl="0" algn="ctr"/>
-            <a:r>
-              <a:rPr lang="fr-FR" dirty="0"/>
-              <a:t>Objet observant</a:t>
-            </a:r>
-          </a:p>
-        </p:txBody>
-      </p:sp>
-      <p:sp>
-        <p:nvSpPr>
-          <p:cNvPr id="9" name="Rectangle 8">
-            <a:extLst>
-              <a:ext uri="{FF2B5EF4-FFF2-40B4-BE49-F238E27FC236}">
-                <a16:creationId xmlns:a16="http://schemas.microsoft.com/office/drawing/2014/main" id="{D50940D5-3D2D-0B96-F150-C7266CF8948C}"/>
-              </a:ext>
-            </a:extLst>
-          </p:cNvPr>
-          <p:cNvSpPr/>
-          <p:nvPr/>
-        </p:nvSpPr>
-        <p:spPr>
-          <a:xfrm>
-            <a:off x="955964" y="4562610"/>
-            <a:ext cx="2687781" cy="1080655"/>
-          </a:xfrm>
-          <a:prstGeom prst="rect">
-            <a:avLst/>
-          </a:prstGeom>
-          <a:solidFill>
-            <a:schemeClr val="accent2"/>
-          </a:solidFill>
-        </p:spPr>
-        <p:style>
-          <a:lnRef idx="2">
-            <a:schemeClr val="accent1">
-              <a:shade val="15000"/>
-            </a:schemeClr>
-          </a:lnRef>
-          <a:fillRef idx="1">
-            <a:schemeClr val="accent1"/>
-          </a:fillRef>
-          <a:effectRef idx="0">
-            <a:schemeClr val="accent1"/>
-          </a:effectRef>
-          <a:fontRef idx="minor">
-            <a:schemeClr val="lt1"/>
-          </a:fontRef>
-        </p:style>
-        <p:txBody>
-          <a:bodyPr rtlCol="0" anchor="ctr"/>
-          <a:lstStyle/>
-          <a:p>
-            <a:pPr algn="ctr"/>
-            <a:endParaRPr lang="fr-FR"/>
-          </a:p>
-        </p:txBody>
-      </p:sp>
-      <p:sp>
-        <p:nvSpPr>
-          <p:cNvPr id="10" name="ZoneTexte 9">
-            <a:extLst>
-              <a:ext uri="{FF2B5EF4-FFF2-40B4-BE49-F238E27FC236}">
-                <a16:creationId xmlns:a16="http://schemas.microsoft.com/office/drawing/2014/main" id="{CBF0FE16-F605-EFD9-9042-3354A2E9FD30}"/>
-              </a:ext>
-            </a:extLst>
-          </p:cNvPr>
-          <p:cNvSpPr txBox="1"/>
-          <p:nvPr/>
-        </p:nvSpPr>
-        <p:spPr>
-          <a:xfrm>
-            <a:off x="1094509" y="4641272"/>
-            <a:ext cx="2410690" cy="923330"/>
-          </a:xfrm>
-          <a:prstGeom prst="rect">
-            <a:avLst/>
-          </a:prstGeom>
-          <a:solidFill>
-            <a:schemeClr val="accent2"/>
-          </a:solidFill>
-        </p:spPr>
-        <p:txBody>
-          <a:bodyPr wrap="square" rtlCol="0">
-            <a:spAutoFit/>
-          </a:bodyPr>
-          <a:lstStyle/>
-          <a:p>
-            <a:pPr lvl="0" algn="ctr"/>
-            <a:r>
-              <a:rPr lang="fr-FR" dirty="0"/>
-              <a:t>Souscripteur</a:t>
-            </a:r>
-          </a:p>
-          <a:p>
-            <a:pPr lvl="0" algn="ctr"/>
-            <a:r>
-              <a:rPr lang="fr-FR" dirty="0"/>
-              <a:t>Subscriber</a:t>
-            </a:r>
-          </a:p>
-          <a:p>
-            <a:pPr lvl="0" algn="ctr"/>
-            <a:r>
-              <a:rPr lang="fr-FR" dirty="0"/>
-              <a:t>Objet observant</a:t>
-            </a:r>
-          </a:p>
-        </p:txBody>
-      </p:sp>
-      <p:cxnSp>
-        <p:nvCxnSpPr>
-          <p:cNvPr id="14" name="Connecteur droit avec flèche 13">
-            <a:extLst>
-              <a:ext uri="{FF2B5EF4-FFF2-40B4-BE49-F238E27FC236}">
-                <a16:creationId xmlns:a16="http://schemas.microsoft.com/office/drawing/2014/main" id="{5FB3C4B5-B22F-C581-2ED3-053B65231F62}"/>
-              </a:ext>
-            </a:extLst>
-          </p:cNvPr>
-          <p:cNvCxnSpPr>
-            <a:cxnSpLocks/>
-            <a:stCxn id="5" idx="3"/>
-          </p:cNvCxnSpPr>
-          <p:nvPr/>
-        </p:nvCxnSpPr>
-        <p:spPr>
-          <a:xfrm>
-            <a:off x="3643745" y="1302328"/>
-            <a:ext cx="4904509" cy="1759527"/>
-          </a:xfrm>
-          <a:prstGeom prst="straightConnector1">
-            <a:avLst/>
-          </a:prstGeom>
-          <a:ln>
-            <a:tailEnd type="triangle"/>
-          </a:ln>
-        </p:spPr>
-        <p:style>
-          <a:lnRef idx="1">
-            <a:schemeClr val="accent1"/>
-          </a:lnRef>
-          <a:fillRef idx="0">
-            <a:schemeClr val="accent1"/>
-          </a:fillRef>
-          <a:effectRef idx="0">
-            <a:schemeClr val="accent1"/>
-          </a:effectRef>
-          <a:fontRef idx="minor">
-            <a:schemeClr val="tx1"/>
-          </a:fontRef>
-        </p:style>
-      </p:cxnSp>
-      <p:cxnSp>
-        <p:nvCxnSpPr>
-          <p:cNvPr id="16" name="Connecteur droit avec flèche 15">
-            <a:extLst>
-              <a:ext uri="{FF2B5EF4-FFF2-40B4-BE49-F238E27FC236}">
-                <a16:creationId xmlns:a16="http://schemas.microsoft.com/office/drawing/2014/main" id="{6234E92F-A561-4CED-02D9-3DBB05BA7290}"/>
-              </a:ext>
-            </a:extLst>
-          </p:cNvPr>
-          <p:cNvCxnSpPr>
-            <a:stCxn id="7" idx="3"/>
-            <a:endCxn id="3" idx="1"/>
-          </p:cNvCxnSpPr>
-          <p:nvPr/>
-        </p:nvCxnSpPr>
-        <p:spPr>
-          <a:xfrm>
-            <a:off x="3643745" y="3241964"/>
-            <a:ext cx="4904510" cy="0"/>
-          </a:xfrm>
-          <a:prstGeom prst="straightConnector1">
-            <a:avLst/>
-          </a:prstGeom>
-          <a:ln>
-            <a:tailEnd type="triangle"/>
-          </a:ln>
-        </p:spPr>
-        <p:style>
-          <a:lnRef idx="1">
-            <a:schemeClr val="accent1"/>
-          </a:lnRef>
-          <a:fillRef idx="0">
-            <a:schemeClr val="accent1"/>
-          </a:fillRef>
-          <a:effectRef idx="0">
-            <a:schemeClr val="accent1"/>
-          </a:effectRef>
-          <a:fontRef idx="minor">
-            <a:schemeClr val="tx1"/>
-          </a:fontRef>
-        </p:style>
-      </p:cxnSp>
-      <p:cxnSp>
-        <p:nvCxnSpPr>
-          <p:cNvPr id="18" name="Connecteur droit avec flèche 17">
-            <a:extLst>
-              <a:ext uri="{FF2B5EF4-FFF2-40B4-BE49-F238E27FC236}">
-                <a16:creationId xmlns:a16="http://schemas.microsoft.com/office/drawing/2014/main" id="{F537C275-EE69-233A-F0B5-290AF637C35A}"/>
-              </a:ext>
-            </a:extLst>
-          </p:cNvPr>
-          <p:cNvCxnSpPr>
-            <a:stCxn id="9" idx="3"/>
-          </p:cNvCxnSpPr>
-          <p:nvPr/>
-        </p:nvCxnSpPr>
-        <p:spPr>
-          <a:xfrm flipV="1">
-            <a:off x="3643745" y="3429000"/>
-            <a:ext cx="4904510" cy="1673938"/>
-          </a:xfrm>
-          <a:prstGeom prst="straightConnector1">
-            <a:avLst/>
-          </a:prstGeom>
-          <a:ln>
-            <a:tailEnd type="triangle"/>
-          </a:ln>
-        </p:spPr>
-        <p:style>
-          <a:lnRef idx="1">
-            <a:schemeClr val="accent1"/>
-          </a:lnRef>
-          <a:fillRef idx="0">
-            <a:schemeClr val="accent1"/>
-          </a:fillRef>
-          <a:effectRef idx="0">
-            <a:schemeClr val="accent1"/>
-          </a:effectRef>
-          <a:fontRef idx="minor">
-            <a:schemeClr val="tx1"/>
-          </a:fontRef>
-        </p:style>
-      </p:cxnSp>
-      <p:sp>
-        <p:nvSpPr>
-          <p:cNvPr id="20" name="ZoneTexte 19">
-            <a:extLst>
-              <a:ext uri="{FF2B5EF4-FFF2-40B4-BE49-F238E27FC236}">
-                <a16:creationId xmlns:a16="http://schemas.microsoft.com/office/drawing/2014/main" id="{4B234187-AA20-D1F0-224E-89D6CF0E80E1}"/>
-              </a:ext>
-            </a:extLst>
-          </p:cNvPr>
-          <p:cNvSpPr txBox="1"/>
-          <p:nvPr/>
-        </p:nvSpPr>
-        <p:spPr>
-          <a:xfrm>
-            <a:off x="5140035" y="979164"/>
-            <a:ext cx="1911928" cy="646331"/>
-          </a:xfrm>
-          <a:prstGeom prst="rect">
-            <a:avLst/>
-          </a:prstGeom>
-          <a:noFill/>
-        </p:spPr>
-        <p:txBody>
-          <a:bodyPr wrap="square" rtlCol="0">
-            <a:spAutoFit/>
-          </a:bodyPr>
-          <a:lstStyle/>
-          <a:p>
-            <a:r>
-              <a:rPr lang="fr-FR" dirty="0"/>
-              <a:t>Je m’abonne</a:t>
-            </a:r>
-          </a:p>
-          <a:p>
-            <a:r>
-              <a:rPr lang="fr-FR" dirty="0"/>
-              <a:t>J’observe</a:t>
-            </a:r>
-          </a:p>
-        </p:txBody>
-      </p:sp>
-      <p:sp>
-        <p:nvSpPr>
-          <p:cNvPr id="23" name="ZoneTexte 22">
-            <a:extLst>
-              <a:ext uri="{FF2B5EF4-FFF2-40B4-BE49-F238E27FC236}">
-                <a16:creationId xmlns:a16="http://schemas.microsoft.com/office/drawing/2014/main" id="{3CC6A6D8-F6C7-D47E-A97B-F20556F96CDA}"/>
-              </a:ext>
-            </a:extLst>
-          </p:cNvPr>
-          <p:cNvSpPr txBox="1"/>
-          <p:nvPr/>
-        </p:nvSpPr>
-        <p:spPr>
-          <a:xfrm>
-            <a:off x="5140035" y="2925724"/>
-            <a:ext cx="1911928" cy="646331"/>
-          </a:xfrm>
-          <a:prstGeom prst="rect">
-            <a:avLst/>
-          </a:prstGeom>
-          <a:noFill/>
-        </p:spPr>
-        <p:txBody>
-          <a:bodyPr wrap="square" rtlCol="0">
-            <a:spAutoFit/>
-          </a:bodyPr>
-          <a:lstStyle/>
-          <a:p>
-            <a:r>
-              <a:rPr lang="fr-FR" dirty="0"/>
-              <a:t>Je m’abonne</a:t>
-            </a:r>
-          </a:p>
-          <a:p>
-            <a:r>
-              <a:rPr lang="fr-FR" dirty="0"/>
-              <a:t>J’observe</a:t>
-            </a:r>
-          </a:p>
-        </p:txBody>
-      </p:sp>
-      <p:sp>
-        <p:nvSpPr>
-          <p:cNvPr id="24" name="ZoneTexte 23">
-            <a:extLst>
-              <a:ext uri="{FF2B5EF4-FFF2-40B4-BE49-F238E27FC236}">
-                <a16:creationId xmlns:a16="http://schemas.microsoft.com/office/drawing/2014/main" id="{8A164738-B1CA-07BB-52C5-606C8B66E600}"/>
-              </a:ext>
-            </a:extLst>
-          </p:cNvPr>
-          <p:cNvSpPr txBox="1"/>
-          <p:nvPr/>
-        </p:nvSpPr>
-        <p:spPr>
-          <a:xfrm>
-            <a:off x="5216235" y="4779771"/>
-            <a:ext cx="1911928" cy="646331"/>
-          </a:xfrm>
-          <a:prstGeom prst="rect">
-            <a:avLst/>
-          </a:prstGeom>
-          <a:noFill/>
-        </p:spPr>
-        <p:txBody>
-          <a:bodyPr wrap="square" rtlCol="0">
-            <a:spAutoFit/>
-          </a:bodyPr>
-          <a:lstStyle/>
-          <a:p>
-            <a:r>
-              <a:rPr lang="fr-FR" dirty="0"/>
-              <a:t>Je m’abonne</a:t>
-            </a:r>
-          </a:p>
-          <a:p>
-            <a:r>
-              <a:rPr lang="fr-FR" dirty="0"/>
-              <a:t>J’observe</a:t>
-            </a:r>
-          </a:p>
-        </p:txBody>
-      </p:sp>
+      </p:pic>
     </p:spTree>
     <p:extLst>
       <p:ext uri="{BB962C8B-B14F-4D97-AF65-F5344CB8AC3E}">
-        <p14:creationId xmlns:p14="http://schemas.microsoft.com/office/powerpoint/2010/main" val="991438220"/>
+        <p14:creationId xmlns:p14="http://schemas.microsoft.com/office/powerpoint/2010/main" val="4024730441"/>
       </p:ext>
     </p:extLst>
   </p:cSld>
@@ -5363,12 +7979,85 @@
           <a:chExt cx="0" cy="0"/>
         </a:xfrm>
       </p:grpSpPr>
+      <p:sp>
+        <p:nvSpPr>
+          <p:cNvPr id="2" name="Titre 1">
+            <a:extLst>
+              <a:ext uri="{FF2B5EF4-FFF2-40B4-BE49-F238E27FC236}">
+                <a16:creationId xmlns:a16="http://schemas.microsoft.com/office/drawing/2014/main" id="{B456D0E1-0783-DE8B-219F-66D5F0AF3143}"/>
+              </a:ext>
+            </a:extLst>
+          </p:cNvPr>
+          <p:cNvSpPr>
+            <a:spLocks noGrp="1"/>
+          </p:cNvSpPr>
+          <p:nvPr>
+            <p:ph type="title"/>
+          </p:nvPr>
+        </p:nvSpPr>
+        <p:spPr/>
+        <p:txBody>
+          <a:bodyPr/>
+          <a:lstStyle/>
+          <a:p>
+            <a:r>
+              <a:rPr lang="fr-FR" dirty="0"/>
+              <a:t>3 Mise en œuvre</a:t>
+            </a:r>
+          </a:p>
+        </p:txBody>
+      </p:sp>
+      <p:sp>
+        <p:nvSpPr>
+          <p:cNvPr id="3" name="Espace réservé du contenu 2">
+            <a:extLst>
+              <a:ext uri="{FF2B5EF4-FFF2-40B4-BE49-F238E27FC236}">
+                <a16:creationId xmlns:a16="http://schemas.microsoft.com/office/drawing/2014/main" id="{C811768F-2ED3-AFA2-787B-328D8EC880E3}"/>
+              </a:ext>
+            </a:extLst>
+          </p:cNvPr>
+          <p:cNvSpPr>
+            <a:spLocks noGrp="1"/>
+          </p:cNvSpPr>
+          <p:nvPr>
+            <p:ph idx="1"/>
+          </p:nvPr>
+        </p:nvSpPr>
+        <p:spPr>
+          <a:xfrm>
+            <a:off x="838200" y="1825624"/>
+            <a:ext cx="2326105" cy="3023101"/>
+          </a:xfrm>
+        </p:spPr>
+        <p:txBody>
+          <a:bodyPr/>
+          <a:lstStyle/>
+          <a:p>
+            <a:pPr marL="0" indent="0">
+              <a:buNone/>
+            </a:pPr>
+            <a:r>
+              <a:rPr lang="fr-FR" dirty="0"/>
+              <a:t>3.2 </a:t>
+            </a:r>
+          </a:p>
+          <a:p>
+            <a:pPr marL="0" indent="0">
+              <a:buNone/>
+            </a:pPr>
+            <a:r>
+              <a:rPr lang="fr-FR" dirty="0"/>
+              <a:t>Les observateurs concrets et leur interface</a:t>
+            </a:r>
+          </a:p>
+        </p:txBody>
+      </p:sp>
       <p:pic>
         <p:nvPicPr>
-          <p:cNvPr id="3" name="Image 2" descr="Le poing de l'homme d'affaires sur le menton">
-            <a:extLst>
-              <a:ext uri="{FF2B5EF4-FFF2-40B4-BE49-F238E27FC236}">
-                <a16:creationId xmlns:a16="http://schemas.microsoft.com/office/drawing/2014/main" id="{61CAFA93-4B84-5B2D-E93A-FF7A565A709E}"/>
+          <p:cNvPr id="5" name="Image 4" descr="Une image contenant texte, capture d’écran, Police, ligne&#10;&#10;Description générée automatiquement">
+            <a:extLst>
+              <a:ext uri="{FF2B5EF4-FFF2-40B4-BE49-F238E27FC236}">
+                <a16:creationId xmlns:a16="http://schemas.microsoft.com/office/drawing/2014/main" id="{3CF6E0FC-0500-5DE8-A169-054D61C885EC}"/>
               </a:ext>
             </a:extLst>
           </p:cNvPr>
@@ -5391,116 +8080,8 @@
         </p:blipFill>
         <p:spPr>
           <a:xfrm>
-            <a:off x="783562" y="504497"/>
-            <a:ext cx="315581" cy="1040523"/>
-          </a:xfrm>
-          <a:prstGeom prst="rect">
-            <a:avLst/>
-          </a:prstGeom>
-        </p:spPr>
-      </p:pic>
-      <p:pic>
-        <p:nvPicPr>
-          <p:cNvPr id="4" name="Image 3" descr="Le poing de l'homme d'affaires sur le menton">
-            <a:extLst>
-              <a:ext uri="{FF2B5EF4-FFF2-40B4-BE49-F238E27FC236}">
-                <a16:creationId xmlns:a16="http://schemas.microsoft.com/office/drawing/2014/main" id="{3B2CA19E-C7BE-5C19-75EF-F39603E5FACE}"/>
-              </a:ext>
-            </a:extLst>
-          </p:cNvPr>
-          <p:cNvPicPr>
-            <a:picLocks noChangeAspect="1"/>
-          </p:cNvPicPr>
-          <p:nvPr/>
-        </p:nvPicPr>
-        <p:blipFill>
-          <a:blip r:embed="rId2">
-            <a:extLst>
-              <a:ext uri="{28A0092B-C50C-407E-A947-70E740481C1C}">
-                <a14:useLocalDpi xmlns:a14="http://schemas.microsoft.com/office/drawing/2010/main" val="0"/>
-              </a:ext>
-            </a:extLst>
-          </a:blip>
-          <a:stretch>
-            <a:fillRect/>
-          </a:stretch>
-        </p:blipFill>
-        <p:spPr>
-          <a:xfrm>
-            <a:off x="783561" y="1823545"/>
-            <a:ext cx="315581" cy="1040523"/>
-          </a:xfrm>
-          <a:prstGeom prst="rect">
-            <a:avLst/>
-          </a:prstGeom>
-        </p:spPr>
-      </p:pic>
-      <p:pic>
-        <p:nvPicPr>
-          <p:cNvPr id="5" name="Image 4" descr="Le poing de l'homme d'affaires sur le menton">
-            <a:extLst>
-              <a:ext uri="{FF2B5EF4-FFF2-40B4-BE49-F238E27FC236}">
-                <a16:creationId xmlns:a16="http://schemas.microsoft.com/office/drawing/2014/main" id="{429B8D66-8E66-9F5F-9E06-30B7362657B7}"/>
-              </a:ext>
-            </a:extLst>
-          </p:cNvPr>
-          <p:cNvPicPr>
-            <a:picLocks noChangeAspect="1"/>
-          </p:cNvPicPr>
-          <p:nvPr/>
-        </p:nvPicPr>
-        <p:blipFill>
-          <a:blip r:embed="rId2">
-            <a:extLst>
-              <a:ext uri="{28A0092B-C50C-407E-A947-70E740481C1C}">
-                <a14:useLocalDpi xmlns:a14="http://schemas.microsoft.com/office/drawing/2010/main" val="0"/>
-              </a:ext>
-            </a:extLst>
-          </a:blip>
-          <a:stretch>
-            <a:fillRect/>
-          </a:stretch>
-        </p:blipFill>
-        <p:spPr>
-          <a:xfrm>
-            <a:off x="783561" y="3142593"/>
-            <a:ext cx="315581" cy="1040523"/>
-          </a:xfrm>
-          <a:prstGeom prst="rect">
-            <a:avLst/>
-          </a:prstGeom>
-        </p:spPr>
-      </p:pic>
-      <p:pic>
-        <p:nvPicPr>
-          <p:cNvPr id="6" name="Image 5" descr="Le poing de l'homme d'affaires sur le menton">
-            <a:extLst>
-              <a:ext uri="{FF2B5EF4-FFF2-40B4-BE49-F238E27FC236}">
-                <a16:creationId xmlns:a16="http://schemas.microsoft.com/office/drawing/2014/main" id="{02BD1CF2-3EEB-D18F-EDC0-539C67573E11}"/>
-              </a:ext>
-            </a:extLst>
-          </p:cNvPr>
-          <p:cNvPicPr>
-            <a:picLocks noChangeAspect="1"/>
-          </p:cNvPicPr>
-          <p:nvPr/>
-        </p:nvPicPr>
-        <p:blipFill>
-          <a:blip r:embed="rId2">
-            <a:extLst>
-              <a:ext uri="{28A0092B-C50C-407E-A947-70E740481C1C}">
-                <a14:useLocalDpi xmlns:a14="http://schemas.microsoft.com/office/drawing/2010/main" val="0"/>
-              </a:ext>
-            </a:extLst>
-          </a:blip>
-          <a:stretch>
-            <a:fillRect/>
-          </a:stretch>
-        </p:blipFill>
-        <p:spPr>
-          <a:xfrm>
-            <a:off x="783561" y="4461641"/>
-            <a:ext cx="315581" cy="1040523"/>
+            <a:off x="5260187" y="1690688"/>
+            <a:ext cx="2788939" cy="4434098"/>
           </a:xfrm>
           <a:prstGeom prst="rect">
             <a:avLst/>
@@ -5510,7 +8091,7 @@
     </p:spTree>
     <p:extLst>
       <p:ext uri="{BB962C8B-B14F-4D97-AF65-F5344CB8AC3E}">
-        <p14:creationId xmlns:p14="http://schemas.microsoft.com/office/powerpoint/2010/main" val="480089301"/>
+        <p14:creationId xmlns:p14="http://schemas.microsoft.com/office/powerpoint/2010/main" val="1552787899"/>
       </p:ext>
     </p:extLst>
   </p:cSld>

--- a/106_DesignPattern/Cours/Observateur/Observateur.pptx
+++ b/106_DesignPattern/Cours/Observateur/Observateur.pptx
@@ -1,9 +1,12 @@
 
 <file path=ppt/presentation.xml><?xml version="1.0" encoding="utf-8"?>
-<p:presentation xmlns:a="http://schemas.openxmlformats.org/drawingml/2006/main" xmlns:r="http://schemas.openxmlformats.org/officeDocument/2006/relationships" xmlns:p="http://schemas.openxmlformats.org/presentationml/2006/main" saveSubsetFonts="1">
+<p:presentation xmlns:a="http://schemas.openxmlformats.org/drawingml/2006/main" xmlns:r="http://schemas.openxmlformats.org/officeDocument/2006/relationships" xmlns:p="http://schemas.openxmlformats.org/presentationml/2006/main" showSpecialPlsOnTitleSld="0" saveSubsetFonts="1">
   <p:sldMasterIdLst>
     <p:sldMasterId id="2147483648" r:id="rId1"/>
   </p:sldMasterIdLst>
+  <p:notesMasterIdLst>
+    <p:notesMasterId r:id="rId27"/>
+  </p:notesMasterIdLst>
   <p:sldIdLst>
     <p:sldId id="256" r:id="rId2"/>
     <p:sldId id="260" r:id="rId3"/>
@@ -27,8 +30,9 @@
     <p:sldId id="279" r:id="rId21"/>
     <p:sldId id="280" r:id="rId22"/>
     <p:sldId id="281" r:id="rId23"/>
-    <p:sldId id="282" r:id="rId24"/>
-    <p:sldId id="283" r:id="rId25"/>
+    <p:sldId id="284" r:id="rId24"/>
+    <p:sldId id="282" r:id="rId25"/>
+    <p:sldId id="283" r:id="rId26"/>
   </p:sldIdLst>
   <p:sldSz cx="12192000" cy="6858000"/>
   <p:notesSz cx="6858000" cy="9144000"/>
@@ -138,7 +142,7 @@
 <file path=ppt/revisionInfo.xml><?xml version="1.0" encoding="utf-8"?>
 <p1510:revInfo xmlns:a="http://schemas.openxmlformats.org/drawingml/2006/main" xmlns:r="http://schemas.openxmlformats.org/officeDocument/2006/relationships" xmlns:p1510="http://schemas.microsoft.com/office/powerpoint/2015/10/main">
   <p1510:revLst>
-    <p1510:client id="{FC976D47-49AC-41B6-B5F5-80E15325E9E0}" v="35" dt="2023-07-22T15:27:55.944"/>
+    <p1510:client id="{FC976D47-49AC-41B6-B5F5-80E15325E9E0}" v="65" dt="2023-07-24T18:41:04.269"/>
   </p1510:revLst>
 </p1510:revInfo>
 </file>
@@ -147,23 +151,31 @@
 <pc:chgInfo xmlns:a="http://schemas.openxmlformats.org/drawingml/2006/main" xmlns:r="http://schemas.openxmlformats.org/officeDocument/2006/relationships" xmlns:ac="http://schemas.microsoft.com/office/drawing/2013/main/command" xmlns:pc="http://schemas.microsoft.com/office/powerpoint/2013/main/command">
   <pc:docChgLst>
     <pc:chgData name="David CRAVO" userId="ba75d8fe6eadcc5e" providerId="LiveId" clId="{FC976D47-49AC-41B6-B5F5-80E15325E9E0}"/>
-    <pc:docChg chg="undo custSel addSld delSld modSld">
-      <pc:chgData name="David CRAVO" userId="ba75d8fe6eadcc5e" providerId="LiveId" clId="{FC976D47-49AC-41B6-B5F5-80E15325E9E0}" dt="2023-07-22T15:32:08.834" v="1537" actId="20577"/>
+    <pc:docChg chg="undo custSel addSld delSld modSld modMainMaster">
+      <pc:chgData name="David CRAVO" userId="ba75d8fe6eadcc5e" providerId="LiveId" clId="{FC976D47-49AC-41B6-B5F5-80E15325E9E0}" dt="2023-07-24T18:41:15.136" v="1792" actId="14100"/>
       <pc:docMkLst>
         <pc:docMk/>
       </pc:docMkLst>
-      <pc:sldChg chg="modSp mod">
-        <pc:chgData name="David CRAVO" userId="ba75d8fe6eadcc5e" providerId="LiveId" clId="{FC976D47-49AC-41B6-B5F5-80E15325E9E0}" dt="2023-07-22T15:29:21.289" v="1491" actId="20577"/>
+      <pc:sldChg chg="addSp modSp mod setBg">
+        <pc:chgData name="David CRAVO" userId="ba75d8fe6eadcc5e" providerId="LiveId" clId="{FC976D47-49AC-41B6-B5F5-80E15325E9E0}" dt="2023-07-24T17:53:19.768" v="1701" actId="6549"/>
         <pc:sldMkLst>
           <pc:docMk/>
           <pc:sldMk cId="142725393" sldId="256"/>
         </pc:sldMkLst>
         <pc:spChg chg="mod">
-          <ac:chgData name="David CRAVO" userId="ba75d8fe6eadcc5e" providerId="LiveId" clId="{FC976D47-49AC-41B6-B5F5-80E15325E9E0}" dt="2023-07-22T15:29:21.289" v="1491" actId="20577"/>
+          <ac:chgData name="David CRAVO" userId="ba75d8fe6eadcc5e" providerId="LiveId" clId="{FC976D47-49AC-41B6-B5F5-80E15325E9E0}" dt="2023-07-24T17:53:19.768" v="1701" actId="6549"/>
           <ac:spMkLst>
             <pc:docMk/>
             <pc:sldMk cId="142725393" sldId="256"/>
             <ac:spMk id="2" creationId="{2134026D-8149-7322-65C6-E63461EE0705}"/>
+          </ac:spMkLst>
+        </pc:spChg>
+        <pc:spChg chg="add mod">
+          <ac:chgData name="David CRAVO" userId="ba75d8fe6eadcc5e" providerId="LiveId" clId="{FC976D47-49AC-41B6-B5F5-80E15325E9E0}" dt="2023-07-24T17:51:59.021" v="1688" actId="122"/>
+          <ac:spMkLst>
+            <pc:docMk/>
+            <pc:sldMk cId="142725393" sldId="256"/>
+            <ac:spMk id="3" creationId="{BA90CF81-A798-F78F-6F46-7A9CBD42E2B0}"/>
           </ac:spMkLst>
         </pc:spChg>
       </pc:sldChg>
@@ -182,73 +194,176 @@
         </pc:sldMkLst>
       </pc:sldChg>
       <pc:sldChg chg="modSp mod">
-        <pc:chgData name="David CRAVO" userId="ba75d8fe6eadcc5e" providerId="LiveId" clId="{FC976D47-49AC-41B6-B5F5-80E15325E9E0}" dt="2023-07-22T15:32:08.834" v="1537" actId="20577"/>
+        <pc:chgData name="David CRAVO" userId="ba75d8fe6eadcc5e" providerId="LiveId" clId="{FC976D47-49AC-41B6-B5F5-80E15325E9E0}" dt="2023-07-24T18:00:26.993" v="1711" actId="207"/>
         <pc:sldMkLst>
           <pc:docMk/>
           <pc:sldMk cId="3389184911" sldId="260"/>
         </pc:sldMkLst>
         <pc:spChg chg="mod">
-          <ac:chgData name="David CRAVO" userId="ba75d8fe6eadcc5e" providerId="LiveId" clId="{FC976D47-49AC-41B6-B5F5-80E15325E9E0}" dt="2023-07-22T15:32:08.834" v="1537" actId="20577"/>
+          <ac:chgData name="David CRAVO" userId="ba75d8fe6eadcc5e" providerId="LiveId" clId="{FC976D47-49AC-41B6-B5F5-80E15325E9E0}" dt="2023-07-24T17:38:49.414" v="1628"/>
+          <ac:spMkLst>
+            <pc:docMk/>
+            <pc:sldMk cId="3389184911" sldId="260"/>
+            <ac:spMk id="2" creationId="{D6DDE4C8-E9A7-0C44-6B5F-18B4AF80950C}"/>
+          </ac:spMkLst>
+        </pc:spChg>
+        <pc:spChg chg="mod">
+          <ac:chgData name="David CRAVO" userId="ba75d8fe6eadcc5e" providerId="LiveId" clId="{FC976D47-49AC-41B6-B5F5-80E15325E9E0}" dt="2023-07-24T17:38:49.414" v="1628"/>
           <ac:spMkLst>
             <pc:docMk/>
             <pc:sldMk cId="3389184911" sldId="260"/>
             <ac:spMk id="3" creationId="{E85224BB-51EF-F956-051C-FAF9487563FA}"/>
           </ac:spMkLst>
         </pc:spChg>
+        <pc:spChg chg="mod">
+          <ac:chgData name="David CRAVO" userId="ba75d8fe6eadcc5e" providerId="LiveId" clId="{FC976D47-49AC-41B6-B5F5-80E15325E9E0}" dt="2023-07-24T18:00:26.993" v="1711" actId="207"/>
+          <ac:spMkLst>
+            <pc:docMk/>
+            <pc:sldMk cId="3389184911" sldId="260"/>
+            <ac:spMk id="4" creationId="{E678405D-3D68-7925-8AEE-4446C50C045D}"/>
+          </ac:spMkLst>
+        </pc:spChg>
       </pc:sldChg>
       <pc:sldChg chg="modSp mod">
-        <pc:chgData name="David CRAVO" userId="ba75d8fe6eadcc5e" providerId="LiveId" clId="{FC976D47-49AC-41B6-B5F5-80E15325E9E0}" dt="2023-07-22T15:29:43.543" v="1492" actId="20577"/>
+        <pc:chgData name="David CRAVO" userId="ba75d8fe6eadcc5e" providerId="LiveId" clId="{FC976D47-49AC-41B6-B5F5-80E15325E9E0}" dt="2023-07-24T18:00:50.910" v="1713" actId="207"/>
         <pc:sldMkLst>
           <pc:docMk/>
           <pc:sldMk cId="3001935333" sldId="261"/>
         </pc:sldMkLst>
         <pc:spChg chg="mod">
-          <ac:chgData name="David CRAVO" userId="ba75d8fe6eadcc5e" providerId="LiveId" clId="{FC976D47-49AC-41B6-B5F5-80E15325E9E0}" dt="2023-07-22T15:29:43.543" v="1492" actId="20577"/>
+          <ac:chgData name="David CRAVO" userId="ba75d8fe6eadcc5e" providerId="LiveId" clId="{FC976D47-49AC-41B6-B5F5-80E15325E9E0}" dt="2023-07-24T17:38:49.414" v="1628"/>
+          <ac:spMkLst>
+            <pc:docMk/>
+            <pc:sldMk cId="3001935333" sldId="261"/>
+            <ac:spMk id="2" creationId="{71707A73-FA52-BA3F-6FCB-0E20863DB1F7}"/>
+          </ac:spMkLst>
+        </pc:spChg>
+        <pc:spChg chg="mod">
+          <ac:chgData name="David CRAVO" userId="ba75d8fe6eadcc5e" providerId="LiveId" clId="{FC976D47-49AC-41B6-B5F5-80E15325E9E0}" dt="2023-07-24T17:41:48.260" v="1648" actId="1076"/>
           <ac:spMkLst>
             <pc:docMk/>
             <pc:sldMk cId="3001935333" sldId="261"/>
             <ac:spMk id="3" creationId="{9FC1FFCD-E346-CDFF-6DEA-900C8E4DA4A9}"/>
           </ac:spMkLst>
         </pc:spChg>
+        <pc:spChg chg="mod">
+          <ac:chgData name="David CRAVO" userId="ba75d8fe6eadcc5e" providerId="LiveId" clId="{FC976D47-49AC-41B6-B5F5-80E15325E9E0}" dt="2023-07-24T18:00:50.910" v="1713" actId="207"/>
+          <ac:spMkLst>
+            <pc:docMk/>
+            <pc:sldMk cId="3001935333" sldId="261"/>
+            <ac:spMk id="4" creationId="{E8B27CFB-FEB7-ACDE-0C0E-C8457A2DD1A2}"/>
+          </ac:spMkLst>
+        </pc:spChg>
       </pc:sldChg>
       <pc:sldChg chg="modSp mod">
-        <pc:chgData name="David CRAVO" userId="ba75d8fe6eadcc5e" providerId="LiveId" clId="{FC976D47-49AC-41B6-B5F5-80E15325E9E0}" dt="2023-07-22T15:30:00.222" v="1515" actId="20577"/>
+        <pc:chgData name="David CRAVO" userId="ba75d8fe6eadcc5e" providerId="LiveId" clId="{FC976D47-49AC-41B6-B5F5-80E15325E9E0}" dt="2023-07-24T18:01:07.716" v="1715" actId="207"/>
         <pc:sldMkLst>
           <pc:docMk/>
           <pc:sldMk cId="1326518591" sldId="262"/>
         </pc:sldMkLst>
         <pc:spChg chg="mod">
-          <ac:chgData name="David CRAVO" userId="ba75d8fe6eadcc5e" providerId="LiveId" clId="{FC976D47-49AC-41B6-B5F5-80E15325E9E0}" dt="2023-07-22T15:30:00.222" v="1515" actId="20577"/>
+          <ac:chgData name="David CRAVO" userId="ba75d8fe6eadcc5e" providerId="LiveId" clId="{FC976D47-49AC-41B6-B5F5-80E15325E9E0}" dt="2023-07-24T17:38:49.414" v="1628"/>
+          <ac:spMkLst>
+            <pc:docMk/>
+            <pc:sldMk cId="1326518591" sldId="262"/>
+            <ac:spMk id="2" creationId="{10AFE74A-A016-6FF2-0ABC-27D13B8E3CFB}"/>
+          </ac:spMkLst>
+        </pc:spChg>
+        <pc:spChg chg="mod">
+          <ac:chgData name="David CRAVO" userId="ba75d8fe6eadcc5e" providerId="LiveId" clId="{FC976D47-49AC-41B6-B5F5-80E15325E9E0}" dt="2023-07-24T17:41:56.035" v="1649" actId="1076"/>
           <ac:spMkLst>
             <pc:docMk/>
             <pc:sldMk cId="1326518591" sldId="262"/>
             <ac:spMk id="3" creationId="{C46A41EB-CC40-DF08-E7D0-FDE1CF96B0F8}"/>
           </ac:spMkLst>
         </pc:spChg>
+        <pc:spChg chg="mod">
+          <ac:chgData name="David CRAVO" userId="ba75d8fe6eadcc5e" providerId="LiveId" clId="{FC976D47-49AC-41B6-B5F5-80E15325E9E0}" dt="2023-07-24T18:01:07.716" v="1715" actId="207"/>
+          <ac:spMkLst>
+            <pc:docMk/>
+            <pc:sldMk cId="1326518591" sldId="262"/>
+            <ac:spMk id="4" creationId="{B5444C56-EAAE-C959-1D0D-F2E7F1EA480F}"/>
+          </ac:spMkLst>
+        </pc:spChg>
       </pc:sldChg>
       <pc:sldChg chg="modSp mod">
-        <pc:chgData name="David CRAVO" userId="ba75d8fe6eadcc5e" providerId="LiveId" clId="{FC976D47-49AC-41B6-B5F5-80E15325E9E0}" dt="2023-07-22T09:33:25.983" v="435"/>
+        <pc:chgData name="David CRAVO" userId="ba75d8fe6eadcc5e" providerId="LiveId" clId="{FC976D47-49AC-41B6-B5F5-80E15325E9E0}" dt="2023-07-24T18:01:18.655" v="1717" actId="207"/>
+        <pc:sldMkLst>
+          <pc:docMk/>
+          <pc:sldMk cId="3239956060" sldId="263"/>
+        </pc:sldMkLst>
+        <pc:spChg chg="mod">
+          <ac:chgData name="David CRAVO" userId="ba75d8fe6eadcc5e" providerId="LiveId" clId="{FC976D47-49AC-41B6-B5F5-80E15325E9E0}" dt="2023-07-24T17:38:49.414" v="1628"/>
+          <ac:spMkLst>
+            <pc:docMk/>
+            <pc:sldMk cId="3239956060" sldId="263"/>
+            <ac:spMk id="2" creationId="{225750EF-20A1-EDFE-9156-DE5A4170FE85}"/>
+          </ac:spMkLst>
+        </pc:spChg>
+        <pc:spChg chg="mod">
+          <ac:chgData name="David CRAVO" userId="ba75d8fe6eadcc5e" providerId="LiveId" clId="{FC976D47-49AC-41B6-B5F5-80E15325E9E0}" dt="2023-07-24T18:01:18.655" v="1717" actId="207"/>
+          <ac:spMkLst>
+            <pc:docMk/>
+            <pc:sldMk cId="3239956060" sldId="263"/>
+            <ac:spMk id="3" creationId="{ED960042-2CEF-39CF-90CF-40114EA04073}"/>
+          </ac:spMkLst>
+        </pc:spChg>
+        <pc:spChg chg="mod">
+          <ac:chgData name="David CRAVO" userId="ba75d8fe6eadcc5e" providerId="LiveId" clId="{FC976D47-49AC-41B6-B5F5-80E15325E9E0}" dt="2023-07-24T17:41:25.796" v="1644" actId="207"/>
+          <ac:spMkLst>
+            <pc:docMk/>
+            <pc:sldMk cId="3239956060" sldId="263"/>
+            <ac:spMk id="7" creationId="{943D0F6B-3F95-BA98-C1BF-754E30699647}"/>
+          </ac:spMkLst>
+        </pc:spChg>
+        <pc:picChg chg="mod">
+          <ac:chgData name="David CRAVO" userId="ba75d8fe6eadcc5e" providerId="LiveId" clId="{FC976D47-49AC-41B6-B5F5-80E15325E9E0}" dt="2023-07-24T17:41:29.635" v="1645" actId="14100"/>
+          <ac:picMkLst>
+            <pc:docMk/>
+            <pc:sldMk cId="3239956060" sldId="263"/>
+            <ac:picMk id="5" creationId="{547A34D6-B83E-A9FA-6673-E8829867CAA7}"/>
+          </ac:picMkLst>
+        </pc:picChg>
+      </pc:sldChg>
+      <pc:sldChg chg="modSp mod">
+        <pc:chgData name="David CRAVO" userId="ba75d8fe6eadcc5e" providerId="LiveId" clId="{FC976D47-49AC-41B6-B5F5-80E15325E9E0}" dt="2023-07-24T18:01:28.777" v="1719" actId="255"/>
         <pc:sldMkLst>
           <pc:docMk/>
           <pc:sldMk cId="2284254303" sldId="264"/>
         </pc:sldMkLst>
         <pc:spChg chg="mod">
-          <ac:chgData name="David CRAVO" userId="ba75d8fe6eadcc5e" providerId="LiveId" clId="{FC976D47-49AC-41B6-B5F5-80E15325E9E0}" dt="2023-07-22T09:33:25.983" v="435"/>
+          <ac:chgData name="David CRAVO" userId="ba75d8fe6eadcc5e" providerId="LiveId" clId="{FC976D47-49AC-41B6-B5F5-80E15325E9E0}" dt="2023-07-24T17:38:49.414" v="1628"/>
           <ac:spMkLst>
             <pc:docMk/>
             <pc:sldMk cId="2284254303" sldId="264"/>
             <ac:spMk id="2" creationId="{E5B2B91B-B3BF-9566-55D8-188D4DEC5F56}"/>
           </ac:spMkLst>
         </pc:spChg>
+        <pc:spChg chg="mod">
+          <ac:chgData name="David CRAVO" userId="ba75d8fe6eadcc5e" providerId="LiveId" clId="{FC976D47-49AC-41B6-B5F5-80E15325E9E0}" dt="2023-07-24T17:41:10.270" v="1642" actId="1076"/>
+          <ac:spMkLst>
+            <pc:docMk/>
+            <pc:sldMk cId="2284254303" sldId="264"/>
+            <ac:spMk id="3" creationId="{8ECC45BD-49D5-BF74-99A4-0595377CA344}"/>
+          </ac:spMkLst>
+        </pc:spChg>
+        <pc:spChg chg="mod">
+          <ac:chgData name="David CRAVO" userId="ba75d8fe6eadcc5e" providerId="LiveId" clId="{FC976D47-49AC-41B6-B5F5-80E15325E9E0}" dt="2023-07-24T18:01:28.777" v="1719" actId="255"/>
+          <ac:spMkLst>
+            <pc:docMk/>
+            <pc:sldMk cId="2284254303" sldId="264"/>
+            <ac:spMk id="4" creationId="{75203A03-4F1D-B685-D226-232939510004}"/>
+          </ac:spMkLst>
+        </pc:spChg>
       </pc:sldChg>
       <pc:sldChg chg="addSp delSp modSp mod">
-        <pc:chgData name="David CRAVO" userId="ba75d8fe6eadcc5e" providerId="LiveId" clId="{FC976D47-49AC-41B6-B5F5-80E15325E9E0}" dt="2023-07-22T09:33:47.024" v="436"/>
+        <pc:chgData name="David CRAVO" userId="ba75d8fe6eadcc5e" providerId="LiveId" clId="{FC976D47-49AC-41B6-B5F5-80E15325E9E0}" dt="2023-07-24T17:59:57.526" v="1709" actId="207"/>
         <pc:sldMkLst>
           <pc:docMk/>
           <pc:sldMk cId="595186413" sldId="265"/>
         </pc:sldMkLst>
         <pc:spChg chg="mod">
-          <ac:chgData name="David CRAVO" userId="ba75d8fe6eadcc5e" providerId="LiveId" clId="{FC976D47-49AC-41B6-B5F5-80E15325E9E0}" dt="2023-07-22T09:33:47.024" v="436"/>
+          <ac:chgData name="David CRAVO" userId="ba75d8fe6eadcc5e" providerId="LiveId" clId="{FC976D47-49AC-41B6-B5F5-80E15325E9E0}" dt="2023-07-24T17:38:49.414" v="1628"/>
           <ac:spMkLst>
             <pc:docMk/>
             <pc:sldMk cId="595186413" sldId="265"/>
@@ -304,7 +419,7 @@
           </ac:spMkLst>
         </pc:spChg>
         <pc:spChg chg="mod">
-          <ac:chgData name="David CRAVO" userId="ba75d8fe6eadcc5e" providerId="LiveId" clId="{FC976D47-49AC-41B6-B5F5-80E15325E9E0}" dt="2023-07-21T11:27:41.158" v="214" actId="20577"/>
+          <ac:chgData name="David CRAVO" userId="ba75d8fe6eadcc5e" providerId="LiveId" clId="{FC976D47-49AC-41B6-B5F5-80E15325E9E0}" dt="2023-07-24T17:49:55.324" v="1676" actId="207"/>
           <ac:spMkLst>
             <pc:docMk/>
             <pc:sldMk cId="595186413" sldId="265"/>
@@ -319,6 +434,14 @@
             <ac:spMk id="16" creationId="{A3A3771C-BBA9-3E03-3215-5DE8813BB31C}"/>
           </ac:spMkLst>
         </pc:spChg>
+        <pc:spChg chg="mod">
+          <ac:chgData name="David CRAVO" userId="ba75d8fe6eadcc5e" providerId="LiveId" clId="{FC976D47-49AC-41B6-B5F5-80E15325E9E0}" dt="2023-07-24T17:59:57.526" v="1709" actId="207"/>
+          <ac:spMkLst>
+            <pc:docMk/>
+            <pc:sldMk cId="595186413" sldId="265"/>
+            <ac:spMk id="17" creationId="{6B78B6EF-CC66-2D0B-36B2-C03BAFE9E60D}"/>
+          </ac:spMkLst>
+        </pc:spChg>
         <pc:spChg chg="del">
           <ac:chgData name="David CRAVO" userId="ba75d8fe6eadcc5e" providerId="LiveId" clId="{FC976D47-49AC-41B6-B5F5-80E15325E9E0}" dt="2023-07-21T10:50:54.047" v="22" actId="478"/>
           <ac:spMkLst>
@@ -400,7 +523,7 @@
           </ac:spMkLst>
         </pc:spChg>
         <pc:spChg chg="add mod">
-          <ac:chgData name="David CRAVO" userId="ba75d8fe6eadcc5e" providerId="LiveId" clId="{FC976D47-49AC-41B6-B5F5-80E15325E9E0}" dt="2023-07-21T11:27:54.775" v="224" actId="20577"/>
+          <ac:chgData name="David CRAVO" userId="ba75d8fe6eadcc5e" providerId="LiveId" clId="{FC976D47-49AC-41B6-B5F5-80E15325E9E0}" dt="2023-07-24T17:45:27.527" v="1665" actId="207"/>
           <ac:spMkLst>
             <pc:docMk/>
             <pc:sldMk cId="595186413" sldId="265"/>
@@ -432,15 +555,39 @@
           </ac:spMkLst>
         </pc:spChg>
         <pc:spChg chg="add mod">
-          <ac:chgData name="David CRAVO" userId="ba75d8fe6eadcc5e" providerId="LiveId" clId="{FC976D47-49AC-41B6-B5F5-80E15325E9E0}" dt="2023-07-21T11:07:22.891" v="200" actId="14100"/>
+          <ac:chgData name="David CRAVO" userId="ba75d8fe6eadcc5e" providerId="LiveId" clId="{FC976D47-49AC-41B6-B5F5-80E15325E9E0}" dt="2023-07-24T17:40:31.458" v="1638" actId="1076"/>
           <ac:spMkLst>
             <pc:docMk/>
             <pc:sldMk cId="595186413" sldId="265"/>
             <ac:spMk id="65" creationId="{86FA991B-91E2-6306-F286-24D10EA58975}"/>
           </ac:spMkLst>
         </pc:spChg>
+        <pc:cxnChg chg="add mod">
+          <ac:chgData name="David CRAVO" userId="ba75d8fe6eadcc5e" providerId="LiveId" clId="{FC976D47-49AC-41B6-B5F5-80E15325E9E0}" dt="2023-07-24T17:49:43.040" v="1675" actId="208"/>
+          <ac:cxnSpMkLst>
+            <pc:docMk/>
+            <pc:sldMk cId="595186413" sldId="265"/>
+            <ac:cxnSpMk id="3" creationId="{529EFCE6-77A4-B634-6D39-DADED1E3BECE}"/>
+          </ac:cxnSpMkLst>
+        </pc:cxnChg>
+        <pc:cxnChg chg="add mod">
+          <ac:chgData name="David CRAVO" userId="ba75d8fe6eadcc5e" providerId="LiveId" clId="{FC976D47-49AC-41B6-B5F5-80E15325E9E0}" dt="2023-07-24T17:49:43.040" v="1675" actId="208"/>
+          <ac:cxnSpMkLst>
+            <pc:docMk/>
+            <pc:sldMk cId="595186413" sldId="265"/>
+            <ac:cxnSpMk id="9" creationId="{F1379C29-B841-FF66-2A2D-63A90CD96115}"/>
+          </ac:cxnSpMkLst>
+        </pc:cxnChg>
+        <pc:cxnChg chg="add mod">
+          <ac:chgData name="David CRAVO" userId="ba75d8fe6eadcc5e" providerId="LiveId" clId="{FC976D47-49AC-41B6-B5F5-80E15325E9E0}" dt="2023-07-24T17:49:33.986" v="1674" actId="571"/>
+          <ac:cxnSpMkLst>
+            <pc:docMk/>
+            <pc:sldMk cId="595186413" sldId="265"/>
+            <ac:cxnSpMk id="11" creationId="{79DEBB13-8FB1-1B30-7426-DD562512FCBA}"/>
+          </ac:cxnSpMkLst>
+        </pc:cxnChg>
         <pc:cxnChg chg="mod">
-          <ac:chgData name="David CRAVO" userId="ba75d8fe6eadcc5e" providerId="LiveId" clId="{FC976D47-49AC-41B6-B5F5-80E15325E9E0}" dt="2023-07-21T11:02:05.837" v="139" actId="14100"/>
+          <ac:chgData name="David CRAVO" userId="ba75d8fe6eadcc5e" providerId="LiveId" clId="{FC976D47-49AC-41B6-B5F5-80E15325E9E0}" dt="2023-07-24T17:49:27.186" v="1673" actId="208"/>
           <ac:cxnSpMkLst>
             <pc:docMk/>
             <pc:sldMk cId="595186413" sldId="265"/>
@@ -448,7 +595,7 @@
           </ac:cxnSpMkLst>
         </pc:cxnChg>
         <pc:cxnChg chg="mod">
-          <ac:chgData name="David CRAVO" userId="ba75d8fe6eadcc5e" providerId="LiveId" clId="{FC976D47-49AC-41B6-B5F5-80E15325E9E0}" dt="2023-07-21T11:04:24.526" v="145" actId="14100"/>
+          <ac:chgData name="David CRAVO" userId="ba75d8fe6eadcc5e" providerId="LiveId" clId="{FC976D47-49AC-41B6-B5F5-80E15325E9E0}" dt="2023-07-24T17:49:43.040" v="1675" actId="208"/>
           <ac:cxnSpMkLst>
             <pc:docMk/>
             <pc:sldMk cId="595186413" sldId="265"/>
@@ -456,7 +603,7 @@
           </ac:cxnSpMkLst>
         </pc:cxnChg>
         <pc:cxnChg chg="mod">
-          <ac:chgData name="David CRAVO" userId="ba75d8fe6eadcc5e" providerId="LiveId" clId="{FC976D47-49AC-41B6-B5F5-80E15325E9E0}" dt="2023-07-21T11:04:45.201" v="148" actId="14100"/>
+          <ac:chgData name="David CRAVO" userId="ba75d8fe6eadcc5e" providerId="LiveId" clId="{FC976D47-49AC-41B6-B5F5-80E15325E9E0}" dt="2023-07-24T17:49:27.186" v="1673" actId="208"/>
           <ac:cxnSpMkLst>
             <pc:docMk/>
             <pc:sldMk cId="595186413" sldId="265"/>
@@ -464,7 +611,15 @@
           </ac:cxnSpMkLst>
         </pc:cxnChg>
         <pc:cxnChg chg="add mod">
-          <ac:chgData name="David CRAVO" userId="ba75d8fe6eadcc5e" providerId="LiveId" clId="{FC976D47-49AC-41B6-B5F5-80E15325E9E0}" dt="2023-07-21T11:01:57.465" v="137" actId="14100"/>
+          <ac:chgData name="David CRAVO" userId="ba75d8fe6eadcc5e" providerId="LiveId" clId="{FC976D47-49AC-41B6-B5F5-80E15325E9E0}" dt="2023-07-24T17:49:43.040" v="1675" actId="208"/>
+          <ac:cxnSpMkLst>
+            <pc:docMk/>
+            <pc:sldMk cId="595186413" sldId="265"/>
+            <ac:cxnSpMk id="16" creationId="{239787D1-1FCB-855A-4B94-EC820D0A7A84}"/>
+          </ac:cxnSpMkLst>
+        </pc:cxnChg>
+        <pc:cxnChg chg="add mod">
+          <ac:chgData name="David CRAVO" userId="ba75d8fe6eadcc5e" providerId="LiveId" clId="{FC976D47-49AC-41B6-B5F5-80E15325E9E0}" dt="2023-07-24T17:48:55.237" v="1671" actId="208"/>
           <ac:cxnSpMkLst>
             <pc:docMk/>
             <pc:sldMk cId="595186413" sldId="265"/>
@@ -472,7 +627,7 @@
           </ac:cxnSpMkLst>
         </pc:cxnChg>
         <pc:cxnChg chg="add mod">
-          <ac:chgData name="David CRAVO" userId="ba75d8fe6eadcc5e" providerId="LiveId" clId="{FC976D47-49AC-41B6-B5F5-80E15325E9E0}" dt="2023-07-21T11:04:28.205" v="146" actId="14100"/>
+          <ac:chgData name="David CRAVO" userId="ba75d8fe6eadcc5e" providerId="LiveId" clId="{FC976D47-49AC-41B6-B5F5-80E15325E9E0}" dt="2023-07-24T17:49:27.186" v="1673" actId="208"/>
           <ac:cxnSpMkLst>
             <pc:docMk/>
             <pc:sldMk cId="595186413" sldId="265"/>
@@ -480,7 +635,7 @@
           </ac:cxnSpMkLst>
         </pc:cxnChg>
         <pc:cxnChg chg="add mod">
-          <ac:chgData name="David CRAVO" userId="ba75d8fe6eadcc5e" providerId="LiveId" clId="{FC976D47-49AC-41B6-B5F5-80E15325E9E0}" dt="2023-07-21T11:04:42.313" v="147" actId="14100"/>
+          <ac:chgData name="David CRAVO" userId="ba75d8fe6eadcc5e" providerId="LiveId" clId="{FC976D47-49AC-41B6-B5F5-80E15325E9E0}" dt="2023-07-24T17:48:55.237" v="1671" actId="208"/>
           <ac:cxnSpMkLst>
             <pc:docMk/>
             <pc:sldMk cId="595186413" sldId="265"/>
@@ -488,7 +643,7 @@
           </ac:cxnSpMkLst>
         </pc:cxnChg>
         <pc:cxnChg chg="add mod">
-          <ac:chgData name="David CRAVO" userId="ba75d8fe6eadcc5e" providerId="LiveId" clId="{FC976D47-49AC-41B6-B5F5-80E15325E9E0}" dt="2023-07-21T10:57:42.962" v="67" actId="1076"/>
+          <ac:chgData name="David CRAVO" userId="ba75d8fe6eadcc5e" providerId="LiveId" clId="{FC976D47-49AC-41B6-B5F5-80E15325E9E0}" dt="2023-07-24T17:49:27.186" v="1673" actId="208"/>
           <ac:cxnSpMkLst>
             <pc:docMk/>
             <pc:sldMk cId="595186413" sldId="265"/>
@@ -496,7 +651,7 @@
           </ac:cxnSpMkLst>
         </pc:cxnChg>
         <pc:cxnChg chg="add mod">
-          <ac:chgData name="David CRAVO" userId="ba75d8fe6eadcc5e" providerId="LiveId" clId="{FC976D47-49AC-41B6-B5F5-80E15325E9E0}" dt="2023-07-21T11:07:56.290" v="201" actId="14100"/>
+          <ac:chgData name="David CRAVO" userId="ba75d8fe6eadcc5e" providerId="LiveId" clId="{FC976D47-49AC-41B6-B5F5-80E15325E9E0}" dt="2023-07-24T17:48:55.237" v="1671" actId="208"/>
           <ac:cxnSpMkLst>
             <pc:docMk/>
             <pc:sldMk cId="595186413" sldId="265"/>
@@ -528,13 +683,13 @@
         </pc:spChg>
       </pc:sldChg>
       <pc:sldChg chg="addSp modSp new mod">
-        <pc:chgData name="David CRAVO" userId="ba75d8fe6eadcc5e" providerId="LiveId" clId="{FC976D47-49AC-41B6-B5F5-80E15325E9E0}" dt="2023-07-21T12:09:01.503" v="428" actId="20577"/>
+        <pc:chgData name="David CRAVO" userId="ba75d8fe6eadcc5e" providerId="LiveId" clId="{FC976D47-49AC-41B6-B5F5-80E15325E9E0}" dt="2023-07-24T18:01:43.189" v="1721" actId="207"/>
         <pc:sldMkLst>
           <pc:docMk/>
           <pc:sldMk cId="4024730441" sldId="267"/>
         </pc:sldMkLst>
         <pc:spChg chg="mod">
-          <ac:chgData name="David CRAVO" userId="ba75d8fe6eadcc5e" providerId="LiveId" clId="{FC976D47-49AC-41B6-B5F5-80E15325E9E0}" dt="2023-07-21T12:04:08.698" v="330" actId="313"/>
+          <ac:chgData name="David CRAVO" userId="ba75d8fe6eadcc5e" providerId="LiveId" clId="{FC976D47-49AC-41B6-B5F5-80E15325E9E0}" dt="2023-07-24T17:38:49.414" v="1628"/>
           <ac:spMkLst>
             <pc:docMk/>
             <pc:sldMk cId="4024730441" sldId="267"/>
@@ -542,11 +697,19 @@
           </ac:spMkLst>
         </pc:spChg>
         <pc:spChg chg="mod">
-          <ac:chgData name="David CRAVO" userId="ba75d8fe6eadcc5e" providerId="LiveId" clId="{FC976D47-49AC-41B6-B5F5-80E15325E9E0}" dt="2023-07-21T12:09:01.503" v="428" actId="20577"/>
+          <ac:chgData name="David CRAVO" userId="ba75d8fe6eadcc5e" providerId="LiveId" clId="{FC976D47-49AC-41B6-B5F5-80E15325E9E0}" dt="2023-07-24T17:40:52.608" v="1639" actId="207"/>
           <ac:spMkLst>
             <pc:docMk/>
             <pc:sldMk cId="4024730441" sldId="267"/>
             <ac:spMk id="3" creationId="{962B65F7-8DF9-1164-7F86-F4AB46680CDD}"/>
+          </ac:spMkLst>
+        </pc:spChg>
+        <pc:spChg chg="mod">
+          <ac:chgData name="David CRAVO" userId="ba75d8fe6eadcc5e" providerId="LiveId" clId="{FC976D47-49AC-41B6-B5F5-80E15325E9E0}" dt="2023-07-24T18:01:43.189" v="1721" actId="207"/>
+          <ac:spMkLst>
+            <pc:docMk/>
+            <pc:sldMk cId="4024730441" sldId="267"/>
+            <ac:spMk id="4" creationId="{A847592C-7CC2-BC5B-443E-DEA1954F3EBF}"/>
           </ac:spMkLst>
         </pc:spChg>
         <pc:picChg chg="add mod">
@@ -558,14 +721,14 @@
           </ac:picMkLst>
         </pc:picChg>
       </pc:sldChg>
-      <pc:sldChg chg="addSp modSp new mod">
-        <pc:chgData name="David CRAVO" userId="ba75d8fe6eadcc5e" providerId="LiveId" clId="{FC976D47-49AC-41B6-B5F5-80E15325E9E0}" dt="2023-07-22T09:49:54.808" v="448" actId="313"/>
+      <pc:sldChg chg="addSp modSp new mod setBg">
+        <pc:chgData name="David CRAVO" userId="ba75d8fe6eadcc5e" providerId="LiveId" clId="{FC976D47-49AC-41B6-B5F5-80E15325E9E0}" dt="2023-07-24T18:05:07.068" v="1752" actId="255"/>
         <pc:sldMkLst>
           <pc:docMk/>
           <pc:sldMk cId="1552787899" sldId="268"/>
         </pc:sldMkLst>
         <pc:spChg chg="mod">
-          <ac:chgData name="David CRAVO" userId="ba75d8fe6eadcc5e" providerId="LiveId" clId="{FC976D47-49AC-41B6-B5F5-80E15325E9E0}" dt="2023-07-22T09:49:54.808" v="448" actId="313"/>
+          <ac:chgData name="David CRAVO" userId="ba75d8fe6eadcc5e" providerId="LiveId" clId="{FC976D47-49AC-41B6-B5F5-80E15325E9E0}" dt="2023-07-24T17:38:49.414" v="1628"/>
           <ac:spMkLst>
             <pc:docMk/>
             <pc:sldMk cId="1552787899" sldId="268"/>
@@ -573,11 +736,19 @@
           </ac:spMkLst>
         </pc:spChg>
         <pc:spChg chg="mod">
-          <ac:chgData name="David CRAVO" userId="ba75d8fe6eadcc5e" providerId="LiveId" clId="{FC976D47-49AC-41B6-B5F5-80E15325E9E0}" dt="2023-07-21T12:08:55.968" v="427" actId="20577"/>
+          <ac:chgData name="David CRAVO" userId="ba75d8fe6eadcc5e" providerId="LiveId" clId="{FC976D47-49AC-41B6-B5F5-80E15325E9E0}" dt="2023-07-24T17:42:09.128" v="1650" actId="207"/>
           <ac:spMkLst>
             <pc:docMk/>
             <pc:sldMk cId="1552787899" sldId="268"/>
             <ac:spMk id="3" creationId="{C811768F-2ED3-AFA2-787B-328D8EC880E3}"/>
+          </ac:spMkLst>
+        </pc:spChg>
+        <pc:spChg chg="mod">
+          <ac:chgData name="David CRAVO" userId="ba75d8fe6eadcc5e" providerId="LiveId" clId="{FC976D47-49AC-41B6-B5F5-80E15325E9E0}" dt="2023-07-24T18:05:07.068" v="1752" actId="255"/>
+          <ac:spMkLst>
+            <pc:docMk/>
+            <pc:sldMk cId="1552787899" sldId="268"/>
+            <ac:spMk id="4" creationId="{0D671A2B-DA89-45A4-963B-EB44420E0D39}"/>
           </ac:spMkLst>
         </pc:spChg>
         <pc:picChg chg="add mod">
@@ -590,13 +761,13 @@
         </pc:picChg>
       </pc:sldChg>
       <pc:sldChg chg="addSp modSp new mod">
-        <pc:chgData name="David CRAVO" userId="ba75d8fe6eadcc5e" providerId="LiveId" clId="{FC976D47-49AC-41B6-B5F5-80E15325E9E0}" dt="2023-07-22T09:49:47.088" v="447" actId="313"/>
+        <pc:chgData name="David CRAVO" userId="ba75d8fe6eadcc5e" providerId="LiveId" clId="{FC976D47-49AC-41B6-B5F5-80E15325E9E0}" dt="2023-07-24T18:04:34.002" v="1750" actId="255"/>
         <pc:sldMkLst>
           <pc:docMk/>
           <pc:sldMk cId="1335074751" sldId="269"/>
         </pc:sldMkLst>
         <pc:spChg chg="mod">
-          <ac:chgData name="David CRAVO" userId="ba75d8fe6eadcc5e" providerId="LiveId" clId="{FC976D47-49AC-41B6-B5F5-80E15325E9E0}" dt="2023-07-22T09:49:47.088" v="447" actId="313"/>
+          <ac:chgData name="David CRAVO" userId="ba75d8fe6eadcc5e" providerId="LiveId" clId="{FC976D47-49AC-41B6-B5F5-80E15325E9E0}" dt="2023-07-24T17:38:49.414" v="1628"/>
           <ac:spMkLst>
             <pc:docMk/>
             <pc:sldMk cId="1335074751" sldId="269"/>
@@ -604,15 +775,23 @@
           </ac:spMkLst>
         </pc:spChg>
         <pc:spChg chg="mod">
-          <ac:chgData name="David CRAVO" userId="ba75d8fe6eadcc5e" providerId="LiveId" clId="{FC976D47-49AC-41B6-B5F5-80E15325E9E0}" dt="2023-07-22T09:47:38.126" v="443" actId="14100"/>
+          <ac:chgData name="David CRAVO" userId="ba75d8fe6eadcc5e" providerId="LiveId" clId="{FC976D47-49AC-41B6-B5F5-80E15325E9E0}" dt="2023-07-24T17:42:15.603" v="1651" actId="207"/>
           <ac:spMkLst>
             <pc:docMk/>
             <pc:sldMk cId="1335074751" sldId="269"/>
             <ac:spMk id="3" creationId="{8D29E7F3-39B3-1CB7-6FE6-4DEFAA5C005D}"/>
           </ac:spMkLst>
         </pc:spChg>
+        <pc:spChg chg="mod">
+          <ac:chgData name="David CRAVO" userId="ba75d8fe6eadcc5e" providerId="LiveId" clId="{FC976D47-49AC-41B6-B5F5-80E15325E9E0}" dt="2023-07-24T18:04:34.002" v="1750" actId="255"/>
+          <ac:spMkLst>
+            <pc:docMk/>
+            <pc:sldMk cId="1335074751" sldId="269"/>
+            <ac:spMk id="4" creationId="{F0745DBD-1F0A-AEB2-8188-A555A722F2C4}"/>
+          </ac:spMkLst>
+        </pc:spChg>
         <pc:picChg chg="add mod">
-          <ac:chgData name="David CRAVO" userId="ba75d8fe6eadcc5e" providerId="LiveId" clId="{FC976D47-49AC-41B6-B5F5-80E15325E9E0}" dt="2023-07-22T09:49:19.463" v="446" actId="14100"/>
+          <ac:chgData name="David CRAVO" userId="ba75d8fe6eadcc5e" providerId="LiveId" clId="{FC976D47-49AC-41B6-B5F5-80E15325E9E0}" dt="2023-07-24T17:21:26.967" v="1545" actId="14100"/>
           <ac:picMkLst>
             <pc:docMk/>
             <pc:sldMk cId="1335074751" sldId="269"/>
@@ -621,13 +800,13 @@
         </pc:picChg>
       </pc:sldChg>
       <pc:sldChg chg="modSp new mod">
-        <pc:chgData name="David CRAVO" userId="ba75d8fe6eadcc5e" providerId="LiveId" clId="{FC976D47-49AC-41B6-B5F5-80E15325E9E0}" dt="2023-07-22T10:06:19.638" v="564" actId="20577"/>
+        <pc:chgData name="David CRAVO" userId="ba75d8fe6eadcc5e" providerId="LiveId" clId="{FC976D47-49AC-41B6-B5F5-80E15325E9E0}" dt="2023-07-24T18:04:25.472" v="1748" actId="207"/>
         <pc:sldMkLst>
           <pc:docMk/>
           <pc:sldMk cId="1753282832" sldId="270"/>
         </pc:sldMkLst>
         <pc:spChg chg="mod">
-          <ac:chgData name="David CRAVO" userId="ba75d8fe6eadcc5e" providerId="LiveId" clId="{FC976D47-49AC-41B6-B5F5-80E15325E9E0}" dt="2023-07-22T10:04:43.704" v="477" actId="20577"/>
+          <ac:chgData name="David CRAVO" userId="ba75d8fe6eadcc5e" providerId="LiveId" clId="{FC976D47-49AC-41B6-B5F5-80E15325E9E0}" dt="2023-07-24T17:38:49.414" v="1628"/>
           <ac:spMkLst>
             <pc:docMk/>
             <pc:sldMk cId="1753282832" sldId="270"/>
@@ -635,22 +814,30 @@
           </ac:spMkLst>
         </pc:spChg>
         <pc:spChg chg="mod">
-          <ac:chgData name="David CRAVO" userId="ba75d8fe6eadcc5e" providerId="LiveId" clId="{FC976D47-49AC-41B6-B5F5-80E15325E9E0}" dt="2023-07-22T10:06:19.638" v="564" actId="20577"/>
+          <ac:chgData name="David CRAVO" userId="ba75d8fe6eadcc5e" providerId="LiveId" clId="{FC976D47-49AC-41B6-B5F5-80E15325E9E0}" dt="2023-07-24T17:42:24.676" v="1652" actId="207"/>
           <ac:spMkLst>
             <pc:docMk/>
             <pc:sldMk cId="1753282832" sldId="270"/>
             <ac:spMk id="3" creationId="{F55A8337-ACA2-8572-0F05-B8713D514FC3}"/>
           </ac:spMkLst>
         </pc:spChg>
+        <pc:spChg chg="mod">
+          <ac:chgData name="David CRAVO" userId="ba75d8fe6eadcc5e" providerId="LiveId" clId="{FC976D47-49AC-41B6-B5F5-80E15325E9E0}" dt="2023-07-24T18:04:25.472" v="1748" actId="207"/>
+          <ac:spMkLst>
+            <pc:docMk/>
+            <pc:sldMk cId="1753282832" sldId="270"/>
+            <ac:spMk id="4" creationId="{93FA5F33-5A4D-C3AE-5004-2265B5C42E94}"/>
+          </ac:spMkLst>
+        </pc:spChg>
       </pc:sldChg>
       <pc:sldChg chg="modSp new mod">
-        <pc:chgData name="David CRAVO" userId="ba75d8fe6eadcc5e" providerId="LiveId" clId="{FC976D47-49AC-41B6-B5F5-80E15325E9E0}" dt="2023-07-22T10:07:18.379" v="616"/>
+        <pc:chgData name="David CRAVO" userId="ba75d8fe6eadcc5e" providerId="LiveId" clId="{FC976D47-49AC-41B6-B5F5-80E15325E9E0}" dt="2023-07-24T18:04:16.228" v="1746" actId="255"/>
         <pc:sldMkLst>
           <pc:docMk/>
           <pc:sldMk cId="3732024924" sldId="271"/>
         </pc:sldMkLst>
         <pc:spChg chg="mod">
-          <ac:chgData name="David CRAVO" userId="ba75d8fe6eadcc5e" providerId="LiveId" clId="{FC976D47-49AC-41B6-B5F5-80E15325E9E0}" dt="2023-07-22T10:06:44.951" v="595" actId="20577"/>
+          <ac:chgData name="David CRAVO" userId="ba75d8fe6eadcc5e" providerId="LiveId" clId="{FC976D47-49AC-41B6-B5F5-80E15325E9E0}" dt="2023-07-24T17:38:49.414" v="1628"/>
           <ac:spMkLst>
             <pc:docMk/>
             <pc:sldMk cId="3732024924" sldId="271"/>
@@ -658,22 +845,30 @@
           </ac:spMkLst>
         </pc:spChg>
         <pc:spChg chg="mod">
-          <ac:chgData name="David CRAVO" userId="ba75d8fe6eadcc5e" providerId="LiveId" clId="{FC976D47-49AC-41B6-B5F5-80E15325E9E0}" dt="2023-07-22T10:07:18.379" v="616"/>
+          <ac:chgData name="David CRAVO" userId="ba75d8fe6eadcc5e" providerId="LiveId" clId="{FC976D47-49AC-41B6-B5F5-80E15325E9E0}" dt="2023-07-24T17:42:28.794" v="1653" actId="207"/>
           <ac:spMkLst>
             <pc:docMk/>
             <pc:sldMk cId="3732024924" sldId="271"/>
             <ac:spMk id="3" creationId="{2C04B56A-0826-0F80-0CF5-F3BDD13A30CE}"/>
           </ac:spMkLst>
         </pc:spChg>
+        <pc:spChg chg="mod">
+          <ac:chgData name="David CRAVO" userId="ba75d8fe6eadcc5e" providerId="LiveId" clId="{FC976D47-49AC-41B6-B5F5-80E15325E9E0}" dt="2023-07-24T18:04:16.228" v="1746" actId="255"/>
+          <ac:spMkLst>
+            <pc:docMk/>
+            <pc:sldMk cId="3732024924" sldId="271"/>
+            <ac:spMk id="4" creationId="{A4B3641D-1A69-A1CA-A8AB-E138372676A2}"/>
+          </ac:spMkLst>
+        </pc:spChg>
       </pc:sldChg>
       <pc:sldChg chg="modSp new mod">
-        <pc:chgData name="David CRAVO" userId="ba75d8fe6eadcc5e" providerId="LiveId" clId="{FC976D47-49AC-41B6-B5F5-80E15325E9E0}" dt="2023-07-22T11:54:05.654" v="668" actId="20577"/>
+        <pc:chgData name="David CRAVO" userId="ba75d8fe6eadcc5e" providerId="LiveId" clId="{FC976D47-49AC-41B6-B5F5-80E15325E9E0}" dt="2023-07-24T18:04:08.629" v="1744" actId="207"/>
         <pc:sldMkLst>
           <pc:docMk/>
           <pc:sldMk cId="413943743" sldId="272"/>
         </pc:sldMkLst>
         <pc:spChg chg="mod">
-          <ac:chgData name="David CRAVO" userId="ba75d8fe6eadcc5e" providerId="LiveId" clId="{FC976D47-49AC-41B6-B5F5-80E15325E9E0}" dt="2023-07-22T10:11:23.388" v="641" actId="20577"/>
+          <ac:chgData name="David CRAVO" userId="ba75d8fe6eadcc5e" providerId="LiveId" clId="{FC976D47-49AC-41B6-B5F5-80E15325E9E0}" dt="2023-07-24T17:38:49.414" v="1628"/>
           <ac:spMkLst>
             <pc:docMk/>
             <pc:sldMk cId="413943743" sldId="272"/>
@@ -681,22 +876,30 @@
           </ac:spMkLst>
         </pc:spChg>
         <pc:spChg chg="mod">
-          <ac:chgData name="David CRAVO" userId="ba75d8fe6eadcc5e" providerId="LiveId" clId="{FC976D47-49AC-41B6-B5F5-80E15325E9E0}" dt="2023-07-22T11:54:05.654" v="668" actId="20577"/>
+          <ac:chgData name="David CRAVO" userId="ba75d8fe6eadcc5e" providerId="LiveId" clId="{FC976D47-49AC-41B6-B5F5-80E15325E9E0}" dt="2023-07-24T17:42:32.500" v="1654" actId="207"/>
           <ac:spMkLst>
             <pc:docMk/>
             <pc:sldMk cId="413943743" sldId="272"/>
             <ac:spMk id="3" creationId="{4D339D01-8B74-F443-F7B9-557E974CAD6D}"/>
           </ac:spMkLst>
         </pc:spChg>
+        <pc:spChg chg="mod">
+          <ac:chgData name="David CRAVO" userId="ba75d8fe6eadcc5e" providerId="LiveId" clId="{FC976D47-49AC-41B6-B5F5-80E15325E9E0}" dt="2023-07-24T18:04:08.629" v="1744" actId="207"/>
+          <ac:spMkLst>
+            <pc:docMk/>
+            <pc:sldMk cId="413943743" sldId="272"/>
+            <ac:spMk id="4" creationId="{773EA483-1E24-EE94-1A4D-7D5790C1C17F}"/>
+          </ac:spMkLst>
+        </pc:spChg>
       </pc:sldChg>
       <pc:sldChg chg="addSp modSp new mod">
-        <pc:chgData name="David CRAVO" userId="ba75d8fe6eadcc5e" providerId="LiveId" clId="{FC976D47-49AC-41B6-B5F5-80E15325E9E0}" dt="2023-07-22T12:21:58.599" v="695" actId="1076"/>
+        <pc:chgData name="David CRAVO" userId="ba75d8fe6eadcc5e" providerId="LiveId" clId="{FC976D47-49AC-41B6-B5F5-80E15325E9E0}" dt="2023-07-24T18:04:01.378" v="1742" actId="255"/>
         <pc:sldMkLst>
           <pc:docMk/>
           <pc:sldMk cId="3292843418" sldId="273"/>
         </pc:sldMkLst>
         <pc:spChg chg="mod">
-          <ac:chgData name="David CRAVO" userId="ba75d8fe6eadcc5e" providerId="LiveId" clId="{FC976D47-49AC-41B6-B5F5-80E15325E9E0}" dt="2023-07-22T12:21:00.146" v="670"/>
+          <ac:chgData name="David CRAVO" userId="ba75d8fe6eadcc5e" providerId="LiveId" clId="{FC976D47-49AC-41B6-B5F5-80E15325E9E0}" dt="2023-07-24T17:38:49.414" v="1628"/>
           <ac:spMkLst>
             <pc:docMk/>
             <pc:sldMk cId="3292843418" sldId="273"/>
@@ -704,15 +907,23 @@
           </ac:spMkLst>
         </pc:spChg>
         <pc:spChg chg="mod">
-          <ac:chgData name="David CRAVO" userId="ba75d8fe6eadcc5e" providerId="LiveId" clId="{FC976D47-49AC-41B6-B5F5-80E15325E9E0}" dt="2023-07-22T12:21:56.162" v="694" actId="1076"/>
+          <ac:chgData name="David CRAVO" userId="ba75d8fe6eadcc5e" providerId="LiveId" clId="{FC976D47-49AC-41B6-B5F5-80E15325E9E0}" dt="2023-07-24T17:42:36.821" v="1655" actId="207"/>
           <ac:spMkLst>
             <pc:docMk/>
             <pc:sldMk cId="3292843418" sldId="273"/>
             <ac:spMk id="3" creationId="{777BB645-1E15-8916-1A69-8C56BFAE2017}"/>
           </ac:spMkLst>
         </pc:spChg>
+        <pc:spChg chg="mod">
+          <ac:chgData name="David CRAVO" userId="ba75d8fe6eadcc5e" providerId="LiveId" clId="{FC976D47-49AC-41B6-B5F5-80E15325E9E0}" dt="2023-07-24T18:04:01.378" v="1742" actId="255"/>
+          <ac:spMkLst>
+            <pc:docMk/>
+            <pc:sldMk cId="3292843418" sldId="273"/>
+            <ac:spMk id="4" creationId="{4AF1B4D1-7CCC-F72A-9A2D-82F6B7C098A5}"/>
+          </ac:spMkLst>
+        </pc:spChg>
         <pc:picChg chg="add mod">
-          <ac:chgData name="David CRAVO" userId="ba75d8fe6eadcc5e" providerId="LiveId" clId="{FC976D47-49AC-41B6-B5F5-80E15325E9E0}" dt="2023-07-22T12:21:58.599" v="695" actId="1076"/>
+          <ac:chgData name="David CRAVO" userId="ba75d8fe6eadcc5e" providerId="LiveId" clId="{FC976D47-49AC-41B6-B5F5-80E15325E9E0}" dt="2023-07-24T17:47:43.642" v="1670" actId="1076"/>
           <ac:picMkLst>
             <pc:docMk/>
             <pc:sldMk cId="3292843418" sldId="273"/>
@@ -720,14 +931,14 @@
           </ac:picMkLst>
         </pc:picChg>
       </pc:sldChg>
-      <pc:sldChg chg="modSp new mod">
-        <pc:chgData name="David CRAVO" userId="ba75d8fe6eadcc5e" providerId="LiveId" clId="{FC976D47-49AC-41B6-B5F5-80E15325E9E0}" dt="2023-07-22T14:26:44.209" v="724" actId="20577"/>
+      <pc:sldChg chg="addSp modSp new mod">
+        <pc:chgData name="David CRAVO" userId="ba75d8fe6eadcc5e" providerId="LiveId" clId="{FC976D47-49AC-41B6-B5F5-80E15325E9E0}" dt="2023-07-24T18:03:46.955" v="1740" actId="255"/>
         <pc:sldMkLst>
           <pc:docMk/>
           <pc:sldMk cId="1159497511" sldId="274"/>
         </pc:sldMkLst>
         <pc:spChg chg="mod">
-          <ac:chgData name="David CRAVO" userId="ba75d8fe6eadcc5e" providerId="LiveId" clId="{FC976D47-49AC-41B6-B5F5-80E15325E9E0}" dt="2023-07-22T14:26:15.485" v="705"/>
+          <ac:chgData name="David CRAVO" userId="ba75d8fe6eadcc5e" providerId="LiveId" clId="{FC976D47-49AC-41B6-B5F5-80E15325E9E0}" dt="2023-07-24T17:38:49.414" v="1628"/>
           <ac:spMkLst>
             <pc:docMk/>
             <pc:sldMk cId="1159497511" sldId="274"/>
@@ -735,22 +946,38 @@
           </ac:spMkLst>
         </pc:spChg>
         <pc:spChg chg="mod">
-          <ac:chgData name="David CRAVO" userId="ba75d8fe6eadcc5e" providerId="LiveId" clId="{FC976D47-49AC-41B6-B5F5-80E15325E9E0}" dt="2023-07-22T14:26:44.209" v="724" actId="20577"/>
+          <ac:chgData name="David CRAVO" userId="ba75d8fe6eadcc5e" providerId="LiveId" clId="{FC976D47-49AC-41B6-B5F5-80E15325E9E0}" dt="2023-07-24T17:42:41.815" v="1656" actId="207"/>
           <ac:spMkLst>
             <pc:docMk/>
             <pc:sldMk cId="1159497511" sldId="274"/>
             <ac:spMk id="3" creationId="{3AF8BBD9-3634-7E99-DF1C-75A3DBC59C3F}"/>
           </ac:spMkLst>
         </pc:spChg>
+        <pc:spChg chg="mod">
+          <ac:chgData name="David CRAVO" userId="ba75d8fe6eadcc5e" providerId="LiveId" clId="{FC976D47-49AC-41B6-B5F5-80E15325E9E0}" dt="2023-07-24T18:03:46.955" v="1740" actId="255"/>
+          <ac:spMkLst>
+            <pc:docMk/>
+            <pc:sldMk cId="1159497511" sldId="274"/>
+            <ac:spMk id="6" creationId="{BDF3C0A6-011D-522B-573A-372AB5A674DF}"/>
+          </ac:spMkLst>
+        </pc:spChg>
+        <pc:picChg chg="add mod">
+          <ac:chgData name="David CRAVO" userId="ba75d8fe6eadcc5e" providerId="LiveId" clId="{FC976D47-49AC-41B6-B5F5-80E15325E9E0}" dt="2023-07-24T17:57:08.022" v="1707" actId="1076"/>
+          <ac:picMkLst>
+            <pc:docMk/>
+            <pc:sldMk cId="1159497511" sldId="274"/>
+            <ac:picMk id="5" creationId="{84BA7A82-1BD2-3F7C-656C-20650B3E65BF}"/>
+          </ac:picMkLst>
+        </pc:picChg>
       </pc:sldChg>
       <pc:sldChg chg="addSp modSp new mod">
-        <pc:chgData name="David CRAVO" userId="ba75d8fe6eadcc5e" providerId="LiveId" clId="{FC976D47-49AC-41B6-B5F5-80E15325E9E0}" dt="2023-07-22T14:59:11.681" v="870" actId="20577"/>
+        <pc:chgData name="David CRAVO" userId="ba75d8fe6eadcc5e" providerId="LiveId" clId="{FC976D47-49AC-41B6-B5F5-80E15325E9E0}" dt="2023-07-24T18:03:33.379" v="1738" actId="255"/>
         <pc:sldMkLst>
           <pc:docMk/>
           <pc:sldMk cId="355940287" sldId="275"/>
         </pc:sldMkLst>
         <pc:spChg chg="mod">
-          <ac:chgData name="David CRAVO" userId="ba75d8fe6eadcc5e" providerId="LiveId" clId="{FC976D47-49AC-41B6-B5F5-80E15325E9E0}" dt="2023-07-22T14:26:52.003" v="726"/>
+          <ac:chgData name="David CRAVO" userId="ba75d8fe6eadcc5e" providerId="LiveId" clId="{FC976D47-49AC-41B6-B5F5-80E15325E9E0}" dt="2023-07-24T17:38:49.414" v="1628"/>
           <ac:spMkLst>
             <pc:docMk/>
             <pc:sldMk cId="355940287" sldId="275"/>
@@ -758,15 +985,23 @@
           </ac:spMkLst>
         </pc:spChg>
         <pc:spChg chg="mod">
-          <ac:chgData name="David CRAVO" userId="ba75d8fe6eadcc5e" providerId="LiveId" clId="{FC976D47-49AC-41B6-B5F5-80E15325E9E0}" dt="2023-07-22T14:59:11.681" v="870" actId="20577"/>
+          <ac:chgData name="David CRAVO" userId="ba75d8fe6eadcc5e" providerId="LiveId" clId="{FC976D47-49AC-41B6-B5F5-80E15325E9E0}" dt="2023-07-24T17:42:48.041" v="1657" actId="207"/>
           <ac:spMkLst>
             <pc:docMk/>
             <pc:sldMk cId="355940287" sldId="275"/>
             <ac:spMk id="3" creationId="{B684746D-BE18-BDF4-304B-A5942A015E27}"/>
           </ac:spMkLst>
         </pc:spChg>
+        <pc:spChg chg="mod">
+          <ac:chgData name="David CRAVO" userId="ba75d8fe6eadcc5e" providerId="LiveId" clId="{FC976D47-49AC-41B6-B5F5-80E15325E9E0}" dt="2023-07-24T18:03:33.379" v="1738" actId="255"/>
+          <ac:spMkLst>
+            <pc:docMk/>
+            <pc:sldMk cId="355940287" sldId="275"/>
+            <ac:spMk id="4" creationId="{D54A16FB-BF03-2CCF-4E6E-AFFAFCB16257}"/>
+          </ac:spMkLst>
+        </pc:spChg>
         <pc:picChg chg="add mod">
-          <ac:chgData name="David CRAVO" userId="ba75d8fe6eadcc5e" providerId="LiveId" clId="{FC976D47-49AC-41B6-B5F5-80E15325E9E0}" dt="2023-07-22T14:28:45.229" v="799" actId="14100"/>
+          <ac:chgData name="David CRAVO" userId="ba75d8fe6eadcc5e" providerId="LiveId" clId="{FC976D47-49AC-41B6-B5F5-80E15325E9E0}" dt="2023-07-24T17:36:15.304" v="1609" actId="14100"/>
           <ac:picMkLst>
             <pc:docMk/>
             <pc:sldMk cId="355940287" sldId="275"/>
@@ -775,13 +1010,13 @@
         </pc:picChg>
       </pc:sldChg>
       <pc:sldChg chg="addSp modSp new mod">
-        <pc:chgData name="David CRAVO" userId="ba75d8fe6eadcc5e" providerId="LiveId" clId="{FC976D47-49AC-41B6-B5F5-80E15325E9E0}" dt="2023-07-22T15:00:11.238" v="876" actId="962"/>
+        <pc:chgData name="David CRAVO" userId="ba75d8fe6eadcc5e" providerId="LiveId" clId="{FC976D47-49AC-41B6-B5F5-80E15325E9E0}" dt="2023-07-24T18:03:26.008" v="1736" actId="255"/>
         <pc:sldMkLst>
           <pc:docMk/>
           <pc:sldMk cId="1614750927" sldId="276"/>
         </pc:sldMkLst>
         <pc:spChg chg="mod">
-          <ac:chgData name="David CRAVO" userId="ba75d8fe6eadcc5e" providerId="LiveId" clId="{FC976D47-49AC-41B6-B5F5-80E15325E9E0}" dt="2023-07-22T14:58:06.995" v="801"/>
+          <ac:chgData name="David CRAVO" userId="ba75d8fe6eadcc5e" providerId="LiveId" clId="{FC976D47-49AC-41B6-B5F5-80E15325E9E0}" dt="2023-07-24T17:38:49.414" v="1628"/>
           <ac:spMkLst>
             <pc:docMk/>
             <pc:sldMk cId="1614750927" sldId="276"/>
@@ -789,11 +1024,19 @@
           </ac:spMkLst>
         </pc:spChg>
         <pc:spChg chg="mod">
-          <ac:chgData name="David CRAVO" userId="ba75d8fe6eadcc5e" providerId="LiveId" clId="{FC976D47-49AC-41B6-B5F5-80E15325E9E0}" dt="2023-07-22T14:59:53.848" v="871" actId="14100"/>
+          <ac:chgData name="David CRAVO" userId="ba75d8fe6eadcc5e" providerId="LiveId" clId="{FC976D47-49AC-41B6-B5F5-80E15325E9E0}" dt="2023-07-24T17:42:55.150" v="1658" actId="207"/>
           <ac:spMkLst>
             <pc:docMk/>
             <pc:sldMk cId="1614750927" sldId="276"/>
             <ac:spMk id="3" creationId="{9437E2A0-0E6D-524B-87DD-9CD3792DA6E6}"/>
+          </ac:spMkLst>
+        </pc:spChg>
+        <pc:spChg chg="mod">
+          <ac:chgData name="David CRAVO" userId="ba75d8fe6eadcc5e" providerId="LiveId" clId="{FC976D47-49AC-41B6-B5F5-80E15325E9E0}" dt="2023-07-24T18:03:26.008" v="1736" actId="255"/>
+          <ac:spMkLst>
+            <pc:docMk/>
+            <pc:sldMk cId="1614750927" sldId="276"/>
+            <ac:spMk id="4" creationId="{470C0DD9-F40E-0C7A-B756-380E65EB5064}"/>
           </ac:spMkLst>
         </pc:spChg>
         <pc:picChg chg="add mod">
@@ -806,13 +1049,13 @@
         </pc:picChg>
       </pc:sldChg>
       <pc:sldChg chg="addSp modSp new mod">
-        <pc:chgData name="David CRAVO" userId="ba75d8fe6eadcc5e" providerId="LiveId" clId="{FC976D47-49AC-41B6-B5F5-80E15325E9E0}" dt="2023-07-22T15:30:52.221" v="1516" actId="5793"/>
+        <pc:chgData name="David CRAVO" userId="ba75d8fe6eadcc5e" providerId="LiveId" clId="{FC976D47-49AC-41B6-B5F5-80E15325E9E0}" dt="2023-07-24T18:03:17.048" v="1734" actId="255"/>
         <pc:sldMkLst>
           <pc:docMk/>
           <pc:sldMk cId="2246804402" sldId="277"/>
         </pc:sldMkLst>
         <pc:spChg chg="mod">
-          <ac:chgData name="David CRAVO" userId="ba75d8fe6eadcc5e" providerId="LiveId" clId="{FC976D47-49AC-41B6-B5F5-80E15325E9E0}" dt="2023-07-22T15:00:26.002" v="878"/>
+          <ac:chgData name="David CRAVO" userId="ba75d8fe6eadcc5e" providerId="LiveId" clId="{FC976D47-49AC-41B6-B5F5-80E15325E9E0}" dt="2023-07-24T17:38:49.414" v="1628"/>
           <ac:spMkLst>
             <pc:docMk/>
             <pc:sldMk cId="2246804402" sldId="277"/>
@@ -820,15 +1063,23 @@
           </ac:spMkLst>
         </pc:spChg>
         <pc:spChg chg="mod">
-          <ac:chgData name="David CRAVO" userId="ba75d8fe6eadcc5e" providerId="LiveId" clId="{FC976D47-49AC-41B6-B5F5-80E15325E9E0}" dt="2023-07-22T15:30:52.221" v="1516" actId="5793"/>
+          <ac:chgData name="David CRAVO" userId="ba75d8fe6eadcc5e" providerId="LiveId" clId="{FC976D47-49AC-41B6-B5F5-80E15325E9E0}" dt="2023-07-24T17:43:00.381" v="1659" actId="207"/>
           <ac:spMkLst>
             <pc:docMk/>
             <pc:sldMk cId="2246804402" sldId="277"/>
             <ac:spMk id="3" creationId="{9717B411-9B4D-3D36-8CE0-72C85C0C0987}"/>
           </ac:spMkLst>
         </pc:spChg>
+        <pc:spChg chg="mod">
+          <ac:chgData name="David CRAVO" userId="ba75d8fe6eadcc5e" providerId="LiveId" clId="{FC976D47-49AC-41B6-B5F5-80E15325E9E0}" dt="2023-07-24T18:03:17.048" v="1734" actId="255"/>
+          <ac:spMkLst>
+            <pc:docMk/>
+            <pc:sldMk cId="2246804402" sldId="277"/>
+            <ac:spMk id="4" creationId="{F7E868BD-0697-FA90-2CF0-447B376D91DC}"/>
+          </ac:spMkLst>
+        </pc:spChg>
         <pc:picChg chg="add mod">
-          <ac:chgData name="David CRAVO" userId="ba75d8fe6eadcc5e" providerId="LiveId" clId="{FC976D47-49AC-41B6-B5F5-80E15325E9E0}" dt="2023-07-22T15:02:01.502" v="940" actId="14100"/>
+          <ac:chgData name="David CRAVO" userId="ba75d8fe6eadcc5e" providerId="LiveId" clId="{FC976D47-49AC-41B6-B5F5-80E15325E9E0}" dt="2023-07-24T17:33:59.198" v="1597" actId="14100"/>
           <ac:picMkLst>
             <pc:docMk/>
             <pc:sldMk cId="2246804402" sldId="277"/>
@@ -837,13 +1088,13 @@
         </pc:picChg>
       </pc:sldChg>
       <pc:sldChg chg="addSp modSp new mod">
-        <pc:chgData name="David CRAVO" userId="ba75d8fe6eadcc5e" providerId="LiveId" clId="{FC976D47-49AC-41B6-B5F5-80E15325E9E0}" dt="2023-07-22T15:30:57.497" v="1517" actId="5793"/>
+        <pc:chgData name="David CRAVO" userId="ba75d8fe6eadcc5e" providerId="LiveId" clId="{FC976D47-49AC-41B6-B5F5-80E15325E9E0}" dt="2023-07-24T18:02:57.075" v="1732" actId="255"/>
         <pc:sldMkLst>
           <pc:docMk/>
           <pc:sldMk cId="3148018332" sldId="278"/>
         </pc:sldMkLst>
         <pc:spChg chg="mod">
-          <ac:chgData name="David CRAVO" userId="ba75d8fe6eadcc5e" providerId="LiveId" clId="{FC976D47-49AC-41B6-B5F5-80E15325E9E0}" dt="2023-07-22T15:02:28.461" v="942"/>
+          <ac:chgData name="David CRAVO" userId="ba75d8fe6eadcc5e" providerId="LiveId" clId="{FC976D47-49AC-41B6-B5F5-80E15325E9E0}" dt="2023-07-24T17:38:49.414" v="1628"/>
           <ac:spMkLst>
             <pc:docMk/>
             <pc:sldMk cId="3148018332" sldId="278"/>
@@ -851,15 +1102,23 @@
           </ac:spMkLst>
         </pc:spChg>
         <pc:spChg chg="mod">
-          <ac:chgData name="David CRAVO" userId="ba75d8fe6eadcc5e" providerId="LiveId" clId="{FC976D47-49AC-41B6-B5F5-80E15325E9E0}" dt="2023-07-22T15:30:57.497" v="1517" actId="5793"/>
+          <ac:chgData name="David CRAVO" userId="ba75d8fe6eadcc5e" providerId="LiveId" clId="{FC976D47-49AC-41B6-B5F5-80E15325E9E0}" dt="2023-07-24T17:43:05.679" v="1660" actId="207"/>
           <ac:spMkLst>
             <pc:docMk/>
             <pc:sldMk cId="3148018332" sldId="278"/>
             <ac:spMk id="3" creationId="{9CB63768-7800-95B9-4695-0A02B92165C3}"/>
           </ac:spMkLst>
         </pc:spChg>
+        <pc:spChg chg="mod">
+          <ac:chgData name="David CRAVO" userId="ba75d8fe6eadcc5e" providerId="LiveId" clId="{FC976D47-49AC-41B6-B5F5-80E15325E9E0}" dt="2023-07-24T18:02:57.075" v="1732" actId="255"/>
+          <ac:spMkLst>
+            <pc:docMk/>
+            <pc:sldMk cId="3148018332" sldId="278"/>
+            <ac:spMk id="4" creationId="{69C76819-F36D-767B-4002-95F152A2168D}"/>
+          </ac:spMkLst>
+        </pc:spChg>
         <pc:picChg chg="add mod">
-          <ac:chgData name="David CRAVO" userId="ba75d8fe6eadcc5e" providerId="LiveId" clId="{FC976D47-49AC-41B6-B5F5-80E15325E9E0}" dt="2023-07-22T15:03:20.193" v="1000" actId="1076"/>
+          <ac:chgData name="David CRAVO" userId="ba75d8fe6eadcc5e" providerId="LiveId" clId="{FC976D47-49AC-41B6-B5F5-80E15325E9E0}" dt="2023-07-24T17:27:03.301" v="1559" actId="14100"/>
           <ac:picMkLst>
             <pc:docMk/>
             <pc:sldMk cId="3148018332" sldId="278"/>
@@ -876,13 +1135,13 @@
         </pc:picChg>
       </pc:sldChg>
       <pc:sldChg chg="addSp modSp new mod">
-        <pc:chgData name="David CRAVO" userId="ba75d8fe6eadcc5e" providerId="LiveId" clId="{FC976D47-49AC-41B6-B5F5-80E15325E9E0}" dt="2023-07-22T15:13:38.446" v="1179" actId="1076"/>
+        <pc:chgData name="David CRAVO" userId="ba75d8fe6eadcc5e" providerId="LiveId" clId="{FC976D47-49AC-41B6-B5F5-80E15325E9E0}" dt="2023-07-24T18:07:34.739" v="1754" actId="14100"/>
         <pc:sldMkLst>
           <pc:docMk/>
           <pc:sldMk cId="394326024" sldId="279"/>
         </pc:sldMkLst>
         <pc:spChg chg="mod">
-          <ac:chgData name="David CRAVO" userId="ba75d8fe6eadcc5e" providerId="LiveId" clId="{FC976D47-49AC-41B6-B5F5-80E15325E9E0}" dt="2023-07-22T15:03:34.177" v="1002"/>
+          <ac:chgData name="David CRAVO" userId="ba75d8fe6eadcc5e" providerId="LiveId" clId="{FC976D47-49AC-41B6-B5F5-80E15325E9E0}" dt="2023-07-24T17:38:49.414" v="1628"/>
           <ac:spMkLst>
             <pc:docMk/>
             <pc:sldMk cId="394326024" sldId="279"/>
@@ -890,15 +1149,23 @@
           </ac:spMkLst>
         </pc:spChg>
         <pc:spChg chg="mod">
-          <ac:chgData name="David CRAVO" userId="ba75d8fe6eadcc5e" providerId="LiveId" clId="{FC976D47-49AC-41B6-B5F5-80E15325E9E0}" dt="2023-07-22T15:04:24.490" v="1059" actId="14100"/>
+          <ac:chgData name="David CRAVO" userId="ba75d8fe6eadcc5e" providerId="LiveId" clId="{FC976D47-49AC-41B6-B5F5-80E15325E9E0}" dt="2023-07-24T17:43:10.030" v="1661" actId="207"/>
           <ac:spMkLst>
             <pc:docMk/>
             <pc:sldMk cId="394326024" sldId="279"/>
             <ac:spMk id="3" creationId="{E53A2475-2970-7C1F-B77F-0A58ACE04A7A}"/>
           </ac:spMkLst>
         </pc:spChg>
+        <pc:spChg chg="mod">
+          <ac:chgData name="David CRAVO" userId="ba75d8fe6eadcc5e" providerId="LiveId" clId="{FC976D47-49AC-41B6-B5F5-80E15325E9E0}" dt="2023-07-24T18:02:46.848" v="1730" actId="207"/>
+          <ac:spMkLst>
+            <pc:docMk/>
+            <pc:sldMk cId="394326024" sldId="279"/>
+            <ac:spMk id="4" creationId="{E31C6AA6-8FB8-E1C5-FA96-1421E6B2BD27}"/>
+          </ac:spMkLst>
+        </pc:spChg>
         <pc:picChg chg="add mod">
-          <ac:chgData name="David CRAVO" userId="ba75d8fe6eadcc5e" providerId="LiveId" clId="{FC976D47-49AC-41B6-B5F5-80E15325E9E0}" dt="2023-07-22T15:04:33.569" v="1063" actId="962"/>
+          <ac:chgData name="David CRAVO" userId="ba75d8fe6eadcc5e" providerId="LiveId" clId="{FC976D47-49AC-41B6-B5F5-80E15325E9E0}" dt="2023-07-24T17:43:50.404" v="1664" actId="14100"/>
           <ac:picMkLst>
             <pc:docMk/>
             <pc:sldMk cId="394326024" sldId="279"/>
@@ -906,7 +1173,7 @@
           </ac:picMkLst>
         </pc:picChg>
         <pc:picChg chg="add mod">
-          <ac:chgData name="David CRAVO" userId="ba75d8fe6eadcc5e" providerId="LiveId" clId="{FC976D47-49AC-41B6-B5F5-80E15325E9E0}" dt="2023-07-22T15:13:38.446" v="1179" actId="1076"/>
+          <ac:chgData name="David CRAVO" userId="ba75d8fe6eadcc5e" providerId="LiveId" clId="{FC976D47-49AC-41B6-B5F5-80E15325E9E0}" dt="2023-07-24T18:07:34.739" v="1754" actId="14100"/>
           <ac:picMkLst>
             <pc:docMk/>
             <pc:sldMk cId="394326024" sldId="279"/>
@@ -915,13 +1182,13 @@
         </pc:picChg>
       </pc:sldChg>
       <pc:sldChg chg="addSp delSp modSp new mod">
-        <pc:chgData name="David CRAVO" userId="ba75d8fe6eadcc5e" providerId="LiveId" clId="{FC976D47-49AC-41B6-B5F5-80E15325E9E0}" dt="2023-07-22T15:19:33.520" v="1211" actId="14100"/>
+        <pc:chgData name="David CRAVO" userId="ba75d8fe6eadcc5e" providerId="LiveId" clId="{FC976D47-49AC-41B6-B5F5-80E15325E9E0}" dt="2023-07-24T18:02:38.306" v="1728" actId="207"/>
         <pc:sldMkLst>
           <pc:docMk/>
           <pc:sldMk cId="3550938122" sldId="280"/>
         </pc:sldMkLst>
         <pc:spChg chg="mod">
-          <ac:chgData name="David CRAVO" userId="ba75d8fe6eadcc5e" providerId="LiveId" clId="{FC976D47-49AC-41B6-B5F5-80E15325E9E0}" dt="2023-07-22T15:04:46.447" v="1065"/>
+          <ac:chgData name="David CRAVO" userId="ba75d8fe6eadcc5e" providerId="LiveId" clId="{FC976D47-49AC-41B6-B5F5-80E15325E9E0}" dt="2023-07-24T17:38:49.414" v="1628"/>
           <ac:spMkLst>
             <pc:docMk/>
             <pc:sldMk cId="3550938122" sldId="280"/>
@@ -929,15 +1196,23 @@
           </ac:spMkLst>
         </pc:spChg>
         <pc:spChg chg="mod">
-          <ac:chgData name="David CRAVO" userId="ba75d8fe6eadcc5e" providerId="LiveId" clId="{FC976D47-49AC-41B6-B5F5-80E15325E9E0}" dt="2023-07-22T15:05:28.320" v="1110" actId="14100"/>
+          <ac:chgData name="David CRAVO" userId="ba75d8fe6eadcc5e" providerId="LiveId" clId="{FC976D47-49AC-41B6-B5F5-80E15325E9E0}" dt="2023-07-24T17:43:16.596" v="1662" actId="207"/>
           <ac:spMkLst>
             <pc:docMk/>
             <pc:sldMk cId="3550938122" sldId="280"/>
             <ac:spMk id="3" creationId="{6633D9BC-8EC6-9E8A-104E-55E5AA66ADB0}"/>
           </ac:spMkLst>
         </pc:spChg>
+        <pc:spChg chg="mod">
+          <ac:chgData name="David CRAVO" userId="ba75d8fe6eadcc5e" providerId="LiveId" clId="{FC976D47-49AC-41B6-B5F5-80E15325E9E0}" dt="2023-07-24T18:02:38.306" v="1728" actId="207"/>
+          <ac:spMkLst>
+            <pc:docMk/>
+            <pc:sldMk cId="3550938122" sldId="280"/>
+            <ac:spMk id="4" creationId="{CE2DE4D9-3E8B-EE81-3570-7D5B9524CD5F}"/>
+          </ac:spMkLst>
+        </pc:spChg>
         <pc:picChg chg="add mod">
-          <ac:chgData name="David CRAVO" userId="ba75d8fe6eadcc5e" providerId="LiveId" clId="{FC976D47-49AC-41B6-B5F5-80E15325E9E0}" dt="2023-07-22T15:05:45.369" v="1114" actId="1076"/>
+          <ac:chgData name="David CRAVO" userId="ba75d8fe6eadcc5e" providerId="LiveId" clId="{FC976D47-49AC-41B6-B5F5-80E15325E9E0}" dt="2023-07-24T17:23:26.646" v="1551" actId="14100"/>
           <ac:picMkLst>
             <pc:docMk/>
             <pc:sldMk cId="3550938122" sldId="280"/>
@@ -953,7 +1228,7 @@
           </ac:picMkLst>
         </pc:picChg>
         <pc:picChg chg="add mod">
-          <ac:chgData name="David CRAVO" userId="ba75d8fe6eadcc5e" providerId="LiveId" clId="{FC976D47-49AC-41B6-B5F5-80E15325E9E0}" dt="2023-07-22T15:19:33.520" v="1211" actId="14100"/>
+          <ac:chgData name="David CRAVO" userId="ba75d8fe6eadcc5e" providerId="LiveId" clId="{FC976D47-49AC-41B6-B5F5-80E15325E9E0}" dt="2023-07-24T17:23:29.477" v="1552" actId="1076"/>
           <ac:picMkLst>
             <pc:docMk/>
             <pc:sldMk cId="3550938122" sldId="280"/>
@@ -962,13 +1237,13 @@
         </pc:picChg>
       </pc:sldChg>
       <pc:sldChg chg="addSp modSp new mod">
-        <pc:chgData name="David CRAVO" userId="ba75d8fe6eadcc5e" providerId="LiveId" clId="{FC976D47-49AC-41B6-B5F5-80E15325E9E0}" dt="2023-07-22T15:16:28.615" v="1189" actId="14100"/>
+        <pc:chgData name="David CRAVO" userId="ba75d8fe6eadcc5e" providerId="LiveId" clId="{FC976D47-49AC-41B6-B5F5-80E15325E9E0}" dt="2023-07-24T18:02:29.743" v="1726" actId="207"/>
         <pc:sldMkLst>
           <pc:docMk/>
           <pc:sldMk cId="311578122" sldId="281"/>
         </pc:sldMkLst>
         <pc:spChg chg="mod">
-          <ac:chgData name="David CRAVO" userId="ba75d8fe6eadcc5e" providerId="LiveId" clId="{FC976D47-49AC-41B6-B5F5-80E15325E9E0}" dt="2023-07-22T15:05:53.396" v="1116"/>
+          <ac:chgData name="David CRAVO" userId="ba75d8fe6eadcc5e" providerId="LiveId" clId="{FC976D47-49AC-41B6-B5F5-80E15325E9E0}" dt="2023-07-24T17:38:49.414" v="1628"/>
           <ac:spMkLst>
             <pc:docMk/>
             <pc:sldMk cId="311578122" sldId="281"/>
@@ -976,15 +1251,23 @@
           </ac:spMkLst>
         </pc:spChg>
         <pc:spChg chg="mod">
-          <ac:chgData name="David CRAVO" userId="ba75d8fe6eadcc5e" providerId="LiveId" clId="{FC976D47-49AC-41B6-B5F5-80E15325E9E0}" dt="2023-07-22T15:06:24.817" v="1166" actId="14100"/>
+          <ac:chgData name="David CRAVO" userId="ba75d8fe6eadcc5e" providerId="LiveId" clId="{FC976D47-49AC-41B6-B5F5-80E15325E9E0}" dt="2023-07-24T17:43:22.746" v="1663" actId="207"/>
           <ac:spMkLst>
             <pc:docMk/>
             <pc:sldMk cId="311578122" sldId="281"/>
             <ac:spMk id="3" creationId="{D759DE24-EE4D-099D-C9CF-51C4AD298730}"/>
           </ac:spMkLst>
         </pc:spChg>
+        <pc:spChg chg="mod">
+          <ac:chgData name="David CRAVO" userId="ba75d8fe6eadcc5e" providerId="LiveId" clId="{FC976D47-49AC-41B6-B5F5-80E15325E9E0}" dt="2023-07-24T18:02:29.743" v="1726" actId="207"/>
+          <ac:spMkLst>
+            <pc:docMk/>
+            <pc:sldMk cId="311578122" sldId="281"/>
+            <ac:spMk id="4" creationId="{6992EED1-397E-9D4E-75FF-2A2C86818C95}"/>
+          </ac:spMkLst>
+        </pc:spChg>
         <pc:picChg chg="add mod">
-          <ac:chgData name="David CRAVO" userId="ba75d8fe6eadcc5e" providerId="LiveId" clId="{FC976D47-49AC-41B6-B5F5-80E15325E9E0}" dt="2023-07-22T15:06:34.766" v="1170" actId="1076"/>
+          <ac:chgData name="David CRAVO" userId="ba75d8fe6eadcc5e" providerId="LiveId" clId="{FC976D47-49AC-41B6-B5F5-80E15325E9E0}" dt="2023-07-24T17:24:10.618" v="1556" actId="1076"/>
           <ac:picMkLst>
             <pc:docMk/>
             <pc:sldMk cId="311578122" sldId="281"/>
@@ -992,7 +1275,7 @@
           </ac:picMkLst>
         </pc:picChg>
         <pc:picChg chg="add mod">
-          <ac:chgData name="David CRAVO" userId="ba75d8fe6eadcc5e" providerId="LiveId" clId="{FC976D47-49AC-41B6-B5F5-80E15325E9E0}" dt="2023-07-22T15:16:28.615" v="1189" actId="14100"/>
+          <ac:chgData name="David CRAVO" userId="ba75d8fe6eadcc5e" providerId="LiveId" clId="{FC976D47-49AC-41B6-B5F5-80E15325E9E0}" dt="2023-07-24T17:24:22.516" v="1558" actId="14100"/>
           <ac:picMkLst>
             <pc:docMk/>
             <pc:sldMk cId="311578122" sldId="281"/>
@@ -1001,13 +1284,13 @@
         </pc:picChg>
       </pc:sldChg>
       <pc:sldChg chg="modSp new mod">
-        <pc:chgData name="David CRAVO" userId="ba75d8fe6eadcc5e" providerId="LiveId" clId="{FC976D47-49AC-41B6-B5F5-80E15325E9E0}" dt="2023-07-22T15:25:16.156" v="1402" actId="12"/>
+        <pc:chgData name="David CRAVO" userId="ba75d8fe6eadcc5e" providerId="LiveId" clId="{FC976D47-49AC-41B6-B5F5-80E15325E9E0}" dt="2023-07-24T18:02:21.238" v="1724" actId="207"/>
         <pc:sldMkLst>
           <pc:docMk/>
           <pc:sldMk cId="1190090114" sldId="282"/>
         </pc:sldMkLst>
         <pc:spChg chg="mod">
-          <ac:chgData name="David CRAVO" userId="ba75d8fe6eadcc5e" providerId="LiveId" clId="{FC976D47-49AC-41B6-B5F5-80E15325E9E0}" dt="2023-07-22T15:20:33.039" v="1235" actId="20577"/>
+          <ac:chgData name="David CRAVO" userId="ba75d8fe6eadcc5e" providerId="LiveId" clId="{FC976D47-49AC-41B6-B5F5-80E15325E9E0}" dt="2023-07-24T17:38:49.414" v="1628"/>
           <ac:spMkLst>
             <pc:docMk/>
             <pc:sldMk cId="1190090114" sldId="282"/>
@@ -1015,21 +1298,37 @@
           </ac:spMkLst>
         </pc:spChg>
         <pc:spChg chg="mod">
-          <ac:chgData name="David CRAVO" userId="ba75d8fe6eadcc5e" providerId="LiveId" clId="{FC976D47-49AC-41B6-B5F5-80E15325E9E0}" dt="2023-07-22T15:25:16.156" v="1402" actId="12"/>
+          <ac:chgData name="David CRAVO" userId="ba75d8fe6eadcc5e" providerId="LiveId" clId="{FC976D47-49AC-41B6-B5F5-80E15325E9E0}" dt="2023-07-24T17:38:49.414" v="1628"/>
           <ac:spMkLst>
             <pc:docMk/>
             <pc:sldMk cId="1190090114" sldId="282"/>
             <ac:spMk id="3" creationId="{CAE97202-906B-7A0F-DD47-9A2124329C5F}"/>
           </ac:spMkLst>
         </pc:spChg>
+        <pc:spChg chg="mod">
+          <ac:chgData name="David CRAVO" userId="ba75d8fe6eadcc5e" providerId="LiveId" clId="{FC976D47-49AC-41B6-B5F5-80E15325E9E0}" dt="2023-07-24T18:02:21.238" v="1724" actId="207"/>
+          <ac:spMkLst>
+            <pc:docMk/>
+            <pc:sldMk cId="1190090114" sldId="282"/>
+            <ac:spMk id="4" creationId="{F390FBFF-C112-630C-EE0E-BC89AE7155AD}"/>
+          </ac:spMkLst>
+        </pc:spChg>
       </pc:sldChg>
       <pc:sldChg chg="addSp delSp modSp new mod">
-        <pc:chgData name="David CRAVO" userId="ba75d8fe6eadcc5e" providerId="LiveId" clId="{FC976D47-49AC-41B6-B5F5-80E15325E9E0}" dt="2023-07-22T15:28:02.224" v="1447" actId="1076"/>
+        <pc:chgData name="David CRAVO" userId="ba75d8fe6eadcc5e" providerId="LiveId" clId="{FC976D47-49AC-41B6-B5F5-80E15325E9E0}" dt="2023-07-24T18:02:11.482" v="1722" actId="478"/>
         <pc:sldMkLst>
           <pc:docMk/>
           <pc:sldMk cId="311947478" sldId="283"/>
         </pc:sldMkLst>
         <pc:spChg chg="del">
+          <ac:chgData name="David CRAVO" userId="ba75d8fe6eadcc5e" providerId="LiveId" clId="{FC976D47-49AC-41B6-B5F5-80E15325E9E0}" dt="2023-07-24T18:02:11.482" v="1722" actId="478"/>
+          <ac:spMkLst>
+            <pc:docMk/>
+            <pc:sldMk cId="311947478" sldId="283"/>
+            <ac:spMk id="2" creationId="{33AE01D4-AA48-8438-8E53-2503CBE4A027}"/>
+          </ac:spMkLst>
+        </pc:spChg>
+        <pc:spChg chg="del">
           <ac:chgData name="David CRAVO" userId="ba75d8fe6eadcc5e" providerId="LiveId" clId="{FC976D47-49AC-41B6-B5F5-80E15325E9E0}" dt="2023-07-22T15:26:53.821" v="1435" actId="478"/>
           <ac:spMkLst>
             <pc:docMk/>
@@ -1038,7 +1337,7 @@
           </ac:spMkLst>
         </pc:spChg>
         <pc:spChg chg="mod">
-          <ac:chgData name="David CRAVO" userId="ba75d8fe6eadcc5e" providerId="LiveId" clId="{FC976D47-49AC-41B6-B5F5-80E15325E9E0}" dt="2023-07-22T15:27:09.115" v="1437" actId="14100"/>
+          <ac:chgData name="David CRAVO" userId="ba75d8fe6eadcc5e" providerId="LiveId" clId="{FC976D47-49AC-41B6-B5F5-80E15325E9E0}" dt="2023-07-24T17:38:49.414" v="1628"/>
           <ac:spMkLst>
             <pc:docMk/>
             <pc:sldMk cId="311947478" sldId="283"/>
@@ -1062,9 +1361,404 @@
           </ac:picMkLst>
         </pc:picChg>
       </pc:sldChg>
+      <pc:sldChg chg="addSp modSp new mod">
+        <pc:chgData name="David CRAVO" userId="ba75d8fe6eadcc5e" providerId="LiveId" clId="{FC976D47-49AC-41B6-B5F5-80E15325E9E0}" dt="2023-07-24T18:41:15.136" v="1792" actId="14100"/>
+        <pc:sldMkLst>
+          <pc:docMk/>
+          <pc:sldMk cId="2409160448" sldId="284"/>
+        </pc:sldMkLst>
+        <pc:spChg chg="mod">
+          <ac:chgData name="David CRAVO" userId="ba75d8fe6eadcc5e" providerId="LiveId" clId="{FC976D47-49AC-41B6-B5F5-80E15325E9E0}" dt="2023-07-24T18:38:50.624" v="1756"/>
+          <ac:spMkLst>
+            <pc:docMk/>
+            <pc:sldMk cId="2409160448" sldId="284"/>
+            <ac:spMk id="2" creationId="{E52C1316-1B22-7054-1886-89D615855E64}"/>
+          </ac:spMkLst>
+        </pc:spChg>
+        <pc:spChg chg="mod">
+          <ac:chgData name="David CRAVO" userId="ba75d8fe6eadcc5e" providerId="LiveId" clId="{FC976D47-49AC-41B6-B5F5-80E15325E9E0}" dt="2023-07-24T18:39:46.371" v="1783" actId="1076"/>
+          <ac:spMkLst>
+            <pc:docMk/>
+            <pc:sldMk cId="2409160448" sldId="284"/>
+            <ac:spMk id="3" creationId="{AD5B25AE-D833-A29A-3D3F-E74B4375E808}"/>
+          </ac:spMkLst>
+        </pc:spChg>
+        <pc:picChg chg="add mod">
+          <ac:chgData name="David CRAVO" userId="ba75d8fe6eadcc5e" providerId="LiveId" clId="{FC976D47-49AC-41B6-B5F5-80E15325E9E0}" dt="2023-07-24T18:40:49.516" v="1789" actId="14100"/>
+          <ac:picMkLst>
+            <pc:docMk/>
+            <pc:sldMk cId="2409160448" sldId="284"/>
+            <ac:picMk id="6" creationId="{776A4C71-D9F5-B23F-48B0-309BF08A4040}"/>
+          </ac:picMkLst>
+        </pc:picChg>
+        <pc:picChg chg="add mod">
+          <ac:chgData name="David CRAVO" userId="ba75d8fe6eadcc5e" providerId="LiveId" clId="{FC976D47-49AC-41B6-B5F5-80E15325E9E0}" dt="2023-07-24T18:41:15.136" v="1792" actId="14100"/>
+          <ac:picMkLst>
+            <pc:docMk/>
+            <pc:sldMk cId="2409160448" sldId="284"/>
+            <ac:picMk id="8" creationId="{BA1F0E50-5B65-7A93-E5B1-D9DFEB702903}"/>
+          </ac:picMkLst>
+        </pc:picChg>
+      </pc:sldChg>
+      <pc:sldMasterChg chg="setBg">
+        <pc:chgData name="David CRAVO" userId="ba75d8fe6eadcc5e" providerId="LiveId" clId="{FC976D47-49AC-41B6-B5F5-80E15325E9E0}" dt="2023-07-24T17:29:00.212" v="1566"/>
+        <pc:sldMasterMkLst>
+          <pc:docMk/>
+          <pc:sldMasterMk cId="2975574289" sldId="2147483648"/>
+        </pc:sldMasterMkLst>
+      </pc:sldMasterChg>
     </pc:docChg>
   </pc:docChgLst>
 </pc:chgInfo>
+</file>
+
+<file path=ppt/notesMasters/notesMaster1.xml><?xml version="1.0" encoding="utf-8"?>
+<p:notesMaster xmlns:a="http://schemas.openxmlformats.org/drawingml/2006/main" xmlns:r="http://schemas.openxmlformats.org/officeDocument/2006/relationships" xmlns:p="http://schemas.openxmlformats.org/presentationml/2006/main">
+  <p:cSld>
+    <p:bg>
+      <p:bgRef idx="1001">
+        <a:schemeClr val="bg1"/>
+      </p:bgRef>
+    </p:bg>
+    <p:spTree>
+      <p:nvGrpSpPr>
+        <p:cNvPr id="1" name=""/>
+        <p:cNvGrpSpPr/>
+        <p:nvPr/>
+      </p:nvGrpSpPr>
+      <p:grpSpPr>
+        <a:xfrm>
+          <a:off x="0" y="0"/>
+          <a:ext cx="0" cy="0"/>
+          <a:chOff x="0" y="0"/>
+          <a:chExt cx="0" cy="0"/>
+        </a:xfrm>
+      </p:grpSpPr>
+      <p:sp>
+        <p:nvSpPr>
+          <p:cNvPr id="2" name="Espace réservé de l'en-tête 1"/>
+          <p:cNvSpPr>
+            <a:spLocks noGrp="1"/>
+          </p:cNvSpPr>
+          <p:nvPr>
+            <p:ph type="hdr" sz="quarter"/>
+          </p:nvPr>
+        </p:nvSpPr>
+        <p:spPr>
+          <a:xfrm>
+            <a:off x="0" y="0"/>
+            <a:ext cx="2971800" cy="458788"/>
+          </a:xfrm>
+          <a:prstGeom prst="rect">
+            <a:avLst/>
+          </a:prstGeom>
+        </p:spPr>
+        <p:txBody>
+          <a:bodyPr vert="horz" lIns="91440" tIns="45720" rIns="91440" bIns="45720" rtlCol="0"/>
+          <a:lstStyle>
+            <a:lvl1pPr algn="l">
+              <a:defRPr sz="1200"/>
+            </a:lvl1pPr>
+          </a:lstStyle>
+          <a:p>
+            <a:endParaRPr lang="fr-FR"/>
+          </a:p>
+        </p:txBody>
+      </p:sp>
+      <p:sp>
+        <p:nvSpPr>
+          <p:cNvPr id="3" name="Espace réservé de la date 2"/>
+          <p:cNvSpPr>
+            <a:spLocks noGrp="1"/>
+          </p:cNvSpPr>
+          <p:nvPr>
+            <p:ph type="dt" idx="1"/>
+          </p:nvPr>
+        </p:nvSpPr>
+        <p:spPr>
+          <a:xfrm>
+            <a:off x="3884613" y="0"/>
+            <a:ext cx="2971800" cy="458788"/>
+          </a:xfrm>
+          <a:prstGeom prst="rect">
+            <a:avLst/>
+          </a:prstGeom>
+        </p:spPr>
+        <p:txBody>
+          <a:bodyPr vert="horz" lIns="91440" tIns="45720" rIns="91440" bIns="45720" rtlCol="0"/>
+          <a:lstStyle>
+            <a:lvl1pPr algn="r">
+              <a:defRPr sz="1200"/>
+            </a:lvl1pPr>
+          </a:lstStyle>
+          <a:p>
+            <a:fld id="{1CE5E5F1-EE6C-4DDA-A64A-4A7E1B769C0F}" type="datetimeFigureOut">
+              <a:rPr lang="fr-FR" smtClean="0"/>
+              <a:t>24/07/2023</a:t>
+            </a:fld>
+            <a:endParaRPr lang="fr-FR"/>
+          </a:p>
+        </p:txBody>
+      </p:sp>
+      <p:sp>
+        <p:nvSpPr>
+          <p:cNvPr id="4" name="Espace réservé de l'image des diapositives 3"/>
+          <p:cNvSpPr>
+            <a:spLocks noGrp="1" noRot="1" noChangeAspect="1"/>
+          </p:cNvSpPr>
+          <p:nvPr>
+            <p:ph type="sldImg" idx="2"/>
+          </p:nvPr>
+        </p:nvSpPr>
+        <p:spPr>
+          <a:xfrm>
+            <a:off x="685800" y="1143000"/>
+            <a:ext cx="5486400" cy="3086100"/>
+          </a:xfrm>
+          <a:prstGeom prst="rect">
+            <a:avLst/>
+          </a:prstGeom>
+          <a:noFill/>
+          <a:ln w="12700">
+            <a:solidFill>
+              <a:prstClr val="black"/>
+            </a:solidFill>
+          </a:ln>
+        </p:spPr>
+        <p:txBody>
+          <a:bodyPr vert="horz" lIns="91440" tIns="45720" rIns="91440" bIns="45720" rtlCol="0" anchor="ctr"/>
+          <a:lstStyle/>
+          <a:p>
+            <a:endParaRPr lang="fr-FR"/>
+          </a:p>
+        </p:txBody>
+      </p:sp>
+      <p:sp>
+        <p:nvSpPr>
+          <p:cNvPr id="5" name="Espace réservé des notes 4"/>
+          <p:cNvSpPr>
+            <a:spLocks noGrp="1"/>
+          </p:cNvSpPr>
+          <p:nvPr>
+            <p:ph type="body" sz="quarter" idx="3"/>
+          </p:nvPr>
+        </p:nvSpPr>
+        <p:spPr>
+          <a:xfrm>
+            <a:off x="685800" y="4400550"/>
+            <a:ext cx="5486400" cy="3600450"/>
+          </a:xfrm>
+          <a:prstGeom prst="rect">
+            <a:avLst/>
+          </a:prstGeom>
+        </p:spPr>
+        <p:txBody>
+          <a:bodyPr vert="horz" lIns="91440" tIns="45720" rIns="91440" bIns="45720" rtlCol="0"/>
+          <a:lstStyle/>
+          <a:p>
+            <a:pPr lvl="0"/>
+            <a:r>
+              <a:rPr lang="fr-FR"/>
+              <a:t>Cliquez pour modifier les styles du texte du masque</a:t>
+            </a:r>
+          </a:p>
+          <a:p>
+            <a:pPr lvl="1"/>
+            <a:r>
+              <a:rPr lang="fr-FR"/>
+              <a:t>Deuxième niveau</a:t>
+            </a:r>
+          </a:p>
+          <a:p>
+            <a:pPr lvl="2"/>
+            <a:r>
+              <a:rPr lang="fr-FR"/>
+              <a:t>Troisième niveau</a:t>
+            </a:r>
+          </a:p>
+          <a:p>
+            <a:pPr lvl="3"/>
+            <a:r>
+              <a:rPr lang="fr-FR"/>
+              <a:t>Quatrième niveau</a:t>
+            </a:r>
+          </a:p>
+          <a:p>
+            <a:pPr lvl="4"/>
+            <a:r>
+              <a:rPr lang="fr-FR"/>
+              <a:t>Cinquième niveau</a:t>
+            </a:r>
+          </a:p>
+        </p:txBody>
+      </p:sp>
+      <p:sp>
+        <p:nvSpPr>
+          <p:cNvPr id="6" name="Espace réservé du pied de page 5"/>
+          <p:cNvSpPr>
+            <a:spLocks noGrp="1"/>
+          </p:cNvSpPr>
+          <p:nvPr>
+            <p:ph type="ftr" sz="quarter" idx="4"/>
+          </p:nvPr>
+        </p:nvSpPr>
+        <p:spPr>
+          <a:xfrm>
+            <a:off x="0" y="8685213"/>
+            <a:ext cx="2971800" cy="458787"/>
+          </a:xfrm>
+          <a:prstGeom prst="rect">
+            <a:avLst/>
+          </a:prstGeom>
+        </p:spPr>
+        <p:txBody>
+          <a:bodyPr vert="horz" lIns="91440" tIns="45720" rIns="91440" bIns="45720" rtlCol="0" anchor="b"/>
+          <a:lstStyle>
+            <a:lvl1pPr algn="l">
+              <a:defRPr sz="1200"/>
+            </a:lvl1pPr>
+          </a:lstStyle>
+          <a:p>
+            <a:endParaRPr lang="fr-FR"/>
+          </a:p>
+        </p:txBody>
+      </p:sp>
+      <p:sp>
+        <p:nvSpPr>
+          <p:cNvPr id="7" name="Espace réservé du numéro de diapositive 6"/>
+          <p:cNvSpPr>
+            <a:spLocks noGrp="1"/>
+          </p:cNvSpPr>
+          <p:nvPr>
+            <p:ph type="sldNum" sz="quarter" idx="5"/>
+          </p:nvPr>
+        </p:nvSpPr>
+        <p:spPr>
+          <a:xfrm>
+            <a:off x="3884613" y="8685213"/>
+            <a:ext cx="2971800" cy="458787"/>
+          </a:xfrm>
+          <a:prstGeom prst="rect">
+            <a:avLst/>
+          </a:prstGeom>
+        </p:spPr>
+        <p:txBody>
+          <a:bodyPr vert="horz" lIns="91440" tIns="45720" rIns="91440" bIns="45720" rtlCol="0" anchor="b"/>
+          <a:lstStyle>
+            <a:lvl1pPr algn="r">
+              <a:defRPr sz="1200"/>
+            </a:lvl1pPr>
+          </a:lstStyle>
+          <a:p>
+            <a:fld id="{24A4BCEC-7BEF-48F3-BAE7-6E7118127EB8}" type="slidenum">
+              <a:rPr lang="fr-FR" smtClean="0"/>
+              <a:t>‹N°›</a:t>
+            </a:fld>
+            <a:endParaRPr lang="fr-FR"/>
+          </a:p>
+        </p:txBody>
+      </p:sp>
+    </p:spTree>
+    <p:extLst>
+      <p:ext uri="{BB962C8B-B14F-4D97-AF65-F5344CB8AC3E}">
+        <p14:creationId xmlns:p14="http://schemas.microsoft.com/office/powerpoint/2010/main" val="2543351523"/>
+      </p:ext>
+    </p:extLst>
+  </p:cSld>
+  <p:clrMap bg1="lt1" tx1="dk1" bg2="lt2" tx2="dk2" accent1="accent1" accent2="accent2" accent3="accent3" accent4="accent4" accent5="accent5" accent6="accent6" hlink="hlink" folHlink="folHlink"/>
+  <p:notesStyle>
+    <a:lvl1pPr marL="0" algn="l" defTabSz="914400" rtl="0" eaLnBrk="1" latinLnBrk="0" hangingPunct="1">
+      <a:defRPr sz="1200" kern="1200">
+        <a:solidFill>
+          <a:schemeClr val="tx1"/>
+        </a:solidFill>
+        <a:latin typeface="+mn-lt"/>
+        <a:ea typeface="+mn-ea"/>
+        <a:cs typeface="+mn-cs"/>
+      </a:defRPr>
+    </a:lvl1pPr>
+    <a:lvl2pPr marL="457200" algn="l" defTabSz="914400" rtl="0" eaLnBrk="1" latinLnBrk="0" hangingPunct="1">
+      <a:defRPr sz="1200" kern="1200">
+        <a:solidFill>
+          <a:schemeClr val="tx1"/>
+        </a:solidFill>
+        <a:latin typeface="+mn-lt"/>
+        <a:ea typeface="+mn-ea"/>
+        <a:cs typeface="+mn-cs"/>
+      </a:defRPr>
+    </a:lvl2pPr>
+    <a:lvl3pPr marL="914400" algn="l" defTabSz="914400" rtl="0" eaLnBrk="1" latinLnBrk="0" hangingPunct="1">
+      <a:defRPr sz="1200" kern="1200">
+        <a:solidFill>
+          <a:schemeClr val="tx1"/>
+        </a:solidFill>
+        <a:latin typeface="+mn-lt"/>
+        <a:ea typeface="+mn-ea"/>
+        <a:cs typeface="+mn-cs"/>
+      </a:defRPr>
+    </a:lvl3pPr>
+    <a:lvl4pPr marL="1371600" algn="l" defTabSz="914400" rtl="0" eaLnBrk="1" latinLnBrk="0" hangingPunct="1">
+      <a:defRPr sz="1200" kern="1200">
+        <a:solidFill>
+          <a:schemeClr val="tx1"/>
+        </a:solidFill>
+        <a:latin typeface="+mn-lt"/>
+        <a:ea typeface="+mn-ea"/>
+        <a:cs typeface="+mn-cs"/>
+      </a:defRPr>
+    </a:lvl4pPr>
+    <a:lvl5pPr marL="1828800" algn="l" defTabSz="914400" rtl="0" eaLnBrk="1" latinLnBrk="0" hangingPunct="1">
+      <a:defRPr sz="1200" kern="1200">
+        <a:solidFill>
+          <a:schemeClr val="tx1"/>
+        </a:solidFill>
+        <a:latin typeface="+mn-lt"/>
+        <a:ea typeface="+mn-ea"/>
+        <a:cs typeface="+mn-cs"/>
+      </a:defRPr>
+    </a:lvl5pPr>
+    <a:lvl6pPr marL="2286000" algn="l" defTabSz="914400" rtl="0" eaLnBrk="1" latinLnBrk="0" hangingPunct="1">
+      <a:defRPr sz="1200" kern="1200">
+        <a:solidFill>
+          <a:schemeClr val="tx1"/>
+        </a:solidFill>
+        <a:latin typeface="+mn-lt"/>
+        <a:ea typeface="+mn-ea"/>
+        <a:cs typeface="+mn-cs"/>
+      </a:defRPr>
+    </a:lvl6pPr>
+    <a:lvl7pPr marL="2743200" algn="l" defTabSz="914400" rtl="0" eaLnBrk="1" latinLnBrk="0" hangingPunct="1">
+      <a:defRPr sz="1200" kern="1200">
+        <a:solidFill>
+          <a:schemeClr val="tx1"/>
+        </a:solidFill>
+        <a:latin typeface="+mn-lt"/>
+        <a:ea typeface="+mn-ea"/>
+        <a:cs typeface="+mn-cs"/>
+      </a:defRPr>
+    </a:lvl7pPr>
+    <a:lvl8pPr marL="3200400" algn="l" defTabSz="914400" rtl="0" eaLnBrk="1" latinLnBrk="0" hangingPunct="1">
+      <a:defRPr sz="1200" kern="1200">
+        <a:solidFill>
+          <a:schemeClr val="tx1"/>
+        </a:solidFill>
+        <a:latin typeface="+mn-lt"/>
+        <a:ea typeface="+mn-ea"/>
+        <a:cs typeface="+mn-cs"/>
+      </a:defRPr>
+    </a:lvl8pPr>
+    <a:lvl9pPr marL="3657600" algn="l" defTabSz="914400" rtl="0" eaLnBrk="1" latinLnBrk="0" hangingPunct="1">
+      <a:defRPr sz="1200" kern="1200">
+        <a:solidFill>
+          <a:schemeClr val="tx1"/>
+        </a:solidFill>
+        <a:latin typeface="+mn-lt"/>
+        <a:ea typeface="+mn-ea"/>
+        <a:cs typeface="+mn-cs"/>
+      </a:defRPr>
+    </a:lvl9pPr>
+  </p:notesStyle>
+</p:notesMaster>
 </file>
 
 <file path=ppt/slideLayouts/slideLayout1.xml><?xml version="1.0" encoding="utf-8"?>
@@ -1212,9 +1906,9 @@
           <a:bodyPr/>
           <a:lstStyle/>
           <a:p>
-            <a:fld id="{2B3FF9E3-101C-4204-8B81-4202CCD32645}" type="datetimeFigureOut">
+            <a:fld id="{38B0C165-939D-4C2D-9542-B44F6E2825A5}" type="datetime1">
               <a:rPr lang="fr-FR" smtClean="0"/>
-              <a:t>21/07/2023</a:t>
+              <a:t>24/07/2023</a:t>
             </a:fld>
             <a:endParaRPr lang="fr-FR"/>
           </a:p>
@@ -1410,9 +2104,9 @@
           <a:bodyPr/>
           <a:lstStyle/>
           <a:p>
-            <a:fld id="{2B3FF9E3-101C-4204-8B81-4202CCD32645}" type="datetimeFigureOut">
+            <a:fld id="{4F9FC5AA-3FBC-4DAA-9217-D493E9F19B50}" type="datetime1">
               <a:rPr lang="fr-FR" smtClean="0"/>
-              <a:t>21/07/2023</a:t>
+              <a:t>24/07/2023</a:t>
             </a:fld>
             <a:endParaRPr lang="fr-FR"/>
           </a:p>
@@ -1618,9 +2312,9 @@
           <a:bodyPr/>
           <a:lstStyle/>
           <a:p>
-            <a:fld id="{2B3FF9E3-101C-4204-8B81-4202CCD32645}" type="datetimeFigureOut">
+            <a:fld id="{2DF99F6D-8482-4128-8FCA-8144767BE6C4}" type="datetime1">
               <a:rPr lang="fr-FR" smtClean="0"/>
-              <a:t>21/07/2023</a:t>
+              <a:t>24/07/2023</a:t>
             </a:fld>
             <a:endParaRPr lang="fr-FR"/>
           </a:p>
@@ -1816,9 +2510,9 @@
           <a:bodyPr/>
           <a:lstStyle/>
           <a:p>
-            <a:fld id="{2B3FF9E3-101C-4204-8B81-4202CCD32645}" type="datetimeFigureOut">
+            <a:fld id="{F0653D7C-1675-4C21-9257-3FD792C1F061}" type="datetime1">
               <a:rPr lang="fr-FR" smtClean="0"/>
-              <a:t>21/07/2023</a:t>
+              <a:t>24/07/2023</a:t>
             </a:fld>
             <a:endParaRPr lang="fr-FR"/>
           </a:p>
@@ -2091,9 +2785,9 @@
           <a:bodyPr/>
           <a:lstStyle/>
           <a:p>
-            <a:fld id="{2B3FF9E3-101C-4204-8B81-4202CCD32645}" type="datetimeFigureOut">
+            <a:fld id="{F9C30F9A-3224-4398-9514-FB6D3DC5456A}" type="datetime1">
               <a:rPr lang="fr-FR" smtClean="0"/>
-              <a:t>21/07/2023</a:t>
+              <a:t>24/07/2023</a:t>
             </a:fld>
             <a:endParaRPr lang="fr-FR"/>
           </a:p>
@@ -2356,9 +3050,9 @@
           <a:bodyPr/>
           <a:lstStyle/>
           <a:p>
-            <a:fld id="{2B3FF9E3-101C-4204-8B81-4202CCD32645}" type="datetimeFigureOut">
+            <a:fld id="{46D4C119-3DB6-4E1E-8216-07E9588BE929}" type="datetime1">
               <a:rPr lang="fr-FR" smtClean="0"/>
-              <a:t>21/07/2023</a:t>
+              <a:t>24/07/2023</a:t>
             </a:fld>
             <a:endParaRPr lang="fr-FR"/>
           </a:p>
@@ -2768,9 +3462,9 @@
           <a:bodyPr/>
           <a:lstStyle/>
           <a:p>
-            <a:fld id="{2B3FF9E3-101C-4204-8B81-4202CCD32645}" type="datetimeFigureOut">
+            <a:fld id="{1852BA5F-7A06-4AD9-937A-0FD19272026B}" type="datetime1">
               <a:rPr lang="fr-FR" smtClean="0"/>
-              <a:t>21/07/2023</a:t>
+              <a:t>24/07/2023</a:t>
             </a:fld>
             <a:endParaRPr lang="fr-FR"/>
           </a:p>
@@ -2909,9 +3603,9 @@
           <a:bodyPr/>
           <a:lstStyle/>
           <a:p>
-            <a:fld id="{2B3FF9E3-101C-4204-8B81-4202CCD32645}" type="datetimeFigureOut">
+            <a:fld id="{4FA24557-93DB-4E53-B9EE-2B01B9036448}" type="datetime1">
               <a:rPr lang="fr-FR" smtClean="0"/>
-              <a:t>21/07/2023</a:t>
+              <a:t>24/07/2023</a:t>
             </a:fld>
             <a:endParaRPr lang="fr-FR"/>
           </a:p>
@@ -3022,9 +3716,9 @@
           <a:bodyPr/>
           <a:lstStyle/>
           <a:p>
-            <a:fld id="{2B3FF9E3-101C-4204-8B81-4202CCD32645}" type="datetimeFigureOut">
+            <a:fld id="{D04DBBCD-B674-42DF-BB1A-61B10D8D62B1}" type="datetime1">
               <a:rPr lang="fr-FR" smtClean="0"/>
-              <a:t>21/07/2023</a:t>
+              <a:t>24/07/2023</a:t>
             </a:fld>
             <a:endParaRPr lang="fr-FR"/>
           </a:p>
@@ -3333,9 +4027,9 @@
           <a:bodyPr/>
           <a:lstStyle/>
           <a:p>
-            <a:fld id="{2B3FF9E3-101C-4204-8B81-4202CCD32645}" type="datetimeFigureOut">
+            <a:fld id="{FDA59FD7-7F80-4DBA-AE18-9F9D2F04883B}" type="datetime1">
               <a:rPr lang="fr-FR" smtClean="0"/>
-              <a:t>21/07/2023</a:t>
+              <a:t>24/07/2023</a:t>
             </a:fld>
             <a:endParaRPr lang="fr-FR"/>
           </a:p>
@@ -3621,9 +4315,9 @@
           <a:bodyPr/>
           <a:lstStyle/>
           <a:p>
-            <a:fld id="{2B3FF9E3-101C-4204-8B81-4202CCD32645}" type="datetimeFigureOut">
+            <a:fld id="{0CB3865D-A881-4B26-98D6-CFA577E18C24}" type="datetime1">
               <a:rPr lang="fr-FR" smtClean="0"/>
-              <a:t>21/07/2023</a:t>
+              <a:t>24/07/2023</a:t>
             </a:fld>
             <a:endParaRPr lang="fr-FR"/>
           </a:p>
@@ -3700,8 +4394,8 @@
 <p:sldMaster xmlns:a="http://schemas.openxmlformats.org/drawingml/2006/main" xmlns:r="http://schemas.openxmlformats.org/officeDocument/2006/relationships" xmlns:p="http://schemas.openxmlformats.org/presentationml/2006/main">
   <p:cSld>
     <p:bg>
-      <p:bgRef idx="1001">
-        <a:schemeClr val="bg1"/>
+      <p:bgRef idx="1002">
+        <a:schemeClr val="bg2"/>
       </p:bgRef>
     </p:bg>
     <p:spTree>
@@ -3862,9 +4556,9 @@
             </a:lvl1pPr>
           </a:lstStyle>
           <a:p>
-            <a:fld id="{2B3FF9E3-101C-4204-8B81-4202CCD32645}" type="datetimeFigureOut">
+            <a:fld id="{8DD68F64-9063-4BFC-8B75-EB614AD88861}" type="datetime1">
               <a:rPr lang="fr-FR" smtClean="0"/>
-              <a:t>21/07/2023</a:t>
+              <a:t>24/07/2023</a:t>
             </a:fld>
             <a:endParaRPr lang="fr-FR"/>
           </a:p>
@@ -3967,7 +4661,7 @@
       </p:ext>
     </p:extLst>
   </p:cSld>
-  <p:clrMap bg1="lt1" tx1="dk1" bg2="lt2" tx2="dk2" accent1="accent1" accent2="accent2" accent3="accent3" accent4="accent4" accent5="accent5" accent6="accent6" hlink="hlink" folHlink="folHlink"/>
+  <p:clrMap bg1="dk1" tx1="lt1" bg2="dk2" tx2="lt2" accent1="accent1" accent2="accent2" accent3="accent3" accent4="accent4" accent5="accent5" accent6="accent6" hlink="hlink" folHlink="folHlink"/>
   <p:sldLayoutIdLst>
     <p:sldLayoutId id="2147483649" r:id="rId1"/>
     <p:sldLayoutId id="2147483650" r:id="rId2"/>
@@ -3981,6 +4675,7 @@
     <p:sldLayoutId id="2147483658" r:id="rId10"/>
     <p:sldLayoutId id="2147483659" r:id="rId11"/>
   </p:sldLayoutIdLst>
+  <p:hf hdr="0" ftr="0" dt="0"/>
   <p:txStyles>
     <p:titleStyle>
       <a:lvl1pPr algn="l" defTabSz="914400" rtl="0" eaLnBrk="1" latinLnBrk="0" hangingPunct="1">
@@ -4267,6 +4962,15 @@
 <file path=ppt/slides/slide1.xml><?xml version="1.0" encoding="utf-8"?>
 <p:sld xmlns:a="http://schemas.openxmlformats.org/drawingml/2006/main" xmlns:r="http://schemas.openxmlformats.org/officeDocument/2006/relationships" xmlns:p="http://schemas.openxmlformats.org/presentationml/2006/main">
   <p:cSld>
+    <p:bg>
+      <p:bgPr>
+        <a:blipFill>
+          <a:blip r:embed="rId2"/>
+          <a:tile tx="0" ty="0" sx="100000" sy="100000" flip="none" algn="tl"/>
+        </a:blipFill>
+        <a:effectLst/>
+      </p:bgPr>
+    </p:bg>
     <p:spTree>
       <p:nvGrpSpPr>
         <p:cNvPr id="1" name=""/>
@@ -4299,34 +5003,81 @@
         </p:nvSpPr>
         <p:spPr>
           <a:xfrm>
-            <a:off x="1524000" y="1122362"/>
-            <a:ext cx="9144000" cy="3654175"/>
+            <a:off x="1524000" y="2181726"/>
+            <a:ext cx="9144000" cy="2594812"/>
           </a:xfrm>
         </p:spPr>
         <p:txBody>
           <a:bodyPr>
-            <a:normAutofit/>
+            <a:normAutofit fontScale="90000"/>
           </a:bodyPr>
           <a:lstStyle/>
           <a:p>
-            <a:r>
-              <a:rPr lang="fr-FR" dirty="0"/>
+            <a:br>
+              <a:rPr lang="fr-FR" dirty="0">
+                <a:solidFill>
+                  <a:schemeClr val="accent4"/>
+                </a:solidFill>
+              </a:rPr>
+            </a:br>
+            <a:br>
+              <a:rPr lang="fr-FR" dirty="0">
+                <a:solidFill>
+                  <a:schemeClr val="bg1"/>
+                </a:solidFill>
+              </a:rPr>
+            </a:br>
+            <a:r>
+              <a:rPr lang="fr-FR" dirty="0">
+                <a:solidFill>
+                  <a:schemeClr val="bg1"/>
+                </a:solidFill>
+              </a:rPr>
+              <a:t>Patron de conception Observateur</a:t>
+            </a:r>
+          </a:p>
+        </p:txBody>
+      </p:sp>
+      <p:sp>
+        <p:nvSpPr>
+          <p:cNvPr id="3" name="ZoneTexte 2">
+            <a:extLst>
+              <a:ext uri="{FF2B5EF4-FFF2-40B4-BE49-F238E27FC236}">
+                <a16:creationId xmlns:a16="http://schemas.microsoft.com/office/drawing/2014/main" id="{BA90CF81-A798-F78F-6F46-7A9CBD42E2B0}"/>
+              </a:ext>
+            </a:extLst>
+          </p:cNvPr>
+          <p:cNvSpPr txBox="1"/>
+          <p:nvPr/>
+        </p:nvSpPr>
+        <p:spPr>
+          <a:xfrm>
+            <a:off x="1413164" y="785091"/>
+            <a:ext cx="9541163" cy="1200329"/>
+          </a:xfrm>
+          <a:prstGeom prst="rect">
+            <a:avLst/>
+          </a:prstGeom>
+          <a:noFill/>
+        </p:spPr>
+        <p:txBody>
+          <a:bodyPr wrap="square" rtlCol="0">
+            <a:spAutoFit/>
+          </a:bodyPr>
+          <a:lstStyle/>
+          <a:p>
+            <a:pPr algn="ctr"/>
+            <a:r>
+              <a:rPr lang="fr-FR" sz="7200" b="1" dirty="0">
+                <a:solidFill>
+                  <a:schemeClr val="accent2">
+                    <a:lumMod val="50000"/>
+                  </a:schemeClr>
+                </a:solidFill>
+              </a:rPr>
               <a:t>Design Pattern Observer</a:t>
             </a:r>
-            <a:br>
-              <a:rPr lang="fr-FR" dirty="0"/>
-            </a:br>
-            <a:r>
-              <a:rPr lang="fr-FR" dirty="0"/>
-              <a:t>ou</a:t>
-            </a:r>
-            <a:br>
-              <a:rPr lang="fr-FR" dirty="0"/>
-            </a:br>
-            <a:r>
-              <a:rPr lang="fr-FR" dirty="0"/>
-              <a:t>Patron de conception Observateur</a:t>
-            </a:r>
+            <a:endParaRPr lang="fr-FR" sz="7200" dirty="0"/>
           </a:p>
         </p:txBody>
       </p:sp>
@@ -4382,7 +5133,11 @@
           <a:lstStyle/>
           <a:p>
             <a:r>
-              <a:rPr lang="fr-FR" dirty="0"/>
+              <a:rPr lang="fr-FR" dirty="0">
+                <a:solidFill>
+                  <a:schemeClr val="accent4"/>
+                </a:solidFill>
+              </a:rPr>
               <a:t>3 Mise en œuvre</a:t>
             </a:r>
           </a:p>
@@ -4406,29 +5161,29 @@
         </p:nvSpPr>
         <p:spPr>
           <a:xfrm>
-            <a:off x="838200" y="1825625"/>
-            <a:ext cx="2679916" cy="3588586"/>
+            <a:off x="838199" y="1377990"/>
+            <a:ext cx="9268326" cy="436312"/>
           </a:xfrm>
         </p:spPr>
         <p:txBody>
-          <a:bodyPr/>
+          <a:bodyPr>
+            <a:normAutofit fontScale="92500" lnSpcReduction="10000"/>
+          </a:bodyPr>
           <a:lstStyle/>
           <a:p>
             <a:pPr marL="0" indent="0">
               <a:buNone/>
             </a:pPr>
             <a:r>
-              <a:rPr lang="fr-FR" dirty="0"/>
-              <a:t>3.3 </a:t>
-            </a:r>
-          </a:p>
-          <a:p>
-            <a:pPr marL="0" indent="0">
-              <a:buNone/>
-            </a:pPr>
-            <a:r>
-              <a:rPr lang="fr-FR" dirty="0"/>
-              <a:t>Enregistrement des Observateurs auprès des Sujets</a:t>
+              <a:rPr lang="fr-FR" dirty="0">
+                <a:solidFill>
+                  <a:schemeClr val="accent2">
+                    <a:lumMod val="60000"/>
+                    <a:lumOff val="40000"/>
+                  </a:schemeClr>
+                </a:solidFill>
+              </a:rPr>
+              <a:t>3.3 Enregistrement des Observateurs auprès des Sujets</a:t>
             </a:r>
           </a:p>
         </p:txBody>
@@ -4461,14 +5216,55 @@
         </p:blipFill>
         <p:spPr>
           <a:xfrm>
-            <a:off x="3250737" y="1825621"/>
-            <a:ext cx="8403988" cy="3707274"/>
+            <a:off x="838199" y="1937915"/>
+            <a:ext cx="10631905" cy="4690081"/>
           </a:xfrm>
           <a:prstGeom prst="rect">
             <a:avLst/>
           </a:prstGeom>
         </p:spPr>
       </p:pic>
+      <p:sp>
+        <p:nvSpPr>
+          <p:cNvPr id="4" name="Espace réservé du numéro de diapositive 3">
+            <a:extLst>
+              <a:ext uri="{FF2B5EF4-FFF2-40B4-BE49-F238E27FC236}">
+                <a16:creationId xmlns:a16="http://schemas.microsoft.com/office/drawing/2014/main" id="{F0745DBD-1F0A-AEB2-8188-A555A722F2C4}"/>
+              </a:ext>
+            </a:extLst>
+          </p:cNvPr>
+          <p:cNvSpPr>
+            <a:spLocks noGrp="1"/>
+          </p:cNvSpPr>
+          <p:nvPr>
+            <p:ph type="sldNum" sz="quarter" idx="12"/>
+          </p:nvPr>
+        </p:nvSpPr>
+        <p:spPr/>
+        <p:txBody>
+          <a:bodyPr/>
+          <a:lstStyle/>
+          <a:p>
+            <a:fld id="{21DC54FF-25FF-4E3C-8E95-B134956906F2}" type="slidenum">
+              <a:rPr lang="fr-FR" sz="4000" smtClean="0">
+                <a:solidFill>
+                  <a:schemeClr val="accent2">
+                    <a:lumMod val="50000"/>
+                  </a:schemeClr>
+                </a:solidFill>
+              </a:rPr>
+              <a:t>10</a:t>
+            </a:fld>
+            <a:endParaRPr lang="fr-FR" sz="4000" dirty="0">
+              <a:solidFill>
+                <a:schemeClr val="accent2">
+                  <a:lumMod val="50000"/>
+                </a:schemeClr>
+              </a:solidFill>
+            </a:endParaRPr>
+          </a:p>
+        </p:txBody>
+      </p:sp>
     </p:spTree>
     <p:extLst>
       <p:ext uri="{BB962C8B-B14F-4D97-AF65-F5344CB8AC3E}">
@@ -4521,7 +5317,11 @@
           <a:lstStyle/>
           <a:p>
             <a:r>
-              <a:rPr lang="fr-FR" dirty="0"/>
+              <a:rPr lang="fr-FR" dirty="0">
+                <a:solidFill>
+                  <a:schemeClr val="accent4"/>
+                </a:solidFill>
+              </a:rPr>
               <a:t>4 Avantages et inconvénients</a:t>
             </a:r>
           </a:p>
@@ -4543,7 +5343,12 @@
             <p:ph idx="1"/>
           </p:nvPr>
         </p:nvSpPr>
-        <p:spPr/>
+        <p:spPr>
+          <a:xfrm>
+            <a:off x="838200" y="1454923"/>
+            <a:ext cx="10515600" cy="4351338"/>
+          </a:xfrm>
+        </p:spPr>
         <p:txBody>
           <a:bodyPr/>
           <a:lstStyle/>
@@ -4552,7 +5357,14 @@
               <a:buNone/>
             </a:pPr>
             <a:r>
-              <a:rPr lang="fr-FR" dirty="0"/>
+              <a:rPr lang="fr-FR" dirty="0">
+                <a:solidFill>
+                  <a:schemeClr val="accent2">
+                    <a:lumMod val="60000"/>
+                    <a:lumOff val="40000"/>
+                  </a:schemeClr>
+                </a:solidFill>
+              </a:rPr>
               <a:t>4.1 Avantages</a:t>
             </a:r>
           </a:p>
@@ -4582,6 +5394,47 @@
               <a:buNone/>
             </a:pPr>
             <a:endParaRPr lang="fr-FR" dirty="0"/>
+          </a:p>
+        </p:txBody>
+      </p:sp>
+      <p:sp>
+        <p:nvSpPr>
+          <p:cNvPr id="4" name="Espace réservé du numéro de diapositive 3">
+            <a:extLst>
+              <a:ext uri="{FF2B5EF4-FFF2-40B4-BE49-F238E27FC236}">
+                <a16:creationId xmlns:a16="http://schemas.microsoft.com/office/drawing/2014/main" id="{93FA5F33-5A4D-C3AE-5004-2265B5C42E94}"/>
+              </a:ext>
+            </a:extLst>
+          </p:cNvPr>
+          <p:cNvSpPr>
+            <a:spLocks noGrp="1"/>
+          </p:cNvSpPr>
+          <p:nvPr>
+            <p:ph type="sldNum" sz="quarter" idx="12"/>
+          </p:nvPr>
+        </p:nvSpPr>
+        <p:spPr/>
+        <p:txBody>
+          <a:bodyPr/>
+          <a:lstStyle/>
+          <a:p>
+            <a:fld id="{21DC54FF-25FF-4E3C-8E95-B134956906F2}" type="slidenum">
+              <a:rPr lang="fr-FR" sz="4000" smtClean="0">
+                <a:solidFill>
+                  <a:schemeClr val="accent2">
+                    <a:lumMod val="50000"/>
+                  </a:schemeClr>
+                </a:solidFill>
+              </a:rPr>
+              <a:t>11</a:t>
+            </a:fld>
+            <a:endParaRPr lang="fr-FR" sz="4000" dirty="0">
+              <a:solidFill>
+                <a:schemeClr val="accent2">
+                  <a:lumMod val="50000"/>
+                </a:schemeClr>
+              </a:solidFill>
+            </a:endParaRPr>
           </a:p>
         </p:txBody>
       </p:sp>
@@ -4637,7 +5490,11 @@
           <a:lstStyle/>
           <a:p>
             <a:r>
-              <a:rPr lang="fr-FR" dirty="0"/>
+              <a:rPr lang="fr-FR" dirty="0">
+                <a:solidFill>
+                  <a:schemeClr val="accent4"/>
+                </a:solidFill>
+              </a:rPr>
               <a:t>4 Avantages et inconvénients</a:t>
             </a:r>
           </a:p>
@@ -4659,7 +5516,12 @@
             <p:ph idx="1"/>
           </p:nvPr>
         </p:nvSpPr>
-        <p:spPr/>
+        <p:spPr>
+          <a:xfrm>
+            <a:off x="838200" y="1417852"/>
+            <a:ext cx="10515600" cy="4351338"/>
+          </a:xfrm>
+        </p:spPr>
         <p:txBody>
           <a:bodyPr/>
           <a:lstStyle/>
@@ -4668,7 +5530,14 @@
               <a:buNone/>
             </a:pPr>
             <a:r>
-              <a:rPr lang="fr-FR" dirty="0"/>
+              <a:rPr lang="fr-FR" dirty="0">
+                <a:solidFill>
+                  <a:schemeClr val="accent2">
+                    <a:lumMod val="60000"/>
+                    <a:lumOff val="40000"/>
+                  </a:schemeClr>
+                </a:solidFill>
+              </a:rPr>
               <a:t>4.2 Inconvénients</a:t>
             </a:r>
           </a:p>
@@ -4686,6 +5555,47 @@
               <a:rPr lang="fr-FR" dirty="0"/>
               <a:t>Les souscripteurs sont avertis dans un ordre aléatoire.</a:t>
             </a:r>
+          </a:p>
+        </p:txBody>
+      </p:sp>
+      <p:sp>
+        <p:nvSpPr>
+          <p:cNvPr id="4" name="Espace réservé du numéro de diapositive 3">
+            <a:extLst>
+              <a:ext uri="{FF2B5EF4-FFF2-40B4-BE49-F238E27FC236}">
+                <a16:creationId xmlns:a16="http://schemas.microsoft.com/office/drawing/2014/main" id="{A4B3641D-1A69-A1CA-A8AB-E138372676A2}"/>
+              </a:ext>
+            </a:extLst>
+          </p:cNvPr>
+          <p:cNvSpPr>
+            <a:spLocks noGrp="1"/>
+          </p:cNvSpPr>
+          <p:nvPr>
+            <p:ph type="sldNum" sz="quarter" idx="12"/>
+          </p:nvPr>
+        </p:nvSpPr>
+        <p:spPr/>
+        <p:txBody>
+          <a:bodyPr/>
+          <a:lstStyle/>
+          <a:p>
+            <a:fld id="{21DC54FF-25FF-4E3C-8E95-B134956906F2}" type="slidenum">
+              <a:rPr lang="fr-FR" sz="4000" smtClean="0">
+                <a:solidFill>
+                  <a:schemeClr val="accent2">
+                    <a:lumMod val="50000"/>
+                  </a:schemeClr>
+                </a:solidFill>
+              </a:rPr>
+              <a:t>12</a:t>
+            </a:fld>
+            <a:endParaRPr lang="fr-FR" sz="4000" dirty="0">
+              <a:solidFill>
+                <a:schemeClr val="accent2">
+                  <a:lumMod val="50000"/>
+                </a:schemeClr>
+              </a:solidFill>
+            </a:endParaRPr>
           </a:p>
         </p:txBody>
       </p:sp>
@@ -4741,7 +5651,11 @@
           <a:lstStyle/>
           <a:p>
             <a:r>
-              <a:rPr lang="fr-FR" dirty="0"/>
+              <a:rPr lang="fr-FR" dirty="0">
+                <a:solidFill>
+                  <a:schemeClr val="accent4"/>
+                </a:solidFill>
+              </a:rPr>
               <a:t>5 Exemple d’utilisation</a:t>
             </a:r>
           </a:p>
@@ -4763,7 +5677,12 @@
             <p:ph idx="1"/>
           </p:nvPr>
         </p:nvSpPr>
-        <p:spPr/>
+        <p:spPr>
+          <a:xfrm>
+            <a:off x="838200" y="1343711"/>
+            <a:ext cx="10515600" cy="4351338"/>
+          </a:xfrm>
+        </p:spPr>
         <p:txBody>
           <a:bodyPr/>
           <a:lstStyle/>
@@ -4772,7 +5691,14 @@
               <a:buNone/>
             </a:pPr>
             <a:r>
-              <a:rPr lang="fr-FR" dirty="0"/>
+              <a:rPr lang="fr-FR" dirty="0">
+                <a:solidFill>
+                  <a:schemeClr val="accent2">
+                    <a:lumMod val="60000"/>
+                    <a:lumOff val="40000"/>
+                  </a:schemeClr>
+                </a:solidFill>
+              </a:rPr>
               <a:t>5.1 Contexte</a:t>
             </a:r>
           </a:p>
@@ -4839,6 +5765,47 @@
               <a:buNone/>
             </a:pPr>
             <a:endParaRPr lang="fr-FR" dirty="0"/>
+          </a:p>
+        </p:txBody>
+      </p:sp>
+      <p:sp>
+        <p:nvSpPr>
+          <p:cNvPr id="4" name="Espace réservé du numéro de diapositive 3">
+            <a:extLst>
+              <a:ext uri="{FF2B5EF4-FFF2-40B4-BE49-F238E27FC236}">
+                <a16:creationId xmlns:a16="http://schemas.microsoft.com/office/drawing/2014/main" id="{773EA483-1E24-EE94-1A4D-7D5790C1C17F}"/>
+              </a:ext>
+            </a:extLst>
+          </p:cNvPr>
+          <p:cNvSpPr>
+            <a:spLocks noGrp="1"/>
+          </p:cNvSpPr>
+          <p:nvPr>
+            <p:ph type="sldNum" sz="quarter" idx="12"/>
+          </p:nvPr>
+        </p:nvSpPr>
+        <p:spPr/>
+        <p:txBody>
+          <a:bodyPr/>
+          <a:lstStyle/>
+          <a:p>
+            <a:fld id="{21DC54FF-25FF-4E3C-8E95-B134956906F2}" type="slidenum">
+              <a:rPr lang="fr-FR" sz="4000" smtClean="0">
+                <a:solidFill>
+                  <a:schemeClr val="accent2">
+                    <a:lumMod val="50000"/>
+                  </a:schemeClr>
+                </a:solidFill>
+              </a:rPr>
+              <a:t>13</a:t>
+            </a:fld>
+            <a:endParaRPr lang="fr-FR" sz="4000" dirty="0">
+              <a:solidFill>
+                <a:schemeClr val="accent2">
+                  <a:lumMod val="50000"/>
+                </a:schemeClr>
+              </a:solidFill>
+            </a:endParaRPr>
           </a:p>
         </p:txBody>
       </p:sp>
@@ -4894,7 +5861,11 @@
           <a:lstStyle/>
           <a:p>
             <a:r>
-              <a:rPr lang="fr-FR" dirty="0"/>
+              <a:rPr lang="fr-FR" dirty="0">
+                <a:solidFill>
+                  <a:schemeClr val="accent4"/>
+                </a:solidFill>
+              </a:rPr>
               <a:t>5 Exemple d’utilisation</a:t>
             </a:r>
           </a:p>
@@ -4918,7 +5889,7 @@
         </p:nvSpPr>
         <p:spPr>
           <a:xfrm>
-            <a:off x="838200" y="1418390"/>
+            <a:off x="838200" y="1274869"/>
             <a:ext cx="10515600" cy="544596"/>
           </a:xfrm>
         </p:spPr>
@@ -4930,7 +5901,14 @@
               <a:buNone/>
             </a:pPr>
             <a:r>
-              <a:rPr lang="fr-FR" dirty="0"/>
+              <a:rPr lang="fr-FR" dirty="0">
+                <a:solidFill>
+                  <a:schemeClr val="accent2">
+                    <a:lumMod val="60000"/>
+                    <a:lumOff val="40000"/>
+                  </a:schemeClr>
+                </a:solidFill>
+              </a:rPr>
               <a:t>5.2 Diagramme UML</a:t>
             </a:r>
           </a:p>
@@ -4964,14 +5942,55 @@
         </p:blipFill>
         <p:spPr>
           <a:xfrm>
-            <a:off x="1232665" y="1948241"/>
-            <a:ext cx="9478698" cy="4258269"/>
+            <a:off x="597567" y="1819465"/>
+            <a:ext cx="11234367" cy="5046996"/>
           </a:xfrm>
           <a:prstGeom prst="rect">
             <a:avLst/>
           </a:prstGeom>
         </p:spPr>
       </p:pic>
+      <p:sp>
+        <p:nvSpPr>
+          <p:cNvPr id="4" name="Espace réservé du numéro de diapositive 3">
+            <a:extLst>
+              <a:ext uri="{FF2B5EF4-FFF2-40B4-BE49-F238E27FC236}">
+                <a16:creationId xmlns:a16="http://schemas.microsoft.com/office/drawing/2014/main" id="{4AF1B4D1-7CCC-F72A-9A2D-82F6B7C098A5}"/>
+              </a:ext>
+            </a:extLst>
+          </p:cNvPr>
+          <p:cNvSpPr>
+            <a:spLocks noGrp="1"/>
+          </p:cNvSpPr>
+          <p:nvPr>
+            <p:ph type="sldNum" sz="quarter" idx="12"/>
+          </p:nvPr>
+        </p:nvSpPr>
+        <p:spPr/>
+        <p:txBody>
+          <a:bodyPr/>
+          <a:lstStyle/>
+          <a:p>
+            <a:fld id="{21DC54FF-25FF-4E3C-8E95-B134956906F2}" type="slidenum">
+              <a:rPr lang="fr-FR" sz="4000" smtClean="0">
+                <a:solidFill>
+                  <a:schemeClr val="accent2">
+                    <a:lumMod val="50000"/>
+                  </a:schemeClr>
+                </a:solidFill>
+              </a:rPr>
+              <a:t>14</a:t>
+            </a:fld>
+            <a:endParaRPr lang="fr-FR" sz="4000" dirty="0">
+              <a:solidFill>
+                <a:schemeClr val="accent2">
+                  <a:lumMod val="50000"/>
+                </a:schemeClr>
+              </a:solidFill>
+            </a:endParaRPr>
+          </a:p>
+        </p:txBody>
+      </p:sp>
     </p:spTree>
     <p:extLst>
       <p:ext uri="{BB962C8B-B14F-4D97-AF65-F5344CB8AC3E}">
@@ -5024,7 +6043,11 @@
           <a:lstStyle/>
           <a:p>
             <a:r>
-              <a:rPr lang="fr-FR" dirty="0"/>
+              <a:rPr lang="fr-FR" dirty="0">
+                <a:solidFill>
+                  <a:schemeClr val="accent4"/>
+                </a:solidFill>
+              </a:rPr>
               <a:t>5 Exemple d’utilisation </a:t>
             </a:r>
           </a:p>
@@ -5046,7 +6069,12 @@
             <p:ph idx="1"/>
           </p:nvPr>
         </p:nvSpPr>
-        <p:spPr/>
+        <p:spPr>
+          <a:xfrm>
+            <a:off x="838200" y="1343711"/>
+            <a:ext cx="10515600" cy="4351338"/>
+          </a:xfrm>
+        </p:spPr>
         <p:txBody>
           <a:bodyPr/>
           <a:lstStyle/>
@@ -5055,9 +6083,93 @@
               <a:buNone/>
             </a:pPr>
             <a:r>
-              <a:rPr lang="fr-FR" dirty="0"/>
+              <a:rPr lang="fr-FR" dirty="0">
+                <a:solidFill>
+                  <a:schemeClr val="accent2">
+                    <a:lumMod val="60000"/>
+                    <a:lumOff val="40000"/>
+                  </a:schemeClr>
+                </a:solidFill>
+              </a:rPr>
               <a:t>5.3 Implémentation</a:t>
             </a:r>
+          </a:p>
+        </p:txBody>
+      </p:sp>
+      <p:pic>
+        <p:nvPicPr>
+          <p:cNvPr id="5" name="Image 4" descr="Une image contenant texte, capture d’écran, Caractère coloré, Appareils électroniques&#10;&#10;Description générée automatiquement">
+            <a:extLst>
+              <a:ext uri="{FF2B5EF4-FFF2-40B4-BE49-F238E27FC236}">
+                <a16:creationId xmlns:a16="http://schemas.microsoft.com/office/drawing/2014/main" id="{84BA7A82-1BD2-3F7C-656C-20650B3E65BF}"/>
+              </a:ext>
+            </a:extLst>
+          </p:cNvPr>
+          <p:cNvPicPr>
+            <a:picLocks noChangeAspect="1"/>
+          </p:cNvPicPr>
+          <p:nvPr/>
+        </p:nvPicPr>
+        <p:blipFill>
+          <a:blip r:embed="rId2">
+            <a:extLst>
+              <a:ext uri="{28A0092B-C50C-407E-A947-70E740481C1C}">
+                <a14:useLocalDpi xmlns:a14="http://schemas.microsoft.com/office/drawing/2010/main" val="0"/>
+              </a:ext>
+            </a:extLst>
+          </a:blip>
+          <a:stretch>
+            <a:fillRect/>
+          </a:stretch>
+        </p:blipFill>
+        <p:spPr>
+          <a:xfrm>
+            <a:off x="2586181" y="2034790"/>
+            <a:ext cx="6687128" cy="4458085"/>
+          </a:xfrm>
+          <a:prstGeom prst="rect">
+            <a:avLst/>
+          </a:prstGeom>
+        </p:spPr>
+      </p:pic>
+      <p:sp>
+        <p:nvSpPr>
+          <p:cNvPr id="6" name="Espace réservé du numéro de diapositive 5">
+            <a:extLst>
+              <a:ext uri="{FF2B5EF4-FFF2-40B4-BE49-F238E27FC236}">
+                <a16:creationId xmlns:a16="http://schemas.microsoft.com/office/drawing/2014/main" id="{BDF3C0A6-011D-522B-573A-372AB5A674DF}"/>
+              </a:ext>
+            </a:extLst>
+          </p:cNvPr>
+          <p:cNvSpPr>
+            <a:spLocks noGrp="1"/>
+          </p:cNvSpPr>
+          <p:nvPr>
+            <p:ph type="sldNum" sz="quarter" idx="12"/>
+          </p:nvPr>
+        </p:nvSpPr>
+        <p:spPr/>
+        <p:txBody>
+          <a:bodyPr/>
+          <a:lstStyle/>
+          <a:p>
+            <a:fld id="{21DC54FF-25FF-4E3C-8E95-B134956906F2}" type="slidenum">
+              <a:rPr lang="fr-FR" sz="4000" smtClean="0">
+                <a:solidFill>
+                  <a:schemeClr val="accent2">
+                    <a:lumMod val="50000"/>
+                  </a:schemeClr>
+                </a:solidFill>
+              </a:rPr>
+              <a:t>15</a:t>
+            </a:fld>
+            <a:endParaRPr lang="fr-FR" sz="4000" dirty="0">
+              <a:solidFill>
+                <a:schemeClr val="accent2">
+                  <a:lumMod val="50000"/>
+                </a:schemeClr>
+              </a:solidFill>
+            </a:endParaRPr>
           </a:p>
         </p:txBody>
       </p:sp>
@@ -5113,7 +6225,11 @@
           <a:lstStyle/>
           <a:p>
             <a:r>
-              <a:rPr lang="fr-FR" dirty="0"/>
+              <a:rPr lang="fr-FR" dirty="0">
+                <a:solidFill>
+                  <a:schemeClr val="accent4"/>
+                </a:solidFill>
+              </a:rPr>
               <a:t>5 Exemple d’utilisation</a:t>
             </a:r>
           </a:p>
@@ -5137,7 +6253,7 @@
         </p:nvSpPr>
         <p:spPr>
           <a:xfrm>
-            <a:off x="838200" y="1825625"/>
+            <a:off x="838200" y="1334169"/>
             <a:ext cx="10515600" cy="713038"/>
           </a:xfrm>
         </p:spPr>
@@ -5149,7 +6265,14 @@
               <a:buNone/>
             </a:pPr>
             <a:r>
-              <a:rPr lang="fr-FR" dirty="0"/>
+              <a:rPr lang="fr-FR" dirty="0">
+                <a:solidFill>
+                  <a:schemeClr val="accent2">
+                    <a:lumMod val="60000"/>
+                    <a:lumOff val="40000"/>
+                  </a:schemeClr>
+                </a:solidFill>
+              </a:rPr>
               <a:t>5.3.1 Diagramme de séquence pour l’ajout d’un Observateur </a:t>
             </a:r>
           </a:p>
@@ -5183,14 +6306,55 @@
         </p:blipFill>
         <p:spPr>
           <a:xfrm>
-            <a:off x="838200" y="2676189"/>
-            <a:ext cx="10515600" cy="2682992"/>
+            <a:off x="277520" y="2533135"/>
+            <a:ext cx="11721602" cy="2990696"/>
           </a:xfrm>
           <a:prstGeom prst="rect">
             <a:avLst/>
           </a:prstGeom>
         </p:spPr>
       </p:pic>
+      <p:sp>
+        <p:nvSpPr>
+          <p:cNvPr id="4" name="Espace réservé du numéro de diapositive 3">
+            <a:extLst>
+              <a:ext uri="{FF2B5EF4-FFF2-40B4-BE49-F238E27FC236}">
+                <a16:creationId xmlns:a16="http://schemas.microsoft.com/office/drawing/2014/main" id="{D54A16FB-BF03-2CCF-4E6E-AFFAFCB16257}"/>
+              </a:ext>
+            </a:extLst>
+          </p:cNvPr>
+          <p:cNvSpPr>
+            <a:spLocks noGrp="1"/>
+          </p:cNvSpPr>
+          <p:nvPr>
+            <p:ph type="sldNum" sz="quarter" idx="12"/>
+          </p:nvPr>
+        </p:nvSpPr>
+        <p:spPr/>
+        <p:txBody>
+          <a:bodyPr/>
+          <a:lstStyle/>
+          <a:p>
+            <a:fld id="{21DC54FF-25FF-4E3C-8E95-B134956906F2}" type="slidenum">
+              <a:rPr lang="fr-FR" sz="4000" smtClean="0">
+                <a:solidFill>
+                  <a:schemeClr val="accent2">
+                    <a:lumMod val="50000"/>
+                  </a:schemeClr>
+                </a:solidFill>
+              </a:rPr>
+              <a:t>16</a:t>
+            </a:fld>
+            <a:endParaRPr lang="fr-FR" sz="4000" dirty="0">
+              <a:solidFill>
+                <a:schemeClr val="accent2">
+                  <a:lumMod val="50000"/>
+                </a:schemeClr>
+              </a:solidFill>
+            </a:endParaRPr>
+          </a:p>
+        </p:txBody>
+      </p:sp>
     </p:spTree>
     <p:extLst>
       <p:ext uri="{BB962C8B-B14F-4D97-AF65-F5344CB8AC3E}">
@@ -5243,7 +6407,11 @@
           <a:lstStyle/>
           <a:p>
             <a:r>
-              <a:rPr lang="fr-FR" dirty="0"/>
+              <a:rPr lang="fr-FR" dirty="0">
+                <a:solidFill>
+                  <a:schemeClr val="accent4"/>
+                </a:solidFill>
+              </a:rPr>
               <a:t>5 Exemple d’utilisation</a:t>
             </a:r>
           </a:p>
@@ -5267,7 +6435,7 @@
         </p:nvSpPr>
         <p:spPr>
           <a:xfrm>
-            <a:off x="838200" y="1825625"/>
+            <a:off x="838200" y="1285791"/>
             <a:ext cx="10515600" cy="725070"/>
           </a:xfrm>
         </p:spPr>
@@ -5279,7 +6447,14 @@
               <a:buNone/>
             </a:pPr>
             <a:r>
-              <a:rPr lang="fr-FR" dirty="0"/>
+              <a:rPr lang="fr-FR" dirty="0">
+                <a:solidFill>
+                  <a:schemeClr val="accent2">
+                    <a:lumMod val="60000"/>
+                    <a:lumOff val="40000"/>
+                  </a:schemeClr>
+                </a:solidFill>
+              </a:rPr>
               <a:t>5.3.2 Diagramme de séquence pour la suppression d’un Observateur</a:t>
             </a:r>
           </a:p>
@@ -5321,6 +6496,47 @@
           </a:prstGeom>
         </p:spPr>
       </p:pic>
+      <p:sp>
+        <p:nvSpPr>
+          <p:cNvPr id="4" name="Espace réservé du numéro de diapositive 3">
+            <a:extLst>
+              <a:ext uri="{FF2B5EF4-FFF2-40B4-BE49-F238E27FC236}">
+                <a16:creationId xmlns:a16="http://schemas.microsoft.com/office/drawing/2014/main" id="{470C0DD9-F40E-0C7A-B756-380E65EB5064}"/>
+              </a:ext>
+            </a:extLst>
+          </p:cNvPr>
+          <p:cNvSpPr>
+            <a:spLocks noGrp="1"/>
+          </p:cNvSpPr>
+          <p:nvPr>
+            <p:ph type="sldNum" sz="quarter" idx="12"/>
+          </p:nvPr>
+        </p:nvSpPr>
+        <p:spPr/>
+        <p:txBody>
+          <a:bodyPr/>
+          <a:lstStyle/>
+          <a:p>
+            <a:fld id="{21DC54FF-25FF-4E3C-8E95-B134956906F2}" type="slidenum">
+              <a:rPr lang="fr-FR" sz="4000" smtClean="0">
+                <a:solidFill>
+                  <a:schemeClr val="accent2">
+                    <a:lumMod val="50000"/>
+                  </a:schemeClr>
+                </a:solidFill>
+              </a:rPr>
+              <a:t>17</a:t>
+            </a:fld>
+            <a:endParaRPr lang="fr-FR" sz="4000" dirty="0">
+              <a:solidFill>
+                <a:schemeClr val="accent2">
+                  <a:lumMod val="50000"/>
+                </a:schemeClr>
+              </a:solidFill>
+            </a:endParaRPr>
+          </a:p>
+        </p:txBody>
+      </p:sp>
     </p:spTree>
     <p:extLst>
       <p:ext uri="{BB962C8B-B14F-4D97-AF65-F5344CB8AC3E}">
@@ -5373,7 +6589,11 @@
           <a:lstStyle/>
           <a:p>
             <a:r>
-              <a:rPr lang="fr-FR" dirty="0"/>
+              <a:rPr lang="fr-FR" dirty="0">
+                <a:solidFill>
+                  <a:schemeClr val="accent4"/>
+                </a:solidFill>
+              </a:rPr>
               <a:t>5 Exemple d’utilisation</a:t>
             </a:r>
           </a:p>
@@ -5397,7 +6617,7 @@
         </p:nvSpPr>
         <p:spPr>
           <a:xfrm>
-            <a:off x="838200" y="1825625"/>
+            <a:off x="838200" y="1327334"/>
             <a:ext cx="10515600" cy="580691"/>
           </a:xfrm>
         </p:spPr>
@@ -5409,7 +6629,14 @@
               <a:buNone/>
             </a:pPr>
             <a:r>
-              <a:rPr lang="fr-FR" dirty="0"/>
+              <a:rPr lang="fr-FR" dirty="0">
+                <a:solidFill>
+                  <a:schemeClr val="accent2">
+                    <a:lumMod val="60000"/>
+                    <a:lumOff val="40000"/>
+                  </a:schemeClr>
+                </a:solidFill>
+              </a:rPr>
               <a:t>5.3.3 Diagramme pour la notification d’un Observateur</a:t>
             </a:r>
           </a:p>
@@ -5443,14 +6670,55 @@
         </p:blipFill>
         <p:spPr>
           <a:xfrm>
-            <a:off x="838200" y="2541251"/>
-            <a:ext cx="10515600" cy="4013587"/>
+            <a:off x="331316" y="2125362"/>
+            <a:ext cx="11605232" cy="4429477"/>
           </a:xfrm>
           <a:prstGeom prst="rect">
             <a:avLst/>
           </a:prstGeom>
         </p:spPr>
       </p:pic>
+      <p:sp>
+        <p:nvSpPr>
+          <p:cNvPr id="4" name="Espace réservé du numéro de diapositive 3">
+            <a:extLst>
+              <a:ext uri="{FF2B5EF4-FFF2-40B4-BE49-F238E27FC236}">
+                <a16:creationId xmlns:a16="http://schemas.microsoft.com/office/drawing/2014/main" id="{F7E868BD-0697-FA90-2CF0-447B376D91DC}"/>
+              </a:ext>
+            </a:extLst>
+          </p:cNvPr>
+          <p:cNvSpPr>
+            <a:spLocks noGrp="1"/>
+          </p:cNvSpPr>
+          <p:nvPr>
+            <p:ph type="sldNum" sz="quarter" idx="12"/>
+          </p:nvPr>
+        </p:nvSpPr>
+        <p:spPr/>
+        <p:txBody>
+          <a:bodyPr/>
+          <a:lstStyle/>
+          <a:p>
+            <a:fld id="{21DC54FF-25FF-4E3C-8E95-B134956906F2}" type="slidenum">
+              <a:rPr lang="fr-FR" sz="4000" smtClean="0">
+                <a:solidFill>
+                  <a:schemeClr val="accent2">
+                    <a:lumMod val="50000"/>
+                  </a:schemeClr>
+                </a:solidFill>
+              </a:rPr>
+              <a:t>18</a:t>
+            </a:fld>
+            <a:endParaRPr lang="fr-FR" sz="4000" dirty="0">
+              <a:solidFill>
+                <a:schemeClr val="accent2">
+                  <a:lumMod val="50000"/>
+                </a:schemeClr>
+              </a:solidFill>
+            </a:endParaRPr>
+          </a:p>
+        </p:txBody>
+      </p:sp>
     </p:spTree>
     <p:extLst>
       <p:ext uri="{BB962C8B-B14F-4D97-AF65-F5344CB8AC3E}">
@@ -5503,7 +6771,11 @@
           <a:lstStyle/>
           <a:p>
             <a:r>
-              <a:rPr lang="fr-FR" dirty="0"/>
+              <a:rPr lang="fr-FR" dirty="0">
+                <a:solidFill>
+                  <a:schemeClr val="accent4"/>
+                </a:solidFill>
+              </a:rPr>
               <a:t>5 Exemple d’utilisation</a:t>
             </a:r>
           </a:p>
@@ -5527,7 +6799,7 @@
         </p:nvSpPr>
         <p:spPr>
           <a:xfrm>
-            <a:off x="838200" y="1825625"/>
+            <a:off x="838200" y="1338257"/>
             <a:ext cx="10515600" cy="628817"/>
           </a:xfrm>
         </p:spPr>
@@ -5539,14 +6811,35 @@
               <a:buNone/>
             </a:pPr>
             <a:r>
-              <a:rPr lang="fr-FR" dirty="0"/>
+              <a:rPr lang="fr-FR" dirty="0">
+                <a:solidFill>
+                  <a:schemeClr val="accent2">
+                    <a:lumMod val="60000"/>
+                    <a:lumOff val="40000"/>
+                  </a:schemeClr>
+                </a:solidFill>
+              </a:rPr>
               <a:t>5.3.4 Implémentation interface </a:t>
             </a:r>
             <a:r>
-              <a:rPr lang="fr-FR" dirty="0" err="1"/>
+              <a:rPr lang="fr-FR" dirty="0" err="1">
+                <a:solidFill>
+                  <a:schemeClr val="accent2">
+                    <a:lumMod val="60000"/>
+                    <a:lumOff val="40000"/>
+                  </a:schemeClr>
+                </a:solidFill>
+              </a:rPr>
               <a:t>ISujet</a:t>
             </a:r>
-            <a:endParaRPr lang="fr-FR" dirty="0"/>
+            <a:endParaRPr lang="fr-FR" dirty="0">
+              <a:solidFill>
+                <a:schemeClr val="accent2">
+                  <a:lumMod val="60000"/>
+                  <a:lumOff val="40000"/>
+                </a:schemeClr>
+              </a:solidFill>
+            </a:endParaRPr>
           </a:p>
         </p:txBody>
       </p:sp>
@@ -5578,8 +6871,8 @@
         </p:blipFill>
         <p:spPr>
           <a:xfrm>
-            <a:off x="838200" y="2589379"/>
-            <a:ext cx="2867425" cy="1000265"/>
+            <a:off x="838200" y="1930499"/>
+            <a:ext cx="4756214" cy="1659145"/>
           </a:xfrm>
           <a:prstGeom prst="rect">
             <a:avLst/>
@@ -5622,6 +6915,47 @@
           </a:prstGeom>
         </p:spPr>
       </p:pic>
+      <p:sp>
+        <p:nvSpPr>
+          <p:cNvPr id="4" name="Espace réservé du numéro de diapositive 3">
+            <a:extLst>
+              <a:ext uri="{FF2B5EF4-FFF2-40B4-BE49-F238E27FC236}">
+                <a16:creationId xmlns:a16="http://schemas.microsoft.com/office/drawing/2014/main" id="{69C76819-F36D-767B-4002-95F152A2168D}"/>
+              </a:ext>
+            </a:extLst>
+          </p:cNvPr>
+          <p:cNvSpPr>
+            <a:spLocks noGrp="1"/>
+          </p:cNvSpPr>
+          <p:nvPr>
+            <p:ph type="sldNum" sz="quarter" idx="12"/>
+          </p:nvPr>
+        </p:nvSpPr>
+        <p:spPr/>
+        <p:txBody>
+          <a:bodyPr/>
+          <a:lstStyle/>
+          <a:p>
+            <a:fld id="{21DC54FF-25FF-4E3C-8E95-B134956906F2}" type="slidenum">
+              <a:rPr lang="fr-FR" sz="4000" smtClean="0">
+                <a:solidFill>
+                  <a:schemeClr val="accent2">
+                    <a:lumMod val="50000"/>
+                  </a:schemeClr>
+                </a:solidFill>
+              </a:rPr>
+              <a:t>19</a:t>
+            </a:fld>
+            <a:endParaRPr lang="fr-FR" sz="4000" dirty="0">
+              <a:solidFill>
+                <a:schemeClr val="accent2">
+                  <a:lumMod val="50000"/>
+                </a:schemeClr>
+              </a:solidFill>
+            </a:endParaRPr>
+          </a:p>
+        </p:txBody>
+      </p:sp>
     </p:spTree>
     <p:extLst>
       <p:ext uri="{BB962C8B-B14F-4D97-AF65-F5344CB8AC3E}">
@@ -5674,7 +7008,11 @@
           <a:lstStyle/>
           <a:p>
             <a:r>
-              <a:rPr lang="fr-FR" dirty="0"/>
+              <a:rPr lang="fr-FR" dirty="0">
+                <a:solidFill>
+                  <a:schemeClr val="accent4"/>
+                </a:solidFill>
+              </a:rPr>
               <a:t>Sommaire</a:t>
             </a:r>
           </a:p>
@@ -5759,6 +7097,47 @@
               <a:rPr lang="fr-FR" dirty="0"/>
               <a:t>Conclusion</a:t>
             </a:r>
+          </a:p>
+        </p:txBody>
+      </p:sp>
+      <p:sp>
+        <p:nvSpPr>
+          <p:cNvPr id="4" name="Espace réservé du numéro de diapositive 3">
+            <a:extLst>
+              <a:ext uri="{FF2B5EF4-FFF2-40B4-BE49-F238E27FC236}">
+                <a16:creationId xmlns:a16="http://schemas.microsoft.com/office/drawing/2014/main" id="{E678405D-3D68-7925-8AEE-4446C50C045D}"/>
+              </a:ext>
+            </a:extLst>
+          </p:cNvPr>
+          <p:cNvSpPr>
+            <a:spLocks noGrp="1"/>
+          </p:cNvSpPr>
+          <p:nvPr>
+            <p:ph type="sldNum" sz="quarter" idx="12"/>
+          </p:nvPr>
+        </p:nvSpPr>
+        <p:spPr/>
+        <p:txBody>
+          <a:bodyPr/>
+          <a:lstStyle/>
+          <a:p>
+            <a:fld id="{21DC54FF-25FF-4E3C-8E95-B134956906F2}" type="slidenum">
+              <a:rPr lang="fr-FR" sz="4000" smtClean="0">
+                <a:solidFill>
+                  <a:schemeClr val="accent2">
+                    <a:lumMod val="50000"/>
+                  </a:schemeClr>
+                </a:solidFill>
+              </a:rPr>
+              <a:t>2</a:t>
+            </a:fld>
+            <a:endParaRPr lang="fr-FR" sz="4000" dirty="0">
+              <a:solidFill>
+                <a:schemeClr val="accent2">
+                  <a:lumMod val="50000"/>
+                </a:schemeClr>
+              </a:solidFill>
+            </a:endParaRPr>
           </a:p>
         </p:txBody>
       </p:sp>
@@ -5814,7 +7193,11 @@
           <a:lstStyle/>
           <a:p>
             <a:r>
-              <a:rPr lang="fr-FR" dirty="0"/>
+              <a:rPr lang="fr-FR" dirty="0">
+                <a:solidFill>
+                  <a:schemeClr val="accent4"/>
+                </a:solidFill>
+              </a:rPr>
               <a:t>5 Exemple d’utilisation</a:t>
             </a:r>
           </a:p>
@@ -5838,7 +7221,7 @@
         </p:nvSpPr>
         <p:spPr>
           <a:xfrm>
-            <a:off x="838200" y="1825625"/>
+            <a:off x="838200" y="1370263"/>
             <a:ext cx="10515600" cy="640849"/>
           </a:xfrm>
         </p:spPr>
@@ -5850,7 +7233,14 @@
               <a:buNone/>
             </a:pPr>
             <a:r>
-              <a:rPr lang="fr-FR" dirty="0"/>
+              <a:rPr lang="fr-FR" dirty="0">
+                <a:solidFill>
+                  <a:schemeClr val="accent2">
+                    <a:lumMod val="60000"/>
+                    <a:lumOff val="40000"/>
+                  </a:schemeClr>
+                </a:solidFill>
+              </a:rPr>
               <a:t>5.3.5 Implémentation classe Satellite</a:t>
             </a:r>
           </a:p>
@@ -5884,8 +7274,8 @@
         </p:blipFill>
         <p:spPr>
           <a:xfrm>
-            <a:off x="838200" y="2648209"/>
-            <a:ext cx="2924583" cy="1743318"/>
+            <a:off x="838200" y="2903621"/>
+            <a:ext cx="5301696" cy="3160294"/>
           </a:xfrm>
           <a:prstGeom prst="rect">
             <a:avLst/>
@@ -5920,14 +7310,55 @@
         </p:blipFill>
         <p:spPr>
           <a:xfrm>
-            <a:off x="6715786" y="180521"/>
-            <a:ext cx="4896533" cy="6496957"/>
+            <a:off x="6579734" y="0"/>
+            <a:ext cx="5168637" cy="6857999"/>
           </a:xfrm>
           <a:prstGeom prst="rect">
             <a:avLst/>
           </a:prstGeom>
         </p:spPr>
       </p:pic>
+      <p:sp>
+        <p:nvSpPr>
+          <p:cNvPr id="4" name="Espace réservé du numéro de diapositive 3">
+            <a:extLst>
+              <a:ext uri="{FF2B5EF4-FFF2-40B4-BE49-F238E27FC236}">
+                <a16:creationId xmlns:a16="http://schemas.microsoft.com/office/drawing/2014/main" id="{E31C6AA6-8FB8-E1C5-FA96-1421E6B2BD27}"/>
+              </a:ext>
+            </a:extLst>
+          </p:cNvPr>
+          <p:cNvSpPr>
+            <a:spLocks noGrp="1"/>
+          </p:cNvSpPr>
+          <p:nvPr>
+            <p:ph type="sldNum" sz="quarter" idx="12"/>
+          </p:nvPr>
+        </p:nvSpPr>
+        <p:spPr/>
+        <p:txBody>
+          <a:bodyPr/>
+          <a:lstStyle/>
+          <a:p>
+            <a:fld id="{21DC54FF-25FF-4E3C-8E95-B134956906F2}" type="slidenum">
+              <a:rPr lang="fr-FR" sz="4000" smtClean="0">
+                <a:solidFill>
+                  <a:schemeClr val="accent2">
+                    <a:lumMod val="50000"/>
+                  </a:schemeClr>
+                </a:solidFill>
+              </a:rPr>
+              <a:t>20</a:t>
+            </a:fld>
+            <a:endParaRPr lang="fr-FR" sz="4000" dirty="0">
+              <a:solidFill>
+                <a:schemeClr val="accent2">
+                  <a:lumMod val="50000"/>
+                </a:schemeClr>
+              </a:solidFill>
+            </a:endParaRPr>
+          </a:p>
+        </p:txBody>
+      </p:sp>
     </p:spTree>
     <p:extLst>
       <p:ext uri="{BB962C8B-B14F-4D97-AF65-F5344CB8AC3E}">
@@ -5980,7 +7411,11 @@
           <a:lstStyle/>
           <a:p>
             <a:r>
-              <a:rPr lang="fr-FR" dirty="0"/>
+              <a:rPr lang="fr-FR" dirty="0">
+                <a:solidFill>
+                  <a:schemeClr val="accent4"/>
+                </a:solidFill>
+              </a:rPr>
               <a:t>5 Exemple d’utilisation</a:t>
             </a:r>
           </a:p>
@@ -6004,8 +7439,8 @@
         </p:nvSpPr>
         <p:spPr>
           <a:xfrm>
-            <a:off x="838200" y="1825625"/>
-            <a:ext cx="10515600" cy="749133"/>
+            <a:off x="838200" y="1316122"/>
+            <a:ext cx="10515600" cy="500322"/>
           </a:xfrm>
         </p:spPr>
         <p:txBody>
@@ -6016,14 +7451,35 @@
               <a:buNone/>
             </a:pPr>
             <a:r>
-              <a:rPr lang="fr-FR" dirty="0"/>
+              <a:rPr lang="fr-FR" dirty="0">
+                <a:solidFill>
+                  <a:schemeClr val="accent2">
+                    <a:lumMod val="60000"/>
+                    <a:lumOff val="40000"/>
+                  </a:schemeClr>
+                </a:solidFill>
+              </a:rPr>
               <a:t>5.3.6 Implémentation interface </a:t>
             </a:r>
             <a:r>
-              <a:rPr lang="fr-FR" dirty="0" err="1"/>
+              <a:rPr lang="fr-FR" dirty="0" err="1">
+                <a:solidFill>
+                  <a:schemeClr val="accent2">
+                    <a:lumMod val="60000"/>
+                    <a:lumOff val="40000"/>
+                  </a:schemeClr>
+                </a:solidFill>
+              </a:rPr>
               <a:t>IObservateur</a:t>
             </a:r>
-            <a:endParaRPr lang="fr-FR" dirty="0"/>
+            <a:endParaRPr lang="fr-FR" dirty="0">
+              <a:solidFill>
+                <a:schemeClr val="accent2">
+                  <a:lumMod val="60000"/>
+                  <a:lumOff val="40000"/>
+                </a:schemeClr>
+              </a:solidFill>
+            </a:endParaRPr>
           </a:p>
         </p:txBody>
       </p:sp>
@@ -6055,8 +7511,8 @@
         </p:blipFill>
         <p:spPr>
           <a:xfrm>
-            <a:off x="838200" y="2709695"/>
-            <a:ext cx="1905266" cy="685896"/>
+            <a:off x="838200" y="2709694"/>
+            <a:ext cx="3649340" cy="1313763"/>
           </a:xfrm>
           <a:prstGeom prst="rect">
             <a:avLst/>
@@ -6091,7 +7547,7 @@
         </p:blipFill>
         <p:spPr>
           <a:xfrm>
-            <a:off x="838200" y="3703404"/>
+            <a:off x="838200" y="4283243"/>
             <a:ext cx="6157437" cy="1313764"/>
           </a:xfrm>
           <a:prstGeom prst="rect">
@@ -6099,6 +7555,47 @@
           </a:prstGeom>
         </p:spPr>
       </p:pic>
+      <p:sp>
+        <p:nvSpPr>
+          <p:cNvPr id="4" name="Espace réservé du numéro de diapositive 3">
+            <a:extLst>
+              <a:ext uri="{FF2B5EF4-FFF2-40B4-BE49-F238E27FC236}">
+                <a16:creationId xmlns:a16="http://schemas.microsoft.com/office/drawing/2014/main" id="{CE2DE4D9-3E8B-EE81-3570-7D5B9524CD5F}"/>
+              </a:ext>
+            </a:extLst>
+          </p:cNvPr>
+          <p:cNvSpPr>
+            <a:spLocks noGrp="1"/>
+          </p:cNvSpPr>
+          <p:nvPr>
+            <p:ph type="sldNum" sz="quarter" idx="12"/>
+          </p:nvPr>
+        </p:nvSpPr>
+        <p:spPr/>
+        <p:txBody>
+          <a:bodyPr/>
+          <a:lstStyle/>
+          <a:p>
+            <a:fld id="{21DC54FF-25FF-4E3C-8E95-B134956906F2}" type="slidenum">
+              <a:rPr lang="fr-FR" sz="4000" smtClean="0">
+                <a:solidFill>
+                  <a:schemeClr val="accent2">
+                    <a:lumMod val="50000"/>
+                  </a:schemeClr>
+                </a:solidFill>
+              </a:rPr>
+              <a:t>21</a:t>
+            </a:fld>
+            <a:endParaRPr lang="fr-FR" sz="4000" dirty="0">
+              <a:solidFill>
+                <a:schemeClr val="accent2">
+                  <a:lumMod val="50000"/>
+                </a:schemeClr>
+              </a:solidFill>
+            </a:endParaRPr>
+          </a:p>
+        </p:txBody>
+      </p:sp>
     </p:spTree>
     <p:extLst>
       <p:ext uri="{BB962C8B-B14F-4D97-AF65-F5344CB8AC3E}">
@@ -6151,7 +7648,11 @@
           <a:lstStyle/>
           <a:p>
             <a:r>
-              <a:rPr lang="fr-FR" dirty="0"/>
+              <a:rPr lang="fr-FR" dirty="0">
+                <a:solidFill>
+                  <a:schemeClr val="accent4"/>
+                </a:solidFill>
+              </a:rPr>
               <a:t>5 Exemple d’utilisation</a:t>
             </a:r>
           </a:p>
@@ -6175,7 +7676,7 @@
         </p:nvSpPr>
         <p:spPr>
           <a:xfrm>
-            <a:off x="838200" y="1825625"/>
+            <a:off x="838200" y="1336675"/>
             <a:ext cx="10515600" cy="556628"/>
           </a:xfrm>
         </p:spPr>
@@ -6187,7 +7688,14 @@
               <a:buNone/>
             </a:pPr>
             <a:r>
-              <a:rPr lang="fr-FR" dirty="0"/>
+              <a:rPr lang="fr-FR" dirty="0">
+                <a:solidFill>
+                  <a:schemeClr val="accent2">
+                    <a:lumMod val="60000"/>
+                    <a:lumOff val="40000"/>
+                  </a:schemeClr>
+                </a:solidFill>
+              </a:rPr>
               <a:t>5.3.7 Implémentation classe Navigateur</a:t>
             </a:r>
           </a:p>
@@ -6221,8 +7729,8 @@
         </p:blipFill>
         <p:spPr>
           <a:xfrm>
-            <a:off x="838200" y="2676914"/>
-            <a:ext cx="1895740" cy="800212"/>
+            <a:off x="838199" y="2095918"/>
+            <a:ext cx="3310871" cy="1397554"/>
           </a:xfrm>
           <a:prstGeom prst="rect">
             <a:avLst/>
@@ -6257,14 +7765,55 @@
         </p:blipFill>
         <p:spPr>
           <a:xfrm>
-            <a:off x="838200" y="3771786"/>
-            <a:ext cx="10603832" cy="2347045"/>
+            <a:off x="387878" y="3771786"/>
+            <a:ext cx="11515364" cy="2548803"/>
           </a:xfrm>
           <a:prstGeom prst="rect">
             <a:avLst/>
           </a:prstGeom>
         </p:spPr>
       </p:pic>
+      <p:sp>
+        <p:nvSpPr>
+          <p:cNvPr id="4" name="Espace réservé du numéro de diapositive 3">
+            <a:extLst>
+              <a:ext uri="{FF2B5EF4-FFF2-40B4-BE49-F238E27FC236}">
+                <a16:creationId xmlns:a16="http://schemas.microsoft.com/office/drawing/2014/main" id="{6992EED1-397E-9D4E-75FF-2A2C86818C95}"/>
+              </a:ext>
+            </a:extLst>
+          </p:cNvPr>
+          <p:cNvSpPr>
+            <a:spLocks noGrp="1"/>
+          </p:cNvSpPr>
+          <p:nvPr>
+            <p:ph type="sldNum" sz="quarter" idx="12"/>
+          </p:nvPr>
+        </p:nvSpPr>
+        <p:spPr/>
+        <p:txBody>
+          <a:bodyPr/>
+          <a:lstStyle/>
+          <a:p>
+            <a:fld id="{21DC54FF-25FF-4E3C-8E95-B134956906F2}" type="slidenum">
+              <a:rPr lang="fr-FR" sz="4000" smtClean="0">
+                <a:solidFill>
+                  <a:schemeClr val="accent2">
+                    <a:lumMod val="50000"/>
+                  </a:schemeClr>
+                </a:solidFill>
+              </a:rPr>
+              <a:t>22</a:t>
+            </a:fld>
+            <a:endParaRPr lang="fr-FR" sz="4000" dirty="0">
+              <a:solidFill>
+                <a:schemeClr val="accent2">
+                  <a:lumMod val="50000"/>
+                </a:schemeClr>
+              </a:solidFill>
+            </a:endParaRPr>
+          </a:p>
+        </p:txBody>
+      </p:sp>
     </p:spTree>
     <p:extLst>
       <p:ext uri="{BB962C8B-B14F-4D97-AF65-F5344CB8AC3E}">
@@ -6300,6 +7849,213 @@
           <p:cNvPr id="2" name="Titre 1">
             <a:extLst>
               <a:ext uri="{FF2B5EF4-FFF2-40B4-BE49-F238E27FC236}">
+                <a16:creationId xmlns:a16="http://schemas.microsoft.com/office/drawing/2014/main" id="{E52C1316-1B22-7054-1886-89D615855E64}"/>
+              </a:ext>
+            </a:extLst>
+          </p:cNvPr>
+          <p:cNvSpPr>
+            <a:spLocks noGrp="1"/>
+          </p:cNvSpPr>
+          <p:nvPr>
+            <p:ph type="title"/>
+          </p:nvPr>
+        </p:nvSpPr>
+        <p:spPr/>
+        <p:txBody>
+          <a:bodyPr/>
+          <a:lstStyle/>
+          <a:p>
+            <a:r>
+              <a:rPr lang="fr-FR" dirty="0">
+                <a:solidFill>
+                  <a:schemeClr val="accent4"/>
+                </a:solidFill>
+              </a:rPr>
+              <a:t>5 Exemple d’utilisation</a:t>
+            </a:r>
+            <a:endParaRPr lang="fr-FR" dirty="0"/>
+          </a:p>
+        </p:txBody>
+      </p:sp>
+      <p:sp>
+        <p:nvSpPr>
+          <p:cNvPr id="3" name="Espace réservé du contenu 2">
+            <a:extLst>
+              <a:ext uri="{FF2B5EF4-FFF2-40B4-BE49-F238E27FC236}">
+                <a16:creationId xmlns:a16="http://schemas.microsoft.com/office/drawing/2014/main" id="{AD5B25AE-D833-A29A-3D3F-E74B4375E808}"/>
+              </a:ext>
+            </a:extLst>
+          </p:cNvPr>
+          <p:cNvSpPr>
+            <a:spLocks noGrp="1"/>
+          </p:cNvSpPr>
+          <p:nvPr>
+            <p:ph idx="1"/>
+          </p:nvPr>
+        </p:nvSpPr>
+        <p:spPr>
+          <a:xfrm>
+            <a:off x="838200" y="1249553"/>
+            <a:ext cx="10515600" cy="570103"/>
+          </a:xfrm>
+        </p:spPr>
+        <p:txBody>
+          <a:bodyPr/>
+          <a:lstStyle/>
+          <a:p>
+            <a:pPr marL="0" indent="0">
+              <a:buNone/>
+            </a:pPr>
+            <a:r>
+              <a:rPr lang="fr-FR" dirty="0">
+                <a:solidFill>
+                  <a:schemeClr val="accent2">
+                    <a:lumMod val="60000"/>
+                    <a:lumOff val="40000"/>
+                  </a:schemeClr>
+                </a:solidFill>
+              </a:rPr>
+              <a:t>5.3.8 Résultat console</a:t>
+            </a:r>
+          </a:p>
+        </p:txBody>
+      </p:sp>
+      <p:sp>
+        <p:nvSpPr>
+          <p:cNvPr id="4" name="Espace réservé du numéro de diapositive 3">
+            <a:extLst>
+              <a:ext uri="{FF2B5EF4-FFF2-40B4-BE49-F238E27FC236}">
+                <a16:creationId xmlns:a16="http://schemas.microsoft.com/office/drawing/2014/main" id="{31183620-F160-4606-B69F-0ED291529D95}"/>
+              </a:ext>
+            </a:extLst>
+          </p:cNvPr>
+          <p:cNvSpPr>
+            <a:spLocks noGrp="1"/>
+          </p:cNvSpPr>
+          <p:nvPr>
+            <p:ph type="sldNum" sz="quarter" idx="12"/>
+          </p:nvPr>
+        </p:nvSpPr>
+        <p:spPr/>
+        <p:txBody>
+          <a:bodyPr/>
+          <a:lstStyle/>
+          <a:p>
+            <a:fld id="{21DC54FF-25FF-4E3C-8E95-B134956906F2}" type="slidenum">
+              <a:rPr lang="fr-FR" smtClean="0"/>
+              <a:t>23</a:t>
+            </a:fld>
+            <a:endParaRPr lang="fr-FR"/>
+          </a:p>
+        </p:txBody>
+      </p:sp>
+      <p:pic>
+        <p:nvPicPr>
+          <p:cNvPr id="6" name="Image 5" descr="Une image contenant texte, capture d’écran, Police, ligne&#10;&#10;Description générée automatiquement">
+            <a:extLst>
+              <a:ext uri="{FF2B5EF4-FFF2-40B4-BE49-F238E27FC236}">
+                <a16:creationId xmlns:a16="http://schemas.microsoft.com/office/drawing/2014/main" id="{776A4C71-D9F5-B23F-48B0-309BF08A4040}"/>
+              </a:ext>
+            </a:extLst>
+          </p:cNvPr>
+          <p:cNvPicPr>
+            <a:picLocks noChangeAspect="1"/>
+          </p:cNvPicPr>
+          <p:nvPr/>
+        </p:nvPicPr>
+        <p:blipFill>
+          <a:blip r:embed="rId2">
+            <a:extLst>
+              <a:ext uri="{28A0092B-C50C-407E-A947-70E740481C1C}">
+                <a14:useLocalDpi xmlns:a14="http://schemas.microsoft.com/office/drawing/2010/main" val="0"/>
+              </a:ext>
+            </a:extLst>
+          </a:blip>
+          <a:stretch>
+            <a:fillRect/>
+          </a:stretch>
+        </p:blipFill>
+        <p:spPr>
+          <a:xfrm>
+            <a:off x="643754" y="2505456"/>
+            <a:ext cx="10904493" cy="1847087"/>
+          </a:xfrm>
+          <a:prstGeom prst="rect">
+            <a:avLst/>
+          </a:prstGeom>
+        </p:spPr>
+      </p:pic>
+      <p:pic>
+        <p:nvPicPr>
+          <p:cNvPr id="8" name="Image 7">
+            <a:extLst>
+              <a:ext uri="{FF2B5EF4-FFF2-40B4-BE49-F238E27FC236}">
+                <a16:creationId xmlns:a16="http://schemas.microsoft.com/office/drawing/2014/main" id="{BA1F0E50-5B65-7A93-E5B1-D9DFEB702903}"/>
+              </a:ext>
+            </a:extLst>
+          </p:cNvPr>
+          <p:cNvPicPr>
+            <a:picLocks noChangeAspect="1"/>
+          </p:cNvPicPr>
+          <p:nvPr/>
+        </p:nvPicPr>
+        <p:blipFill>
+          <a:blip r:embed="rId3">
+            <a:extLst>
+              <a:ext uri="{28A0092B-C50C-407E-A947-70E740481C1C}">
+                <a14:useLocalDpi xmlns:a14="http://schemas.microsoft.com/office/drawing/2010/main" val="0"/>
+              </a:ext>
+            </a:extLst>
+          </a:blip>
+          <a:stretch>
+            <a:fillRect/>
+          </a:stretch>
+        </p:blipFill>
+        <p:spPr>
+          <a:xfrm>
+            <a:off x="643754" y="4579407"/>
+            <a:ext cx="10904493" cy="596764"/>
+          </a:xfrm>
+          <a:prstGeom prst="rect">
+            <a:avLst/>
+          </a:prstGeom>
+        </p:spPr>
+      </p:pic>
+    </p:spTree>
+    <p:extLst>
+      <p:ext uri="{BB962C8B-B14F-4D97-AF65-F5344CB8AC3E}">
+        <p14:creationId xmlns:p14="http://schemas.microsoft.com/office/powerpoint/2010/main" val="2409160448"/>
+      </p:ext>
+    </p:extLst>
+  </p:cSld>
+  <p:clrMapOvr>
+    <a:masterClrMapping/>
+  </p:clrMapOvr>
+</p:sld>
+</file>
+
+<file path=ppt/slides/slide24.xml><?xml version="1.0" encoding="utf-8"?>
+<p:sld xmlns:a="http://schemas.openxmlformats.org/drawingml/2006/main" xmlns:r="http://schemas.openxmlformats.org/officeDocument/2006/relationships" xmlns:p="http://schemas.openxmlformats.org/presentationml/2006/main">
+  <p:cSld>
+    <p:spTree>
+      <p:nvGrpSpPr>
+        <p:cNvPr id="1" name=""/>
+        <p:cNvGrpSpPr/>
+        <p:nvPr/>
+      </p:nvGrpSpPr>
+      <p:grpSpPr>
+        <a:xfrm>
+          <a:off x="0" y="0"/>
+          <a:ext cx="0" cy="0"/>
+          <a:chOff x="0" y="0"/>
+          <a:chExt cx="0" cy="0"/>
+        </a:xfrm>
+      </p:grpSpPr>
+      <p:sp>
+        <p:nvSpPr>
+          <p:cNvPr id="2" name="Titre 1">
+            <a:extLst>
+              <a:ext uri="{FF2B5EF4-FFF2-40B4-BE49-F238E27FC236}">
                 <a16:creationId xmlns:a16="http://schemas.microsoft.com/office/drawing/2014/main" id="{25632317-5254-3F1A-3C29-C98EE791C044}"/>
               </a:ext>
             </a:extLst>
@@ -6317,7 +8073,11 @@
           <a:lstStyle/>
           <a:p>
             <a:r>
-              <a:rPr lang="fr-FR" dirty="0"/>
+              <a:rPr lang="fr-FR" dirty="0">
+                <a:solidFill>
+                  <a:schemeClr val="accent4"/>
+                </a:solidFill>
+              </a:rPr>
               <a:t>6 Conclusion</a:t>
             </a:r>
           </a:p>
@@ -6366,6 +8126,47 @@
               <a:rPr lang="fr-FR" dirty="0"/>
               <a:t>Maintenance simplifiée</a:t>
             </a:r>
+          </a:p>
+        </p:txBody>
+      </p:sp>
+      <p:sp>
+        <p:nvSpPr>
+          <p:cNvPr id="4" name="Espace réservé du numéro de diapositive 3">
+            <a:extLst>
+              <a:ext uri="{FF2B5EF4-FFF2-40B4-BE49-F238E27FC236}">
+                <a16:creationId xmlns:a16="http://schemas.microsoft.com/office/drawing/2014/main" id="{F390FBFF-C112-630C-EE0E-BC89AE7155AD}"/>
+              </a:ext>
+            </a:extLst>
+          </p:cNvPr>
+          <p:cNvSpPr>
+            <a:spLocks noGrp="1"/>
+          </p:cNvSpPr>
+          <p:nvPr>
+            <p:ph type="sldNum" sz="quarter" idx="12"/>
+          </p:nvPr>
+        </p:nvSpPr>
+        <p:spPr/>
+        <p:txBody>
+          <a:bodyPr/>
+          <a:lstStyle/>
+          <a:p>
+            <a:fld id="{21DC54FF-25FF-4E3C-8E95-B134956906F2}" type="slidenum">
+              <a:rPr lang="fr-FR" sz="4000" smtClean="0">
+                <a:solidFill>
+                  <a:schemeClr val="accent2">
+                    <a:lumMod val="50000"/>
+                  </a:schemeClr>
+                </a:solidFill>
+              </a:rPr>
+              <a:t>24</a:t>
+            </a:fld>
+            <a:endParaRPr lang="fr-FR" sz="4000" dirty="0">
+              <a:solidFill>
+                <a:schemeClr val="accent2">
+                  <a:lumMod val="50000"/>
+                </a:schemeClr>
+              </a:solidFill>
+            </a:endParaRPr>
           </a:p>
         </p:txBody>
       </p:sp>
@@ -6382,7 +8183,7 @@
 </p:sld>
 </file>
 
-<file path=ppt/slides/slide24.xml><?xml version="1.0" encoding="utf-8"?>
+<file path=ppt/slides/slide25.xml><?xml version="1.0" encoding="utf-8"?>
 <p:sld xmlns:a="http://schemas.openxmlformats.org/drawingml/2006/main" xmlns:r="http://schemas.openxmlformats.org/officeDocument/2006/relationships" xmlns:p="http://schemas.openxmlformats.org/presentationml/2006/main">
   <p:cSld>
     <p:spTree>
@@ -6525,7 +8326,11 @@
           <a:lstStyle/>
           <a:p>
             <a:r>
-              <a:rPr lang="fr-FR" dirty="0"/>
+              <a:rPr lang="fr-FR" dirty="0">
+                <a:solidFill>
+                  <a:schemeClr val="accent4"/>
+                </a:solidFill>
+              </a:rPr>
               <a:t>1 Présentation</a:t>
             </a:r>
           </a:p>
@@ -6547,7 +8352,12 @@
             <p:ph idx="1"/>
           </p:nvPr>
         </p:nvSpPr>
-        <p:spPr/>
+        <p:spPr>
+          <a:xfrm>
+            <a:off x="838200" y="1408530"/>
+            <a:ext cx="10515600" cy="4351338"/>
+          </a:xfrm>
+        </p:spPr>
         <p:txBody>
           <a:bodyPr/>
           <a:lstStyle/>
@@ -6556,7 +8366,14 @@
               <a:buNone/>
             </a:pPr>
             <a:r>
-              <a:rPr lang="fr-FR" dirty="0"/>
+              <a:rPr lang="fr-FR" dirty="0">
+                <a:solidFill>
+                  <a:schemeClr val="accent2">
+                    <a:lumMod val="60000"/>
+                    <a:lumOff val="40000"/>
+                  </a:schemeClr>
+                </a:solidFill>
+              </a:rPr>
               <a:t>1.1 Introduction</a:t>
             </a:r>
           </a:p>
@@ -6568,6 +8385,47 @@
               <a:rPr lang="fr-FR" dirty="0"/>
               <a:t>Dans  la POO, existe la difficulté de communiquer de manière efficace et flexible, d’où l’intervention du Design Pattern Observer </a:t>
             </a:r>
+          </a:p>
+        </p:txBody>
+      </p:sp>
+      <p:sp>
+        <p:nvSpPr>
+          <p:cNvPr id="4" name="Espace réservé du numéro de diapositive 3">
+            <a:extLst>
+              <a:ext uri="{FF2B5EF4-FFF2-40B4-BE49-F238E27FC236}">
+                <a16:creationId xmlns:a16="http://schemas.microsoft.com/office/drawing/2014/main" id="{E8B27CFB-FEB7-ACDE-0C0E-C8457A2DD1A2}"/>
+              </a:ext>
+            </a:extLst>
+          </p:cNvPr>
+          <p:cNvSpPr>
+            <a:spLocks noGrp="1"/>
+          </p:cNvSpPr>
+          <p:nvPr>
+            <p:ph type="sldNum" sz="quarter" idx="12"/>
+          </p:nvPr>
+        </p:nvSpPr>
+        <p:spPr/>
+        <p:txBody>
+          <a:bodyPr/>
+          <a:lstStyle/>
+          <a:p>
+            <a:fld id="{21DC54FF-25FF-4E3C-8E95-B134956906F2}" type="slidenum">
+              <a:rPr lang="fr-FR" sz="4000" smtClean="0">
+                <a:solidFill>
+                  <a:schemeClr val="accent2">
+                    <a:lumMod val="50000"/>
+                  </a:schemeClr>
+                </a:solidFill>
+              </a:rPr>
+              <a:t>3</a:t>
+            </a:fld>
+            <a:endParaRPr lang="fr-FR" sz="4000" dirty="0">
+              <a:solidFill>
+                <a:schemeClr val="accent2">
+                  <a:lumMod val="50000"/>
+                </a:schemeClr>
+              </a:solidFill>
+            </a:endParaRPr>
           </a:p>
         </p:txBody>
       </p:sp>
@@ -6623,7 +8481,11 @@
           <a:lstStyle/>
           <a:p>
             <a:r>
-              <a:rPr lang="fr-FR" dirty="0"/>
+              <a:rPr lang="fr-FR" dirty="0">
+                <a:solidFill>
+                  <a:schemeClr val="accent4"/>
+                </a:solidFill>
+              </a:rPr>
               <a:t>1 Présentation</a:t>
             </a:r>
           </a:p>
@@ -6645,7 +8507,12 @@
             <p:ph idx="1"/>
           </p:nvPr>
         </p:nvSpPr>
-        <p:spPr/>
+        <p:spPr>
+          <a:xfrm>
+            <a:off x="838200" y="1424573"/>
+            <a:ext cx="10515600" cy="4351338"/>
+          </a:xfrm>
+        </p:spPr>
         <p:txBody>
           <a:bodyPr/>
           <a:lstStyle/>
@@ -6654,7 +8521,14 @@
               <a:buNone/>
             </a:pPr>
             <a:r>
-              <a:rPr lang="fr-FR" dirty="0"/>
+              <a:rPr lang="fr-FR" dirty="0">
+                <a:solidFill>
+                  <a:schemeClr val="accent2">
+                    <a:lumMod val="60000"/>
+                    <a:lumOff val="40000"/>
+                  </a:schemeClr>
+                </a:solidFill>
+              </a:rPr>
               <a:t>1.2 Définition</a:t>
             </a:r>
           </a:p>
@@ -6681,6 +8555,47 @@
               <a:buNone/>
             </a:pPr>
             <a:endParaRPr lang="fr-FR" dirty="0"/>
+          </a:p>
+        </p:txBody>
+      </p:sp>
+      <p:sp>
+        <p:nvSpPr>
+          <p:cNvPr id="4" name="Espace réservé du numéro de diapositive 3">
+            <a:extLst>
+              <a:ext uri="{FF2B5EF4-FFF2-40B4-BE49-F238E27FC236}">
+                <a16:creationId xmlns:a16="http://schemas.microsoft.com/office/drawing/2014/main" id="{B5444C56-EAAE-C959-1D0D-F2E7F1EA480F}"/>
+              </a:ext>
+            </a:extLst>
+          </p:cNvPr>
+          <p:cNvSpPr>
+            <a:spLocks noGrp="1"/>
+          </p:cNvSpPr>
+          <p:nvPr>
+            <p:ph type="sldNum" sz="quarter" idx="12"/>
+          </p:nvPr>
+        </p:nvSpPr>
+        <p:spPr/>
+        <p:txBody>
+          <a:bodyPr/>
+          <a:lstStyle/>
+          <a:p>
+            <a:fld id="{21DC54FF-25FF-4E3C-8E95-B134956906F2}" type="slidenum">
+              <a:rPr lang="fr-FR" sz="4000" smtClean="0">
+                <a:solidFill>
+                  <a:schemeClr val="accent2">
+                    <a:lumMod val="50000"/>
+                  </a:schemeClr>
+                </a:solidFill>
+              </a:rPr>
+              <a:t>4</a:t>
+            </a:fld>
+            <a:endParaRPr lang="fr-FR" sz="4000" dirty="0">
+              <a:solidFill>
+                <a:schemeClr val="accent2">
+                  <a:lumMod val="50000"/>
+                </a:schemeClr>
+              </a:solidFill>
+            </a:endParaRPr>
           </a:p>
         </p:txBody>
       </p:sp>
@@ -6736,7 +8651,11 @@
           <a:lstStyle/>
           <a:p>
             <a:r>
-              <a:rPr lang="fr-FR" dirty="0"/>
+              <a:rPr lang="fr-FR" dirty="0">
+                <a:solidFill>
+                  <a:schemeClr val="accent4"/>
+                </a:solidFill>
+              </a:rPr>
               <a:t>1 Présentation</a:t>
             </a:r>
           </a:p>
@@ -6770,8 +8689,8 @@
         </p:blipFill>
         <p:spPr>
           <a:xfrm>
-            <a:off x="1393371" y="2155372"/>
-            <a:ext cx="9231086" cy="4615543"/>
+            <a:off x="740227" y="1828800"/>
+            <a:ext cx="9884230" cy="4942115"/>
           </a:xfrm>
           <a:prstGeom prst="rect">
             <a:avLst/>
@@ -6796,7 +8715,7 @@
         </p:nvSpPr>
         <p:spPr>
           <a:xfrm>
-            <a:off x="838200" y="1744663"/>
+            <a:off x="838200" y="1420019"/>
             <a:ext cx="10515600" cy="541337"/>
           </a:xfrm>
         </p:spPr>
@@ -6808,9 +8727,57 @@
               <a:buNone/>
             </a:pPr>
             <a:r>
-              <a:rPr lang="fr-FR" dirty="0"/>
+              <a:rPr lang="fr-FR" dirty="0">
+                <a:solidFill>
+                  <a:schemeClr val="accent2">
+                    <a:lumMod val="60000"/>
+                    <a:lumOff val="40000"/>
+                  </a:schemeClr>
+                </a:solidFill>
+              </a:rPr>
               <a:t>1.3 Problème</a:t>
             </a:r>
+          </a:p>
+        </p:txBody>
+      </p:sp>
+      <p:sp>
+        <p:nvSpPr>
+          <p:cNvPr id="3" name="Espace réservé du numéro de diapositive 2">
+            <a:extLst>
+              <a:ext uri="{FF2B5EF4-FFF2-40B4-BE49-F238E27FC236}">
+                <a16:creationId xmlns:a16="http://schemas.microsoft.com/office/drawing/2014/main" id="{ED960042-2CEF-39CF-90CF-40114EA04073}"/>
+              </a:ext>
+            </a:extLst>
+          </p:cNvPr>
+          <p:cNvSpPr>
+            <a:spLocks noGrp="1"/>
+          </p:cNvSpPr>
+          <p:nvPr>
+            <p:ph type="sldNum" sz="quarter" idx="12"/>
+          </p:nvPr>
+        </p:nvSpPr>
+        <p:spPr/>
+        <p:txBody>
+          <a:bodyPr/>
+          <a:lstStyle/>
+          <a:p>
+            <a:fld id="{21DC54FF-25FF-4E3C-8E95-B134956906F2}" type="slidenum">
+              <a:rPr lang="fr-FR" sz="4000" smtClean="0">
+                <a:solidFill>
+                  <a:schemeClr val="accent2">
+                    <a:lumMod val="50000"/>
+                  </a:schemeClr>
+                </a:solidFill>
+              </a:rPr>
+              <a:t>5</a:t>
+            </a:fld>
+            <a:endParaRPr lang="fr-FR" sz="4000" dirty="0">
+              <a:solidFill>
+                <a:schemeClr val="accent2">
+                  <a:lumMod val="50000"/>
+                </a:schemeClr>
+              </a:solidFill>
+            </a:endParaRPr>
           </a:p>
         </p:txBody>
       </p:sp>
@@ -6866,7 +8833,11 @@
           <a:lstStyle/>
           <a:p>
             <a:r>
-              <a:rPr lang="fr-FR" dirty="0"/>
+              <a:rPr lang="fr-FR" dirty="0">
+                <a:solidFill>
+                  <a:schemeClr val="accent4"/>
+                </a:solidFill>
+              </a:rPr>
               <a:t>2 Composants et fonctionnement</a:t>
             </a:r>
           </a:p>
@@ -6888,7 +8859,12 @@
             <p:ph idx="1"/>
           </p:nvPr>
         </p:nvSpPr>
-        <p:spPr/>
+        <p:spPr>
+          <a:xfrm>
+            <a:off x="838200" y="1461878"/>
+            <a:ext cx="10515600" cy="4351338"/>
+          </a:xfrm>
+        </p:spPr>
         <p:txBody>
           <a:bodyPr/>
           <a:lstStyle/>
@@ -6897,7 +8873,14 @@
               <a:buNone/>
             </a:pPr>
             <a:r>
-              <a:rPr lang="fr-FR" dirty="0"/>
+              <a:rPr lang="fr-FR" dirty="0">
+                <a:solidFill>
+                  <a:schemeClr val="accent2">
+                    <a:lumMod val="60000"/>
+                    <a:lumOff val="40000"/>
+                  </a:schemeClr>
+                </a:solidFill>
+              </a:rPr>
               <a:t>2.1 Composants</a:t>
             </a:r>
           </a:p>
@@ -6924,6 +8907,47 @@
               <a:rPr lang="fr-FR" dirty="0"/>
               <a:t>La notification</a:t>
             </a:r>
+          </a:p>
+        </p:txBody>
+      </p:sp>
+      <p:sp>
+        <p:nvSpPr>
+          <p:cNvPr id="4" name="Espace réservé du numéro de diapositive 3">
+            <a:extLst>
+              <a:ext uri="{FF2B5EF4-FFF2-40B4-BE49-F238E27FC236}">
+                <a16:creationId xmlns:a16="http://schemas.microsoft.com/office/drawing/2014/main" id="{75203A03-4F1D-B685-D226-232939510004}"/>
+              </a:ext>
+            </a:extLst>
+          </p:cNvPr>
+          <p:cNvSpPr>
+            <a:spLocks noGrp="1"/>
+          </p:cNvSpPr>
+          <p:nvPr>
+            <p:ph type="sldNum" sz="quarter" idx="12"/>
+          </p:nvPr>
+        </p:nvSpPr>
+        <p:spPr/>
+        <p:txBody>
+          <a:bodyPr/>
+          <a:lstStyle/>
+          <a:p>
+            <a:fld id="{21DC54FF-25FF-4E3C-8E95-B134956906F2}" type="slidenum">
+              <a:rPr lang="fr-FR" sz="4000" smtClean="0">
+                <a:solidFill>
+                  <a:schemeClr val="accent2">
+                    <a:lumMod val="50000"/>
+                  </a:schemeClr>
+                </a:solidFill>
+              </a:rPr>
+              <a:t>6</a:t>
+            </a:fld>
+            <a:endParaRPr lang="fr-FR" sz="4000" dirty="0">
+              <a:solidFill>
+                <a:schemeClr val="accent2">
+                  <a:lumMod val="50000"/>
+                </a:schemeClr>
+              </a:solidFill>
+            </a:endParaRPr>
           </a:p>
         </p:txBody>
       </p:sp>
@@ -6979,7 +9003,11 @@
           <a:lstStyle/>
           <a:p>
             <a:r>
-              <a:rPr lang="fr-FR" dirty="0"/>
+              <a:rPr lang="fr-FR" dirty="0">
+                <a:solidFill>
+                  <a:schemeClr val="accent4"/>
+                </a:solidFill>
+              </a:rPr>
               <a:t>2 Composants et fonctionnement</a:t>
             </a:r>
           </a:p>
@@ -7336,7 +9364,10 @@
           </a:prstGeom>
           <a:ln w="38100">
             <a:solidFill>
-              <a:schemeClr val="accent2"/>
+              <a:schemeClr val="accent2">
+                <a:lumMod val="60000"/>
+                <a:lumOff val="40000"/>
+              </a:schemeClr>
             </a:solidFill>
             <a:tailEnd type="triangle"/>
           </a:ln>
@@ -7432,7 +9463,10 @@
             <a:r>
               <a:rPr lang="fr-FR" dirty="0">
                 <a:solidFill>
-                  <a:schemeClr val="accent2"/>
+                  <a:schemeClr val="accent2">
+                    <a:lumMod val="60000"/>
+                    <a:lumOff val="40000"/>
+                  </a:schemeClr>
                 </a:solidFill>
               </a:rPr>
               <a:t>Je souscris</a:t>
@@ -7463,6 +9497,12 @@
             <a:avLst/>
           </a:prstGeom>
           <a:ln w="38100">
+            <a:solidFill>
+              <a:schemeClr val="accent1">
+                <a:lumMod val="60000"/>
+                <a:lumOff val="40000"/>
+              </a:schemeClr>
+            </a:solidFill>
             <a:tailEnd type="triangle"/>
           </a:ln>
         </p:spPr>
@@ -7504,6 +9544,12 @@
             <a:avLst/>
           </a:prstGeom>
           <a:ln w="38100">
+            <a:solidFill>
+              <a:schemeClr val="accent1">
+                <a:lumMod val="60000"/>
+                <a:lumOff val="40000"/>
+              </a:schemeClr>
+            </a:solidFill>
             <a:tailEnd type="triangle"/>
           </a:ln>
         </p:spPr>
@@ -7545,6 +9591,12 @@
             <a:avLst/>
           </a:prstGeom>
           <a:ln w="38100">
+            <a:solidFill>
+              <a:schemeClr val="accent1">
+                <a:lumMod val="60000"/>
+                <a:lumOff val="40000"/>
+              </a:schemeClr>
+            </a:solidFill>
             <a:tailEnd type="triangle"/>
           </a:ln>
         </p:spPr>
@@ -7594,7 +9646,10 @@
             <a:r>
               <a:rPr lang="fr-FR" dirty="0">
                 <a:solidFill>
-                  <a:schemeClr val="accent1"/>
+                  <a:schemeClr val="accent1">
+                    <a:lumMod val="60000"/>
+                    <a:lumOff val="40000"/>
+                  </a:schemeClr>
                 </a:solidFill>
               </a:rPr>
               <a:t>Je notifie</a:t>
@@ -7667,6 +9722,12 @@
             <a:avLst/>
           </a:prstGeom>
           <a:ln w="38100">
+            <a:solidFill>
+              <a:schemeClr val="accent1">
+                <a:lumMod val="60000"/>
+                <a:lumOff val="40000"/>
+              </a:schemeClr>
+            </a:solidFill>
             <a:tailEnd type="triangle"/>
           </a:ln>
         </p:spPr>
@@ -7789,7 +9850,7 @@
         </p:nvSpPr>
         <p:spPr>
           <a:xfrm>
-            <a:off x="838200" y="1745137"/>
+            <a:off x="838200" y="1315809"/>
             <a:ext cx="8177784" cy="523220"/>
           </a:xfrm>
           <a:prstGeom prst="rect">
@@ -7804,9 +9865,243 @@
           <a:lstStyle/>
           <a:p>
             <a:r>
-              <a:rPr lang="fr-FR" sz="2800" dirty="0"/>
+              <a:rPr lang="fr-FR" sz="2800" dirty="0">
+                <a:solidFill>
+                  <a:schemeClr val="accent2">
+                    <a:lumMod val="60000"/>
+                    <a:lumOff val="40000"/>
+                  </a:schemeClr>
+                </a:solidFill>
+              </a:rPr>
               <a:t>2.2 Principe de fonctionnement</a:t>
             </a:r>
+          </a:p>
+        </p:txBody>
+      </p:sp>
+      <p:cxnSp>
+        <p:nvCxnSpPr>
+          <p:cNvPr id="3" name="Connecteur droit avec flèche 2">
+            <a:extLst>
+              <a:ext uri="{FF2B5EF4-FFF2-40B4-BE49-F238E27FC236}">
+                <a16:creationId xmlns:a16="http://schemas.microsoft.com/office/drawing/2014/main" id="{529EFCE6-77A4-B634-6D39-DADED1E3BECE}"/>
+              </a:ext>
+            </a:extLst>
+          </p:cNvPr>
+          <p:cNvCxnSpPr>
+            <a:cxnSpLocks/>
+          </p:cNvCxnSpPr>
+          <p:nvPr/>
+        </p:nvCxnSpPr>
+        <p:spPr>
+          <a:xfrm>
+            <a:off x="3774538" y="3249053"/>
+            <a:ext cx="4897992" cy="481823"/>
+          </a:xfrm>
+          <a:prstGeom prst="straightConnector1">
+            <a:avLst/>
+          </a:prstGeom>
+          <a:ln w="38100">
+            <a:solidFill>
+              <a:schemeClr val="accent2">
+                <a:lumMod val="60000"/>
+                <a:lumOff val="40000"/>
+              </a:schemeClr>
+            </a:solidFill>
+            <a:tailEnd type="triangle"/>
+          </a:ln>
+        </p:spPr>
+        <p:style>
+          <a:lnRef idx="1">
+            <a:schemeClr val="accent1"/>
+          </a:lnRef>
+          <a:fillRef idx="0">
+            <a:schemeClr val="accent1"/>
+          </a:fillRef>
+          <a:effectRef idx="0">
+            <a:schemeClr val="accent1"/>
+          </a:effectRef>
+          <a:fontRef idx="minor">
+            <a:schemeClr val="tx1"/>
+          </a:fontRef>
+        </p:style>
+      </p:cxnSp>
+      <p:cxnSp>
+        <p:nvCxnSpPr>
+          <p:cNvPr id="9" name="Connecteur droit avec flèche 8">
+            <a:extLst>
+              <a:ext uri="{FF2B5EF4-FFF2-40B4-BE49-F238E27FC236}">
+                <a16:creationId xmlns:a16="http://schemas.microsoft.com/office/drawing/2014/main" id="{F1379C29-B841-FF66-2A2D-63A90CD96115}"/>
+              </a:ext>
+            </a:extLst>
+          </p:cNvPr>
+          <p:cNvCxnSpPr>
+            <a:cxnSpLocks/>
+          </p:cNvCxnSpPr>
+          <p:nvPr/>
+        </p:nvCxnSpPr>
+        <p:spPr>
+          <a:xfrm flipV="1">
+            <a:off x="3774539" y="4664986"/>
+            <a:ext cx="4904507" cy="971650"/>
+          </a:xfrm>
+          <a:prstGeom prst="straightConnector1">
+            <a:avLst/>
+          </a:prstGeom>
+          <a:ln w="38100">
+            <a:solidFill>
+              <a:schemeClr val="accent2">
+                <a:lumMod val="60000"/>
+                <a:lumOff val="40000"/>
+              </a:schemeClr>
+            </a:solidFill>
+            <a:tailEnd type="triangle"/>
+          </a:ln>
+        </p:spPr>
+        <p:style>
+          <a:lnRef idx="1">
+            <a:schemeClr val="accent1"/>
+          </a:lnRef>
+          <a:fillRef idx="0">
+            <a:schemeClr val="accent1"/>
+          </a:fillRef>
+          <a:effectRef idx="0">
+            <a:schemeClr val="accent1"/>
+          </a:effectRef>
+          <a:fontRef idx="minor">
+            <a:schemeClr val="tx1"/>
+          </a:fontRef>
+        </p:style>
+      </p:cxnSp>
+      <p:cxnSp>
+        <p:nvCxnSpPr>
+          <p:cNvPr id="11" name="Connecteur droit avec flèche 10">
+            <a:extLst>
+              <a:ext uri="{FF2B5EF4-FFF2-40B4-BE49-F238E27FC236}">
+                <a16:creationId xmlns:a16="http://schemas.microsoft.com/office/drawing/2014/main" id="{79DEBB13-8FB1-1B30-7426-DD562512FCBA}"/>
+              </a:ext>
+            </a:extLst>
+          </p:cNvPr>
+          <p:cNvCxnSpPr>
+            <a:cxnSpLocks/>
+          </p:cNvCxnSpPr>
+          <p:nvPr/>
+        </p:nvCxnSpPr>
+        <p:spPr>
+          <a:xfrm flipH="1">
+            <a:off x="3768025" y="4097878"/>
+            <a:ext cx="4904505" cy="210718"/>
+          </a:xfrm>
+          <a:prstGeom prst="straightConnector1">
+            <a:avLst/>
+          </a:prstGeom>
+          <a:ln w="38100">
+            <a:solidFill>
+              <a:schemeClr val="accent1">
+                <a:lumMod val="60000"/>
+                <a:lumOff val="40000"/>
+              </a:schemeClr>
+            </a:solidFill>
+            <a:tailEnd type="triangle"/>
+          </a:ln>
+        </p:spPr>
+        <p:style>
+          <a:lnRef idx="1">
+            <a:schemeClr val="accent1"/>
+          </a:lnRef>
+          <a:fillRef idx="0">
+            <a:schemeClr val="accent1"/>
+          </a:fillRef>
+          <a:effectRef idx="0">
+            <a:schemeClr val="accent1"/>
+          </a:effectRef>
+          <a:fontRef idx="minor">
+            <a:schemeClr val="tx1"/>
+          </a:fontRef>
+        </p:style>
+      </p:cxnSp>
+      <p:cxnSp>
+        <p:nvCxnSpPr>
+          <p:cNvPr id="16" name="Connecteur droit avec flèche 15">
+            <a:extLst>
+              <a:ext uri="{FF2B5EF4-FFF2-40B4-BE49-F238E27FC236}">
+                <a16:creationId xmlns:a16="http://schemas.microsoft.com/office/drawing/2014/main" id="{239787D1-1FCB-855A-4B94-EC820D0A7A84}"/>
+              </a:ext>
+            </a:extLst>
+          </p:cNvPr>
+          <p:cNvCxnSpPr/>
+          <p:nvPr/>
+        </p:nvCxnSpPr>
+        <p:spPr>
+          <a:xfrm>
+            <a:off x="4919753" y="2953512"/>
+            <a:ext cx="3227832" cy="0"/>
+          </a:xfrm>
+          <a:prstGeom prst="straightConnector1">
+            <a:avLst/>
+          </a:prstGeom>
+          <a:ln w="38100">
+            <a:solidFill>
+              <a:schemeClr val="accent2">
+                <a:lumMod val="60000"/>
+                <a:lumOff val="40000"/>
+              </a:schemeClr>
+            </a:solidFill>
+            <a:tailEnd type="triangle"/>
+          </a:ln>
+        </p:spPr>
+        <p:style>
+          <a:lnRef idx="1">
+            <a:schemeClr val="accent1"/>
+          </a:lnRef>
+          <a:fillRef idx="0">
+            <a:schemeClr val="accent1"/>
+          </a:fillRef>
+          <a:effectRef idx="0">
+            <a:schemeClr val="accent1"/>
+          </a:effectRef>
+          <a:fontRef idx="minor">
+            <a:schemeClr val="tx1"/>
+          </a:fontRef>
+        </p:style>
+      </p:cxnSp>
+      <p:sp>
+        <p:nvSpPr>
+          <p:cNvPr id="17" name="Espace réservé du numéro de diapositive 16">
+            <a:extLst>
+              <a:ext uri="{FF2B5EF4-FFF2-40B4-BE49-F238E27FC236}">
+                <a16:creationId xmlns:a16="http://schemas.microsoft.com/office/drawing/2014/main" id="{6B78B6EF-CC66-2D0B-36B2-C03BAFE9E60D}"/>
+              </a:ext>
+            </a:extLst>
+          </p:cNvPr>
+          <p:cNvSpPr>
+            <a:spLocks noGrp="1"/>
+          </p:cNvSpPr>
+          <p:nvPr>
+            <p:ph type="sldNum" sz="quarter" idx="12"/>
+          </p:nvPr>
+        </p:nvSpPr>
+        <p:spPr/>
+        <p:txBody>
+          <a:bodyPr/>
+          <a:lstStyle/>
+          <a:p>
+            <a:fld id="{21DC54FF-25FF-4E3C-8E95-B134956906F2}" type="slidenum">
+              <a:rPr lang="fr-FR" sz="4000" smtClean="0">
+                <a:solidFill>
+                  <a:schemeClr val="accent2">
+                    <a:lumMod val="50000"/>
+                  </a:schemeClr>
+                </a:solidFill>
+              </a:rPr>
+              <a:t>7</a:t>
+            </a:fld>
+            <a:endParaRPr lang="fr-FR" sz="4000" dirty="0">
+              <a:solidFill>
+                <a:schemeClr val="accent2">
+                  <a:lumMod val="50000"/>
+                </a:schemeClr>
+              </a:solidFill>
+            </a:endParaRPr>
           </a:p>
         </p:txBody>
       </p:sp>
@@ -7862,7 +10157,11 @@
           <a:lstStyle/>
           <a:p>
             <a:r>
-              <a:rPr lang="fr-FR" dirty="0"/>
+              <a:rPr lang="fr-FR" dirty="0">
+                <a:solidFill>
+                  <a:schemeClr val="accent4"/>
+                </a:solidFill>
+              </a:rPr>
               <a:t>3 Mise en œuvre</a:t>
             </a:r>
           </a:p>
@@ -7898,7 +10197,14 @@
               <a:buNone/>
             </a:pPr>
             <a:r>
-              <a:rPr lang="fr-FR" dirty="0"/>
+              <a:rPr lang="fr-FR" dirty="0">
+                <a:solidFill>
+                  <a:schemeClr val="accent2">
+                    <a:lumMod val="60000"/>
+                    <a:lumOff val="40000"/>
+                  </a:schemeClr>
+                </a:solidFill>
+              </a:rPr>
               <a:t>3.1 </a:t>
             </a:r>
           </a:p>
@@ -7907,7 +10213,14 @@
               <a:buNone/>
             </a:pPr>
             <a:r>
-              <a:rPr lang="fr-FR" dirty="0"/>
+              <a:rPr lang="fr-FR" dirty="0">
+                <a:solidFill>
+                  <a:schemeClr val="accent2">
+                    <a:lumMod val="60000"/>
+                    <a:lumOff val="40000"/>
+                  </a:schemeClr>
+                </a:solidFill>
+              </a:rPr>
               <a:t>Les Sujets Concrets et leur interface</a:t>
             </a:r>
           </a:p>
@@ -7949,6 +10262,47 @@
           </a:prstGeom>
         </p:spPr>
       </p:pic>
+      <p:sp>
+        <p:nvSpPr>
+          <p:cNvPr id="4" name="Espace réservé du numéro de diapositive 3">
+            <a:extLst>
+              <a:ext uri="{FF2B5EF4-FFF2-40B4-BE49-F238E27FC236}">
+                <a16:creationId xmlns:a16="http://schemas.microsoft.com/office/drawing/2014/main" id="{A847592C-7CC2-BC5B-443E-DEA1954F3EBF}"/>
+              </a:ext>
+            </a:extLst>
+          </p:cNvPr>
+          <p:cNvSpPr>
+            <a:spLocks noGrp="1"/>
+          </p:cNvSpPr>
+          <p:nvPr>
+            <p:ph type="sldNum" sz="quarter" idx="12"/>
+          </p:nvPr>
+        </p:nvSpPr>
+        <p:spPr/>
+        <p:txBody>
+          <a:bodyPr/>
+          <a:lstStyle/>
+          <a:p>
+            <a:fld id="{21DC54FF-25FF-4E3C-8E95-B134956906F2}" type="slidenum">
+              <a:rPr lang="fr-FR" sz="4000" smtClean="0">
+                <a:solidFill>
+                  <a:schemeClr val="accent2">
+                    <a:lumMod val="50000"/>
+                  </a:schemeClr>
+                </a:solidFill>
+              </a:rPr>
+              <a:t>8</a:t>
+            </a:fld>
+            <a:endParaRPr lang="fr-FR" sz="4000" dirty="0">
+              <a:solidFill>
+                <a:schemeClr val="accent2">
+                  <a:lumMod val="50000"/>
+                </a:schemeClr>
+              </a:solidFill>
+            </a:endParaRPr>
+          </a:p>
+        </p:txBody>
+      </p:sp>
     </p:spTree>
     <p:extLst>
       <p:ext uri="{BB962C8B-B14F-4D97-AF65-F5344CB8AC3E}">
@@ -8001,7 +10355,11 @@
           <a:lstStyle/>
           <a:p>
             <a:r>
-              <a:rPr lang="fr-FR" dirty="0"/>
+              <a:rPr lang="fr-FR" dirty="0">
+                <a:solidFill>
+                  <a:schemeClr val="accent4"/>
+                </a:solidFill>
+              </a:rPr>
               <a:t>3 Mise en œuvre</a:t>
             </a:r>
           </a:p>
@@ -8037,7 +10395,14 @@
               <a:buNone/>
             </a:pPr>
             <a:r>
-              <a:rPr lang="fr-FR" dirty="0"/>
+              <a:rPr lang="fr-FR" dirty="0">
+                <a:solidFill>
+                  <a:schemeClr val="accent2">
+                    <a:lumMod val="60000"/>
+                    <a:lumOff val="40000"/>
+                  </a:schemeClr>
+                </a:solidFill>
+              </a:rPr>
               <a:t>3.2 </a:t>
             </a:r>
           </a:p>
@@ -8046,7 +10411,14 @@
               <a:buNone/>
             </a:pPr>
             <a:r>
-              <a:rPr lang="fr-FR" dirty="0"/>
+              <a:rPr lang="fr-FR" dirty="0">
+                <a:solidFill>
+                  <a:schemeClr val="accent2">
+                    <a:lumMod val="60000"/>
+                    <a:lumOff val="40000"/>
+                  </a:schemeClr>
+                </a:solidFill>
+              </a:rPr>
               <a:t>Les observateurs concrets et leur interface</a:t>
             </a:r>
           </a:p>
@@ -8088,6 +10460,47 @@
           </a:prstGeom>
         </p:spPr>
       </p:pic>
+      <p:sp>
+        <p:nvSpPr>
+          <p:cNvPr id="4" name="Espace réservé du numéro de diapositive 3">
+            <a:extLst>
+              <a:ext uri="{FF2B5EF4-FFF2-40B4-BE49-F238E27FC236}">
+                <a16:creationId xmlns:a16="http://schemas.microsoft.com/office/drawing/2014/main" id="{0D671A2B-DA89-45A4-963B-EB44420E0D39}"/>
+              </a:ext>
+            </a:extLst>
+          </p:cNvPr>
+          <p:cNvSpPr>
+            <a:spLocks noGrp="1"/>
+          </p:cNvSpPr>
+          <p:nvPr>
+            <p:ph type="sldNum" sz="quarter" idx="12"/>
+          </p:nvPr>
+        </p:nvSpPr>
+        <p:spPr/>
+        <p:txBody>
+          <a:bodyPr/>
+          <a:lstStyle/>
+          <a:p>
+            <a:fld id="{21DC54FF-25FF-4E3C-8E95-B134956906F2}" type="slidenum">
+              <a:rPr lang="fr-FR" sz="4000" smtClean="0">
+                <a:solidFill>
+                  <a:schemeClr val="accent2">
+                    <a:lumMod val="50000"/>
+                  </a:schemeClr>
+                </a:solidFill>
+              </a:rPr>
+              <a:t>9</a:t>
+            </a:fld>
+            <a:endParaRPr lang="fr-FR" sz="4000" dirty="0">
+              <a:solidFill>
+                <a:schemeClr val="accent2">
+                  <a:lumMod val="50000"/>
+                </a:schemeClr>
+              </a:solidFill>
+            </a:endParaRPr>
+          </a:p>
+        </p:txBody>
+      </p:sp>
     </p:spTree>
     <p:extLst>
       <p:ext uri="{BB962C8B-B14F-4D97-AF65-F5344CB8AC3E}">
@@ -8394,4 +10807,299 @@
     </a:ext>
   </a:extLst>
 </a:theme>
+</file>
+
+<file path=ppt/theme/theme2.xml><?xml version="1.0" encoding="utf-8"?>
+<a:theme xmlns:a="http://schemas.openxmlformats.org/drawingml/2006/main" name="Thème Office">
+  <a:themeElements>
+    <a:clrScheme name="Office">
+      <a:dk1>
+        <a:sysClr val="windowText" lastClr="000000"/>
+      </a:dk1>
+      <a:lt1>
+        <a:sysClr val="window" lastClr="FFFFFF"/>
+      </a:lt1>
+      <a:dk2>
+        <a:srgbClr val="44546A"/>
+      </a:dk2>
+      <a:lt2>
+        <a:srgbClr val="E7E6E6"/>
+      </a:lt2>
+      <a:accent1>
+        <a:srgbClr val="4472C4"/>
+      </a:accent1>
+      <a:accent2>
+        <a:srgbClr val="ED7D31"/>
+      </a:accent2>
+      <a:accent3>
+        <a:srgbClr val="A5A5A5"/>
+      </a:accent3>
+      <a:accent4>
+        <a:srgbClr val="FFC000"/>
+      </a:accent4>
+      <a:accent5>
+        <a:srgbClr val="5B9BD5"/>
+      </a:accent5>
+      <a:accent6>
+        <a:srgbClr val="70AD47"/>
+      </a:accent6>
+      <a:hlink>
+        <a:srgbClr val="0563C1"/>
+      </a:hlink>
+      <a:folHlink>
+        <a:srgbClr val="954F72"/>
+      </a:folHlink>
+    </a:clrScheme>
+    <a:fontScheme name="Office">
+      <a:majorFont>
+        <a:latin typeface="Calibri Light" panose="020F0302020204030204"/>
+        <a:ea typeface=""/>
+        <a:cs typeface=""/>
+        <a:font script="Jpan" typeface="游ゴシック Light"/>
+        <a:font script="Hang" typeface="맑은 고딕"/>
+        <a:font script="Hans" typeface="等线 Light"/>
+        <a:font script="Hant" typeface="新細明體"/>
+        <a:font script="Arab" typeface="Times New Roman"/>
+        <a:font script="Hebr" typeface="Times New Roman"/>
+        <a:font script="Thai" typeface="Angsana New"/>
+        <a:font script="Ethi" typeface="Nyala"/>
+        <a:font script="Beng" typeface="Vrinda"/>
+        <a:font script="Gujr" typeface="Shruti"/>
+        <a:font script="Khmr" typeface="MoolBoran"/>
+        <a:font script="Knda" typeface="Tunga"/>
+        <a:font script="Guru" typeface="Raavi"/>
+        <a:font script="Cans" typeface="Euphemia"/>
+        <a:font script="Cher" typeface="Plantagenet Cherokee"/>
+        <a:font script="Yiii" typeface="Microsoft Yi Baiti"/>
+        <a:font script="Tibt" typeface="Microsoft Himalaya"/>
+        <a:font script="Thaa" typeface="MV Boli"/>
+        <a:font script="Deva" typeface="Mangal"/>
+        <a:font script="Telu" typeface="Gautami"/>
+        <a:font script="Taml" typeface="Latha"/>
+        <a:font script="Syrc" typeface="Estrangelo Edessa"/>
+        <a:font script="Orya" typeface="Kalinga"/>
+        <a:font script="Mlym" typeface="Kartika"/>
+        <a:font script="Laoo" typeface="DokChampa"/>
+        <a:font script="Sinh" typeface="Iskoola Pota"/>
+        <a:font script="Mong" typeface="Mongolian Baiti"/>
+        <a:font script="Viet" typeface="Times New Roman"/>
+        <a:font script="Uigh" typeface="Microsoft Uighur"/>
+        <a:font script="Geor" typeface="Sylfaen"/>
+        <a:font script="Armn" typeface="Arial"/>
+        <a:font script="Bugi" typeface="Leelawadee UI"/>
+        <a:font script="Bopo" typeface="Microsoft JhengHei"/>
+        <a:font script="Java" typeface="Javanese Text"/>
+        <a:font script="Lisu" typeface="Segoe UI"/>
+        <a:font script="Mymr" typeface="Myanmar Text"/>
+        <a:font script="Nkoo" typeface="Ebrima"/>
+        <a:font script="Olck" typeface="Nirmala UI"/>
+        <a:font script="Osma" typeface="Ebrima"/>
+        <a:font script="Phag" typeface="Phagspa"/>
+        <a:font script="Syrn" typeface="Estrangelo Edessa"/>
+        <a:font script="Syrj" typeface="Estrangelo Edessa"/>
+        <a:font script="Syre" typeface="Estrangelo Edessa"/>
+        <a:font script="Sora" typeface="Nirmala UI"/>
+        <a:font script="Tale" typeface="Microsoft Tai Le"/>
+        <a:font script="Talu" typeface="Microsoft New Tai Lue"/>
+        <a:font script="Tfng" typeface="Ebrima"/>
+      </a:majorFont>
+      <a:minorFont>
+        <a:latin typeface="Calibri" panose="020F0502020204030204"/>
+        <a:ea typeface=""/>
+        <a:cs typeface=""/>
+        <a:font script="Jpan" typeface="游ゴシック"/>
+        <a:font script="Hang" typeface="맑은 고딕"/>
+        <a:font script="Hans" typeface="等线"/>
+        <a:font script="Hant" typeface="新細明體"/>
+        <a:font script="Arab" typeface="Arial"/>
+        <a:font script="Hebr" typeface="Arial"/>
+        <a:font script="Thai" typeface="Cordia New"/>
+        <a:font script="Ethi" typeface="Nyala"/>
+        <a:font script="Beng" typeface="Vrinda"/>
+        <a:font script="Gujr" typeface="Shruti"/>
+        <a:font script="Khmr" typeface="DaunPenh"/>
+        <a:font script="Knda" typeface="Tunga"/>
+        <a:font script="Guru" typeface="Raavi"/>
+        <a:font script="Cans" typeface="Euphemia"/>
+        <a:font script="Cher" typeface="Plantagenet Cherokee"/>
+        <a:font script="Yiii" typeface="Microsoft Yi Baiti"/>
+        <a:font script="Tibt" typeface="Microsoft Himalaya"/>
+        <a:font script="Thaa" typeface="MV Boli"/>
+        <a:font script="Deva" typeface="Mangal"/>
+        <a:font script="Telu" typeface="Gautami"/>
+        <a:font script="Taml" typeface="Latha"/>
+        <a:font script="Syrc" typeface="Estrangelo Edessa"/>
+        <a:font script="Orya" typeface="Kalinga"/>
+        <a:font script="Mlym" typeface="Kartika"/>
+        <a:font script="Laoo" typeface="DokChampa"/>
+        <a:font script="Sinh" typeface="Iskoola Pota"/>
+        <a:font script="Mong" typeface="Mongolian Baiti"/>
+        <a:font script="Viet" typeface="Arial"/>
+        <a:font script="Uigh" typeface="Microsoft Uighur"/>
+        <a:font script="Geor" typeface="Sylfaen"/>
+        <a:font script="Armn" typeface="Arial"/>
+        <a:font script="Bugi" typeface="Leelawadee UI"/>
+        <a:font script="Bopo" typeface="Microsoft JhengHei"/>
+        <a:font script="Java" typeface="Javanese Text"/>
+        <a:font script="Lisu" typeface="Segoe UI"/>
+        <a:font script="Mymr" typeface="Myanmar Text"/>
+        <a:font script="Nkoo" typeface="Ebrima"/>
+        <a:font script="Olck" typeface="Nirmala UI"/>
+        <a:font script="Osma" typeface="Ebrima"/>
+        <a:font script="Phag" typeface="Phagspa"/>
+        <a:font script="Syrn" typeface="Estrangelo Edessa"/>
+        <a:font script="Syrj" typeface="Estrangelo Edessa"/>
+        <a:font script="Syre" typeface="Estrangelo Edessa"/>
+        <a:font script="Sora" typeface="Nirmala UI"/>
+        <a:font script="Tale" typeface="Microsoft Tai Le"/>
+        <a:font script="Talu" typeface="Microsoft New Tai Lue"/>
+        <a:font script="Tfng" typeface="Ebrima"/>
+      </a:minorFont>
+    </a:fontScheme>
+    <a:fmtScheme name="Office">
+      <a:fillStyleLst>
+        <a:solidFill>
+          <a:schemeClr val="phClr"/>
+        </a:solidFill>
+        <a:gradFill rotWithShape="1">
+          <a:gsLst>
+            <a:gs pos="0">
+              <a:schemeClr val="phClr">
+                <a:lumMod val="110000"/>
+                <a:satMod val="105000"/>
+                <a:tint val="67000"/>
+              </a:schemeClr>
+            </a:gs>
+            <a:gs pos="50000">
+              <a:schemeClr val="phClr">
+                <a:lumMod val="105000"/>
+                <a:satMod val="103000"/>
+                <a:tint val="73000"/>
+              </a:schemeClr>
+            </a:gs>
+            <a:gs pos="100000">
+              <a:schemeClr val="phClr">
+                <a:lumMod val="105000"/>
+                <a:satMod val="109000"/>
+                <a:tint val="81000"/>
+              </a:schemeClr>
+            </a:gs>
+          </a:gsLst>
+          <a:lin ang="5400000" scaled="0"/>
+        </a:gradFill>
+        <a:gradFill rotWithShape="1">
+          <a:gsLst>
+            <a:gs pos="0">
+              <a:schemeClr val="phClr">
+                <a:satMod val="103000"/>
+                <a:lumMod val="102000"/>
+                <a:tint val="94000"/>
+              </a:schemeClr>
+            </a:gs>
+            <a:gs pos="50000">
+              <a:schemeClr val="phClr">
+                <a:satMod val="110000"/>
+                <a:lumMod val="100000"/>
+                <a:shade val="100000"/>
+              </a:schemeClr>
+            </a:gs>
+            <a:gs pos="100000">
+              <a:schemeClr val="phClr">
+                <a:lumMod val="99000"/>
+                <a:satMod val="120000"/>
+                <a:shade val="78000"/>
+              </a:schemeClr>
+            </a:gs>
+          </a:gsLst>
+          <a:lin ang="5400000" scaled="0"/>
+        </a:gradFill>
+      </a:fillStyleLst>
+      <a:lnStyleLst>
+        <a:ln w="6350" cap="flat" cmpd="sng" algn="ctr">
+          <a:solidFill>
+            <a:schemeClr val="phClr"/>
+          </a:solidFill>
+          <a:prstDash val="solid"/>
+          <a:miter lim="800000"/>
+        </a:ln>
+        <a:ln w="12700" cap="flat" cmpd="sng" algn="ctr">
+          <a:solidFill>
+            <a:schemeClr val="phClr"/>
+          </a:solidFill>
+          <a:prstDash val="solid"/>
+          <a:miter lim="800000"/>
+        </a:ln>
+        <a:ln w="19050" cap="flat" cmpd="sng" algn="ctr">
+          <a:solidFill>
+            <a:schemeClr val="phClr"/>
+          </a:solidFill>
+          <a:prstDash val="solid"/>
+          <a:miter lim="800000"/>
+        </a:ln>
+      </a:lnStyleLst>
+      <a:effectStyleLst>
+        <a:effectStyle>
+          <a:effectLst/>
+        </a:effectStyle>
+        <a:effectStyle>
+          <a:effectLst/>
+        </a:effectStyle>
+        <a:effectStyle>
+          <a:effectLst>
+            <a:outerShdw blurRad="57150" dist="19050" dir="5400000" algn="ctr" rotWithShape="0">
+              <a:srgbClr val="000000">
+                <a:alpha val="63000"/>
+              </a:srgbClr>
+            </a:outerShdw>
+          </a:effectLst>
+        </a:effectStyle>
+      </a:effectStyleLst>
+      <a:bgFillStyleLst>
+        <a:solidFill>
+          <a:schemeClr val="phClr"/>
+        </a:solidFill>
+        <a:solidFill>
+          <a:schemeClr val="phClr">
+            <a:tint val="95000"/>
+            <a:satMod val="170000"/>
+          </a:schemeClr>
+        </a:solidFill>
+        <a:gradFill rotWithShape="1">
+          <a:gsLst>
+            <a:gs pos="0">
+              <a:schemeClr val="phClr">
+                <a:tint val="93000"/>
+                <a:satMod val="150000"/>
+                <a:shade val="98000"/>
+                <a:lumMod val="102000"/>
+              </a:schemeClr>
+            </a:gs>
+            <a:gs pos="50000">
+              <a:schemeClr val="phClr">
+                <a:tint val="98000"/>
+                <a:satMod val="130000"/>
+                <a:shade val="90000"/>
+                <a:lumMod val="103000"/>
+              </a:schemeClr>
+            </a:gs>
+            <a:gs pos="100000">
+              <a:schemeClr val="phClr">
+                <a:shade val="63000"/>
+                <a:satMod val="120000"/>
+              </a:schemeClr>
+            </a:gs>
+          </a:gsLst>
+          <a:lin ang="5400000" scaled="0"/>
+        </a:gradFill>
+      </a:bgFillStyleLst>
+    </a:fmtScheme>
+  </a:themeElements>
+  <a:objectDefaults/>
+  <a:extraClrSchemeLst/>
+  <a:extLst>
+    <a:ext uri="{05A4C25C-085E-4340-85A3-A5531E510DB2}">
+      <thm15:themeFamily xmlns:thm15="http://schemas.microsoft.com/office/thememl/2012/main" name="Office Theme" id="{62F939B6-93AF-4DB8-9C6B-D6C7DFDC589F}" vid="{4A3C46E8-61CC-4603-A589-7422A47A8E4A}"/>
+    </a:ext>
+  </a:extLst>
+</a:theme>
 </file>
--- a/106_DesignPattern/Cours/Observateur/Observateur.pptx
+++ b/106_DesignPattern/Cours/Observateur/Observateur.pptx
@@ -142,7 +142,7 @@
 <file path=ppt/revisionInfo.xml><?xml version="1.0" encoding="utf-8"?>
 <p1510:revInfo xmlns:a="http://schemas.openxmlformats.org/drawingml/2006/main" xmlns:r="http://schemas.openxmlformats.org/officeDocument/2006/relationships" xmlns:p1510="http://schemas.microsoft.com/office/powerpoint/2015/10/main">
   <p1510:revLst>
-    <p1510:client id="{FC976D47-49AC-41B6-B5F5-80E15325E9E0}" v="65" dt="2023-07-24T18:41:04.269"/>
+    <p1510:client id="{FC976D47-49AC-41B6-B5F5-80E15325E9E0}" v="69" dt="2023-07-24T19:04:20.525"/>
   </p1510:revLst>
 </p1510:revInfo>
 </file>
@@ -152,12 +152,12 @@
   <pc:docChgLst>
     <pc:chgData name="David CRAVO" userId="ba75d8fe6eadcc5e" providerId="LiveId" clId="{FC976D47-49AC-41B6-B5F5-80E15325E9E0}"/>
     <pc:docChg chg="undo custSel addSld delSld modSld modMainMaster">
-      <pc:chgData name="David CRAVO" userId="ba75d8fe6eadcc5e" providerId="LiveId" clId="{FC976D47-49AC-41B6-B5F5-80E15325E9E0}" dt="2023-07-24T18:41:15.136" v="1792" actId="14100"/>
+      <pc:chgData name="David CRAVO" userId="ba75d8fe6eadcc5e" providerId="LiveId" clId="{FC976D47-49AC-41B6-B5F5-80E15325E9E0}" dt="2023-07-24T19:04:33.327" v="1818" actId="1076"/>
       <pc:docMkLst>
         <pc:docMk/>
       </pc:docMkLst>
-      <pc:sldChg chg="addSp modSp mod setBg">
-        <pc:chgData name="David CRAVO" userId="ba75d8fe6eadcc5e" providerId="LiveId" clId="{FC976D47-49AC-41B6-B5F5-80E15325E9E0}" dt="2023-07-24T17:53:19.768" v="1701" actId="6549"/>
+      <pc:sldChg chg="addSp delSp modSp mod setBg">
+        <pc:chgData name="David CRAVO" userId="ba75d8fe6eadcc5e" providerId="LiveId" clId="{FC976D47-49AC-41B6-B5F5-80E15325E9E0}" dt="2023-07-24T19:04:33.327" v="1818" actId="1076"/>
         <pc:sldMkLst>
           <pc:docMk/>
           <pc:sldMk cId="142725393" sldId="256"/>
@@ -178,6 +178,30 @@
             <ac:spMk id="3" creationId="{BA90CF81-A798-F78F-6F46-7A9CBD42E2B0}"/>
           </ac:spMkLst>
         </pc:spChg>
+        <pc:picChg chg="add del mod">
+          <ac:chgData name="David CRAVO" userId="ba75d8fe6eadcc5e" providerId="LiveId" clId="{FC976D47-49AC-41B6-B5F5-80E15325E9E0}" dt="2023-07-24T19:04:02.913" v="1812" actId="478"/>
+          <ac:picMkLst>
+            <pc:docMk/>
+            <pc:sldMk cId="142725393" sldId="256"/>
+            <ac:picMk id="5" creationId="{F4F29226-0175-A6FB-5937-E11BDB762DCC}"/>
+          </ac:picMkLst>
+        </pc:picChg>
+        <pc:picChg chg="add del mod">
+          <ac:chgData name="David CRAVO" userId="ba75d8fe6eadcc5e" providerId="LiveId" clId="{FC976D47-49AC-41B6-B5F5-80E15325E9E0}" dt="2023-07-24T19:04:25.108" v="1816" actId="478"/>
+          <ac:picMkLst>
+            <pc:docMk/>
+            <pc:sldMk cId="142725393" sldId="256"/>
+            <ac:picMk id="7" creationId="{CD589385-55E3-2D3B-5D6E-69EAD922A85A}"/>
+          </ac:picMkLst>
+        </pc:picChg>
+        <pc:picChg chg="add mod">
+          <ac:chgData name="David CRAVO" userId="ba75d8fe6eadcc5e" providerId="LiveId" clId="{FC976D47-49AC-41B6-B5F5-80E15325E9E0}" dt="2023-07-24T19:04:33.327" v="1818" actId="1076"/>
+          <ac:picMkLst>
+            <pc:docMk/>
+            <pc:sldMk cId="142725393" sldId="256"/>
+            <ac:picMk id="9" creationId="{8FE82556-B999-9419-D915-A2AFEACCE67A}"/>
+          </ac:picMkLst>
+        </pc:picChg>
       </pc:sldChg>
       <pc:sldChg chg="del">
         <pc:chgData name="David CRAVO" userId="ba75d8fe6eadcc5e" providerId="LiveId" clId="{FC976D47-49AC-41B6-B5F5-80E15325E9E0}" dt="2023-07-21T10:53:12.507" v="45" actId="2696"/>
@@ -1315,7 +1339,7 @@
         </pc:spChg>
       </pc:sldChg>
       <pc:sldChg chg="addSp delSp modSp new mod">
-        <pc:chgData name="David CRAVO" userId="ba75d8fe6eadcc5e" providerId="LiveId" clId="{FC976D47-49AC-41B6-B5F5-80E15325E9E0}" dt="2023-07-24T18:02:11.482" v="1722" actId="478"/>
+        <pc:chgData name="David CRAVO" userId="ba75d8fe6eadcc5e" providerId="LiveId" clId="{FC976D47-49AC-41B6-B5F5-80E15325E9E0}" dt="2023-07-24T19:02:39.389" v="1803" actId="1076"/>
         <pc:sldMkLst>
           <pc:docMk/>
           <pc:sldMk cId="311947478" sldId="283"/>
@@ -1337,13 +1361,21 @@
           </ac:spMkLst>
         </pc:spChg>
         <pc:spChg chg="mod">
-          <ac:chgData name="David CRAVO" userId="ba75d8fe6eadcc5e" providerId="LiveId" clId="{FC976D47-49AC-41B6-B5F5-80E15325E9E0}" dt="2023-07-24T17:38:49.414" v="1628"/>
+          <ac:chgData name="David CRAVO" userId="ba75d8fe6eadcc5e" providerId="LiveId" clId="{FC976D47-49AC-41B6-B5F5-80E15325E9E0}" dt="2023-07-24T19:02:36.231" v="1802" actId="1076"/>
           <ac:spMkLst>
             <pc:docMk/>
             <pc:sldMk cId="311947478" sldId="283"/>
             <ac:spMk id="3" creationId="{6536ACD6-4078-43D7-7433-42C3EC9C8FA7}"/>
           </ac:spMkLst>
         </pc:spChg>
+        <pc:picChg chg="add mod">
+          <ac:chgData name="David CRAVO" userId="ba75d8fe6eadcc5e" providerId="LiveId" clId="{FC976D47-49AC-41B6-B5F5-80E15325E9E0}" dt="2023-07-24T19:02:23.677" v="1799" actId="1076"/>
+          <ac:picMkLst>
+            <pc:docMk/>
+            <pc:sldMk cId="311947478" sldId="283"/>
+            <ac:picMk id="4" creationId="{4D3ED15D-C62B-1F02-AC2E-1D89E0C4A095}"/>
+          </ac:picMkLst>
+        </pc:picChg>
         <pc:picChg chg="add del mod">
           <ac:chgData name="David CRAVO" userId="ba75d8fe6eadcc5e" providerId="LiveId" clId="{FC976D47-49AC-41B6-B5F5-80E15325E9E0}" dt="2023-07-22T15:27:52.659" v="1442" actId="478"/>
           <ac:picMkLst>
@@ -1353,7 +1385,7 @@
           </ac:picMkLst>
         </pc:picChg>
         <pc:picChg chg="add mod">
-          <ac:chgData name="David CRAVO" userId="ba75d8fe6eadcc5e" providerId="LiveId" clId="{FC976D47-49AC-41B6-B5F5-80E15325E9E0}" dt="2023-07-22T15:28:02.224" v="1447" actId="1076"/>
+          <ac:chgData name="David CRAVO" userId="ba75d8fe6eadcc5e" providerId="LiveId" clId="{FC976D47-49AC-41B6-B5F5-80E15325E9E0}" dt="2023-07-24T19:02:39.389" v="1803" actId="1076"/>
           <ac:picMkLst>
             <pc:docMk/>
             <pc:sldMk cId="311947478" sldId="283"/>
@@ -5081,6 +5113,42 @@
           </a:p>
         </p:txBody>
       </p:sp>
+      <p:pic>
+        <p:nvPicPr>
+          <p:cNvPr id="9" name="Image 8" descr="Une image contenant Police, cercle, Graphique, logo&#10;&#10;Description générée automatiquement">
+            <a:extLst>
+              <a:ext uri="{FF2B5EF4-FFF2-40B4-BE49-F238E27FC236}">
+                <a16:creationId xmlns:a16="http://schemas.microsoft.com/office/drawing/2014/main" id="{8FE82556-B999-9419-D915-A2AFEACCE67A}"/>
+              </a:ext>
+            </a:extLst>
+          </p:cNvPr>
+          <p:cNvPicPr>
+            <a:picLocks noChangeAspect="1"/>
+          </p:cNvPicPr>
+          <p:nvPr/>
+        </p:nvPicPr>
+        <p:blipFill>
+          <a:blip r:embed="rId3">
+            <a:extLst>
+              <a:ext uri="{28A0092B-C50C-407E-A947-70E740481C1C}">
+                <a14:useLocalDpi xmlns:a14="http://schemas.microsoft.com/office/drawing/2010/main" val="0"/>
+              </a:ext>
+            </a:extLst>
+          </a:blip>
+          <a:stretch>
+            <a:fillRect/>
+          </a:stretch>
+        </p:blipFill>
+        <p:spPr>
+          <a:xfrm>
+            <a:off x="10199146" y="4972844"/>
+            <a:ext cx="1510361" cy="1510361"/>
+          </a:xfrm>
+          <a:prstGeom prst="rect">
+            <a:avLst/>
+          </a:prstGeom>
+        </p:spPr>
+      </p:pic>
     </p:spTree>
     <p:extLst>
       <p:ext uri="{BB962C8B-B14F-4D97-AF65-F5344CB8AC3E}">
@@ -8218,8 +8286,8 @@
         </p:nvSpPr>
         <p:spPr>
           <a:xfrm>
-            <a:off x="838200" y="1825625"/>
-            <a:ext cx="10515600" cy="773196"/>
+            <a:off x="2667000" y="1041854"/>
+            <a:ext cx="6682273" cy="773196"/>
           </a:xfrm>
         </p:spPr>
         <p:txBody>
@@ -8266,8 +8334,44 @@
         </p:blipFill>
         <p:spPr>
           <a:xfrm>
-            <a:off x="7680659" y="2598821"/>
+            <a:off x="4460323" y="2568057"/>
             <a:ext cx="3095625" cy="3095625"/>
+          </a:xfrm>
+          <a:prstGeom prst="rect">
+            <a:avLst/>
+          </a:prstGeom>
+        </p:spPr>
+      </p:pic>
+      <p:pic>
+        <p:nvPicPr>
+          <p:cNvPr id="4" name="Image 3" descr="Une image contenant texte, capture d’écran, Police, Graphique&#10;&#10;Description générée automatiquement">
+            <a:extLst>
+              <a:ext uri="{FF2B5EF4-FFF2-40B4-BE49-F238E27FC236}">
+                <a16:creationId xmlns:a16="http://schemas.microsoft.com/office/drawing/2014/main" id="{4D3ED15D-C62B-1F02-AC2E-1D89E0C4A095}"/>
+              </a:ext>
+            </a:extLst>
+          </p:cNvPr>
+          <p:cNvPicPr>
+            <a:picLocks noChangeAspect="1"/>
+          </p:cNvPicPr>
+          <p:nvPr/>
+        </p:nvPicPr>
+        <p:blipFill>
+          <a:blip r:embed="rId3">
+            <a:extLst>
+              <a:ext uri="{28A0092B-C50C-407E-A947-70E740481C1C}">
+                <a14:useLocalDpi xmlns:a14="http://schemas.microsoft.com/office/drawing/2010/main" val="0"/>
+              </a:ext>
+            </a:extLst>
+          </a:blip>
+          <a:stretch>
+            <a:fillRect/>
+          </a:stretch>
+        </p:blipFill>
+        <p:spPr>
+          <a:xfrm>
+            <a:off x="10466557" y="4842587"/>
+            <a:ext cx="1432341" cy="1856792"/>
           </a:xfrm>
           <a:prstGeom prst="rect">
             <a:avLst/>

--- a/106_DesignPattern/Cours/Observateur/Observateur.pptx
+++ b/106_DesignPattern/Cours/Observateur/Observateur.pptx
@@ -1526,7 +1526,7 @@
           <a:p>
             <a:fld id="{1CE5E5F1-EE6C-4DDA-A64A-4A7E1B769C0F}" type="datetimeFigureOut">
               <a:rPr lang="fr-FR" smtClean="0"/>
-              <a:t>24/07/2023</a:t>
+              <a:t>25/07/2023</a:t>
             </a:fld>
             <a:endParaRPr lang="fr-FR"/>
           </a:p>
@@ -1940,7 +1940,7 @@
           <a:p>
             <a:fld id="{38B0C165-939D-4C2D-9542-B44F6E2825A5}" type="datetime1">
               <a:rPr lang="fr-FR" smtClean="0"/>
-              <a:t>24/07/2023</a:t>
+              <a:t>25/07/2023</a:t>
             </a:fld>
             <a:endParaRPr lang="fr-FR"/>
           </a:p>
@@ -2138,7 +2138,7 @@
           <a:p>
             <a:fld id="{4F9FC5AA-3FBC-4DAA-9217-D493E9F19B50}" type="datetime1">
               <a:rPr lang="fr-FR" smtClean="0"/>
-              <a:t>24/07/2023</a:t>
+              <a:t>25/07/2023</a:t>
             </a:fld>
             <a:endParaRPr lang="fr-FR"/>
           </a:p>
@@ -2346,7 +2346,7 @@
           <a:p>
             <a:fld id="{2DF99F6D-8482-4128-8FCA-8144767BE6C4}" type="datetime1">
               <a:rPr lang="fr-FR" smtClean="0"/>
-              <a:t>24/07/2023</a:t>
+              <a:t>25/07/2023</a:t>
             </a:fld>
             <a:endParaRPr lang="fr-FR"/>
           </a:p>
@@ -2544,7 +2544,7 @@
           <a:p>
             <a:fld id="{F0653D7C-1675-4C21-9257-3FD792C1F061}" type="datetime1">
               <a:rPr lang="fr-FR" smtClean="0"/>
-              <a:t>24/07/2023</a:t>
+              <a:t>25/07/2023</a:t>
             </a:fld>
             <a:endParaRPr lang="fr-FR"/>
           </a:p>
@@ -2819,7 +2819,7 @@
           <a:p>
             <a:fld id="{F9C30F9A-3224-4398-9514-FB6D3DC5456A}" type="datetime1">
               <a:rPr lang="fr-FR" smtClean="0"/>
-              <a:t>24/07/2023</a:t>
+              <a:t>25/07/2023</a:t>
             </a:fld>
             <a:endParaRPr lang="fr-FR"/>
           </a:p>
@@ -3084,7 +3084,7 @@
           <a:p>
             <a:fld id="{46D4C119-3DB6-4E1E-8216-07E9588BE929}" type="datetime1">
               <a:rPr lang="fr-FR" smtClean="0"/>
-              <a:t>24/07/2023</a:t>
+              <a:t>25/07/2023</a:t>
             </a:fld>
             <a:endParaRPr lang="fr-FR"/>
           </a:p>
@@ -3496,7 +3496,7 @@
           <a:p>
             <a:fld id="{1852BA5F-7A06-4AD9-937A-0FD19272026B}" type="datetime1">
               <a:rPr lang="fr-FR" smtClean="0"/>
-              <a:t>24/07/2023</a:t>
+              <a:t>25/07/2023</a:t>
             </a:fld>
             <a:endParaRPr lang="fr-FR"/>
           </a:p>
@@ -3637,7 +3637,7 @@
           <a:p>
             <a:fld id="{4FA24557-93DB-4E53-B9EE-2B01B9036448}" type="datetime1">
               <a:rPr lang="fr-FR" smtClean="0"/>
-              <a:t>24/07/2023</a:t>
+              <a:t>25/07/2023</a:t>
             </a:fld>
             <a:endParaRPr lang="fr-FR"/>
           </a:p>
@@ -3750,7 +3750,7 @@
           <a:p>
             <a:fld id="{D04DBBCD-B674-42DF-BB1A-61B10D8D62B1}" type="datetime1">
               <a:rPr lang="fr-FR" smtClean="0"/>
-              <a:t>24/07/2023</a:t>
+              <a:t>25/07/2023</a:t>
             </a:fld>
             <a:endParaRPr lang="fr-FR"/>
           </a:p>
@@ -4061,7 +4061,7 @@
           <a:p>
             <a:fld id="{FDA59FD7-7F80-4DBA-AE18-9F9D2F04883B}" type="datetime1">
               <a:rPr lang="fr-FR" smtClean="0"/>
-              <a:t>24/07/2023</a:t>
+              <a:t>25/07/2023</a:t>
             </a:fld>
             <a:endParaRPr lang="fr-FR"/>
           </a:p>
@@ -4349,7 +4349,7 @@
           <a:p>
             <a:fld id="{0CB3865D-A881-4B26-98D6-CFA577E18C24}" type="datetime1">
               <a:rPr lang="fr-FR" smtClean="0"/>
-              <a:t>24/07/2023</a:t>
+              <a:t>25/07/2023</a:t>
             </a:fld>
             <a:endParaRPr lang="fr-FR"/>
           </a:p>
@@ -4590,7 +4590,7 @@
           <a:p>
             <a:fld id="{8DD68F64-9063-4BFC-8B75-EB614AD88861}" type="datetime1">
               <a:rPr lang="fr-FR" smtClean="0"/>
-              <a:t>24/07/2023</a:t>
+              <a:t>25/07/2023</a:t>
             </a:fld>
             <a:endParaRPr lang="fr-FR"/>
           </a:p>
@@ -5984,10 +5984,10 @@
       </p:sp>
       <p:pic>
         <p:nvPicPr>
-          <p:cNvPr id="5" name="Image 4" descr="Une image contenant texte, capture d’écran, ligne, Police&#10;&#10;Description générée automatiquement">
-            <a:extLst>
-              <a:ext uri="{FF2B5EF4-FFF2-40B4-BE49-F238E27FC236}">
-                <a16:creationId xmlns:a16="http://schemas.microsoft.com/office/drawing/2014/main" id="{EF6620BC-D60D-C08D-5187-DECBD9E3EB95}"/>
+          <p:cNvPr id="7" name="Image 6" descr="Une image contenant texte, capture d’écran, ligne, Police&#10;&#10;Description générée automatiquement">
+            <a:extLst>
+              <a:ext uri="{FF2B5EF4-FFF2-40B4-BE49-F238E27FC236}">
+                <a16:creationId xmlns:a16="http://schemas.microsoft.com/office/drawing/2014/main" id="{97C8193F-3603-1FDB-FBD7-7FE48941053B}"/>
               </a:ext>
             </a:extLst>
           </p:cNvPr>
@@ -6010,8 +6010,8 @@
         </p:blipFill>
         <p:spPr>
           <a:xfrm>
-            <a:off x="597567" y="1819465"/>
-            <a:ext cx="11234367" cy="5046996"/>
+            <a:off x="437782" y="1819465"/>
+            <a:ext cx="11316435" cy="5038535"/>
           </a:xfrm>
           <a:prstGeom prst="rect">
             <a:avLst/>
@@ -10330,42 +10330,6 @@
           </a:p>
         </p:txBody>
       </p:sp>
-      <p:pic>
-        <p:nvPicPr>
-          <p:cNvPr id="5" name="Image 4">
-            <a:extLst>
-              <a:ext uri="{FF2B5EF4-FFF2-40B4-BE49-F238E27FC236}">
-                <a16:creationId xmlns:a16="http://schemas.microsoft.com/office/drawing/2014/main" id="{55331BB3-947F-C9C8-B1F1-B897F59AB759}"/>
-              </a:ext>
-            </a:extLst>
-          </p:cNvPr>
-          <p:cNvPicPr>
-            <a:picLocks noChangeAspect="1"/>
-          </p:cNvPicPr>
-          <p:nvPr/>
-        </p:nvPicPr>
-        <p:blipFill>
-          <a:blip r:embed="rId2">
-            <a:extLst>
-              <a:ext uri="{28A0092B-C50C-407E-A947-70E740481C1C}">
-                <a14:useLocalDpi xmlns:a14="http://schemas.microsoft.com/office/drawing/2010/main" val="0"/>
-              </a:ext>
-            </a:extLst>
-          </a:blip>
-          <a:stretch>
-            <a:fillRect/>
-          </a:stretch>
-        </p:blipFill>
-        <p:spPr>
-          <a:xfrm>
-            <a:off x="4537208" y="1690688"/>
-            <a:ext cx="4799297" cy="4545030"/>
-          </a:xfrm>
-          <a:prstGeom prst="rect">
-            <a:avLst/>
-          </a:prstGeom>
-        </p:spPr>
-      </p:pic>
       <p:sp>
         <p:nvSpPr>
           <p:cNvPr id="4" name="Espace réservé du numéro de diapositive 3">
@@ -10407,6 +10371,42 @@
           </a:p>
         </p:txBody>
       </p:sp>
+      <p:pic>
+        <p:nvPicPr>
+          <p:cNvPr id="7" name="Image 6" descr="Une image contenant texte, capture d’écran, Police, ligne&#10;&#10;Description générée automatiquement">
+            <a:extLst>
+              <a:ext uri="{FF2B5EF4-FFF2-40B4-BE49-F238E27FC236}">
+                <a16:creationId xmlns:a16="http://schemas.microsoft.com/office/drawing/2014/main" id="{AC38561D-9341-AD6B-5FC9-1A2BE032F373}"/>
+              </a:ext>
+            </a:extLst>
+          </p:cNvPr>
+          <p:cNvPicPr>
+            <a:picLocks noChangeAspect="1"/>
+          </p:cNvPicPr>
+          <p:nvPr/>
+        </p:nvPicPr>
+        <p:blipFill>
+          <a:blip r:embed="rId2">
+            <a:extLst>
+              <a:ext uri="{28A0092B-C50C-407E-A947-70E740481C1C}">
+                <a14:useLocalDpi xmlns:a14="http://schemas.microsoft.com/office/drawing/2010/main" val="0"/>
+              </a:ext>
+            </a:extLst>
+          </a:blip>
+          <a:stretch>
+            <a:fillRect/>
+          </a:stretch>
+        </p:blipFill>
+        <p:spPr>
+          <a:xfrm>
+            <a:off x="4716255" y="1825625"/>
+            <a:ext cx="4714071" cy="4380600"/>
+          </a:xfrm>
+          <a:prstGeom prst="rect">
+            <a:avLst/>
+          </a:prstGeom>
+        </p:spPr>
+      </p:pic>
     </p:spTree>
     <p:extLst>
       <p:ext uri="{BB962C8B-B14F-4D97-AF65-F5344CB8AC3E}">

--- a/106_DesignPattern/Cours/Observateur/Observateur.pptx
+++ b/106_DesignPattern/Cours/Observateur/Observateur.pptx
@@ -19,15 +19,15 @@
     <p:sldId id="268" r:id="rId10"/>
     <p:sldId id="269" r:id="rId11"/>
     <p:sldId id="270" r:id="rId12"/>
-    <p:sldId id="271" r:id="rId13"/>
-    <p:sldId id="272" r:id="rId14"/>
-    <p:sldId id="273" r:id="rId15"/>
-    <p:sldId id="274" r:id="rId16"/>
-    <p:sldId id="275" r:id="rId17"/>
-    <p:sldId id="276" r:id="rId18"/>
-    <p:sldId id="277" r:id="rId19"/>
-    <p:sldId id="278" r:id="rId20"/>
-    <p:sldId id="279" r:id="rId21"/>
+    <p:sldId id="272" r:id="rId13"/>
+    <p:sldId id="273" r:id="rId14"/>
+    <p:sldId id="274" r:id="rId15"/>
+    <p:sldId id="275" r:id="rId16"/>
+    <p:sldId id="276" r:id="rId17"/>
+    <p:sldId id="277" r:id="rId18"/>
+    <p:sldId id="278" r:id="rId19"/>
+    <p:sldId id="279" r:id="rId20"/>
+    <p:sldId id="285" r:id="rId21"/>
     <p:sldId id="280" r:id="rId22"/>
     <p:sldId id="281" r:id="rId23"/>
     <p:sldId id="284" r:id="rId24"/>
@@ -142,7 +142,7 @@
 <file path=ppt/revisionInfo.xml><?xml version="1.0" encoding="utf-8"?>
 <p1510:revInfo xmlns:a="http://schemas.openxmlformats.org/drawingml/2006/main" xmlns:r="http://schemas.openxmlformats.org/officeDocument/2006/relationships" xmlns:p1510="http://schemas.microsoft.com/office/powerpoint/2015/10/main">
   <p1510:revLst>
-    <p1510:client id="{FC976D47-49AC-41B6-B5F5-80E15325E9E0}" v="69" dt="2023-07-24T19:04:20.525"/>
+    <p1510:client id="{FC976D47-49AC-41B6-B5F5-80E15325E9E0}" v="92" dt="2023-07-25T17:35:49.438"/>
   </p1510:revLst>
 </p1510:revInfo>
 </file>
@@ -152,7 +152,7 @@
   <pc:docChgLst>
     <pc:chgData name="David CRAVO" userId="ba75d8fe6eadcc5e" providerId="LiveId" clId="{FC976D47-49AC-41B6-B5F5-80E15325E9E0}"/>
     <pc:docChg chg="undo custSel addSld delSld modSld modMainMaster">
-      <pc:chgData name="David CRAVO" userId="ba75d8fe6eadcc5e" providerId="LiveId" clId="{FC976D47-49AC-41B6-B5F5-80E15325E9E0}" dt="2023-07-24T19:04:33.327" v="1818" actId="1076"/>
+      <pc:chgData name="David CRAVO" userId="ba75d8fe6eadcc5e" providerId="LiveId" clId="{FC976D47-49AC-41B6-B5F5-80E15325E9E0}" dt="2023-07-25T17:35:56.048" v="1980" actId="1076"/>
       <pc:docMkLst>
         <pc:docMk/>
       </pc:docMkLst>
@@ -248,8 +248,8 @@
           </ac:spMkLst>
         </pc:spChg>
       </pc:sldChg>
-      <pc:sldChg chg="modSp mod">
-        <pc:chgData name="David CRAVO" userId="ba75d8fe6eadcc5e" providerId="LiveId" clId="{FC976D47-49AC-41B6-B5F5-80E15325E9E0}" dt="2023-07-24T18:00:50.910" v="1713" actId="207"/>
+      <pc:sldChg chg="addSp delSp modSp mod">
+        <pc:chgData name="David CRAVO" userId="ba75d8fe6eadcc5e" providerId="LiveId" clId="{FC976D47-49AC-41B6-B5F5-80E15325E9E0}" dt="2023-07-25T16:23:42.561" v="1904" actId="1076"/>
         <pc:sldMkLst>
           <pc:docMk/>
           <pc:sldMk cId="3001935333" sldId="261"/>
@@ -278,9 +278,25 @@
             <ac:spMk id="4" creationId="{E8B27CFB-FEB7-ACDE-0C0E-C8457A2DD1A2}"/>
           </ac:spMkLst>
         </pc:spChg>
+        <pc:picChg chg="add del mod">
+          <ac:chgData name="David CRAVO" userId="ba75d8fe6eadcc5e" providerId="LiveId" clId="{FC976D47-49AC-41B6-B5F5-80E15325E9E0}" dt="2023-07-25T16:23:33.027" v="1899" actId="478"/>
+          <ac:picMkLst>
+            <pc:docMk/>
+            <pc:sldMk cId="3001935333" sldId="261"/>
+            <ac:picMk id="6" creationId="{742DDF7B-21C0-B3F8-15C6-758CE3C40770}"/>
+          </ac:picMkLst>
+        </pc:picChg>
+        <pc:picChg chg="add mod">
+          <ac:chgData name="David CRAVO" userId="ba75d8fe6eadcc5e" providerId="LiveId" clId="{FC976D47-49AC-41B6-B5F5-80E15325E9E0}" dt="2023-07-25T16:23:42.561" v="1904" actId="1076"/>
+          <ac:picMkLst>
+            <pc:docMk/>
+            <pc:sldMk cId="3001935333" sldId="261"/>
+            <ac:picMk id="8" creationId="{93B1304A-6824-4D40-EEC8-13AE72DF4E9A}"/>
+          </ac:picMkLst>
+        </pc:picChg>
       </pc:sldChg>
-      <pc:sldChg chg="modSp mod">
-        <pc:chgData name="David CRAVO" userId="ba75d8fe6eadcc5e" providerId="LiveId" clId="{FC976D47-49AC-41B6-B5F5-80E15325E9E0}" dt="2023-07-24T18:01:07.716" v="1715" actId="207"/>
+      <pc:sldChg chg="addSp delSp modSp mod">
+        <pc:chgData name="David CRAVO" userId="ba75d8fe6eadcc5e" providerId="LiveId" clId="{FC976D47-49AC-41B6-B5F5-80E15325E9E0}" dt="2023-07-25T16:19:04.375" v="1893" actId="1076"/>
         <pc:sldMkLst>
           <pc:docMk/>
           <pc:sldMk cId="1326518591" sldId="262"/>
@@ -309,6 +325,22 @@
             <ac:spMk id="4" creationId="{B5444C56-EAAE-C959-1D0D-F2E7F1EA480F}"/>
           </ac:spMkLst>
         </pc:spChg>
+        <pc:picChg chg="add del mod">
+          <ac:chgData name="David CRAVO" userId="ba75d8fe6eadcc5e" providerId="LiveId" clId="{FC976D47-49AC-41B6-B5F5-80E15325E9E0}" dt="2023-07-25T16:17:09.771" v="1885" actId="478"/>
+          <ac:picMkLst>
+            <pc:docMk/>
+            <pc:sldMk cId="1326518591" sldId="262"/>
+            <ac:picMk id="6" creationId="{66411C56-7238-97D6-C294-F101C7B505DA}"/>
+          </ac:picMkLst>
+        </pc:picChg>
+        <pc:picChg chg="add mod">
+          <ac:chgData name="David CRAVO" userId="ba75d8fe6eadcc5e" providerId="LiveId" clId="{FC976D47-49AC-41B6-B5F5-80E15325E9E0}" dt="2023-07-25T16:19:04.375" v="1893" actId="1076"/>
+          <ac:picMkLst>
+            <pc:docMk/>
+            <pc:sldMk cId="1326518591" sldId="262"/>
+            <ac:picMk id="8" creationId="{BCD1875B-90C9-7A49-1E38-8376C90C442E}"/>
+          </ac:picMkLst>
+        </pc:picChg>
       </pc:sldChg>
       <pc:sldChg chg="modSp mod">
         <pc:chgData name="David CRAVO" userId="ba75d8fe6eadcc5e" providerId="LiveId" clId="{FC976D47-49AC-41B6-B5F5-80E15325E9E0}" dt="2023-07-24T18:01:18.655" v="1717" actId="207"/>
@@ -349,14 +381,14 @@
           </ac:picMkLst>
         </pc:picChg>
       </pc:sldChg>
-      <pc:sldChg chg="modSp mod">
-        <pc:chgData name="David CRAVO" userId="ba75d8fe6eadcc5e" providerId="LiveId" clId="{FC976D47-49AC-41B6-B5F5-80E15325E9E0}" dt="2023-07-24T18:01:28.777" v="1719" actId="255"/>
+      <pc:sldChg chg="addSp modSp mod">
+        <pc:chgData name="David CRAVO" userId="ba75d8fe6eadcc5e" providerId="LiveId" clId="{FC976D47-49AC-41B6-B5F5-80E15325E9E0}" dt="2023-07-25T17:25:45.790" v="1975" actId="1076"/>
         <pc:sldMkLst>
           <pc:docMk/>
           <pc:sldMk cId="2284254303" sldId="264"/>
         </pc:sldMkLst>
         <pc:spChg chg="mod">
-          <ac:chgData name="David CRAVO" userId="ba75d8fe6eadcc5e" providerId="LiveId" clId="{FC976D47-49AC-41B6-B5F5-80E15325E9E0}" dt="2023-07-24T17:38:49.414" v="1628"/>
+          <ac:chgData name="David CRAVO" userId="ba75d8fe6eadcc5e" providerId="LiveId" clId="{FC976D47-49AC-41B6-B5F5-80E15325E9E0}" dt="2023-07-25T17:17:12.941" v="1965" actId="1076"/>
           <ac:spMkLst>
             <pc:docMk/>
             <pc:sldMk cId="2284254303" sldId="264"/>
@@ -364,7 +396,7 @@
           </ac:spMkLst>
         </pc:spChg>
         <pc:spChg chg="mod">
-          <ac:chgData name="David CRAVO" userId="ba75d8fe6eadcc5e" providerId="LiveId" clId="{FC976D47-49AC-41B6-B5F5-80E15325E9E0}" dt="2023-07-24T17:41:10.270" v="1642" actId="1076"/>
+          <ac:chgData name="David CRAVO" userId="ba75d8fe6eadcc5e" providerId="LiveId" clId="{FC976D47-49AC-41B6-B5F5-80E15325E9E0}" dt="2023-07-25T17:25:45.790" v="1975" actId="1076"/>
           <ac:spMkLst>
             <pc:docMk/>
             <pc:sldMk cId="2284254303" sldId="264"/>
@@ -377,6 +409,38 @@
             <pc:docMk/>
             <pc:sldMk cId="2284254303" sldId="264"/>
             <ac:spMk id="4" creationId="{75203A03-4F1D-B685-D226-232939510004}"/>
+          </ac:spMkLst>
+        </pc:spChg>
+        <pc:spChg chg="add mod">
+          <ac:chgData name="David CRAVO" userId="ba75d8fe6eadcc5e" providerId="LiveId" clId="{FC976D47-49AC-41B6-B5F5-80E15325E9E0}" dt="2023-07-25T17:17:48.263" v="1969" actId="1076"/>
+          <ac:spMkLst>
+            <pc:docMk/>
+            <pc:sldMk cId="2284254303" sldId="264"/>
+            <ac:spMk id="5" creationId="{CD83372D-19CE-AF54-1EC0-8F40AAF4F3D3}"/>
+          </ac:spMkLst>
+        </pc:spChg>
+        <pc:spChg chg="add mod">
+          <ac:chgData name="David CRAVO" userId="ba75d8fe6eadcc5e" providerId="LiveId" clId="{FC976D47-49AC-41B6-B5F5-80E15325E9E0}" dt="2023-07-25T17:17:48.263" v="1969" actId="1076"/>
+          <ac:spMkLst>
+            <pc:docMk/>
+            <pc:sldMk cId="2284254303" sldId="264"/>
+            <ac:spMk id="6" creationId="{985AE79C-8E50-B1A1-4A48-FF89119A0C3F}"/>
+          </ac:spMkLst>
+        </pc:spChg>
+        <pc:spChg chg="add mod">
+          <ac:chgData name="David CRAVO" userId="ba75d8fe6eadcc5e" providerId="LiveId" clId="{FC976D47-49AC-41B6-B5F5-80E15325E9E0}" dt="2023-07-25T17:18:55.713" v="1973" actId="1076"/>
+          <ac:spMkLst>
+            <pc:docMk/>
+            <pc:sldMk cId="2284254303" sldId="264"/>
+            <ac:spMk id="7" creationId="{87BD8FB4-5A87-97D0-495F-675E890D5660}"/>
+          </ac:spMkLst>
+        </pc:spChg>
+        <pc:spChg chg="add mod">
+          <ac:chgData name="David CRAVO" userId="ba75d8fe6eadcc5e" providerId="LiveId" clId="{FC976D47-49AC-41B6-B5F5-80E15325E9E0}" dt="2023-07-25T17:18:55.713" v="1973" actId="1076"/>
+          <ac:spMkLst>
+            <pc:docMk/>
+            <pc:sldMk cId="2284254303" sldId="264"/>
+            <ac:spMk id="8" creationId="{C8A25B94-C96A-CCB9-308E-14341ADA67E3}"/>
           </ac:spMkLst>
         </pc:spChg>
       </pc:sldChg>
@@ -823,8 +887,8 @@
           </ac:picMkLst>
         </pc:picChg>
       </pc:sldChg>
-      <pc:sldChg chg="modSp new mod">
-        <pc:chgData name="David CRAVO" userId="ba75d8fe6eadcc5e" providerId="LiveId" clId="{FC976D47-49AC-41B6-B5F5-80E15325E9E0}" dt="2023-07-24T18:04:25.472" v="1748" actId="207"/>
+      <pc:sldChg chg="addSp delSp modSp new mod">
+        <pc:chgData name="David CRAVO" userId="ba75d8fe6eadcc5e" providerId="LiveId" clId="{FC976D47-49AC-41B6-B5F5-80E15325E9E0}" dt="2023-07-25T16:40:27.615" v="1955" actId="1076"/>
         <pc:sldMkLst>
           <pc:docMk/>
           <pc:sldMk cId="1753282832" sldId="270"/>
@@ -838,7 +902,7 @@
           </ac:spMkLst>
         </pc:spChg>
         <pc:spChg chg="mod">
-          <ac:chgData name="David CRAVO" userId="ba75d8fe6eadcc5e" providerId="LiveId" clId="{FC976D47-49AC-41B6-B5F5-80E15325E9E0}" dt="2023-07-24T17:42:24.676" v="1652" actId="207"/>
+          <ac:chgData name="David CRAVO" userId="ba75d8fe6eadcc5e" providerId="LiveId" clId="{FC976D47-49AC-41B6-B5F5-80E15325E9E0}" dt="2023-07-25T16:40:00.270" v="1947" actId="1076"/>
           <ac:spMkLst>
             <pc:docMk/>
             <pc:sldMk cId="1753282832" sldId="270"/>
@@ -853,9 +917,41 @@
             <ac:spMk id="4" creationId="{93FA5F33-5A4D-C3AE-5004-2265B5C42E94}"/>
           </ac:spMkLst>
         </pc:spChg>
+        <pc:spChg chg="add mod">
+          <ac:chgData name="David CRAVO" userId="ba75d8fe6eadcc5e" providerId="LiveId" clId="{FC976D47-49AC-41B6-B5F5-80E15325E9E0}" dt="2023-07-25T16:40:10.373" v="1951" actId="27636"/>
+          <ac:spMkLst>
+            <pc:docMk/>
+            <pc:sldMk cId="1753282832" sldId="270"/>
+            <ac:spMk id="9" creationId="{849F35FB-94A7-1171-4617-802B90A98C45}"/>
+          </ac:spMkLst>
+        </pc:spChg>
+        <pc:picChg chg="add del mod">
+          <ac:chgData name="David CRAVO" userId="ba75d8fe6eadcc5e" providerId="LiveId" clId="{FC976D47-49AC-41B6-B5F5-80E15325E9E0}" dt="2023-07-25T16:27:47.884" v="1911" actId="478"/>
+          <ac:picMkLst>
+            <pc:docMk/>
+            <pc:sldMk cId="1753282832" sldId="270"/>
+            <ac:picMk id="6" creationId="{057C88E9-3264-35AE-4F57-B74CBBF6F611}"/>
+          </ac:picMkLst>
+        </pc:picChg>
+        <pc:picChg chg="add mod">
+          <ac:chgData name="David CRAVO" userId="ba75d8fe6eadcc5e" providerId="LiveId" clId="{FC976D47-49AC-41B6-B5F5-80E15325E9E0}" dt="2023-07-25T16:39:55.877" v="1946" actId="1076"/>
+          <ac:picMkLst>
+            <pc:docMk/>
+            <pc:sldMk cId="1753282832" sldId="270"/>
+            <ac:picMk id="8" creationId="{49411BB3-11FA-ED41-53B0-40D3078E72FE}"/>
+          </ac:picMkLst>
+        </pc:picChg>
+        <pc:picChg chg="add mod">
+          <ac:chgData name="David CRAVO" userId="ba75d8fe6eadcc5e" providerId="LiveId" clId="{FC976D47-49AC-41B6-B5F5-80E15325E9E0}" dt="2023-07-25T16:40:27.615" v="1955" actId="1076"/>
+          <ac:picMkLst>
+            <pc:docMk/>
+            <pc:sldMk cId="1753282832" sldId="270"/>
+            <ac:picMk id="10" creationId="{E7F498D1-D127-40C1-F655-A53B9FB76174}"/>
+          </ac:picMkLst>
+        </pc:picChg>
       </pc:sldChg>
-      <pc:sldChg chg="modSp new mod">
-        <pc:chgData name="David CRAVO" userId="ba75d8fe6eadcc5e" providerId="LiveId" clId="{FC976D47-49AC-41B6-B5F5-80E15325E9E0}" dt="2023-07-24T18:04:16.228" v="1746" actId="255"/>
+      <pc:sldChg chg="addSp modSp new del mod">
+        <pc:chgData name="David CRAVO" userId="ba75d8fe6eadcc5e" providerId="LiveId" clId="{FC976D47-49AC-41B6-B5F5-80E15325E9E0}" dt="2023-07-25T16:40:51.346" v="1956" actId="2696"/>
         <pc:sldMkLst>
           <pc:docMk/>
           <pc:sldMk cId="3732024924" sldId="271"/>
@@ -869,7 +965,7 @@
           </ac:spMkLst>
         </pc:spChg>
         <pc:spChg chg="mod">
-          <ac:chgData name="David CRAVO" userId="ba75d8fe6eadcc5e" providerId="LiveId" clId="{FC976D47-49AC-41B6-B5F5-80E15325E9E0}" dt="2023-07-24T17:42:28.794" v="1653" actId="207"/>
+          <ac:chgData name="David CRAVO" userId="ba75d8fe6eadcc5e" providerId="LiveId" clId="{FC976D47-49AC-41B6-B5F5-80E15325E9E0}" dt="2023-07-25T16:28:36.018" v="1919" actId="962"/>
           <ac:spMkLst>
             <pc:docMk/>
             <pc:sldMk cId="3732024924" sldId="271"/>
@@ -884,9 +980,17 @@
             <ac:spMk id="4" creationId="{A4B3641D-1A69-A1CA-A8AB-E138372676A2}"/>
           </ac:spMkLst>
         </pc:spChg>
+        <pc:picChg chg="add mod">
+          <ac:chgData name="David CRAVO" userId="ba75d8fe6eadcc5e" providerId="LiveId" clId="{FC976D47-49AC-41B6-B5F5-80E15325E9E0}" dt="2023-07-25T16:29:02.505" v="1921" actId="1076"/>
+          <ac:picMkLst>
+            <pc:docMk/>
+            <pc:sldMk cId="3732024924" sldId="271"/>
+            <ac:picMk id="6" creationId="{09F48871-7E04-6819-08BB-5C68E1A4B90A}"/>
+          </ac:picMkLst>
+        </pc:picChg>
       </pc:sldChg>
-      <pc:sldChg chg="modSp new mod">
-        <pc:chgData name="David CRAVO" userId="ba75d8fe6eadcc5e" providerId="LiveId" clId="{FC976D47-49AC-41B6-B5F5-80E15325E9E0}" dt="2023-07-24T18:04:08.629" v="1744" actId="207"/>
+      <pc:sldChg chg="addSp modSp new mod">
+        <pc:chgData name="David CRAVO" userId="ba75d8fe6eadcc5e" providerId="LiveId" clId="{FC976D47-49AC-41B6-B5F5-80E15325E9E0}" dt="2023-07-25T16:31:17.973" v="1934" actId="1076"/>
         <pc:sldMkLst>
           <pc:docMk/>
           <pc:sldMk cId="413943743" sldId="272"/>
@@ -899,8 +1003,8 @@
             <ac:spMk id="2" creationId="{2D26FE8B-6444-0394-663B-BDA96175BC6E}"/>
           </ac:spMkLst>
         </pc:spChg>
-        <pc:spChg chg="mod">
-          <ac:chgData name="David CRAVO" userId="ba75d8fe6eadcc5e" providerId="LiveId" clId="{FC976D47-49AC-41B6-B5F5-80E15325E9E0}" dt="2023-07-24T17:42:32.500" v="1654" actId="207"/>
+        <pc:spChg chg="mod ord">
+          <ac:chgData name="David CRAVO" userId="ba75d8fe6eadcc5e" providerId="LiveId" clId="{FC976D47-49AC-41B6-B5F5-80E15325E9E0}" dt="2023-07-25T16:31:09.840" v="1931" actId="167"/>
           <ac:spMkLst>
             <pc:docMk/>
             <pc:sldMk cId="413943743" sldId="272"/>
@@ -915,6 +1019,14 @@
             <ac:spMk id="4" creationId="{773EA483-1E24-EE94-1A4D-7D5790C1C17F}"/>
           </ac:spMkLst>
         </pc:spChg>
+        <pc:picChg chg="add mod ord">
+          <ac:chgData name="David CRAVO" userId="ba75d8fe6eadcc5e" providerId="LiveId" clId="{FC976D47-49AC-41B6-B5F5-80E15325E9E0}" dt="2023-07-25T16:31:17.973" v="1934" actId="1076"/>
+          <ac:picMkLst>
+            <pc:docMk/>
+            <pc:sldMk cId="413943743" sldId="272"/>
+            <ac:picMk id="6" creationId="{91FC6DF8-4C7B-4783-5797-5FF3C3020F8F}"/>
+          </ac:picMkLst>
+        </pc:picChg>
       </pc:sldChg>
       <pc:sldChg chg="addSp modSp new mod">
         <pc:chgData name="David CRAVO" userId="ba75d8fe6eadcc5e" providerId="LiveId" clId="{FC976D47-49AC-41B6-B5F5-80E15325E9E0}" dt="2023-07-24T18:04:01.378" v="1742" actId="255"/>
@@ -1034,7 +1146,7 @@
         </pc:picChg>
       </pc:sldChg>
       <pc:sldChg chg="addSp modSp new mod">
-        <pc:chgData name="David CRAVO" userId="ba75d8fe6eadcc5e" providerId="LiveId" clId="{FC976D47-49AC-41B6-B5F5-80E15325E9E0}" dt="2023-07-24T18:03:26.008" v="1736" actId="255"/>
+        <pc:chgData name="David CRAVO" userId="ba75d8fe6eadcc5e" providerId="LiveId" clId="{FC976D47-49AC-41B6-B5F5-80E15325E9E0}" dt="2023-07-25T16:12:20.189" v="1881" actId="14100"/>
         <pc:sldMkLst>
           <pc:docMk/>
           <pc:sldMk cId="1614750927" sldId="276"/>
@@ -1064,7 +1176,7 @@
           </ac:spMkLst>
         </pc:spChg>
         <pc:picChg chg="add mod">
-          <ac:chgData name="David CRAVO" userId="ba75d8fe6eadcc5e" providerId="LiveId" clId="{FC976D47-49AC-41B6-B5F5-80E15325E9E0}" dt="2023-07-22T15:00:11.238" v="876" actId="962"/>
+          <ac:chgData name="David CRAVO" userId="ba75d8fe6eadcc5e" providerId="LiveId" clId="{FC976D47-49AC-41B6-B5F5-80E15325E9E0}" dt="2023-07-25T16:12:20.189" v="1881" actId="14100"/>
           <ac:picMkLst>
             <pc:docMk/>
             <pc:sldMk cId="1614750927" sldId="276"/>
@@ -1158,8 +1270,8 @@
           </ac:picMkLst>
         </pc:picChg>
       </pc:sldChg>
-      <pc:sldChg chg="addSp modSp new mod">
-        <pc:chgData name="David CRAVO" userId="ba75d8fe6eadcc5e" providerId="LiveId" clId="{FC976D47-49AC-41B6-B5F5-80E15325E9E0}" dt="2023-07-24T18:07:34.739" v="1754" actId="14100"/>
+      <pc:sldChg chg="addSp delSp modSp new mod">
+        <pc:chgData name="David CRAVO" userId="ba75d8fe6eadcc5e" providerId="LiveId" clId="{FC976D47-49AC-41B6-B5F5-80E15325E9E0}" dt="2023-07-25T15:49:27.381" v="1864" actId="14100"/>
         <pc:sldMkLst>
           <pc:docMk/>
           <pc:sldMk cId="394326024" sldId="279"/>
@@ -1188,20 +1300,44 @@
             <ac:spMk id="4" creationId="{E31C6AA6-8FB8-E1C5-FA96-1421E6B2BD27}"/>
           </ac:spMkLst>
         </pc:spChg>
-        <pc:picChg chg="add mod">
-          <ac:chgData name="David CRAVO" userId="ba75d8fe6eadcc5e" providerId="LiveId" clId="{FC976D47-49AC-41B6-B5F5-80E15325E9E0}" dt="2023-07-24T17:43:50.404" v="1664" actId="14100"/>
+        <pc:picChg chg="add del mod">
+          <ac:chgData name="David CRAVO" userId="ba75d8fe6eadcc5e" providerId="LiveId" clId="{FC976D47-49AC-41B6-B5F5-80E15325E9E0}" dt="2023-07-25T15:24:58.260" v="1823" actId="478"/>
           <ac:picMkLst>
             <pc:docMk/>
             <pc:sldMk cId="394326024" sldId="279"/>
             <ac:picMk id="5" creationId="{D1026E9E-85FD-332C-AE8E-F4D2FA1BAFBD}"/>
           </ac:picMkLst>
         </pc:picChg>
-        <pc:picChg chg="add mod">
-          <ac:chgData name="David CRAVO" userId="ba75d8fe6eadcc5e" providerId="LiveId" clId="{FC976D47-49AC-41B6-B5F5-80E15325E9E0}" dt="2023-07-24T18:07:34.739" v="1754" actId="14100"/>
+        <pc:picChg chg="add del mod">
+          <ac:chgData name="David CRAVO" userId="ba75d8fe6eadcc5e" providerId="LiveId" clId="{FC976D47-49AC-41B6-B5F5-80E15325E9E0}" dt="2023-07-25T15:31:41.250" v="1829" actId="478"/>
           <ac:picMkLst>
             <pc:docMk/>
             <pc:sldMk cId="394326024" sldId="279"/>
             <ac:picMk id="7" creationId="{B9254C10-395C-F883-26F9-68C4E5449CB5}"/>
+          </ac:picMkLst>
+        </pc:picChg>
+        <pc:picChg chg="add del mod">
+          <ac:chgData name="David CRAVO" userId="ba75d8fe6eadcc5e" providerId="LiveId" clId="{FC976D47-49AC-41B6-B5F5-80E15325E9E0}" dt="2023-07-25T15:48:47.087" v="1859" actId="478"/>
+          <ac:picMkLst>
+            <pc:docMk/>
+            <pc:sldMk cId="394326024" sldId="279"/>
+            <ac:picMk id="8" creationId="{32369384-8A61-CFE2-FA5D-F6A5FCBD8D52}"/>
+          </ac:picMkLst>
+        </pc:picChg>
+        <pc:picChg chg="add mod">
+          <ac:chgData name="David CRAVO" userId="ba75d8fe6eadcc5e" providerId="LiveId" clId="{FC976D47-49AC-41B6-B5F5-80E15325E9E0}" dt="2023-07-25T15:32:11.965" v="1836" actId="14100"/>
+          <ac:picMkLst>
+            <pc:docMk/>
+            <pc:sldMk cId="394326024" sldId="279"/>
+            <ac:picMk id="10" creationId="{94D4ED18-807F-5B71-DCBB-67875129CC08}"/>
+          </ac:picMkLst>
+        </pc:picChg>
+        <pc:picChg chg="add mod">
+          <ac:chgData name="David CRAVO" userId="ba75d8fe6eadcc5e" providerId="LiveId" clId="{FC976D47-49AC-41B6-B5F5-80E15325E9E0}" dt="2023-07-25T15:49:27.381" v="1864" actId="14100"/>
+          <ac:picMkLst>
+            <pc:docMk/>
+            <pc:sldMk cId="394326024" sldId="279"/>
+            <ac:picMk id="12" creationId="{0CBF60BF-F4EC-17B3-94CF-CC9F8346CC87}"/>
           </ac:picMkLst>
         </pc:picChg>
       </pc:sldChg>
@@ -1260,8 +1396,8 @@
           </ac:picMkLst>
         </pc:picChg>
       </pc:sldChg>
-      <pc:sldChg chg="addSp modSp new mod">
-        <pc:chgData name="David CRAVO" userId="ba75d8fe6eadcc5e" providerId="LiveId" clId="{FC976D47-49AC-41B6-B5F5-80E15325E9E0}" dt="2023-07-24T18:02:29.743" v="1726" actId="207"/>
+      <pc:sldChg chg="addSp delSp modSp new mod">
+        <pc:chgData name="David CRAVO" userId="ba75d8fe6eadcc5e" providerId="LiveId" clId="{FC976D47-49AC-41B6-B5F5-80E15325E9E0}" dt="2023-07-25T17:35:56.048" v="1980" actId="1076"/>
         <pc:sldMkLst>
           <pc:docMk/>
           <pc:sldMk cId="311578122" sldId="281"/>
@@ -1298,12 +1434,20 @@
             <ac:picMk id="5" creationId="{8ACB776A-B2A0-0592-D609-B0CD5F13FB3A}"/>
           </ac:picMkLst>
         </pc:picChg>
-        <pc:picChg chg="add mod">
-          <ac:chgData name="David CRAVO" userId="ba75d8fe6eadcc5e" providerId="LiveId" clId="{FC976D47-49AC-41B6-B5F5-80E15325E9E0}" dt="2023-07-24T17:24:22.516" v="1558" actId="14100"/>
+        <pc:picChg chg="add del mod">
+          <ac:chgData name="David CRAVO" userId="ba75d8fe6eadcc5e" providerId="LiveId" clId="{FC976D47-49AC-41B6-B5F5-80E15325E9E0}" dt="2023-07-25T17:35:26.685" v="1976" actId="478"/>
           <ac:picMkLst>
             <pc:docMk/>
             <pc:sldMk cId="311578122" sldId="281"/>
             <ac:picMk id="7" creationId="{60346234-A7E7-B5EE-97A1-2DC5A2F3EC55}"/>
+          </ac:picMkLst>
+        </pc:picChg>
+        <pc:picChg chg="add mod">
+          <ac:chgData name="David CRAVO" userId="ba75d8fe6eadcc5e" providerId="LiveId" clId="{FC976D47-49AC-41B6-B5F5-80E15325E9E0}" dt="2023-07-25T17:35:56.048" v="1980" actId="1076"/>
+          <ac:picMkLst>
+            <pc:docMk/>
+            <pc:sldMk cId="311578122" sldId="281"/>
+            <ac:picMk id="8" creationId="{7A9165EB-784B-20CC-2F5F-515F0517F508}"/>
           </ac:picMkLst>
         </pc:picChg>
       </pc:sldChg>
@@ -1339,7 +1483,7 @@
         </pc:spChg>
       </pc:sldChg>
       <pc:sldChg chg="addSp delSp modSp new mod">
-        <pc:chgData name="David CRAVO" userId="ba75d8fe6eadcc5e" providerId="LiveId" clId="{FC976D47-49AC-41B6-B5F5-80E15325E9E0}" dt="2023-07-24T19:02:39.389" v="1803" actId="1076"/>
+        <pc:chgData name="David CRAVO" userId="ba75d8fe6eadcc5e" providerId="LiveId" clId="{FC976D47-49AC-41B6-B5F5-80E15325E9E0}" dt="2023-07-25T16:36:58.030" v="1937" actId="14100"/>
         <pc:sldMkLst>
           <pc:docMk/>
           <pc:sldMk cId="311947478" sldId="283"/>
@@ -1369,7 +1513,7 @@
           </ac:spMkLst>
         </pc:spChg>
         <pc:picChg chg="add mod">
-          <ac:chgData name="David CRAVO" userId="ba75d8fe6eadcc5e" providerId="LiveId" clId="{FC976D47-49AC-41B6-B5F5-80E15325E9E0}" dt="2023-07-24T19:02:23.677" v="1799" actId="1076"/>
+          <ac:chgData name="David CRAVO" userId="ba75d8fe6eadcc5e" providerId="LiveId" clId="{FC976D47-49AC-41B6-B5F5-80E15325E9E0}" dt="2023-07-25T16:36:58.030" v="1937" actId="14100"/>
           <ac:picMkLst>
             <pc:docMk/>
             <pc:sldMk cId="311947478" sldId="283"/>
@@ -1385,7 +1529,7 @@
           </ac:picMkLst>
         </pc:picChg>
         <pc:picChg chg="add mod">
-          <ac:chgData name="David CRAVO" userId="ba75d8fe6eadcc5e" providerId="LiveId" clId="{FC976D47-49AC-41B6-B5F5-80E15325E9E0}" dt="2023-07-24T19:02:39.389" v="1803" actId="1076"/>
+          <ac:chgData name="David CRAVO" userId="ba75d8fe6eadcc5e" providerId="LiveId" clId="{FC976D47-49AC-41B6-B5F5-80E15325E9E0}" dt="2023-07-25T16:36:49.963" v="1935" actId="1076"/>
           <ac:picMkLst>
             <pc:docMk/>
             <pc:sldMk cId="311947478" sldId="283"/>
@@ -1393,8 +1537,8 @@
           </ac:picMkLst>
         </pc:picChg>
       </pc:sldChg>
-      <pc:sldChg chg="addSp modSp new mod">
-        <pc:chgData name="David CRAVO" userId="ba75d8fe6eadcc5e" providerId="LiveId" clId="{FC976D47-49AC-41B6-B5F5-80E15325E9E0}" dt="2023-07-24T18:41:15.136" v="1792" actId="14100"/>
+      <pc:sldChg chg="addSp delSp modSp new mod">
+        <pc:chgData name="David CRAVO" userId="ba75d8fe6eadcc5e" providerId="LiveId" clId="{FC976D47-49AC-41B6-B5F5-80E15325E9E0}" dt="2023-07-25T15:51:23.699" v="1879" actId="255"/>
         <pc:sldMkLst>
           <pc:docMk/>
           <pc:sldMk cId="2409160448" sldId="284"/>
@@ -1415,8 +1559,16 @@
             <ac:spMk id="3" creationId="{AD5B25AE-D833-A29A-3D3F-E74B4375E808}"/>
           </ac:spMkLst>
         </pc:spChg>
-        <pc:picChg chg="add mod">
-          <ac:chgData name="David CRAVO" userId="ba75d8fe6eadcc5e" providerId="LiveId" clId="{FC976D47-49AC-41B6-B5F5-80E15325E9E0}" dt="2023-07-24T18:40:49.516" v="1789" actId="14100"/>
+        <pc:spChg chg="mod">
+          <ac:chgData name="David CRAVO" userId="ba75d8fe6eadcc5e" providerId="LiveId" clId="{FC976D47-49AC-41B6-B5F5-80E15325E9E0}" dt="2023-07-25T15:51:23.699" v="1879" actId="255"/>
+          <ac:spMkLst>
+            <pc:docMk/>
+            <pc:sldMk cId="2409160448" sldId="284"/>
+            <ac:spMk id="4" creationId="{31183620-F160-4606-B69F-0ED291529D95}"/>
+          </ac:spMkLst>
+        </pc:spChg>
+        <pc:picChg chg="add del mod">
+          <ac:chgData name="David CRAVO" userId="ba75d8fe6eadcc5e" providerId="LiveId" clId="{FC976D47-49AC-41B6-B5F5-80E15325E9E0}" dt="2023-07-25T15:50:16.042" v="1865" actId="478"/>
           <ac:picMkLst>
             <pc:docMk/>
             <pc:sldMk cId="2409160448" sldId="284"/>
@@ -1424,11 +1576,114 @@
           </ac:picMkLst>
         </pc:picChg>
         <pc:picChg chg="add mod">
-          <ac:chgData name="David CRAVO" userId="ba75d8fe6eadcc5e" providerId="LiveId" clId="{FC976D47-49AC-41B6-B5F5-80E15325E9E0}" dt="2023-07-24T18:41:15.136" v="1792" actId="14100"/>
+          <ac:chgData name="David CRAVO" userId="ba75d8fe6eadcc5e" providerId="LiveId" clId="{FC976D47-49AC-41B6-B5F5-80E15325E9E0}" dt="2023-07-25T15:50:31.816" v="1871" actId="14100"/>
+          <ac:picMkLst>
+            <pc:docMk/>
+            <pc:sldMk cId="2409160448" sldId="284"/>
+            <ac:picMk id="7" creationId="{CC25BBB1-1179-7E84-7E80-5E508E75DD75}"/>
+          </ac:picMkLst>
+        </pc:picChg>
+        <pc:picChg chg="add del mod">
+          <ac:chgData name="David CRAVO" userId="ba75d8fe6eadcc5e" providerId="LiveId" clId="{FC976D47-49AC-41B6-B5F5-80E15325E9E0}" dt="2023-07-25T15:50:17.221" v="1866" actId="478"/>
           <ac:picMkLst>
             <pc:docMk/>
             <pc:sldMk cId="2409160448" sldId="284"/>
             <ac:picMk id="8" creationId="{BA1F0E50-5B65-7A93-E5B1-D9DFEB702903}"/>
+          </ac:picMkLst>
+        </pc:picChg>
+        <pc:picChg chg="add mod">
+          <ac:chgData name="David CRAVO" userId="ba75d8fe6eadcc5e" providerId="LiveId" clId="{FC976D47-49AC-41B6-B5F5-80E15325E9E0}" dt="2023-07-25T15:51:03.570" v="1877" actId="14100"/>
+          <ac:picMkLst>
+            <pc:docMk/>
+            <pc:sldMk cId="2409160448" sldId="284"/>
+            <ac:picMk id="10" creationId="{49008B04-B977-F596-B3C4-F1FD54C3902B}"/>
+          </ac:picMkLst>
+        </pc:picChg>
+        <pc:picChg chg="add del mod">
+          <ac:chgData name="David CRAVO" userId="ba75d8fe6eadcc5e" providerId="LiveId" clId="{FC976D47-49AC-41B6-B5F5-80E15325E9E0}" dt="2023-07-25T15:50:50.288" v="1875" actId="478"/>
+          <ac:picMkLst>
+            <pc:docMk/>
+            <pc:sldMk cId="2409160448" sldId="284"/>
+            <ac:picMk id="12" creationId="{29C4B7C6-8FA6-0246-5DB7-1876083763FB}"/>
+          </ac:picMkLst>
+        </pc:picChg>
+        <pc:picChg chg="add del mod">
+          <ac:chgData name="David CRAVO" userId="ba75d8fe6eadcc5e" providerId="LiveId" clId="{FC976D47-49AC-41B6-B5F5-80E15325E9E0}" dt="2023-07-25T15:50:49.285" v="1874" actId="478"/>
+          <ac:picMkLst>
+            <pc:docMk/>
+            <pc:sldMk cId="2409160448" sldId="284"/>
+            <ac:picMk id="14" creationId="{77C6896F-D110-1FDC-F91B-E3F01998012D}"/>
+          </ac:picMkLst>
+        </pc:picChg>
+        <pc:picChg chg="add del mod">
+          <ac:chgData name="David CRAVO" userId="ba75d8fe6eadcc5e" providerId="LiveId" clId="{FC976D47-49AC-41B6-B5F5-80E15325E9E0}" dt="2023-07-25T15:50:48.083" v="1873" actId="478"/>
+          <ac:picMkLst>
+            <pc:docMk/>
+            <pc:sldMk cId="2409160448" sldId="284"/>
+            <ac:picMk id="16" creationId="{1D17F9CE-2691-0CCC-102C-0BDF265FD1B9}"/>
+          </ac:picMkLst>
+        </pc:picChg>
+      </pc:sldChg>
+      <pc:sldChg chg="addSp delSp modSp new mod">
+        <pc:chgData name="David CRAVO" userId="ba75d8fe6eadcc5e" providerId="LiveId" clId="{FC976D47-49AC-41B6-B5F5-80E15325E9E0}" dt="2023-07-25T15:48:36.518" v="1858" actId="1076"/>
+        <pc:sldMkLst>
+          <pc:docMk/>
+          <pc:sldMk cId="304474121" sldId="285"/>
+        </pc:sldMkLst>
+        <pc:spChg chg="del">
+          <ac:chgData name="David CRAVO" userId="ba75d8fe6eadcc5e" providerId="LiveId" clId="{FC976D47-49AC-41B6-B5F5-80E15325E9E0}" dt="2023-07-25T15:32:54.569" v="1839" actId="478"/>
+          <ac:spMkLst>
+            <pc:docMk/>
+            <pc:sldMk cId="304474121" sldId="285"/>
+            <ac:spMk id="2" creationId="{827DBC4A-066B-7B25-369B-B163857AD5AF}"/>
+          </ac:spMkLst>
+        </pc:spChg>
+        <pc:spChg chg="del">
+          <ac:chgData name="David CRAVO" userId="ba75d8fe6eadcc5e" providerId="LiveId" clId="{FC976D47-49AC-41B6-B5F5-80E15325E9E0}" dt="2023-07-25T15:32:55.610" v="1840" actId="478"/>
+          <ac:spMkLst>
+            <pc:docMk/>
+            <pc:sldMk cId="304474121" sldId="285"/>
+            <ac:spMk id="3" creationId="{D459E3CA-140D-D228-C706-0E4A462E2070}"/>
+          </ac:spMkLst>
+        </pc:spChg>
+        <pc:spChg chg="add mod">
+          <ac:chgData name="David CRAVO" userId="ba75d8fe6eadcc5e" providerId="LiveId" clId="{FC976D47-49AC-41B6-B5F5-80E15325E9E0}" dt="2023-07-25T15:33:06.139" v="1841"/>
+          <ac:spMkLst>
+            <pc:docMk/>
+            <pc:sldMk cId="304474121" sldId="285"/>
+            <ac:spMk id="5" creationId="{86EBD5FD-D57F-3AAF-1FED-E6A8F44295B4}"/>
+          </ac:spMkLst>
+        </pc:spChg>
+        <pc:spChg chg="add mod">
+          <ac:chgData name="David CRAVO" userId="ba75d8fe6eadcc5e" providerId="LiveId" clId="{FC976D47-49AC-41B6-B5F5-80E15325E9E0}" dt="2023-07-25T15:33:17.082" v="1842"/>
+          <ac:spMkLst>
+            <pc:docMk/>
+            <pc:sldMk cId="304474121" sldId="285"/>
+            <ac:spMk id="6" creationId="{7FB8F5C2-B094-3BFA-CDA6-C82481939D5A}"/>
+          </ac:spMkLst>
+        </pc:spChg>
+        <pc:picChg chg="add del mod">
+          <ac:chgData name="David CRAVO" userId="ba75d8fe6eadcc5e" providerId="LiveId" clId="{FC976D47-49AC-41B6-B5F5-80E15325E9E0}" dt="2023-07-25T15:47:53.485" v="1851" actId="478"/>
+          <ac:picMkLst>
+            <pc:docMk/>
+            <pc:sldMk cId="304474121" sldId="285"/>
+            <ac:picMk id="7" creationId="{82242A52-A626-FBD1-3FA6-A6D297E00071}"/>
+          </ac:picMkLst>
+        </pc:picChg>
+        <pc:picChg chg="add mod">
+          <ac:chgData name="David CRAVO" userId="ba75d8fe6eadcc5e" providerId="LiveId" clId="{FC976D47-49AC-41B6-B5F5-80E15325E9E0}" dt="2023-07-25T15:33:54.108" v="1850" actId="14100"/>
+          <ac:picMkLst>
+            <pc:docMk/>
+            <pc:sldMk cId="304474121" sldId="285"/>
+            <ac:picMk id="9" creationId="{6115B710-2EF0-A5F8-4833-0459BFDC6469}"/>
+          </ac:picMkLst>
+        </pc:picChg>
+        <pc:picChg chg="add mod">
+          <ac:chgData name="David CRAVO" userId="ba75d8fe6eadcc5e" providerId="LiveId" clId="{FC976D47-49AC-41B6-B5F5-80E15325E9E0}" dt="2023-07-25T15:48:36.518" v="1858" actId="1076"/>
+          <ac:picMkLst>
+            <pc:docMk/>
+            <pc:sldMk cId="304474121" sldId="285"/>
+            <ac:picMk id="11" creationId="{3A00D666-6D87-043F-F116-4034E1CCF8AD}"/>
           </ac:picMkLst>
         </pc:picChg>
       </pc:sldChg>
@@ -5413,8 +5668,8 @@
         </p:nvSpPr>
         <p:spPr>
           <a:xfrm>
-            <a:off x="838200" y="1454923"/>
-            <a:ext cx="10515600" cy="4351338"/>
+            <a:off x="4742688" y="1604865"/>
+            <a:ext cx="5068824" cy="2184389"/>
           </a:xfrm>
         </p:spPr>
         <p:txBody>
@@ -5506,6 +5761,305 @@
           </a:p>
         </p:txBody>
       </p:sp>
+      <p:pic>
+        <p:nvPicPr>
+          <p:cNvPr id="8" name="Image 7" descr="Une image contenant logo, clipart, Graphique, conception&#10;&#10;Description générée automatiquement">
+            <a:extLst>
+              <a:ext uri="{FF2B5EF4-FFF2-40B4-BE49-F238E27FC236}">
+                <a16:creationId xmlns:a16="http://schemas.microsoft.com/office/drawing/2014/main" id="{49411BB3-11FA-ED41-53B0-40D3078E72FE}"/>
+              </a:ext>
+            </a:extLst>
+          </p:cNvPr>
+          <p:cNvPicPr>
+            <a:picLocks noChangeAspect="1"/>
+          </p:cNvPicPr>
+          <p:nvPr/>
+        </p:nvPicPr>
+        <p:blipFill>
+          <a:blip r:embed="rId2">
+            <a:extLst>
+              <a:ext uri="{28A0092B-C50C-407E-A947-70E740481C1C}">
+                <a14:useLocalDpi xmlns:a14="http://schemas.microsoft.com/office/drawing/2010/main" val="0"/>
+              </a:ext>
+            </a:extLst>
+          </a:blip>
+          <a:stretch>
+            <a:fillRect/>
+          </a:stretch>
+        </p:blipFill>
+        <p:spPr>
+          <a:xfrm>
+            <a:off x="1728216" y="1604865"/>
+            <a:ext cx="1880616" cy="1880616"/>
+          </a:xfrm>
+          <a:prstGeom prst="rect">
+            <a:avLst/>
+          </a:prstGeom>
+        </p:spPr>
+      </p:pic>
+      <p:sp>
+        <p:nvSpPr>
+          <p:cNvPr id="9" name="Espace réservé du contenu 2">
+            <a:extLst>
+              <a:ext uri="{FF2B5EF4-FFF2-40B4-BE49-F238E27FC236}">
+                <a16:creationId xmlns:a16="http://schemas.microsoft.com/office/drawing/2014/main" id="{849F35FB-94A7-1171-4617-802B90A98C45}"/>
+              </a:ext>
+            </a:extLst>
+          </p:cNvPr>
+          <p:cNvSpPr txBox="1">
+            <a:spLocks/>
+          </p:cNvSpPr>
+          <p:nvPr/>
+        </p:nvSpPr>
+        <p:spPr>
+          <a:xfrm>
+            <a:off x="838200" y="4224528"/>
+            <a:ext cx="5257800" cy="1880616"/>
+          </a:xfrm>
+          <a:prstGeom prst="rect">
+            <a:avLst/>
+          </a:prstGeom>
+        </p:spPr>
+        <p:txBody>
+          <a:bodyPr vert="horz" lIns="91440" tIns="45720" rIns="91440" bIns="45720" rtlCol="0">
+            <a:normAutofit lnSpcReduction="10000"/>
+          </a:bodyPr>
+          <a:lstStyle>
+            <a:lvl1pPr marL="228600" indent="-228600" algn="l" defTabSz="914400" rtl="0" eaLnBrk="1" latinLnBrk="0" hangingPunct="1">
+              <a:lnSpc>
+                <a:spcPct val="90000"/>
+              </a:lnSpc>
+              <a:spcBef>
+                <a:spcPts val="1000"/>
+              </a:spcBef>
+              <a:buFont typeface="Arial" panose="020B0604020202020204" pitchFamily="34" charset="0"/>
+              <a:buChar char="•"/>
+              <a:defRPr sz="2800" kern="1200">
+                <a:solidFill>
+                  <a:schemeClr val="tx1"/>
+                </a:solidFill>
+                <a:latin typeface="+mn-lt"/>
+                <a:ea typeface="+mn-ea"/>
+                <a:cs typeface="+mn-cs"/>
+              </a:defRPr>
+            </a:lvl1pPr>
+            <a:lvl2pPr marL="685800" indent="-228600" algn="l" defTabSz="914400" rtl="0" eaLnBrk="1" latinLnBrk="0" hangingPunct="1">
+              <a:lnSpc>
+                <a:spcPct val="90000"/>
+              </a:lnSpc>
+              <a:spcBef>
+                <a:spcPts val="500"/>
+              </a:spcBef>
+              <a:buFont typeface="Arial" panose="020B0604020202020204" pitchFamily="34" charset="0"/>
+              <a:buChar char="•"/>
+              <a:defRPr sz="2400" kern="1200">
+                <a:solidFill>
+                  <a:schemeClr val="tx1"/>
+                </a:solidFill>
+                <a:latin typeface="+mn-lt"/>
+                <a:ea typeface="+mn-ea"/>
+                <a:cs typeface="+mn-cs"/>
+              </a:defRPr>
+            </a:lvl2pPr>
+            <a:lvl3pPr marL="1143000" indent="-228600" algn="l" defTabSz="914400" rtl="0" eaLnBrk="1" latinLnBrk="0" hangingPunct="1">
+              <a:lnSpc>
+                <a:spcPct val="90000"/>
+              </a:lnSpc>
+              <a:spcBef>
+                <a:spcPts val="500"/>
+              </a:spcBef>
+              <a:buFont typeface="Arial" panose="020B0604020202020204" pitchFamily="34" charset="0"/>
+              <a:buChar char="•"/>
+              <a:defRPr sz="2000" kern="1200">
+                <a:solidFill>
+                  <a:schemeClr val="tx1"/>
+                </a:solidFill>
+                <a:latin typeface="+mn-lt"/>
+                <a:ea typeface="+mn-ea"/>
+                <a:cs typeface="+mn-cs"/>
+              </a:defRPr>
+            </a:lvl3pPr>
+            <a:lvl4pPr marL="1600200" indent="-228600" algn="l" defTabSz="914400" rtl="0" eaLnBrk="1" latinLnBrk="0" hangingPunct="1">
+              <a:lnSpc>
+                <a:spcPct val="90000"/>
+              </a:lnSpc>
+              <a:spcBef>
+                <a:spcPts val="500"/>
+              </a:spcBef>
+              <a:buFont typeface="Arial" panose="020B0604020202020204" pitchFamily="34" charset="0"/>
+              <a:buChar char="•"/>
+              <a:defRPr sz="1800" kern="1200">
+                <a:solidFill>
+                  <a:schemeClr val="tx1"/>
+                </a:solidFill>
+                <a:latin typeface="+mn-lt"/>
+                <a:ea typeface="+mn-ea"/>
+                <a:cs typeface="+mn-cs"/>
+              </a:defRPr>
+            </a:lvl4pPr>
+            <a:lvl5pPr marL="2057400" indent="-228600" algn="l" defTabSz="914400" rtl="0" eaLnBrk="1" latinLnBrk="0" hangingPunct="1">
+              <a:lnSpc>
+                <a:spcPct val="90000"/>
+              </a:lnSpc>
+              <a:spcBef>
+                <a:spcPts val="500"/>
+              </a:spcBef>
+              <a:buFont typeface="Arial" panose="020B0604020202020204" pitchFamily="34" charset="0"/>
+              <a:buChar char="•"/>
+              <a:defRPr sz="1800" kern="1200">
+                <a:solidFill>
+                  <a:schemeClr val="tx1"/>
+                </a:solidFill>
+                <a:latin typeface="+mn-lt"/>
+                <a:ea typeface="+mn-ea"/>
+                <a:cs typeface="+mn-cs"/>
+              </a:defRPr>
+            </a:lvl5pPr>
+            <a:lvl6pPr marL="2514600" indent="-228600" algn="l" defTabSz="914400" rtl="0" eaLnBrk="1" latinLnBrk="0" hangingPunct="1">
+              <a:lnSpc>
+                <a:spcPct val="90000"/>
+              </a:lnSpc>
+              <a:spcBef>
+                <a:spcPts val="500"/>
+              </a:spcBef>
+              <a:buFont typeface="Arial" panose="020B0604020202020204" pitchFamily="34" charset="0"/>
+              <a:buChar char="•"/>
+              <a:defRPr sz="1800" kern="1200">
+                <a:solidFill>
+                  <a:schemeClr val="tx1"/>
+                </a:solidFill>
+                <a:latin typeface="+mn-lt"/>
+                <a:ea typeface="+mn-ea"/>
+                <a:cs typeface="+mn-cs"/>
+              </a:defRPr>
+            </a:lvl6pPr>
+            <a:lvl7pPr marL="2971800" indent="-228600" algn="l" defTabSz="914400" rtl="0" eaLnBrk="1" latinLnBrk="0" hangingPunct="1">
+              <a:lnSpc>
+                <a:spcPct val="90000"/>
+              </a:lnSpc>
+              <a:spcBef>
+                <a:spcPts val="500"/>
+              </a:spcBef>
+              <a:buFont typeface="Arial" panose="020B0604020202020204" pitchFamily="34" charset="0"/>
+              <a:buChar char="•"/>
+              <a:defRPr sz="1800" kern="1200">
+                <a:solidFill>
+                  <a:schemeClr val="tx1"/>
+                </a:solidFill>
+                <a:latin typeface="+mn-lt"/>
+                <a:ea typeface="+mn-ea"/>
+                <a:cs typeface="+mn-cs"/>
+              </a:defRPr>
+            </a:lvl7pPr>
+            <a:lvl8pPr marL="3429000" indent="-228600" algn="l" defTabSz="914400" rtl="0" eaLnBrk="1" latinLnBrk="0" hangingPunct="1">
+              <a:lnSpc>
+                <a:spcPct val="90000"/>
+              </a:lnSpc>
+              <a:spcBef>
+                <a:spcPts val="500"/>
+              </a:spcBef>
+              <a:buFont typeface="Arial" panose="020B0604020202020204" pitchFamily="34" charset="0"/>
+              <a:buChar char="•"/>
+              <a:defRPr sz="1800" kern="1200">
+                <a:solidFill>
+                  <a:schemeClr val="tx1"/>
+                </a:solidFill>
+                <a:latin typeface="+mn-lt"/>
+                <a:ea typeface="+mn-ea"/>
+                <a:cs typeface="+mn-cs"/>
+              </a:defRPr>
+            </a:lvl8pPr>
+            <a:lvl9pPr marL="3886200" indent="-228600" algn="l" defTabSz="914400" rtl="0" eaLnBrk="1" latinLnBrk="0" hangingPunct="1">
+              <a:lnSpc>
+                <a:spcPct val="90000"/>
+              </a:lnSpc>
+              <a:spcBef>
+                <a:spcPts val="500"/>
+              </a:spcBef>
+              <a:buFont typeface="Arial" panose="020B0604020202020204" pitchFamily="34" charset="0"/>
+              <a:buChar char="•"/>
+              <a:defRPr sz="1800" kern="1200">
+                <a:solidFill>
+                  <a:schemeClr val="tx1"/>
+                </a:solidFill>
+                <a:latin typeface="+mn-lt"/>
+                <a:ea typeface="+mn-ea"/>
+                <a:cs typeface="+mn-cs"/>
+              </a:defRPr>
+            </a:lvl9pPr>
+          </a:lstStyle>
+          <a:p>
+            <a:pPr marL="0" indent="0">
+              <a:buFont typeface="Arial" panose="020B0604020202020204" pitchFamily="34" charset="0"/>
+              <a:buNone/>
+            </a:pPr>
+            <a:r>
+              <a:rPr lang="fr-FR" dirty="0">
+                <a:solidFill>
+                  <a:schemeClr val="accent2">
+                    <a:lumMod val="60000"/>
+                    <a:lumOff val="40000"/>
+                  </a:schemeClr>
+                </a:solidFill>
+              </a:rPr>
+              <a:t>4.2 Inconvénients</a:t>
+            </a:r>
+          </a:p>
+          <a:p>
+            <a:pPr marL="0" indent="0">
+              <a:buFont typeface="Arial" panose="020B0604020202020204" pitchFamily="34" charset="0"/>
+              <a:buNone/>
+            </a:pPr>
+            <a:endParaRPr lang="fr-FR" dirty="0"/>
+          </a:p>
+          <a:p>
+            <a:pPr marL="0" indent="0">
+              <a:buFont typeface="Arial" panose="020B0604020202020204" pitchFamily="34" charset="0"/>
+              <a:buNone/>
+            </a:pPr>
+            <a:r>
+              <a:rPr lang="fr-FR" dirty="0"/>
+              <a:t>Les souscripteurs sont avertis dans un ordre aléatoire.</a:t>
+            </a:r>
+          </a:p>
+        </p:txBody>
+      </p:sp>
+      <p:pic>
+        <p:nvPicPr>
+          <p:cNvPr id="10" name="Image 9" descr="Une image contenant logo, clipart, Graphique, symbole&#10;&#10;Description générée automatiquement">
+            <a:extLst>
+              <a:ext uri="{FF2B5EF4-FFF2-40B4-BE49-F238E27FC236}">
+                <a16:creationId xmlns:a16="http://schemas.microsoft.com/office/drawing/2014/main" id="{E7F498D1-D127-40C1-F655-A53B9FB76174}"/>
+              </a:ext>
+            </a:extLst>
+          </p:cNvPr>
+          <p:cNvPicPr>
+            <a:picLocks noChangeAspect="1"/>
+          </p:cNvPicPr>
+          <p:nvPr/>
+        </p:nvPicPr>
+        <p:blipFill>
+          <a:blip r:embed="rId3">
+            <a:extLst>
+              <a:ext uri="{28A0092B-C50C-407E-A947-70E740481C1C}">
+                <a14:useLocalDpi xmlns:a14="http://schemas.microsoft.com/office/drawing/2010/main" val="0"/>
+              </a:ext>
+            </a:extLst>
+          </a:blip>
+          <a:stretch>
+            <a:fillRect/>
+          </a:stretch>
+        </p:blipFill>
+        <p:spPr>
+          <a:xfrm>
+            <a:off x="7564374" y="4143309"/>
+            <a:ext cx="1961835" cy="1961835"/>
+          </a:xfrm>
+          <a:prstGeom prst="rect">
+            <a:avLst/>
+          </a:prstGeom>
+        </p:spPr>
+      </p:pic>
     </p:spTree>
     <p:extLst>
       <p:ext uri="{BB962C8B-B14F-4D97-AF65-F5344CB8AC3E}">
@@ -5538,42 +6092,10 @@
       </p:grpSpPr>
       <p:sp>
         <p:nvSpPr>
-          <p:cNvPr id="2" name="Titre 1">
-            <a:extLst>
-              <a:ext uri="{FF2B5EF4-FFF2-40B4-BE49-F238E27FC236}">
-                <a16:creationId xmlns:a16="http://schemas.microsoft.com/office/drawing/2014/main" id="{52A8397D-D85C-0650-B503-45576EA12E04}"/>
-              </a:ext>
-            </a:extLst>
-          </p:cNvPr>
-          <p:cNvSpPr>
-            <a:spLocks noGrp="1"/>
-          </p:cNvSpPr>
-          <p:nvPr>
-            <p:ph type="title"/>
-          </p:nvPr>
-        </p:nvSpPr>
-        <p:spPr/>
-        <p:txBody>
-          <a:bodyPr/>
-          <a:lstStyle/>
-          <a:p>
-            <a:r>
-              <a:rPr lang="fr-FR" dirty="0">
-                <a:solidFill>
-                  <a:schemeClr val="accent4"/>
-                </a:solidFill>
-              </a:rPr>
-              <a:t>4 Avantages et inconvénients</a:t>
-            </a:r>
-          </a:p>
-        </p:txBody>
-      </p:sp>
-      <p:sp>
-        <p:nvSpPr>
           <p:cNvPr id="3" name="Espace réservé du contenu 2">
             <a:extLst>
               <a:ext uri="{FF2B5EF4-FFF2-40B4-BE49-F238E27FC236}">
-                <a16:creationId xmlns:a16="http://schemas.microsoft.com/office/drawing/2014/main" id="{2C04B56A-0826-0F80-0CF5-F3BDD13A30CE}"/>
+                <a16:creationId xmlns:a16="http://schemas.microsoft.com/office/drawing/2014/main" id="{4D339D01-8B74-F443-F7B9-557E974CAD6D}"/>
               </a:ext>
             </a:extLst>
           </p:cNvPr>
@@ -5586,7 +6108,7 @@
         </p:nvSpPr>
         <p:spPr>
           <a:xfrm>
-            <a:off x="838200" y="1417852"/>
+            <a:off x="838200" y="1343711"/>
             <a:ext cx="10515600" cy="4351338"/>
           </a:xfrm>
         </p:spPr>
@@ -5606,7 +6128,7 @@
                   </a:schemeClr>
                 </a:solidFill>
               </a:rPr>
-              <a:t>4.2 Inconvénients</a:t>
+              <a:t>5.1 Contexte</a:t>
             </a:r>
           </a:p>
           <a:p>
@@ -5620,8 +6142,125 @@
               <a:buNone/>
             </a:pPr>
             <a:r>
+              <a:rPr lang="fr-FR" kern="100" dirty="0">
+                <a:effectLst/>
+                <a:latin typeface="Calibri" panose="020F0502020204030204" pitchFamily="34" charset="0"/>
+                <a:ea typeface="Calibri" panose="020F0502020204030204" pitchFamily="34" charset="0"/>
+                <a:cs typeface="Times New Roman" panose="02020603050405020304" pitchFamily="18" charset="0"/>
+              </a:rPr>
+              <a:t>Une personne souhaitant connaître sa position utilise un récepteur GPS. Ce récepteur reçoit des informations d’un  satellite et peut alors calculer sa position.</a:t>
+            </a:r>
+          </a:p>
+          <a:p>
+            <a:pPr marL="0" indent="0">
+              <a:buNone/>
+            </a:pPr>
+            <a:endParaRPr lang="fr-FR" kern="100" dirty="0">
+              <a:effectLst/>
+              <a:latin typeface="Calibri" panose="020F0502020204030204" pitchFamily="34" charset="0"/>
+              <a:ea typeface="Calibri" panose="020F0502020204030204" pitchFamily="34" charset="0"/>
+              <a:cs typeface="Times New Roman" panose="02020603050405020304" pitchFamily="18" charset="0"/>
+            </a:endParaRPr>
+          </a:p>
+          <a:p>
+            <a:pPr marL="0" indent="0">
+              <a:buNone/>
+            </a:pPr>
+            <a:r>
               <a:rPr lang="fr-FR" dirty="0"/>
-              <a:t>Les souscripteurs sont avertis dans un ordre aléatoire.</a:t>
+              <a:t>Nous pouvons déjà identifier deux acteurs : </a:t>
+            </a:r>
+          </a:p>
+          <a:p>
+            <a:pPr marL="0" indent="0">
+              <a:buNone/>
+            </a:pPr>
+            <a:r>
+              <a:rPr lang="fr-FR" dirty="0"/>
+              <a:t>•	Le satellite qui va être l’objet Sujet (Diffuseur) ;</a:t>
+            </a:r>
+          </a:p>
+          <a:p>
+            <a:pPr marL="0" indent="0">
+              <a:buNone/>
+            </a:pPr>
+            <a:r>
+              <a:rPr lang="fr-FR" dirty="0"/>
+              <a:t>•	Le récepteur GPS qui va être l’objet Observateur (Souscripteur).</a:t>
+            </a:r>
+          </a:p>
+          <a:p>
+            <a:pPr marL="0" indent="0">
+              <a:buNone/>
+            </a:pPr>
+            <a:endParaRPr lang="fr-FR" dirty="0"/>
+          </a:p>
+        </p:txBody>
+      </p:sp>
+      <p:pic>
+        <p:nvPicPr>
+          <p:cNvPr id="6" name="Image 5" descr="Une image contenant transport, satellite, engin spatial, station spatiale&#10;&#10;Description générée automatiquement">
+            <a:extLst>
+              <a:ext uri="{FF2B5EF4-FFF2-40B4-BE49-F238E27FC236}">
+                <a16:creationId xmlns:a16="http://schemas.microsoft.com/office/drawing/2014/main" id="{91FC6DF8-4C7B-4783-5797-5FF3C3020F8F}"/>
+              </a:ext>
+            </a:extLst>
+          </p:cNvPr>
+          <p:cNvPicPr>
+            <a:picLocks noChangeAspect="1"/>
+          </p:cNvPicPr>
+          <p:nvPr/>
+        </p:nvPicPr>
+        <p:blipFill>
+          <a:blip r:embed="rId2">
+            <a:extLst>
+              <a:ext uri="{28A0092B-C50C-407E-A947-70E740481C1C}">
+                <a14:useLocalDpi xmlns:a14="http://schemas.microsoft.com/office/drawing/2010/main" val="0"/>
+              </a:ext>
+            </a:extLst>
+          </a:blip>
+          <a:stretch>
+            <a:fillRect/>
+          </a:stretch>
+        </p:blipFill>
+        <p:spPr>
+          <a:xfrm>
+            <a:off x="7561326" y="197143"/>
+            <a:ext cx="2506218" cy="2004974"/>
+          </a:xfrm>
+          <a:prstGeom prst="rect">
+            <a:avLst/>
+          </a:prstGeom>
+        </p:spPr>
+      </p:pic>
+      <p:sp>
+        <p:nvSpPr>
+          <p:cNvPr id="2" name="Titre 1">
+            <a:extLst>
+              <a:ext uri="{FF2B5EF4-FFF2-40B4-BE49-F238E27FC236}">
+                <a16:creationId xmlns:a16="http://schemas.microsoft.com/office/drawing/2014/main" id="{2D26FE8B-6444-0394-663B-BDA96175BC6E}"/>
+              </a:ext>
+            </a:extLst>
+          </p:cNvPr>
+          <p:cNvSpPr>
+            <a:spLocks noGrp="1"/>
+          </p:cNvSpPr>
+          <p:nvPr>
+            <p:ph type="title"/>
+          </p:nvPr>
+        </p:nvSpPr>
+        <p:spPr/>
+        <p:txBody>
+          <a:bodyPr/>
+          <a:lstStyle/>
+          <a:p>
+            <a:r>
+              <a:rPr lang="fr-FR" dirty="0">
+                <a:solidFill>
+                  <a:schemeClr val="accent4"/>
+                </a:solidFill>
+              </a:rPr>
+              <a:t>5 Exemple d’utilisation</a:t>
             </a:r>
           </a:p>
         </p:txBody>
@@ -5631,7 +6270,7 @@
           <p:cNvPr id="4" name="Espace réservé du numéro de diapositive 3">
             <a:extLst>
               <a:ext uri="{FF2B5EF4-FFF2-40B4-BE49-F238E27FC236}">
-                <a16:creationId xmlns:a16="http://schemas.microsoft.com/office/drawing/2014/main" id="{A4B3641D-1A69-A1CA-A8AB-E138372676A2}"/>
+                <a16:creationId xmlns:a16="http://schemas.microsoft.com/office/drawing/2014/main" id="{773EA483-1E24-EE94-1A4D-7D5790C1C17F}"/>
               </a:ext>
             </a:extLst>
           </p:cNvPr>
@@ -5670,7 +6309,7 @@
     </p:spTree>
     <p:extLst>
       <p:ext uri="{BB962C8B-B14F-4D97-AF65-F5344CB8AC3E}">
-        <p14:creationId xmlns:p14="http://schemas.microsoft.com/office/powerpoint/2010/main" val="3732024924"/>
+        <p14:creationId xmlns:p14="http://schemas.microsoft.com/office/powerpoint/2010/main" val="413943743"/>
       </p:ext>
     </p:extLst>
   </p:cSld>
@@ -5702,7 +6341,7 @@
           <p:cNvPr id="2" name="Titre 1">
             <a:extLst>
               <a:ext uri="{FF2B5EF4-FFF2-40B4-BE49-F238E27FC236}">
-                <a16:creationId xmlns:a16="http://schemas.microsoft.com/office/drawing/2014/main" id="{2D26FE8B-6444-0394-663B-BDA96175BC6E}"/>
+                <a16:creationId xmlns:a16="http://schemas.microsoft.com/office/drawing/2014/main" id="{014ED3D8-0CB9-7CD2-EEEE-6F3289E7FDE2}"/>
               </a:ext>
             </a:extLst>
           </p:cNvPr>
@@ -5734,7 +6373,7 @@
           <p:cNvPr id="3" name="Espace réservé du contenu 2">
             <a:extLst>
               <a:ext uri="{FF2B5EF4-FFF2-40B4-BE49-F238E27FC236}">
-                <a16:creationId xmlns:a16="http://schemas.microsoft.com/office/drawing/2014/main" id="{4D339D01-8B74-F443-F7B9-557E974CAD6D}"/>
+                <a16:creationId xmlns:a16="http://schemas.microsoft.com/office/drawing/2014/main" id="{777BB645-1E15-8916-1A69-8C56BFAE2017}"/>
               </a:ext>
             </a:extLst>
           </p:cNvPr>
@@ -5747,8 +6386,8 @@
         </p:nvSpPr>
         <p:spPr>
           <a:xfrm>
-            <a:off x="838200" y="1343711"/>
-            <a:ext cx="10515600" cy="4351338"/>
+            <a:off x="838200" y="1274869"/>
+            <a:ext cx="10515600" cy="544596"/>
           </a:xfrm>
         </p:spPr>
         <p:txBody>
@@ -5767,81 +6406,53 @@
                   </a:schemeClr>
                 </a:solidFill>
               </a:rPr>
-              <a:t>5.1 Contexte</a:t>
-            </a:r>
-          </a:p>
-          <a:p>
-            <a:pPr marL="0" indent="0">
-              <a:buNone/>
-            </a:pPr>
-            <a:endParaRPr lang="fr-FR" dirty="0"/>
-          </a:p>
-          <a:p>
-            <a:pPr marL="0" indent="0">
-              <a:buNone/>
-            </a:pPr>
-            <a:r>
-              <a:rPr lang="fr-FR" kern="100" dirty="0">
-                <a:effectLst/>
-                <a:latin typeface="Calibri" panose="020F0502020204030204" pitchFamily="34" charset="0"/>
-                <a:ea typeface="Calibri" panose="020F0502020204030204" pitchFamily="34" charset="0"/>
-                <a:cs typeface="Times New Roman" panose="02020603050405020304" pitchFamily="18" charset="0"/>
-              </a:rPr>
-              <a:t>Une personne souhaitant connaître sa position utilise un récepteur GPS. Ce récepteur reçoit des informations d’un  satellite et peut alors calculer sa position.</a:t>
-            </a:r>
-          </a:p>
-          <a:p>
-            <a:pPr marL="0" indent="0">
-              <a:buNone/>
-            </a:pPr>
-            <a:endParaRPr lang="fr-FR" kern="100" dirty="0">
-              <a:effectLst/>
-              <a:latin typeface="Calibri" panose="020F0502020204030204" pitchFamily="34" charset="0"/>
-              <a:ea typeface="Calibri" panose="020F0502020204030204" pitchFamily="34" charset="0"/>
-              <a:cs typeface="Times New Roman" panose="02020603050405020304" pitchFamily="18" charset="0"/>
-            </a:endParaRPr>
-          </a:p>
-          <a:p>
-            <a:pPr marL="0" indent="0">
-              <a:buNone/>
-            </a:pPr>
-            <a:r>
-              <a:rPr lang="fr-FR" dirty="0"/>
-              <a:t>Nous pouvons déjà identifier deux acteurs : </a:t>
-            </a:r>
-          </a:p>
-          <a:p>
-            <a:pPr marL="0" indent="0">
-              <a:buNone/>
-            </a:pPr>
-            <a:r>
-              <a:rPr lang="fr-FR" dirty="0"/>
-              <a:t>•	Le satellite qui va être l’objet Sujet (Diffuseur) ;</a:t>
-            </a:r>
-          </a:p>
-          <a:p>
-            <a:pPr marL="0" indent="0">
-              <a:buNone/>
-            </a:pPr>
-            <a:r>
-              <a:rPr lang="fr-FR" dirty="0"/>
-              <a:t>•	Le récepteur GPS qui va être l’objet Observateur (Souscripteur).</a:t>
-            </a:r>
-          </a:p>
-          <a:p>
-            <a:pPr marL="0" indent="0">
-              <a:buNone/>
-            </a:pPr>
-            <a:endParaRPr lang="fr-FR" dirty="0"/>
-          </a:p>
-        </p:txBody>
-      </p:sp>
+              <a:t>5.2 Diagramme UML</a:t>
+            </a:r>
+          </a:p>
+        </p:txBody>
+      </p:sp>
+      <p:pic>
+        <p:nvPicPr>
+          <p:cNvPr id="7" name="Image 6" descr="Une image contenant texte, capture d’écran, ligne, Police&#10;&#10;Description générée automatiquement">
+            <a:extLst>
+              <a:ext uri="{FF2B5EF4-FFF2-40B4-BE49-F238E27FC236}">
+                <a16:creationId xmlns:a16="http://schemas.microsoft.com/office/drawing/2014/main" id="{97C8193F-3603-1FDB-FBD7-7FE48941053B}"/>
+              </a:ext>
+            </a:extLst>
+          </p:cNvPr>
+          <p:cNvPicPr>
+            <a:picLocks noChangeAspect="1"/>
+          </p:cNvPicPr>
+          <p:nvPr/>
+        </p:nvPicPr>
+        <p:blipFill>
+          <a:blip r:embed="rId2">
+            <a:extLst>
+              <a:ext uri="{28A0092B-C50C-407E-A947-70E740481C1C}">
+                <a14:useLocalDpi xmlns:a14="http://schemas.microsoft.com/office/drawing/2010/main" val="0"/>
+              </a:ext>
+            </a:extLst>
+          </a:blip>
+          <a:stretch>
+            <a:fillRect/>
+          </a:stretch>
+        </p:blipFill>
+        <p:spPr>
+          <a:xfrm>
+            <a:off x="437782" y="1819465"/>
+            <a:ext cx="11316435" cy="5038535"/>
+          </a:xfrm>
+          <a:prstGeom prst="rect">
+            <a:avLst/>
+          </a:prstGeom>
+        </p:spPr>
+      </p:pic>
       <p:sp>
         <p:nvSpPr>
           <p:cNvPr id="4" name="Espace réservé du numéro de diapositive 3">
             <a:extLst>
               <a:ext uri="{FF2B5EF4-FFF2-40B4-BE49-F238E27FC236}">
-                <a16:creationId xmlns:a16="http://schemas.microsoft.com/office/drawing/2014/main" id="{773EA483-1E24-EE94-1A4D-7D5790C1C17F}"/>
+                <a16:creationId xmlns:a16="http://schemas.microsoft.com/office/drawing/2014/main" id="{4AF1B4D1-7CCC-F72A-9A2D-82F6B7C098A5}"/>
               </a:ext>
             </a:extLst>
           </p:cNvPr>
@@ -5880,7 +6491,7 @@
     </p:spTree>
     <p:extLst>
       <p:ext uri="{BB962C8B-B14F-4D97-AF65-F5344CB8AC3E}">
-        <p14:creationId xmlns:p14="http://schemas.microsoft.com/office/powerpoint/2010/main" val="413943743"/>
+        <p14:creationId xmlns:p14="http://schemas.microsoft.com/office/powerpoint/2010/main" val="3292843418"/>
       </p:ext>
     </p:extLst>
   </p:cSld>
@@ -5912,7 +6523,7 @@
           <p:cNvPr id="2" name="Titre 1">
             <a:extLst>
               <a:ext uri="{FF2B5EF4-FFF2-40B4-BE49-F238E27FC236}">
-                <a16:creationId xmlns:a16="http://schemas.microsoft.com/office/drawing/2014/main" id="{014ED3D8-0CB9-7CD2-EEEE-6F3289E7FDE2}"/>
+                <a16:creationId xmlns:a16="http://schemas.microsoft.com/office/drawing/2014/main" id="{197E074B-C42B-7D8B-6101-E4049D6B410A}"/>
               </a:ext>
             </a:extLst>
           </p:cNvPr>
@@ -5934,7 +6545,7 @@
                   <a:schemeClr val="accent4"/>
                 </a:solidFill>
               </a:rPr>
-              <a:t>5 Exemple d’utilisation</a:t>
+              <a:t>5 Exemple d’utilisation </a:t>
             </a:r>
           </a:p>
         </p:txBody>
@@ -5944,7 +6555,7 @@
           <p:cNvPr id="3" name="Espace réservé du contenu 2">
             <a:extLst>
               <a:ext uri="{FF2B5EF4-FFF2-40B4-BE49-F238E27FC236}">
-                <a16:creationId xmlns:a16="http://schemas.microsoft.com/office/drawing/2014/main" id="{777BB645-1E15-8916-1A69-8C56BFAE2017}"/>
+                <a16:creationId xmlns:a16="http://schemas.microsoft.com/office/drawing/2014/main" id="{3AF8BBD9-3634-7E99-DF1C-75A3DBC59C3F}"/>
               </a:ext>
             </a:extLst>
           </p:cNvPr>
@@ -5957,8 +6568,8 @@
         </p:nvSpPr>
         <p:spPr>
           <a:xfrm>
-            <a:off x="838200" y="1274869"/>
-            <a:ext cx="10515600" cy="544596"/>
+            <a:off x="838200" y="1343711"/>
+            <a:ext cx="10515600" cy="4351338"/>
           </a:xfrm>
         </p:spPr>
         <p:txBody>
@@ -5977,17 +6588,17 @@
                   </a:schemeClr>
                 </a:solidFill>
               </a:rPr>
-              <a:t>5.2 Diagramme UML</a:t>
+              <a:t>5.3 Implémentation</a:t>
             </a:r>
           </a:p>
         </p:txBody>
       </p:sp>
       <p:pic>
         <p:nvPicPr>
-          <p:cNvPr id="7" name="Image 6" descr="Une image contenant texte, capture d’écran, ligne, Police&#10;&#10;Description générée automatiquement">
-            <a:extLst>
-              <a:ext uri="{FF2B5EF4-FFF2-40B4-BE49-F238E27FC236}">
-                <a16:creationId xmlns:a16="http://schemas.microsoft.com/office/drawing/2014/main" id="{97C8193F-3603-1FDB-FBD7-7FE48941053B}"/>
+          <p:cNvPr id="5" name="Image 4" descr="Une image contenant texte, capture d’écran, Caractère coloré, Appareils électroniques&#10;&#10;Description générée automatiquement">
+            <a:extLst>
+              <a:ext uri="{FF2B5EF4-FFF2-40B4-BE49-F238E27FC236}">
+                <a16:creationId xmlns:a16="http://schemas.microsoft.com/office/drawing/2014/main" id="{84BA7A82-1BD2-3F7C-656C-20650B3E65BF}"/>
               </a:ext>
             </a:extLst>
           </p:cNvPr>
@@ -6010,8 +6621,8 @@
         </p:blipFill>
         <p:spPr>
           <a:xfrm>
-            <a:off x="437782" y="1819465"/>
-            <a:ext cx="11316435" cy="5038535"/>
+            <a:off x="2586181" y="2034790"/>
+            <a:ext cx="6687128" cy="4458085"/>
           </a:xfrm>
           <a:prstGeom prst="rect">
             <a:avLst/>
@@ -6020,10 +6631,10 @@
       </p:pic>
       <p:sp>
         <p:nvSpPr>
-          <p:cNvPr id="4" name="Espace réservé du numéro de diapositive 3">
-            <a:extLst>
-              <a:ext uri="{FF2B5EF4-FFF2-40B4-BE49-F238E27FC236}">
-                <a16:creationId xmlns:a16="http://schemas.microsoft.com/office/drawing/2014/main" id="{4AF1B4D1-7CCC-F72A-9A2D-82F6B7C098A5}"/>
+          <p:cNvPr id="6" name="Espace réservé du numéro de diapositive 5">
+            <a:extLst>
+              <a:ext uri="{FF2B5EF4-FFF2-40B4-BE49-F238E27FC236}">
+                <a16:creationId xmlns:a16="http://schemas.microsoft.com/office/drawing/2014/main" id="{BDF3C0A6-011D-522B-573A-372AB5A674DF}"/>
               </a:ext>
             </a:extLst>
           </p:cNvPr>
@@ -6062,7 +6673,7 @@
     </p:spTree>
     <p:extLst>
       <p:ext uri="{BB962C8B-B14F-4D97-AF65-F5344CB8AC3E}">
-        <p14:creationId xmlns:p14="http://schemas.microsoft.com/office/powerpoint/2010/main" val="3292843418"/>
+        <p14:creationId xmlns:p14="http://schemas.microsoft.com/office/powerpoint/2010/main" val="1159497511"/>
       </p:ext>
     </p:extLst>
   </p:cSld>
@@ -6094,7 +6705,7 @@
           <p:cNvPr id="2" name="Titre 1">
             <a:extLst>
               <a:ext uri="{FF2B5EF4-FFF2-40B4-BE49-F238E27FC236}">
-                <a16:creationId xmlns:a16="http://schemas.microsoft.com/office/drawing/2014/main" id="{197E074B-C42B-7D8B-6101-E4049D6B410A}"/>
+                <a16:creationId xmlns:a16="http://schemas.microsoft.com/office/drawing/2014/main" id="{4F2BF798-7B6C-594A-0E65-95B1534F7A3A}"/>
               </a:ext>
             </a:extLst>
           </p:cNvPr>
@@ -6116,7 +6727,7 @@
                   <a:schemeClr val="accent4"/>
                 </a:solidFill>
               </a:rPr>
-              <a:t>5 Exemple d’utilisation </a:t>
+              <a:t>5 Exemple d’utilisation</a:t>
             </a:r>
           </a:p>
         </p:txBody>
@@ -6126,7 +6737,7 @@
           <p:cNvPr id="3" name="Espace réservé du contenu 2">
             <a:extLst>
               <a:ext uri="{FF2B5EF4-FFF2-40B4-BE49-F238E27FC236}">
-                <a16:creationId xmlns:a16="http://schemas.microsoft.com/office/drawing/2014/main" id="{3AF8BBD9-3634-7E99-DF1C-75A3DBC59C3F}"/>
+                <a16:creationId xmlns:a16="http://schemas.microsoft.com/office/drawing/2014/main" id="{B684746D-BE18-BDF4-304B-A5942A015E27}"/>
               </a:ext>
             </a:extLst>
           </p:cNvPr>
@@ -6139,8 +6750,8 @@
         </p:nvSpPr>
         <p:spPr>
           <a:xfrm>
-            <a:off x="838200" y="1343711"/>
-            <a:ext cx="10515600" cy="4351338"/>
+            <a:off x="838200" y="1334169"/>
+            <a:ext cx="10515600" cy="713038"/>
           </a:xfrm>
         </p:spPr>
         <p:txBody>
@@ -6159,17 +6770,17 @@
                   </a:schemeClr>
                 </a:solidFill>
               </a:rPr>
-              <a:t>5.3 Implémentation</a:t>
+              <a:t>5.3.1 Diagramme de séquence pour l’ajout d’un Observateur </a:t>
             </a:r>
           </a:p>
         </p:txBody>
       </p:sp>
       <p:pic>
         <p:nvPicPr>
-          <p:cNvPr id="5" name="Image 4" descr="Une image contenant texte, capture d’écran, Caractère coloré, Appareils électroniques&#10;&#10;Description générée automatiquement">
-            <a:extLst>
-              <a:ext uri="{FF2B5EF4-FFF2-40B4-BE49-F238E27FC236}">
-                <a16:creationId xmlns:a16="http://schemas.microsoft.com/office/drawing/2014/main" id="{84BA7A82-1BD2-3F7C-656C-20650B3E65BF}"/>
+          <p:cNvPr id="5" name="Image 4" descr="Une image contenant texte, ligne, diagramme, Rectangle&#10;&#10;Description générée automatiquement">
+            <a:extLst>
+              <a:ext uri="{FF2B5EF4-FFF2-40B4-BE49-F238E27FC236}">
+                <a16:creationId xmlns:a16="http://schemas.microsoft.com/office/drawing/2014/main" id="{C06A53A5-638B-9381-761C-DEFFE4A4EBD0}"/>
               </a:ext>
             </a:extLst>
           </p:cNvPr>
@@ -6192,8 +6803,8 @@
         </p:blipFill>
         <p:spPr>
           <a:xfrm>
-            <a:off x="2586181" y="2034790"/>
-            <a:ext cx="6687128" cy="4458085"/>
+            <a:off x="277520" y="2533135"/>
+            <a:ext cx="11721602" cy="2990696"/>
           </a:xfrm>
           <a:prstGeom prst="rect">
             <a:avLst/>
@@ -6202,10 +6813,10 @@
       </p:pic>
       <p:sp>
         <p:nvSpPr>
-          <p:cNvPr id="6" name="Espace réservé du numéro de diapositive 5">
-            <a:extLst>
-              <a:ext uri="{FF2B5EF4-FFF2-40B4-BE49-F238E27FC236}">
-                <a16:creationId xmlns:a16="http://schemas.microsoft.com/office/drawing/2014/main" id="{BDF3C0A6-011D-522B-573A-372AB5A674DF}"/>
+          <p:cNvPr id="4" name="Espace réservé du numéro de diapositive 3">
+            <a:extLst>
+              <a:ext uri="{FF2B5EF4-FFF2-40B4-BE49-F238E27FC236}">
+                <a16:creationId xmlns:a16="http://schemas.microsoft.com/office/drawing/2014/main" id="{D54A16FB-BF03-2CCF-4E6E-AFFAFCB16257}"/>
               </a:ext>
             </a:extLst>
           </p:cNvPr>
@@ -6244,7 +6855,7 @@
     </p:spTree>
     <p:extLst>
       <p:ext uri="{BB962C8B-B14F-4D97-AF65-F5344CB8AC3E}">
-        <p14:creationId xmlns:p14="http://schemas.microsoft.com/office/powerpoint/2010/main" val="1159497511"/>
+        <p14:creationId xmlns:p14="http://schemas.microsoft.com/office/powerpoint/2010/main" val="355940287"/>
       </p:ext>
     </p:extLst>
   </p:cSld>
@@ -6276,7 +6887,7 @@
           <p:cNvPr id="2" name="Titre 1">
             <a:extLst>
               <a:ext uri="{FF2B5EF4-FFF2-40B4-BE49-F238E27FC236}">
-                <a16:creationId xmlns:a16="http://schemas.microsoft.com/office/drawing/2014/main" id="{4F2BF798-7B6C-594A-0E65-95B1534F7A3A}"/>
+                <a16:creationId xmlns:a16="http://schemas.microsoft.com/office/drawing/2014/main" id="{CA4C5CEF-9696-CB81-270C-430F3573708F}"/>
               </a:ext>
             </a:extLst>
           </p:cNvPr>
@@ -6308,7 +6919,7 @@
           <p:cNvPr id="3" name="Espace réservé du contenu 2">
             <a:extLst>
               <a:ext uri="{FF2B5EF4-FFF2-40B4-BE49-F238E27FC236}">
-                <a16:creationId xmlns:a16="http://schemas.microsoft.com/office/drawing/2014/main" id="{B684746D-BE18-BDF4-304B-A5942A015E27}"/>
+                <a16:creationId xmlns:a16="http://schemas.microsoft.com/office/drawing/2014/main" id="{9437E2A0-0E6D-524B-87DD-9CD3792DA6E6}"/>
               </a:ext>
             </a:extLst>
           </p:cNvPr>
@@ -6321,8 +6932,8 @@
         </p:nvSpPr>
         <p:spPr>
           <a:xfrm>
-            <a:off x="838200" y="1334169"/>
-            <a:ext cx="10515600" cy="713038"/>
+            <a:off x="838200" y="1285791"/>
+            <a:ext cx="10515600" cy="725070"/>
           </a:xfrm>
         </p:spPr>
         <p:txBody>
@@ -6341,17 +6952,17 @@
                   </a:schemeClr>
                 </a:solidFill>
               </a:rPr>
-              <a:t>5.3.1 Diagramme de séquence pour l’ajout d’un Observateur </a:t>
+              <a:t>5.3.2 Diagramme de séquence pour la suppression d’un Observateur</a:t>
             </a:r>
           </a:p>
         </p:txBody>
       </p:sp>
       <p:pic>
         <p:nvPicPr>
-          <p:cNvPr id="5" name="Image 4" descr="Une image contenant texte, ligne, diagramme, Rectangle&#10;&#10;Description générée automatiquement">
-            <a:extLst>
-              <a:ext uri="{FF2B5EF4-FFF2-40B4-BE49-F238E27FC236}">
-                <a16:creationId xmlns:a16="http://schemas.microsoft.com/office/drawing/2014/main" id="{C06A53A5-638B-9381-761C-DEFFE4A4EBD0}"/>
+          <p:cNvPr id="5" name="Image 4" descr="Une image contenant texte, capture d’écran, ligne, diagramme&#10;&#10;Description générée automatiquement">
+            <a:extLst>
+              <a:ext uri="{FF2B5EF4-FFF2-40B4-BE49-F238E27FC236}">
+                <a16:creationId xmlns:a16="http://schemas.microsoft.com/office/drawing/2014/main" id="{0F0703B5-D216-6F48-68C7-912DE8A233F7}"/>
               </a:ext>
             </a:extLst>
           </p:cNvPr>
@@ -6374,8 +6985,8 @@
         </p:blipFill>
         <p:spPr>
           <a:xfrm>
-            <a:off x="277520" y="2533135"/>
-            <a:ext cx="11721602" cy="2990696"/>
+            <a:off x="330642" y="2395728"/>
+            <a:ext cx="11456005" cy="2871216"/>
           </a:xfrm>
           <a:prstGeom prst="rect">
             <a:avLst/>
@@ -6387,7 +6998,7 @@
           <p:cNvPr id="4" name="Espace réservé du numéro de diapositive 3">
             <a:extLst>
               <a:ext uri="{FF2B5EF4-FFF2-40B4-BE49-F238E27FC236}">
-                <a16:creationId xmlns:a16="http://schemas.microsoft.com/office/drawing/2014/main" id="{D54A16FB-BF03-2CCF-4E6E-AFFAFCB16257}"/>
+                <a16:creationId xmlns:a16="http://schemas.microsoft.com/office/drawing/2014/main" id="{470C0DD9-F40E-0C7A-B756-380E65EB5064}"/>
               </a:ext>
             </a:extLst>
           </p:cNvPr>
@@ -6426,7 +7037,7 @@
     </p:spTree>
     <p:extLst>
       <p:ext uri="{BB962C8B-B14F-4D97-AF65-F5344CB8AC3E}">
-        <p14:creationId xmlns:p14="http://schemas.microsoft.com/office/powerpoint/2010/main" val="355940287"/>
+        <p14:creationId xmlns:p14="http://schemas.microsoft.com/office/powerpoint/2010/main" val="1614750927"/>
       </p:ext>
     </p:extLst>
   </p:cSld>
@@ -6458,7 +7069,7 @@
           <p:cNvPr id="2" name="Titre 1">
             <a:extLst>
               <a:ext uri="{FF2B5EF4-FFF2-40B4-BE49-F238E27FC236}">
-                <a16:creationId xmlns:a16="http://schemas.microsoft.com/office/drawing/2014/main" id="{CA4C5CEF-9696-CB81-270C-430F3573708F}"/>
+                <a16:creationId xmlns:a16="http://schemas.microsoft.com/office/drawing/2014/main" id="{EAFD7B81-E42E-FDAE-03DA-A2AF4B34D9A8}"/>
               </a:ext>
             </a:extLst>
           </p:cNvPr>
@@ -6490,7 +7101,7 @@
           <p:cNvPr id="3" name="Espace réservé du contenu 2">
             <a:extLst>
               <a:ext uri="{FF2B5EF4-FFF2-40B4-BE49-F238E27FC236}">
-                <a16:creationId xmlns:a16="http://schemas.microsoft.com/office/drawing/2014/main" id="{9437E2A0-0E6D-524B-87DD-9CD3792DA6E6}"/>
+                <a16:creationId xmlns:a16="http://schemas.microsoft.com/office/drawing/2014/main" id="{9717B411-9B4D-3D36-8CE0-72C85C0C0987}"/>
               </a:ext>
             </a:extLst>
           </p:cNvPr>
@@ -6503,8 +7114,8 @@
         </p:nvSpPr>
         <p:spPr>
           <a:xfrm>
-            <a:off x="838200" y="1285791"/>
-            <a:ext cx="10515600" cy="725070"/>
+            <a:off x="838200" y="1327334"/>
+            <a:ext cx="10515600" cy="580691"/>
           </a:xfrm>
         </p:spPr>
         <p:txBody>
@@ -6523,17 +7134,17 @@
                   </a:schemeClr>
                 </a:solidFill>
               </a:rPr>
-              <a:t>5.3.2 Diagramme de séquence pour la suppression d’un Observateur</a:t>
+              <a:t>5.3.3 Diagramme pour la notification d’un Observateur</a:t>
             </a:r>
           </a:p>
         </p:txBody>
       </p:sp>
       <p:pic>
         <p:nvPicPr>
-          <p:cNvPr id="5" name="Image 4" descr="Une image contenant texte, capture d’écran, ligne, diagramme&#10;&#10;Description générée automatiquement">
-            <a:extLst>
-              <a:ext uri="{FF2B5EF4-FFF2-40B4-BE49-F238E27FC236}">
-                <a16:creationId xmlns:a16="http://schemas.microsoft.com/office/drawing/2014/main" id="{0F0703B5-D216-6F48-68C7-912DE8A233F7}"/>
+          <p:cNvPr id="5" name="Image 4" descr="Une image contenant texte, capture d’écran, diagramme, ligne&#10;&#10;Description générée automatiquement">
+            <a:extLst>
+              <a:ext uri="{FF2B5EF4-FFF2-40B4-BE49-F238E27FC236}">
+                <a16:creationId xmlns:a16="http://schemas.microsoft.com/office/drawing/2014/main" id="{D27B4814-2C54-45A2-66A7-99BFA197EA6D}"/>
               </a:ext>
             </a:extLst>
           </p:cNvPr>
@@ -6556,8 +7167,8 @@
         </p:blipFill>
         <p:spPr>
           <a:xfrm>
-            <a:off x="671392" y="2481130"/>
-            <a:ext cx="10886751" cy="2728544"/>
+            <a:off x="331316" y="2125362"/>
+            <a:ext cx="11605232" cy="4429477"/>
           </a:xfrm>
           <a:prstGeom prst="rect">
             <a:avLst/>
@@ -6569,7 +7180,7 @@
           <p:cNvPr id="4" name="Espace réservé du numéro de diapositive 3">
             <a:extLst>
               <a:ext uri="{FF2B5EF4-FFF2-40B4-BE49-F238E27FC236}">
-                <a16:creationId xmlns:a16="http://schemas.microsoft.com/office/drawing/2014/main" id="{470C0DD9-F40E-0C7A-B756-380E65EB5064}"/>
+                <a16:creationId xmlns:a16="http://schemas.microsoft.com/office/drawing/2014/main" id="{F7E868BD-0697-FA90-2CF0-447B376D91DC}"/>
               </a:ext>
             </a:extLst>
           </p:cNvPr>
@@ -6608,7 +7219,7 @@
     </p:spTree>
     <p:extLst>
       <p:ext uri="{BB962C8B-B14F-4D97-AF65-F5344CB8AC3E}">
-        <p14:creationId xmlns:p14="http://schemas.microsoft.com/office/powerpoint/2010/main" val="1614750927"/>
+        <p14:creationId xmlns:p14="http://schemas.microsoft.com/office/powerpoint/2010/main" val="2246804402"/>
       </p:ext>
     </p:extLst>
   </p:cSld>
@@ -6640,7 +7251,7 @@
           <p:cNvPr id="2" name="Titre 1">
             <a:extLst>
               <a:ext uri="{FF2B5EF4-FFF2-40B4-BE49-F238E27FC236}">
-                <a16:creationId xmlns:a16="http://schemas.microsoft.com/office/drawing/2014/main" id="{EAFD7B81-E42E-FDAE-03DA-A2AF4B34D9A8}"/>
+                <a16:creationId xmlns:a16="http://schemas.microsoft.com/office/drawing/2014/main" id="{A7A7692D-8DD4-2270-D57C-395C9E6E8C13}"/>
               </a:ext>
             </a:extLst>
           </p:cNvPr>
@@ -6672,7 +7283,7 @@
           <p:cNvPr id="3" name="Espace réservé du contenu 2">
             <a:extLst>
               <a:ext uri="{FF2B5EF4-FFF2-40B4-BE49-F238E27FC236}">
-                <a16:creationId xmlns:a16="http://schemas.microsoft.com/office/drawing/2014/main" id="{9717B411-9B4D-3D36-8CE0-72C85C0C0987}"/>
+                <a16:creationId xmlns:a16="http://schemas.microsoft.com/office/drawing/2014/main" id="{9CB63768-7800-95B9-4695-0A02B92165C3}"/>
               </a:ext>
             </a:extLst>
           </p:cNvPr>
@@ -6685,8 +7296,8 @@
         </p:nvSpPr>
         <p:spPr>
           <a:xfrm>
-            <a:off x="838200" y="1327334"/>
-            <a:ext cx="10515600" cy="580691"/>
+            <a:off x="838200" y="1338257"/>
+            <a:ext cx="10515600" cy="628817"/>
           </a:xfrm>
         </p:spPr>
         <p:txBody>
@@ -6705,17 +7316,36 @@
                   </a:schemeClr>
                 </a:solidFill>
               </a:rPr>
-              <a:t>5.3.3 Diagramme pour la notification d’un Observateur</a:t>
-            </a:r>
+              <a:t>5.3.4 Implémentation interface </a:t>
+            </a:r>
+            <a:r>
+              <a:rPr lang="fr-FR" dirty="0" err="1">
+                <a:solidFill>
+                  <a:schemeClr val="accent2">
+                    <a:lumMod val="60000"/>
+                    <a:lumOff val="40000"/>
+                  </a:schemeClr>
+                </a:solidFill>
+              </a:rPr>
+              <a:t>ISujet</a:t>
+            </a:r>
+            <a:endParaRPr lang="fr-FR" dirty="0">
+              <a:solidFill>
+                <a:schemeClr val="accent2">
+                  <a:lumMod val="60000"/>
+                  <a:lumOff val="40000"/>
+                </a:schemeClr>
+              </a:solidFill>
+            </a:endParaRPr>
           </a:p>
         </p:txBody>
       </p:sp>
       <p:pic>
         <p:nvPicPr>
-          <p:cNvPr id="5" name="Image 4" descr="Une image contenant texte, capture d’écran, diagramme, ligne&#10;&#10;Description générée automatiquement">
-            <a:extLst>
-              <a:ext uri="{FF2B5EF4-FFF2-40B4-BE49-F238E27FC236}">
-                <a16:creationId xmlns:a16="http://schemas.microsoft.com/office/drawing/2014/main" id="{D27B4814-2C54-45A2-66A7-99BFA197EA6D}"/>
+          <p:cNvPr id="5" name="Image 4" descr="Une image contenant texte, capture d’écran, Police, ligne&#10;&#10;Description générée automatiquement">
+            <a:extLst>
+              <a:ext uri="{FF2B5EF4-FFF2-40B4-BE49-F238E27FC236}">
+                <a16:creationId xmlns:a16="http://schemas.microsoft.com/office/drawing/2014/main" id="{30514865-1408-D672-BC2B-80C67C9C5CC4}"/>
               </a:ext>
             </a:extLst>
           </p:cNvPr>
@@ -6738,20 +7368,56 @@
         </p:blipFill>
         <p:spPr>
           <a:xfrm>
-            <a:off x="331316" y="2125362"/>
-            <a:ext cx="11605232" cy="4429477"/>
+            <a:off x="838200" y="1930499"/>
+            <a:ext cx="4756214" cy="1659145"/>
           </a:xfrm>
           <a:prstGeom prst="rect">
             <a:avLst/>
           </a:prstGeom>
         </p:spPr>
       </p:pic>
+      <p:pic>
+        <p:nvPicPr>
+          <p:cNvPr id="7" name="Image 6" descr="Une image contenant texte, capture d’écran, Police, logiciel&#10;&#10;Description générée automatiquement">
+            <a:extLst>
+              <a:ext uri="{FF2B5EF4-FFF2-40B4-BE49-F238E27FC236}">
+                <a16:creationId xmlns:a16="http://schemas.microsoft.com/office/drawing/2014/main" id="{FAD05BC6-B8EC-42E6-E546-AC38798A7777}"/>
+              </a:ext>
+            </a:extLst>
+          </p:cNvPr>
+          <p:cNvPicPr>
+            <a:picLocks noChangeAspect="1"/>
+          </p:cNvPicPr>
+          <p:nvPr/>
+        </p:nvPicPr>
+        <p:blipFill>
+          <a:blip r:embed="rId3">
+            <a:extLst>
+              <a:ext uri="{28A0092B-C50C-407E-A947-70E740481C1C}">
+                <a14:useLocalDpi xmlns:a14="http://schemas.microsoft.com/office/drawing/2010/main" val="0"/>
+              </a:ext>
+            </a:extLst>
+          </a:blip>
+          <a:stretch>
+            <a:fillRect/>
+          </a:stretch>
+        </p:blipFill>
+        <p:spPr>
+          <a:xfrm>
+            <a:off x="838200" y="3866030"/>
+            <a:ext cx="7819539" cy="2414454"/>
+          </a:xfrm>
+          <a:prstGeom prst="rect">
+            <a:avLst/>
+          </a:prstGeom>
+        </p:spPr>
+      </p:pic>
       <p:sp>
         <p:nvSpPr>
           <p:cNvPr id="4" name="Espace réservé du numéro de diapositive 3">
             <a:extLst>
               <a:ext uri="{FF2B5EF4-FFF2-40B4-BE49-F238E27FC236}">
-                <a16:creationId xmlns:a16="http://schemas.microsoft.com/office/drawing/2014/main" id="{F7E868BD-0697-FA90-2CF0-447B376D91DC}"/>
+                <a16:creationId xmlns:a16="http://schemas.microsoft.com/office/drawing/2014/main" id="{69C76819-F36D-767B-4002-95F152A2168D}"/>
               </a:ext>
             </a:extLst>
           </p:cNvPr>
@@ -6790,7 +7456,7 @@
     </p:spTree>
     <p:extLst>
       <p:ext uri="{BB962C8B-B14F-4D97-AF65-F5344CB8AC3E}">
-        <p14:creationId xmlns:p14="http://schemas.microsoft.com/office/powerpoint/2010/main" val="2246804402"/>
+        <p14:creationId xmlns:p14="http://schemas.microsoft.com/office/powerpoint/2010/main" val="3148018332"/>
       </p:ext>
     </p:extLst>
   </p:cSld>
@@ -6822,7 +7488,7 @@
           <p:cNvPr id="2" name="Titre 1">
             <a:extLst>
               <a:ext uri="{FF2B5EF4-FFF2-40B4-BE49-F238E27FC236}">
-                <a16:creationId xmlns:a16="http://schemas.microsoft.com/office/drawing/2014/main" id="{A7A7692D-8DD4-2270-D57C-395C9E6E8C13}"/>
+                <a16:creationId xmlns:a16="http://schemas.microsoft.com/office/drawing/2014/main" id="{EDD20F79-E563-EB9F-E369-1CF88F4C49EA}"/>
               </a:ext>
             </a:extLst>
           </p:cNvPr>
@@ -6854,7 +7520,7 @@
           <p:cNvPr id="3" name="Espace réservé du contenu 2">
             <a:extLst>
               <a:ext uri="{FF2B5EF4-FFF2-40B4-BE49-F238E27FC236}">
-                <a16:creationId xmlns:a16="http://schemas.microsoft.com/office/drawing/2014/main" id="{9CB63768-7800-95B9-4695-0A02B92165C3}"/>
+                <a16:creationId xmlns:a16="http://schemas.microsoft.com/office/drawing/2014/main" id="{E53A2475-2970-7C1F-B77F-0A58ACE04A7A}"/>
               </a:ext>
             </a:extLst>
           </p:cNvPr>
@@ -6867,8 +7533,8 @@
         </p:nvSpPr>
         <p:spPr>
           <a:xfrm>
-            <a:off x="838200" y="1338257"/>
-            <a:ext cx="10515600" cy="628817"/>
+            <a:off x="838200" y="1370263"/>
+            <a:ext cx="10515600" cy="640849"/>
           </a:xfrm>
         </p:spPr>
         <p:txBody>
@@ -6887,108 +7553,17 @@
                   </a:schemeClr>
                 </a:solidFill>
               </a:rPr>
-              <a:t>5.3.4 Implémentation interface </a:t>
-            </a:r>
-            <a:r>
-              <a:rPr lang="fr-FR" dirty="0" err="1">
-                <a:solidFill>
-                  <a:schemeClr val="accent2">
-                    <a:lumMod val="60000"/>
-                    <a:lumOff val="40000"/>
-                  </a:schemeClr>
-                </a:solidFill>
-              </a:rPr>
-              <a:t>ISujet</a:t>
-            </a:r>
-            <a:endParaRPr lang="fr-FR" dirty="0">
-              <a:solidFill>
-                <a:schemeClr val="accent2">
-                  <a:lumMod val="60000"/>
-                  <a:lumOff val="40000"/>
-                </a:schemeClr>
-              </a:solidFill>
-            </a:endParaRPr>
-          </a:p>
-        </p:txBody>
-      </p:sp>
-      <p:pic>
-        <p:nvPicPr>
-          <p:cNvPr id="5" name="Image 4" descr="Une image contenant texte, capture d’écran, Police, ligne&#10;&#10;Description générée automatiquement">
-            <a:extLst>
-              <a:ext uri="{FF2B5EF4-FFF2-40B4-BE49-F238E27FC236}">
-                <a16:creationId xmlns:a16="http://schemas.microsoft.com/office/drawing/2014/main" id="{30514865-1408-D672-BC2B-80C67C9C5CC4}"/>
-              </a:ext>
-            </a:extLst>
-          </p:cNvPr>
-          <p:cNvPicPr>
-            <a:picLocks noChangeAspect="1"/>
-          </p:cNvPicPr>
-          <p:nvPr/>
-        </p:nvPicPr>
-        <p:blipFill>
-          <a:blip r:embed="rId2">
-            <a:extLst>
-              <a:ext uri="{28A0092B-C50C-407E-A947-70E740481C1C}">
-                <a14:useLocalDpi xmlns:a14="http://schemas.microsoft.com/office/drawing/2010/main" val="0"/>
-              </a:ext>
-            </a:extLst>
-          </a:blip>
-          <a:stretch>
-            <a:fillRect/>
-          </a:stretch>
-        </p:blipFill>
-        <p:spPr>
-          <a:xfrm>
-            <a:off x="838200" y="1930499"/>
-            <a:ext cx="4756214" cy="1659145"/>
-          </a:xfrm>
-          <a:prstGeom prst="rect">
-            <a:avLst/>
-          </a:prstGeom>
-        </p:spPr>
-      </p:pic>
-      <p:pic>
-        <p:nvPicPr>
-          <p:cNvPr id="7" name="Image 6" descr="Une image contenant texte, capture d’écran, Police, logiciel&#10;&#10;Description générée automatiquement">
-            <a:extLst>
-              <a:ext uri="{FF2B5EF4-FFF2-40B4-BE49-F238E27FC236}">
-                <a16:creationId xmlns:a16="http://schemas.microsoft.com/office/drawing/2014/main" id="{FAD05BC6-B8EC-42E6-E546-AC38798A7777}"/>
-              </a:ext>
-            </a:extLst>
-          </p:cNvPr>
-          <p:cNvPicPr>
-            <a:picLocks noChangeAspect="1"/>
-          </p:cNvPicPr>
-          <p:nvPr/>
-        </p:nvPicPr>
-        <p:blipFill>
-          <a:blip r:embed="rId3">
-            <a:extLst>
-              <a:ext uri="{28A0092B-C50C-407E-A947-70E740481C1C}">
-                <a14:useLocalDpi xmlns:a14="http://schemas.microsoft.com/office/drawing/2010/main" val="0"/>
-              </a:ext>
-            </a:extLst>
-          </a:blip>
-          <a:stretch>
-            <a:fillRect/>
-          </a:stretch>
-        </p:blipFill>
-        <p:spPr>
-          <a:xfrm>
-            <a:off x="838200" y="3866030"/>
-            <a:ext cx="7819539" cy="2414454"/>
-          </a:xfrm>
-          <a:prstGeom prst="rect">
-            <a:avLst/>
-          </a:prstGeom>
-        </p:spPr>
-      </p:pic>
+              <a:t>5.3.5 Implémentation classe Satellite</a:t>
+            </a:r>
+          </a:p>
+        </p:txBody>
+      </p:sp>
       <p:sp>
         <p:nvSpPr>
           <p:cNvPr id="4" name="Espace réservé du numéro de diapositive 3">
             <a:extLst>
               <a:ext uri="{FF2B5EF4-FFF2-40B4-BE49-F238E27FC236}">
-                <a16:creationId xmlns:a16="http://schemas.microsoft.com/office/drawing/2014/main" id="{69C76819-F36D-767B-4002-95F152A2168D}"/>
+                <a16:creationId xmlns:a16="http://schemas.microsoft.com/office/drawing/2014/main" id="{E31C6AA6-8FB8-E1C5-FA96-1421E6B2BD27}"/>
               </a:ext>
             </a:extLst>
           </p:cNvPr>
@@ -7024,10 +7599,82 @@
           </a:p>
         </p:txBody>
       </p:sp>
+      <p:pic>
+        <p:nvPicPr>
+          <p:cNvPr id="10" name="Image 9" descr="Une image contenant texte, capture d’écran, logiciel, Police&#10;&#10;Description générée automatiquement">
+            <a:extLst>
+              <a:ext uri="{FF2B5EF4-FFF2-40B4-BE49-F238E27FC236}">
+                <a16:creationId xmlns:a16="http://schemas.microsoft.com/office/drawing/2014/main" id="{94D4ED18-807F-5B71-DCBB-67875129CC08}"/>
+              </a:ext>
+            </a:extLst>
+          </p:cNvPr>
+          <p:cNvPicPr>
+            <a:picLocks noChangeAspect="1"/>
+          </p:cNvPicPr>
+          <p:nvPr/>
+        </p:nvPicPr>
+        <p:blipFill>
+          <a:blip r:embed="rId2">
+            <a:extLst>
+              <a:ext uri="{28A0092B-C50C-407E-A947-70E740481C1C}">
+                <a14:useLocalDpi xmlns:a14="http://schemas.microsoft.com/office/drawing/2010/main" val="0"/>
+              </a:ext>
+            </a:extLst>
+          </a:blip>
+          <a:stretch>
+            <a:fillRect/>
+          </a:stretch>
+        </p:blipFill>
+        <p:spPr>
+          <a:xfrm>
+            <a:off x="6319721" y="786062"/>
+            <a:ext cx="5872280" cy="6071937"/>
+          </a:xfrm>
+          <a:prstGeom prst="rect">
+            <a:avLst/>
+          </a:prstGeom>
+        </p:spPr>
+      </p:pic>
+      <p:pic>
+        <p:nvPicPr>
+          <p:cNvPr id="12" name="Image 11" descr="Une image contenant texte, capture d’écran, Police, nombre&#10;&#10;Description générée automatiquement">
+            <a:extLst>
+              <a:ext uri="{FF2B5EF4-FFF2-40B4-BE49-F238E27FC236}">
+                <a16:creationId xmlns:a16="http://schemas.microsoft.com/office/drawing/2014/main" id="{0CBF60BF-F4EC-17B3-94CF-CC9F8346CC87}"/>
+              </a:ext>
+            </a:extLst>
+          </p:cNvPr>
+          <p:cNvPicPr>
+            <a:picLocks noChangeAspect="1"/>
+          </p:cNvPicPr>
+          <p:nvPr/>
+        </p:nvPicPr>
+        <p:blipFill>
+          <a:blip r:embed="rId3">
+            <a:extLst>
+              <a:ext uri="{28A0092B-C50C-407E-A947-70E740481C1C}">
+                <a14:useLocalDpi xmlns:a14="http://schemas.microsoft.com/office/drawing/2010/main" val="0"/>
+              </a:ext>
+            </a:extLst>
+          </a:blip>
+          <a:stretch>
+            <a:fillRect/>
+          </a:stretch>
+        </p:blipFill>
+        <p:spPr>
+          <a:xfrm>
+            <a:off x="838200" y="2011112"/>
+            <a:ext cx="5105400" cy="3016061"/>
+          </a:xfrm>
+          <a:prstGeom prst="rect">
+            <a:avLst/>
+          </a:prstGeom>
+        </p:spPr>
+      </p:pic>
     </p:spTree>
     <p:extLst>
       <p:ext uri="{BB962C8B-B14F-4D97-AF65-F5344CB8AC3E}">
-        <p14:creationId xmlns:p14="http://schemas.microsoft.com/office/powerpoint/2010/main" val="3148018332"/>
+        <p14:creationId xmlns:p14="http://schemas.microsoft.com/office/powerpoint/2010/main" val="394326024"/>
       </p:ext>
     </p:extLst>
   </p:cSld>
@@ -7241,10 +7888,39 @@
       </p:grpSpPr>
       <p:sp>
         <p:nvSpPr>
-          <p:cNvPr id="2" name="Titre 1">
-            <a:extLst>
-              <a:ext uri="{FF2B5EF4-FFF2-40B4-BE49-F238E27FC236}">
-                <a16:creationId xmlns:a16="http://schemas.microsoft.com/office/drawing/2014/main" id="{EDD20F79-E563-EB9F-E369-1CF88F4C49EA}"/>
+          <p:cNvPr id="4" name="Espace réservé du numéro de diapositive 3">
+            <a:extLst>
+              <a:ext uri="{FF2B5EF4-FFF2-40B4-BE49-F238E27FC236}">
+                <a16:creationId xmlns:a16="http://schemas.microsoft.com/office/drawing/2014/main" id="{20D2CFFF-6858-FCB0-04CB-A577EDEBE875}"/>
+              </a:ext>
+            </a:extLst>
+          </p:cNvPr>
+          <p:cNvSpPr>
+            <a:spLocks noGrp="1"/>
+          </p:cNvSpPr>
+          <p:nvPr>
+            <p:ph type="sldNum" sz="quarter" idx="12"/>
+          </p:nvPr>
+        </p:nvSpPr>
+        <p:spPr/>
+        <p:txBody>
+          <a:bodyPr/>
+          <a:lstStyle/>
+          <a:p>
+            <a:fld id="{21DC54FF-25FF-4E3C-8E95-B134956906F2}" type="slidenum">
+              <a:rPr lang="fr-FR" smtClean="0"/>
+              <a:t>20</a:t>
+            </a:fld>
+            <a:endParaRPr lang="fr-FR"/>
+          </a:p>
+        </p:txBody>
+      </p:sp>
+      <p:sp>
+        <p:nvSpPr>
+          <p:cNvPr id="5" name="Titre 1">
+            <a:extLst>
+              <a:ext uri="{FF2B5EF4-FFF2-40B4-BE49-F238E27FC236}">
+                <a16:creationId xmlns:a16="http://schemas.microsoft.com/office/drawing/2014/main" id="{86EBD5FD-D57F-3AAF-1FED-E6A8F44295B4}"/>
               </a:ext>
             </a:extLst>
           </p:cNvPr>
@@ -7255,7 +7931,12 @@
             <p:ph type="title"/>
           </p:nvPr>
         </p:nvSpPr>
-        <p:spPr/>
+        <p:spPr>
+          <a:xfrm>
+            <a:off x="838200" y="365125"/>
+            <a:ext cx="10515600" cy="1325563"/>
+          </a:xfrm>
+        </p:spPr>
         <p:txBody>
           <a:bodyPr/>
           <a:lstStyle/>
@@ -7273,10 +7954,10 @@
       </p:sp>
       <p:sp>
         <p:nvSpPr>
-          <p:cNvPr id="3" name="Espace réservé du contenu 2">
-            <a:extLst>
-              <a:ext uri="{FF2B5EF4-FFF2-40B4-BE49-F238E27FC236}">
-                <a16:creationId xmlns:a16="http://schemas.microsoft.com/office/drawing/2014/main" id="{E53A2475-2970-7C1F-B77F-0A58ACE04A7A}"/>
+          <p:cNvPr id="6" name="Espace réservé du contenu 2">
+            <a:extLst>
+              <a:ext uri="{FF2B5EF4-FFF2-40B4-BE49-F238E27FC236}">
+                <a16:creationId xmlns:a16="http://schemas.microsoft.com/office/drawing/2014/main" id="{7FB8F5C2-B094-3BFA-CDA6-C82481939D5A}"/>
               </a:ext>
             </a:extLst>
           </p:cNvPr>
@@ -7316,10 +7997,10 @@
       </p:sp>
       <p:pic>
         <p:nvPicPr>
-          <p:cNvPr id="5" name="Image 4" descr="Une image contenant texte, capture d’écran, Police&#10;&#10;Description générée automatiquement">
-            <a:extLst>
-              <a:ext uri="{FF2B5EF4-FFF2-40B4-BE49-F238E27FC236}">
-                <a16:creationId xmlns:a16="http://schemas.microsoft.com/office/drawing/2014/main" id="{D1026E9E-85FD-332C-AE8E-F4D2FA1BAFBD}"/>
+          <p:cNvPr id="9" name="Image 8" descr="Une image contenant texte, capture d’écran, logiciel, Police&#10;&#10;Description générée automatiquement">
+            <a:extLst>
+              <a:ext uri="{FF2B5EF4-FFF2-40B4-BE49-F238E27FC236}">
+                <a16:creationId xmlns:a16="http://schemas.microsoft.com/office/drawing/2014/main" id="{6115B710-2EF0-A5F8-4833-0459BFDC6469}"/>
               </a:ext>
             </a:extLst>
           </p:cNvPr>
@@ -7342,8 +8023,8 @@
         </p:blipFill>
         <p:spPr>
           <a:xfrm>
-            <a:off x="838200" y="2903621"/>
-            <a:ext cx="5301696" cy="3160294"/>
+            <a:off x="6418843" y="1370263"/>
+            <a:ext cx="5773158" cy="5467110"/>
           </a:xfrm>
           <a:prstGeom prst="rect">
             <a:avLst/>
@@ -7352,10 +8033,10 @@
       </p:pic>
       <p:pic>
         <p:nvPicPr>
-          <p:cNvPr id="7" name="Image 6" descr="Une image contenant texte, capture d’écran, logiciel&#10;&#10;Description générée automatiquement">
-            <a:extLst>
-              <a:ext uri="{FF2B5EF4-FFF2-40B4-BE49-F238E27FC236}">
-                <a16:creationId xmlns:a16="http://schemas.microsoft.com/office/drawing/2014/main" id="{B9254C10-395C-F883-26F9-68C4E5449CB5}"/>
+          <p:cNvPr id="11" name="Image 10" descr="Une image contenant texte, capture d’écran, Police, nombre&#10;&#10;Description générée automatiquement">
+            <a:extLst>
+              <a:ext uri="{FF2B5EF4-FFF2-40B4-BE49-F238E27FC236}">
+                <a16:creationId xmlns:a16="http://schemas.microsoft.com/office/drawing/2014/main" id="{3A00D666-6D87-043F-F116-4034E1CCF8AD}"/>
               </a:ext>
             </a:extLst>
           </p:cNvPr>
@@ -7378,59 +8059,18 @@
         </p:blipFill>
         <p:spPr>
           <a:xfrm>
-            <a:off x="6579734" y="0"/>
-            <a:ext cx="5168637" cy="6857999"/>
+            <a:off x="838200" y="2011112"/>
+            <a:ext cx="5311221" cy="3137652"/>
           </a:xfrm>
           <a:prstGeom prst="rect">
             <a:avLst/>
           </a:prstGeom>
         </p:spPr>
       </p:pic>
-      <p:sp>
-        <p:nvSpPr>
-          <p:cNvPr id="4" name="Espace réservé du numéro de diapositive 3">
-            <a:extLst>
-              <a:ext uri="{FF2B5EF4-FFF2-40B4-BE49-F238E27FC236}">
-                <a16:creationId xmlns:a16="http://schemas.microsoft.com/office/drawing/2014/main" id="{E31C6AA6-8FB8-E1C5-FA96-1421E6B2BD27}"/>
-              </a:ext>
-            </a:extLst>
-          </p:cNvPr>
-          <p:cNvSpPr>
-            <a:spLocks noGrp="1"/>
-          </p:cNvSpPr>
-          <p:nvPr>
-            <p:ph type="sldNum" sz="quarter" idx="12"/>
-          </p:nvPr>
-        </p:nvSpPr>
-        <p:spPr/>
-        <p:txBody>
-          <a:bodyPr/>
-          <a:lstStyle/>
-          <a:p>
-            <a:fld id="{21DC54FF-25FF-4E3C-8E95-B134956906F2}" type="slidenum">
-              <a:rPr lang="fr-FR" sz="4000" smtClean="0">
-                <a:solidFill>
-                  <a:schemeClr val="accent2">
-                    <a:lumMod val="50000"/>
-                  </a:schemeClr>
-                </a:solidFill>
-              </a:rPr>
-              <a:t>20</a:t>
-            </a:fld>
-            <a:endParaRPr lang="fr-FR" sz="4000" dirty="0">
-              <a:solidFill>
-                <a:schemeClr val="accent2">
-                  <a:lumMod val="50000"/>
-                </a:schemeClr>
-              </a:solidFill>
-            </a:endParaRPr>
-          </a:p>
-        </p:txBody>
-      </p:sp>
     </p:spTree>
     <p:extLst>
       <p:ext uri="{BB962C8B-B14F-4D97-AF65-F5344CB8AC3E}">
-        <p14:creationId xmlns:p14="http://schemas.microsoft.com/office/powerpoint/2010/main" val="394326024"/>
+        <p14:creationId xmlns:p14="http://schemas.microsoft.com/office/powerpoint/2010/main" val="304474121"/>
       </p:ext>
     </p:extLst>
   </p:cSld>
@@ -7805,42 +8445,6 @@
           </a:prstGeom>
         </p:spPr>
       </p:pic>
-      <p:pic>
-        <p:nvPicPr>
-          <p:cNvPr id="7" name="Image 6" descr="Une image contenant texte, capture d’écran&#10;&#10;Description générée automatiquement">
-            <a:extLst>
-              <a:ext uri="{FF2B5EF4-FFF2-40B4-BE49-F238E27FC236}">
-                <a16:creationId xmlns:a16="http://schemas.microsoft.com/office/drawing/2014/main" id="{60346234-A7E7-B5EE-97A1-2DC5A2F3EC55}"/>
-              </a:ext>
-            </a:extLst>
-          </p:cNvPr>
-          <p:cNvPicPr>
-            <a:picLocks noChangeAspect="1"/>
-          </p:cNvPicPr>
-          <p:nvPr/>
-        </p:nvPicPr>
-        <p:blipFill>
-          <a:blip r:embed="rId3">
-            <a:extLst>
-              <a:ext uri="{28A0092B-C50C-407E-A947-70E740481C1C}">
-                <a14:useLocalDpi xmlns:a14="http://schemas.microsoft.com/office/drawing/2010/main" val="0"/>
-              </a:ext>
-            </a:extLst>
-          </a:blip>
-          <a:stretch>
-            <a:fillRect/>
-          </a:stretch>
-        </p:blipFill>
-        <p:spPr>
-          <a:xfrm>
-            <a:off x="387878" y="3771786"/>
-            <a:ext cx="11515364" cy="2548803"/>
-          </a:xfrm>
-          <a:prstGeom prst="rect">
-            <a:avLst/>
-          </a:prstGeom>
-        </p:spPr>
-      </p:pic>
       <p:sp>
         <p:nvSpPr>
           <p:cNvPr id="4" name="Espace réservé du numéro de diapositive 3">
@@ -7882,6 +8486,42 @@
           </a:p>
         </p:txBody>
       </p:sp>
+      <p:pic>
+        <p:nvPicPr>
+          <p:cNvPr id="8" name="Image 7" descr="Une image contenant texte, ligne, capture d’écran&#10;&#10;Description générée automatiquement">
+            <a:extLst>
+              <a:ext uri="{FF2B5EF4-FFF2-40B4-BE49-F238E27FC236}">
+                <a16:creationId xmlns:a16="http://schemas.microsoft.com/office/drawing/2014/main" id="{7A9165EB-784B-20CC-2F5F-515F0517F508}"/>
+              </a:ext>
+            </a:extLst>
+          </p:cNvPr>
+          <p:cNvPicPr>
+            <a:picLocks noChangeAspect="1"/>
+          </p:cNvPicPr>
+          <p:nvPr/>
+        </p:nvPicPr>
+        <p:blipFill>
+          <a:blip r:embed="rId3">
+            <a:extLst>
+              <a:ext uri="{28A0092B-C50C-407E-A947-70E740481C1C}">
+                <a14:useLocalDpi xmlns:a14="http://schemas.microsoft.com/office/drawing/2010/main" val="0"/>
+              </a:ext>
+            </a:extLst>
+          </a:blip>
+          <a:stretch>
+            <a:fillRect/>
+          </a:stretch>
+        </p:blipFill>
+        <p:spPr>
+          <a:xfrm>
+            <a:off x="838199" y="3696087"/>
+            <a:ext cx="10917174" cy="2181529"/>
+          </a:xfrm>
+          <a:prstGeom prst="rect">
+            <a:avLst/>
+          </a:prstGeom>
+        </p:spPr>
+      </p:pic>
     </p:spTree>
     <p:extLst>
       <p:ext uri="{BB962C8B-B14F-4D97-AF65-F5344CB8AC3E}">
@@ -8010,19 +8650,31 @@
           <a:lstStyle/>
           <a:p>
             <a:fld id="{21DC54FF-25FF-4E3C-8E95-B134956906F2}" type="slidenum">
-              <a:rPr lang="fr-FR" smtClean="0"/>
+              <a:rPr lang="fr-FR" sz="4000" smtClean="0">
+                <a:solidFill>
+                  <a:schemeClr val="accent2">
+                    <a:lumMod val="50000"/>
+                  </a:schemeClr>
+                </a:solidFill>
+              </a:rPr>
               <a:t>23</a:t>
             </a:fld>
-            <a:endParaRPr lang="fr-FR"/>
+            <a:endParaRPr lang="fr-FR" sz="4000" dirty="0">
+              <a:solidFill>
+                <a:schemeClr val="accent2">
+                  <a:lumMod val="50000"/>
+                </a:schemeClr>
+              </a:solidFill>
+            </a:endParaRPr>
           </a:p>
         </p:txBody>
       </p:sp>
       <p:pic>
         <p:nvPicPr>
-          <p:cNvPr id="6" name="Image 5" descr="Une image contenant texte, capture d’écran, Police, ligne&#10;&#10;Description générée automatiquement">
-            <a:extLst>
-              <a:ext uri="{FF2B5EF4-FFF2-40B4-BE49-F238E27FC236}">
-                <a16:creationId xmlns:a16="http://schemas.microsoft.com/office/drawing/2014/main" id="{776A4C71-D9F5-B23F-48B0-309BF08A4040}"/>
+          <p:cNvPr id="7" name="Image 6" descr="Une image contenant texte, capture d’écran, Police&#10;&#10;Description générée automatiquement">
+            <a:extLst>
+              <a:ext uri="{FF2B5EF4-FFF2-40B4-BE49-F238E27FC236}">
+                <a16:creationId xmlns:a16="http://schemas.microsoft.com/office/drawing/2014/main" id="{CC25BBB1-1179-7E84-7E80-5E508E75DD75}"/>
               </a:ext>
             </a:extLst>
           </p:cNvPr>
@@ -8045,8 +8697,8 @@
         </p:blipFill>
         <p:spPr>
           <a:xfrm>
-            <a:off x="643754" y="2505456"/>
-            <a:ext cx="10904493" cy="1847087"/>
+            <a:off x="903004" y="1779667"/>
+            <a:ext cx="10737308" cy="3435116"/>
           </a:xfrm>
           <a:prstGeom prst="rect">
             <a:avLst/>
@@ -8055,10 +8707,10 @@
       </p:pic>
       <p:pic>
         <p:nvPicPr>
-          <p:cNvPr id="8" name="Image 7">
-            <a:extLst>
-              <a:ext uri="{FF2B5EF4-FFF2-40B4-BE49-F238E27FC236}">
-                <a16:creationId xmlns:a16="http://schemas.microsoft.com/office/drawing/2014/main" id="{BA1F0E50-5B65-7A93-E5B1-D9DFEB702903}"/>
+          <p:cNvPr id="10" name="Image 9">
+            <a:extLst>
+              <a:ext uri="{FF2B5EF4-FFF2-40B4-BE49-F238E27FC236}">
+                <a16:creationId xmlns:a16="http://schemas.microsoft.com/office/drawing/2014/main" id="{49008B04-B977-F596-B3C4-F1FD54C3902B}"/>
               </a:ext>
             </a:extLst>
           </p:cNvPr>
@@ -8081,8 +8733,8 @@
         </p:blipFill>
         <p:spPr>
           <a:xfrm>
-            <a:off x="643754" y="4579407"/>
-            <a:ext cx="10904493" cy="596764"/>
+            <a:off x="942256" y="5436973"/>
+            <a:ext cx="10698056" cy="711886"/>
           </a:xfrm>
           <a:prstGeom prst="rect">
             <a:avLst/>
@@ -8334,7 +8986,7 @@
         </p:blipFill>
         <p:spPr>
           <a:xfrm>
-            <a:off x="4460323" y="2568057"/>
+            <a:off x="2832691" y="2675358"/>
             <a:ext cx="3095625" cy="3095625"/>
           </a:xfrm>
           <a:prstGeom prst="rect">
@@ -8370,8 +9022,8 @@
         </p:blipFill>
         <p:spPr>
           <a:xfrm>
-            <a:off x="10466557" y="4842587"/>
-            <a:ext cx="1432341" cy="1856792"/>
+            <a:off x="6772381" y="2675358"/>
+            <a:ext cx="2307611" cy="2991434"/>
           </a:xfrm>
           <a:prstGeom prst="rect">
             <a:avLst/>
@@ -8533,6 +9185,42 @@
           </a:p>
         </p:txBody>
       </p:sp>
+      <p:pic>
+        <p:nvPicPr>
+          <p:cNvPr id="8" name="Image 7" descr="Une image contenant illustration, fiction, Animation, Dessin animé&#10;&#10;Description générée automatiquement">
+            <a:extLst>
+              <a:ext uri="{FF2B5EF4-FFF2-40B4-BE49-F238E27FC236}">
+                <a16:creationId xmlns:a16="http://schemas.microsoft.com/office/drawing/2014/main" id="{93B1304A-6824-4D40-EEC8-13AE72DF4E9A}"/>
+              </a:ext>
+            </a:extLst>
+          </p:cNvPr>
+          <p:cNvPicPr>
+            <a:picLocks noChangeAspect="1"/>
+          </p:cNvPicPr>
+          <p:nvPr/>
+        </p:nvPicPr>
+        <p:blipFill>
+          <a:blip r:embed="rId2">
+            <a:extLst>
+              <a:ext uri="{28A0092B-C50C-407E-A947-70E740481C1C}">
+                <a14:useLocalDpi xmlns:a14="http://schemas.microsoft.com/office/drawing/2010/main" val="0"/>
+              </a:ext>
+            </a:extLst>
+          </a:blip>
+          <a:stretch>
+            <a:fillRect/>
+          </a:stretch>
+        </p:blipFill>
+        <p:spPr>
+          <a:xfrm>
+            <a:off x="3119114" y="3150636"/>
+            <a:ext cx="5953772" cy="2976886"/>
+          </a:xfrm>
+          <a:prstGeom prst="rect">
+            <a:avLst/>
+          </a:prstGeom>
+        </p:spPr>
+      </p:pic>
     </p:spTree>
     <p:extLst>
       <p:ext uri="{BB962C8B-B14F-4D97-AF65-F5344CB8AC3E}">
@@ -8703,6 +9391,42 @@
           </a:p>
         </p:txBody>
       </p:sp>
+      <p:pic>
+        <p:nvPicPr>
+          <p:cNvPr id="8" name="Image 7" descr="Une image contenant symbole, ligne, conception&#10;&#10;Description générée automatiquement">
+            <a:extLst>
+              <a:ext uri="{FF2B5EF4-FFF2-40B4-BE49-F238E27FC236}">
+                <a16:creationId xmlns:a16="http://schemas.microsoft.com/office/drawing/2014/main" id="{BCD1875B-90C9-7A49-1E38-8376C90C442E}"/>
+              </a:ext>
+            </a:extLst>
+          </p:cNvPr>
+          <p:cNvPicPr>
+            <a:picLocks noChangeAspect="1"/>
+          </p:cNvPicPr>
+          <p:nvPr/>
+        </p:nvPicPr>
+        <p:blipFill>
+          <a:blip r:embed="rId2">
+            <a:extLst>
+              <a:ext uri="{28A0092B-C50C-407E-A947-70E740481C1C}">
+                <a14:useLocalDpi xmlns:a14="http://schemas.microsoft.com/office/drawing/2010/main" val="0"/>
+              </a:ext>
+            </a:extLst>
+          </a:blip>
+          <a:stretch>
+            <a:fillRect/>
+          </a:stretch>
+        </p:blipFill>
+        <p:spPr>
+          <a:xfrm>
+            <a:off x="4390831" y="3418083"/>
+            <a:ext cx="2648047" cy="2648047"/>
+          </a:xfrm>
+          <a:prstGeom prst="rect">
+            <a:avLst/>
+          </a:prstGeom>
+        </p:spPr>
+      </p:pic>
     </p:spTree>
     <p:extLst>
       <p:ext uri="{BB962C8B-B14F-4D97-AF65-F5344CB8AC3E}">
@@ -8965,8 +9689,8 @@
         </p:nvSpPr>
         <p:spPr>
           <a:xfrm>
-            <a:off x="838200" y="1461878"/>
-            <a:ext cx="10515600" cy="4351338"/>
+            <a:off x="3035593" y="1391069"/>
+            <a:ext cx="4604006" cy="2936386"/>
           </a:xfrm>
         </p:spPr>
         <p:txBody>
@@ -9052,6 +9776,189 @@
                 </a:schemeClr>
               </a:solidFill>
             </a:endParaRPr>
+          </a:p>
+        </p:txBody>
+      </p:sp>
+      <p:sp>
+        <p:nvSpPr>
+          <p:cNvPr id="5" name="Rectangle 4">
+            <a:extLst>
+              <a:ext uri="{FF2B5EF4-FFF2-40B4-BE49-F238E27FC236}">
+                <a16:creationId xmlns:a16="http://schemas.microsoft.com/office/drawing/2014/main" id="{CD83372D-19CE-AF54-1EC0-8F40AAF4F3D3}"/>
+              </a:ext>
+            </a:extLst>
+          </p:cNvPr>
+          <p:cNvSpPr/>
+          <p:nvPr/>
+        </p:nvSpPr>
+        <p:spPr>
+          <a:xfrm>
+            <a:off x="6298967" y="4564983"/>
+            <a:ext cx="2687781" cy="1080655"/>
+          </a:xfrm>
+          <a:prstGeom prst="rect">
+            <a:avLst/>
+          </a:prstGeom>
+        </p:spPr>
+        <p:style>
+          <a:lnRef idx="2">
+            <a:schemeClr val="accent1">
+              <a:shade val="15000"/>
+            </a:schemeClr>
+          </a:lnRef>
+          <a:fillRef idx="1">
+            <a:schemeClr val="accent1"/>
+          </a:fillRef>
+          <a:effectRef idx="0">
+            <a:schemeClr val="accent1"/>
+          </a:effectRef>
+          <a:fontRef idx="minor">
+            <a:schemeClr val="lt1"/>
+          </a:fontRef>
+        </p:style>
+        <p:txBody>
+          <a:bodyPr rtlCol="0" anchor="ctr"/>
+          <a:lstStyle/>
+          <a:p>
+            <a:pPr algn="ctr"/>
+            <a:endParaRPr lang="fr-FR"/>
+          </a:p>
+        </p:txBody>
+      </p:sp>
+      <p:sp>
+        <p:nvSpPr>
+          <p:cNvPr id="6" name="ZoneTexte 5">
+            <a:extLst>
+              <a:ext uri="{FF2B5EF4-FFF2-40B4-BE49-F238E27FC236}">
+                <a16:creationId xmlns:a16="http://schemas.microsoft.com/office/drawing/2014/main" id="{985AE79C-8E50-B1A1-4A48-FF89119A0C3F}"/>
+              </a:ext>
+            </a:extLst>
+          </p:cNvPr>
+          <p:cNvSpPr txBox="1"/>
+          <p:nvPr/>
+        </p:nvSpPr>
+        <p:spPr>
+          <a:xfrm>
+            <a:off x="6434254" y="4820600"/>
+            <a:ext cx="2410690" cy="646331"/>
+          </a:xfrm>
+          <a:prstGeom prst="rect">
+            <a:avLst/>
+          </a:prstGeom>
+          <a:noFill/>
+        </p:spPr>
+        <p:txBody>
+          <a:bodyPr wrap="square" rtlCol="0">
+            <a:spAutoFit/>
+          </a:bodyPr>
+          <a:lstStyle/>
+          <a:p>
+            <a:pPr lvl="0" algn="ctr"/>
+            <a:r>
+              <a:rPr lang="fr-FR" dirty="0"/>
+              <a:t>Objet sujet</a:t>
+            </a:r>
+          </a:p>
+          <a:p>
+            <a:pPr lvl="0" algn="ctr"/>
+            <a:r>
+              <a:rPr lang="fr-FR" dirty="0"/>
+              <a:t>(Diffuseur)</a:t>
+            </a:r>
+          </a:p>
+        </p:txBody>
+      </p:sp>
+      <p:sp>
+        <p:nvSpPr>
+          <p:cNvPr id="7" name="Rectangle 6">
+            <a:extLst>
+              <a:ext uri="{FF2B5EF4-FFF2-40B4-BE49-F238E27FC236}">
+                <a16:creationId xmlns:a16="http://schemas.microsoft.com/office/drawing/2014/main" id="{87BD8FB4-5A87-97D0-495F-675E890D5660}"/>
+              </a:ext>
+            </a:extLst>
+          </p:cNvPr>
+          <p:cNvSpPr/>
+          <p:nvPr/>
+        </p:nvSpPr>
+        <p:spPr>
+          <a:xfrm>
+            <a:off x="2202455" y="4564983"/>
+            <a:ext cx="2687781" cy="1080655"/>
+          </a:xfrm>
+          <a:prstGeom prst="rect">
+            <a:avLst/>
+          </a:prstGeom>
+          <a:solidFill>
+            <a:schemeClr val="accent2"/>
+          </a:solidFill>
+        </p:spPr>
+        <p:style>
+          <a:lnRef idx="2">
+            <a:schemeClr val="accent1">
+              <a:shade val="15000"/>
+            </a:schemeClr>
+          </a:lnRef>
+          <a:fillRef idx="1">
+            <a:schemeClr val="accent1"/>
+          </a:fillRef>
+          <a:effectRef idx="0">
+            <a:schemeClr val="accent1"/>
+          </a:effectRef>
+          <a:fontRef idx="minor">
+            <a:schemeClr val="lt1"/>
+          </a:fontRef>
+        </p:style>
+        <p:txBody>
+          <a:bodyPr rtlCol="0" anchor="ctr"/>
+          <a:lstStyle/>
+          <a:p>
+            <a:pPr algn="ctr"/>
+            <a:endParaRPr lang="fr-FR"/>
+          </a:p>
+        </p:txBody>
+      </p:sp>
+      <p:sp>
+        <p:nvSpPr>
+          <p:cNvPr id="8" name="ZoneTexte 7">
+            <a:extLst>
+              <a:ext uri="{FF2B5EF4-FFF2-40B4-BE49-F238E27FC236}">
+                <a16:creationId xmlns:a16="http://schemas.microsoft.com/office/drawing/2014/main" id="{C8A25B94-C96A-CCB9-308E-14341ADA67E3}"/>
+              </a:ext>
+            </a:extLst>
+          </p:cNvPr>
+          <p:cNvSpPr txBox="1"/>
+          <p:nvPr/>
+        </p:nvSpPr>
+        <p:spPr>
+          <a:xfrm>
+            <a:off x="2337744" y="4782146"/>
+            <a:ext cx="2410690" cy="646331"/>
+          </a:xfrm>
+          <a:prstGeom prst="rect">
+            <a:avLst/>
+          </a:prstGeom>
+          <a:solidFill>
+            <a:schemeClr val="accent2"/>
+          </a:solidFill>
+        </p:spPr>
+        <p:txBody>
+          <a:bodyPr wrap="square" rtlCol="0">
+            <a:spAutoFit/>
+          </a:bodyPr>
+          <a:lstStyle/>
+          <a:p>
+            <a:pPr lvl="0" algn="ctr"/>
+            <a:r>
+              <a:rPr lang="fr-FR" dirty="0"/>
+              <a:t>Objet Observateur</a:t>
+            </a:r>
+          </a:p>
+          <a:p>
+            <a:pPr lvl="0" algn="ctr"/>
+            <a:r>
+              <a:rPr lang="fr-FR" dirty="0"/>
+              <a:t>(Souscripteur)</a:t>
+            </a:r>
           </a:p>
         </p:txBody>
       </p:sp>

--- a/106_DesignPattern/Cours/Observateur/Observateur.pptx
+++ b/106_DesignPattern/Cours/Observateur/Observateur.pptx
@@ -152,7 +152,7 @@
   <pc:docChgLst>
     <pc:chgData name="David CRAVO" userId="ba75d8fe6eadcc5e" providerId="LiveId" clId="{FC976D47-49AC-41B6-B5F5-80E15325E9E0}"/>
     <pc:docChg chg="undo custSel addSld delSld modSld modMainMaster">
-      <pc:chgData name="David CRAVO" userId="ba75d8fe6eadcc5e" providerId="LiveId" clId="{FC976D47-49AC-41B6-B5F5-80E15325E9E0}" dt="2023-07-25T17:35:56.048" v="1980" actId="1076"/>
+      <pc:chgData name="David CRAVO" userId="ba75d8fe6eadcc5e" providerId="LiveId" clId="{FC976D47-49AC-41B6-B5F5-80E15325E9E0}" dt="2023-07-28T06:24:55.673" v="2012" actId="1076"/>
       <pc:docMkLst>
         <pc:docMk/>
       </pc:docMkLst>
@@ -218,7 +218,7 @@
         </pc:sldMkLst>
       </pc:sldChg>
       <pc:sldChg chg="modSp mod">
-        <pc:chgData name="David CRAVO" userId="ba75d8fe6eadcc5e" providerId="LiveId" clId="{FC976D47-49AC-41B6-B5F5-80E15325E9E0}" dt="2023-07-24T18:00:26.993" v="1711" actId="207"/>
+        <pc:chgData name="David CRAVO" userId="ba75d8fe6eadcc5e" providerId="LiveId" clId="{FC976D47-49AC-41B6-B5F5-80E15325E9E0}" dt="2023-07-28T06:21:48.125" v="1985" actId="207"/>
         <pc:sldMkLst>
           <pc:docMk/>
           <pc:sldMk cId="3389184911" sldId="260"/>
@@ -240,7 +240,7 @@
           </ac:spMkLst>
         </pc:spChg>
         <pc:spChg chg="mod">
-          <ac:chgData name="David CRAVO" userId="ba75d8fe6eadcc5e" providerId="LiveId" clId="{FC976D47-49AC-41B6-B5F5-80E15325E9E0}" dt="2023-07-24T18:00:26.993" v="1711" actId="207"/>
+          <ac:chgData name="David CRAVO" userId="ba75d8fe6eadcc5e" providerId="LiveId" clId="{FC976D47-49AC-41B6-B5F5-80E15325E9E0}" dt="2023-07-28T06:21:48.125" v="1985" actId="207"/>
           <ac:spMkLst>
             <pc:docMk/>
             <pc:sldMk cId="3389184911" sldId="260"/>
@@ -249,7 +249,7 @@
         </pc:spChg>
       </pc:sldChg>
       <pc:sldChg chg="addSp delSp modSp mod">
-        <pc:chgData name="David CRAVO" userId="ba75d8fe6eadcc5e" providerId="LiveId" clId="{FC976D47-49AC-41B6-B5F5-80E15325E9E0}" dt="2023-07-25T16:23:42.561" v="1904" actId="1076"/>
+        <pc:chgData name="David CRAVO" userId="ba75d8fe6eadcc5e" providerId="LiveId" clId="{FC976D47-49AC-41B6-B5F5-80E15325E9E0}" dt="2023-07-28T06:21:41.610" v="1984" actId="207"/>
         <pc:sldMkLst>
           <pc:docMk/>
           <pc:sldMk cId="3001935333" sldId="261"/>
@@ -271,7 +271,7 @@
           </ac:spMkLst>
         </pc:spChg>
         <pc:spChg chg="mod">
-          <ac:chgData name="David CRAVO" userId="ba75d8fe6eadcc5e" providerId="LiveId" clId="{FC976D47-49AC-41B6-B5F5-80E15325E9E0}" dt="2023-07-24T18:00:50.910" v="1713" actId="207"/>
+          <ac:chgData name="David CRAVO" userId="ba75d8fe6eadcc5e" providerId="LiveId" clId="{FC976D47-49AC-41B6-B5F5-80E15325E9E0}" dt="2023-07-28T06:21:41.610" v="1984" actId="207"/>
           <ac:spMkLst>
             <pc:docMk/>
             <pc:sldMk cId="3001935333" sldId="261"/>
@@ -296,7 +296,7 @@
         </pc:picChg>
       </pc:sldChg>
       <pc:sldChg chg="addSp delSp modSp mod">
-        <pc:chgData name="David CRAVO" userId="ba75d8fe6eadcc5e" providerId="LiveId" clId="{FC976D47-49AC-41B6-B5F5-80E15325E9E0}" dt="2023-07-25T16:19:04.375" v="1893" actId="1076"/>
+        <pc:chgData name="David CRAVO" userId="ba75d8fe6eadcc5e" providerId="LiveId" clId="{FC976D47-49AC-41B6-B5F5-80E15325E9E0}" dt="2023-07-28T06:21:56.379" v="1986" actId="207"/>
         <pc:sldMkLst>
           <pc:docMk/>
           <pc:sldMk cId="1326518591" sldId="262"/>
@@ -318,7 +318,7 @@
           </ac:spMkLst>
         </pc:spChg>
         <pc:spChg chg="mod">
-          <ac:chgData name="David CRAVO" userId="ba75d8fe6eadcc5e" providerId="LiveId" clId="{FC976D47-49AC-41B6-B5F5-80E15325E9E0}" dt="2023-07-24T18:01:07.716" v="1715" actId="207"/>
+          <ac:chgData name="David CRAVO" userId="ba75d8fe6eadcc5e" providerId="LiveId" clId="{FC976D47-49AC-41B6-B5F5-80E15325E9E0}" dt="2023-07-28T06:21:56.379" v="1986" actId="207"/>
           <ac:spMkLst>
             <pc:docMk/>
             <pc:sldMk cId="1326518591" sldId="262"/>
@@ -343,7 +343,7 @@
         </pc:picChg>
       </pc:sldChg>
       <pc:sldChg chg="modSp mod">
-        <pc:chgData name="David CRAVO" userId="ba75d8fe6eadcc5e" providerId="LiveId" clId="{FC976D47-49AC-41B6-B5F5-80E15325E9E0}" dt="2023-07-24T18:01:18.655" v="1717" actId="207"/>
+        <pc:chgData name="David CRAVO" userId="ba75d8fe6eadcc5e" providerId="LiveId" clId="{FC976D47-49AC-41B6-B5F5-80E15325E9E0}" dt="2023-07-28T06:22:02.334" v="1987" actId="207"/>
         <pc:sldMkLst>
           <pc:docMk/>
           <pc:sldMk cId="3239956060" sldId="263"/>
@@ -357,7 +357,7 @@
           </ac:spMkLst>
         </pc:spChg>
         <pc:spChg chg="mod">
-          <ac:chgData name="David CRAVO" userId="ba75d8fe6eadcc5e" providerId="LiveId" clId="{FC976D47-49AC-41B6-B5F5-80E15325E9E0}" dt="2023-07-24T18:01:18.655" v="1717" actId="207"/>
+          <ac:chgData name="David CRAVO" userId="ba75d8fe6eadcc5e" providerId="LiveId" clId="{FC976D47-49AC-41B6-B5F5-80E15325E9E0}" dt="2023-07-28T06:22:02.334" v="1987" actId="207"/>
           <ac:spMkLst>
             <pc:docMk/>
             <pc:sldMk cId="3239956060" sldId="263"/>
@@ -382,7 +382,7 @@
         </pc:picChg>
       </pc:sldChg>
       <pc:sldChg chg="addSp modSp mod">
-        <pc:chgData name="David CRAVO" userId="ba75d8fe6eadcc5e" providerId="LiveId" clId="{FC976D47-49AC-41B6-B5F5-80E15325E9E0}" dt="2023-07-25T17:25:45.790" v="1975" actId="1076"/>
+        <pc:chgData name="David CRAVO" userId="ba75d8fe6eadcc5e" providerId="LiveId" clId="{FC976D47-49AC-41B6-B5F5-80E15325E9E0}" dt="2023-07-28T06:22:09.100" v="1988" actId="207"/>
         <pc:sldMkLst>
           <pc:docMk/>
           <pc:sldMk cId="2284254303" sldId="264"/>
@@ -404,7 +404,7 @@
           </ac:spMkLst>
         </pc:spChg>
         <pc:spChg chg="mod">
-          <ac:chgData name="David CRAVO" userId="ba75d8fe6eadcc5e" providerId="LiveId" clId="{FC976D47-49AC-41B6-B5F5-80E15325E9E0}" dt="2023-07-24T18:01:28.777" v="1719" actId="255"/>
+          <ac:chgData name="David CRAVO" userId="ba75d8fe6eadcc5e" providerId="LiveId" clId="{FC976D47-49AC-41B6-B5F5-80E15325E9E0}" dt="2023-07-28T06:22:09.100" v="1988" actId="207"/>
           <ac:spMkLst>
             <pc:docMk/>
             <pc:sldMk cId="2284254303" sldId="264"/>
@@ -445,7 +445,7 @@
         </pc:spChg>
       </pc:sldChg>
       <pc:sldChg chg="addSp delSp modSp mod">
-        <pc:chgData name="David CRAVO" userId="ba75d8fe6eadcc5e" providerId="LiveId" clId="{FC976D47-49AC-41B6-B5F5-80E15325E9E0}" dt="2023-07-24T17:59:57.526" v="1709" actId="207"/>
+        <pc:chgData name="David CRAVO" userId="ba75d8fe6eadcc5e" providerId="LiveId" clId="{FC976D47-49AC-41B6-B5F5-80E15325E9E0}" dt="2023-07-28T06:22:14.932" v="1989" actId="207"/>
         <pc:sldMkLst>
           <pc:docMk/>
           <pc:sldMk cId="595186413" sldId="265"/>
@@ -523,7 +523,7 @@
           </ac:spMkLst>
         </pc:spChg>
         <pc:spChg chg="mod">
-          <ac:chgData name="David CRAVO" userId="ba75d8fe6eadcc5e" providerId="LiveId" clId="{FC976D47-49AC-41B6-B5F5-80E15325E9E0}" dt="2023-07-24T17:59:57.526" v="1709" actId="207"/>
+          <ac:chgData name="David CRAVO" userId="ba75d8fe6eadcc5e" providerId="LiveId" clId="{FC976D47-49AC-41B6-B5F5-80E15325E9E0}" dt="2023-07-28T06:22:14.932" v="1989" actId="207"/>
           <ac:spMkLst>
             <pc:docMk/>
             <pc:sldMk cId="595186413" sldId="265"/>
@@ -771,7 +771,7 @@
         </pc:spChg>
       </pc:sldChg>
       <pc:sldChg chg="addSp modSp new mod">
-        <pc:chgData name="David CRAVO" userId="ba75d8fe6eadcc5e" providerId="LiveId" clId="{FC976D47-49AC-41B6-B5F5-80E15325E9E0}" dt="2023-07-24T18:01:43.189" v="1721" actId="207"/>
+        <pc:chgData name="David CRAVO" userId="ba75d8fe6eadcc5e" providerId="LiveId" clId="{FC976D47-49AC-41B6-B5F5-80E15325E9E0}" dt="2023-07-28T06:22:19.427" v="1990" actId="207"/>
         <pc:sldMkLst>
           <pc:docMk/>
           <pc:sldMk cId="4024730441" sldId="267"/>
@@ -793,7 +793,7 @@
           </ac:spMkLst>
         </pc:spChg>
         <pc:spChg chg="mod">
-          <ac:chgData name="David CRAVO" userId="ba75d8fe6eadcc5e" providerId="LiveId" clId="{FC976D47-49AC-41B6-B5F5-80E15325E9E0}" dt="2023-07-24T18:01:43.189" v="1721" actId="207"/>
+          <ac:chgData name="David CRAVO" userId="ba75d8fe6eadcc5e" providerId="LiveId" clId="{FC976D47-49AC-41B6-B5F5-80E15325E9E0}" dt="2023-07-28T06:22:19.427" v="1990" actId="207"/>
           <ac:spMkLst>
             <pc:docMk/>
             <pc:sldMk cId="4024730441" sldId="267"/>
@@ -810,7 +810,7 @@
         </pc:picChg>
       </pc:sldChg>
       <pc:sldChg chg="addSp modSp new mod setBg">
-        <pc:chgData name="David CRAVO" userId="ba75d8fe6eadcc5e" providerId="LiveId" clId="{FC976D47-49AC-41B6-B5F5-80E15325E9E0}" dt="2023-07-24T18:05:07.068" v="1752" actId="255"/>
+        <pc:chgData name="David CRAVO" userId="ba75d8fe6eadcc5e" providerId="LiveId" clId="{FC976D47-49AC-41B6-B5F5-80E15325E9E0}" dt="2023-07-28T06:22:24.330" v="1991" actId="207"/>
         <pc:sldMkLst>
           <pc:docMk/>
           <pc:sldMk cId="1552787899" sldId="268"/>
@@ -832,7 +832,7 @@
           </ac:spMkLst>
         </pc:spChg>
         <pc:spChg chg="mod">
-          <ac:chgData name="David CRAVO" userId="ba75d8fe6eadcc5e" providerId="LiveId" clId="{FC976D47-49AC-41B6-B5F5-80E15325E9E0}" dt="2023-07-24T18:05:07.068" v="1752" actId="255"/>
+          <ac:chgData name="David CRAVO" userId="ba75d8fe6eadcc5e" providerId="LiveId" clId="{FC976D47-49AC-41B6-B5F5-80E15325E9E0}" dt="2023-07-28T06:22:24.330" v="1991" actId="207"/>
           <ac:spMkLst>
             <pc:docMk/>
             <pc:sldMk cId="1552787899" sldId="268"/>
@@ -849,7 +849,7 @@
         </pc:picChg>
       </pc:sldChg>
       <pc:sldChg chg="addSp modSp new mod">
-        <pc:chgData name="David CRAVO" userId="ba75d8fe6eadcc5e" providerId="LiveId" clId="{FC976D47-49AC-41B6-B5F5-80E15325E9E0}" dt="2023-07-24T18:04:34.002" v="1750" actId="255"/>
+        <pc:chgData name="David CRAVO" userId="ba75d8fe6eadcc5e" providerId="LiveId" clId="{FC976D47-49AC-41B6-B5F5-80E15325E9E0}" dt="2023-07-28T06:22:29.726" v="1992" actId="207"/>
         <pc:sldMkLst>
           <pc:docMk/>
           <pc:sldMk cId="1335074751" sldId="269"/>
@@ -871,7 +871,7 @@
           </ac:spMkLst>
         </pc:spChg>
         <pc:spChg chg="mod">
-          <ac:chgData name="David CRAVO" userId="ba75d8fe6eadcc5e" providerId="LiveId" clId="{FC976D47-49AC-41B6-B5F5-80E15325E9E0}" dt="2023-07-24T18:04:34.002" v="1750" actId="255"/>
+          <ac:chgData name="David CRAVO" userId="ba75d8fe6eadcc5e" providerId="LiveId" clId="{FC976D47-49AC-41B6-B5F5-80E15325E9E0}" dt="2023-07-28T06:22:29.726" v="1992" actId="207"/>
           <ac:spMkLst>
             <pc:docMk/>
             <pc:sldMk cId="1335074751" sldId="269"/>
@@ -888,7 +888,7 @@
         </pc:picChg>
       </pc:sldChg>
       <pc:sldChg chg="addSp delSp modSp new mod">
-        <pc:chgData name="David CRAVO" userId="ba75d8fe6eadcc5e" providerId="LiveId" clId="{FC976D47-49AC-41B6-B5F5-80E15325E9E0}" dt="2023-07-25T16:40:27.615" v="1955" actId="1076"/>
+        <pc:chgData name="David CRAVO" userId="ba75d8fe6eadcc5e" providerId="LiveId" clId="{FC976D47-49AC-41B6-B5F5-80E15325E9E0}" dt="2023-07-28T06:22:41.435" v="1993" actId="207"/>
         <pc:sldMkLst>
           <pc:docMk/>
           <pc:sldMk cId="1753282832" sldId="270"/>
@@ -910,7 +910,7 @@
           </ac:spMkLst>
         </pc:spChg>
         <pc:spChg chg="mod">
-          <ac:chgData name="David CRAVO" userId="ba75d8fe6eadcc5e" providerId="LiveId" clId="{FC976D47-49AC-41B6-B5F5-80E15325E9E0}" dt="2023-07-24T18:04:25.472" v="1748" actId="207"/>
+          <ac:chgData name="David CRAVO" userId="ba75d8fe6eadcc5e" providerId="LiveId" clId="{FC976D47-49AC-41B6-B5F5-80E15325E9E0}" dt="2023-07-28T06:22:41.435" v="1993" actId="207"/>
           <ac:spMkLst>
             <pc:docMk/>
             <pc:sldMk cId="1753282832" sldId="270"/>
@@ -990,7 +990,7 @@
         </pc:picChg>
       </pc:sldChg>
       <pc:sldChg chg="addSp modSp new mod">
-        <pc:chgData name="David CRAVO" userId="ba75d8fe6eadcc5e" providerId="LiveId" clId="{FC976D47-49AC-41B6-B5F5-80E15325E9E0}" dt="2023-07-25T16:31:17.973" v="1934" actId="1076"/>
+        <pc:chgData name="David CRAVO" userId="ba75d8fe6eadcc5e" providerId="LiveId" clId="{FC976D47-49AC-41B6-B5F5-80E15325E9E0}" dt="2023-07-28T06:22:48.125" v="1994" actId="207"/>
         <pc:sldMkLst>
           <pc:docMk/>
           <pc:sldMk cId="413943743" sldId="272"/>
@@ -1012,7 +1012,7 @@
           </ac:spMkLst>
         </pc:spChg>
         <pc:spChg chg="mod">
-          <ac:chgData name="David CRAVO" userId="ba75d8fe6eadcc5e" providerId="LiveId" clId="{FC976D47-49AC-41B6-B5F5-80E15325E9E0}" dt="2023-07-24T18:04:08.629" v="1744" actId="207"/>
+          <ac:chgData name="David CRAVO" userId="ba75d8fe6eadcc5e" providerId="LiveId" clId="{FC976D47-49AC-41B6-B5F5-80E15325E9E0}" dt="2023-07-28T06:22:48.125" v="1994" actId="207"/>
           <ac:spMkLst>
             <pc:docMk/>
             <pc:sldMk cId="413943743" sldId="272"/>
@@ -1029,7 +1029,7 @@
         </pc:picChg>
       </pc:sldChg>
       <pc:sldChg chg="addSp modSp new mod">
-        <pc:chgData name="David CRAVO" userId="ba75d8fe6eadcc5e" providerId="LiveId" clId="{FC976D47-49AC-41B6-B5F5-80E15325E9E0}" dt="2023-07-24T18:04:01.378" v="1742" actId="255"/>
+        <pc:chgData name="David CRAVO" userId="ba75d8fe6eadcc5e" providerId="LiveId" clId="{FC976D47-49AC-41B6-B5F5-80E15325E9E0}" dt="2023-07-28T06:22:53.793" v="1995" actId="207"/>
         <pc:sldMkLst>
           <pc:docMk/>
           <pc:sldMk cId="3292843418" sldId="273"/>
@@ -1051,7 +1051,7 @@
           </ac:spMkLst>
         </pc:spChg>
         <pc:spChg chg="mod">
-          <ac:chgData name="David CRAVO" userId="ba75d8fe6eadcc5e" providerId="LiveId" clId="{FC976D47-49AC-41B6-B5F5-80E15325E9E0}" dt="2023-07-24T18:04:01.378" v="1742" actId="255"/>
+          <ac:chgData name="David CRAVO" userId="ba75d8fe6eadcc5e" providerId="LiveId" clId="{FC976D47-49AC-41B6-B5F5-80E15325E9E0}" dt="2023-07-28T06:22:53.793" v="1995" actId="207"/>
           <ac:spMkLst>
             <pc:docMk/>
             <pc:sldMk cId="3292843418" sldId="273"/>
@@ -1068,7 +1068,7 @@
         </pc:picChg>
       </pc:sldChg>
       <pc:sldChg chg="addSp modSp new mod">
-        <pc:chgData name="David CRAVO" userId="ba75d8fe6eadcc5e" providerId="LiveId" clId="{FC976D47-49AC-41B6-B5F5-80E15325E9E0}" dt="2023-07-24T18:03:46.955" v="1740" actId="255"/>
+        <pc:chgData name="David CRAVO" userId="ba75d8fe6eadcc5e" providerId="LiveId" clId="{FC976D47-49AC-41B6-B5F5-80E15325E9E0}" dt="2023-07-28T06:23:03.253" v="1996" actId="207"/>
         <pc:sldMkLst>
           <pc:docMk/>
           <pc:sldMk cId="1159497511" sldId="274"/>
@@ -1090,7 +1090,7 @@
           </ac:spMkLst>
         </pc:spChg>
         <pc:spChg chg="mod">
-          <ac:chgData name="David CRAVO" userId="ba75d8fe6eadcc5e" providerId="LiveId" clId="{FC976D47-49AC-41B6-B5F5-80E15325E9E0}" dt="2023-07-24T18:03:46.955" v="1740" actId="255"/>
+          <ac:chgData name="David CRAVO" userId="ba75d8fe6eadcc5e" providerId="LiveId" clId="{FC976D47-49AC-41B6-B5F5-80E15325E9E0}" dt="2023-07-28T06:23:03.253" v="1996" actId="207"/>
           <ac:spMkLst>
             <pc:docMk/>
             <pc:sldMk cId="1159497511" sldId="274"/>
@@ -1107,7 +1107,7 @@
         </pc:picChg>
       </pc:sldChg>
       <pc:sldChg chg="addSp modSp new mod">
-        <pc:chgData name="David CRAVO" userId="ba75d8fe6eadcc5e" providerId="LiveId" clId="{FC976D47-49AC-41B6-B5F5-80E15325E9E0}" dt="2023-07-24T18:03:33.379" v="1738" actId="255"/>
+        <pc:chgData name="David CRAVO" userId="ba75d8fe6eadcc5e" providerId="LiveId" clId="{FC976D47-49AC-41B6-B5F5-80E15325E9E0}" dt="2023-07-28T06:23:07.680" v="1997" actId="207"/>
         <pc:sldMkLst>
           <pc:docMk/>
           <pc:sldMk cId="355940287" sldId="275"/>
@@ -1129,7 +1129,7 @@
           </ac:spMkLst>
         </pc:spChg>
         <pc:spChg chg="mod">
-          <ac:chgData name="David CRAVO" userId="ba75d8fe6eadcc5e" providerId="LiveId" clId="{FC976D47-49AC-41B6-B5F5-80E15325E9E0}" dt="2023-07-24T18:03:33.379" v="1738" actId="255"/>
+          <ac:chgData name="David CRAVO" userId="ba75d8fe6eadcc5e" providerId="LiveId" clId="{FC976D47-49AC-41B6-B5F5-80E15325E9E0}" dt="2023-07-28T06:23:07.680" v="1997" actId="207"/>
           <ac:spMkLst>
             <pc:docMk/>
             <pc:sldMk cId="355940287" sldId="275"/>
@@ -1146,7 +1146,7 @@
         </pc:picChg>
       </pc:sldChg>
       <pc:sldChg chg="addSp modSp new mod">
-        <pc:chgData name="David CRAVO" userId="ba75d8fe6eadcc5e" providerId="LiveId" clId="{FC976D47-49AC-41B6-B5F5-80E15325E9E0}" dt="2023-07-25T16:12:20.189" v="1881" actId="14100"/>
+        <pc:chgData name="David CRAVO" userId="ba75d8fe6eadcc5e" providerId="LiveId" clId="{FC976D47-49AC-41B6-B5F5-80E15325E9E0}" dt="2023-07-28T06:23:13.021" v="1998" actId="207"/>
         <pc:sldMkLst>
           <pc:docMk/>
           <pc:sldMk cId="1614750927" sldId="276"/>
@@ -1168,7 +1168,7 @@
           </ac:spMkLst>
         </pc:spChg>
         <pc:spChg chg="mod">
-          <ac:chgData name="David CRAVO" userId="ba75d8fe6eadcc5e" providerId="LiveId" clId="{FC976D47-49AC-41B6-B5F5-80E15325E9E0}" dt="2023-07-24T18:03:26.008" v="1736" actId="255"/>
+          <ac:chgData name="David CRAVO" userId="ba75d8fe6eadcc5e" providerId="LiveId" clId="{FC976D47-49AC-41B6-B5F5-80E15325E9E0}" dt="2023-07-28T06:23:13.021" v="1998" actId="207"/>
           <ac:spMkLst>
             <pc:docMk/>
             <pc:sldMk cId="1614750927" sldId="276"/>
@@ -1185,7 +1185,7 @@
         </pc:picChg>
       </pc:sldChg>
       <pc:sldChg chg="addSp modSp new mod">
-        <pc:chgData name="David CRAVO" userId="ba75d8fe6eadcc5e" providerId="LiveId" clId="{FC976D47-49AC-41B6-B5F5-80E15325E9E0}" dt="2023-07-24T18:03:17.048" v="1734" actId="255"/>
+        <pc:chgData name="David CRAVO" userId="ba75d8fe6eadcc5e" providerId="LiveId" clId="{FC976D47-49AC-41B6-B5F5-80E15325E9E0}" dt="2023-07-28T06:23:18.224" v="1999" actId="207"/>
         <pc:sldMkLst>
           <pc:docMk/>
           <pc:sldMk cId="2246804402" sldId="277"/>
@@ -1207,7 +1207,7 @@
           </ac:spMkLst>
         </pc:spChg>
         <pc:spChg chg="mod">
-          <ac:chgData name="David CRAVO" userId="ba75d8fe6eadcc5e" providerId="LiveId" clId="{FC976D47-49AC-41B6-B5F5-80E15325E9E0}" dt="2023-07-24T18:03:17.048" v="1734" actId="255"/>
+          <ac:chgData name="David CRAVO" userId="ba75d8fe6eadcc5e" providerId="LiveId" clId="{FC976D47-49AC-41B6-B5F5-80E15325E9E0}" dt="2023-07-28T06:23:18.224" v="1999" actId="207"/>
           <ac:spMkLst>
             <pc:docMk/>
             <pc:sldMk cId="2246804402" sldId="277"/>
@@ -1224,7 +1224,7 @@
         </pc:picChg>
       </pc:sldChg>
       <pc:sldChg chg="addSp modSp new mod">
-        <pc:chgData name="David CRAVO" userId="ba75d8fe6eadcc5e" providerId="LiveId" clId="{FC976D47-49AC-41B6-B5F5-80E15325E9E0}" dt="2023-07-24T18:02:57.075" v="1732" actId="255"/>
+        <pc:chgData name="David CRAVO" userId="ba75d8fe6eadcc5e" providerId="LiveId" clId="{FC976D47-49AC-41B6-B5F5-80E15325E9E0}" dt="2023-07-28T06:23:23.534" v="2000" actId="207"/>
         <pc:sldMkLst>
           <pc:docMk/>
           <pc:sldMk cId="3148018332" sldId="278"/>
@@ -1246,7 +1246,7 @@
           </ac:spMkLst>
         </pc:spChg>
         <pc:spChg chg="mod">
-          <ac:chgData name="David CRAVO" userId="ba75d8fe6eadcc5e" providerId="LiveId" clId="{FC976D47-49AC-41B6-B5F5-80E15325E9E0}" dt="2023-07-24T18:02:57.075" v="1732" actId="255"/>
+          <ac:chgData name="David CRAVO" userId="ba75d8fe6eadcc5e" providerId="LiveId" clId="{FC976D47-49AC-41B6-B5F5-80E15325E9E0}" dt="2023-07-28T06:23:23.534" v="2000" actId="207"/>
           <ac:spMkLst>
             <pc:docMk/>
             <pc:sldMk cId="3148018332" sldId="278"/>
@@ -1271,7 +1271,7 @@
         </pc:picChg>
       </pc:sldChg>
       <pc:sldChg chg="addSp delSp modSp new mod">
-        <pc:chgData name="David CRAVO" userId="ba75d8fe6eadcc5e" providerId="LiveId" clId="{FC976D47-49AC-41B6-B5F5-80E15325E9E0}" dt="2023-07-25T15:49:27.381" v="1864" actId="14100"/>
+        <pc:chgData name="David CRAVO" userId="ba75d8fe6eadcc5e" providerId="LiveId" clId="{FC976D47-49AC-41B6-B5F5-80E15325E9E0}" dt="2023-07-28T06:24:23.266" v="2006" actId="207"/>
         <pc:sldMkLst>
           <pc:docMk/>
           <pc:sldMk cId="394326024" sldId="279"/>
@@ -1293,7 +1293,7 @@
           </ac:spMkLst>
         </pc:spChg>
         <pc:spChg chg="mod">
-          <ac:chgData name="David CRAVO" userId="ba75d8fe6eadcc5e" providerId="LiveId" clId="{FC976D47-49AC-41B6-B5F5-80E15325E9E0}" dt="2023-07-24T18:02:46.848" v="1730" actId="207"/>
+          <ac:chgData name="David CRAVO" userId="ba75d8fe6eadcc5e" providerId="LiveId" clId="{FC976D47-49AC-41B6-B5F5-80E15325E9E0}" dt="2023-07-28T06:24:23.266" v="2006" actId="207"/>
           <ac:spMkLst>
             <pc:docMk/>
             <pc:sldMk cId="394326024" sldId="279"/>
@@ -1324,8 +1324,8 @@
             <ac:picMk id="8" creationId="{32369384-8A61-CFE2-FA5D-F6A5FCBD8D52}"/>
           </ac:picMkLst>
         </pc:picChg>
-        <pc:picChg chg="add mod">
-          <ac:chgData name="David CRAVO" userId="ba75d8fe6eadcc5e" providerId="LiveId" clId="{FC976D47-49AC-41B6-B5F5-80E15325E9E0}" dt="2023-07-25T15:32:11.965" v="1836" actId="14100"/>
+        <pc:picChg chg="add mod ord">
+          <ac:chgData name="David CRAVO" userId="ba75d8fe6eadcc5e" providerId="LiveId" clId="{FC976D47-49AC-41B6-B5F5-80E15325E9E0}" dt="2023-07-28T06:24:16.290" v="2005" actId="167"/>
           <ac:picMkLst>
             <pc:docMk/>
             <pc:sldMk cId="394326024" sldId="279"/>
@@ -1342,7 +1342,7 @@
         </pc:picChg>
       </pc:sldChg>
       <pc:sldChg chg="addSp delSp modSp new mod">
-        <pc:chgData name="David CRAVO" userId="ba75d8fe6eadcc5e" providerId="LiveId" clId="{FC976D47-49AC-41B6-B5F5-80E15325E9E0}" dt="2023-07-24T18:02:38.306" v="1728" actId="207"/>
+        <pc:chgData name="David CRAVO" userId="ba75d8fe6eadcc5e" providerId="LiveId" clId="{FC976D47-49AC-41B6-B5F5-80E15325E9E0}" dt="2023-07-28T06:23:43.039" v="2001" actId="207"/>
         <pc:sldMkLst>
           <pc:docMk/>
           <pc:sldMk cId="3550938122" sldId="280"/>
@@ -1364,7 +1364,7 @@
           </ac:spMkLst>
         </pc:spChg>
         <pc:spChg chg="mod">
-          <ac:chgData name="David CRAVO" userId="ba75d8fe6eadcc5e" providerId="LiveId" clId="{FC976D47-49AC-41B6-B5F5-80E15325E9E0}" dt="2023-07-24T18:02:38.306" v="1728" actId="207"/>
+          <ac:chgData name="David CRAVO" userId="ba75d8fe6eadcc5e" providerId="LiveId" clId="{FC976D47-49AC-41B6-B5F5-80E15325E9E0}" dt="2023-07-28T06:23:43.039" v="2001" actId="207"/>
           <ac:spMkLst>
             <pc:docMk/>
             <pc:sldMk cId="3550938122" sldId="280"/>
@@ -1397,7 +1397,7 @@
         </pc:picChg>
       </pc:sldChg>
       <pc:sldChg chg="addSp delSp modSp new mod">
-        <pc:chgData name="David CRAVO" userId="ba75d8fe6eadcc5e" providerId="LiveId" clId="{FC976D47-49AC-41B6-B5F5-80E15325E9E0}" dt="2023-07-25T17:35:56.048" v="1980" actId="1076"/>
+        <pc:chgData name="David CRAVO" userId="ba75d8fe6eadcc5e" providerId="LiveId" clId="{FC976D47-49AC-41B6-B5F5-80E15325E9E0}" dt="2023-07-28T06:24:32.044" v="2007" actId="207"/>
         <pc:sldMkLst>
           <pc:docMk/>
           <pc:sldMk cId="311578122" sldId="281"/>
@@ -1419,7 +1419,7 @@
           </ac:spMkLst>
         </pc:spChg>
         <pc:spChg chg="mod">
-          <ac:chgData name="David CRAVO" userId="ba75d8fe6eadcc5e" providerId="LiveId" clId="{FC976D47-49AC-41B6-B5F5-80E15325E9E0}" dt="2023-07-24T18:02:29.743" v="1726" actId="207"/>
+          <ac:chgData name="David CRAVO" userId="ba75d8fe6eadcc5e" providerId="LiveId" clId="{FC976D47-49AC-41B6-B5F5-80E15325E9E0}" dt="2023-07-28T06:24:32.044" v="2007" actId="207"/>
           <ac:spMkLst>
             <pc:docMk/>
             <pc:sldMk cId="311578122" sldId="281"/>
@@ -1452,7 +1452,7 @@
         </pc:picChg>
       </pc:sldChg>
       <pc:sldChg chg="modSp new mod">
-        <pc:chgData name="David CRAVO" userId="ba75d8fe6eadcc5e" providerId="LiveId" clId="{FC976D47-49AC-41B6-B5F5-80E15325E9E0}" dt="2023-07-24T18:02:21.238" v="1724" actId="207"/>
+        <pc:chgData name="David CRAVO" userId="ba75d8fe6eadcc5e" providerId="LiveId" clId="{FC976D47-49AC-41B6-B5F5-80E15325E9E0}" dt="2023-07-28T06:24:41.157" v="2009" actId="207"/>
         <pc:sldMkLst>
           <pc:docMk/>
           <pc:sldMk cId="1190090114" sldId="282"/>
@@ -1474,7 +1474,7 @@
           </ac:spMkLst>
         </pc:spChg>
         <pc:spChg chg="mod">
-          <ac:chgData name="David CRAVO" userId="ba75d8fe6eadcc5e" providerId="LiveId" clId="{FC976D47-49AC-41B6-B5F5-80E15325E9E0}" dt="2023-07-24T18:02:21.238" v="1724" actId="207"/>
+          <ac:chgData name="David CRAVO" userId="ba75d8fe6eadcc5e" providerId="LiveId" clId="{FC976D47-49AC-41B6-B5F5-80E15325E9E0}" dt="2023-07-28T06:24:41.157" v="2009" actId="207"/>
           <ac:spMkLst>
             <pc:docMk/>
             <pc:sldMk cId="1190090114" sldId="282"/>
@@ -1483,7 +1483,7 @@
         </pc:spChg>
       </pc:sldChg>
       <pc:sldChg chg="addSp delSp modSp new mod">
-        <pc:chgData name="David CRAVO" userId="ba75d8fe6eadcc5e" providerId="LiveId" clId="{FC976D47-49AC-41B6-B5F5-80E15325E9E0}" dt="2023-07-25T16:36:58.030" v="1937" actId="14100"/>
+        <pc:chgData name="David CRAVO" userId="ba75d8fe6eadcc5e" providerId="LiveId" clId="{FC976D47-49AC-41B6-B5F5-80E15325E9E0}" dt="2023-07-28T06:24:55.673" v="2012" actId="1076"/>
         <pc:sldMkLst>
           <pc:docMk/>
           <pc:sldMk cId="311947478" sldId="283"/>
@@ -1513,7 +1513,7 @@
           </ac:spMkLst>
         </pc:spChg>
         <pc:picChg chg="add mod">
-          <ac:chgData name="David CRAVO" userId="ba75d8fe6eadcc5e" providerId="LiveId" clId="{FC976D47-49AC-41B6-B5F5-80E15325E9E0}" dt="2023-07-25T16:36:58.030" v="1937" actId="14100"/>
+          <ac:chgData name="David CRAVO" userId="ba75d8fe6eadcc5e" providerId="LiveId" clId="{FC976D47-49AC-41B6-B5F5-80E15325E9E0}" dt="2023-07-28T06:24:52.694" v="2011" actId="1076"/>
           <ac:picMkLst>
             <pc:docMk/>
             <pc:sldMk cId="311947478" sldId="283"/>
@@ -1529,7 +1529,7 @@
           </ac:picMkLst>
         </pc:picChg>
         <pc:picChg chg="add mod">
-          <ac:chgData name="David CRAVO" userId="ba75d8fe6eadcc5e" providerId="LiveId" clId="{FC976D47-49AC-41B6-B5F5-80E15325E9E0}" dt="2023-07-25T16:36:49.963" v="1935" actId="1076"/>
+          <ac:chgData name="David CRAVO" userId="ba75d8fe6eadcc5e" providerId="LiveId" clId="{FC976D47-49AC-41B6-B5F5-80E15325E9E0}" dt="2023-07-28T06:24:55.673" v="2012" actId="1076"/>
           <ac:picMkLst>
             <pc:docMk/>
             <pc:sldMk cId="311947478" sldId="283"/>
@@ -1538,7 +1538,7 @@
         </pc:picChg>
       </pc:sldChg>
       <pc:sldChg chg="addSp delSp modSp new mod">
-        <pc:chgData name="David CRAVO" userId="ba75d8fe6eadcc5e" providerId="LiveId" clId="{FC976D47-49AC-41B6-B5F5-80E15325E9E0}" dt="2023-07-25T15:51:23.699" v="1879" actId="255"/>
+        <pc:chgData name="David CRAVO" userId="ba75d8fe6eadcc5e" providerId="LiveId" clId="{FC976D47-49AC-41B6-B5F5-80E15325E9E0}" dt="2023-07-28T06:24:36.906" v="2008" actId="207"/>
         <pc:sldMkLst>
           <pc:docMk/>
           <pc:sldMk cId="2409160448" sldId="284"/>
@@ -1560,7 +1560,7 @@
           </ac:spMkLst>
         </pc:spChg>
         <pc:spChg chg="mod">
-          <ac:chgData name="David CRAVO" userId="ba75d8fe6eadcc5e" providerId="LiveId" clId="{FC976D47-49AC-41B6-B5F5-80E15325E9E0}" dt="2023-07-25T15:51:23.699" v="1879" actId="255"/>
+          <ac:chgData name="David CRAVO" userId="ba75d8fe6eadcc5e" providerId="LiveId" clId="{FC976D47-49AC-41B6-B5F5-80E15325E9E0}" dt="2023-07-28T06:24:36.906" v="2008" actId="207"/>
           <ac:spMkLst>
             <pc:docMk/>
             <pc:sldMk cId="2409160448" sldId="284"/>
@@ -1625,7 +1625,7 @@
         </pc:picChg>
       </pc:sldChg>
       <pc:sldChg chg="addSp delSp modSp new mod">
-        <pc:chgData name="David CRAVO" userId="ba75d8fe6eadcc5e" providerId="LiveId" clId="{FC976D47-49AC-41B6-B5F5-80E15325E9E0}" dt="2023-07-25T15:48:36.518" v="1858" actId="1076"/>
+        <pc:chgData name="David CRAVO" userId="ba75d8fe6eadcc5e" providerId="LiveId" clId="{FC976D47-49AC-41B6-B5F5-80E15325E9E0}" dt="2023-07-28T06:24:04.565" v="2004" actId="207"/>
         <pc:sldMkLst>
           <pc:docMk/>
           <pc:sldMk cId="304474121" sldId="285"/>
@@ -1646,6 +1646,14 @@
             <ac:spMk id="3" creationId="{D459E3CA-140D-D228-C706-0E4A462E2070}"/>
           </ac:spMkLst>
         </pc:spChg>
+        <pc:spChg chg="mod">
+          <ac:chgData name="David CRAVO" userId="ba75d8fe6eadcc5e" providerId="LiveId" clId="{FC976D47-49AC-41B6-B5F5-80E15325E9E0}" dt="2023-07-28T06:24:04.565" v="2004" actId="207"/>
+          <ac:spMkLst>
+            <pc:docMk/>
+            <pc:sldMk cId="304474121" sldId="285"/>
+            <ac:spMk id="4" creationId="{20D2CFFF-6858-FCB0-04CB-A577EDEBE875}"/>
+          </ac:spMkLst>
+        </pc:spChg>
         <pc:spChg chg="add mod">
           <ac:chgData name="David CRAVO" userId="ba75d8fe6eadcc5e" providerId="LiveId" clId="{FC976D47-49AC-41B6-B5F5-80E15325E9E0}" dt="2023-07-25T15:33:06.139" v="1841"/>
           <ac:spMkLst>
@@ -1670,8 +1678,8 @@
             <ac:picMk id="7" creationId="{82242A52-A626-FBD1-3FA6-A6D297E00071}"/>
           </ac:picMkLst>
         </pc:picChg>
-        <pc:picChg chg="add mod">
-          <ac:chgData name="David CRAVO" userId="ba75d8fe6eadcc5e" providerId="LiveId" clId="{FC976D47-49AC-41B6-B5F5-80E15325E9E0}" dt="2023-07-25T15:33:54.108" v="1850" actId="14100"/>
+        <pc:picChg chg="add mod ord">
+          <ac:chgData name="David CRAVO" userId="ba75d8fe6eadcc5e" providerId="LiveId" clId="{FC976D47-49AC-41B6-B5F5-80E15325E9E0}" dt="2023-07-28T06:23:50.618" v="2002" actId="167"/>
           <ac:picMkLst>
             <pc:docMk/>
             <pc:sldMk cId="304474121" sldId="285"/>
@@ -1781,7 +1789,7 @@
           <a:p>
             <a:fld id="{1CE5E5F1-EE6C-4DDA-A64A-4A7E1B769C0F}" type="datetimeFigureOut">
               <a:rPr lang="fr-FR" smtClean="0"/>
-              <a:t>25/07/2023</a:t>
+              <a:t>28/07/2023</a:t>
             </a:fld>
             <a:endParaRPr lang="fr-FR"/>
           </a:p>
@@ -2195,7 +2203,7 @@
           <a:p>
             <a:fld id="{38B0C165-939D-4C2D-9542-B44F6E2825A5}" type="datetime1">
               <a:rPr lang="fr-FR" smtClean="0"/>
-              <a:t>25/07/2023</a:t>
+              <a:t>28/07/2023</a:t>
             </a:fld>
             <a:endParaRPr lang="fr-FR"/>
           </a:p>
@@ -2393,7 +2401,7 @@
           <a:p>
             <a:fld id="{4F9FC5AA-3FBC-4DAA-9217-D493E9F19B50}" type="datetime1">
               <a:rPr lang="fr-FR" smtClean="0"/>
-              <a:t>25/07/2023</a:t>
+              <a:t>28/07/2023</a:t>
             </a:fld>
             <a:endParaRPr lang="fr-FR"/>
           </a:p>
@@ -2601,7 +2609,7 @@
           <a:p>
             <a:fld id="{2DF99F6D-8482-4128-8FCA-8144767BE6C4}" type="datetime1">
               <a:rPr lang="fr-FR" smtClean="0"/>
-              <a:t>25/07/2023</a:t>
+              <a:t>28/07/2023</a:t>
             </a:fld>
             <a:endParaRPr lang="fr-FR"/>
           </a:p>
@@ -2799,7 +2807,7 @@
           <a:p>
             <a:fld id="{F0653D7C-1675-4C21-9257-3FD792C1F061}" type="datetime1">
               <a:rPr lang="fr-FR" smtClean="0"/>
-              <a:t>25/07/2023</a:t>
+              <a:t>28/07/2023</a:t>
             </a:fld>
             <a:endParaRPr lang="fr-FR"/>
           </a:p>
@@ -3074,7 +3082,7 @@
           <a:p>
             <a:fld id="{F9C30F9A-3224-4398-9514-FB6D3DC5456A}" type="datetime1">
               <a:rPr lang="fr-FR" smtClean="0"/>
-              <a:t>25/07/2023</a:t>
+              <a:t>28/07/2023</a:t>
             </a:fld>
             <a:endParaRPr lang="fr-FR"/>
           </a:p>
@@ -3339,7 +3347,7 @@
           <a:p>
             <a:fld id="{46D4C119-3DB6-4E1E-8216-07E9588BE929}" type="datetime1">
               <a:rPr lang="fr-FR" smtClean="0"/>
-              <a:t>25/07/2023</a:t>
+              <a:t>28/07/2023</a:t>
             </a:fld>
             <a:endParaRPr lang="fr-FR"/>
           </a:p>
@@ -3751,7 +3759,7 @@
           <a:p>
             <a:fld id="{1852BA5F-7A06-4AD9-937A-0FD19272026B}" type="datetime1">
               <a:rPr lang="fr-FR" smtClean="0"/>
-              <a:t>25/07/2023</a:t>
+              <a:t>28/07/2023</a:t>
             </a:fld>
             <a:endParaRPr lang="fr-FR"/>
           </a:p>
@@ -3892,7 +3900,7 @@
           <a:p>
             <a:fld id="{4FA24557-93DB-4E53-B9EE-2B01B9036448}" type="datetime1">
               <a:rPr lang="fr-FR" smtClean="0"/>
-              <a:t>25/07/2023</a:t>
+              <a:t>28/07/2023</a:t>
             </a:fld>
             <a:endParaRPr lang="fr-FR"/>
           </a:p>
@@ -4005,7 +4013,7 @@
           <a:p>
             <a:fld id="{D04DBBCD-B674-42DF-BB1A-61B10D8D62B1}" type="datetime1">
               <a:rPr lang="fr-FR" smtClean="0"/>
-              <a:t>25/07/2023</a:t>
+              <a:t>28/07/2023</a:t>
             </a:fld>
             <a:endParaRPr lang="fr-FR"/>
           </a:p>
@@ -4316,7 +4324,7 @@
           <a:p>
             <a:fld id="{FDA59FD7-7F80-4DBA-AE18-9F9D2F04883B}" type="datetime1">
               <a:rPr lang="fr-FR" smtClean="0"/>
-              <a:t>25/07/2023</a:t>
+              <a:t>28/07/2023</a:t>
             </a:fld>
             <a:endParaRPr lang="fr-FR"/>
           </a:p>
@@ -4604,7 +4612,7 @@
           <a:p>
             <a:fld id="{0CB3865D-A881-4B26-98D6-CFA577E18C24}" type="datetime1">
               <a:rPr lang="fr-FR" smtClean="0"/>
-              <a:t>25/07/2023</a:t>
+              <a:t>28/07/2023</a:t>
             </a:fld>
             <a:endParaRPr lang="fr-FR"/>
           </a:p>
@@ -4845,7 +4853,7 @@
           <a:p>
             <a:fld id="{8DD68F64-9063-4BFC-8B75-EB614AD88861}" type="datetime1">
               <a:rPr lang="fr-FR" smtClean="0"/>
-              <a:t>25/07/2023</a:t>
+              <a:t>28/07/2023</a:t>
             </a:fld>
             <a:endParaRPr lang="fr-FR"/>
           </a:p>
@@ -5571,18 +5579,14 @@
             <a:fld id="{21DC54FF-25FF-4E3C-8E95-B134956906F2}" type="slidenum">
               <a:rPr lang="fr-FR" sz="4000" smtClean="0">
                 <a:solidFill>
-                  <a:schemeClr val="accent2">
-                    <a:lumMod val="50000"/>
-                  </a:schemeClr>
+                  <a:srgbClr val="C00000"/>
                 </a:solidFill>
               </a:rPr>
               <a:t>10</a:t>
             </a:fld>
             <a:endParaRPr lang="fr-FR" sz="4000" dirty="0">
               <a:solidFill>
-                <a:schemeClr val="accent2">
-                  <a:lumMod val="50000"/>
-                </a:schemeClr>
+                <a:srgbClr val="C00000"/>
               </a:solidFill>
             </a:endParaRPr>
           </a:p>
@@ -5744,18 +5748,14 @@
             <a:fld id="{21DC54FF-25FF-4E3C-8E95-B134956906F2}" type="slidenum">
               <a:rPr lang="fr-FR" sz="4000" smtClean="0">
                 <a:solidFill>
-                  <a:schemeClr val="accent2">
-                    <a:lumMod val="50000"/>
-                  </a:schemeClr>
+                  <a:srgbClr val="C00000"/>
                 </a:solidFill>
               </a:rPr>
               <a:t>11</a:t>
             </a:fld>
             <a:endParaRPr lang="fr-FR" sz="4000" dirty="0">
               <a:solidFill>
-                <a:schemeClr val="accent2">
-                  <a:lumMod val="50000"/>
-                </a:schemeClr>
+                <a:srgbClr val="C00000"/>
               </a:solidFill>
             </a:endParaRPr>
           </a:p>
@@ -6289,18 +6289,14 @@
             <a:fld id="{21DC54FF-25FF-4E3C-8E95-B134956906F2}" type="slidenum">
               <a:rPr lang="fr-FR" sz="4000" smtClean="0">
                 <a:solidFill>
-                  <a:schemeClr val="accent2">
-                    <a:lumMod val="50000"/>
-                  </a:schemeClr>
+                  <a:srgbClr val="C00000"/>
                 </a:solidFill>
               </a:rPr>
               <a:t>12</a:t>
             </a:fld>
             <a:endParaRPr lang="fr-FR" sz="4000" dirty="0">
               <a:solidFill>
-                <a:schemeClr val="accent2">
-                  <a:lumMod val="50000"/>
-                </a:schemeClr>
+                <a:srgbClr val="C00000"/>
               </a:solidFill>
             </a:endParaRPr>
           </a:p>
@@ -6471,18 +6467,14 @@
             <a:fld id="{21DC54FF-25FF-4E3C-8E95-B134956906F2}" type="slidenum">
               <a:rPr lang="fr-FR" sz="4000" smtClean="0">
                 <a:solidFill>
-                  <a:schemeClr val="accent2">
-                    <a:lumMod val="50000"/>
-                  </a:schemeClr>
+                  <a:srgbClr val="C00000"/>
                 </a:solidFill>
               </a:rPr>
               <a:t>13</a:t>
             </a:fld>
             <a:endParaRPr lang="fr-FR" sz="4000" dirty="0">
               <a:solidFill>
-                <a:schemeClr val="accent2">
-                  <a:lumMod val="50000"/>
-                </a:schemeClr>
+                <a:srgbClr val="C00000"/>
               </a:solidFill>
             </a:endParaRPr>
           </a:p>
@@ -6653,18 +6645,14 @@
             <a:fld id="{21DC54FF-25FF-4E3C-8E95-B134956906F2}" type="slidenum">
               <a:rPr lang="fr-FR" sz="4000" smtClean="0">
                 <a:solidFill>
-                  <a:schemeClr val="accent2">
-                    <a:lumMod val="50000"/>
-                  </a:schemeClr>
+                  <a:srgbClr val="C00000"/>
                 </a:solidFill>
               </a:rPr>
               <a:t>14</a:t>
             </a:fld>
             <a:endParaRPr lang="fr-FR" sz="4000" dirty="0">
               <a:solidFill>
-                <a:schemeClr val="accent2">
-                  <a:lumMod val="50000"/>
-                </a:schemeClr>
+                <a:srgbClr val="C00000"/>
               </a:solidFill>
             </a:endParaRPr>
           </a:p>
@@ -6835,18 +6823,14 @@
             <a:fld id="{21DC54FF-25FF-4E3C-8E95-B134956906F2}" type="slidenum">
               <a:rPr lang="fr-FR" sz="4000" smtClean="0">
                 <a:solidFill>
-                  <a:schemeClr val="accent2">
-                    <a:lumMod val="50000"/>
-                  </a:schemeClr>
+                  <a:srgbClr val="C00000"/>
                 </a:solidFill>
               </a:rPr>
               <a:t>15</a:t>
             </a:fld>
             <a:endParaRPr lang="fr-FR" sz="4000" dirty="0">
               <a:solidFill>
-                <a:schemeClr val="accent2">
-                  <a:lumMod val="50000"/>
-                </a:schemeClr>
+                <a:srgbClr val="C00000"/>
               </a:solidFill>
             </a:endParaRPr>
           </a:p>
@@ -7017,18 +7001,14 @@
             <a:fld id="{21DC54FF-25FF-4E3C-8E95-B134956906F2}" type="slidenum">
               <a:rPr lang="fr-FR" sz="4000" smtClean="0">
                 <a:solidFill>
-                  <a:schemeClr val="accent2">
-                    <a:lumMod val="50000"/>
-                  </a:schemeClr>
+                  <a:srgbClr val="C00000"/>
                 </a:solidFill>
               </a:rPr>
               <a:t>16</a:t>
             </a:fld>
             <a:endParaRPr lang="fr-FR" sz="4000" dirty="0">
               <a:solidFill>
-                <a:schemeClr val="accent2">
-                  <a:lumMod val="50000"/>
-                </a:schemeClr>
+                <a:srgbClr val="C00000"/>
               </a:solidFill>
             </a:endParaRPr>
           </a:p>
@@ -7199,18 +7179,14 @@
             <a:fld id="{21DC54FF-25FF-4E3C-8E95-B134956906F2}" type="slidenum">
               <a:rPr lang="fr-FR" sz="4000" smtClean="0">
                 <a:solidFill>
-                  <a:schemeClr val="accent2">
-                    <a:lumMod val="50000"/>
-                  </a:schemeClr>
+                  <a:srgbClr val="C00000"/>
                 </a:solidFill>
               </a:rPr>
               <a:t>17</a:t>
             </a:fld>
             <a:endParaRPr lang="fr-FR" sz="4000" dirty="0">
               <a:solidFill>
-                <a:schemeClr val="accent2">
-                  <a:lumMod val="50000"/>
-                </a:schemeClr>
+                <a:srgbClr val="C00000"/>
               </a:solidFill>
             </a:endParaRPr>
           </a:p>
@@ -7436,18 +7412,14 @@
             <a:fld id="{21DC54FF-25FF-4E3C-8E95-B134956906F2}" type="slidenum">
               <a:rPr lang="fr-FR" sz="4000" smtClean="0">
                 <a:solidFill>
-                  <a:schemeClr val="accent2">
-                    <a:lumMod val="50000"/>
-                  </a:schemeClr>
+                  <a:srgbClr val="C00000"/>
                 </a:solidFill>
               </a:rPr>
               <a:t>18</a:t>
             </a:fld>
             <a:endParaRPr lang="fr-FR" sz="4000" dirty="0">
               <a:solidFill>
-                <a:schemeClr val="accent2">
-                  <a:lumMod val="50000"/>
-                </a:schemeClr>
+                <a:srgbClr val="C00000"/>
               </a:solidFill>
             </a:endParaRPr>
           </a:p>
@@ -7483,122 +7455,6 @@
           <a:chExt cx="0" cy="0"/>
         </a:xfrm>
       </p:grpSpPr>
-      <p:sp>
-        <p:nvSpPr>
-          <p:cNvPr id="2" name="Titre 1">
-            <a:extLst>
-              <a:ext uri="{FF2B5EF4-FFF2-40B4-BE49-F238E27FC236}">
-                <a16:creationId xmlns:a16="http://schemas.microsoft.com/office/drawing/2014/main" id="{EDD20F79-E563-EB9F-E369-1CF88F4C49EA}"/>
-              </a:ext>
-            </a:extLst>
-          </p:cNvPr>
-          <p:cNvSpPr>
-            <a:spLocks noGrp="1"/>
-          </p:cNvSpPr>
-          <p:nvPr>
-            <p:ph type="title"/>
-          </p:nvPr>
-        </p:nvSpPr>
-        <p:spPr/>
-        <p:txBody>
-          <a:bodyPr/>
-          <a:lstStyle/>
-          <a:p>
-            <a:r>
-              <a:rPr lang="fr-FR" dirty="0">
-                <a:solidFill>
-                  <a:schemeClr val="accent4"/>
-                </a:solidFill>
-              </a:rPr>
-              <a:t>5 Exemple d’utilisation</a:t>
-            </a:r>
-          </a:p>
-        </p:txBody>
-      </p:sp>
-      <p:sp>
-        <p:nvSpPr>
-          <p:cNvPr id="3" name="Espace réservé du contenu 2">
-            <a:extLst>
-              <a:ext uri="{FF2B5EF4-FFF2-40B4-BE49-F238E27FC236}">
-                <a16:creationId xmlns:a16="http://schemas.microsoft.com/office/drawing/2014/main" id="{E53A2475-2970-7C1F-B77F-0A58ACE04A7A}"/>
-              </a:ext>
-            </a:extLst>
-          </p:cNvPr>
-          <p:cNvSpPr>
-            <a:spLocks noGrp="1"/>
-          </p:cNvSpPr>
-          <p:nvPr>
-            <p:ph idx="1"/>
-          </p:nvPr>
-        </p:nvSpPr>
-        <p:spPr>
-          <a:xfrm>
-            <a:off x="838200" y="1370263"/>
-            <a:ext cx="10515600" cy="640849"/>
-          </a:xfrm>
-        </p:spPr>
-        <p:txBody>
-          <a:bodyPr/>
-          <a:lstStyle/>
-          <a:p>
-            <a:pPr marL="0" indent="0">
-              <a:buNone/>
-            </a:pPr>
-            <a:r>
-              <a:rPr lang="fr-FR" dirty="0">
-                <a:solidFill>
-                  <a:schemeClr val="accent2">
-                    <a:lumMod val="60000"/>
-                    <a:lumOff val="40000"/>
-                  </a:schemeClr>
-                </a:solidFill>
-              </a:rPr>
-              <a:t>5.3.5 Implémentation classe Satellite</a:t>
-            </a:r>
-          </a:p>
-        </p:txBody>
-      </p:sp>
-      <p:sp>
-        <p:nvSpPr>
-          <p:cNvPr id="4" name="Espace réservé du numéro de diapositive 3">
-            <a:extLst>
-              <a:ext uri="{FF2B5EF4-FFF2-40B4-BE49-F238E27FC236}">
-                <a16:creationId xmlns:a16="http://schemas.microsoft.com/office/drawing/2014/main" id="{E31C6AA6-8FB8-E1C5-FA96-1421E6B2BD27}"/>
-              </a:ext>
-            </a:extLst>
-          </p:cNvPr>
-          <p:cNvSpPr>
-            <a:spLocks noGrp="1"/>
-          </p:cNvSpPr>
-          <p:nvPr>
-            <p:ph type="sldNum" sz="quarter" idx="12"/>
-          </p:nvPr>
-        </p:nvSpPr>
-        <p:spPr/>
-        <p:txBody>
-          <a:bodyPr/>
-          <a:lstStyle/>
-          <a:p>
-            <a:fld id="{21DC54FF-25FF-4E3C-8E95-B134956906F2}" type="slidenum">
-              <a:rPr lang="fr-FR" sz="4000" smtClean="0">
-                <a:solidFill>
-                  <a:schemeClr val="accent2">
-                    <a:lumMod val="50000"/>
-                  </a:schemeClr>
-                </a:solidFill>
-              </a:rPr>
-              <a:t>19</a:t>
-            </a:fld>
-            <a:endParaRPr lang="fr-FR" sz="4000" dirty="0">
-              <a:solidFill>
-                <a:schemeClr val="accent2">
-                  <a:lumMod val="50000"/>
-                </a:schemeClr>
-              </a:solidFill>
-            </a:endParaRPr>
-          </a:p>
-        </p:txBody>
-      </p:sp>
       <p:pic>
         <p:nvPicPr>
           <p:cNvPr id="10" name="Image 9" descr="Une image contenant texte, capture d’écran, logiciel, Police&#10;&#10;Description générée automatiquement">
@@ -7635,6 +7491,118 @@
           </a:prstGeom>
         </p:spPr>
       </p:pic>
+      <p:sp>
+        <p:nvSpPr>
+          <p:cNvPr id="2" name="Titre 1">
+            <a:extLst>
+              <a:ext uri="{FF2B5EF4-FFF2-40B4-BE49-F238E27FC236}">
+                <a16:creationId xmlns:a16="http://schemas.microsoft.com/office/drawing/2014/main" id="{EDD20F79-E563-EB9F-E369-1CF88F4C49EA}"/>
+              </a:ext>
+            </a:extLst>
+          </p:cNvPr>
+          <p:cNvSpPr>
+            <a:spLocks noGrp="1"/>
+          </p:cNvSpPr>
+          <p:nvPr>
+            <p:ph type="title"/>
+          </p:nvPr>
+        </p:nvSpPr>
+        <p:spPr/>
+        <p:txBody>
+          <a:bodyPr/>
+          <a:lstStyle/>
+          <a:p>
+            <a:r>
+              <a:rPr lang="fr-FR" dirty="0">
+                <a:solidFill>
+                  <a:schemeClr val="accent4"/>
+                </a:solidFill>
+              </a:rPr>
+              <a:t>5 Exemple d’utilisation</a:t>
+            </a:r>
+          </a:p>
+        </p:txBody>
+      </p:sp>
+      <p:sp>
+        <p:nvSpPr>
+          <p:cNvPr id="3" name="Espace réservé du contenu 2">
+            <a:extLst>
+              <a:ext uri="{FF2B5EF4-FFF2-40B4-BE49-F238E27FC236}">
+                <a16:creationId xmlns:a16="http://schemas.microsoft.com/office/drawing/2014/main" id="{E53A2475-2970-7C1F-B77F-0A58ACE04A7A}"/>
+              </a:ext>
+            </a:extLst>
+          </p:cNvPr>
+          <p:cNvSpPr>
+            <a:spLocks noGrp="1"/>
+          </p:cNvSpPr>
+          <p:nvPr>
+            <p:ph idx="1"/>
+          </p:nvPr>
+        </p:nvSpPr>
+        <p:spPr>
+          <a:xfrm>
+            <a:off x="838200" y="1370263"/>
+            <a:ext cx="10515600" cy="640849"/>
+          </a:xfrm>
+        </p:spPr>
+        <p:txBody>
+          <a:bodyPr/>
+          <a:lstStyle/>
+          <a:p>
+            <a:pPr marL="0" indent="0">
+              <a:buNone/>
+            </a:pPr>
+            <a:r>
+              <a:rPr lang="fr-FR" dirty="0">
+                <a:solidFill>
+                  <a:schemeClr val="accent2">
+                    <a:lumMod val="60000"/>
+                    <a:lumOff val="40000"/>
+                  </a:schemeClr>
+                </a:solidFill>
+              </a:rPr>
+              <a:t>5.3.5 Implémentation classe Satellite</a:t>
+            </a:r>
+          </a:p>
+        </p:txBody>
+      </p:sp>
+      <p:sp>
+        <p:nvSpPr>
+          <p:cNvPr id="4" name="Espace réservé du numéro de diapositive 3">
+            <a:extLst>
+              <a:ext uri="{FF2B5EF4-FFF2-40B4-BE49-F238E27FC236}">
+                <a16:creationId xmlns:a16="http://schemas.microsoft.com/office/drawing/2014/main" id="{E31C6AA6-8FB8-E1C5-FA96-1421E6B2BD27}"/>
+              </a:ext>
+            </a:extLst>
+          </p:cNvPr>
+          <p:cNvSpPr>
+            <a:spLocks noGrp="1"/>
+          </p:cNvSpPr>
+          <p:nvPr>
+            <p:ph type="sldNum" sz="quarter" idx="12"/>
+          </p:nvPr>
+        </p:nvSpPr>
+        <p:spPr/>
+        <p:txBody>
+          <a:bodyPr/>
+          <a:lstStyle/>
+          <a:p>
+            <a:fld id="{21DC54FF-25FF-4E3C-8E95-B134956906F2}" type="slidenum">
+              <a:rPr lang="fr-FR" sz="4000" smtClean="0">
+                <a:solidFill>
+                  <a:srgbClr val="C00000"/>
+                </a:solidFill>
+              </a:rPr>
+              <a:t>19</a:t>
+            </a:fld>
+            <a:endParaRPr lang="fr-FR" sz="4000" dirty="0">
+              <a:solidFill>
+                <a:srgbClr val="C00000"/>
+              </a:solidFill>
+            </a:endParaRPr>
+          </a:p>
+        </p:txBody>
+      </p:sp>
       <p:pic>
         <p:nvPicPr>
           <p:cNvPr id="12" name="Image 11" descr="Une image contenant texte, capture d’écran, Police, nombre&#10;&#10;Description générée automatiquement">
@@ -7839,18 +7807,14 @@
             <a:fld id="{21DC54FF-25FF-4E3C-8E95-B134956906F2}" type="slidenum">
               <a:rPr lang="fr-FR" sz="4000" smtClean="0">
                 <a:solidFill>
-                  <a:schemeClr val="accent2">
-                    <a:lumMod val="50000"/>
-                  </a:schemeClr>
+                  <a:srgbClr val="C00000"/>
                 </a:solidFill>
               </a:rPr>
               <a:t>2</a:t>
             </a:fld>
             <a:endParaRPr lang="fr-FR" sz="4000" dirty="0">
               <a:solidFill>
-                <a:schemeClr val="accent2">
-                  <a:lumMod val="50000"/>
-                </a:schemeClr>
+                <a:srgbClr val="C00000"/>
               </a:solidFill>
             </a:endParaRPr>
           </a:p>
@@ -7886,115 +7850,6 @@
           <a:chExt cx="0" cy="0"/>
         </a:xfrm>
       </p:grpSpPr>
-      <p:sp>
-        <p:nvSpPr>
-          <p:cNvPr id="4" name="Espace réservé du numéro de diapositive 3">
-            <a:extLst>
-              <a:ext uri="{FF2B5EF4-FFF2-40B4-BE49-F238E27FC236}">
-                <a16:creationId xmlns:a16="http://schemas.microsoft.com/office/drawing/2014/main" id="{20D2CFFF-6858-FCB0-04CB-A577EDEBE875}"/>
-              </a:ext>
-            </a:extLst>
-          </p:cNvPr>
-          <p:cNvSpPr>
-            <a:spLocks noGrp="1"/>
-          </p:cNvSpPr>
-          <p:nvPr>
-            <p:ph type="sldNum" sz="quarter" idx="12"/>
-          </p:nvPr>
-        </p:nvSpPr>
-        <p:spPr/>
-        <p:txBody>
-          <a:bodyPr/>
-          <a:lstStyle/>
-          <a:p>
-            <a:fld id="{21DC54FF-25FF-4E3C-8E95-B134956906F2}" type="slidenum">
-              <a:rPr lang="fr-FR" smtClean="0"/>
-              <a:t>20</a:t>
-            </a:fld>
-            <a:endParaRPr lang="fr-FR"/>
-          </a:p>
-        </p:txBody>
-      </p:sp>
-      <p:sp>
-        <p:nvSpPr>
-          <p:cNvPr id="5" name="Titre 1">
-            <a:extLst>
-              <a:ext uri="{FF2B5EF4-FFF2-40B4-BE49-F238E27FC236}">
-                <a16:creationId xmlns:a16="http://schemas.microsoft.com/office/drawing/2014/main" id="{86EBD5FD-D57F-3AAF-1FED-E6A8F44295B4}"/>
-              </a:ext>
-            </a:extLst>
-          </p:cNvPr>
-          <p:cNvSpPr>
-            <a:spLocks noGrp="1"/>
-          </p:cNvSpPr>
-          <p:nvPr>
-            <p:ph type="title"/>
-          </p:nvPr>
-        </p:nvSpPr>
-        <p:spPr>
-          <a:xfrm>
-            <a:off x="838200" y="365125"/>
-            <a:ext cx="10515600" cy="1325563"/>
-          </a:xfrm>
-        </p:spPr>
-        <p:txBody>
-          <a:bodyPr/>
-          <a:lstStyle/>
-          <a:p>
-            <a:r>
-              <a:rPr lang="fr-FR" dirty="0">
-                <a:solidFill>
-                  <a:schemeClr val="accent4"/>
-                </a:solidFill>
-              </a:rPr>
-              <a:t>5 Exemple d’utilisation</a:t>
-            </a:r>
-          </a:p>
-        </p:txBody>
-      </p:sp>
-      <p:sp>
-        <p:nvSpPr>
-          <p:cNvPr id="6" name="Espace réservé du contenu 2">
-            <a:extLst>
-              <a:ext uri="{FF2B5EF4-FFF2-40B4-BE49-F238E27FC236}">
-                <a16:creationId xmlns:a16="http://schemas.microsoft.com/office/drawing/2014/main" id="{7FB8F5C2-B094-3BFA-CDA6-C82481939D5A}"/>
-              </a:ext>
-            </a:extLst>
-          </p:cNvPr>
-          <p:cNvSpPr>
-            <a:spLocks noGrp="1"/>
-          </p:cNvSpPr>
-          <p:nvPr>
-            <p:ph idx="1"/>
-          </p:nvPr>
-        </p:nvSpPr>
-        <p:spPr>
-          <a:xfrm>
-            <a:off x="838200" y="1370263"/>
-            <a:ext cx="10515600" cy="640849"/>
-          </a:xfrm>
-        </p:spPr>
-        <p:txBody>
-          <a:bodyPr/>
-          <a:lstStyle/>
-          <a:p>
-            <a:pPr marL="0" indent="0">
-              <a:buNone/>
-            </a:pPr>
-            <a:r>
-              <a:rPr lang="fr-FR" dirty="0">
-                <a:solidFill>
-                  <a:schemeClr val="accent2">
-                    <a:lumMod val="60000"/>
-                    <a:lumOff val="40000"/>
-                  </a:schemeClr>
-                </a:solidFill>
-              </a:rPr>
-              <a:t>5.3.5 Implémentation classe Satellite</a:t>
-            </a:r>
-          </a:p>
-        </p:txBody>
-      </p:sp>
       <p:pic>
         <p:nvPicPr>
           <p:cNvPr id="9" name="Image 8" descr="Une image contenant texte, capture d’écran, logiciel, Police&#10;&#10;Description générée automatiquement">
@@ -8031,6 +7886,123 @@
           </a:prstGeom>
         </p:spPr>
       </p:pic>
+      <p:sp>
+        <p:nvSpPr>
+          <p:cNvPr id="4" name="Espace réservé du numéro de diapositive 3">
+            <a:extLst>
+              <a:ext uri="{FF2B5EF4-FFF2-40B4-BE49-F238E27FC236}">
+                <a16:creationId xmlns:a16="http://schemas.microsoft.com/office/drawing/2014/main" id="{20D2CFFF-6858-FCB0-04CB-A577EDEBE875}"/>
+              </a:ext>
+            </a:extLst>
+          </p:cNvPr>
+          <p:cNvSpPr>
+            <a:spLocks noGrp="1"/>
+          </p:cNvSpPr>
+          <p:nvPr>
+            <p:ph type="sldNum" sz="quarter" idx="12"/>
+          </p:nvPr>
+        </p:nvSpPr>
+        <p:spPr/>
+        <p:txBody>
+          <a:bodyPr/>
+          <a:lstStyle/>
+          <a:p>
+            <a:fld id="{21DC54FF-25FF-4E3C-8E95-B134956906F2}" type="slidenum">
+              <a:rPr lang="fr-FR" sz="4000" smtClean="0">
+                <a:solidFill>
+                  <a:srgbClr val="C00000"/>
+                </a:solidFill>
+              </a:rPr>
+              <a:t>20</a:t>
+            </a:fld>
+            <a:endParaRPr lang="fr-FR" sz="4000" dirty="0">
+              <a:solidFill>
+                <a:srgbClr val="C00000"/>
+              </a:solidFill>
+            </a:endParaRPr>
+          </a:p>
+        </p:txBody>
+      </p:sp>
+      <p:sp>
+        <p:nvSpPr>
+          <p:cNvPr id="5" name="Titre 1">
+            <a:extLst>
+              <a:ext uri="{FF2B5EF4-FFF2-40B4-BE49-F238E27FC236}">
+                <a16:creationId xmlns:a16="http://schemas.microsoft.com/office/drawing/2014/main" id="{86EBD5FD-D57F-3AAF-1FED-E6A8F44295B4}"/>
+              </a:ext>
+            </a:extLst>
+          </p:cNvPr>
+          <p:cNvSpPr>
+            <a:spLocks noGrp="1"/>
+          </p:cNvSpPr>
+          <p:nvPr>
+            <p:ph type="title"/>
+          </p:nvPr>
+        </p:nvSpPr>
+        <p:spPr>
+          <a:xfrm>
+            <a:off x="838200" y="365125"/>
+            <a:ext cx="10515600" cy="1325563"/>
+          </a:xfrm>
+        </p:spPr>
+        <p:txBody>
+          <a:bodyPr/>
+          <a:lstStyle/>
+          <a:p>
+            <a:r>
+              <a:rPr lang="fr-FR" dirty="0">
+                <a:solidFill>
+                  <a:schemeClr val="accent4"/>
+                </a:solidFill>
+              </a:rPr>
+              <a:t>5 Exemple d’utilisation</a:t>
+            </a:r>
+          </a:p>
+        </p:txBody>
+      </p:sp>
+      <p:sp>
+        <p:nvSpPr>
+          <p:cNvPr id="6" name="Espace réservé du contenu 2">
+            <a:extLst>
+              <a:ext uri="{FF2B5EF4-FFF2-40B4-BE49-F238E27FC236}">
+                <a16:creationId xmlns:a16="http://schemas.microsoft.com/office/drawing/2014/main" id="{7FB8F5C2-B094-3BFA-CDA6-C82481939D5A}"/>
+              </a:ext>
+            </a:extLst>
+          </p:cNvPr>
+          <p:cNvSpPr>
+            <a:spLocks noGrp="1"/>
+          </p:cNvSpPr>
+          <p:nvPr>
+            <p:ph idx="1"/>
+          </p:nvPr>
+        </p:nvSpPr>
+        <p:spPr>
+          <a:xfrm>
+            <a:off x="838200" y="1370263"/>
+            <a:ext cx="10515600" cy="640849"/>
+          </a:xfrm>
+        </p:spPr>
+        <p:txBody>
+          <a:bodyPr/>
+          <a:lstStyle/>
+          <a:p>
+            <a:pPr marL="0" indent="0">
+              <a:buNone/>
+            </a:pPr>
+            <a:r>
+              <a:rPr lang="fr-FR" dirty="0">
+                <a:solidFill>
+                  <a:schemeClr val="accent2">
+                    <a:lumMod val="60000"/>
+                    <a:lumOff val="40000"/>
+                  </a:schemeClr>
+                </a:solidFill>
+              </a:rPr>
+              <a:t>5.3.5 Implémentation classe Satellite</a:t>
+            </a:r>
+          </a:p>
+        </p:txBody>
+      </p:sp>
       <p:pic>
         <p:nvPicPr>
           <p:cNvPr id="11" name="Image 10" descr="Une image contenant texte, capture d’écran, Police, nombre&#10;&#10;Description générée automatiquement">
@@ -8287,18 +8259,14 @@
             <a:fld id="{21DC54FF-25FF-4E3C-8E95-B134956906F2}" type="slidenum">
               <a:rPr lang="fr-FR" sz="4000" smtClean="0">
                 <a:solidFill>
-                  <a:schemeClr val="accent2">
-                    <a:lumMod val="50000"/>
-                  </a:schemeClr>
+                  <a:srgbClr val="C00000"/>
                 </a:solidFill>
               </a:rPr>
               <a:t>21</a:t>
             </a:fld>
             <a:endParaRPr lang="fr-FR" sz="4000" dirty="0">
               <a:solidFill>
-                <a:schemeClr val="accent2">
-                  <a:lumMod val="50000"/>
-                </a:schemeClr>
+                <a:srgbClr val="C00000"/>
               </a:solidFill>
             </a:endParaRPr>
           </a:p>
@@ -8469,18 +8437,14 @@
             <a:fld id="{21DC54FF-25FF-4E3C-8E95-B134956906F2}" type="slidenum">
               <a:rPr lang="fr-FR" sz="4000" smtClean="0">
                 <a:solidFill>
-                  <a:schemeClr val="accent2">
-                    <a:lumMod val="50000"/>
-                  </a:schemeClr>
+                  <a:srgbClr val="C00000"/>
                 </a:solidFill>
               </a:rPr>
               <a:t>22</a:t>
             </a:fld>
             <a:endParaRPr lang="fr-FR" sz="4000" dirty="0">
               <a:solidFill>
-                <a:schemeClr val="accent2">
-                  <a:lumMod val="50000"/>
-                </a:schemeClr>
+                <a:srgbClr val="C00000"/>
               </a:solidFill>
             </a:endParaRPr>
           </a:p>
@@ -8652,18 +8616,14 @@
             <a:fld id="{21DC54FF-25FF-4E3C-8E95-B134956906F2}" type="slidenum">
               <a:rPr lang="fr-FR" sz="4000" smtClean="0">
                 <a:solidFill>
-                  <a:schemeClr val="accent2">
-                    <a:lumMod val="50000"/>
-                  </a:schemeClr>
+                  <a:srgbClr val="C00000"/>
                 </a:solidFill>
               </a:rPr>
               <a:t>23</a:t>
             </a:fld>
             <a:endParaRPr lang="fr-FR" sz="4000" dirty="0">
               <a:solidFill>
-                <a:schemeClr val="accent2">
-                  <a:lumMod val="50000"/>
-                </a:schemeClr>
+                <a:srgbClr val="C00000"/>
               </a:solidFill>
             </a:endParaRPr>
           </a:p>
@@ -8873,18 +8833,14 @@
             <a:fld id="{21DC54FF-25FF-4E3C-8E95-B134956906F2}" type="slidenum">
               <a:rPr lang="fr-FR" sz="4000" smtClean="0">
                 <a:solidFill>
-                  <a:schemeClr val="accent2">
-                    <a:lumMod val="50000"/>
-                  </a:schemeClr>
+                  <a:srgbClr val="C00000"/>
                 </a:solidFill>
               </a:rPr>
               <a:t>24</a:t>
             </a:fld>
             <a:endParaRPr lang="fr-FR" sz="4000" dirty="0">
               <a:solidFill>
-                <a:schemeClr val="accent2">
-                  <a:lumMod val="50000"/>
-                </a:schemeClr>
+                <a:srgbClr val="C00000"/>
               </a:solidFill>
             </a:endParaRPr>
           </a:p>
@@ -8986,7 +8942,7 @@
         </p:blipFill>
         <p:spPr>
           <a:xfrm>
-            <a:off x="2832691" y="2675358"/>
+            <a:off x="4460323" y="2620494"/>
             <a:ext cx="3095625" cy="3095625"/>
           </a:xfrm>
           <a:prstGeom prst="rect">
@@ -9022,8 +8978,8 @@
         </p:blipFill>
         <p:spPr>
           <a:xfrm>
-            <a:off x="6772381" y="2675358"/>
-            <a:ext cx="2307611" cy="2991434"/>
+            <a:off x="10749545" y="5230368"/>
+            <a:ext cx="1027927" cy="1332536"/>
           </a:xfrm>
           <a:prstGeom prst="rect">
             <a:avLst/>
@@ -9168,18 +9124,14 @@
             <a:fld id="{21DC54FF-25FF-4E3C-8E95-B134956906F2}" type="slidenum">
               <a:rPr lang="fr-FR" sz="4000" smtClean="0">
                 <a:solidFill>
-                  <a:schemeClr val="accent2">
-                    <a:lumMod val="50000"/>
-                  </a:schemeClr>
+                  <a:srgbClr val="C00000"/>
                 </a:solidFill>
               </a:rPr>
               <a:t>3</a:t>
             </a:fld>
             <a:endParaRPr lang="fr-FR" sz="4000" dirty="0">
               <a:solidFill>
-                <a:schemeClr val="accent2">
-                  <a:lumMod val="50000"/>
-                </a:schemeClr>
+                <a:srgbClr val="C00000"/>
               </a:solidFill>
             </a:endParaRPr>
           </a:p>
@@ -9374,18 +9326,14 @@
             <a:fld id="{21DC54FF-25FF-4E3C-8E95-B134956906F2}" type="slidenum">
               <a:rPr lang="fr-FR" sz="4000" smtClean="0">
                 <a:solidFill>
-                  <a:schemeClr val="accent2">
-                    <a:lumMod val="50000"/>
-                  </a:schemeClr>
+                  <a:srgbClr val="C00000"/>
                 </a:solidFill>
               </a:rPr>
               <a:t>4</a:t>
             </a:fld>
             <a:endParaRPr lang="fr-FR" sz="4000" dirty="0">
               <a:solidFill>
-                <a:schemeClr val="accent2">
-                  <a:lumMod val="50000"/>
-                </a:schemeClr>
+                <a:srgbClr val="C00000"/>
               </a:solidFill>
             </a:endParaRPr>
           </a:p>
@@ -9592,18 +9540,14 @@
             <a:fld id="{21DC54FF-25FF-4E3C-8E95-B134956906F2}" type="slidenum">
               <a:rPr lang="fr-FR" sz="4000" smtClean="0">
                 <a:solidFill>
-                  <a:schemeClr val="accent2">
-                    <a:lumMod val="50000"/>
-                  </a:schemeClr>
+                  <a:srgbClr val="C00000"/>
                 </a:solidFill>
               </a:rPr>
               <a:t>5</a:t>
             </a:fld>
             <a:endParaRPr lang="fr-FR" sz="4000" dirty="0">
               <a:solidFill>
-                <a:schemeClr val="accent2">
-                  <a:lumMod val="50000"/>
-                </a:schemeClr>
+                <a:srgbClr val="C00000"/>
               </a:solidFill>
             </a:endParaRPr>
           </a:p>
@@ -9762,18 +9706,14 @@
             <a:fld id="{21DC54FF-25FF-4E3C-8E95-B134956906F2}" type="slidenum">
               <a:rPr lang="fr-FR" sz="4000" smtClean="0">
                 <a:solidFill>
-                  <a:schemeClr val="accent2">
-                    <a:lumMod val="50000"/>
-                  </a:schemeClr>
+                  <a:srgbClr val="C00000"/>
                 </a:solidFill>
               </a:rPr>
               <a:t>6</a:t>
             </a:fld>
             <a:endParaRPr lang="fr-FR" sz="4000" dirty="0">
               <a:solidFill>
-                <a:schemeClr val="accent2">
-                  <a:lumMod val="50000"/>
-                </a:schemeClr>
+                <a:srgbClr val="C00000"/>
               </a:solidFill>
             </a:endParaRPr>
           </a:p>
@@ -11099,18 +11039,14 @@
             <a:fld id="{21DC54FF-25FF-4E3C-8E95-B134956906F2}" type="slidenum">
               <a:rPr lang="fr-FR" sz="4000" smtClean="0">
                 <a:solidFill>
-                  <a:schemeClr val="accent2">
-                    <a:lumMod val="50000"/>
-                  </a:schemeClr>
+                  <a:srgbClr val="C00000"/>
                 </a:solidFill>
               </a:rPr>
               <a:t>7</a:t>
             </a:fld>
             <a:endParaRPr lang="fr-FR" sz="4000" dirty="0">
               <a:solidFill>
-                <a:schemeClr val="accent2">
-                  <a:lumMod val="50000"/>
-                </a:schemeClr>
+                <a:srgbClr val="C00000"/>
               </a:solidFill>
             </a:endParaRPr>
           </a:p>
@@ -11261,18 +11197,14 @@
             <a:fld id="{21DC54FF-25FF-4E3C-8E95-B134956906F2}" type="slidenum">
               <a:rPr lang="fr-FR" sz="4000" smtClean="0">
                 <a:solidFill>
-                  <a:schemeClr val="accent2">
-                    <a:lumMod val="50000"/>
-                  </a:schemeClr>
+                  <a:srgbClr val="C00000"/>
                 </a:solidFill>
               </a:rPr>
               <a:t>8</a:t>
             </a:fld>
             <a:endParaRPr lang="fr-FR" sz="4000" dirty="0">
               <a:solidFill>
-                <a:schemeClr val="accent2">
-                  <a:lumMod val="50000"/>
-                </a:schemeClr>
+                <a:srgbClr val="C00000"/>
               </a:solidFill>
             </a:endParaRPr>
           </a:p>
@@ -11495,18 +11427,14 @@
             <a:fld id="{21DC54FF-25FF-4E3C-8E95-B134956906F2}" type="slidenum">
               <a:rPr lang="fr-FR" sz="4000" smtClean="0">
                 <a:solidFill>
-                  <a:schemeClr val="accent2">
-                    <a:lumMod val="50000"/>
-                  </a:schemeClr>
+                  <a:srgbClr val="C00000"/>
                 </a:solidFill>
               </a:rPr>
               <a:t>9</a:t>
             </a:fld>
             <a:endParaRPr lang="fr-FR" sz="4000" dirty="0">
               <a:solidFill>
-                <a:schemeClr val="accent2">
-                  <a:lumMod val="50000"/>
-                </a:schemeClr>
+                <a:srgbClr val="C00000"/>
               </a:solidFill>
             </a:endParaRPr>
           </a:p>
